--- a/theory/submission/result_presentation.pptx
+++ b/theory/submission/result_presentation.pptx
@@ -5,7 +5,7 @@
     <p:sldMasterId id="2147483648" r:id="rId1"/>
   </p:sldMasterIdLst>
   <p:notesMasterIdLst>
-    <p:notesMasterId r:id="rId10"/>
+    <p:notesMasterId r:id="rId15"/>
   </p:notesMasterIdLst>
   <p:sldIdLst>
     <p:sldId id="256" r:id="rId2"/>
@@ -16,6 +16,11 @@
     <p:sldId id="261" r:id="rId7"/>
     <p:sldId id="262" r:id="rId8"/>
     <p:sldId id="263" r:id="rId9"/>
+    <p:sldId id="264" r:id="rId10"/>
+    <p:sldId id="265" r:id="rId11"/>
+    <p:sldId id="266" r:id="rId12"/>
+    <p:sldId id="267" r:id="rId13"/>
+    <p:sldId id="268" r:id="rId14"/>
   </p:sldIdLst>
   <p:sldSz cx="12192000" cy="6858000"/>
   <p:notesSz cx="6858000" cy="9144000"/>
@@ -204,7 +209,7 @@
           <a:p>
             <a:fld id="{8EB49EC5-088D-473F-9BFC-E2740B5DA688}" type="datetimeFigureOut">
               <a:rPr lang="de-DE" smtClean="0"/>
-              <a:t>07.04.2022</a:t>
+              <a:t>11.04.2022</a:t>
             </a:fld>
             <a:endParaRPr lang="de-DE"/>
           </a:p>
@@ -882,7 +887,7 @@
           <a:p>
             <a:fld id="{E47F9164-12F9-48A6-9622-CDF71CB57A75}" type="datetimeFigureOut">
               <a:rPr lang="de-DE" smtClean="0"/>
-              <a:t>07.04.2022</a:t>
+              <a:t>11.04.2022</a:t>
             </a:fld>
             <a:endParaRPr lang="de-DE"/>
           </a:p>
@@ -1080,7 +1085,7 @@
           <a:p>
             <a:fld id="{E47F9164-12F9-48A6-9622-CDF71CB57A75}" type="datetimeFigureOut">
               <a:rPr lang="de-DE" smtClean="0"/>
-              <a:t>07.04.2022</a:t>
+              <a:t>11.04.2022</a:t>
             </a:fld>
             <a:endParaRPr lang="de-DE"/>
           </a:p>
@@ -1288,7 +1293,7 @@
           <a:p>
             <a:fld id="{E47F9164-12F9-48A6-9622-CDF71CB57A75}" type="datetimeFigureOut">
               <a:rPr lang="de-DE" smtClean="0"/>
-              <a:t>07.04.2022</a:t>
+              <a:t>11.04.2022</a:t>
             </a:fld>
             <a:endParaRPr lang="de-DE"/>
           </a:p>
@@ -1486,7 +1491,7 @@
           <a:p>
             <a:fld id="{E47F9164-12F9-48A6-9622-CDF71CB57A75}" type="datetimeFigureOut">
               <a:rPr lang="de-DE" smtClean="0"/>
-              <a:t>07.04.2022</a:t>
+              <a:t>11.04.2022</a:t>
             </a:fld>
             <a:endParaRPr lang="de-DE"/>
           </a:p>
@@ -1761,7 +1766,7 @@
           <a:p>
             <a:fld id="{E47F9164-12F9-48A6-9622-CDF71CB57A75}" type="datetimeFigureOut">
               <a:rPr lang="de-DE" smtClean="0"/>
-              <a:t>07.04.2022</a:t>
+              <a:t>11.04.2022</a:t>
             </a:fld>
             <a:endParaRPr lang="de-DE"/>
           </a:p>
@@ -2026,7 +2031,7 @@
           <a:p>
             <a:fld id="{E47F9164-12F9-48A6-9622-CDF71CB57A75}" type="datetimeFigureOut">
               <a:rPr lang="de-DE" smtClean="0"/>
-              <a:t>07.04.2022</a:t>
+              <a:t>11.04.2022</a:t>
             </a:fld>
             <a:endParaRPr lang="de-DE"/>
           </a:p>
@@ -2438,7 +2443,7 @@
           <a:p>
             <a:fld id="{E47F9164-12F9-48A6-9622-CDF71CB57A75}" type="datetimeFigureOut">
               <a:rPr lang="de-DE" smtClean="0"/>
-              <a:t>07.04.2022</a:t>
+              <a:t>11.04.2022</a:t>
             </a:fld>
             <a:endParaRPr lang="de-DE"/>
           </a:p>
@@ -2579,7 +2584,7 @@
           <a:p>
             <a:fld id="{E47F9164-12F9-48A6-9622-CDF71CB57A75}" type="datetimeFigureOut">
               <a:rPr lang="de-DE" smtClean="0"/>
-              <a:t>07.04.2022</a:t>
+              <a:t>11.04.2022</a:t>
             </a:fld>
             <a:endParaRPr lang="de-DE"/>
           </a:p>
@@ -2692,7 +2697,7 @@
           <a:p>
             <a:fld id="{E47F9164-12F9-48A6-9622-CDF71CB57A75}" type="datetimeFigureOut">
               <a:rPr lang="de-DE" smtClean="0"/>
-              <a:t>07.04.2022</a:t>
+              <a:t>11.04.2022</a:t>
             </a:fld>
             <a:endParaRPr lang="de-DE"/>
           </a:p>
@@ -3003,7 +3008,7 @@
           <a:p>
             <a:fld id="{E47F9164-12F9-48A6-9622-CDF71CB57A75}" type="datetimeFigureOut">
               <a:rPr lang="de-DE" smtClean="0"/>
-              <a:t>07.04.2022</a:t>
+              <a:t>11.04.2022</a:t>
             </a:fld>
             <a:endParaRPr lang="de-DE"/>
           </a:p>
@@ -3291,7 +3296,7 @@
           <a:p>
             <a:fld id="{E47F9164-12F9-48A6-9622-CDF71CB57A75}" type="datetimeFigureOut">
               <a:rPr lang="de-DE" smtClean="0"/>
-              <a:t>07.04.2022</a:t>
+              <a:t>11.04.2022</a:t>
             </a:fld>
             <a:endParaRPr lang="de-DE"/>
           </a:p>
@@ -3532,7 +3537,7 @@
           <a:p>
             <a:fld id="{E47F9164-12F9-48A6-9622-CDF71CB57A75}" type="datetimeFigureOut">
               <a:rPr lang="de-DE" smtClean="0"/>
-              <a:t>07.04.2022</a:t>
+              <a:t>11.04.2022</a:t>
             </a:fld>
             <a:endParaRPr lang="de-DE"/>
           </a:p>
@@ -4033,6 +4038,814 @@
     <p:extLst>
       <p:ext uri="{BB962C8B-B14F-4D97-AF65-F5344CB8AC3E}">
         <p14:creationId xmlns:p14="http://schemas.microsoft.com/office/powerpoint/2010/main" val="1345203633"/>
+      </p:ext>
+    </p:extLst>
+  </p:cSld>
+  <p:clrMapOvr>
+    <a:masterClrMapping/>
+  </p:clrMapOvr>
+</p:sld>
+</file>
+
+<file path=ppt/slides/slide10.xml><?xml version="1.0" encoding="utf-8"?>
+<p:sld xmlns:a="http://schemas.openxmlformats.org/drawingml/2006/main" xmlns:r="http://schemas.openxmlformats.org/officeDocument/2006/relationships" xmlns:p="http://schemas.openxmlformats.org/presentationml/2006/main">
+  <p:cSld>
+    <p:spTree>
+      <p:nvGrpSpPr>
+        <p:cNvPr id="1" name=""/>
+        <p:cNvGrpSpPr/>
+        <p:nvPr/>
+      </p:nvGrpSpPr>
+      <p:grpSpPr>
+        <a:xfrm>
+          <a:off x="0" y="0"/>
+          <a:ext cx="0" cy="0"/>
+          <a:chOff x="0" y="0"/>
+          <a:chExt cx="0" cy="0"/>
+        </a:xfrm>
+      </p:grpSpPr>
+      <p:sp>
+        <p:nvSpPr>
+          <p:cNvPr id="2" name="Titel 1">
+            <a:extLst>
+              <a:ext uri="{FF2B5EF4-FFF2-40B4-BE49-F238E27FC236}">
+                <a16:creationId xmlns:a16="http://schemas.microsoft.com/office/drawing/2014/main" id="{2911F67F-327B-4C51-B9E3-A1D3BCC720A5}"/>
+              </a:ext>
+            </a:extLst>
+          </p:cNvPr>
+          <p:cNvSpPr>
+            <a:spLocks noGrp="1"/>
+          </p:cNvSpPr>
+          <p:nvPr>
+            <p:ph type="title"/>
+          </p:nvPr>
+        </p:nvSpPr>
+        <p:spPr/>
+        <p:txBody>
+          <a:bodyPr>
+            <a:normAutofit fontScale="90000"/>
+          </a:bodyPr>
+          <a:lstStyle/>
+          <a:p>
+            <a:r>
+              <a:rPr lang="de-DE" dirty="0"/>
+              <a:t>Mathematische Herleitungen</a:t>
+            </a:r>
+            <a:br>
+              <a:rPr lang="de-DE" dirty="0"/>
+            </a:br>
+            <a:r>
+              <a:rPr lang="de-DE" sz="2400" dirty="0" err="1"/>
+              <a:t>Backward</a:t>
+            </a:r>
+            <a:r>
+              <a:rPr lang="de-DE" sz="2400" dirty="0"/>
+              <a:t>-Propagation für ein einziges Input</a:t>
+            </a:r>
+            <a:br>
+              <a:rPr lang="de-DE" sz="2400" dirty="0"/>
+            </a:br>
+            <a:r>
+              <a:rPr lang="de-DE" sz="2400" dirty="0"/>
+              <a:t>Fehler bei einem beliebigem Hidden Layer</a:t>
+            </a:r>
+            <a:endParaRPr lang="de-DE" dirty="0"/>
+          </a:p>
+        </p:txBody>
+      </p:sp>
+      <p:pic>
+        <p:nvPicPr>
+          <p:cNvPr id="4" name="Grafik 3">
+            <a:extLst>
+              <a:ext uri="{FF2B5EF4-FFF2-40B4-BE49-F238E27FC236}">
+                <a16:creationId xmlns:a16="http://schemas.microsoft.com/office/drawing/2014/main" id="{B6D84905-5699-45F5-99AD-F3AA611AAD0A}"/>
+              </a:ext>
+            </a:extLst>
+          </p:cNvPr>
+          <p:cNvPicPr>
+            <a:picLocks noChangeAspect="1"/>
+          </p:cNvPicPr>
+          <p:nvPr/>
+        </p:nvPicPr>
+        <p:blipFill>
+          <a:blip r:embed="rId2"/>
+          <a:stretch>
+            <a:fillRect/>
+          </a:stretch>
+        </p:blipFill>
+        <p:spPr>
+          <a:xfrm>
+            <a:off x="422626" y="3429000"/>
+            <a:ext cx="3312129" cy="620225"/>
+          </a:xfrm>
+          <a:prstGeom prst="rect">
+            <a:avLst/>
+          </a:prstGeom>
+        </p:spPr>
+      </p:pic>
+      <p:pic>
+        <p:nvPicPr>
+          <p:cNvPr id="19" name="Grafik 18">
+            <a:extLst>
+              <a:ext uri="{FF2B5EF4-FFF2-40B4-BE49-F238E27FC236}">
+                <a16:creationId xmlns:a16="http://schemas.microsoft.com/office/drawing/2014/main" id="{4D536E9C-8FF4-43AD-AC5A-261C3A8E28AD}"/>
+              </a:ext>
+            </a:extLst>
+          </p:cNvPr>
+          <p:cNvPicPr>
+            <a:picLocks noChangeAspect="1"/>
+          </p:cNvPicPr>
+          <p:nvPr/>
+        </p:nvPicPr>
+        <p:blipFill>
+          <a:blip r:embed="rId3"/>
+          <a:stretch>
+            <a:fillRect/>
+          </a:stretch>
+        </p:blipFill>
+        <p:spPr>
+          <a:xfrm>
+            <a:off x="6182970" y="3032568"/>
+            <a:ext cx="2581203" cy="512491"/>
+          </a:xfrm>
+          <a:prstGeom prst="rect">
+            <a:avLst/>
+          </a:prstGeom>
+        </p:spPr>
+      </p:pic>
+      <p:sp>
+        <p:nvSpPr>
+          <p:cNvPr id="3" name="Pfeil: nach rechts 2">
+            <a:extLst>
+              <a:ext uri="{FF2B5EF4-FFF2-40B4-BE49-F238E27FC236}">
+                <a16:creationId xmlns:a16="http://schemas.microsoft.com/office/drawing/2014/main" id="{C69DC2CD-C759-4B62-BAD1-8F72661C9B4B}"/>
+              </a:ext>
+            </a:extLst>
+          </p:cNvPr>
+          <p:cNvSpPr/>
+          <p:nvPr/>
+        </p:nvSpPr>
+        <p:spPr>
+          <a:xfrm>
+            <a:off x="4464148" y="3545059"/>
+            <a:ext cx="1045698" cy="553329"/>
+          </a:xfrm>
+          <a:prstGeom prst="rightArrow">
+            <a:avLst/>
+          </a:prstGeom>
+          <a:solidFill>
+            <a:schemeClr val="tx1"/>
+          </a:solidFill>
+          <a:ln>
+            <a:solidFill>
+              <a:schemeClr val="tx1"/>
+            </a:solidFill>
+          </a:ln>
+        </p:spPr>
+        <p:style>
+          <a:lnRef idx="2">
+            <a:schemeClr val="accent1">
+              <a:shade val="50000"/>
+            </a:schemeClr>
+          </a:lnRef>
+          <a:fillRef idx="1">
+            <a:schemeClr val="accent1"/>
+          </a:fillRef>
+          <a:effectRef idx="0">
+            <a:schemeClr val="accent1"/>
+          </a:effectRef>
+          <a:fontRef idx="minor">
+            <a:schemeClr val="lt1"/>
+          </a:fontRef>
+        </p:style>
+        <p:txBody>
+          <a:bodyPr rtlCol="0" anchor="ctr"/>
+          <a:lstStyle/>
+          <a:p>
+            <a:pPr algn="ctr"/>
+            <a:endParaRPr lang="de-DE"/>
+          </a:p>
+        </p:txBody>
+      </p:sp>
+      <p:pic>
+        <p:nvPicPr>
+          <p:cNvPr id="6" name="Grafik 5">
+            <a:extLst>
+              <a:ext uri="{FF2B5EF4-FFF2-40B4-BE49-F238E27FC236}">
+                <a16:creationId xmlns:a16="http://schemas.microsoft.com/office/drawing/2014/main" id="{0AE75D43-F188-4C1F-83DD-10828BF8056D}"/>
+              </a:ext>
+            </a:extLst>
+          </p:cNvPr>
+          <p:cNvPicPr>
+            <a:picLocks noChangeAspect="1"/>
+          </p:cNvPicPr>
+          <p:nvPr/>
+        </p:nvPicPr>
+        <p:blipFill>
+          <a:blip r:embed="rId4"/>
+          <a:stretch>
+            <a:fillRect/>
+          </a:stretch>
+        </p:blipFill>
+        <p:spPr>
+          <a:xfrm>
+            <a:off x="6278807" y="3948846"/>
+            <a:ext cx="2485366" cy="471251"/>
+          </a:xfrm>
+          <a:prstGeom prst="rect">
+            <a:avLst/>
+          </a:prstGeom>
+        </p:spPr>
+      </p:pic>
+      <p:sp>
+        <p:nvSpPr>
+          <p:cNvPr id="7" name="Geschweifte Klammer rechts 6">
+            <a:extLst>
+              <a:ext uri="{FF2B5EF4-FFF2-40B4-BE49-F238E27FC236}">
+                <a16:creationId xmlns:a16="http://schemas.microsoft.com/office/drawing/2014/main" id="{2DFBA2BD-8B5E-400C-A35D-7EAD4DA4E165}"/>
+              </a:ext>
+            </a:extLst>
+          </p:cNvPr>
+          <p:cNvSpPr/>
+          <p:nvPr/>
+        </p:nvSpPr>
+        <p:spPr>
+          <a:xfrm>
+            <a:off x="8918916" y="3169238"/>
+            <a:ext cx="215705" cy="1250859"/>
+          </a:xfrm>
+          <a:prstGeom prst="rightBrace">
+            <a:avLst/>
+          </a:prstGeom>
+          <a:ln>
+            <a:solidFill>
+              <a:schemeClr val="tx1"/>
+            </a:solidFill>
+          </a:ln>
+        </p:spPr>
+        <p:style>
+          <a:lnRef idx="1">
+            <a:schemeClr val="accent1"/>
+          </a:lnRef>
+          <a:fillRef idx="0">
+            <a:schemeClr val="accent1"/>
+          </a:fillRef>
+          <a:effectRef idx="0">
+            <a:schemeClr val="accent1"/>
+          </a:effectRef>
+          <a:fontRef idx="minor">
+            <a:schemeClr val="tx1"/>
+          </a:fontRef>
+        </p:style>
+        <p:txBody>
+          <a:bodyPr rtlCol="0" anchor="ctr"/>
+          <a:lstStyle/>
+          <a:p>
+            <a:pPr algn="ctr"/>
+            <a:endParaRPr lang="de-DE"/>
+          </a:p>
+        </p:txBody>
+      </p:sp>
+      <p:sp>
+        <p:nvSpPr>
+          <p:cNvPr id="9" name="Textfeld 8">
+            <a:extLst>
+              <a:ext uri="{FF2B5EF4-FFF2-40B4-BE49-F238E27FC236}">
+                <a16:creationId xmlns:a16="http://schemas.microsoft.com/office/drawing/2014/main" id="{7989E510-276B-4894-BE2B-95CA006623D0}"/>
+              </a:ext>
+            </a:extLst>
+          </p:cNvPr>
+          <p:cNvSpPr txBox="1"/>
+          <p:nvPr/>
+        </p:nvSpPr>
+        <p:spPr>
+          <a:xfrm>
+            <a:off x="9322191" y="3415946"/>
+            <a:ext cx="2105464" cy="923330"/>
+          </a:xfrm>
+          <a:prstGeom prst="rect">
+            <a:avLst/>
+          </a:prstGeom>
+          <a:noFill/>
+        </p:spPr>
+        <p:txBody>
+          <a:bodyPr wrap="square" rtlCol="0">
+            <a:spAutoFit/>
+          </a:bodyPr>
+          <a:lstStyle/>
+          <a:p>
+            <a:r>
+              <a:rPr lang="de-DE" dirty="0"/>
+              <a:t>Allgemeingültige Lösung, die für jedes Hidden Layer gilt</a:t>
+            </a:r>
+          </a:p>
+        </p:txBody>
+      </p:sp>
+    </p:spTree>
+    <p:extLst>
+      <p:ext uri="{BB962C8B-B14F-4D97-AF65-F5344CB8AC3E}">
+        <p14:creationId xmlns:p14="http://schemas.microsoft.com/office/powerpoint/2010/main" val="3436425990"/>
+      </p:ext>
+    </p:extLst>
+  </p:cSld>
+  <p:clrMapOvr>
+    <a:masterClrMapping/>
+  </p:clrMapOvr>
+</p:sld>
+</file>
+
+<file path=ppt/slides/slide11.xml><?xml version="1.0" encoding="utf-8"?>
+<p:sld xmlns:a="http://schemas.openxmlformats.org/drawingml/2006/main" xmlns:r="http://schemas.openxmlformats.org/officeDocument/2006/relationships" xmlns:p="http://schemas.openxmlformats.org/presentationml/2006/main">
+  <p:cSld>
+    <p:spTree>
+      <p:nvGrpSpPr>
+        <p:cNvPr id="1" name=""/>
+        <p:cNvGrpSpPr/>
+        <p:nvPr/>
+      </p:nvGrpSpPr>
+      <p:grpSpPr>
+        <a:xfrm>
+          <a:off x="0" y="0"/>
+          <a:ext cx="0" cy="0"/>
+          <a:chOff x="0" y="0"/>
+          <a:chExt cx="0" cy="0"/>
+        </a:xfrm>
+      </p:grpSpPr>
+      <p:sp>
+        <p:nvSpPr>
+          <p:cNvPr id="2" name="Titel 1">
+            <a:extLst>
+              <a:ext uri="{FF2B5EF4-FFF2-40B4-BE49-F238E27FC236}">
+                <a16:creationId xmlns:a16="http://schemas.microsoft.com/office/drawing/2014/main" id="{2911F67F-327B-4C51-B9E3-A1D3BCC720A5}"/>
+              </a:ext>
+            </a:extLst>
+          </p:cNvPr>
+          <p:cNvSpPr>
+            <a:spLocks noGrp="1"/>
+          </p:cNvSpPr>
+          <p:nvPr>
+            <p:ph type="title"/>
+          </p:nvPr>
+        </p:nvSpPr>
+        <p:spPr/>
+        <p:txBody>
+          <a:bodyPr>
+            <a:normAutofit fontScale="90000"/>
+          </a:bodyPr>
+          <a:lstStyle/>
+          <a:p>
+            <a:r>
+              <a:rPr lang="de-DE" dirty="0"/>
+              <a:t>Mathematische Herleitungen</a:t>
+            </a:r>
+            <a:br>
+              <a:rPr lang="de-DE" dirty="0"/>
+            </a:br>
+            <a:r>
+              <a:rPr lang="de-DE" sz="2400" dirty="0" err="1"/>
+              <a:t>Backward</a:t>
+            </a:r>
+            <a:r>
+              <a:rPr lang="de-DE" sz="2400" dirty="0"/>
+              <a:t>-Propagation für ein einziges Input</a:t>
+            </a:r>
+            <a:br>
+              <a:rPr lang="de-DE" sz="2400" dirty="0"/>
+            </a:br>
+            <a:r>
+              <a:rPr lang="de-DE" sz="2400" dirty="0"/>
+              <a:t>Fehler bei einem beliebigem Hidden Layer</a:t>
+            </a:r>
+            <a:endParaRPr lang="de-DE" dirty="0"/>
+          </a:p>
+        </p:txBody>
+      </p:sp>
+      <p:pic>
+        <p:nvPicPr>
+          <p:cNvPr id="8" name="Grafik 7">
+            <a:extLst>
+              <a:ext uri="{FF2B5EF4-FFF2-40B4-BE49-F238E27FC236}">
+                <a16:creationId xmlns:a16="http://schemas.microsoft.com/office/drawing/2014/main" id="{10CCADD4-E2AB-4321-B26B-2CA0FBE03E86}"/>
+              </a:ext>
+            </a:extLst>
+          </p:cNvPr>
+          <p:cNvPicPr>
+            <a:picLocks noChangeAspect="1"/>
+          </p:cNvPicPr>
+          <p:nvPr/>
+        </p:nvPicPr>
+        <p:blipFill>
+          <a:blip r:embed="rId2"/>
+          <a:stretch>
+            <a:fillRect/>
+          </a:stretch>
+        </p:blipFill>
+        <p:spPr>
+          <a:xfrm>
+            <a:off x="838200" y="2251406"/>
+            <a:ext cx="7033845" cy="1488618"/>
+          </a:xfrm>
+          <a:prstGeom prst="rect">
+            <a:avLst/>
+          </a:prstGeom>
+        </p:spPr>
+      </p:pic>
+      <p:pic>
+        <p:nvPicPr>
+          <p:cNvPr id="11" name="Grafik 10">
+            <a:extLst>
+              <a:ext uri="{FF2B5EF4-FFF2-40B4-BE49-F238E27FC236}">
+                <a16:creationId xmlns:a16="http://schemas.microsoft.com/office/drawing/2014/main" id="{588BD894-F37E-4E15-9EFE-7A9D3BBD1E61}"/>
+              </a:ext>
+            </a:extLst>
+          </p:cNvPr>
+          <p:cNvPicPr>
+            <a:picLocks noChangeAspect="1"/>
+          </p:cNvPicPr>
+          <p:nvPr/>
+        </p:nvPicPr>
+        <p:blipFill>
+          <a:blip r:embed="rId3"/>
+          <a:stretch>
+            <a:fillRect/>
+          </a:stretch>
+        </p:blipFill>
+        <p:spPr>
+          <a:xfrm>
+            <a:off x="1112519" y="4344238"/>
+            <a:ext cx="6485206" cy="1158073"/>
+          </a:xfrm>
+          <a:prstGeom prst="rect">
+            <a:avLst/>
+          </a:prstGeom>
+        </p:spPr>
+      </p:pic>
+      <p:sp>
+        <p:nvSpPr>
+          <p:cNvPr id="12" name="Geschweifte Klammer rechts 11">
+            <a:extLst>
+              <a:ext uri="{FF2B5EF4-FFF2-40B4-BE49-F238E27FC236}">
+                <a16:creationId xmlns:a16="http://schemas.microsoft.com/office/drawing/2014/main" id="{23BC9135-7F04-4B30-9A94-D17CE2C23353}"/>
+              </a:ext>
+            </a:extLst>
+          </p:cNvPr>
+          <p:cNvSpPr/>
+          <p:nvPr/>
+        </p:nvSpPr>
+        <p:spPr>
+          <a:xfrm>
+            <a:off x="7985760" y="2325858"/>
+            <a:ext cx="337625" cy="3226191"/>
+          </a:xfrm>
+          <a:prstGeom prst="rightBrace">
+            <a:avLst/>
+          </a:prstGeom>
+          <a:ln>
+            <a:solidFill>
+              <a:schemeClr val="tx1"/>
+            </a:solidFill>
+          </a:ln>
+        </p:spPr>
+        <p:style>
+          <a:lnRef idx="1">
+            <a:schemeClr val="accent1"/>
+          </a:lnRef>
+          <a:fillRef idx="0">
+            <a:schemeClr val="accent1"/>
+          </a:fillRef>
+          <a:effectRef idx="0">
+            <a:schemeClr val="accent1"/>
+          </a:effectRef>
+          <a:fontRef idx="minor">
+            <a:schemeClr val="tx1"/>
+          </a:fontRef>
+        </p:style>
+        <p:txBody>
+          <a:bodyPr rtlCol="0" anchor="ctr"/>
+          <a:lstStyle/>
+          <a:p>
+            <a:pPr algn="ctr"/>
+            <a:endParaRPr lang="de-DE"/>
+          </a:p>
+        </p:txBody>
+      </p:sp>
+      <p:sp>
+        <p:nvSpPr>
+          <p:cNvPr id="13" name="Textfeld 12">
+            <a:extLst>
+              <a:ext uri="{FF2B5EF4-FFF2-40B4-BE49-F238E27FC236}">
+                <a16:creationId xmlns:a16="http://schemas.microsoft.com/office/drawing/2014/main" id="{381AE7DD-89EE-4899-8A2F-D47D6CC1969A}"/>
+              </a:ext>
+            </a:extLst>
+          </p:cNvPr>
+          <p:cNvSpPr txBox="1"/>
+          <p:nvPr/>
+        </p:nvSpPr>
+        <p:spPr>
+          <a:xfrm>
+            <a:off x="8496886" y="3198056"/>
+            <a:ext cx="2921391" cy="1200329"/>
+          </a:xfrm>
+          <a:prstGeom prst="rect">
+            <a:avLst/>
+          </a:prstGeom>
+          <a:noFill/>
+        </p:spPr>
+        <p:txBody>
+          <a:bodyPr wrap="square" rtlCol="0">
+            <a:spAutoFit/>
+          </a:bodyPr>
+          <a:lstStyle/>
+          <a:p>
+            <a:r>
+              <a:rPr lang="de-DE" dirty="0"/>
+              <a:t>Ergebnis, wenn die Aktivierungsfunktion im Hidden Layer die Sigmoid Funktion ist</a:t>
+            </a:r>
+          </a:p>
+        </p:txBody>
+      </p:sp>
+    </p:spTree>
+    <p:extLst>
+      <p:ext uri="{BB962C8B-B14F-4D97-AF65-F5344CB8AC3E}">
+        <p14:creationId xmlns:p14="http://schemas.microsoft.com/office/powerpoint/2010/main" val="774040596"/>
+      </p:ext>
+    </p:extLst>
+  </p:cSld>
+  <p:clrMapOvr>
+    <a:masterClrMapping/>
+  </p:clrMapOvr>
+</p:sld>
+</file>
+
+<file path=ppt/slides/slide12.xml><?xml version="1.0" encoding="utf-8"?>
+<p:sld xmlns:a="http://schemas.openxmlformats.org/drawingml/2006/main" xmlns:r="http://schemas.openxmlformats.org/officeDocument/2006/relationships" xmlns:p="http://schemas.openxmlformats.org/presentationml/2006/main">
+  <p:cSld>
+    <p:spTree>
+      <p:nvGrpSpPr>
+        <p:cNvPr id="1" name=""/>
+        <p:cNvGrpSpPr/>
+        <p:nvPr/>
+      </p:nvGrpSpPr>
+      <p:grpSpPr>
+        <a:xfrm>
+          <a:off x="0" y="0"/>
+          <a:ext cx="0" cy="0"/>
+          <a:chOff x="0" y="0"/>
+          <a:chExt cx="0" cy="0"/>
+        </a:xfrm>
+      </p:grpSpPr>
+      <p:sp>
+        <p:nvSpPr>
+          <p:cNvPr id="2" name="Titel 1">
+            <a:extLst>
+              <a:ext uri="{FF2B5EF4-FFF2-40B4-BE49-F238E27FC236}">
+                <a16:creationId xmlns:a16="http://schemas.microsoft.com/office/drawing/2014/main" id="{2911F67F-327B-4C51-B9E3-A1D3BCC720A5}"/>
+              </a:ext>
+            </a:extLst>
+          </p:cNvPr>
+          <p:cNvSpPr>
+            <a:spLocks noGrp="1"/>
+          </p:cNvSpPr>
+          <p:nvPr>
+            <p:ph type="title"/>
+          </p:nvPr>
+        </p:nvSpPr>
+        <p:spPr/>
+        <p:txBody>
+          <a:bodyPr>
+            <a:normAutofit fontScale="90000"/>
+          </a:bodyPr>
+          <a:lstStyle/>
+          <a:p>
+            <a:r>
+              <a:rPr lang="de-DE" dirty="0"/>
+              <a:t>Mathematische Herleitungen</a:t>
+            </a:r>
+            <a:br>
+              <a:rPr lang="de-DE" dirty="0"/>
+            </a:br>
+            <a:r>
+              <a:rPr lang="de-DE" sz="2400" dirty="0" err="1"/>
+              <a:t>Backward</a:t>
+            </a:r>
+            <a:r>
+              <a:rPr lang="de-DE" sz="2400" dirty="0"/>
+              <a:t>-Propagation für ein einziges Input</a:t>
+            </a:r>
+            <a:br>
+              <a:rPr lang="de-DE" sz="2400" dirty="0"/>
+            </a:br>
+            <a:r>
+              <a:rPr lang="de-DE" sz="2400" dirty="0"/>
+              <a:t>Gewichtsgradienten </a:t>
+            </a:r>
+            <a:endParaRPr lang="de-DE" dirty="0"/>
+          </a:p>
+        </p:txBody>
+      </p:sp>
+      <p:pic>
+        <p:nvPicPr>
+          <p:cNvPr id="4" name="Grafik 3">
+            <a:extLst>
+              <a:ext uri="{FF2B5EF4-FFF2-40B4-BE49-F238E27FC236}">
+                <a16:creationId xmlns:a16="http://schemas.microsoft.com/office/drawing/2014/main" id="{4A93A8CF-50C8-485F-9B4E-4CB5EB78C1F4}"/>
+              </a:ext>
+            </a:extLst>
+          </p:cNvPr>
+          <p:cNvPicPr>
+            <a:picLocks noChangeAspect="1"/>
+          </p:cNvPicPr>
+          <p:nvPr/>
+        </p:nvPicPr>
+        <p:blipFill>
+          <a:blip r:embed="rId2"/>
+          <a:stretch>
+            <a:fillRect/>
+          </a:stretch>
+        </p:blipFill>
+        <p:spPr>
+          <a:xfrm>
+            <a:off x="614142" y="2248486"/>
+            <a:ext cx="3052836" cy="591553"/>
+          </a:xfrm>
+          <a:prstGeom prst="rect">
+            <a:avLst/>
+          </a:prstGeom>
+        </p:spPr>
+      </p:pic>
+      <p:pic>
+        <p:nvPicPr>
+          <p:cNvPr id="6" name="Grafik 5">
+            <a:extLst>
+              <a:ext uri="{FF2B5EF4-FFF2-40B4-BE49-F238E27FC236}">
+                <a16:creationId xmlns:a16="http://schemas.microsoft.com/office/drawing/2014/main" id="{530E0B26-45C1-4F51-8A97-6334FEB59DAF}"/>
+              </a:ext>
+            </a:extLst>
+          </p:cNvPr>
+          <p:cNvPicPr>
+            <a:picLocks noChangeAspect="1"/>
+          </p:cNvPicPr>
+          <p:nvPr/>
+        </p:nvPicPr>
+        <p:blipFill>
+          <a:blip r:embed="rId3"/>
+          <a:stretch>
+            <a:fillRect/>
+          </a:stretch>
+        </p:blipFill>
+        <p:spPr>
+          <a:xfrm>
+            <a:off x="838200" y="3555155"/>
+            <a:ext cx="4561309" cy="1244479"/>
+          </a:xfrm>
+          <a:prstGeom prst="rect">
+            <a:avLst/>
+          </a:prstGeom>
+        </p:spPr>
+      </p:pic>
+    </p:spTree>
+    <p:extLst>
+      <p:ext uri="{BB962C8B-B14F-4D97-AF65-F5344CB8AC3E}">
+        <p14:creationId xmlns:p14="http://schemas.microsoft.com/office/powerpoint/2010/main" val="4218008877"/>
+      </p:ext>
+    </p:extLst>
+  </p:cSld>
+  <p:clrMapOvr>
+    <a:masterClrMapping/>
+  </p:clrMapOvr>
+</p:sld>
+</file>
+
+<file path=ppt/slides/slide13.xml><?xml version="1.0" encoding="utf-8"?>
+<p:sld xmlns:a="http://schemas.openxmlformats.org/drawingml/2006/main" xmlns:r="http://schemas.openxmlformats.org/officeDocument/2006/relationships" xmlns:p="http://schemas.openxmlformats.org/presentationml/2006/main">
+  <p:cSld>
+    <p:spTree>
+      <p:nvGrpSpPr>
+        <p:cNvPr id="1" name=""/>
+        <p:cNvGrpSpPr/>
+        <p:nvPr/>
+      </p:nvGrpSpPr>
+      <p:grpSpPr>
+        <a:xfrm>
+          <a:off x="0" y="0"/>
+          <a:ext cx="0" cy="0"/>
+          <a:chOff x="0" y="0"/>
+          <a:chExt cx="0" cy="0"/>
+        </a:xfrm>
+      </p:grpSpPr>
+      <p:sp>
+        <p:nvSpPr>
+          <p:cNvPr id="2" name="Titel 1">
+            <a:extLst>
+              <a:ext uri="{FF2B5EF4-FFF2-40B4-BE49-F238E27FC236}">
+                <a16:creationId xmlns:a16="http://schemas.microsoft.com/office/drawing/2014/main" id="{2911F67F-327B-4C51-B9E3-A1D3BCC720A5}"/>
+              </a:ext>
+            </a:extLst>
+          </p:cNvPr>
+          <p:cNvSpPr>
+            <a:spLocks noGrp="1"/>
+          </p:cNvSpPr>
+          <p:nvPr>
+            <p:ph type="title"/>
+          </p:nvPr>
+        </p:nvSpPr>
+        <p:spPr/>
+        <p:txBody>
+          <a:bodyPr>
+            <a:normAutofit fontScale="90000"/>
+          </a:bodyPr>
+          <a:lstStyle/>
+          <a:p>
+            <a:r>
+              <a:rPr lang="de-DE" dirty="0"/>
+              <a:t>Mathematische Herleitungen</a:t>
+            </a:r>
+            <a:br>
+              <a:rPr lang="de-DE" dirty="0"/>
+            </a:br>
+            <a:r>
+              <a:rPr lang="de-DE" sz="2400" dirty="0" err="1"/>
+              <a:t>Backward</a:t>
+            </a:r>
+            <a:r>
+              <a:rPr lang="de-DE" sz="2400" dirty="0"/>
+              <a:t>-Propagation für ein einziges Input</a:t>
+            </a:r>
+            <a:br>
+              <a:rPr lang="de-DE" sz="2400" dirty="0"/>
+            </a:br>
+            <a:r>
+              <a:rPr lang="de-DE" sz="2400" dirty="0"/>
+              <a:t>Bias-Gradienten </a:t>
+            </a:r>
+            <a:endParaRPr lang="de-DE" dirty="0"/>
+          </a:p>
+        </p:txBody>
+      </p:sp>
+      <p:pic>
+        <p:nvPicPr>
+          <p:cNvPr id="5" name="Grafik 4">
+            <a:extLst>
+              <a:ext uri="{FF2B5EF4-FFF2-40B4-BE49-F238E27FC236}">
+                <a16:creationId xmlns:a16="http://schemas.microsoft.com/office/drawing/2014/main" id="{CACAAFE8-4AEB-4BF4-993B-8F501F8E2E70}"/>
+              </a:ext>
+            </a:extLst>
+          </p:cNvPr>
+          <p:cNvPicPr>
+            <a:picLocks noChangeAspect="1"/>
+          </p:cNvPicPr>
+          <p:nvPr/>
+        </p:nvPicPr>
+        <p:blipFill>
+          <a:blip r:embed="rId2"/>
+          <a:stretch>
+            <a:fillRect/>
+          </a:stretch>
+        </p:blipFill>
+        <p:spPr>
+          <a:xfrm>
+            <a:off x="761488" y="2244237"/>
+            <a:ext cx="2961762" cy="644655"/>
+          </a:xfrm>
+          <a:prstGeom prst="rect">
+            <a:avLst/>
+          </a:prstGeom>
+        </p:spPr>
+      </p:pic>
+      <p:pic>
+        <p:nvPicPr>
+          <p:cNvPr id="8" name="Grafik 7">
+            <a:extLst>
+              <a:ext uri="{FF2B5EF4-FFF2-40B4-BE49-F238E27FC236}">
+                <a16:creationId xmlns:a16="http://schemas.microsoft.com/office/drawing/2014/main" id="{329D09E1-DBDE-474A-AFF5-A22397F77A2E}"/>
+              </a:ext>
+            </a:extLst>
+          </p:cNvPr>
+          <p:cNvPicPr>
+            <a:picLocks noChangeAspect="1"/>
+          </p:cNvPicPr>
+          <p:nvPr/>
+        </p:nvPicPr>
+        <p:blipFill>
+          <a:blip r:embed="rId3"/>
+          <a:stretch>
+            <a:fillRect/>
+          </a:stretch>
+        </p:blipFill>
+        <p:spPr>
+          <a:xfrm>
+            <a:off x="1150767" y="3572242"/>
+            <a:ext cx="2347399" cy="517318"/>
+          </a:xfrm>
+          <a:prstGeom prst="rect">
+            <a:avLst/>
+          </a:prstGeom>
+        </p:spPr>
+      </p:pic>
+    </p:spTree>
+    <p:extLst>
+      <p:ext uri="{BB962C8B-B14F-4D97-AF65-F5344CB8AC3E}">
+        <p14:creationId xmlns:p14="http://schemas.microsoft.com/office/powerpoint/2010/main" val="2684554406"/>
       </p:ext>
     </p:extLst>
   </p:cSld>
@@ -7721,6 +8534,235 @@
 </p:sld>
 </file>
 
+<file path=ppt/slides/slide9.xml><?xml version="1.0" encoding="utf-8"?>
+<p:sld xmlns:a="http://schemas.openxmlformats.org/drawingml/2006/main" xmlns:r="http://schemas.openxmlformats.org/officeDocument/2006/relationships" xmlns:p="http://schemas.openxmlformats.org/presentationml/2006/main">
+  <p:cSld>
+    <p:spTree>
+      <p:nvGrpSpPr>
+        <p:cNvPr id="1" name=""/>
+        <p:cNvGrpSpPr/>
+        <p:nvPr/>
+      </p:nvGrpSpPr>
+      <p:grpSpPr>
+        <a:xfrm>
+          <a:off x="0" y="0"/>
+          <a:ext cx="0" cy="0"/>
+          <a:chOff x="0" y="0"/>
+          <a:chExt cx="0" cy="0"/>
+        </a:xfrm>
+      </p:grpSpPr>
+      <p:sp>
+        <p:nvSpPr>
+          <p:cNvPr id="2" name="Titel 1">
+            <a:extLst>
+              <a:ext uri="{FF2B5EF4-FFF2-40B4-BE49-F238E27FC236}">
+                <a16:creationId xmlns:a16="http://schemas.microsoft.com/office/drawing/2014/main" id="{2911F67F-327B-4C51-B9E3-A1D3BCC720A5}"/>
+              </a:ext>
+            </a:extLst>
+          </p:cNvPr>
+          <p:cNvSpPr>
+            <a:spLocks noGrp="1"/>
+          </p:cNvSpPr>
+          <p:nvPr>
+            <p:ph type="title"/>
+          </p:nvPr>
+        </p:nvSpPr>
+        <p:spPr/>
+        <p:txBody>
+          <a:bodyPr>
+            <a:normAutofit fontScale="90000"/>
+          </a:bodyPr>
+          <a:lstStyle/>
+          <a:p>
+            <a:r>
+              <a:rPr lang="de-DE" dirty="0"/>
+              <a:t>Mathematische Herleitungen</a:t>
+            </a:r>
+            <a:br>
+              <a:rPr lang="de-DE" dirty="0"/>
+            </a:br>
+            <a:r>
+              <a:rPr lang="de-DE" sz="2400" dirty="0" err="1"/>
+              <a:t>Backward</a:t>
+            </a:r>
+            <a:r>
+              <a:rPr lang="de-DE" sz="2400" dirty="0"/>
+              <a:t>-Propagation für ein einziges Input</a:t>
+            </a:r>
+            <a:br>
+              <a:rPr lang="de-DE" sz="2400" dirty="0"/>
+            </a:br>
+            <a:r>
+              <a:rPr lang="de-DE" sz="2400" dirty="0"/>
+              <a:t>Fehler bei einem beliebigem Hidden Layer</a:t>
+            </a:r>
+            <a:endParaRPr lang="de-DE" dirty="0"/>
+          </a:p>
+        </p:txBody>
+      </p:sp>
+      <p:pic>
+        <p:nvPicPr>
+          <p:cNvPr id="4" name="Grafik 3">
+            <a:extLst>
+              <a:ext uri="{FF2B5EF4-FFF2-40B4-BE49-F238E27FC236}">
+                <a16:creationId xmlns:a16="http://schemas.microsoft.com/office/drawing/2014/main" id="{B6D84905-5699-45F5-99AD-F3AA611AAD0A}"/>
+              </a:ext>
+            </a:extLst>
+          </p:cNvPr>
+          <p:cNvPicPr>
+            <a:picLocks noChangeAspect="1"/>
+          </p:cNvPicPr>
+          <p:nvPr/>
+        </p:nvPicPr>
+        <p:blipFill>
+          <a:blip r:embed="rId2"/>
+          <a:stretch>
+            <a:fillRect/>
+          </a:stretch>
+        </p:blipFill>
+        <p:spPr>
+          <a:xfrm>
+            <a:off x="781272" y="3428999"/>
+            <a:ext cx="3312129" cy="620225"/>
+          </a:xfrm>
+          <a:prstGeom prst="rect">
+            <a:avLst/>
+          </a:prstGeom>
+        </p:spPr>
+      </p:pic>
+      <p:pic>
+        <p:nvPicPr>
+          <p:cNvPr id="8" name="Grafik 7">
+            <a:extLst>
+              <a:ext uri="{FF2B5EF4-FFF2-40B4-BE49-F238E27FC236}">
+                <a16:creationId xmlns:a16="http://schemas.microsoft.com/office/drawing/2014/main" id="{0620929E-17BA-470D-8688-4C54ACCEA5C1}"/>
+              </a:ext>
+            </a:extLst>
+          </p:cNvPr>
+          <p:cNvPicPr>
+            <a:picLocks noChangeAspect="1"/>
+          </p:cNvPicPr>
+          <p:nvPr/>
+        </p:nvPicPr>
+        <p:blipFill>
+          <a:blip r:embed="rId3"/>
+          <a:stretch>
+            <a:fillRect/>
+          </a:stretch>
+        </p:blipFill>
+        <p:spPr>
+          <a:xfrm>
+            <a:off x="6566424" y="1607736"/>
+            <a:ext cx="3074377" cy="648895"/>
+          </a:xfrm>
+          <a:prstGeom prst="rect">
+            <a:avLst/>
+          </a:prstGeom>
+        </p:spPr>
+      </p:pic>
+      <p:pic>
+        <p:nvPicPr>
+          <p:cNvPr id="10" name="Grafik 9">
+            <a:extLst>
+              <a:ext uri="{FF2B5EF4-FFF2-40B4-BE49-F238E27FC236}">
+                <a16:creationId xmlns:a16="http://schemas.microsoft.com/office/drawing/2014/main" id="{E56CF6EF-E10B-461B-B463-726002B5C093}"/>
+              </a:ext>
+            </a:extLst>
+          </p:cNvPr>
+          <p:cNvPicPr>
+            <a:picLocks noChangeAspect="1"/>
+          </p:cNvPicPr>
+          <p:nvPr/>
+        </p:nvPicPr>
+        <p:blipFill>
+          <a:blip r:embed="rId4"/>
+          <a:stretch>
+            <a:fillRect/>
+          </a:stretch>
+        </p:blipFill>
+        <p:spPr>
+          <a:xfrm>
+            <a:off x="5461466" y="2569602"/>
+            <a:ext cx="5814195" cy="1718795"/>
+          </a:xfrm>
+          <a:prstGeom prst="rect">
+            <a:avLst/>
+          </a:prstGeom>
+        </p:spPr>
+      </p:pic>
+      <p:pic>
+        <p:nvPicPr>
+          <p:cNvPr id="17" name="Grafik 16">
+            <a:extLst>
+              <a:ext uri="{FF2B5EF4-FFF2-40B4-BE49-F238E27FC236}">
+                <a16:creationId xmlns:a16="http://schemas.microsoft.com/office/drawing/2014/main" id="{264771EE-EBFE-4D4F-B1C7-C6C27C4E08D8}"/>
+              </a:ext>
+            </a:extLst>
+          </p:cNvPr>
+          <p:cNvPicPr>
+            <a:picLocks noChangeAspect="1"/>
+          </p:cNvPicPr>
+          <p:nvPr/>
+        </p:nvPicPr>
+        <p:blipFill>
+          <a:blip r:embed="rId5"/>
+          <a:stretch>
+            <a:fillRect/>
+          </a:stretch>
+        </p:blipFill>
+        <p:spPr>
+          <a:xfrm>
+            <a:off x="6096000" y="4574344"/>
+            <a:ext cx="4413829" cy="1774873"/>
+          </a:xfrm>
+          <a:prstGeom prst="rect">
+            <a:avLst/>
+          </a:prstGeom>
+        </p:spPr>
+      </p:pic>
+      <p:pic>
+        <p:nvPicPr>
+          <p:cNvPr id="19" name="Grafik 18">
+            <a:extLst>
+              <a:ext uri="{FF2B5EF4-FFF2-40B4-BE49-F238E27FC236}">
+                <a16:creationId xmlns:a16="http://schemas.microsoft.com/office/drawing/2014/main" id="{4D536E9C-8FF4-43AD-AC5A-261C3A8E28AD}"/>
+              </a:ext>
+            </a:extLst>
+          </p:cNvPr>
+          <p:cNvPicPr>
+            <a:picLocks noChangeAspect="1"/>
+          </p:cNvPicPr>
+          <p:nvPr/>
+        </p:nvPicPr>
+        <p:blipFill>
+          <a:blip r:embed="rId6"/>
+          <a:stretch>
+            <a:fillRect/>
+          </a:stretch>
+        </p:blipFill>
+        <p:spPr>
+          <a:xfrm>
+            <a:off x="1240520" y="4984387"/>
+            <a:ext cx="2581203" cy="512491"/>
+          </a:xfrm>
+          <a:prstGeom prst="rect">
+            <a:avLst/>
+          </a:prstGeom>
+        </p:spPr>
+      </p:pic>
+    </p:spTree>
+    <p:extLst>
+      <p:ext uri="{BB962C8B-B14F-4D97-AF65-F5344CB8AC3E}">
+        <p14:creationId xmlns:p14="http://schemas.microsoft.com/office/powerpoint/2010/main" val="4107834854"/>
+      </p:ext>
+    </p:extLst>
+  </p:cSld>
+  <p:clrMapOvr>
+    <a:masterClrMapping/>
+  </p:clrMapOvr>
+</p:sld>
+</file>
+
 <file path=ppt/theme/theme1.xml><?xml version="1.0" encoding="utf-8"?>
 <a:theme xmlns:a="http://schemas.openxmlformats.org/drawingml/2006/main" name="Office">
   <a:themeElements>

--- a/theory/submission/result_presentation.pptx
+++ b/theory/submission/result_presentation.pptx
@@ -5,7 +5,7 @@
     <p:sldMasterId id="2147483648" r:id="rId1"/>
   </p:sldMasterIdLst>
   <p:notesMasterIdLst>
-    <p:notesMasterId r:id="rId15"/>
+    <p:notesMasterId r:id="rId18"/>
   </p:notesMasterIdLst>
   <p:sldIdLst>
     <p:sldId id="256" r:id="rId2"/>
@@ -17,10 +17,13 @@
     <p:sldId id="262" r:id="rId8"/>
     <p:sldId id="263" r:id="rId9"/>
     <p:sldId id="264" r:id="rId10"/>
-    <p:sldId id="265" r:id="rId11"/>
-    <p:sldId id="266" r:id="rId12"/>
-    <p:sldId id="267" r:id="rId13"/>
-    <p:sldId id="268" r:id="rId14"/>
+    <p:sldId id="267" r:id="rId11"/>
+    <p:sldId id="268" r:id="rId12"/>
+    <p:sldId id="269" r:id="rId13"/>
+    <p:sldId id="270" r:id="rId14"/>
+    <p:sldId id="271" r:id="rId15"/>
+    <p:sldId id="272" r:id="rId16"/>
+    <p:sldId id="273" r:id="rId17"/>
   </p:sldIdLst>
   <p:sldSz cx="12192000" cy="6858000"/>
   <p:notesSz cx="6858000" cy="9144000"/>
@@ -4107,7 +4110,7 @@
             </a:br>
             <a:r>
               <a:rPr lang="de-DE" sz="2400" dirty="0"/>
-              <a:t>Fehler bei einem beliebigem Hidden Layer</a:t>
+              <a:t>Gewichtsgradienten </a:t>
             </a:r>
             <a:endParaRPr lang="de-DE" dirty="0"/>
           </a:p>
@@ -4118,7 +4121,7 @@
           <p:cNvPr id="4" name="Grafik 3">
             <a:extLst>
               <a:ext uri="{FF2B5EF4-FFF2-40B4-BE49-F238E27FC236}">
-                <a16:creationId xmlns:a16="http://schemas.microsoft.com/office/drawing/2014/main" id="{B6D84905-5699-45F5-99AD-F3AA611AAD0A}"/>
+                <a16:creationId xmlns:a16="http://schemas.microsoft.com/office/drawing/2014/main" id="{4A93A8CF-50C8-485F-9B4E-4CB5EB78C1F4}"/>
               </a:ext>
             </a:extLst>
           </p:cNvPr>
@@ -4135,8 +4138,8 @@
         </p:blipFill>
         <p:spPr>
           <a:xfrm>
-            <a:off x="422626" y="3429000"/>
-            <a:ext cx="3312129" cy="620225"/>
+            <a:off x="3310449" y="2468879"/>
+            <a:ext cx="3052836" cy="591553"/>
           </a:xfrm>
           <a:prstGeom prst="rect">
             <a:avLst/>
@@ -4145,10 +4148,10 @@
       </p:pic>
       <p:pic>
         <p:nvPicPr>
-          <p:cNvPr id="19" name="Grafik 18">
-            <a:extLst>
-              <a:ext uri="{FF2B5EF4-FFF2-40B4-BE49-F238E27FC236}">
-                <a16:creationId xmlns:a16="http://schemas.microsoft.com/office/drawing/2014/main" id="{4D536E9C-8FF4-43AD-AC5A-261C3A8E28AD}"/>
+          <p:cNvPr id="6" name="Grafik 5">
+            <a:extLst>
+              <a:ext uri="{FF2B5EF4-FFF2-40B4-BE49-F238E27FC236}">
+                <a16:creationId xmlns:a16="http://schemas.microsoft.com/office/drawing/2014/main" id="{530E0B26-45C1-4F51-8A97-6334FEB59DAF}"/>
               </a:ext>
             </a:extLst>
           </p:cNvPr>
@@ -4165,186 +4168,18 @@
         </p:blipFill>
         <p:spPr>
           <a:xfrm>
-            <a:off x="6182970" y="3032568"/>
-            <a:ext cx="2581203" cy="512491"/>
+            <a:off x="2840502" y="3944361"/>
+            <a:ext cx="4561309" cy="1244479"/>
           </a:xfrm>
           <a:prstGeom prst="rect">
             <a:avLst/>
           </a:prstGeom>
         </p:spPr>
       </p:pic>
-      <p:sp>
-        <p:nvSpPr>
-          <p:cNvPr id="3" name="Pfeil: nach rechts 2">
-            <a:extLst>
-              <a:ext uri="{FF2B5EF4-FFF2-40B4-BE49-F238E27FC236}">
-                <a16:creationId xmlns:a16="http://schemas.microsoft.com/office/drawing/2014/main" id="{C69DC2CD-C759-4B62-BAD1-8F72661C9B4B}"/>
-              </a:ext>
-            </a:extLst>
-          </p:cNvPr>
-          <p:cNvSpPr/>
-          <p:nvPr/>
-        </p:nvSpPr>
-        <p:spPr>
-          <a:xfrm>
-            <a:off x="4464148" y="3545059"/>
-            <a:ext cx="1045698" cy="553329"/>
-          </a:xfrm>
-          <a:prstGeom prst="rightArrow">
-            <a:avLst/>
-          </a:prstGeom>
-          <a:solidFill>
-            <a:schemeClr val="tx1"/>
-          </a:solidFill>
-          <a:ln>
-            <a:solidFill>
-              <a:schemeClr val="tx1"/>
-            </a:solidFill>
-          </a:ln>
-        </p:spPr>
-        <p:style>
-          <a:lnRef idx="2">
-            <a:schemeClr val="accent1">
-              <a:shade val="50000"/>
-            </a:schemeClr>
-          </a:lnRef>
-          <a:fillRef idx="1">
-            <a:schemeClr val="accent1"/>
-          </a:fillRef>
-          <a:effectRef idx="0">
-            <a:schemeClr val="accent1"/>
-          </a:effectRef>
-          <a:fontRef idx="minor">
-            <a:schemeClr val="lt1"/>
-          </a:fontRef>
-        </p:style>
-        <p:txBody>
-          <a:bodyPr rtlCol="0" anchor="ctr"/>
-          <a:lstStyle/>
-          <a:p>
-            <a:pPr algn="ctr"/>
-            <a:endParaRPr lang="de-DE"/>
-          </a:p>
-        </p:txBody>
-      </p:sp>
-      <p:pic>
-        <p:nvPicPr>
-          <p:cNvPr id="6" name="Grafik 5">
-            <a:extLst>
-              <a:ext uri="{FF2B5EF4-FFF2-40B4-BE49-F238E27FC236}">
-                <a16:creationId xmlns:a16="http://schemas.microsoft.com/office/drawing/2014/main" id="{0AE75D43-F188-4C1F-83DD-10828BF8056D}"/>
-              </a:ext>
-            </a:extLst>
-          </p:cNvPr>
-          <p:cNvPicPr>
-            <a:picLocks noChangeAspect="1"/>
-          </p:cNvPicPr>
-          <p:nvPr/>
-        </p:nvPicPr>
-        <p:blipFill>
-          <a:blip r:embed="rId4"/>
-          <a:stretch>
-            <a:fillRect/>
-          </a:stretch>
-        </p:blipFill>
-        <p:spPr>
-          <a:xfrm>
-            <a:off x="6278807" y="3948846"/>
-            <a:ext cx="2485366" cy="471251"/>
-          </a:xfrm>
-          <a:prstGeom prst="rect">
-            <a:avLst/>
-          </a:prstGeom>
-        </p:spPr>
-      </p:pic>
-      <p:sp>
-        <p:nvSpPr>
-          <p:cNvPr id="7" name="Geschweifte Klammer rechts 6">
-            <a:extLst>
-              <a:ext uri="{FF2B5EF4-FFF2-40B4-BE49-F238E27FC236}">
-                <a16:creationId xmlns:a16="http://schemas.microsoft.com/office/drawing/2014/main" id="{2DFBA2BD-8B5E-400C-A35D-7EAD4DA4E165}"/>
-              </a:ext>
-            </a:extLst>
-          </p:cNvPr>
-          <p:cNvSpPr/>
-          <p:nvPr/>
-        </p:nvSpPr>
-        <p:spPr>
-          <a:xfrm>
-            <a:off x="8918916" y="3169238"/>
-            <a:ext cx="215705" cy="1250859"/>
-          </a:xfrm>
-          <a:prstGeom prst="rightBrace">
-            <a:avLst/>
-          </a:prstGeom>
-          <a:ln>
-            <a:solidFill>
-              <a:schemeClr val="tx1"/>
-            </a:solidFill>
-          </a:ln>
-        </p:spPr>
-        <p:style>
-          <a:lnRef idx="1">
-            <a:schemeClr val="accent1"/>
-          </a:lnRef>
-          <a:fillRef idx="0">
-            <a:schemeClr val="accent1"/>
-          </a:fillRef>
-          <a:effectRef idx="0">
-            <a:schemeClr val="accent1"/>
-          </a:effectRef>
-          <a:fontRef idx="minor">
-            <a:schemeClr val="tx1"/>
-          </a:fontRef>
-        </p:style>
-        <p:txBody>
-          <a:bodyPr rtlCol="0" anchor="ctr"/>
-          <a:lstStyle/>
-          <a:p>
-            <a:pPr algn="ctr"/>
-            <a:endParaRPr lang="de-DE"/>
-          </a:p>
-        </p:txBody>
-      </p:sp>
-      <p:sp>
-        <p:nvSpPr>
-          <p:cNvPr id="9" name="Textfeld 8">
-            <a:extLst>
-              <a:ext uri="{FF2B5EF4-FFF2-40B4-BE49-F238E27FC236}">
-                <a16:creationId xmlns:a16="http://schemas.microsoft.com/office/drawing/2014/main" id="{7989E510-276B-4894-BE2B-95CA006623D0}"/>
-              </a:ext>
-            </a:extLst>
-          </p:cNvPr>
-          <p:cNvSpPr txBox="1"/>
-          <p:nvPr/>
-        </p:nvSpPr>
-        <p:spPr>
-          <a:xfrm>
-            <a:off x="9322191" y="3415946"/>
-            <a:ext cx="2105464" cy="923330"/>
-          </a:xfrm>
-          <a:prstGeom prst="rect">
-            <a:avLst/>
-          </a:prstGeom>
-          <a:noFill/>
-        </p:spPr>
-        <p:txBody>
-          <a:bodyPr wrap="square" rtlCol="0">
-            <a:spAutoFit/>
-          </a:bodyPr>
-          <a:lstStyle/>
-          <a:p>
-            <a:r>
-              <a:rPr lang="de-DE" dirty="0"/>
-              <a:t>Allgemeingültige Lösung, die für jedes Hidden Layer gilt</a:t>
-            </a:r>
-          </a:p>
-        </p:txBody>
-      </p:sp>
     </p:spTree>
     <p:extLst>
       <p:ext uri="{BB962C8B-B14F-4D97-AF65-F5344CB8AC3E}">
-        <p14:creationId xmlns:p14="http://schemas.microsoft.com/office/powerpoint/2010/main" val="3436425990"/>
+        <p14:creationId xmlns:p14="http://schemas.microsoft.com/office/powerpoint/2010/main" val="4218008877"/>
       </p:ext>
     </p:extLst>
   </p:cSld>
@@ -4414,7 +4249,7 @@
             </a:br>
             <a:r>
               <a:rPr lang="de-DE" sz="2400" dirty="0"/>
-              <a:t>Fehler bei einem beliebigem Hidden Layer</a:t>
+              <a:t>Bias-Gradienten </a:t>
             </a:r>
             <a:endParaRPr lang="de-DE" dirty="0"/>
           </a:p>
@@ -4422,10 +4257,10 @@
       </p:sp>
       <p:pic>
         <p:nvPicPr>
-          <p:cNvPr id="8" name="Grafik 7">
-            <a:extLst>
-              <a:ext uri="{FF2B5EF4-FFF2-40B4-BE49-F238E27FC236}">
-                <a16:creationId xmlns:a16="http://schemas.microsoft.com/office/drawing/2014/main" id="{10CCADD4-E2AB-4321-B26B-2CA0FBE03E86}"/>
+          <p:cNvPr id="5" name="Grafik 4">
+            <a:extLst>
+              <a:ext uri="{FF2B5EF4-FFF2-40B4-BE49-F238E27FC236}">
+                <a16:creationId xmlns:a16="http://schemas.microsoft.com/office/drawing/2014/main" id="{CACAAFE8-4AEB-4BF4-993B-8F501F8E2E70}"/>
               </a:ext>
             </a:extLst>
           </p:cNvPr>
@@ -4442,8 +4277,8 @@
         </p:blipFill>
         <p:spPr>
           <a:xfrm>
-            <a:off x="838200" y="2251406"/>
-            <a:ext cx="7033845" cy="1488618"/>
+            <a:off x="3725082" y="2488078"/>
+            <a:ext cx="2961762" cy="644655"/>
           </a:xfrm>
           <a:prstGeom prst="rect">
             <a:avLst/>
@@ -4452,10 +4287,10 @@
       </p:pic>
       <p:pic>
         <p:nvPicPr>
-          <p:cNvPr id="11" name="Grafik 10">
-            <a:extLst>
-              <a:ext uri="{FF2B5EF4-FFF2-40B4-BE49-F238E27FC236}">
-                <a16:creationId xmlns:a16="http://schemas.microsoft.com/office/drawing/2014/main" id="{588BD894-F37E-4E15-9EFE-7A9D3BBD1E61}"/>
+          <p:cNvPr id="8" name="Grafik 7">
+            <a:extLst>
+              <a:ext uri="{FF2B5EF4-FFF2-40B4-BE49-F238E27FC236}">
+                <a16:creationId xmlns:a16="http://schemas.microsoft.com/office/drawing/2014/main" id="{329D09E1-DBDE-474A-AFF5-A22397F77A2E}"/>
               </a:ext>
             </a:extLst>
           </p:cNvPr>
@@ -4472,102 +4307,18 @@
         </p:blipFill>
         <p:spPr>
           <a:xfrm>
-            <a:off x="1112519" y="4344238"/>
-            <a:ext cx="6485206" cy="1158073"/>
+            <a:off x="3992441" y="3816082"/>
+            <a:ext cx="2347399" cy="517318"/>
           </a:xfrm>
           <a:prstGeom prst="rect">
             <a:avLst/>
           </a:prstGeom>
         </p:spPr>
       </p:pic>
-      <p:sp>
-        <p:nvSpPr>
-          <p:cNvPr id="12" name="Geschweifte Klammer rechts 11">
-            <a:extLst>
-              <a:ext uri="{FF2B5EF4-FFF2-40B4-BE49-F238E27FC236}">
-                <a16:creationId xmlns:a16="http://schemas.microsoft.com/office/drawing/2014/main" id="{23BC9135-7F04-4B30-9A94-D17CE2C23353}"/>
-              </a:ext>
-            </a:extLst>
-          </p:cNvPr>
-          <p:cNvSpPr/>
-          <p:nvPr/>
-        </p:nvSpPr>
-        <p:spPr>
-          <a:xfrm>
-            <a:off x="7985760" y="2325858"/>
-            <a:ext cx="337625" cy="3226191"/>
-          </a:xfrm>
-          <a:prstGeom prst="rightBrace">
-            <a:avLst/>
-          </a:prstGeom>
-          <a:ln>
-            <a:solidFill>
-              <a:schemeClr val="tx1"/>
-            </a:solidFill>
-          </a:ln>
-        </p:spPr>
-        <p:style>
-          <a:lnRef idx="1">
-            <a:schemeClr val="accent1"/>
-          </a:lnRef>
-          <a:fillRef idx="0">
-            <a:schemeClr val="accent1"/>
-          </a:fillRef>
-          <a:effectRef idx="0">
-            <a:schemeClr val="accent1"/>
-          </a:effectRef>
-          <a:fontRef idx="minor">
-            <a:schemeClr val="tx1"/>
-          </a:fontRef>
-        </p:style>
-        <p:txBody>
-          <a:bodyPr rtlCol="0" anchor="ctr"/>
-          <a:lstStyle/>
-          <a:p>
-            <a:pPr algn="ctr"/>
-            <a:endParaRPr lang="de-DE"/>
-          </a:p>
-        </p:txBody>
-      </p:sp>
-      <p:sp>
-        <p:nvSpPr>
-          <p:cNvPr id="13" name="Textfeld 12">
-            <a:extLst>
-              <a:ext uri="{FF2B5EF4-FFF2-40B4-BE49-F238E27FC236}">
-                <a16:creationId xmlns:a16="http://schemas.microsoft.com/office/drawing/2014/main" id="{381AE7DD-89EE-4899-8A2F-D47D6CC1969A}"/>
-              </a:ext>
-            </a:extLst>
-          </p:cNvPr>
-          <p:cNvSpPr txBox="1"/>
-          <p:nvPr/>
-        </p:nvSpPr>
-        <p:spPr>
-          <a:xfrm>
-            <a:off x="8496886" y="3198056"/>
-            <a:ext cx="2921391" cy="1200329"/>
-          </a:xfrm>
-          <a:prstGeom prst="rect">
-            <a:avLst/>
-          </a:prstGeom>
-          <a:noFill/>
-        </p:spPr>
-        <p:txBody>
-          <a:bodyPr wrap="square" rtlCol="0">
-            <a:spAutoFit/>
-          </a:bodyPr>
-          <a:lstStyle/>
-          <a:p>
-            <a:r>
-              <a:rPr lang="de-DE" dirty="0"/>
-              <a:t>Ergebnis, wenn die Aktivierungsfunktion im Hidden Layer die Sigmoid Funktion ist</a:t>
-            </a:r>
-          </a:p>
-        </p:txBody>
-      </p:sp>
     </p:spTree>
     <p:extLst>
       <p:ext uri="{BB962C8B-B14F-4D97-AF65-F5344CB8AC3E}">
-        <p14:creationId xmlns:p14="http://schemas.microsoft.com/office/powerpoint/2010/main" val="774040596"/>
+        <p14:creationId xmlns:p14="http://schemas.microsoft.com/office/powerpoint/2010/main" val="2684554406"/>
       </p:ext>
     </p:extLst>
   </p:cSld>
@@ -4630,14 +4381,14 @@
             </a:r>
             <a:r>
               <a:rPr lang="de-DE" sz="2400" dirty="0"/>
-              <a:t>-Propagation für ein einziges Input</a:t>
+              <a:t>-Propagation für Batch an Inputs</a:t>
             </a:r>
             <a:br>
               <a:rPr lang="de-DE" sz="2400" dirty="0"/>
             </a:br>
             <a:r>
               <a:rPr lang="de-DE" sz="2400" dirty="0"/>
-              <a:t>Gewichtsgradienten </a:t>
+              <a:t>Fehler am Output Layer </a:t>
             </a:r>
             <a:endParaRPr lang="de-DE" dirty="0"/>
           </a:p>
@@ -4648,7 +4399,7 @@
           <p:cNvPr id="4" name="Grafik 3">
             <a:extLst>
               <a:ext uri="{FF2B5EF4-FFF2-40B4-BE49-F238E27FC236}">
-                <a16:creationId xmlns:a16="http://schemas.microsoft.com/office/drawing/2014/main" id="{4A93A8CF-50C8-485F-9B4E-4CB5EB78C1F4}"/>
+                <a16:creationId xmlns:a16="http://schemas.microsoft.com/office/drawing/2014/main" id="{8FA981C8-7C1A-456C-8E38-F4C7472EB048}"/>
               </a:ext>
             </a:extLst>
           </p:cNvPr>
@@ -4657,16 +4408,15 @@
           </p:cNvPicPr>
           <p:nvPr/>
         </p:nvPicPr>
-        <p:blipFill>
+        <p:blipFill rotWithShape="1">
           <a:blip r:embed="rId2"/>
-          <a:stretch>
-            <a:fillRect/>
-          </a:stretch>
+          <a:srcRect l="1346" t="9897" r="3577" b="19775"/>
+          <a:stretch/>
         </p:blipFill>
         <p:spPr>
           <a:xfrm>
-            <a:off x="614142" y="2248486"/>
-            <a:ext cx="3052836" cy="591553"/>
+            <a:off x="1355188" y="1593594"/>
+            <a:ext cx="8809892" cy="2651521"/>
           </a:xfrm>
           <a:prstGeom prst="rect">
             <a:avLst/>
@@ -4675,10 +4425,10 @@
       </p:pic>
       <p:pic>
         <p:nvPicPr>
-          <p:cNvPr id="6" name="Grafik 5">
-            <a:extLst>
-              <a:ext uri="{FF2B5EF4-FFF2-40B4-BE49-F238E27FC236}">
-                <a16:creationId xmlns:a16="http://schemas.microsoft.com/office/drawing/2014/main" id="{530E0B26-45C1-4F51-8A97-6334FEB59DAF}"/>
+          <p:cNvPr id="7" name="Grafik 6">
+            <a:extLst>
+              <a:ext uri="{FF2B5EF4-FFF2-40B4-BE49-F238E27FC236}">
+                <a16:creationId xmlns:a16="http://schemas.microsoft.com/office/drawing/2014/main" id="{4FC34F1A-AA3B-4589-9F44-6C34EA734340}"/>
               </a:ext>
             </a:extLst>
           </p:cNvPr>
@@ -4687,16 +4437,15 @@
           </p:cNvPicPr>
           <p:nvPr/>
         </p:nvPicPr>
-        <p:blipFill>
+        <p:blipFill rotWithShape="1">
           <a:blip r:embed="rId3"/>
-          <a:stretch>
-            <a:fillRect/>
-          </a:stretch>
+          <a:srcRect l="1766" t="1974" r="3002" b="3782"/>
+          <a:stretch/>
         </p:blipFill>
         <p:spPr>
           <a:xfrm>
-            <a:off x="838200" y="3555155"/>
-            <a:ext cx="4561309" cy="1244479"/>
+            <a:off x="2822917" y="4490029"/>
+            <a:ext cx="5397304" cy="1643484"/>
           </a:xfrm>
           <a:prstGeom prst="rect">
             <a:avLst/>
@@ -4706,7 +4455,7 @@
     </p:spTree>
     <p:extLst>
       <p:ext uri="{BB962C8B-B14F-4D97-AF65-F5344CB8AC3E}">
-        <p14:creationId xmlns:p14="http://schemas.microsoft.com/office/powerpoint/2010/main" val="4218008877"/>
+        <p14:creationId xmlns:p14="http://schemas.microsoft.com/office/powerpoint/2010/main" val="3406634330"/>
       </p:ext>
     </p:extLst>
   </p:cSld>
@@ -4769,14 +4518,14 @@
             </a:r>
             <a:r>
               <a:rPr lang="de-DE" sz="2400" dirty="0"/>
-              <a:t>-Propagation für ein einziges Input</a:t>
+              <a:t>-Propagation für Batch an Inputs</a:t>
             </a:r>
             <a:br>
               <a:rPr lang="de-DE" sz="2400" dirty="0"/>
             </a:br>
             <a:r>
               <a:rPr lang="de-DE" sz="2400" dirty="0"/>
-              <a:t>Bias-Gradienten </a:t>
+              <a:t>Fehler bei einem beliebigem Hidden Layer</a:t>
             </a:r>
             <a:endParaRPr lang="de-DE" dirty="0"/>
           </a:p>
@@ -4787,7 +4536,7 @@
           <p:cNvPr id="5" name="Grafik 4">
             <a:extLst>
               <a:ext uri="{FF2B5EF4-FFF2-40B4-BE49-F238E27FC236}">
-                <a16:creationId xmlns:a16="http://schemas.microsoft.com/office/drawing/2014/main" id="{CACAAFE8-4AEB-4BF4-993B-8F501F8E2E70}"/>
+                <a16:creationId xmlns:a16="http://schemas.microsoft.com/office/drawing/2014/main" id="{D66D72F6-900E-40E6-B0A5-B639F425B5D5}"/>
               </a:ext>
             </a:extLst>
           </p:cNvPr>
@@ -4804,8 +4553,8 @@
         </p:blipFill>
         <p:spPr>
           <a:xfrm>
-            <a:off x="761488" y="2244237"/>
-            <a:ext cx="2961762" cy="644655"/>
+            <a:off x="787789" y="1624163"/>
+            <a:ext cx="10193699" cy="2461846"/>
           </a:xfrm>
           <a:prstGeom prst="rect">
             <a:avLst/>
@@ -4817,7 +4566,355 @@
           <p:cNvPr id="8" name="Grafik 7">
             <a:extLst>
               <a:ext uri="{FF2B5EF4-FFF2-40B4-BE49-F238E27FC236}">
-                <a16:creationId xmlns:a16="http://schemas.microsoft.com/office/drawing/2014/main" id="{329D09E1-DBDE-474A-AFF5-A22397F77A2E}"/>
+                <a16:creationId xmlns:a16="http://schemas.microsoft.com/office/drawing/2014/main" id="{A8DB1B72-D143-4B97-A1C5-EE46728055F7}"/>
+              </a:ext>
+            </a:extLst>
+          </p:cNvPr>
+          <p:cNvPicPr>
+            <a:picLocks noChangeAspect="1"/>
+          </p:cNvPicPr>
+          <p:nvPr/>
+        </p:nvPicPr>
+        <p:blipFill rotWithShape="1">
+          <a:blip r:embed="rId3"/>
+          <a:srcRect l="923" t="4037" r="1577" b="4284"/>
+          <a:stretch/>
+        </p:blipFill>
+        <p:spPr>
+          <a:xfrm>
+            <a:off x="1143482" y="4311092"/>
+            <a:ext cx="9106486" cy="1986543"/>
+          </a:xfrm>
+          <a:prstGeom prst="rect">
+            <a:avLst/>
+          </a:prstGeom>
+        </p:spPr>
+      </p:pic>
+    </p:spTree>
+    <p:extLst>
+      <p:ext uri="{BB962C8B-B14F-4D97-AF65-F5344CB8AC3E}">
+        <p14:creationId xmlns:p14="http://schemas.microsoft.com/office/powerpoint/2010/main" val="3291418702"/>
+      </p:ext>
+    </p:extLst>
+  </p:cSld>
+  <p:clrMapOvr>
+    <a:masterClrMapping/>
+  </p:clrMapOvr>
+</p:sld>
+</file>
+
+<file path=ppt/slides/slide14.xml><?xml version="1.0" encoding="utf-8"?>
+<p:sld xmlns:a="http://schemas.openxmlformats.org/drawingml/2006/main" xmlns:r="http://schemas.openxmlformats.org/officeDocument/2006/relationships" xmlns:p="http://schemas.openxmlformats.org/presentationml/2006/main">
+  <p:cSld>
+    <p:spTree>
+      <p:nvGrpSpPr>
+        <p:cNvPr id="1" name=""/>
+        <p:cNvGrpSpPr/>
+        <p:nvPr/>
+      </p:nvGrpSpPr>
+      <p:grpSpPr>
+        <a:xfrm>
+          <a:off x="0" y="0"/>
+          <a:ext cx="0" cy="0"/>
+          <a:chOff x="0" y="0"/>
+          <a:chExt cx="0" cy="0"/>
+        </a:xfrm>
+      </p:grpSpPr>
+      <p:sp>
+        <p:nvSpPr>
+          <p:cNvPr id="2" name="Titel 1">
+            <a:extLst>
+              <a:ext uri="{FF2B5EF4-FFF2-40B4-BE49-F238E27FC236}">
+                <a16:creationId xmlns:a16="http://schemas.microsoft.com/office/drawing/2014/main" id="{2911F67F-327B-4C51-B9E3-A1D3BCC720A5}"/>
+              </a:ext>
+            </a:extLst>
+          </p:cNvPr>
+          <p:cNvSpPr>
+            <a:spLocks noGrp="1"/>
+          </p:cNvSpPr>
+          <p:nvPr>
+            <p:ph type="title"/>
+          </p:nvPr>
+        </p:nvSpPr>
+        <p:spPr/>
+        <p:txBody>
+          <a:bodyPr>
+            <a:normAutofit fontScale="90000"/>
+          </a:bodyPr>
+          <a:lstStyle/>
+          <a:p>
+            <a:r>
+              <a:rPr lang="de-DE" dirty="0"/>
+              <a:t>Mathematische Herleitungen</a:t>
+            </a:r>
+            <a:br>
+              <a:rPr lang="de-DE" dirty="0"/>
+            </a:br>
+            <a:r>
+              <a:rPr lang="de-DE" sz="2400" dirty="0" err="1"/>
+              <a:t>Backward</a:t>
+            </a:r>
+            <a:r>
+              <a:rPr lang="de-DE" sz="2400" dirty="0"/>
+              <a:t>-Propagation für Batch an Inputs</a:t>
+            </a:r>
+            <a:br>
+              <a:rPr lang="de-DE" sz="2400" dirty="0"/>
+            </a:br>
+            <a:r>
+              <a:rPr lang="de-DE" sz="2400" dirty="0"/>
+              <a:t>Gewichtsgradienten</a:t>
+            </a:r>
+            <a:endParaRPr lang="de-DE" dirty="0"/>
+          </a:p>
+        </p:txBody>
+      </p:sp>
+      <p:pic>
+        <p:nvPicPr>
+          <p:cNvPr id="4" name="Grafik 3">
+            <a:extLst>
+              <a:ext uri="{FF2B5EF4-FFF2-40B4-BE49-F238E27FC236}">
+                <a16:creationId xmlns:a16="http://schemas.microsoft.com/office/drawing/2014/main" id="{60E76EBF-D195-4778-ACCE-AE9F8695D3CF}"/>
+              </a:ext>
+            </a:extLst>
+          </p:cNvPr>
+          <p:cNvPicPr>
+            <a:picLocks noChangeAspect="1"/>
+          </p:cNvPicPr>
+          <p:nvPr/>
+        </p:nvPicPr>
+        <p:blipFill rotWithShape="1">
+          <a:blip r:embed="rId2"/>
+          <a:srcRect l="654" r="2038"/>
+          <a:stretch/>
+        </p:blipFill>
+        <p:spPr>
+          <a:xfrm>
+            <a:off x="1594337" y="2462617"/>
+            <a:ext cx="7765367" cy="3119763"/>
+          </a:xfrm>
+          <a:prstGeom prst="rect">
+            <a:avLst/>
+          </a:prstGeom>
+        </p:spPr>
+      </p:pic>
+    </p:spTree>
+    <p:extLst>
+      <p:ext uri="{BB962C8B-B14F-4D97-AF65-F5344CB8AC3E}">
+        <p14:creationId xmlns:p14="http://schemas.microsoft.com/office/powerpoint/2010/main" val="1621570480"/>
+      </p:ext>
+    </p:extLst>
+  </p:cSld>
+  <p:clrMapOvr>
+    <a:masterClrMapping/>
+  </p:clrMapOvr>
+</p:sld>
+</file>
+
+<file path=ppt/slides/slide15.xml><?xml version="1.0" encoding="utf-8"?>
+<p:sld xmlns:a="http://schemas.openxmlformats.org/drawingml/2006/main" xmlns:r="http://schemas.openxmlformats.org/officeDocument/2006/relationships" xmlns:p="http://schemas.openxmlformats.org/presentationml/2006/main">
+  <p:cSld>
+    <p:spTree>
+      <p:nvGrpSpPr>
+        <p:cNvPr id="1" name=""/>
+        <p:cNvGrpSpPr/>
+        <p:nvPr/>
+      </p:nvGrpSpPr>
+      <p:grpSpPr>
+        <a:xfrm>
+          <a:off x="0" y="0"/>
+          <a:ext cx="0" cy="0"/>
+          <a:chOff x="0" y="0"/>
+          <a:chExt cx="0" cy="0"/>
+        </a:xfrm>
+      </p:grpSpPr>
+      <p:sp>
+        <p:nvSpPr>
+          <p:cNvPr id="2" name="Titel 1">
+            <a:extLst>
+              <a:ext uri="{FF2B5EF4-FFF2-40B4-BE49-F238E27FC236}">
+                <a16:creationId xmlns:a16="http://schemas.microsoft.com/office/drawing/2014/main" id="{2911F67F-327B-4C51-B9E3-A1D3BCC720A5}"/>
+              </a:ext>
+            </a:extLst>
+          </p:cNvPr>
+          <p:cNvSpPr>
+            <a:spLocks noGrp="1"/>
+          </p:cNvSpPr>
+          <p:nvPr>
+            <p:ph type="title"/>
+          </p:nvPr>
+        </p:nvSpPr>
+        <p:spPr/>
+        <p:txBody>
+          <a:bodyPr>
+            <a:normAutofit fontScale="90000"/>
+          </a:bodyPr>
+          <a:lstStyle/>
+          <a:p>
+            <a:r>
+              <a:rPr lang="de-DE" dirty="0"/>
+              <a:t>Mathematische Herleitungen</a:t>
+            </a:r>
+            <a:br>
+              <a:rPr lang="de-DE" dirty="0"/>
+            </a:br>
+            <a:r>
+              <a:rPr lang="de-DE" sz="2400" dirty="0" err="1"/>
+              <a:t>Backward</a:t>
+            </a:r>
+            <a:r>
+              <a:rPr lang="de-DE" sz="2400" dirty="0"/>
+              <a:t>-Propagation für Batch an Inputs</a:t>
+            </a:r>
+            <a:br>
+              <a:rPr lang="de-DE" sz="2400" dirty="0"/>
+            </a:br>
+            <a:r>
+              <a:rPr lang="de-DE" sz="2400" dirty="0"/>
+              <a:t>Bias-Gradienten</a:t>
+            </a:r>
+            <a:endParaRPr lang="de-DE" dirty="0"/>
+          </a:p>
+        </p:txBody>
+      </p:sp>
+      <p:pic>
+        <p:nvPicPr>
+          <p:cNvPr id="5" name="Grafik 4">
+            <a:extLst>
+              <a:ext uri="{FF2B5EF4-FFF2-40B4-BE49-F238E27FC236}">
+                <a16:creationId xmlns:a16="http://schemas.microsoft.com/office/drawing/2014/main" id="{7A99D83A-6A7B-4E1B-9481-6FA653F3FD42}"/>
+              </a:ext>
+            </a:extLst>
+          </p:cNvPr>
+          <p:cNvPicPr>
+            <a:picLocks noChangeAspect="1"/>
+          </p:cNvPicPr>
+          <p:nvPr/>
+        </p:nvPicPr>
+        <p:blipFill>
+          <a:blip r:embed="rId2"/>
+          <a:stretch>
+            <a:fillRect/>
+          </a:stretch>
+        </p:blipFill>
+        <p:spPr>
+          <a:xfrm>
+            <a:off x="2208921" y="2443089"/>
+            <a:ext cx="7042454" cy="2762469"/>
+          </a:xfrm>
+          <a:prstGeom prst="rect">
+            <a:avLst/>
+          </a:prstGeom>
+        </p:spPr>
+      </p:pic>
+    </p:spTree>
+    <p:extLst>
+      <p:ext uri="{BB962C8B-B14F-4D97-AF65-F5344CB8AC3E}">
+        <p14:creationId xmlns:p14="http://schemas.microsoft.com/office/powerpoint/2010/main" val="4056278903"/>
+      </p:ext>
+    </p:extLst>
+  </p:cSld>
+  <p:clrMapOvr>
+    <a:masterClrMapping/>
+  </p:clrMapOvr>
+</p:sld>
+</file>
+
+<file path=ppt/slides/slide16.xml><?xml version="1.0" encoding="utf-8"?>
+<p:sld xmlns:a="http://schemas.openxmlformats.org/drawingml/2006/main" xmlns:r="http://schemas.openxmlformats.org/officeDocument/2006/relationships" xmlns:p="http://schemas.openxmlformats.org/presentationml/2006/main">
+  <p:cSld>
+    <p:spTree>
+      <p:nvGrpSpPr>
+        <p:cNvPr id="1" name=""/>
+        <p:cNvGrpSpPr/>
+        <p:nvPr/>
+      </p:nvGrpSpPr>
+      <p:grpSpPr>
+        <a:xfrm>
+          <a:off x="0" y="0"/>
+          <a:ext cx="0" cy="0"/>
+          <a:chOff x="0" y="0"/>
+          <a:chExt cx="0" cy="0"/>
+        </a:xfrm>
+      </p:grpSpPr>
+      <p:sp>
+        <p:nvSpPr>
+          <p:cNvPr id="2" name="Titel 1">
+            <a:extLst>
+              <a:ext uri="{FF2B5EF4-FFF2-40B4-BE49-F238E27FC236}">
+                <a16:creationId xmlns:a16="http://schemas.microsoft.com/office/drawing/2014/main" id="{2911F67F-327B-4C51-B9E3-A1D3BCC720A5}"/>
+              </a:ext>
+            </a:extLst>
+          </p:cNvPr>
+          <p:cNvSpPr>
+            <a:spLocks noGrp="1"/>
+          </p:cNvSpPr>
+          <p:nvPr>
+            <p:ph type="title"/>
+          </p:nvPr>
+        </p:nvSpPr>
+        <p:spPr/>
+        <p:txBody>
+          <a:bodyPr>
+            <a:normAutofit/>
+          </a:bodyPr>
+          <a:lstStyle/>
+          <a:p>
+            <a:r>
+              <a:rPr lang="de-DE" dirty="0"/>
+              <a:t>Mathematische Herleitungen</a:t>
+            </a:r>
+            <a:br>
+              <a:rPr lang="de-DE" dirty="0"/>
+            </a:br>
+            <a:r>
+              <a:rPr lang="de-DE" sz="2400" dirty="0" err="1"/>
+              <a:t>Stochastic</a:t>
+            </a:r>
+            <a:r>
+              <a:rPr lang="de-DE" sz="2400" dirty="0"/>
+              <a:t> Gradient Descent</a:t>
+            </a:r>
+            <a:endParaRPr lang="de-DE" dirty="0"/>
+          </a:p>
+        </p:txBody>
+      </p:sp>
+      <p:pic>
+        <p:nvPicPr>
+          <p:cNvPr id="4" name="Grafik 3">
+            <a:extLst>
+              <a:ext uri="{FF2B5EF4-FFF2-40B4-BE49-F238E27FC236}">
+                <a16:creationId xmlns:a16="http://schemas.microsoft.com/office/drawing/2014/main" id="{1CFA9DCD-B3B1-4DC7-A13A-4C641E717DFE}"/>
+              </a:ext>
+            </a:extLst>
+          </p:cNvPr>
+          <p:cNvPicPr>
+            <a:picLocks noChangeAspect="1"/>
+          </p:cNvPicPr>
+          <p:nvPr/>
+        </p:nvPicPr>
+        <p:blipFill>
+          <a:blip r:embed="rId2"/>
+          <a:stretch>
+            <a:fillRect/>
+          </a:stretch>
+        </p:blipFill>
+        <p:spPr>
+          <a:xfrm>
+            <a:off x="4123445" y="2245832"/>
+            <a:ext cx="2942566" cy="917347"/>
+          </a:xfrm>
+          <a:prstGeom prst="rect">
+            <a:avLst/>
+          </a:prstGeom>
+        </p:spPr>
+      </p:pic>
+      <p:pic>
+        <p:nvPicPr>
+          <p:cNvPr id="7" name="Grafik 6">
+            <a:extLst>
+              <a:ext uri="{FF2B5EF4-FFF2-40B4-BE49-F238E27FC236}">
+                <a16:creationId xmlns:a16="http://schemas.microsoft.com/office/drawing/2014/main" id="{FAF08FC7-1ECB-489E-ADD8-DB00419A9244}"/>
               </a:ext>
             </a:extLst>
           </p:cNvPr>
@@ -4834,8 +4931,38 @@
         </p:blipFill>
         <p:spPr>
           <a:xfrm>
-            <a:off x="1150767" y="3572242"/>
-            <a:ext cx="2347399" cy="517318"/>
+            <a:off x="4404140" y="4091720"/>
+            <a:ext cx="2456205" cy="708393"/>
+          </a:xfrm>
+          <a:prstGeom prst="rect">
+            <a:avLst/>
+          </a:prstGeom>
+        </p:spPr>
+      </p:pic>
+      <p:pic>
+        <p:nvPicPr>
+          <p:cNvPr id="9" name="Grafik 8">
+            <a:extLst>
+              <a:ext uri="{FF2B5EF4-FFF2-40B4-BE49-F238E27FC236}">
+                <a16:creationId xmlns:a16="http://schemas.microsoft.com/office/drawing/2014/main" id="{23DA9959-9EFA-45F9-B953-50E180E9E792}"/>
+              </a:ext>
+            </a:extLst>
+          </p:cNvPr>
+          <p:cNvPicPr>
+            <a:picLocks noChangeAspect="1"/>
+          </p:cNvPicPr>
+          <p:nvPr/>
+        </p:nvPicPr>
+        <p:blipFill>
+          <a:blip r:embed="rId4"/>
+          <a:stretch>
+            <a:fillRect/>
+          </a:stretch>
+        </p:blipFill>
+        <p:spPr>
+          <a:xfrm>
+            <a:off x="4816337" y="5529948"/>
+            <a:ext cx="1931174" cy="397412"/>
           </a:xfrm>
           <a:prstGeom prst="rect">
             <a:avLst/>
@@ -4845,7 +4972,7 @@
     </p:spTree>
     <p:extLst>
       <p:ext uri="{BB962C8B-B14F-4D97-AF65-F5344CB8AC3E}">
-        <p14:creationId xmlns:p14="http://schemas.microsoft.com/office/powerpoint/2010/main" val="2684554406"/>
+        <p14:creationId xmlns:p14="http://schemas.microsoft.com/office/powerpoint/2010/main" val="3713829249"/>
       </p:ext>
     </p:extLst>
   </p:cSld>
@@ -8622,7 +8749,7 @@
         </p:blipFill>
         <p:spPr>
           <a:xfrm>
-            <a:off x="781272" y="3428999"/>
+            <a:off x="1292398" y="2195850"/>
             <a:ext cx="3312129" cy="620225"/>
           </a:xfrm>
           <a:prstGeom prst="rect">
@@ -8632,10 +8759,10 @@
       </p:pic>
       <p:pic>
         <p:nvPicPr>
-          <p:cNvPr id="8" name="Grafik 7">
-            <a:extLst>
-              <a:ext uri="{FF2B5EF4-FFF2-40B4-BE49-F238E27FC236}">
-                <a16:creationId xmlns:a16="http://schemas.microsoft.com/office/drawing/2014/main" id="{0620929E-17BA-470D-8688-4C54ACCEA5C1}"/>
+          <p:cNvPr id="19" name="Grafik 18">
+            <a:extLst>
+              <a:ext uri="{FF2B5EF4-FFF2-40B4-BE49-F238E27FC236}">
+                <a16:creationId xmlns:a16="http://schemas.microsoft.com/office/drawing/2014/main" id="{4D536E9C-8FF4-43AD-AC5A-261C3A8E28AD}"/>
               </a:ext>
             </a:extLst>
           </p:cNvPr>
@@ -8652,8 +8779,8 @@
         </p:blipFill>
         <p:spPr>
           <a:xfrm>
-            <a:off x="6566424" y="1607736"/>
-            <a:ext cx="3074377" cy="648895"/>
+            <a:off x="5122552" y="2249716"/>
+            <a:ext cx="2581203" cy="512491"/>
           </a:xfrm>
           <a:prstGeom prst="rect">
             <a:avLst/>
@@ -8662,10 +8789,10 @@
       </p:pic>
       <p:pic>
         <p:nvPicPr>
-          <p:cNvPr id="10" name="Grafik 9">
-            <a:extLst>
-              <a:ext uri="{FF2B5EF4-FFF2-40B4-BE49-F238E27FC236}">
-                <a16:creationId xmlns:a16="http://schemas.microsoft.com/office/drawing/2014/main" id="{E56CF6EF-E10B-461B-B463-726002B5C093}"/>
+          <p:cNvPr id="21" name="Grafik 20">
+            <a:extLst>
+              <a:ext uri="{FF2B5EF4-FFF2-40B4-BE49-F238E27FC236}">
+                <a16:creationId xmlns:a16="http://schemas.microsoft.com/office/drawing/2014/main" id="{A5B9432D-5B2E-45E9-B433-BC2917CE174B}"/>
               </a:ext>
             </a:extLst>
           </p:cNvPr>
@@ -8682,8 +8809,8 @@
         </p:blipFill>
         <p:spPr>
           <a:xfrm>
-            <a:off x="5461466" y="2569602"/>
-            <a:ext cx="5814195" cy="1718795"/>
+            <a:off x="769035" y="3460964"/>
+            <a:ext cx="6413860" cy="1325562"/>
           </a:xfrm>
           <a:prstGeom prst="rect">
             <a:avLst/>
@@ -8692,10 +8819,10 @@
       </p:pic>
       <p:pic>
         <p:nvPicPr>
-          <p:cNvPr id="17" name="Grafik 16">
-            <a:extLst>
-              <a:ext uri="{FF2B5EF4-FFF2-40B4-BE49-F238E27FC236}">
-                <a16:creationId xmlns:a16="http://schemas.microsoft.com/office/drawing/2014/main" id="{264771EE-EBFE-4D4F-B1C7-C6C27C4E08D8}"/>
+          <p:cNvPr id="23" name="Grafik 22">
+            <a:extLst>
+              <a:ext uri="{FF2B5EF4-FFF2-40B4-BE49-F238E27FC236}">
+                <a16:creationId xmlns:a16="http://schemas.microsoft.com/office/drawing/2014/main" id="{6533EA64-7F53-4E6F-985B-F916024058D5}"/>
               </a:ext>
             </a:extLst>
           </p:cNvPr>
@@ -8704,52 +8831,189 @@
           </p:cNvPicPr>
           <p:nvPr/>
         </p:nvPicPr>
-        <p:blipFill>
+        <p:blipFill rotWithShape="1">
           <a:blip r:embed="rId5"/>
-          <a:stretch>
-            <a:fillRect/>
-          </a:stretch>
+          <a:srcRect b="6231"/>
+          <a:stretch/>
         </p:blipFill>
         <p:spPr>
           <a:xfrm>
-            <a:off x="6096000" y="4574344"/>
-            <a:ext cx="4413829" cy="1774873"/>
+            <a:off x="769035" y="5152588"/>
+            <a:ext cx="6349884" cy="1068168"/>
           </a:xfrm>
           <a:prstGeom prst="rect">
             <a:avLst/>
           </a:prstGeom>
         </p:spPr>
       </p:pic>
-      <p:pic>
-        <p:nvPicPr>
-          <p:cNvPr id="19" name="Grafik 18">
-            <a:extLst>
-              <a:ext uri="{FF2B5EF4-FFF2-40B4-BE49-F238E27FC236}">
-                <a16:creationId xmlns:a16="http://schemas.microsoft.com/office/drawing/2014/main" id="{4D536E9C-8FF4-43AD-AC5A-261C3A8E28AD}"/>
-              </a:ext>
-            </a:extLst>
-          </p:cNvPr>
-          <p:cNvPicPr>
-            <a:picLocks noChangeAspect="1"/>
-          </p:cNvPicPr>
+      <p:sp>
+        <p:nvSpPr>
+          <p:cNvPr id="24" name="Geschweifte Klammer rechts 23">
+            <a:extLst>
+              <a:ext uri="{FF2B5EF4-FFF2-40B4-BE49-F238E27FC236}">
+                <a16:creationId xmlns:a16="http://schemas.microsoft.com/office/drawing/2014/main" id="{7A16E7DD-2999-49A6-B47A-2E4F38F01F50}"/>
+              </a:ext>
+            </a:extLst>
+          </p:cNvPr>
+          <p:cNvSpPr/>
           <p:nvPr/>
-        </p:nvPicPr>
-        <p:blipFill>
-          <a:blip r:embed="rId6"/>
-          <a:stretch>
-            <a:fillRect/>
-          </a:stretch>
-        </p:blipFill>
+        </p:nvSpPr>
         <p:spPr>
           <a:xfrm>
-            <a:off x="1240520" y="4984387"/>
-            <a:ext cx="2581203" cy="512491"/>
+            <a:off x="7300126" y="3460964"/>
+            <a:ext cx="362077" cy="2470913"/>
+          </a:xfrm>
+          <a:prstGeom prst="rightBrace">
+            <a:avLst/>
+          </a:prstGeom>
+          <a:ln>
+            <a:solidFill>
+              <a:schemeClr val="tx1"/>
+            </a:solidFill>
+          </a:ln>
+        </p:spPr>
+        <p:style>
+          <a:lnRef idx="1">
+            <a:schemeClr val="accent1"/>
+          </a:lnRef>
+          <a:fillRef idx="0">
+            <a:schemeClr val="accent1"/>
+          </a:fillRef>
+          <a:effectRef idx="0">
+            <a:schemeClr val="accent1"/>
+          </a:effectRef>
+          <a:fontRef idx="minor">
+            <a:schemeClr val="tx1"/>
+          </a:fontRef>
+        </p:style>
+        <p:txBody>
+          <a:bodyPr rtlCol="0" anchor="ctr"/>
+          <a:lstStyle/>
+          <a:p>
+            <a:pPr algn="ctr"/>
+            <a:endParaRPr lang="de-DE"/>
+          </a:p>
+        </p:txBody>
+      </p:sp>
+      <p:sp>
+        <p:nvSpPr>
+          <p:cNvPr id="25" name="Geschweifte Klammer rechts 24">
+            <a:extLst>
+              <a:ext uri="{FF2B5EF4-FFF2-40B4-BE49-F238E27FC236}">
+                <a16:creationId xmlns:a16="http://schemas.microsoft.com/office/drawing/2014/main" id="{E6A31F8E-0F98-4C30-AC2B-F1AA53F30977}"/>
+              </a:ext>
+            </a:extLst>
+          </p:cNvPr>
+          <p:cNvSpPr/>
+          <p:nvPr/>
+        </p:nvSpPr>
+        <p:spPr>
+          <a:xfrm>
+            <a:off x="7773071" y="2102874"/>
+            <a:ext cx="362077" cy="925812"/>
+          </a:xfrm>
+          <a:prstGeom prst="rightBrace">
+            <a:avLst/>
+          </a:prstGeom>
+          <a:ln>
+            <a:solidFill>
+              <a:schemeClr val="tx1"/>
+            </a:solidFill>
+          </a:ln>
+        </p:spPr>
+        <p:style>
+          <a:lnRef idx="1">
+            <a:schemeClr val="accent1"/>
+          </a:lnRef>
+          <a:fillRef idx="0">
+            <a:schemeClr val="accent1"/>
+          </a:fillRef>
+          <a:effectRef idx="0">
+            <a:schemeClr val="accent1"/>
+          </a:effectRef>
+          <a:fontRef idx="minor">
+            <a:schemeClr val="tx1"/>
+          </a:fontRef>
+        </p:style>
+        <p:txBody>
+          <a:bodyPr rtlCol="0" anchor="ctr"/>
+          <a:lstStyle/>
+          <a:p>
+            <a:pPr algn="ctr"/>
+            <a:endParaRPr lang="de-DE"/>
+          </a:p>
+        </p:txBody>
+      </p:sp>
+      <p:sp>
+        <p:nvSpPr>
+          <p:cNvPr id="26" name="Textfeld 25">
+            <a:extLst>
+              <a:ext uri="{FF2B5EF4-FFF2-40B4-BE49-F238E27FC236}">
+                <a16:creationId xmlns:a16="http://schemas.microsoft.com/office/drawing/2014/main" id="{FB294907-7138-4AF1-B6F6-909266970080}"/>
+              </a:ext>
+            </a:extLst>
+          </p:cNvPr>
+          <p:cNvSpPr txBox="1"/>
+          <p:nvPr/>
+        </p:nvSpPr>
+        <p:spPr>
+          <a:xfrm>
+            <a:off x="8285871" y="2325858"/>
+            <a:ext cx="2686929" cy="646331"/>
           </a:xfrm>
           <a:prstGeom prst="rect">
             <a:avLst/>
           </a:prstGeom>
+          <a:noFill/>
         </p:spPr>
-      </p:pic>
+        <p:txBody>
+          <a:bodyPr wrap="square" rtlCol="0">
+            <a:spAutoFit/>
+          </a:bodyPr>
+          <a:lstStyle/>
+          <a:p>
+            <a:r>
+              <a:rPr lang="de-DE" dirty="0"/>
+              <a:t>Allgemeingültiges Ergebnis für jedes Hidden Layer</a:t>
+            </a:r>
+          </a:p>
+        </p:txBody>
+      </p:sp>
+      <p:sp>
+        <p:nvSpPr>
+          <p:cNvPr id="27" name="Textfeld 26">
+            <a:extLst>
+              <a:ext uri="{FF2B5EF4-FFF2-40B4-BE49-F238E27FC236}">
+                <a16:creationId xmlns:a16="http://schemas.microsoft.com/office/drawing/2014/main" id="{C15B4257-BDFA-4A19-BF45-907D571C3B90}"/>
+              </a:ext>
+            </a:extLst>
+          </p:cNvPr>
+          <p:cNvSpPr txBox="1"/>
+          <p:nvPr/>
+        </p:nvSpPr>
+        <p:spPr>
+          <a:xfrm>
+            <a:off x="7843410" y="4324861"/>
+            <a:ext cx="3489960" cy="923330"/>
+          </a:xfrm>
+          <a:prstGeom prst="rect">
+            <a:avLst/>
+          </a:prstGeom>
+          <a:noFill/>
+        </p:spPr>
+        <p:txBody>
+          <a:bodyPr wrap="square" rtlCol="0">
+            <a:spAutoFit/>
+          </a:bodyPr>
+          <a:lstStyle/>
+          <a:p>
+            <a:r>
+              <a:rPr lang="de-DE" dirty="0"/>
+              <a:t>Ergebnis, wenn die Aktivierungsfunktion in Layer l-1 die Sigmoid Funktion ist</a:t>
+            </a:r>
+          </a:p>
+        </p:txBody>
+      </p:sp>
     </p:spTree>
     <p:extLst>
       <p:ext uri="{BB962C8B-B14F-4D97-AF65-F5344CB8AC3E}">

--- a/theory/submission/result_presentation.pptx
+++ b/theory/submission/result_presentation.pptx
@@ -5,7 +5,7 @@
     <p:sldMasterId id="2147483648" r:id="rId1"/>
   </p:sldMasterIdLst>
   <p:notesMasterIdLst>
-    <p:notesMasterId r:id="rId18"/>
+    <p:notesMasterId r:id="rId19"/>
   </p:notesMasterIdLst>
   <p:sldIdLst>
     <p:sldId id="256" r:id="rId2"/>
@@ -24,6 +24,7 @@
     <p:sldId id="271" r:id="rId15"/>
     <p:sldId id="272" r:id="rId16"/>
     <p:sldId id="273" r:id="rId17"/>
+    <p:sldId id="274" r:id="rId18"/>
   </p:sldIdLst>
   <p:sldSz cx="12192000" cy="6858000"/>
   <p:notesSz cx="6858000" cy="9144000"/>
@@ -4982,6 +4983,187 @@
 </p:sld>
 </file>
 
+<file path=ppt/slides/slide17.xml><?xml version="1.0" encoding="utf-8"?>
+<p:sld xmlns:a="http://schemas.openxmlformats.org/drawingml/2006/main" xmlns:r="http://schemas.openxmlformats.org/officeDocument/2006/relationships" xmlns:p="http://schemas.openxmlformats.org/presentationml/2006/main">
+  <p:cSld>
+    <p:spTree>
+      <p:nvGrpSpPr>
+        <p:cNvPr id="1" name=""/>
+        <p:cNvGrpSpPr/>
+        <p:nvPr/>
+      </p:nvGrpSpPr>
+      <p:grpSpPr>
+        <a:xfrm>
+          <a:off x="0" y="0"/>
+          <a:ext cx="0" cy="0"/>
+          <a:chOff x="0" y="0"/>
+          <a:chExt cx="0" cy="0"/>
+        </a:xfrm>
+      </p:grpSpPr>
+      <p:sp>
+        <p:nvSpPr>
+          <p:cNvPr id="2" name="Titel 1">
+            <a:extLst>
+              <a:ext uri="{FF2B5EF4-FFF2-40B4-BE49-F238E27FC236}">
+                <a16:creationId xmlns:a16="http://schemas.microsoft.com/office/drawing/2014/main" id="{29FA37A3-FF5A-44AB-8DF3-1148A58E43F7}"/>
+              </a:ext>
+            </a:extLst>
+          </p:cNvPr>
+          <p:cNvSpPr>
+            <a:spLocks noGrp="1"/>
+          </p:cNvSpPr>
+          <p:nvPr>
+            <p:ph type="title"/>
+          </p:nvPr>
+        </p:nvSpPr>
+        <p:spPr/>
+        <p:txBody>
+          <a:bodyPr/>
+          <a:lstStyle/>
+          <a:p>
+            <a:r>
+              <a:rPr lang="de-DE" dirty="0"/>
+              <a:t>Implementierung in Python</a:t>
+            </a:r>
+          </a:p>
+        </p:txBody>
+      </p:sp>
+      <p:sp>
+        <p:nvSpPr>
+          <p:cNvPr id="3" name="Inhaltsplatzhalter 2">
+            <a:extLst>
+              <a:ext uri="{FF2B5EF4-FFF2-40B4-BE49-F238E27FC236}">
+                <a16:creationId xmlns:a16="http://schemas.microsoft.com/office/drawing/2014/main" id="{D2D4F1E2-9CD7-4555-B49C-3581844978A5}"/>
+              </a:ext>
+            </a:extLst>
+          </p:cNvPr>
+          <p:cNvSpPr>
+            <a:spLocks noGrp="1"/>
+          </p:cNvSpPr>
+          <p:nvPr>
+            <p:ph idx="1"/>
+          </p:nvPr>
+        </p:nvSpPr>
+        <p:spPr/>
+        <p:txBody>
+          <a:bodyPr/>
+          <a:lstStyle/>
+          <a:p>
+            <a:r>
+              <a:rPr lang="de-DE" dirty="0">
+                <a:hlinkClick r:id="rId2"/>
+              </a:rPr>
+              <a:t>Beispielanwendung MNIST Digit Classification</a:t>
+            </a:r>
+            <a:endParaRPr lang="de-DE" dirty="0"/>
+          </a:p>
+          <a:p>
+            <a:r>
+              <a:rPr lang="de-DE" dirty="0"/>
+              <a:t>Aufbau von </a:t>
+            </a:r>
+            <a:r>
+              <a:rPr lang="de-DE" dirty="0" err="1">
+                <a:hlinkClick r:id="rId3"/>
+              </a:rPr>
+              <a:t>src</a:t>
+            </a:r>
+            <a:r>
+              <a:rPr lang="de-DE" dirty="0">
+                <a:hlinkClick r:id="rId3"/>
+              </a:rPr>
+              <a:t>/</a:t>
+            </a:r>
+            <a:r>
+              <a:rPr lang="de-DE" dirty="0" err="1">
+                <a:hlinkClick r:id="rId3"/>
+              </a:rPr>
+              <a:t>lib</a:t>
+            </a:r>
+            <a:endParaRPr lang="de-DE" dirty="0"/>
+          </a:p>
+          <a:p>
+            <a:r>
+              <a:rPr lang="de-DE" dirty="0"/>
+              <a:t>Erklärung von </a:t>
+            </a:r>
+            <a:r>
+              <a:rPr lang="de-DE" dirty="0" err="1">
+                <a:hlinkClick r:id="rId2"/>
+              </a:rPr>
+              <a:t>SequentialModel</a:t>
+            </a:r>
+            <a:r>
+              <a:rPr lang="de-DE" dirty="0"/>
+              <a:t> Klasse</a:t>
+            </a:r>
+          </a:p>
+          <a:p>
+            <a:r>
+              <a:rPr lang="de-DE" dirty="0"/>
+              <a:t>Erklärung von </a:t>
+            </a:r>
+            <a:r>
+              <a:rPr lang="de-DE" dirty="0" err="1">
+                <a:hlinkClick r:id="rId4"/>
+              </a:rPr>
+              <a:t>Dense</a:t>
+            </a:r>
+            <a:r>
+              <a:rPr lang="de-DE" dirty="0">
+                <a:hlinkClick r:id="rId4"/>
+              </a:rPr>
+              <a:t> Layer</a:t>
+            </a:r>
+            <a:r>
+              <a:rPr lang="de-DE" dirty="0"/>
+              <a:t> Klasse</a:t>
+            </a:r>
+          </a:p>
+          <a:p>
+            <a:r>
+              <a:rPr lang="de-DE" dirty="0"/>
+              <a:t>Erklärung von </a:t>
+            </a:r>
+            <a:r>
+              <a:rPr lang="de-DE" dirty="0">
+                <a:hlinkClick r:id="rId5"/>
+              </a:rPr>
+              <a:t>Aktivierungsfunktionen</a:t>
+            </a:r>
+            <a:r>
+              <a:rPr lang="de-DE" dirty="0"/>
+              <a:t>, insbesondere die Anpassungen für numerische Stabilität </a:t>
+            </a:r>
+          </a:p>
+          <a:p>
+            <a:r>
+              <a:rPr lang="de-DE" dirty="0"/>
+              <a:t>Tests erklären, insbesondere </a:t>
+            </a:r>
+            <a:r>
+              <a:rPr lang="de-DE" dirty="0" err="1">
+                <a:hlinkClick r:id="rId6"/>
+              </a:rPr>
+              <a:t>test_model</a:t>
+            </a:r>
+            <a:endParaRPr lang="de-DE" dirty="0"/>
+          </a:p>
+        </p:txBody>
+      </p:sp>
+    </p:spTree>
+    <p:extLst>
+      <p:ext uri="{BB962C8B-B14F-4D97-AF65-F5344CB8AC3E}">
+        <p14:creationId xmlns:p14="http://schemas.microsoft.com/office/powerpoint/2010/main" val="2176953187"/>
+      </p:ext>
+    </p:extLst>
+  </p:cSld>
+  <p:clrMapOvr>
+    <a:masterClrMapping/>
+  </p:clrMapOvr>
+</p:sld>
+</file>
+
 <file path=ppt/slides/slide2.xml><?xml version="1.0" encoding="utf-8"?>
 <p:sld xmlns:a="http://schemas.openxmlformats.org/drawingml/2006/main" xmlns:r="http://schemas.openxmlformats.org/officeDocument/2006/relationships" xmlns:p="http://schemas.openxmlformats.org/presentationml/2006/main">
   <p:cSld>
@@ -5062,13 +5244,7 @@
           <a:p>
             <a:r>
               <a:rPr lang="de-DE" dirty="0"/>
-              <a:t>Implementierung in Python und daraus gelernte Erfahrungen</a:t>
-            </a:r>
-          </a:p>
-          <a:p>
-            <a:r>
-              <a:rPr lang="de-DE" dirty="0"/>
-              <a:t>Beispielanwendung</a:t>
+              <a:t>Implementierung in Python</a:t>
             </a:r>
           </a:p>
         </p:txBody>

--- a/theory/submission/result_presentation.pptx
+++ b/theory/submission/result_presentation.pptx
@@ -213,7 +213,7 @@
           <a:p>
             <a:fld id="{8EB49EC5-088D-473F-9BFC-E2740B5DA688}" type="datetimeFigureOut">
               <a:rPr lang="de-DE" smtClean="0"/>
-              <a:t>11.04.2022</a:t>
+              <a:t>01.05.2022</a:t>
             </a:fld>
             <a:endParaRPr lang="de-DE"/>
           </a:p>
@@ -371,7 +371,7 @@
           <a:p>
             <a:fld id="{D4C12A24-BF94-4906-B274-F5BF4D611E23}" type="slidenum">
               <a:rPr lang="de-DE" smtClean="0"/>
-              <a:t>‹Nr.›</a:t>
+              <a:t>‹#›</a:t>
             </a:fld>
             <a:endParaRPr lang="de-DE"/>
           </a:p>
@@ -587,7 +587,7 @@
       </p:grpSpPr>
       <p:sp>
         <p:nvSpPr>
-          <p:cNvPr id="2" name="Folienbildplatzhalter 1"/>
+          <p:cNvPr id="2" name="Slide Image Placeholder 1"/>
           <p:cNvSpPr>
             <a:spLocks noGrp="1" noRot="1" noChangeAspect="1"/>
           </p:cNvSpPr>
@@ -599,7 +599,7 @@
       </p:sp>
       <p:sp>
         <p:nvSpPr>
-          <p:cNvPr id="3" name="Notizenplatzhalter 2"/>
+          <p:cNvPr id="3" name="Notes Placeholder 2"/>
           <p:cNvSpPr>
             <a:spLocks noGrp="1"/>
           </p:cNvSpPr>
@@ -616,13 +616,106 @@
               <a:buFont typeface="Arial" panose="020B0604020202020204" pitchFamily="34" charset="0"/>
               <a:buChar char="•"/>
             </a:pPr>
+            <a:r>
+              <a:rPr lang="de-DE" dirty="0"/>
+              <a:t>Übergeordnetes Ziel: Tiefgehendes Verständnis was „unter der Haube“ von neuronalen Netzen passiert, um</a:t>
+            </a:r>
+          </a:p>
+          <a:p>
+            <a:pPr marL="628650" lvl="1" indent="-171450">
+              <a:buFont typeface="Arial" panose="020B0604020202020204" pitchFamily="34" charset="0"/>
+              <a:buChar char="•"/>
+            </a:pPr>
+            <a:r>
+              <a:rPr lang="de-DE" dirty="0"/>
+              <a:t>Neueste Forschungen besser verstehen zu können</a:t>
+            </a:r>
+          </a:p>
+          <a:p>
+            <a:pPr marL="628650" lvl="1" indent="-171450">
+              <a:buFont typeface="Arial" panose="020B0604020202020204" pitchFamily="34" charset="0"/>
+              <a:buChar char="•"/>
+            </a:pPr>
+            <a:r>
+              <a:rPr lang="de-DE" dirty="0"/>
+              <a:t>Ein besserer Anwender von gängigen Deep Learning Bibliotheken zu werden</a:t>
+            </a:r>
+          </a:p>
+          <a:p>
+            <a:pPr marL="628650" lvl="1" indent="-171450">
+              <a:buFont typeface="Arial" panose="020B0604020202020204" pitchFamily="34" charset="0"/>
+              <a:buChar char="•"/>
+            </a:pPr>
+            <a:r>
+              <a:rPr lang="de-DE" dirty="0"/>
+              <a:t>Selbst neue Netzwerkarchitekturen entwickeln zu können</a:t>
+            </a:r>
+          </a:p>
+          <a:p>
+            <a:pPr marL="171450" indent="-171450">
+              <a:buFont typeface="Arial" panose="020B0604020202020204" pitchFamily="34" charset="0"/>
+              <a:buChar char="•"/>
+            </a:pPr>
+            <a:r>
+              <a:rPr lang="de-DE" dirty="0"/>
+              <a:t>Projektziel: </a:t>
+            </a:r>
+          </a:p>
+          <a:p>
+            <a:pPr marL="628650" lvl="1" indent="-171450">
+              <a:buFont typeface="Arial" panose="020B0604020202020204" pitchFamily="34" charset="0"/>
+              <a:buChar char="•"/>
+            </a:pPr>
+            <a:r>
+              <a:rPr lang="de-DE" dirty="0"/>
+              <a:t>Herleitung generischer, mathematischer Gleichungen für Forward- und Backpropagation Algorithmus</a:t>
+            </a:r>
+          </a:p>
+          <a:p>
+            <a:pPr marL="628650" lvl="1" indent="-171450">
+              <a:buFont typeface="Arial" panose="020B0604020202020204" pitchFamily="34" charset="0"/>
+              <a:buChar char="•"/>
+            </a:pPr>
+            <a:r>
+              <a:rPr lang="de-DE" dirty="0"/>
+              <a:t>Effiziente Implementierung hergeleiteter Gleichungen für </a:t>
+            </a:r>
+            <a:r>
+              <a:rPr lang="de-DE" i="1" dirty="0"/>
+              <a:t>willkürliche Netzwerkarchitekturen</a:t>
+            </a:r>
+            <a:r>
+              <a:rPr lang="de-DE" dirty="0"/>
+              <a:t> von Multi-Layer-</a:t>
+            </a:r>
+            <a:r>
+              <a:rPr lang="de-DE" dirty="0" err="1"/>
+              <a:t>Perceptrons</a:t>
+            </a:r>
             <a:endParaRPr lang="de-DE" dirty="0"/>
           </a:p>
-        </p:txBody>
-      </p:sp>
-      <p:sp>
-        <p:nvSpPr>
-          <p:cNvPr id="4" name="Foliennummernplatzhalter 3"/>
+          <a:p>
+            <a:pPr marL="628650" lvl="1" indent="-171450">
+              <a:buFont typeface="Arial" panose="020B0604020202020204" pitchFamily="34" charset="0"/>
+              <a:buChar char="•"/>
+            </a:pPr>
+            <a:r>
+              <a:rPr lang="de-DE" dirty="0"/>
+              <a:t>Beispielhafte Anwendung und Performance Evaluierung auf MNIST Digit Datensatz</a:t>
+            </a:r>
+          </a:p>
+          <a:p>
+            <a:pPr marL="171450" indent="-171450">
+              <a:buFont typeface="Arial" panose="020B0604020202020204" pitchFamily="34" charset="0"/>
+              <a:buChar char="•"/>
+            </a:pPr>
+            <a:endParaRPr lang="de-DE" dirty="0"/>
+          </a:p>
+        </p:txBody>
+      </p:sp>
+      <p:sp>
+        <p:nvSpPr>
+          <p:cNvPr id="4" name="Slide Number Placeholder 3"/>
           <p:cNvSpPr>
             <a:spLocks noGrp="1"/>
           </p:cNvSpPr>
@@ -637,7 +730,7 @@
           <a:p>
             <a:fld id="{D4C12A24-BF94-4906-B274-F5BF4D611E23}" type="slidenum">
               <a:rPr lang="de-DE" smtClean="0"/>
-              <a:t>4</a:t>
+              <a:t>3</a:t>
             </a:fld>
             <a:endParaRPr lang="de-DE"/>
           </a:p>
@@ -646,7 +739,7 @@
     </p:spTree>
     <p:extLst>
       <p:ext uri="{BB962C8B-B14F-4D97-AF65-F5344CB8AC3E}">
-        <p14:creationId xmlns:p14="http://schemas.microsoft.com/office/powerpoint/2010/main" val="865780576"/>
+        <p14:creationId xmlns:p14="http://schemas.microsoft.com/office/powerpoint/2010/main" val="3794302397"/>
       </p:ext>
     </p:extLst>
   </p:cSld>
@@ -725,6 +818,94 @@
           <a:p>
             <a:fld id="{D4C12A24-BF94-4906-B274-F5BF4D611E23}" type="slidenum">
               <a:rPr lang="de-DE" smtClean="0"/>
+              <a:t>4</a:t>
+            </a:fld>
+            <a:endParaRPr lang="de-DE"/>
+          </a:p>
+        </p:txBody>
+      </p:sp>
+    </p:spTree>
+    <p:extLst>
+      <p:ext uri="{BB962C8B-B14F-4D97-AF65-F5344CB8AC3E}">
+        <p14:creationId xmlns:p14="http://schemas.microsoft.com/office/powerpoint/2010/main" val="865780576"/>
+      </p:ext>
+    </p:extLst>
+  </p:cSld>
+  <p:clrMapOvr>
+    <a:masterClrMapping/>
+  </p:clrMapOvr>
+</p:notes>
+</file>
+
+<file path=ppt/notesSlides/notesSlide4.xml><?xml version="1.0" encoding="utf-8"?>
+<p:notes xmlns:a="http://schemas.openxmlformats.org/drawingml/2006/main" xmlns:r="http://schemas.openxmlformats.org/officeDocument/2006/relationships" xmlns:p="http://schemas.openxmlformats.org/presentationml/2006/main">
+  <p:cSld>
+    <p:spTree>
+      <p:nvGrpSpPr>
+        <p:cNvPr id="1" name=""/>
+        <p:cNvGrpSpPr/>
+        <p:nvPr/>
+      </p:nvGrpSpPr>
+      <p:grpSpPr>
+        <a:xfrm>
+          <a:off x="0" y="0"/>
+          <a:ext cx="0" cy="0"/>
+          <a:chOff x="0" y="0"/>
+          <a:chExt cx="0" cy="0"/>
+        </a:xfrm>
+      </p:grpSpPr>
+      <p:sp>
+        <p:nvSpPr>
+          <p:cNvPr id="2" name="Folienbildplatzhalter 1"/>
+          <p:cNvSpPr>
+            <a:spLocks noGrp="1" noRot="1" noChangeAspect="1"/>
+          </p:cNvSpPr>
+          <p:nvPr>
+            <p:ph type="sldImg"/>
+          </p:nvPr>
+        </p:nvSpPr>
+        <p:spPr/>
+      </p:sp>
+      <p:sp>
+        <p:nvSpPr>
+          <p:cNvPr id="3" name="Notizenplatzhalter 2"/>
+          <p:cNvSpPr>
+            <a:spLocks noGrp="1"/>
+          </p:cNvSpPr>
+          <p:nvPr>
+            <p:ph type="body" idx="1"/>
+          </p:nvPr>
+        </p:nvSpPr>
+        <p:spPr/>
+        <p:txBody>
+          <a:bodyPr/>
+          <a:lstStyle/>
+          <a:p>
+            <a:pPr marL="171450" indent="-171450">
+              <a:buFont typeface="Arial" panose="020B0604020202020204" pitchFamily="34" charset="0"/>
+              <a:buChar char="•"/>
+            </a:pPr>
+            <a:endParaRPr lang="de-DE" dirty="0"/>
+          </a:p>
+        </p:txBody>
+      </p:sp>
+      <p:sp>
+        <p:nvSpPr>
+          <p:cNvPr id="4" name="Foliennummernplatzhalter 3"/>
+          <p:cNvSpPr>
+            <a:spLocks noGrp="1"/>
+          </p:cNvSpPr>
+          <p:nvPr>
+            <p:ph type="sldNum" sz="quarter" idx="5"/>
+          </p:nvPr>
+        </p:nvSpPr>
+        <p:spPr/>
+        <p:txBody>
+          <a:bodyPr/>
+          <a:lstStyle/>
+          <a:p>
+            <a:fld id="{D4C12A24-BF94-4906-B274-F5BF4D611E23}" type="slidenum">
+              <a:rPr lang="de-DE" smtClean="0"/>
               <a:t>5</a:t>
             </a:fld>
             <a:endParaRPr lang="de-DE"/>
@@ -735,6 +916,138 @@
     <p:extLst>
       <p:ext uri="{BB962C8B-B14F-4D97-AF65-F5344CB8AC3E}">
         <p14:creationId xmlns:p14="http://schemas.microsoft.com/office/powerpoint/2010/main" val="2566889553"/>
+      </p:ext>
+    </p:extLst>
+  </p:cSld>
+  <p:clrMapOvr>
+    <a:masterClrMapping/>
+  </p:clrMapOvr>
+</p:notes>
+</file>
+
+<file path=ppt/notesSlides/notesSlide5.xml><?xml version="1.0" encoding="utf-8"?>
+<p:notes xmlns:a="http://schemas.openxmlformats.org/drawingml/2006/main" xmlns:r="http://schemas.openxmlformats.org/officeDocument/2006/relationships" xmlns:p="http://schemas.openxmlformats.org/presentationml/2006/main">
+  <p:cSld>
+    <p:spTree>
+      <p:nvGrpSpPr>
+        <p:cNvPr id="1" name=""/>
+        <p:cNvGrpSpPr/>
+        <p:nvPr/>
+      </p:nvGrpSpPr>
+      <p:grpSpPr>
+        <a:xfrm>
+          <a:off x="0" y="0"/>
+          <a:ext cx="0" cy="0"/>
+          <a:chOff x="0" y="0"/>
+          <a:chExt cx="0" cy="0"/>
+        </a:xfrm>
+      </p:grpSpPr>
+      <p:sp>
+        <p:nvSpPr>
+          <p:cNvPr id="2" name="Slide Image Placeholder 1"/>
+          <p:cNvSpPr>
+            <a:spLocks noGrp="1" noRot="1" noChangeAspect="1"/>
+          </p:cNvSpPr>
+          <p:nvPr>
+            <p:ph type="sldImg"/>
+          </p:nvPr>
+        </p:nvSpPr>
+        <p:spPr/>
+      </p:sp>
+      <p:sp>
+        <p:nvSpPr>
+          <p:cNvPr id="3" name="Notes Placeholder 2"/>
+          <p:cNvSpPr>
+            <a:spLocks noGrp="1"/>
+          </p:cNvSpPr>
+          <p:nvPr>
+            <p:ph type="body" idx="1"/>
+          </p:nvPr>
+        </p:nvSpPr>
+        <p:spPr/>
+        <p:txBody>
+          <a:bodyPr/>
+          <a:lstStyle/>
+          <a:p>
+            <a:pPr marL="171450" indent="-171450">
+              <a:buFont typeface="Arial" panose="020B0604020202020204" pitchFamily="34" charset="0"/>
+              <a:buChar char="•"/>
+            </a:pPr>
+            <a:r>
+              <a:rPr lang="de-DE" dirty="0"/>
+              <a:t>Einführung einer neuen Dimension (</a:t>
+            </a:r>
+            <a:r>
+              <a:rPr lang="de-DE" dirty="0" err="1"/>
+              <a:t>axis</a:t>
+            </a:r>
+            <a:r>
+              <a:rPr lang="de-DE" dirty="0"/>
+              <a:t>=0, hier gezeichnet als Tiefendimension) für alle Daten eines Batches</a:t>
+            </a:r>
+          </a:p>
+          <a:p>
+            <a:pPr marL="171450" indent="-171450">
+              <a:buFont typeface="Arial" panose="020B0604020202020204" pitchFamily="34" charset="0"/>
+              <a:buChar char="•"/>
+            </a:pPr>
+            <a:r>
+              <a:rPr lang="de-DE" dirty="0"/>
+              <a:t>Gewichte und </a:t>
+            </a:r>
+            <a:r>
+              <a:rPr lang="de-DE" dirty="0" err="1"/>
+              <a:t>Biases</a:t>
+            </a:r>
+            <a:r>
+              <a:rPr lang="de-DE" dirty="0"/>
+              <a:t> werden batch-size mal </a:t>
+            </a:r>
+            <a:r>
+              <a:rPr lang="de-DE" dirty="0" err="1"/>
+              <a:t>ge-broadcasted</a:t>
+            </a:r>
+            <a:endParaRPr lang="de-DE" dirty="0"/>
+          </a:p>
+          <a:p>
+            <a:pPr marL="171450" indent="-171450">
+              <a:buFont typeface="Arial" panose="020B0604020202020204" pitchFamily="34" charset="0"/>
+              <a:buChar char="•"/>
+            </a:pPr>
+            <a:r>
+              <a:rPr lang="de-DE" dirty="0"/>
+              <a:t>Die mathematischen Operationen jedes Elements der Tiefendimension werden „parallel“ ausgeführt</a:t>
+            </a:r>
+          </a:p>
+        </p:txBody>
+      </p:sp>
+      <p:sp>
+        <p:nvSpPr>
+          <p:cNvPr id="4" name="Slide Number Placeholder 3"/>
+          <p:cNvSpPr>
+            <a:spLocks noGrp="1"/>
+          </p:cNvSpPr>
+          <p:nvPr>
+            <p:ph type="sldNum" sz="quarter" idx="5"/>
+          </p:nvPr>
+        </p:nvSpPr>
+        <p:spPr/>
+        <p:txBody>
+          <a:bodyPr/>
+          <a:lstStyle/>
+          <a:p>
+            <a:fld id="{D4C12A24-BF94-4906-B274-F5BF4D611E23}" type="slidenum">
+              <a:rPr lang="de-DE" smtClean="0"/>
+              <a:t>6</a:t>
+            </a:fld>
+            <a:endParaRPr lang="de-DE"/>
+          </a:p>
+        </p:txBody>
+      </p:sp>
+    </p:spTree>
+    <p:extLst>
+      <p:ext uri="{BB962C8B-B14F-4D97-AF65-F5344CB8AC3E}">
+        <p14:creationId xmlns:p14="http://schemas.microsoft.com/office/powerpoint/2010/main" val="600352985"/>
       </p:ext>
     </p:extLst>
   </p:cSld>
@@ -891,7 +1204,7 @@
           <a:p>
             <a:fld id="{E47F9164-12F9-48A6-9622-CDF71CB57A75}" type="datetimeFigureOut">
               <a:rPr lang="de-DE" smtClean="0"/>
-              <a:t>11.04.2022</a:t>
+              <a:t>01.05.2022</a:t>
             </a:fld>
             <a:endParaRPr lang="de-DE"/>
           </a:p>
@@ -945,7 +1258,7 @@
           <a:p>
             <a:fld id="{E49CBCE4-D3C2-445C-97B6-0529B3CADD6D}" type="slidenum">
               <a:rPr lang="de-DE" smtClean="0"/>
-              <a:t>‹Nr.›</a:t>
+              <a:t>‹#›</a:t>
             </a:fld>
             <a:endParaRPr lang="de-DE"/>
           </a:p>
@@ -1089,7 +1402,7 @@
           <a:p>
             <a:fld id="{E47F9164-12F9-48A6-9622-CDF71CB57A75}" type="datetimeFigureOut">
               <a:rPr lang="de-DE" smtClean="0"/>
-              <a:t>11.04.2022</a:t>
+              <a:t>01.05.2022</a:t>
             </a:fld>
             <a:endParaRPr lang="de-DE"/>
           </a:p>
@@ -1143,7 +1456,7 @@
           <a:p>
             <a:fld id="{E49CBCE4-D3C2-445C-97B6-0529B3CADD6D}" type="slidenum">
               <a:rPr lang="de-DE" smtClean="0"/>
-              <a:t>‹Nr.›</a:t>
+              <a:t>‹#›</a:t>
             </a:fld>
             <a:endParaRPr lang="de-DE"/>
           </a:p>
@@ -1297,7 +1610,7 @@
           <a:p>
             <a:fld id="{E47F9164-12F9-48A6-9622-CDF71CB57A75}" type="datetimeFigureOut">
               <a:rPr lang="de-DE" smtClean="0"/>
-              <a:t>11.04.2022</a:t>
+              <a:t>01.05.2022</a:t>
             </a:fld>
             <a:endParaRPr lang="de-DE"/>
           </a:p>
@@ -1351,7 +1664,7 @@
           <a:p>
             <a:fld id="{E49CBCE4-D3C2-445C-97B6-0529B3CADD6D}" type="slidenum">
               <a:rPr lang="de-DE" smtClean="0"/>
-              <a:t>‹Nr.›</a:t>
+              <a:t>‹#›</a:t>
             </a:fld>
             <a:endParaRPr lang="de-DE"/>
           </a:p>
@@ -1495,7 +1808,7 @@
           <a:p>
             <a:fld id="{E47F9164-12F9-48A6-9622-CDF71CB57A75}" type="datetimeFigureOut">
               <a:rPr lang="de-DE" smtClean="0"/>
-              <a:t>11.04.2022</a:t>
+              <a:t>01.05.2022</a:t>
             </a:fld>
             <a:endParaRPr lang="de-DE"/>
           </a:p>
@@ -1549,7 +1862,7 @@
           <a:p>
             <a:fld id="{E49CBCE4-D3C2-445C-97B6-0529B3CADD6D}" type="slidenum">
               <a:rPr lang="de-DE" smtClean="0"/>
-              <a:t>‹Nr.›</a:t>
+              <a:t>‹#›</a:t>
             </a:fld>
             <a:endParaRPr lang="de-DE"/>
           </a:p>
@@ -1770,7 +2083,7 @@
           <a:p>
             <a:fld id="{E47F9164-12F9-48A6-9622-CDF71CB57A75}" type="datetimeFigureOut">
               <a:rPr lang="de-DE" smtClean="0"/>
-              <a:t>11.04.2022</a:t>
+              <a:t>01.05.2022</a:t>
             </a:fld>
             <a:endParaRPr lang="de-DE"/>
           </a:p>
@@ -1824,7 +2137,7 @@
           <a:p>
             <a:fld id="{E49CBCE4-D3C2-445C-97B6-0529B3CADD6D}" type="slidenum">
               <a:rPr lang="de-DE" smtClean="0"/>
-              <a:t>‹Nr.›</a:t>
+              <a:t>‹#›</a:t>
             </a:fld>
             <a:endParaRPr lang="de-DE"/>
           </a:p>
@@ -2035,7 +2348,7 @@
           <a:p>
             <a:fld id="{E47F9164-12F9-48A6-9622-CDF71CB57A75}" type="datetimeFigureOut">
               <a:rPr lang="de-DE" smtClean="0"/>
-              <a:t>11.04.2022</a:t>
+              <a:t>01.05.2022</a:t>
             </a:fld>
             <a:endParaRPr lang="de-DE"/>
           </a:p>
@@ -2089,7 +2402,7 @@
           <a:p>
             <a:fld id="{E49CBCE4-D3C2-445C-97B6-0529B3CADD6D}" type="slidenum">
               <a:rPr lang="de-DE" smtClean="0"/>
-              <a:t>‹Nr.›</a:t>
+              <a:t>‹#›</a:t>
             </a:fld>
             <a:endParaRPr lang="de-DE"/>
           </a:p>
@@ -2447,7 +2760,7 @@
           <a:p>
             <a:fld id="{E47F9164-12F9-48A6-9622-CDF71CB57A75}" type="datetimeFigureOut">
               <a:rPr lang="de-DE" smtClean="0"/>
-              <a:t>11.04.2022</a:t>
+              <a:t>01.05.2022</a:t>
             </a:fld>
             <a:endParaRPr lang="de-DE"/>
           </a:p>
@@ -2501,7 +2814,7 @@
           <a:p>
             <a:fld id="{E49CBCE4-D3C2-445C-97B6-0529B3CADD6D}" type="slidenum">
               <a:rPr lang="de-DE" smtClean="0"/>
-              <a:t>‹Nr.›</a:t>
+              <a:t>‹#›</a:t>
             </a:fld>
             <a:endParaRPr lang="de-DE"/>
           </a:p>
@@ -2588,7 +2901,7 @@
           <a:p>
             <a:fld id="{E47F9164-12F9-48A6-9622-CDF71CB57A75}" type="datetimeFigureOut">
               <a:rPr lang="de-DE" smtClean="0"/>
-              <a:t>11.04.2022</a:t>
+              <a:t>01.05.2022</a:t>
             </a:fld>
             <a:endParaRPr lang="de-DE"/>
           </a:p>
@@ -2642,7 +2955,7 @@
           <a:p>
             <a:fld id="{E49CBCE4-D3C2-445C-97B6-0529B3CADD6D}" type="slidenum">
               <a:rPr lang="de-DE" smtClean="0"/>
-              <a:t>‹Nr.›</a:t>
+              <a:t>‹#›</a:t>
             </a:fld>
             <a:endParaRPr lang="de-DE"/>
           </a:p>
@@ -2701,7 +3014,7 @@
           <a:p>
             <a:fld id="{E47F9164-12F9-48A6-9622-CDF71CB57A75}" type="datetimeFigureOut">
               <a:rPr lang="de-DE" smtClean="0"/>
-              <a:t>11.04.2022</a:t>
+              <a:t>01.05.2022</a:t>
             </a:fld>
             <a:endParaRPr lang="de-DE"/>
           </a:p>
@@ -2755,7 +3068,7 @@
           <a:p>
             <a:fld id="{E49CBCE4-D3C2-445C-97B6-0529B3CADD6D}" type="slidenum">
               <a:rPr lang="de-DE" smtClean="0"/>
-              <a:t>‹Nr.›</a:t>
+              <a:t>‹#›</a:t>
             </a:fld>
             <a:endParaRPr lang="de-DE"/>
           </a:p>
@@ -3012,7 +3325,7 @@
           <a:p>
             <a:fld id="{E47F9164-12F9-48A6-9622-CDF71CB57A75}" type="datetimeFigureOut">
               <a:rPr lang="de-DE" smtClean="0"/>
-              <a:t>11.04.2022</a:t>
+              <a:t>01.05.2022</a:t>
             </a:fld>
             <a:endParaRPr lang="de-DE"/>
           </a:p>
@@ -3066,7 +3379,7 @@
           <a:p>
             <a:fld id="{E49CBCE4-D3C2-445C-97B6-0529B3CADD6D}" type="slidenum">
               <a:rPr lang="de-DE" smtClean="0"/>
-              <a:t>‹Nr.›</a:t>
+              <a:t>‹#›</a:t>
             </a:fld>
             <a:endParaRPr lang="de-DE"/>
           </a:p>
@@ -3300,7 +3613,7 @@
           <a:p>
             <a:fld id="{E47F9164-12F9-48A6-9622-CDF71CB57A75}" type="datetimeFigureOut">
               <a:rPr lang="de-DE" smtClean="0"/>
-              <a:t>11.04.2022</a:t>
+              <a:t>01.05.2022</a:t>
             </a:fld>
             <a:endParaRPr lang="de-DE"/>
           </a:p>
@@ -3354,7 +3667,7 @@
           <a:p>
             <a:fld id="{E49CBCE4-D3C2-445C-97B6-0529B3CADD6D}" type="slidenum">
               <a:rPr lang="de-DE" smtClean="0"/>
-              <a:t>‹Nr.›</a:t>
+              <a:t>‹#›</a:t>
             </a:fld>
             <a:endParaRPr lang="de-DE"/>
           </a:p>
@@ -3541,7 +3854,7 @@
           <a:p>
             <a:fld id="{E47F9164-12F9-48A6-9622-CDF71CB57A75}" type="datetimeFigureOut">
               <a:rPr lang="de-DE" smtClean="0"/>
-              <a:t>11.04.2022</a:t>
+              <a:t>01.05.2022</a:t>
             </a:fld>
             <a:endParaRPr lang="de-DE"/>
           </a:p>
@@ -3631,7 +3944,7 @@
           <a:p>
             <a:fld id="{E49CBCE4-D3C2-445C-97B6-0529B3CADD6D}" type="slidenum">
               <a:rPr lang="de-DE" smtClean="0"/>
-              <a:t>‹Nr.›</a:t>
+              <a:t>‹#›</a:t>
             </a:fld>
             <a:endParaRPr lang="de-DE"/>
           </a:p>
@@ -5242,9 +5555,55 @@
             </a:r>
           </a:p>
           <a:p>
+            <a:pPr lvl="1"/>
+            <a:r>
+              <a:rPr lang="de-DE" dirty="0"/>
+              <a:t>Forwardpropagation für ein einzelnes Datum und ein Batch von Daten</a:t>
+            </a:r>
+          </a:p>
+          <a:p>
+            <a:pPr lvl="1"/>
+            <a:r>
+              <a:rPr lang="de-DE" dirty="0"/>
+              <a:t>Backpropagation für ein einzelnes Datum und ein Batch von Daten</a:t>
+            </a:r>
+          </a:p>
+          <a:p>
             <a:r>
               <a:rPr lang="de-DE" dirty="0"/>
               <a:t>Implementierung in Python</a:t>
+            </a:r>
+          </a:p>
+          <a:p>
+            <a:pPr lvl="1"/>
+            <a:r>
+              <a:rPr lang="de-DE" dirty="0"/>
+              <a:t>Demo Anwendung</a:t>
+            </a:r>
+          </a:p>
+          <a:p>
+            <a:pPr lvl="1"/>
+            <a:r>
+              <a:rPr lang="de-DE" dirty="0"/>
+              <a:t>Common </a:t>
+            </a:r>
+            <a:r>
+              <a:rPr lang="de-DE" dirty="0" err="1"/>
+              <a:t>Pitfalls</a:t>
+            </a:r>
+            <a:endParaRPr lang="de-DE" dirty="0"/>
+          </a:p>
+          <a:p>
+            <a:pPr lvl="1"/>
+            <a:r>
+              <a:rPr lang="de-DE" dirty="0"/>
+              <a:t>Tipps &amp; Tricks</a:t>
+            </a:r>
+          </a:p>
+          <a:p>
+            <a:r>
+              <a:rPr lang="de-DE" dirty="0"/>
+              <a:t>Verbesserungsmöglichkeiten</a:t>
             </a:r>
           </a:p>
         </p:txBody>
@@ -5326,34 +5685,34 @@
         <p:spPr/>
         <p:txBody>
           <a:bodyPr>
-            <a:normAutofit lnSpcReduction="10000"/>
+            <a:normAutofit/>
           </a:bodyPr>
           <a:lstStyle/>
           <a:p>
             <a:r>
               <a:rPr lang="de-DE" dirty="0"/>
-              <a:t>Übergeordnetes Ziel: Tiefgehendes Verständnis was „unter der Haube“ von neuronalen Netzen passiert, um</a:t>
+              <a:t>Übergeordnetes Ziel: Tiefgehendes Verständnis</a:t>
             </a:r>
           </a:p>
           <a:p>
             <a:pPr lvl="1"/>
             <a:r>
               <a:rPr lang="de-DE" dirty="0"/>
-              <a:t>Neueste Forschungen besser verstehen zu können</a:t>
+              <a:t>Neueste Forschungen besser verstehen</a:t>
             </a:r>
           </a:p>
           <a:p>
             <a:pPr lvl="1"/>
             <a:r>
               <a:rPr lang="de-DE" dirty="0"/>
-              <a:t>Ein besserer Anwender von gängigen Deep Learning Bibliotheken zu werden</a:t>
+              <a:t>Deep Learning Bibliotheken besser anwenden</a:t>
             </a:r>
           </a:p>
           <a:p>
             <a:pPr lvl="1"/>
             <a:r>
               <a:rPr lang="de-DE" dirty="0"/>
-              <a:t>Selbst neue Netzwerkarchitekturen entwickeln zu können</a:t>
+              <a:t>Neue Netzwerkarchitekturen selbst entwickeln</a:t>
             </a:r>
           </a:p>
           <a:p>
@@ -5366,34 +5725,21 @@
             <a:pPr lvl="1"/>
             <a:r>
               <a:rPr lang="de-DE" dirty="0"/>
-              <a:t>Herleitung generischer, mathematischer Gleichungen für Forward- und Backpropagation Algorithmus</a:t>
+              <a:t>Herleitung generischer, mathematischer Gleichungen</a:t>
             </a:r>
           </a:p>
           <a:p>
             <a:pPr lvl="1"/>
             <a:r>
               <a:rPr lang="de-DE" dirty="0"/>
-              <a:t>Effiziente Implementierung hergeleiteter Gleichungen für </a:t>
-            </a:r>
-            <a:r>
-              <a:rPr lang="de-DE" i="1" dirty="0"/>
-              <a:t>willkürliche Netzwerkarchitekturen</a:t>
-            </a:r>
+              <a:t>Effiziente Implementierung hergeleiteter Gleichungen</a:t>
+            </a:r>
+          </a:p>
+          <a:p>
+            <a:pPr lvl="1"/>
             <a:r>
               <a:rPr lang="de-DE" dirty="0"/>
-              <a:t> von Multi-Layer-</a:t>
-            </a:r>
-            <a:r>
-              <a:rPr lang="de-DE" dirty="0" err="1"/>
-              <a:t>Perceptrons</a:t>
-            </a:r>
-            <a:endParaRPr lang="de-DE" dirty="0"/>
-          </a:p>
-          <a:p>
-            <a:pPr lvl="1"/>
-            <a:r>
-              <a:rPr lang="de-DE" dirty="0"/>
-              <a:t>Beispielhafte Anwendung und Performance Evaluierung auf MNIST Digit Datensatz</a:t>
+              <a:t>Beispielhafte Anwendung</a:t>
             </a:r>
           </a:p>
         </p:txBody>
@@ -5408,6 +5754,428 @@
   <p:clrMapOvr>
     <a:masterClrMapping/>
   </p:clrMapOvr>
+  <p:timing>
+    <p:tnLst>
+      <p:par>
+        <p:cTn id="1" dur="indefinite" restart="never" nodeType="tmRoot">
+          <p:childTnLst>
+            <p:seq concurrent="1" nextAc="seek">
+              <p:cTn id="2" dur="indefinite" nodeType="mainSeq">
+                <p:childTnLst>
+                  <p:par>
+                    <p:cTn id="3" fill="hold">
+                      <p:stCondLst>
+                        <p:cond delay="indefinite"/>
+                      </p:stCondLst>
+                      <p:childTnLst>
+                        <p:par>
+                          <p:cTn id="4" fill="hold">
+                            <p:stCondLst>
+                              <p:cond delay="0"/>
+                            </p:stCondLst>
+                            <p:childTnLst>
+                              <p:par>
+                                <p:cTn id="5" presetID="1" presetClass="entr" presetSubtype="0" fill="hold" nodeType="clickEffect">
+                                  <p:stCondLst>
+                                    <p:cond delay="0"/>
+                                  </p:stCondLst>
+                                  <p:childTnLst>
+                                    <p:set>
+                                      <p:cBhvr>
+                                        <p:cTn id="6" dur="1" fill="hold">
+                                          <p:stCondLst>
+                                            <p:cond delay="0"/>
+                                          </p:stCondLst>
+                                        </p:cTn>
+                                        <p:tgtEl>
+                                          <p:spTgt spid="3">
+                                            <p:txEl>
+                                              <p:pRg st="0" end="0"/>
+                                            </p:txEl>
+                                          </p:spTgt>
+                                        </p:tgtEl>
+                                        <p:attrNameLst>
+                                          <p:attrName>style.visibility</p:attrName>
+                                        </p:attrNameLst>
+                                      </p:cBhvr>
+                                      <p:to>
+                                        <p:strVal val="visible"/>
+                                      </p:to>
+                                    </p:set>
+                                  </p:childTnLst>
+                                </p:cTn>
+                              </p:par>
+                            </p:childTnLst>
+                          </p:cTn>
+                        </p:par>
+                      </p:childTnLst>
+                    </p:cTn>
+                  </p:par>
+                  <p:par>
+                    <p:cTn id="7" fill="hold">
+                      <p:stCondLst>
+                        <p:cond delay="indefinite"/>
+                      </p:stCondLst>
+                      <p:childTnLst>
+                        <p:par>
+                          <p:cTn id="8" fill="hold">
+                            <p:stCondLst>
+                              <p:cond delay="0"/>
+                            </p:stCondLst>
+                            <p:childTnLst>
+                              <p:par>
+                                <p:cTn id="9" presetID="1" presetClass="entr" presetSubtype="0" fill="hold" nodeType="clickEffect">
+                                  <p:stCondLst>
+                                    <p:cond delay="0"/>
+                                  </p:stCondLst>
+                                  <p:childTnLst>
+                                    <p:set>
+                                      <p:cBhvr>
+                                        <p:cTn id="10" dur="1" fill="hold">
+                                          <p:stCondLst>
+                                            <p:cond delay="0"/>
+                                          </p:stCondLst>
+                                        </p:cTn>
+                                        <p:tgtEl>
+                                          <p:spTgt spid="3">
+                                            <p:txEl>
+                                              <p:pRg st="1" end="1"/>
+                                            </p:txEl>
+                                          </p:spTgt>
+                                        </p:tgtEl>
+                                        <p:attrNameLst>
+                                          <p:attrName>style.visibility</p:attrName>
+                                        </p:attrNameLst>
+                                      </p:cBhvr>
+                                      <p:to>
+                                        <p:strVal val="visible"/>
+                                      </p:to>
+                                    </p:set>
+                                  </p:childTnLst>
+                                </p:cTn>
+                              </p:par>
+                            </p:childTnLst>
+                          </p:cTn>
+                        </p:par>
+                      </p:childTnLst>
+                    </p:cTn>
+                  </p:par>
+                  <p:par>
+                    <p:cTn id="11" fill="hold">
+                      <p:stCondLst>
+                        <p:cond delay="indefinite"/>
+                      </p:stCondLst>
+                      <p:childTnLst>
+                        <p:par>
+                          <p:cTn id="12" fill="hold">
+                            <p:stCondLst>
+                              <p:cond delay="0"/>
+                            </p:stCondLst>
+                            <p:childTnLst>
+                              <p:par>
+                                <p:cTn id="13" presetID="1" presetClass="entr" presetSubtype="0" fill="hold" nodeType="clickEffect">
+                                  <p:stCondLst>
+                                    <p:cond delay="0"/>
+                                  </p:stCondLst>
+                                  <p:childTnLst>
+                                    <p:set>
+                                      <p:cBhvr>
+                                        <p:cTn id="14" dur="1" fill="hold">
+                                          <p:stCondLst>
+                                            <p:cond delay="0"/>
+                                          </p:stCondLst>
+                                        </p:cTn>
+                                        <p:tgtEl>
+                                          <p:spTgt spid="3">
+                                            <p:txEl>
+                                              <p:pRg st="2" end="2"/>
+                                            </p:txEl>
+                                          </p:spTgt>
+                                        </p:tgtEl>
+                                        <p:attrNameLst>
+                                          <p:attrName>style.visibility</p:attrName>
+                                        </p:attrNameLst>
+                                      </p:cBhvr>
+                                      <p:to>
+                                        <p:strVal val="visible"/>
+                                      </p:to>
+                                    </p:set>
+                                  </p:childTnLst>
+                                </p:cTn>
+                              </p:par>
+                            </p:childTnLst>
+                          </p:cTn>
+                        </p:par>
+                      </p:childTnLst>
+                    </p:cTn>
+                  </p:par>
+                  <p:par>
+                    <p:cTn id="15" fill="hold">
+                      <p:stCondLst>
+                        <p:cond delay="indefinite"/>
+                      </p:stCondLst>
+                      <p:childTnLst>
+                        <p:par>
+                          <p:cTn id="16" fill="hold">
+                            <p:stCondLst>
+                              <p:cond delay="0"/>
+                            </p:stCondLst>
+                            <p:childTnLst>
+                              <p:par>
+                                <p:cTn id="17" presetID="1" presetClass="entr" presetSubtype="0" fill="hold" nodeType="clickEffect">
+                                  <p:stCondLst>
+                                    <p:cond delay="0"/>
+                                  </p:stCondLst>
+                                  <p:childTnLst>
+                                    <p:set>
+                                      <p:cBhvr>
+                                        <p:cTn id="18" dur="1" fill="hold">
+                                          <p:stCondLst>
+                                            <p:cond delay="0"/>
+                                          </p:stCondLst>
+                                        </p:cTn>
+                                        <p:tgtEl>
+                                          <p:spTgt spid="3">
+                                            <p:txEl>
+                                              <p:pRg st="3" end="3"/>
+                                            </p:txEl>
+                                          </p:spTgt>
+                                        </p:tgtEl>
+                                        <p:attrNameLst>
+                                          <p:attrName>style.visibility</p:attrName>
+                                        </p:attrNameLst>
+                                      </p:cBhvr>
+                                      <p:to>
+                                        <p:strVal val="visible"/>
+                                      </p:to>
+                                    </p:set>
+                                  </p:childTnLst>
+                                </p:cTn>
+                              </p:par>
+                            </p:childTnLst>
+                          </p:cTn>
+                        </p:par>
+                      </p:childTnLst>
+                    </p:cTn>
+                  </p:par>
+                  <p:par>
+                    <p:cTn id="19" fill="hold">
+                      <p:stCondLst>
+                        <p:cond delay="indefinite"/>
+                      </p:stCondLst>
+                      <p:childTnLst>
+                        <p:par>
+                          <p:cTn id="20" fill="hold">
+                            <p:stCondLst>
+                              <p:cond delay="0"/>
+                            </p:stCondLst>
+                            <p:childTnLst>
+                              <p:par>
+                                <p:cTn id="21" presetID="1" presetClass="entr" presetSubtype="0" fill="hold" nodeType="clickEffect">
+                                  <p:stCondLst>
+                                    <p:cond delay="0"/>
+                                  </p:stCondLst>
+                                  <p:childTnLst>
+                                    <p:set>
+                                      <p:cBhvr>
+                                        <p:cTn id="22" dur="1" fill="hold">
+                                          <p:stCondLst>
+                                            <p:cond delay="0"/>
+                                          </p:stCondLst>
+                                        </p:cTn>
+                                        <p:tgtEl>
+                                          <p:spTgt spid="3">
+                                            <p:txEl>
+                                              <p:pRg st="4" end="4"/>
+                                            </p:txEl>
+                                          </p:spTgt>
+                                        </p:tgtEl>
+                                        <p:attrNameLst>
+                                          <p:attrName>style.visibility</p:attrName>
+                                        </p:attrNameLst>
+                                      </p:cBhvr>
+                                      <p:to>
+                                        <p:strVal val="visible"/>
+                                      </p:to>
+                                    </p:set>
+                                  </p:childTnLst>
+                                </p:cTn>
+                              </p:par>
+                            </p:childTnLst>
+                          </p:cTn>
+                        </p:par>
+                      </p:childTnLst>
+                    </p:cTn>
+                  </p:par>
+                  <p:par>
+                    <p:cTn id="23" fill="hold">
+                      <p:stCondLst>
+                        <p:cond delay="indefinite"/>
+                      </p:stCondLst>
+                      <p:childTnLst>
+                        <p:par>
+                          <p:cTn id="24" fill="hold">
+                            <p:stCondLst>
+                              <p:cond delay="0"/>
+                            </p:stCondLst>
+                            <p:childTnLst>
+                              <p:par>
+                                <p:cTn id="25" presetID="1" presetClass="entr" presetSubtype="0" fill="hold" nodeType="clickEffect">
+                                  <p:stCondLst>
+                                    <p:cond delay="0"/>
+                                  </p:stCondLst>
+                                  <p:childTnLst>
+                                    <p:set>
+                                      <p:cBhvr>
+                                        <p:cTn id="26" dur="1" fill="hold">
+                                          <p:stCondLst>
+                                            <p:cond delay="0"/>
+                                          </p:stCondLst>
+                                        </p:cTn>
+                                        <p:tgtEl>
+                                          <p:spTgt spid="3">
+                                            <p:txEl>
+                                              <p:pRg st="5" end="5"/>
+                                            </p:txEl>
+                                          </p:spTgt>
+                                        </p:tgtEl>
+                                        <p:attrNameLst>
+                                          <p:attrName>style.visibility</p:attrName>
+                                        </p:attrNameLst>
+                                      </p:cBhvr>
+                                      <p:to>
+                                        <p:strVal val="visible"/>
+                                      </p:to>
+                                    </p:set>
+                                  </p:childTnLst>
+                                </p:cTn>
+                              </p:par>
+                            </p:childTnLst>
+                          </p:cTn>
+                        </p:par>
+                      </p:childTnLst>
+                    </p:cTn>
+                  </p:par>
+                  <p:par>
+                    <p:cTn id="27" fill="hold">
+                      <p:stCondLst>
+                        <p:cond delay="indefinite"/>
+                      </p:stCondLst>
+                      <p:childTnLst>
+                        <p:par>
+                          <p:cTn id="28" fill="hold">
+                            <p:stCondLst>
+                              <p:cond delay="0"/>
+                            </p:stCondLst>
+                            <p:childTnLst>
+                              <p:par>
+                                <p:cTn id="29" presetID="1" presetClass="entr" presetSubtype="0" fill="hold" nodeType="clickEffect">
+                                  <p:stCondLst>
+                                    <p:cond delay="0"/>
+                                  </p:stCondLst>
+                                  <p:childTnLst>
+                                    <p:set>
+                                      <p:cBhvr>
+                                        <p:cTn id="30" dur="1" fill="hold">
+                                          <p:stCondLst>
+                                            <p:cond delay="0"/>
+                                          </p:stCondLst>
+                                        </p:cTn>
+                                        <p:tgtEl>
+                                          <p:spTgt spid="3">
+                                            <p:txEl>
+                                              <p:pRg st="6" end="6"/>
+                                            </p:txEl>
+                                          </p:spTgt>
+                                        </p:tgtEl>
+                                        <p:attrNameLst>
+                                          <p:attrName>style.visibility</p:attrName>
+                                        </p:attrNameLst>
+                                      </p:cBhvr>
+                                      <p:to>
+                                        <p:strVal val="visible"/>
+                                      </p:to>
+                                    </p:set>
+                                  </p:childTnLst>
+                                </p:cTn>
+                              </p:par>
+                            </p:childTnLst>
+                          </p:cTn>
+                        </p:par>
+                      </p:childTnLst>
+                    </p:cTn>
+                  </p:par>
+                  <p:par>
+                    <p:cTn id="31" fill="hold">
+                      <p:stCondLst>
+                        <p:cond delay="indefinite"/>
+                      </p:stCondLst>
+                      <p:childTnLst>
+                        <p:par>
+                          <p:cTn id="32" fill="hold">
+                            <p:stCondLst>
+                              <p:cond delay="0"/>
+                            </p:stCondLst>
+                            <p:childTnLst>
+                              <p:par>
+                                <p:cTn id="33" presetID="1" presetClass="entr" presetSubtype="0" fill="hold" nodeType="clickEffect">
+                                  <p:stCondLst>
+                                    <p:cond delay="0"/>
+                                  </p:stCondLst>
+                                  <p:childTnLst>
+                                    <p:set>
+                                      <p:cBhvr>
+                                        <p:cTn id="34" dur="1" fill="hold">
+                                          <p:stCondLst>
+                                            <p:cond delay="0"/>
+                                          </p:stCondLst>
+                                        </p:cTn>
+                                        <p:tgtEl>
+                                          <p:spTgt spid="3">
+                                            <p:txEl>
+                                              <p:pRg st="7" end="7"/>
+                                            </p:txEl>
+                                          </p:spTgt>
+                                        </p:tgtEl>
+                                        <p:attrNameLst>
+                                          <p:attrName>style.visibility</p:attrName>
+                                        </p:attrNameLst>
+                                      </p:cBhvr>
+                                      <p:to>
+                                        <p:strVal val="visible"/>
+                                      </p:to>
+                                    </p:set>
+                                  </p:childTnLst>
+                                </p:cTn>
+                              </p:par>
+                            </p:childTnLst>
+                          </p:cTn>
+                        </p:par>
+                      </p:childTnLst>
+                    </p:cTn>
+                  </p:par>
+                </p:childTnLst>
+              </p:cTn>
+              <p:prevCondLst>
+                <p:cond evt="onPrev" delay="0">
+                  <p:tgtEl>
+                    <p:sldTgt/>
+                  </p:tgtEl>
+                </p:cond>
+              </p:prevCondLst>
+              <p:nextCondLst>
+                <p:cond evt="onNext" delay="0">
+                  <p:tgtEl>
+                    <p:sldTgt/>
+                  </p:tgtEl>
+                </p:cond>
+              </p:nextCondLst>
+            </p:seq>
+          </p:childTnLst>
+        </p:cTn>
+      </p:par>
+    </p:tnLst>
+  </p:timing>
 </p:sld>
 </file>
 
@@ -5493,8 +6261,8 @@
           </a:prstGeom>
         </p:spPr>
       </p:pic>
-      <mc:AlternateContent xmlns:mc="http://schemas.openxmlformats.org/markup-compatibility/2006" xmlns:a14="http://schemas.microsoft.com/office/drawing/2010/main">
-        <mc:Choice Requires="a14">
+      <mc:AlternateContent xmlns:mc="http://schemas.openxmlformats.org/markup-compatibility/2006">
+        <mc:Choice xmlns:a14="http://schemas.microsoft.com/office/drawing/2010/main" Requires="a14">
           <p:sp>
             <p:nvSpPr>
               <p:cNvPr id="14" name="Textfeld 13">
@@ -5509,8 +6277,8 @@
             </p:nvSpPr>
             <p:spPr>
               <a:xfrm>
-                <a:off x="7657513" y="1840184"/>
-                <a:ext cx="4122927" cy="2094932"/>
+                <a:off x="7287064" y="1957415"/>
+                <a:ext cx="4559025" cy="1331711"/>
               </a:xfrm>
               <a:prstGeom prst="rect">
                 <a:avLst/>
@@ -5529,85 +6297,83 @@
                 </a:pPr>
                 <a14:m>
                   <m:oMath xmlns:m="http://schemas.openxmlformats.org/officeDocument/2006/math">
+                    <m:sSub>
+                      <m:sSubPr>
+                        <m:ctrlPr>
+                          <a:rPr lang="de-DE" sz="1400" b="0" i="1" smtClean="0">
+                            <a:latin typeface="Cambria Math" panose="02040503050406030204" pitchFamily="18" charset="0"/>
+                          </a:rPr>
+                        </m:ctrlPr>
+                      </m:sSubPr>
+                      <m:e>
+                        <m:r>
+                          <a:rPr lang="de-DE" sz="1400" b="0" i="1" smtClean="0">
+                            <a:latin typeface="Cambria Math" panose="02040503050406030204" pitchFamily="18" charset="0"/>
+                          </a:rPr>
+                          <m:t>𝑥</m:t>
+                        </m:r>
+                      </m:e>
+                      <m:sub>
+                        <m:r>
+                          <a:rPr lang="de-DE" sz="1400" b="0" i="1" smtClean="0">
+                            <a:latin typeface="Cambria Math" panose="02040503050406030204" pitchFamily="18" charset="0"/>
+                          </a:rPr>
+                          <m:t>𝑗</m:t>
+                        </m:r>
+                      </m:sub>
+                    </m:sSub>
                     <m:r>
-                      <a:rPr lang="de-DE" b="0" i="1" smtClean="0">
-                        <a:latin typeface="Cambria Math" panose="02040503050406030204" pitchFamily="18" charset="0"/>
-                      </a:rPr>
-                      <m:t>𝑥</m:t>
-                    </m:r>
-                    <m:r>
-                      <a:rPr lang="de-DE" b="0" i="1" smtClean="0">
+                      <a:rPr lang="de-DE" sz="1400" b="0" i="1" smtClean="0">
                         <a:latin typeface="Cambria Math" panose="02040503050406030204" pitchFamily="18" charset="0"/>
                       </a:rPr>
                       <m:t>=</m:t>
                     </m:r>
-                    <m:sSup>
-                      <m:sSupPr>
+                    <m:sSubSup>
+                      <m:sSubSupPr>
                         <m:ctrlPr>
-                          <a:rPr lang="de-DE" b="0" i="1" smtClean="0">
+                          <a:rPr lang="de-DE" sz="1400" b="0" i="1" smtClean="0">
                             <a:latin typeface="Cambria Math" panose="02040503050406030204" pitchFamily="18" charset="0"/>
                           </a:rPr>
                         </m:ctrlPr>
-                      </m:sSupPr>
+                      </m:sSubSupPr>
                       <m:e>
                         <m:r>
-                          <a:rPr lang="de-DE" b="0" i="1" smtClean="0">
+                          <a:rPr lang="de-DE" sz="1400" b="0" i="1" smtClean="0">
                             <a:latin typeface="Cambria Math" panose="02040503050406030204" pitchFamily="18" charset="0"/>
                           </a:rPr>
                           <m:t>𝑎</m:t>
                         </m:r>
                       </m:e>
+                      <m:sub>
+                        <m:r>
+                          <a:rPr lang="de-DE" sz="1400" b="0" i="1" smtClean="0">
+                            <a:latin typeface="Cambria Math" panose="02040503050406030204" pitchFamily="18" charset="0"/>
+                          </a:rPr>
+                          <m:t>𝑗</m:t>
+                        </m:r>
+                      </m:sub>
                       <m:sup>
                         <m:r>
-                          <a:rPr lang="de-DE" b="0" i="1" smtClean="0">
+                          <a:rPr lang="de-DE" sz="1400" b="0" i="1" smtClean="0">
                             <a:latin typeface="Cambria Math" panose="02040503050406030204" pitchFamily="18" charset="0"/>
                           </a:rPr>
                           <m:t>0</m:t>
                         </m:r>
                       </m:sup>
-                    </m:sSup>
-                  </m:oMath>
-                </a14:m>
-                <a:endParaRPr lang="de-DE" dirty="0"/>
-              </a:p>
-              <a:p>
-                <a:pPr marL="285750" indent="-285750">
-                  <a:buFont typeface="Arial" panose="020B0604020202020204" pitchFamily="34" charset="0"/>
-                  <a:buChar char="•"/>
-                </a:pPr>
-                <a14:m>
-                  <m:oMath xmlns:m="http://schemas.openxmlformats.org/officeDocument/2006/math">
-                    <m:r>
-                      <a:rPr lang="de-DE" b="0" i="1" smtClean="0">
-                        <a:latin typeface="Cambria Math" panose="02040503050406030204" pitchFamily="18" charset="0"/>
-                      </a:rPr>
-                      <m:t>𝑧</m:t>
-                    </m:r>
+                    </m:sSubSup>
                   </m:oMath>
                 </a14:m>
                 <a:r>
-                  <a:rPr lang="de-DE" dirty="0"/>
-                  <a:t> = dendritische Potentiale</a:t>
+                  <a:rPr lang="de-DE" sz="1400" dirty="0"/>
+                  <a:t> = j-</a:t>
                 </a:r>
-              </a:p>
-              <a:p>
-                <a:pPr marL="285750" indent="-285750">
-                  <a:buFont typeface="Arial" panose="020B0604020202020204" pitchFamily="34" charset="0"/>
-                  <a:buChar char="•"/>
-                </a:pPr>
-                <a14:m>
-                  <m:oMath xmlns:m="http://schemas.openxmlformats.org/officeDocument/2006/math">
-                    <m:r>
-                      <a:rPr lang="de-DE" b="0" i="1" smtClean="0">
-                        <a:latin typeface="Cambria Math" panose="02040503050406030204" pitchFamily="18" charset="0"/>
-                      </a:rPr>
-                      <m:t>𝑎</m:t>
-                    </m:r>
-                  </m:oMath>
-                </a14:m>
                 <a:r>
-                  <a:rPr lang="de-DE" dirty="0"/>
-                  <a:t> = Aktivierungen</a:t>
+                  <a:rPr lang="de-DE" sz="1400" dirty="0" err="1"/>
+                  <a:t>te</a:t>
+                </a:r>
+                <a:r>
+                  <a:rPr lang="de-DE" sz="1400" dirty="0"/>
+                  <a:t> Input Element</a:t>
                 </a:r>
               </a:p>
               <a:p>
@@ -5620,42 +6386,30 @@
                     <m:sSubSup>
                       <m:sSubSupPr>
                         <m:ctrlPr>
-                          <a:rPr lang="de-DE" b="0" i="1" smtClean="0">
+                          <a:rPr lang="de-DE" sz="1400" b="0" i="1" smtClean="0">
                             <a:latin typeface="Cambria Math" panose="02040503050406030204" pitchFamily="18" charset="0"/>
                           </a:rPr>
                         </m:ctrlPr>
                       </m:sSubSupPr>
                       <m:e>
                         <m:r>
-                          <a:rPr lang="de-DE" b="0" i="1" smtClean="0">
+                          <a:rPr lang="de-DE" sz="1400" b="0" i="1" smtClean="0">
                             <a:latin typeface="Cambria Math" panose="02040503050406030204" pitchFamily="18" charset="0"/>
                           </a:rPr>
-                          <m:t>𝑤</m:t>
+                          <m:t>𝑧</m:t>
                         </m:r>
                       </m:e>
                       <m:sub>
                         <m:r>
-                          <a:rPr lang="de-DE" b="0" i="1" smtClean="0">
+                          <a:rPr lang="de-DE" sz="1400" b="0" i="1" smtClean="0">
                             <a:latin typeface="Cambria Math" panose="02040503050406030204" pitchFamily="18" charset="0"/>
                           </a:rPr>
                           <m:t>𝑗</m:t>
                         </m:r>
-                        <m:r>
-                          <a:rPr lang="de-DE" b="0" i="1" smtClean="0">
-                            <a:latin typeface="Cambria Math" panose="02040503050406030204" pitchFamily="18" charset="0"/>
-                          </a:rPr>
-                          <m:t>,</m:t>
-                        </m:r>
-                        <m:r>
-                          <a:rPr lang="de-DE" b="0" i="1" smtClean="0">
-                            <a:latin typeface="Cambria Math" panose="02040503050406030204" pitchFamily="18" charset="0"/>
-                          </a:rPr>
-                          <m:t>𝑘</m:t>
-                        </m:r>
                       </m:sub>
                       <m:sup>
                         <m:r>
-                          <a:rPr lang="de-DE" b="0" i="1" smtClean="0">
+                          <a:rPr lang="de-DE" sz="1400" b="0" i="1" smtClean="0">
                             <a:latin typeface="Cambria Math" panose="02040503050406030204" pitchFamily="18" charset="0"/>
                           </a:rPr>
                           <m:t>𝑙</m:t>
@@ -5665,8 +6419,16 @@
                   </m:oMath>
                 </a14:m>
                 <a:r>
-                  <a:rPr lang="de-DE" dirty="0"/>
-                  <a:t> =  Gewicht welches Neuron j in Layer l mit Neuron k in Layer l-1 verbindet</a:t>
+                  <a:rPr lang="de-DE" sz="1400" dirty="0"/>
+                  <a:t> = j-</a:t>
+                </a:r>
+                <a:r>
+                  <a:rPr lang="de-DE" sz="1400" dirty="0" err="1"/>
+                  <a:t>te</a:t>
+                </a:r>
+                <a:r>
+                  <a:rPr lang="de-DE" sz="1400" dirty="0"/>
+                  <a:t> dendritische Potential in Layer l</a:t>
                 </a:r>
               </a:p>
               <a:p>
@@ -5674,15 +6436,119 @@
                   <a:buFont typeface="Arial" panose="020B0604020202020204" pitchFamily="34" charset="0"/>
                   <a:buChar char="•"/>
                 </a:pPr>
+                <a14:m>
+                  <m:oMath xmlns:m="http://schemas.openxmlformats.org/officeDocument/2006/math">
+                    <m:sSubSup>
+                      <m:sSubSupPr>
+                        <m:ctrlPr>
+                          <a:rPr lang="de-DE" sz="1400" b="0" i="1" smtClean="0">
+                            <a:latin typeface="Cambria Math" panose="02040503050406030204" pitchFamily="18" charset="0"/>
+                          </a:rPr>
+                        </m:ctrlPr>
+                      </m:sSubSupPr>
+                      <m:e>
+                        <m:r>
+                          <a:rPr lang="de-DE" sz="1400" b="0" i="1" smtClean="0">
+                            <a:latin typeface="Cambria Math" panose="02040503050406030204" pitchFamily="18" charset="0"/>
+                          </a:rPr>
+                          <m:t>𝑎</m:t>
+                        </m:r>
+                      </m:e>
+                      <m:sub>
+                        <m:r>
+                          <a:rPr lang="de-DE" sz="1400" b="0" i="1" smtClean="0">
+                            <a:latin typeface="Cambria Math" panose="02040503050406030204" pitchFamily="18" charset="0"/>
+                          </a:rPr>
+                          <m:t>𝑗</m:t>
+                        </m:r>
+                      </m:sub>
+                      <m:sup>
+                        <m:r>
+                          <a:rPr lang="de-DE" sz="1400" b="0" i="1" smtClean="0">
+                            <a:latin typeface="Cambria Math" panose="02040503050406030204" pitchFamily="18" charset="0"/>
+                          </a:rPr>
+                          <m:t>𝑙</m:t>
+                        </m:r>
+                      </m:sup>
+                    </m:sSubSup>
+                  </m:oMath>
+                </a14:m>
                 <a:r>
-                  <a:rPr lang="de-DE" dirty="0"/>
-                  <a:t>Input Layer hat keine Gewichte</a:t>
+                  <a:rPr lang="de-DE" sz="1400" dirty="0"/>
+                  <a:t> = j-</a:t>
+                </a:r>
+                <a:r>
+                  <a:rPr lang="de-DE" sz="1400" dirty="0" err="1"/>
+                  <a:t>te</a:t>
+                </a:r>
+                <a:r>
+                  <a:rPr lang="de-DE" sz="1400" dirty="0"/>
+                  <a:t> Aktivierung in Layer l</a:t>
+                </a:r>
+              </a:p>
+              <a:p>
+                <a:pPr marL="285750" indent="-285750">
+                  <a:buFont typeface="Arial" panose="020B0604020202020204" pitchFamily="34" charset="0"/>
+                  <a:buChar char="•"/>
+                </a:pPr>
+                <a14:m>
+                  <m:oMath xmlns:m="http://schemas.openxmlformats.org/officeDocument/2006/math">
+                    <m:sSubSup>
+                      <m:sSubSupPr>
+                        <m:ctrlPr>
+                          <a:rPr lang="de-DE" sz="1400" b="0" i="1" smtClean="0">
+                            <a:latin typeface="Cambria Math" panose="02040503050406030204" pitchFamily="18" charset="0"/>
+                          </a:rPr>
+                        </m:ctrlPr>
+                      </m:sSubSupPr>
+                      <m:e>
+                        <m:r>
+                          <a:rPr lang="de-DE" sz="1400" b="0" i="1" smtClean="0">
+                            <a:latin typeface="Cambria Math" panose="02040503050406030204" pitchFamily="18" charset="0"/>
+                          </a:rPr>
+                          <m:t>𝑤</m:t>
+                        </m:r>
+                      </m:e>
+                      <m:sub>
+                        <m:r>
+                          <a:rPr lang="de-DE" sz="1400" b="0" i="1" smtClean="0">
+                            <a:latin typeface="Cambria Math" panose="02040503050406030204" pitchFamily="18" charset="0"/>
+                          </a:rPr>
+                          <m:t>𝑗</m:t>
+                        </m:r>
+                        <m:r>
+                          <a:rPr lang="de-DE" sz="1400" b="0" i="1" smtClean="0">
+                            <a:latin typeface="Cambria Math" panose="02040503050406030204" pitchFamily="18" charset="0"/>
+                          </a:rPr>
+                          <m:t>,</m:t>
+                        </m:r>
+                        <m:r>
+                          <a:rPr lang="de-DE" sz="1400" b="0" i="1" smtClean="0">
+                            <a:latin typeface="Cambria Math" panose="02040503050406030204" pitchFamily="18" charset="0"/>
+                          </a:rPr>
+                          <m:t>𝑘</m:t>
+                        </m:r>
+                      </m:sub>
+                      <m:sup>
+                        <m:r>
+                          <a:rPr lang="de-DE" sz="1400" b="0" i="1" smtClean="0">
+                            <a:latin typeface="Cambria Math" panose="02040503050406030204" pitchFamily="18" charset="0"/>
+                          </a:rPr>
+                          <m:t>𝑙</m:t>
+                        </m:r>
+                      </m:sup>
+                    </m:sSubSup>
+                  </m:oMath>
+                </a14:m>
+                <a:r>
+                  <a:rPr lang="de-DE" sz="1400" dirty="0"/>
+                  <a:t> =  Gewicht welches Neuron j in Layer l mit Neuron k in Layer l-1 verbindet</a:t>
                 </a:r>
               </a:p>
             </p:txBody>
           </p:sp>
         </mc:Choice>
-        <mc:Fallback xmlns="">
+        <mc:Fallback>
           <p:sp>
             <p:nvSpPr>
               <p:cNvPr id="14" name="Textfeld 13">
@@ -5699,8 +6565,8 @@
             </p:nvSpPr>
             <p:spPr>
               <a:xfrm>
-                <a:off x="7657513" y="1840184"/>
-                <a:ext cx="4122927" cy="2094932"/>
+                <a:off x="7287064" y="1957415"/>
+                <a:ext cx="4559025" cy="1331711"/>
               </a:xfrm>
               <a:prstGeom prst="rect">
                 <a:avLst/>
@@ -5708,7 +6574,7 @@
               <a:blipFill>
                 <a:blip r:embed="rId4"/>
                 <a:stretch>
-                  <a:fillRect l="-888" t="-872" b="-3198"/>
+                  <a:fillRect l="-134" r="-401" b="-4110"/>
                 </a:stretch>
               </a:blipFill>
             </p:spPr>
@@ -5787,7 +6653,7 @@
             </a:br>
             <a:r>
               <a:rPr lang="de-DE" sz="2400" dirty="0"/>
-              <a:t>Forward-Propagation für ein einziges Input</a:t>
+              <a:t>Forward-Propagation für ein einziges Datum</a:t>
             </a:r>
             <a:endParaRPr lang="de-DE" dirty="0"/>
           </a:p>
@@ -5807,16 +6673,15 @@
           </p:cNvPicPr>
           <p:nvPr/>
         </p:nvPicPr>
-        <p:blipFill>
+        <p:blipFill rotWithShape="1">
           <a:blip r:embed="rId3"/>
-          <a:stretch>
-            <a:fillRect/>
-          </a:stretch>
+          <a:srcRect l="3083"/>
+          <a:stretch/>
         </p:blipFill>
         <p:spPr>
           <a:xfrm>
-            <a:off x="1132034" y="2304498"/>
-            <a:ext cx="2066925" cy="590550"/>
+            <a:off x="1195754" y="2239537"/>
+            <a:ext cx="2003205" cy="590550"/>
           </a:xfrm>
           <a:prstGeom prst="rect">
             <a:avLst/>
@@ -5837,16 +6702,15 @@
           </p:cNvPicPr>
           <p:nvPr/>
         </p:nvPicPr>
-        <p:blipFill>
+        <p:blipFill rotWithShape="1">
           <a:blip r:embed="rId4"/>
-          <a:stretch>
-            <a:fillRect/>
-          </a:stretch>
+          <a:srcRect l="12907"/>
+          <a:stretch/>
         </p:blipFill>
         <p:spPr>
           <a:xfrm>
-            <a:off x="1394407" y="4161209"/>
-            <a:ext cx="1438275" cy="790575"/>
+            <a:off x="1195754" y="4073186"/>
+            <a:ext cx="1252635" cy="790575"/>
           </a:xfrm>
           <a:prstGeom prst="rect">
             <a:avLst/>
@@ -5897,16 +6761,15 @@
           </p:cNvPicPr>
           <p:nvPr/>
         </p:nvPicPr>
-        <p:blipFill>
+        <p:blipFill rotWithShape="1">
           <a:blip r:embed="rId6"/>
-          <a:stretch>
-            <a:fillRect/>
-          </a:stretch>
+          <a:srcRect r="6949"/>
+          <a:stretch/>
         </p:blipFill>
         <p:spPr>
           <a:xfrm>
-            <a:off x="5222097" y="3877072"/>
-            <a:ext cx="1547094" cy="1342228"/>
+            <a:off x="4515730" y="3797359"/>
+            <a:ext cx="1439593" cy="1342228"/>
           </a:xfrm>
           <a:prstGeom prst="rect">
             <a:avLst/>
@@ -5927,7 +6790,7 @@
         </p:nvSpPr>
         <p:spPr>
           <a:xfrm>
-            <a:off x="3435292" y="2374100"/>
+            <a:off x="3435292" y="2329282"/>
             <a:ext cx="620785" cy="411060"/>
           </a:xfrm>
           <a:prstGeom prst="rightArrow">
@@ -5979,7 +6842,7 @@
         </p:nvSpPr>
         <p:spPr>
           <a:xfrm>
-            <a:off x="3625584" y="4283953"/>
+            <a:off x="3435292" y="4262943"/>
             <a:ext cx="620785" cy="411060"/>
           </a:xfrm>
           <a:prstGeom prst="rightArrow">
@@ -6031,24 +6894,23 @@
           </p:cNvPicPr>
           <p:nvPr/>
         </p:nvPicPr>
-        <p:blipFill>
+        <p:blipFill rotWithShape="1">
           <a:blip r:embed="rId7"/>
-          <a:stretch>
-            <a:fillRect/>
-          </a:stretch>
+          <a:srcRect t="6641" b="6710"/>
+          <a:stretch/>
         </p:blipFill>
         <p:spPr>
           <a:xfrm>
-            <a:off x="1533810" y="5487645"/>
-            <a:ext cx="3591519" cy="681546"/>
+            <a:off x="1195754" y="5631370"/>
+            <a:ext cx="3591519" cy="590550"/>
           </a:xfrm>
           <a:prstGeom prst="rect">
             <a:avLst/>
           </a:prstGeom>
         </p:spPr>
       </p:pic>
-      <mc:AlternateContent xmlns:mc="http://schemas.openxmlformats.org/markup-compatibility/2006" xmlns:a14="http://schemas.microsoft.com/office/drawing/2010/main">
-        <mc:Choice Requires="a14">
+      <mc:AlternateContent xmlns:mc="http://schemas.openxmlformats.org/markup-compatibility/2006">
+        <mc:Choice xmlns:a14="http://schemas.microsoft.com/office/drawing/2010/main" Requires="a14">
           <p:sp>
             <p:nvSpPr>
               <p:cNvPr id="10" name="Textfeld 9">
@@ -6063,7 +6925,7 @@
             </p:nvSpPr>
             <p:spPr>
               <a:xfrm>
-                <a:off x="4519460" y="3310810"/>
+                <a:off x="4543864" y="3310810"/>
                 <a:ext cx="647114" cy="280333"/>
               </a:xfrm>
               <a:prstGeom prst="rect">
@@ -6123,7 +6985,7 @@
             </p:txBody>
           </p:sp>
         </mc:Choice>
-        <mc:Fallback xmlns="">
+        <mc:Fallback>
           <p:sp>
             <p:nvSpPr>
               <p:cNvPr id="10" name="Textfeld 9">
@@ -6140,7 +7002,7 @@
             </p:nvSpPr>
             <p:spPr>
               <a:xfrm>
-                <a:off x="4519460" y="3310810"/>
+                <a:off x="4543864" y="3310810"/>
                 <a:ext cx="647114" cy="280333"/>
               </a:xfrm>
               <a:prstGeom prst="rect">
@@ -6168,8 +7030,8 @@
           </p:sp>
         </mc:Fallback>
       </mc:AlternateContent>
-      <mc:AlternateContent xmlns:mc="http://schemas.openxmlformats.org/markup-compatibility/2006" xmlns:a14="http://schemas.microsoft.com/office/drawing/2010/main">
-        <mc:Choice Requires="a14">
+      <mc:AlternateContent xmlns:mc="http://schemas.openxmlformats.org/markup-compatibility/2006">
+        <mc:Choice xmlns:a14="http://schemas.microsoft.com/office/drawing/2010/main" Requires="a14">
           <p:sp>
             <p:nvSpPr>
               <p:cNvPr id="14" name="Textfeld 13">
@@ -6184,8 +7046,8 @@
             </p:nvSpPr>
             <p:spPr>
               <a:xfrm>
-                <a:off x="5881681" y="3310810"/>
-                <a:ext cx="1312060" cy="280333"/>
+                <a:off x="6114762" y="3310810"/>
+                <a:ext cx="802319" cy="280333"/>
               </a:xfrm>
               <a:prstGeom prst="rect">
                 <a:avLst/>
@@ -6275,7 +7137,7 @@
             </p:txBody>
           </p:sp>
         </mc:Choice>
-        <mc:Fallback xmlns="">
+        <mc:Fallback>
           <p:sp>
             <p:nvSpPr>
               <p:cNvPr id="14" name="Textfeld 13">
@@ -6292,8 +7154,8 @@
             </p:nvSpPr>
             <p:spPr>
               <a:xfrm>
-                <a:off x="5881681" y="3310810"/>
-                <a:ext cx="1312060" cy="280333"/>
+                <a:off x="6114762" y="3310810"/>
+                <a:ext cx="802319" cy="280333"/>
               </a:xfrm>
               <a:prstGeom prst="rect">
                 <a:avLst/>
@@ -6320,8 +7182,8 @@
           </p:sp>
         </mc:Fallback>
       </mc:AlternateContent>
-      <mc:AlternateContent xmlns:mc="http://schemas.openxmlformats.org/markup-compatibility/2006" xmlns:a14="http://schemas.microsoft.com/office/drawing/2010/main">
-        <mc:Choice Requires="a14">
+      <mc:AlternateContent xmlns:mc="http://schemas.openxmlformats.org/markup-compatibility/2006">
+        <mc:Choice xmlns:a14="http://schemas.microsoft.com/office/drawing/2010/main" Requires="a14">
           <p:sp>
             <p:nvSpPr>
               <p:cNvPr id="15" name="Textfeld 14">
@@ -6336,8 +7198,8 @@
             </p:nvSpPr>
             <p:spPr>
               <a:xfrm>
-                <a:off x="7352001" y="3310810"/>
-                <a:ext cx="1113693" cy="280333"/>
+                <a:off x="7475810" y="3310810"/>
+                <a:ext cx="802319" cy="280333"/>
               </a:xfrm>
               <a:prstGeom prst="rect">
                 <a:avLst/>
@@ -6402,7 +7264,7 @@
             </p:txBody>
           </p:sp>
         </mc:Choice>
-        <mc:Fallback xmlns="">
+        <mc:Fallback>
           <p:sp>
             <p:nvSpPr>
               <p:cNvPr id="15" name="Textfeld 14">
@@ -6419,8 +7281,8 @@
             </p:nvSpPr>
             <p:spPr>
               <a:xfrm>
-                <a:off x="7352001" y="3310810"/>
-                <a:ext cx="1113693" cy="280333"/>
+                <a:off x="7475810" y="3310810"/>
+                <a:ext cx="802319" cy="280333"/>
               </a:xfrm>
               <a:prstGeom prst="rect">
                 <a:avLst/>
@@ -6447,8 +7309,8 @@
           </p:sp>
         </mc:Fallback>
       </mc:AlternateContent>
-      <mc:AlternateContent xmlns:mc="http://schemas.openxmlformats.org/markup-compatibility/2006" xmlns:a14="http://schemas.microsoft.com/office/drawing/2010/main">
-        <mc:Choice Requires="a14">
+      <mc:AlternateContent xmlns:mc="http://schemas.openxmlformats.org/markup-compatibility/2006">
+        <mc:Choice xmlns:a14="http://schemas.microsoft.com/office/drawing/2010/main" Requires="a14">
           <p:sp>
             <p:nvSpPr>
               <p:cNvPr id="16" name="Textfeld 15">
@@ -6463,7 +7325,128 @@
             </p:nvSpPr>
             <p:spPr>
               <a:xfrm>
-                <a:off x="8344485" y="3310810"/>
+                <a:off x="8330418" y="3310810"/>
+                <a:ext cx="584607" cy="280333"/>
+              </a:xfrm>
+              <a:prstGeom prst="rect">
+                <a:avLst/>
+              </a:prstGeom>
+              <a:noFill/>
+            </p:spPr>
+            <p:txBody>
+              <a:bodyPr wrap="square" rtlCol="0">
+                <a:spAutoFit/>
+              </a:bodyPr>
+              <a:lstStyle/>
+              <a:p>
+                <a:pPr algn="ctr"/>
+                <a14:m>
+                  <m:oMathPara xmlns:m="http://schemas.openxmlformats.org/officeDocument/2006/math">
+                    <m:oMathParaPr>
+                      <m:jc m:val="centerGroup"/>
+                    </m:oMathParaPr>
+                    <m:oMath xmlns:m="http://schemas.openxmlformats.org/officeDocument/2006/math">
+                      <m:sSup>
+                        <m:sSupPr>
+                          <m:ctrlPr>
+                            <a:rPr lang="de-DE" sz="1200" b="0" i="1" smtClean="0">
+                              <a:latin typeface="Cambria Math" panose="02040503050406030204" pitchFamily="18" charset="0"/>
+                            </a:rPr>
+                          </m:ctrlPr>
+                        </m:sSupPr>
+                        <m:e>
+                          <m:r>
+                            <a:rPr lang="de-DE" sz="1200" b="0" i="1" smtClean="0">
+                              <a:latin typeface="Cambria Math" panose="02040503050406030204" pitchFamily="18" charset="0"/>
+                            </a:rPr>
+                            <m:t>𝑛</m:t>
+                          </m:r>
+                        </m:e>
+                        <m:sup>
+                          <m:r>
+                            <a:rPr lang="de-DE" sz="1200" b="0" i="1" smtClean="0">
+                              <a:latin typeface="Cambria Math" panose="02040503050406030204" pitchFamily="18" charset="0"/>
+                            </a:rPr>
+                            <m:t>𝑙</m:t>
+                          </m:r>
+                        </m:sup>
+                      </m:sSup>
+                      <m:r>
+                        <a:rPr lang="de-DE" sz="1200" b="0" i="1" smtClean="0">
+                          <a:latin typeface="Cambria Math" panose="02040503050406030204" pitchFamily="18" charset="0"/>
+                        </a:rPr>
+                        <m:t>×1</m:t>
+                      </m:r>
+                    </m:oMath>
+                  </m:oMathPara>
+                </a14:m>
+                <a:endParaRPr lang="de-DE" sz="1200" dirty="0"/>
+              </a:p>
+            </p:txBody>
+          </p:sp>
+        </mc:Choice>
+        <mc:Fallback>
+          <p:sp>
+            <p:nvSpPr>
+              <p:cNvPr id="16" name="Textfeld 15">
+                <a:extLst>
+                  <a:ext uri="{FF2B5EF4-FFF2-40B4-BE49-F238E27FC236}">
+                    <a16:creationId xmlns:a16="http://schemas.microsoft.com/office/drawing/2014/main" id="{3286C1D5-6AA4-45C4-AE9C-851598102E16}"/>
+                  </a:ext>
+                </a:extLst>
+              </p:cNvPr>
+              <p:cNvSpPr txBox="1">
+                <a:spLocks noRot="1" noChangeAspect="1" noMove="1" noResize="1" noEditPoints="1" noAdjustHandles="1" noChangeArrowheads="1" noChangeShapeType="1" noTextEdit="1"/>
+              </p:cNvSpPr>
+              <p:nvPr/>
+            </p:nvSpPr>
+            <p:spPr>
+              <a:xfrm>
+                <a:off x="8330418" y="3310810"/>
+                <a:ext cx="584607" cy="280333"/>
+              </a:xfrm>
+              <a:prstGeom prst="rect">
+                <a:avLst/>
+              </a:prstGeom>
+              <a:blipFill>
+                <a:blip r:embed="rId11"/>
+                <a:stretch>
+                  <a:fillRect/>
+                </a:stretch>
+              </a:blipFill>
+            </p:spPr>
+            <p:txBody>
+              <a:bodyPr/>
+              <a:lstStyle/>
+              <a:p>
+                <a:r>
+                  <a:rPr lang="de-DE">
+                    <a:noFill/>
+                  </a:rPr>
+                  <a:t> </a:t>
+                </a:r>
+              </a:p>
+            </p:txBody>
+          </p:sp>
+        </mc:Fallback>
+      </mc:AlternateContent>
+      <mc:AlternateContent xmlns:mc="http://schemas.openxmlformats.org/markup-compatibility/2006">
+        <mc:Choice xmlns:a14="http://schemas.microsoft.com/office/drawing/2010/main" Requires="a14">
+          <p:sp>
+            <p:nvSpPr>
+              <p:cNvPr id="17" name="Textfeld 16">
+                <a:extLst>
+                  <a:ext uri="{FF2B5EF4-FFF2-40B4-BE49-F238E27FC236}">
+                    <a16:creationId xmlns:a16="http://schemas.microsoft.com/office/drawing/2014/main" id="{E787C449-758B-462C-BCCB-3AE79AF62796}"/>
+                  </a:ext>
+                </a:extLst>
+              </p:cNvPr>
+              <p:cNvSpPr txBox="1"/>
+              <p:nvPr/>
+            </p:nvSpPr>
+            <p:spPr>
+              <a:xfrm>
+                <a:off x="4511041" y="5137272"/>
                 <a:ext cx="647114" cy="280333"/>
               </a:xfrm>
               <a:prstGeom prst="rect">
@@ -6523,13 +7506,13 @@
             </p:txBody>
           </p:sp>
         </mc:Choice>
-        <mc:Fallback xmlns="">
+        <mc:Fallback>
           <p:sp>
             <p:nvSpPr>
-              <p:cNvPr id="16" name="Textfeld 15">
+              <p:cNvPr id="17" name="Textfeld 16">
                 <a:extLst>
                   <a:ext uri="{FF2B5EF4-FFF2-40B4-BE49-F238E27FC236}">
-                    <a16:creationId xmlns:a16="http://schemas.microsoft.com/office/drawing/2014/main" id="{3286C1D5-6AA4-45C4-AE9C-851598102E16}"/>
+                    <a16:creationId xmlns:a16="http://schemas.microsoft.com/office/drawing/2014/main" id="{E787C449-758B-462C-BCCB-3AE79AF62796}"/>
                   </a:ext>
                 </a:extLst>
               </p:cNvPr>
@@ -6540,14 +7523,14 @@
             </p:nvSpPr>
             <p:spPr>
               <a:xfrm>
-                <a:off x="8344485" y="3310810"/>
+                <a:off x="4511041" y="5137272"/>
                 <a:ext cx="647114" cy="280333"/>
               </a:xfrm>
               <a:prstGeom prst="rect">
                 <a:avLst/>
               </a:prstGeom>
               <a:blipFill>
-                <a:blip r:embed="rId11"/>
+                <a:blip r:embed="rId12"/>
                 <a:stretch>
                   <a:fillRect/>
                 </a:stretch>
@@ -6568,129 +7551,8 @@
           </p:sp>
         </mc:Fallback>
       </mc:AlternateContent>
-      <mc:AlternateContent xmlns:mc="http://schemas.openxmlformats.org/markup-compatibility/2006" xmlns:a14="http://schemas.microsoft.com/office/drawing/2010/main">
-        <mc:Choice Requires="a14">
-          <p:sp>
-            <p:nvSpPr>
-              <p:cNvPr id="17" name="Textfeld 16">
-                <a:extLst>
-                  <a:ext uri="{FF2B5EF4-FFF2-40B4-BE49-F238E27FC236}">
-                    <a16:creationId xmlns:a16="http://schemas.microsoft.com/office/drawing/2014/main" id="{E787C449-758B-462C-BCCB-3AE79AF62796}"/>
-                  </a:ext>
-                </a:extLst>
-              </p:cNvPr>
-              <p:cNvSpPr txBox="1"/>
-              <p:nvPr/>
-            </p:nvSpPr>
-            <p:spPr>
-              <a:xfrm>
-                <a:off x="5672087" y="5273253"/>
-                <a:ext cx="647114" cy="280333"/>
-              </a:xfrm>
-              <a:prstGeom prst="rect">
-                <a:avLst/>
-              </a:prstGeom>
-              <a:noFill/>
-            </p:spPr>
-            <p:txBody>
-              <a:bodyPr wrap="square" rtlCol="0">
-                <a:spAutoFit/>
-              </a:bodyPr>
-              <a:lstStyle/>
-              <a:p>
-                <a:pPr algn="ctr"/>
-                <a14:m>
-                  <m:oMathPara xmlns:m="http://schemas.openxmlformats.org/officeDocument/2006/math">
-                    <m:oMathParaPr>
-                      <m:jc m:val="centerGroup"/>
-                    </m:oMathParaPr>
-                    <m:oMath xmlns:m="http://schemas.openxmlformats.org/officeDocument/2006/math">
-                      <m:sSup>
-                        <m:sSupPr>
-                          <m:ctrlPr>
-                            <a:rPr lang="de-DE" sz="1200" b="0" i="1" smtClean="0">
-                              <a:latin typeface="Cambria Math" panose="02040503050406030204" pitchFamily="18" charset="0"/>
-                            </a:rPr>
-                          </m:ctrlPr>
-                        </m:sSupPr>
-                        <m:e>
-                          <m:r>
-                            <a:rPr lang="de-DE" sz="1200" b="0" i="1" smtClean="0">
-                              <a:latin typeface="Cambria Math" panose="02040503050406030204" pitchFamily="18" charset="0"/>
-                            </a:rPr>
-                            <m:t>𝑛</m:t>
-                          </m:r>
-                        </m:e>
-                        <m:sup>
-                          <m:r>
-                            <a:rPr lang="de-DE" sz="1200" b="0" i="1" smtClean="0">
-                              <a:latin typeface="Cambria Math" panose="02040503050406030204" pitchFamily="18" charset="0"/>
-                            </a:rPr>
-                            <m:t>𝑙</m:t>
-                          </m:r>
-                        </m:sup>
-                      </m:sSup>
-                      <m:r>
-                        <a:rPr lang="de-DE" sz="1200" b="0" i="1" smtClean="0">
-                          <a:latin typeface="Cambria Math" panose="02040503050406030204" pitchFamily="18" charset="0"/>
-                        </a:rPr>
-                        <m:t>×1</m:t>
-                      </m:r>
-                    </m:oMath>
-                  </m:oMathPara>
-                </a14:m>
-                <a:endParaRPr lang="de-DE" sz="1200" dirty="0"/>
-              </a:p>
-            </p:txBody>
-          </p:sp>
-        </mc:Choice>
-        <mc:Fallback xmlns="">
-          <p:sp>
-            <p:nvSpPr>
-              <p:cNvPr id="17" name="Textfeld 16">
-                <a:extLst>
-                  <a:ext uri="{FF2B5EF4-FFF2-40B4-BE49-F238E27FC236}">
-                    <a16:creationId xmlns:a16="http://schemas.microsoft.com/office/drawing/2014/main" id="{E787C449-758B-462C-BCCB-3AE79AF62796}"/>
-                  </a:ext>
-                </a:extLst>
-              </p:cNvPr>
-              <p:cNvSpPr txBox="1">
-                <a:spLocks noRot="1" noChangeAspect="1" noMove="1" noResize="1" noEditPoints="1" noAdjustHandles="1" noChangeArrowheads="1" noChangeShapeType="1" noTextEdit="1"/>
-              </p:cNvSpPr>
-              <p:nvPr/>
-            </p:nvSpPr>
-            <p:spPr>
-              <a:xfrm>
-                <a:off x="5672087" y="5273253"/>
-                <a:ext cx="647114" cy="280333"/>
-              </a:xfrm>
-              <a:prstGeom prst="rect">
-                <a:avLst/>
-              </a:prstGeom>
-              <a:blipFill>
-                <a:blip r:embed="rId8"/>
-                <a:stretch>
-                  <a:fillRect/>
-                </a:stretch>
-              </a:blipFill>
-            </p:spPr>
-            <p:txBody>
-              <a:bodyPr/>
-              <a:lstStyle/>
-              <a:p>
-                <a:r>
-                  <a:rPr lang="de-DE">
-                    <a:noFill/>
-                  </a:rPr>
-                  <a:t> </a:t>
-                </a:r>
-              </a:p>
-            </p:txBody>
-          </p:sp>
-        </mc:Fallback>
-      </mc:AlternateContent>
-      <mc:AlternateContent xmlns:mc="http://schemas.openxmlformats.org/markup-compatibility/2006" xmlns:a14="http://schemas.microsoft.com/office/drawing/2010/main">
-        <mc:Choice Requires="a14">
+      <mc:AlternateContent xmlns:mc="http://schemas.openxmlformats.org/markup-compatibility/2006">
+        <mc:Choice xmlns:a14="http://schemas.microsoft.com/office/drawing/2010/main" Requires="a14">
           <p:sp>
             <p:nvSpPr>
               <p:cNvPr id="18" name="Textfeld 17">
@@ -6705,7 +7567,7 @@
             </p:nvSpPr>
             <p:spPr>
               <a:xfrm>
-                <a:off x="1613558" y="6212542"/>
+                <a:off x="1195754" y="6189097"/>
                 <a:ext cx="647114" cy="276999"/>
               </a:xfrm>
               <a:prstGeom prst="rect">
@@ -6765,7 +7627,7 @@
             </p:txBody>
           </p:sp>
         </mc:Choice>
-        <mc:Fallback xmlns="">
+        <mc:Fallback>
           <p:sp>
             <p:nvSpPr>
               <p:cNvPr id="18" name="Textfeld 17">
@@ -6782,14 +7644,14 @@
             </p:nvSpPr>
             <p:spPr>
               <a:xfrm>
-                <a:off x="1613558" y="6212542"/>
+                <a:off x="1195754" y="6189097"/>
                 <a:ext cx="647114" cy="276999"/>
               </a:xfrm>
               <a:prstGeom prst="rect">
                 <a:avLst/>
               </a:prstGeom>
               <a:blipFill>
-                <a:blip r:embed="rId12"/>
+                <a:blip r:embed="rId13"/>
                 <a:stretch>
                   <a:fillRect/>
                 </a:stretch>
@@ -6810,6 +7672,111 @@
           </p:sp>
         </mc:Fallback>
       </mc:AlternateContent>
+      <p:sp>
+        <p:nvSpPr>
+          <p:cNvPr id="4" name="TextBox 3">
+            <a:extLst>
+              <a:ext uri="{FF2B5EF4-FFF2-40B4-BE49-F238E27FC236}">
+                <a16:creationId xmlns:a16="http://schemas.microsoft.com/office/drawing/2014/main" id="{A45F4D46-CE03-423E-BF95-72078B43CBB2}"/>
+              </a:ext>
+            </a:extLst>
+          </p:cNvPr>
+          <p:cNvSpPr txBox="1"/>
+          <p:nvPr/>
+        </p:nvSpPr>
+        <p:spPr>
+          <a:xfrm>
+            <a:off x="9570716" y="2273202"/>
+            <a:ext cx="2035126" cy="523220"/>
+          </a:xfrm>
+          <a:prstGeom prst="rect">
+            <a:avLst/>
+          </a:prstGeom>
+          <a:noFill/>
+        </p:spPr>
+        <p:txBody>
+          <a:bodyPr wrap="square" rtlCol="0">
+            <a:spAutoFit/>
+          </a:bodyPr>
+          <a:lstStyle/>
+          <a:p>
+            <a:r>
+              <a:rPr lang="de-DE" sz="1400" dirty="0"/>
+              <a:t>Dendritische Potentiale in Layer l</a:t>
+            </a:r>
+          </a:p>
+        </p:txBody>
+      </p:sp>
+      <p:sp>
+        <p:nvSpPr>
+          <p:cNvPr id="20" name="TextBox 19">
+            <a:extLst>
+              <a:ext uri="{FF2B5EF4-FFF2-40B4-BE49-F238E27FC236}">
+                <a16:creationId xmlns:a16="http://schemas.microsoft.com/office/drawing/2014/main" id="{034C4A5D-A397-4131-94A6-296ED4E77BB1}"/>
+              </a:ext>
+            </a:extLst>
+          </p:cNvPr>
+          <p:cNvSpPr txBox="1"/>
+          <p:nvPr/>
+        </p:nvSpPr>
+        <p:spPr>
+          <a:xfrm>
+            <a:off x="9570716" y="4314584"/>
+            <a:ext cx="2035126" cy="307777"/>
+          </a:xfrm>
+          <a:prstGeom prst="rect">
+            <a:avLst/>
+          </a:prstGeom>
+          <a:noFill/>
+        </p:spPr>
+        <p:txBody>
+          <a:bodyPr wrap="square" rtlCol="0">
+            <a:spAutoFit/>
+          </a:bodyPr>
+          <a:lstStyle/>
+          <a:p>
+            <a:r>
+              <a:rPr lang="de-DE" sz="1400" dirty="0"/>
+              <a:t>Aktivierungen in Layer l</a:t>
+            </a:r>
+          </a:p>
+        </p:txBody>
+      </p:sp>
+      <p:sp>
+        <p:nvSpPr>
+          <p:cNvPr id="21" name="TextBox 20">
+            <a:extLst>
+              <a:ext uri="{FF2B5EF4-FFF2-40B4-BE49-F238E27FC236}">
+                <a16:creationId xmlns:a16="http://schemas.microsoft.com/office/drawing/2014/main" id="{D2ED2A51-D455-4D70-B6AB-A9BBFB545678}"/>
+              </a:ext>
+            </a:extLst>
+          </p:cNvPr>
+          <p:cNvSpPr txBox="1"/>
+          <p:nvPr/>
+        </p:nvSpPr>
+        <p:spPr>
+          <a:xfrm>
+            <a:off x="9570716" y="5772756"/>
+            <a:ext cx="2035126" cy="307777"/>
+          </a:xfrm>
+          <a:prstGeom prst="rect">
+            <a:avLst/>
+          </a:prstGeom>
+          <a:noFill/>
+        </p:spPr>
+        <p:txBody>
+          <a:bodyPr wrap="square" rtlCol="0">
+            <a:spAutoFit/>
+          </a:bodyPr>
+          <a:lstStyle/>
+          <a:p>
+            <a:r>
+              <a:rPr lang="de-DE" sz="1400" dirty="0"/>
+              <a:t>Fehler</a:t>
+            </a:r>
+          </a:p>
+        </p:txBody>
+      </p:sp>
     </p:spTree>
     <p:extLst>
       <p:ext uri="{BB962C8B-B14F-4D97-AF65-F5344CB8AC3E}">
@@ -6820,6 +7787,535 @@
   <p:clrMapOvr>
     <a:masterClrMapping/>
   </p:clrMapOvr>
+  <p:timing>
+    <p:tnLst>
+      <p:par>
+        <p:cTn id="1" dur="indefinite" restart="never" nodeType="tmRoot">
+          <p:childTnLst>
+            <p:seq concurrent="1" nextAc="seek">
+              <p:cTn id="2" dur="indefinite" nodeType="mainSeq">
+                <p:childTnLst>
+                  <p:par>
+                    <p:cTn id="3" fill="hold">
+                      <p:stCondLst>
+                        <p:cond delay="indefinite"/>
+                      </p:stCondLst>
+                      <p:childTnLst>
+                        <p:par>
+                          <p:cTn id="4" fill="hold">
+                            <p:stCondLst>
+                              <p:cond delay="0"/>
+                            </p:stCondLst>
+                            <p:childTnLst>
+                              <p:par>
+                                <p:cTn id="5" presetID="1" presetClass="entr" presetSubtype="0" fill="hold" nodeType="clickEffect">
+                                  <p:stCondLst>
+                                    <p:cond delay="0"/>
+                                  </p:stCondLst>
+                                  <p:childTnLst>
+                                    <p:set>
+                                      <p:cBhvr>
+                                        <p:cTn id="6" dur="1" fill="hold">
+                                          <p:stCondLst>
+                                            <p:cond delay="0"/>
+                                          </p:stCondLst>
+                                        </p:cTn>
+                                        <p:tgtEl>
+                                          <p:spTgt spid="5"/>
+                                        </p:tgtEl>
+                                        <p:attrNameLst>
+                                          <p:attrName>style.visibility</p:attrName>
+                                        </p:attrNameLst>
+                                      </p:cBhvr>
+                                      <p:to>
+                                        <p:strVal val="visible"/>
+                                      </p:to>
+                                    </p:set>
+                                  </p:childTnLst>
+                                </p:cTn>
+                              </p:par>
+                              <p:par>
+                                <p:cTn id="7" presetID="1" presetClass="entr" presetSubtype="0" fill="hold" nodeType="withEffect">
+                                  <p:stCondLst>
+                                    <p:cond delay="0"/>
+                                  </p:stCondLst>
+                                  <p:childTnLst>
+                                    <p:set>
+                                      <p:cBhvr>
+                                        <p:cTn id="8" dur="1" fill="hold">
+                                          <p:stCondLst>
+                                            <p:cond delay="0"/>
+                                          </p:stCondLst>
+                                        </p:cTn>
+                                        <p:tgtEl>
+                                          <p:spTgt spid="9"/>
+                                        </p:tgtEl>
+                                        <p:attrNameLst>
+                                          <p:attrName>style.visibility</p:attrName>
+                                        </p:attrNameLst>
+                                      </p:cBhvr>
+                                      <p:to>
+                                        <p:strVal val="visible"/>
+                                      </p:to>
+                                    </p:set>
+                                  </p:childTnLst>
+                                </p:cTn>
+                              </p:par>
+                              <p:par>
+                                <p:cTn id="9" presetID="1" presetClass="entr" presetSubtype="0" fill="hold" grpId="0" nodeType="withEffect">
+                                  <p:stCondLst>
+                                    <p:cond delay="0"/>
+                                  </p:stCondLst>
+                                  <p:childTnLst>
+                                    <p:set>
+                                      <p:cBhvr>
+                                        <p:cTn id="10" dur="1" fill="hold">
+                                          <p:stCondLst>
+                                            <p:cond delay="0"/>
+                                          </p:stCondLst>
+                                        </p:cTn>
+                                        <p:tgtEl>
+                                          <p:spTgt spid="3"/>
+                                        </p:tgtEl>
+                                        <p:attrNameLst>
+                                          <p:attrName>style.visibility</p:attrName>
+                                        </p:attrNameLst>
+                                      </p:cBhvr>
+                                      <p:to>
+                                        <p:strVal val="visible"/>
+                                      </p:to>
+                                    </p:set>
+                                  </p:childTnLst>
+                                </p:cTn>
+                              </p:par>
+                              <p:par>
+                                <p:cTn id="11" presetID="1" presetClass="entr" presetSubtype="0" fill="hold" grpId="0" nodeType="withEffect">
+                                  <p:stCondLst>
+                                    <p:cond delay="0"/>
+                                  </p:stCondLst>
+                                  <p:childTnLst>
+                                    <p:set>
+                                      <p:cBhvr>
+                                        <p:cTn id="12" dur="1" fill="hold">
+                                          <p:stCondLst>
+                                            <p:cond delay="0"/>
+                                          </p:stCondLst>
+                                        </p:cTn>
+                                        <p:tgtEl>
+                                          <p:spTgt spid="10"/>
+                                        </p:tgtEl>
+                                        <p:attrNameLst>
+                                          <p:attrName>style.visibility</p:attrName>
+                                        </p:attrNameLst>
+                                      </p:cBhvr>
+                                      <p:to>
+                                        <p:strVal val="visible"/>
+                                      </p:to>
+                                    </p:set>
+                                  </p:childTnLst>
+                                </p:cTn>
+                              </p:par>
+                              <p:par>
+                                <p:cTn id="13" presetID="1" presetClass="entr" presetSubtype="0" fill="hold" grpId="0" nodeType="withEffect">
+                                  <p:stCondLst>
+                                    <p:cond delay="0"/>
+                                  </p:stCondLst>
+                                  <p:childTnLst>
+                                    <p:set>
+                                      <p:cBhvr>
+                                        <p:cTn id="14" dur="1" fill="hold">
+                                          <p:stCondLst>
+                                            <p:cond delay="0"/>
+                                          </p:stCondLst>
+                                        </p:cTn>
+                                        <p:tgtEl>
+                                          <p:spTgt spid="14"/>
+                                        </p:tgtEl>
+                                        <p:attrNameLst>
+                                          <p:attrName>style.visibility</p:attrName>
+                                        </p:attrNameLst>
+                                      </p:cBhvr>
+                                      <p:to>
+                                        <p:strVal val="visible"/>
+                                      </p:to>
+                                    </p:set>
+                                  </p:childTnLst>
+                                </p:cTn>
+                              </p:par>
+                              <p:par>
+                                <p:cTn id="15" presetID="1" presetClass="entr" presetSubtype="0" fill="hold" grpId="0" nodeType="withEffect">
+                                  <p:stCondLst>
+                                    <p:cond delay="0"/>
+                                  </p:stCondLst>
+                                  <p:childTnLst>
+                                    <p:set>
+                                      <p:cBhvr>
+                                        <p:cTn id="16" dur="1" fill="hold">
+                                          <p:stCondLst>
+                                            <p:cond delay="0"/>
+                                          </p:stCondLst>
+                                        </p:cTn>
+                                        <p:tgtEl>
+                                          <p:spTgt spid="15"/>
+                                        </p:tgtEl>
+                                        <p:attrNameLst>
+                                          <p:attrName>style.visibility</p:attrName>
+                                        </p:attrNameLst>
+                                      </p:cBhvr>
+                                      <p:to>
+                                        <p:strVal val="visible"/>
+                                      </p:to>
+                                    </p:set>
+                                  </p:childTnLst>
+                                </p:cTn>
+                              </p:par>
+                              <p:par>
+                                <p:cTn id="17" presetID="1" presetClass="entr" presetSubtype="0" fill="hold" grpId="0" nodeType="withEffect">
+                                  <p:stCondLst>
+                                    <p:cond delay="0"/>
+                                  </p:stCondLst>
+                                  <p:childTnLst>
+                                    <p:set>
+                                      <p:cBhvr>
+                                        <p:cTn id="18" dur="1" fill="hold">
+                                          <p:stCondLst>
+                                            <p:cond delay="0"/>
+                                          </p:stCondLst>
+                                        </p:cTn>
+                                        <p:tgtEl>
+                                          <p:spTgt spid="16"/>
+                                        </p:tgtEl>
+                                        <p:attrNameLst>
+                                          <p:attrName>style.visibility</p:attrName>
+                                        </p:attrNameLst>
+                                      </p:cBhvr>
+                                      <p:to>
+                                        <p:strVal val="visible"/>
+                                      </p:to>
+                                    </p:set>
+                                  </p:childTnLst>
+                                </p:cTn>
+                              </p:par>
+                              <p:par>
+                                <p:cTn id="19" presetID="1" presetClass="entr" presetSubtype="0" fill="hold" grpId="0" nodeType="withEffect">
+                                  <p:stCondLst>
+                                    <p:cond delay="0"/>
+                                  </p:stCondLst>
+                                  <p:childTnLst>
+                                    <p:set>
+                                      <p:cBhvr>
+                                        <p:cTn id="20" dur="1" fill="hold">
+                                          <p:stCondLst>
+                                            <p:cond delay="0"/>
+                                          </p:stCondLst>
+                                        </p:cTn>
+                                        <p:tgtEl>
+                                          <p:spTgt spid="4"/>
+                                        </p:tgtEl>
+                                        <p:attrNameLst>
+                                          <p:attrName>style.visibility</p:attrName>
+                                        </p:attrNameLst>
+                                      </p:cBhvr>
+                                      <p:to>
+                                        <p:strVal val="visible"/>
+                                      </p:to>
+                                    </p:set>
+                                  </p:childTnLst>
+                                </p:cTn>
+                              </p:par>
+                            </p:childTnLst>
+                          </p:cTn>
+                        </p:par>
+                      </p:childTnLst>
+                    </p:cTn>
+                  </p:par>
+                  <p:par>
+                    <p:cTn id="21" fill="hold">
+                      <p:stCondLst>
+                        <p:cond delay="indefinite"/>
+                      </p:stCondLst>
+                      <p:childTnLst>
+                        <p:par>
+                          <p:cTn id="22" fill="hold">
+                            <p:stCondLst>
+                              <p:cond delay="0"/>
+                            </p:stCondLst>
+                            <p:childTnLst>
+                              <p:par>
+                                <p:cTn id="23" presetID="1" presetClass="entr" presetSubtype="0" fill="hold" nodeType="clickEffect">
+                                  <p:stCondLst>
+                                    <p:cond delay="0"/>
+                                  </p:stCondLst>
+                                  <p:childTnLst>
+                                    <p:set>
+                                      <p:cBhvr>
+                                        <p:cTn id="24" dur="1" fill="hold">
+                                          <p:stCondLst>
+                                            <p:cond delay="0"/>
+                                          </p:stCondLst>
+                                        </p:cTn>
+                                        <p:tgtEl>
+                                          <p:spTgt spid="7"/>
+                                        </p:tgtEl>
+                                        <p:attrNameLst>
+                                          <p:attrName>style.visibility</p:attrName>
+                                        </p:attrNameLst>
+                                      </p:cBhvr>
+                                      <p:to>
+                                        <p:strVal val="visible"/>
+                                      </p:to>
+                                    </p:set>
+                                  </p:childTnLst>
+                                </p:cTn>
+                              </p:par>
+                              <p:par>
+                                <p:cTn id="25" presetID="1" presetClass="entr" presetSubtype="0" fill="hold" nodeType="withEffect">
+                                  <p:stCondLst>
+                                    <p:cond delay="0"/>
+                                  </p:stCondLst>
+                                  <p:childTnLst>
+                                    <p:set>
+                                      <p:cBhvr>
+                                        <p:cTn id="26" dur="1" fill="hold">
+                                          <p:stCondLst>
+                                            <p:cond delay="0"/>
+                                          </p:stCondLst>
+                                        </p:cTn>
+                                        <p:tgtEl>
+                                          <p:spTgt spid="11"/>
+                                        </p:tgtEl>
+                                        <p:attrNameLst>
+                                          <p:attrName>style.visibility</p:attrName>
+                                        </p:attrNameLst>
+                                      </p:cBhvr>
+                                      <p:to>
+                                        <p:strVal val="visible"/>
+                                      </p:to>
+                                    </p:set>
+                                  </p:childTnLst>
+                                </p:cTn>
+                              </p:par>
+                              <p:par>
+                                <p:cTn id="27" presetID="1" presetClass="entr" presetSubtype="0" fill="hold" grpId="0" nodeType="withEffect">
+                                  <p:stCondLst>
+                                    <p:cond delay="0"/>
+                                  </p:stCondLst>
+                                  <p:childTnLst>
+                                    <p:set>
+                                      <p:cBhvr>
+                                        <p:cTn id="28" dur="1" fill="hold">
+                                          <p:stCondLst>
+                                            <p:cond delay="0"/>
+                                          </p:stCondLst>
+                                        </p:cTn>
+                                        <p:tgtEl>
+                                          <p:spTgt spid="8"/>
+                                        </p:tgtEl>
+                                        <p:attrNameLst>
+                                          <p:attrName>style.visibility</p:attrName>
+                                        </p:attrNameLst>
+                                      </p:cBhvr>
+                                      <p:to>
+                                        <p:strVal val="visible"/>
+                                      </p:to>
+                                    </p:set>
+                                  </p:childTnLst>
+                                </p:cTn>
+                              </p:par>
+                              <p:par>
+                                <p:cTn id="29" presetID="1" presetClass="entr" presetSubtype="0" fill="hold" grpId="0" nodeType="withEffect">
+                                  <p:stCondLst>
+                                    <p:cond delay="0"/>
+                                  </p:stCondLst>
+                                  <p:childTnLst>
+                                    <p:set>
+                                      <p:cBhvr>
+                                        <p:cTn id="30" dur="1" fill="hold">
+                                          <p:stCondLst>
+                                            <p:cond delay="0"/>
+                                          </p:stCondLst>
+                                        </p:cTn>
+                                        <p:tgtEl>
+                                          <p:spTgt spid="17"/>
+                                        </p:tgtEl>
+                                        <p:attrNameLst>
+                                          <p:attrName>style.visibility</p:attrName>
+                                        </p:attrNameLst>
+                                      </p:cBhvr>
+                                      <p:to>
+                                        <p:strVal val="visible"/>
+                                      </p:to>
+                                    </p:set>
+                                  </p:childTnLst>
+                                </p:cTn>
+                              </p:par>
+                              <p:par>
+                                <p:cTn id="31" presetID="1" presetClass="entr" presetSubtype="0" fill="hold" grpId="0" nodeType="withEffect">
+                                  <p:stCondLst>
+                                    <p:cond delay="0"/>
+                                  </p:stCondLst>
+                                  <p:childTnLst>
+                                    <p:set>
+                                      <p:cBhvr>
+                                        <p:cTn id="32" dur="1" fill="hold">
+                                          <p:stCondLst>
+                                            <p:cond delay="0"/>
+                                          </p:stCondLst>
+                                        </p:cTn>
+                                        <p:tgtEl>
+                                          <p:spTgt spid="20"/>
+                                        </p:tgtEl>
+                                        <p:attrNameLst>
+                                          <p:attrName>style.visibility</p:attrName>
+                                        </p:attrNameLst>
+                                      </p:cBhvr>
+                                      <p:to>
+                                        <p:strVal val="visible"/>
+                                      </p:to>
+                                    </p:set>
+                                  </p:childTnLst>
+                                </p:cTn>
+                              </p:par>
+                            </p:childTnLst>
+                          </p:cTn>
+                        </p:par>
+                      </p:childTnLst>
+                    </p:cTn>
+                  </p:par>
+                  <p:par>
+                    <p:cTn id="33" fill="hold">
+                      <p:stCondLst>
+                        <p:cond delay="indefinite"/>
+                      </p:stCondLst>
+                      <p:childTnLst>
+                        <p:par>
+                          <p:cTn id="34" fill="hold">
+                            <p:stCondLst>
+                              <p:cond delay="0"/>
+                            </p:stCondLst>
+                            <p:childTnLst>
+                              <p:par>
+                                <p:cTn id="35" presetID="1" presetClass="entr" presetSubtype="0" fill="hold" nodeType="clickEffect">
+                                  <p:stCondLst>
+                                    <p:cond delay="0"/>
+                                  </p:stCondLst>
+                                  <p:childTnLst>
+                                    <p:set>
+                                      <p:cBhvr>
+                                        <p:cTn id="36" dur="1" fill="hold">
+                                          <p:stCondLst>
+                                            <p:cond delay="0"/>
+                                          </p:stCondLst>
+                                        </p:cTn>
+                                        <p:tgtEl>
+                                          <p:spTgt spid="6"/>
+                                        </p:tgtEl>
+                                        <p:attrNameLst>
+                                          <p:attrName>style.visibility</p:attrName>
+                                        </p:attrNameLst>
+                                      </p:cBhvr>
+                                      <p:to>
+                                        <p:strVal val="visible"/>
+                                      </p:to>
+                                    </p:set>
+                                  </p:childTnLst>
+                                </p:cTn>
+                              </p:par>
+                              <p:par>
+                                <p:cTn id="37" presetID="1" presetClass="entr" presetSubtype="0" fill="hold" grpId="0" nodeType="withEffect">
+                                  <p:stCondLst>
+                                    <p:cond delay="0"/>
+                                  </p:stCondLst>
+                                  <p:childTnLst>
+                                    <p:set>
+                                      <p:cBhvr>
+                                        <p:cTn id="38" dur="1" fill="hold">
+                                          <p:stCondLst>
+                                            <p:cond delay="0"/>
+                                          </p:stCondLst>
+                                        </p:cTn>
+                                        <p:tgtEl>
+                                          <p:spTgt spid="18"/>
+                                        </p:tgtEl>
+                                        <p:attrNameLst>
+                                          <p:attrName>style.visibility</p:attrName>
+                                        </p:attrNameLst>
+                                      </p:cBhvr>
+                                      <p:to>
+                                        <p:strVal val="visible"/>
+                                      </p:to>
+                                    </p:set>
+                                  </p:childTnLst>
+                                </p:cTn>
+                              </p:par>
+                              <p:par>
+                                <p:cTn id="39" presetID="1" presetClass="entr" presetSubtype="0" fill="hold" grpId="0" nodeType="withEffect">
+                                  <p:stCondLst>
+                                    <p:cond delay="0"/>
+                                  </p:stCondLst>
+                                  <p:childTnLst>
+                                    <p:set>
+                                      <p:cBhvr>
+                                        <p:cTn id="40" dur="1" fill="hold">
+                                          <p:stCondLst>
+                                            <p:cond delay="0"/>
+                                          </p:stCondLst>
+                                        </p:cTn>
+                                        <p:tgtEl>
+                                          <p:spTgt spid="21"/>
+                                        </p:tgtEl>
+                                        <p:attrNameLst>
+                                          <p:attrName>style.visibility</p:attrName>
+                                        </p:attrNameLst>
+                                      </p:cBhvr>
+                                      <p:to>
+                                        <p:strVal val="visible"/>
+                                      </p:to>
+                                    </p:set>
+                                  </p:childTnLst>
+                                </p:cTn>
+                              </p:par>
+                            </p:childTnLst>
+                          </p:cTn>
+                        </p:par>
+                      </p:childTnLst>
+                    </p:cTn>
+                  </p:par>
+                </p:childTnLst>
+              </p:cTn>
+              <p:prevCondLst>
+                <p:cond evt="onPrev" delay="0">
+                  <p:tgtEl>
+                    <p:sldTgt/>
+                  </p:tgtEl>
+                </p:cond>
+              </p:prevCondLst>
+              <p:nextCondLst>
+                <p:cond evt="onNext" delay="0">
+                  <p:tgtEl>
+                    <p:sldTgt/>
+                  </p:tgtEl>
+                </p:cond>
+              </p:nextCondLst>
+            </p:seq>
+          </p:childTnLst>
+        </p:cTn>
+      </p:par>
+    </p:tnLst>
+    <p:bldLst>
+      <p:bldP spid="3" grpId="0" animBg="1"/>
+      <p:bldP spid="8" grpId="0" animBg="1"/>
+      <p:bldP spid="10" grpId="0"/>
+      <p:bldP spid="14" grpId="0"/>
+      <p:bldP spid="15" grpId="0"/>
+      <p:bldP spid="16" grpId="0"/>
+      <p:bldP spid="17" grpId="0"/>
+      <p:bldP spid="18" grpId="0"/>
+      <p:bldP spid="4" grpId="0"/>
+      <p:bldP spid="20" grpId="0"/>
+      <p:bldP spid="21" grpId="0"/>
+    </p:bldLst>
+  </p:timing>
 </p:sld>
 </file>
 
@@ -6870,7 +8366,7 @@
             </a:br>
             <a:r>
               <a:rPr lang="de-DE" sz="2400" dirty="0"/>
-              <a:t>Forward-Propagation für ein Batch an Inputs</a:t>
+              <a:t>Forward-Propagation für ein Batch von Daten</a:t>
             </a:r>
             <a:endParaRPr lang="de-DE" dirty="0"/>
           </a:p>
@@ -6890,7 +8386,7 @@
         </p:nvSpPr>
         <p:spPr>
           <a:xfrm>
-            <a:off x="2870518" y="2201871"/>
+            <a:off x="2870518" y="2154131"/>
             <a:ext cx="620785" cy="411060"/>
           </a:xfrm>
           <a:prstGeom prst="rightArrow">
@@ -6942,7 +8438,7 @@
         </p:nvSpPr>
         <p:spPr>
           <a:xfrm>
-            <a:off x="2895010" y="4384764"/>
+            <a:off x="2895010" y="4290771"/>
             <a:ext cx="620785" cy="411060"/>
           </a:xfrm>
           <a:prstGeom prst="rightArrow">
@@ -6995,14 +8491,14 @@
           <p:nvPr/>
         </p:nvPicPr>
         <p:blipFill>
-          <a:blip r:embed="rId2"/>
+          <a:blip r:embed="rId3"/>
           <a:stretch>
             <a:fillRect/>
           </a:stretch>
         </p:blipFill>
         <p:spPr>
           <a:xfrm>
-            <a:off x="265781" y="2046149"/>
+            <a:off x="265781" y="2035811"/>
             <a:ext cx="2305050" cy="647700"/>
           </a:xfrm>
           <a:prstGeom prst="rect">
@@ -7025,7 +8521,7 @@
           <p:nvPr/>
         </p:nvPicPr>
         <p:blipFill rotWithShape="1">
-          <a:blip r:embed="rId3"/>
+          <a:blip r:embed="rId4"/>
           <a:srcRect b="10994"/>
           <a:stretch/>
         </p:blipFill>
@@ -7054,14 +8550,14 @@
           <p:nvPr/>
         </p:nvPicPr>
         <p:blipFill>
-          <a:blip r:embed="rId4"/>
+          <a:blip r:embed="rId5"/>
           <a:stretch>
             <a:fillRect/>
           </a:stretch>
         </p:blipFill>
         <p:spPr>
           <a:xfrm>
-            <a:off x="518063" y="4266835"/>
+            <a:off x="518063" y="4205789"/>
             <a:ext cx="1323975" cy="581025"/>
           </a:xfrm>
           <a:prstGeom prst="rect">
@@ -7084,7 +8580,7 @@
           <p:nvPr/>
         </p:nvPicPr>
         <p:blipFill>
-          <a:blip r:embed="rId5"/>
+          <a:blip r:embed="rId6"/>
           <a:stretch>
             <a:fillRect/>
           </a:stretch>
@@ -7114,7 +8610,7 @@
           <p:nvPr/>
         </p:nvPicPr>
         <p:blipFill>
-          <a:blip r:embed="rId6"/>
+          <a:blip r:embed="rId7"/>
           <a:stretch>
             <a:fillRect/>
           </a:stretch>
@@ -7129,8 +8625,8 @@
           </a:prstGeom>
         </p:spPr>
       </p:pic>
-      <mc:AlternateContent xmlns:mc="http://schemas.openxmlformats.org/markup-compatibility/2006" xmlns:a14="http://schemas.microsoft.com/office/drawing/2010/main">
-        <mc:Choice Requires="a14">
+      <mc:AlternateContent xmlns:mc="http://schemas.openxmlformats.org/markup-compatibility/2006">
+        <mc:Choice xmlns:a14="http://schemas.microsoft.com/office/drawing/2010/main" Requires="a14">
           <p:sp>
             <p:nvSpPr>
               <p:cNvPr id="19" name="Textfeld 18">
@@ -7145,8 +8641,8 @@
             </p:nvSpPr>
             <p:spPr>
               <a:xfrm>
-                <a:off x="3869880" y="3090867"/>
-                <a:ext cx="1041967" cy="280333"/>
+                <a:off x="3907393" y="3190155"/>
+                <a:ext cx="931892" cy="280333"/>
               </a:xfrm>
               <a:prstGeom prst="rect">
                 <a:avLst/>
@@ -7217,7 +8713,7 @@
             </p:txBody>
           </p:sp>
         </mc:Choice>
-        <mc:Fallback xmlns="">
+        <mc:Fallback>
           <p:sp>
             <p:nvSpPr>
               <p:cNvPr id="19" name="Textfeld 18">
@@ -7234,14 +8730,14 @@
             </p:nvSpPr>
             <p:spPr>
               <a:xfrm>
-                <a:off x="3869880" y="3090867"/>
-                <a:ext cx="1041967" cy="280333"/>
+                <a:off x="3907393" y="3190155"/>
+                <a:ext cx="931892" cy="280333"/>
               </a:xfrm>
               <a:prstGeom prst="rect">
                 <a:avLst/>
               </a:prstGeom>
               <a:blipFill>
-                <a:blip r:embed="rId7"/>
+                <a:blip r:embed="rId8"/>
                 <a:stretch>
                   <a:fillRect/>
                 </a:stretch>
@@ -7262,8 +8758,8 @@
           </p:sp>
         </mc:Fallback>
       </mc:AlternateContent>
-      <mc:AlternateContent xmlns:mc="http://schemas.openxmlformats.org/markup-compatibility/2006" xmlns:a14="http://schemas.microsoft.com/office/drawing/2010/main">
-        <mc:Choice Requires="a14">
+      <mc:AlternateContent xmlns:mc="http://schemas.openxmlformats.org/markup-compatibility/2006">
+        <mc:Choice xmlns:a14="http://schemas.microsoft.com/office/drawing/2010/main" Requires="a14">
           <p:sp>
             <p:nvSpPr>
               <p:cNvPr id="21" name="Textfeld 20">
@@ -7278,8 +8774,8 @@
             </p:nvSpPr>
             <p:spPr>
               <a:xfrm>
-                <a:off x="5848856" y="3289444"/>
-                <a:ext cx="1312060" cy="280333"/>
+                <a:off x="6008282" y="3190155"/>
+                <a:ext cx="1161548" cy="280333"/>
               </a:xfrm>
               <a:prstGeom prst="rect">
                 <a:avLst/>
@@ -7381,7 +8877,7 @@
             </p:txBody>
           </p:sp>
         </mc:Choice>
-        <mc:Fallback xmlns="">
+        <mc:Fallback>
           <p:sp>
             <p:nvSpPr>
               <p:cNvPr id="21" name="Textfeld 20">
@@ -7398,14 +8894,14 @@
             </p:nvSpPr>
             <p:spPr>
               <a:xfrm>
-                <a:off x="5848856" y="3289444"/>
-                <a:ext cx="1312060" cy="280333"/>
+                <a:off x="6008282" y="3190155"/>
+                <a:ext cx="1161548" cy="280333"/>
               </a:xfrm>
               <a:prstGeom prst="rect">
                 <a:avLst/>
               </a:prstGeom>
               <a:blipFill>
-                <a:blip r:embed="rId8"/>
+                <a:blip r:embed="rId9"/>
                 <a:stretch>
                   <a:fillRect/>
                 </a:stretch>
@@ -7426,8 +8922,8 @@
           </p:sp>
         </mc:Fallback>
       </mc:AlternateContent>
-      <mc:AlternateContent xmlns:mc="http://schemas.openxmlformats.org/markup-compatibility/2006" xmlns:a14="http://schemas.microsoft.com/office/drawing/2010/main">
-        <mc:Choice Requires="a14">
+      <mc:AlternateContent xmlns:mc="http://schemas.openxmlformats.org/markup-compatibility/2006">
+        <mc:Choice xmlns:a14="http://schemas.microsoft.com/office/drawing/2010/main" Requires="a14">
           <p:sp>
             <p:nvSpPr>
               <p:cNvPr id="23" name="Textfeld 22">
@@ -7442,8 +8938,8 @@
             </p:nvSpPr>
             <p:spPr>
               <a:xfrm>
-                <a:off x="8772838" y="3115895"/>
-                <a:ext cx="1113693" cy="280333"/>
+                <a:off x="8749393" y="3190155"/>
+                <a:ext cx="1060477" cy="280333"/>
               </a:xfrm>
               <a:prstGeom prst="rect">
                 <a:avLst/>
@@ -7520,7 +9016,7 @@
             </p:txBody>
           </p:sp>
         </mc:Choice>
-        <mc:Fallback xmlns="">
+        <mc:Fallback>
           <p:sp>
             <p:nvSpPr>
               <p:cNvPr id="23" name="Textfeld 22">
@@ -7537,14 +9033,14 @@
             </p:nvSpPr>
             <p:spPr>
               <a:xfrm>
-                <a:off x="8772838" y="3115895"/>
-                <a:ext cx="1113693" cy="280333"/>
+                <a:off x="8749393" y="3190155"/>
+                <a:ext cx="1060477" cy="280333"/>
               </a:xfrm>
               <a:prstGeom prst="rect">
                 <a:avLst/>
               </a:prstGeom>
               <a:blipFill>
-                <a:blip r:embed="rId9"/>
+                <a:blip r:embed="rId10"/>
                 <a:stretch>
                   <a:fillRect/>
                 </a:stretch>
@@ -7565,8 +9061,8 @@
           </p:sp>
         </mc:Fallback>
       </mc:AlternateContent>
-      <mc:AlternateContent xmlns:mc="http://schemas.openxmlformats.org/markup-compatibility/2006" xmlns:a14="http://schemas.microsoft.com/office/drawing/2010/main">
-        <mc:Choice Requires="a14">
+      <mc:AlternateContent xmlns:mc="http://schemas.openxmlformats.org/markup-compatibility/2006">
+        <mc:Choice xmlns:a14="http://schemas.microsoft.com/office/drawing/2010/main" Requires="a14">
           <p:sp>
             <p:nvSpPr>
               <p:cNvPr id="24" name="Textfeld 23">
@@ -7581,8 +9077,8 @@
             </p:nvSpPr>
             <p:spPr>
               <a:xfrm>
-                <a:off x="10600005" y="3090866"/>
-                <a:ext cx="940192" cy="280333"/>
+                <a:off x="10510914" y="3190155"/>
+                <a:ext cx="912054" cy="280333"/>
               </a:xfrm>
               <a:prstGeom prst="rect">
                 <a:avLst/>
@@ -7653,7 +9149,7 @@
             </p:txBody>
           </p:sp>
         </mc:Choice>
-        <mc:Fallback xmlns="">
+        <mc:Fallback>
           <p:sp>
             <p:nvSpPr>
               <p:cNvPr id="24" name="Textfeld 23">
@@ -7670,14 +9166,14 @@
             </p:nvSpPr>
             <p:spPr>
               <a:xfrm>
-                <a:off x="10600005" y="3090866"/>
-                <a:ext cx="940192" cy="280333"/>
+                <a:off x="10510914" y="3190155"/>
+                <a:ext cx="912054" cy="280333"/>
               </a:xfrm>
               <a:prstGeom prst="rect">
                 <a:avLst/>
               </a:prstGeom>
               <a:blipFill>
-                <a:blip r:embed="rId10"/>
+                <a:blip r:embed="rId11"/>
                 <a:stretch>
                   <a:fillRect/>
                 </a:stretch>
@@ -7698,8 +9194,8 @@
           </p:sp>
         </mc:Fallback>
       </mc:AlternateContent>
-      <mc:AlternateContent xmlns:mc="http://schemas.openxmlformats.org/markup-compatibility/2006" xmlns:a14="http://schemas.microsoft.com/office/drawing/2010/main">
-        <mc:Choice Requires="a14">
+      <mc:AlternateContent xmlns:mc="http://schemas.openxmlformats.org/markup-compatibility/2006">
+        <mc:Choice xmlns:a14="http://schemas.microsoft.com/office/drawing/2010/main" Requires="a14">
           <p:sp>
             <p:nvSpPr>
               <p:cNvPr id="25" name="Textfeld 24">
@@ -7714,8 +9210,8 @@
             </p:nvSpPr>
             <p:spPr>
               <a:xfrm>
-                <a:off x="4394798" y="5341070"/>
-                <a:ext cx="1034098" cy="280333"/>
+                <a:off x="4399487" y="5312936"/>
+                <a:ext cx="931892" cy="280333"/>
               </a:xfrm>
               <a:prstGeom prst="rect">
                 <a:avLst/>
@@ -7786,7 +9282,7 @@
             </p:txBody>
           </p:sp>
         </mc:Choice>
-        <mc:Fallback xmlns="">
+        <mc:Fallback>
           <p:sp>
             <p:nvSpPr>
               <p:cNvPr id="25" name="Textfeld 24">
@@ -7803,14 +9299,14 @@
             </p:nvSpPr>
             <p:spPr>
               <a:xfrm>
-                <a:off x="4394798" y="5341070"/>
-                <a:ext cx="1034098" cy="280333"/>
+                <a:off x="4399487" y="5312936"/>
+                <a:ext cx="931892" cy="280333"/>
               </a:xfrm>
               <a:prstGeom prst="rect">
                 <a:avLst/>
               </a:prstGeom>
               <a:blipFill>
-                <a:blip r:embed="rId11"/>
+                <a:blip r:embed="rId12"/>
                 <a:stretch>
                   <a:fillRect/>
                 </a:stretch>
@@ -7831,8 +9327,8 @@
           </p:sp>
         </mc:Fallback>
       </mc:AlternateContent>
-      <mc:AlternateContent xmlns:mc="http://schemas.openxmlformats.org/markup-compatibility/2006" xmlns:a14="http://schemas.microsoft.com/office/drawing/2010/main">
-        <mc:Choice Requires="a14">
+      <mc:AlternateContent xmlns:mc="http://schemas.openxmlformats.org/markup-compatibility/2006">
+        <mc:Choice xmlns:a14="http://schemas.microsoft.com/office/drawing/2010/main" Requires="a14">
           <p:sp>
             <p:nvSpPr>
               <p:cNvPr id="26" name="Textfeld 25">
@@ -7847,8 +9343,8 @@
             </p:nvSpPr>
             <p:spPr>
               <a:xfrm>
-                <a:off x="663416" y="6354375"/>
-                <a:ext cx="1033267" cy="276999"/>
+                <a:off x="771265" y="6354375"/>
+                <a:ext cx="916855" cy="276999"/>
               </a:xfrm>
               <a:prstGeom prst="rect">
                 <a:avLst/>
@@ -7919,7 +9415,7 @@
             </p:txBody>
           </p:sp>
         </mc:Choice>
-        <mc:Fallback xmlns="">
+        <mc:Fallback>
           <p:sp>
             <p:nvSpPr>
               <p:cNvPr id="26" name="Textfeld 25">
@@ -7936,14 +9432,14 @@
             </p:nvSpPr>
             <p:spPr>
               <a:xfrm>
-                <a:off x="663416" y="6354375"/>
-                <a:ext cx="1033267" cy="276999"/>
+                <a:off x="771265" y="6354375"/>
+                <a:ext cx="916855" cy="276999"/>
               </a:xfrm>
               <a:prstGeom prst="rect">
                 <a:avLst/>
               </a:prstGeom>
               <a:blipFill>
-                <a:blip r:embed="rId12"/>
+                <a:blip r:embed="rId13"/>
                 <a:stretch>
                   <a:fillRect/>
                 </a:stretch>
@@ -7974,6 +9470,451 @@
   <p:clrMapOvr>
     <a:masterClrMapping/>
   </p:clrMapOvr>
+  <p:timing>
+    <p:tnLst>
+      <p:par>
+        <p:cTn id="1" dur="indefinite" restart="never" nodeType="tmRoot">
+          <p:childTnLst>
+            <p:seq concurrent="1" nextAc="seek">
+              <p:cTn id="2" dur="indefinite" nodeType="mainSeq">
+                <p:childTnLst>
+                  <p:par>
+                    <p:cTn id="3" fill="hold">
+                      <p:stCondLst>
+                        <p:cond delay="indefinite"/>
+                      </p:stCondLst>
+                      <p:childTnLst>
+                        <p:par>
+                          <p:cTn id="4" fill="hold">
+                            <p:stCondLst>
+                              <p:cond delay="0"/>
+                            </p:stCondLst>
+                            <p:childTnLst>
+                              <p:par>
+                                <p:cTn id="5" presetID="1" presetClass="entr" presetSubtype="0" fill="hold" grpId="0" nodeType="clickEffect">
+                                  <p:stCondLst>
+                                    <p:cond delay="0"/>
+                                  </p:stCondLst>
+                                  <p:childTnLst>
+                                    <p:set>
+                                      <p:cBhvr>
+                                        <p:cTn id="6" dur="1" fill="hold">
+                                          <p:stCondLst>
+                                            <p:cond delay="0"/>
+                                          </p:stCondLst>
+                                        </p:cTn>
+                                        <p:tgtEl>
+                                          <p:spTgt spid="3"/>
+                                        </p:tgtEl>
+                                        <p:attrNameLst>
+                                          <p:attrName>style.visibility</p:attrName>
+                                        </p:attrNameLst>
+                                      </p:cBhvr>
+                                      <p:to>
+                                        <p:strVal val="visible"/>
+                                      </p:to>
+                                    </p:set>
+                                  </p:childTnLst>
+                                </p:cTn>
+                              </p:par>
+                              <p:par>
+                                <p:cTn id="7" presetID="1" presetClass="entr" presetSubtype="0" fill="hold" nodeType="withEffect">
+                                  <p:stCondLst>
+                                    <p:cond delay="0"/>
+                                  </p:stCondLst>
+                                  <p:childTnLst>
+                                    <p:set>
+                                      <p:cBhvr>
+                                        <p:cTn id="8" dur="1" fill="hold">
+                                          <p:stCondLst>
+                                            <p:cond delay="0"/>
+                                          </p:stCondLst>
+                                        </p:cTn>
+                                        <p:tgtEl>
+                                          <p:spTgt spid="6"/>
+                                        </p:tgtEl>
+                                        <p:attrNameLst>
+                                          <p:attrName>style.visibility</p:attrName>
+                                        </p:attrNameLst>
+                                      </p:cBhvr>
+                                      <p:to>
+                                        <p:strVal val="visible"/>
+                                      </p:to>
+                                    </p:set>
+                                  </p:childTnLst>
+                                </p:cTn>
+                              </p:par>
+                              <p:par>
+                                <p:cTn id="9" presetID="1" presetClass="entr" presetSubtype="0" fill="hold" nodeType="withEffect">
+                                  <p:stCondLst>
+                                    <p:cond delay="0"/>
+                                  </p:stCondLst>
+                                  <p:childTnLst>
+                                    <p:set>
+                                      <p:cBhvr>
+                                        <p:cTn id="10" dur="1" fill="hold">
+                                          <p:stCondLst>
+                                            <p:cond delay="0"/>
+                                          </p:stCondLst>
+                                        </p:cTn>
+                                        <p:tgtEl>
+                                          <p:spTgt spid="12"/>
+                                        </p:tgtEl>
+                                        <p:attrNameLst>
+                                          <p:attrName>style.visibility</p:attrName>
+                                        </p:attrNameLst>
+                                      </p:cBhvr>
+                                      <p:to>
+                                        <p:strVal val="visible"/>
+                                      </p:to>
+                                    </p:set>
+                                  </p:childTnLst>
+                                </p:cTn>
+                              </p:par>
+                              <p:par>
+                                <p:cTn id="11" presetID="1" presetClass="entr" presetSubtype="0" fill="hold" grpId="0" nodeType="withEffect">
+                                  <p:stCondLst>
+                                    <p:cond delay="0"/>
+                                  </p:stCondLst>
+                                  <p:childTnLst>
+                                    <p:set>
+                                      <p:cBhvr>
+                                        <p:cTn id="12" dur="1" fill="hold">
+                                          <p:stCondLst>
+                                            <p:cond delay="0"/>
+                                          </p:stCondLst>
+                                        </p:cTn>
+                                        <p:tgtEl>
+                                          <p:spTgt spid="19"/>
+                                        </p:tgtEl>
+                                        <p:attrNameLst>
+                                          <p:attrName>style.visibility</p:attrName>
+                                        </p:attrNameLst>
+                                      </p:cBhvr>
+                                      <p:to>
+                                        <p:strVal val="visible"/>
+                                      </p:to>
+                                    </p:set>
+                                  </p:childTnLst>
+                                </p:cTn>
+                              </p:par>
+                              <p:par>
+                                <p:cTn id="13" presetID="1" presetClass="entr" presetSubtype="0" fill="hold" grpId="0" nodeType="withEffect">
+                                  <p:stCondLst>
+                                    <p:cond delay="0"/>
+                                  </p:stCondLst>
+                                  <p:childTnLst>
+                                    <p:set>
+                                      <p:cBhvr>
+                                        <p:cTn id="14" dur="1" fill="hold">
+                                          <p:stCondLst>
+                                            <p:cond delay="0"/>
+                                          </p:stCondLst>
+                                        </p:cTn>
+                                        <p:tgtEl>
+                                          <p:spTgt spid="21"/>
+                                        </p:tgtEl>
+                                        <p:attrNameLst>
+                                          <p:attrName>style.visibility</p:attrName>
+                                        </p:attrNameLst>
+                                      </p:cBhvr>
+                                      <p:to>
+                                        <p:strVal val="visible"/>
+                                      </p:to>
+                                    </p:set>
+                                  </p:childTnLst>
+                                </p:cTn>
+                              </p:par>
+                              <p:par>
+                                <p:cTn id="15" presetID="1" presetClass="entr" presetSubtype="0" fill="hold" grpId="0" nodeType="withEffect">
+                                  <p:stCondLst>
+                                    <p:cond delay="0"/>
+                                  </p:stCondLst>
+                                  <p:childTnLst>
+                                    <p:set>
+                                      <p:cBhvr>
+                                        <p:cTn id="16" dur="1" fill="hold">
+                                          <p:stCondLst>
+                                            <p:cond delay="0"/>
+                                          </p:stCondLst>
+                                        </p:cTn>
+                                        <p:tgtEl>
+                                          <p:spTgt spid="23"/>
+                                        </p:tgtEl>
+                                        <p:attrNameLst>
+                                          <p:attrName>style.visibility</p:attrName>
+                                        </p:attrNameLst>
+                                      </p:cBhvr>
+                                      <p:to>
+                                        <p:strVal val="visible"/>
+                                      </p:to>
+                                    </p:set>
+                                  </p:childTnLst>
+                                </p:cTn>
+                              </p:par>
+                              <p:par>
+                                <p:cTn id="17" presetID="1" presetClass="entr" presetSubtype="0" fill="hold" grpId="0" nodeType="withEffect">
+                                  <p:stCondLst>
+                                    <p:cond delay="0"/>
+                                  </p:stCondLst>
+                                  <p:childTnLst>
+                                    <p:set>
+                                      <p:cBhvr>
+                                        <p:cTn id="18" dur="1" fill="hold">
+                                          <p:stCondLst>
+                                            <p:cond delay="0"/>
+                                          </p:stCondLst>
+                                        </p:cTn>
+                                        <p:tgtEl>
+                                          <p:spTgt spid="24"/>
+                                        </p:tgtEl>
+                                        <p:attrNameLst>
+                                          <p:attrName>style.visibility</p:attrName>
+                                        </p:attrNameLst>
+                                      </p:cBhvr>
+                                      <p:to>
+                                        <p:strVal val="visible"/>
+                                      </p:to>
+                                    </p:set>
+                                  </p:childTnLst>
+                                </p:cTn>
+                              </p:par>
+                            </p:childTnLst>
+                          </p:cTn>
+                        </p:par>
+                      </p:childTnLst>
+                    </p:cTn>
+                  </p:par>
+                  <p:par>
+                    <p:cTn id="19" fill="hold">
+                      <p:stCondLst>
+                        <p:cond delay="indefinite"/>
+                      </p:stCondLst>
+                      <p:childTnLst>
+                        <p:par>
+                          <p:cTn id="20" fill="hold">
+                            <p:stCondLst>
+                              <p:cond delay="0"/>
+                            </p:stCondLst>
+                            <p:childTnLst>
+                              <p:par>
+                                <p:cTn id="21" presetID="1" presetClass="entr" presetSubtype="0" fill="hold" nodeType="clickEffect">
+                                  <p:stCondLst>
+                                    <p:cond delay="0"/>
+                                  </p:stCondLst>
+                                  <p:childTnLst>
+                                    <p:set>
+                                      <p:cBhvr>
+                                        <p:cTn id="22" dur="1" fill="hold">
+                                          <p:stCondLst>
+                                            <p:cond delay="0"/>
+                                          </p:stCondLst>
+                                        </p:cTn>
+                                        <p:tgtEl>
+                                          <p:spTgt spid="14"/>
+                                        </p:tgtEl>
+                                        <p:attrNameLst>
+                                          <p:attrName>style.visibility</p:attrName>
+                                        </p:attrNameLst>
+                                      </p:cBhvr>
+                                      <p:to>
+                                        <p:strVal val="visible"/>
+                                      </p:to>
+                                    </p:set>
+                                  </p:childTnLst>
+                                </p:cTn>
+                              </p:par>
+                              <p:par>
+                                <p:cTn id="23" presetID="1" presetClass="entr" presetSubtype="0" fill="hold" grpId="0" nodeType="withEffect">
+                                  <p:stCondLst>
+                                    <p:cond delay="0"/>
+                                  </p:stCondLst>
+                                  <p:childTnLst>
+                                    <p:set>
+                                      <p:cBhvr>
+                                        <p:cTn id="24" dur="1" fill="hold">
+                                          <p:stCondLst>
+                                            <p:cond delay="0"/>
+                                          </p:stCondLst>
+                                        </p:cTn>
+                                        <p:tgtEl>
+                                          <p:spTgt spid="8"/>
+                                        </p:tgtEl>
+                                        <p:attrNameLst>
+                                          <p:attrName>style.visibility</p:attrName>
+                                        </p:attrNameLst>
+                                      </p:cBhvr>
+                                      <p:to>
+                                        <p:strVal val="visible"/>
+                                      </p:to>
+                                    </p:set>
+                                  </p:childTnLst>
+                                </p:cTn>
+                              </p:par>
+                              <p:par>
+                                <p:cTn id="25" presetID="1" presetClass="entr" presetSubtype="0" fill="hold" nodeType="withEffect">
+                                  <p:stCondLst>
+                                    <p:cond delay="0"/>
+                                  </p:stCondLst>
+                                  <p:childTnLst>
+                                    <p:set>
+                                      <p:cBhvr>
+                                        <p:cTn id="26" dur="1" fill="hold">
+                                          <p:stCondLst>
+                                            <p:cond delay="0"/>
+                                          </p:stCondLst>
+                                        </p:cTn>
+                                        <p:tgtEl>
+                                          <p:spTgt spid="16"/>
+                                        </p:tgtEl>
+                                        <p:attrNameLst>
+                                          <p:attrName>style.visibility</p:attrName>
+                                        </p:attrNameLst>
+                                      </p:cBhvr>
+                                      <p:to>
+                                        <p:strVal val="visible"/>
+                                      </p:to>
+                                    </p:set>
+                                  </p:childTnLst>
+                                </p:cTn>
+                              </p:par>
+                              <p:par>
+                                <p:cTn id="27" presetID="1" presetClass="entr" presetSubtype="0" fill="hold" grpId="0" nodeType="withEffect">
+                                  <p:stCondLst>
+                                    <p:cond delay="0"/>
+                                  </p:stCondLst>
+                                  <p:childTnLst>
+                                    <p:set>
+                                      <p:cBhvr>
+                                        <p:cTn id="28" dur="1" fill="hold">
+                                          <p:stCondLst>
+                                            <p:cond delay="0"/>
+                                          </p:stCondLst>
+                                        </p:cTn>
+                                        <p:tgtEl>
+                                          <p:spTgt spid="25"/>
+                                        </p:tgtEl>
+                                        <p:attrNameLst>
+                                          <p:attrName>style.visibility</p:attrName>
+                                        </p:attrNameLst>
+                                      </p:cBhvr>
+                                      <p:to>
+                                        <p:strVal val="visible"/>
+                                      </p:to>
+                                    </p:set>
+                                  </p:childTnLst>
+                                </p:cTn>
+                              </p:par>
+                            </p:childTnLst>
+                          </p:cTn>
+                        </p:par>
+                      </p:childTnLst>
+                    </p:cTn>
+                  </p:par>
+                  <p:par>
+                    <p:cTn id="29" fill="hold">
+                      <p:stCondLst>
+                        <p:cond delay="indefinite"/>
+                      </p:stCondLst>
+                      <p:childTnLst>
+                        <p:par>
+                          <p:cTn id="30" fill="hold">
+                            <p:stCondLst>
+                              <p:cond delay="0"/>
+                            </p:stCondLst>
+                            <p:childTnLst>
+                              <p:par>
+                                <p:cTn id="31" presetID="1" presetClass="entr" presetSubtype="0" fill="hold" nodeType="clickEffect">
+                                  <p:stCondLst>
+                                    <p:cond delay="0"/>
+                                  </p:stCondLst>
+                                  <p:childTnLst>
+                                    <p:set>
+                                      <p:cBhvr>
+                                        <p:cTn id="32" dur="1" fill="hold">
+                                          <p:stCondLst>
+                                            <p:cond delay="0"/>
+                                          </p:stCondLst>
+                                        </p:cTn>
+                                        <p:tgtEl>
+                                          <p:spTgt spid="18"/>
+                                        </p:tgtEl>
+                                        <p:attrNameLst>
+                                          <p:attrName>style.visibility</p:attrName>
+                                        </p:attrNameLst>
+                                      </p:cBhvr>
+                                      <p:to>
+                                        <p:strVal val="visible"/>
+                                      </p:to>
+                                    </p:set>
+                                  </p:childTnLst>
+                                </p:cTn>
+                              </p:par>
+                              <p:par>
+                                <p:cTn id="33" presetID="1" presetClass="entr" presetSubtype="0" fill="hold" grpId="0" nodeType="withEffect">
+                                  <p:stCondLst>
+                                    <p:cond delay="0"/>
+                                  </p:stCondLst>
+                                  <p:childTnLst>
+                                    <p:set>
+                                      <p:cBhvr>
+                                        <p:cTn id="34" dur="1" fill="hold">
+                                          <p:stCondLst>
+                                            <p:cond delay="0"/>
+                                          </p:stCondLst>
+                                        </p:cTn>
+                                        <p:tgtEl>
+                                          <p:spTgt spid="26"/>
+                                        </p:tgtEl>
+                                        <p:attrNameLst>
+                                          <p:attrName>style.visibility</p:attrName>
+                                        </p:attrNameLst>
+                                      </p:cBhvr>
+                                      <p:to>
+                                        <p:strVal val="visible"/>
+                                      </p:to>
+                                    </p:set>
+                                  </p:childTnLst>
+                                </p:cTn>
+                              </p:par>
+                            </p:childTnLst>
+                          </p:cTn>
+                        </p:par>
+                      </p:childTnLst>
+                    </p:cTn>
+                  </p:par>
+                </p:childTnLst>
+              </p:cTn>
+              <p:prevCondLst>
+                <p:cond evt="onPrev" delay="0">
+                  <p:tgtEl>
+                    <p:sldTgt/>
+                  </p:tgtEl>
+                </p:cond>
+              </p:prevCondLst>
+              <p:nextCondLst>
+                <p:cond evt="onNext" delay="0">
+                  <p:tgtEl>
+                    <p:sldTgt/>
+                  </p:tgtEl>
+                </p:cond>
+              </p:nextCondLst>
+            </p:seq>
+          </p:childTnLst>
+        </p:cTn>
+      </p:par>
+    </p:tnLst>
+    <p:bldLst>
+      <p:bldP spid="3" grpId="0" animBg="1"/>
+      <p:bldP spid="8" grpId="0" animBg="1"/>
+      <p:bldP spid="19" grpId="0"/>
+      <p:bldP spid="21" grpId="0"/>
+      <p:bldP spid="23" grpId="0"/>
+      <p:bldP spid="24" grpId="0"/>
+      <p:bldP spid="25" grpId="0"/>
+      <p:bldP spid="26" grpId="0"/>
+    </p:bldLst>
+  </p:timing>
 </p:sld>
 </file>
 
@@ -8024,7 +9965,7 @@
             </a:br>
             <a:r>
               <a:rPr lang="de-DE" sz="2400" dirty="0"/>
-              <a:t>Backpropagation für ein einziges Input: Zielgleichungen</a:t>
+              <a:t>Backpropagation für ein einziges Datum: Zielgleichungen</a:t>
             </a:r>
             <a:endParaRPr lang="de-DE" dirty="0"/>
           </a:p>

--- a/theory/submission/result_presentation.pptx
+++ b/theory/submission/result_presentation.pptx
@@ -5,7 +5,7 @@
     <p:sldMasterId id="2147483648" r:id="rId1"/>
   </p:sldMasterIdLst>
   <p:notesMasterIdLst>
-    <p:notesMasterId r:id="rId19"/>
+    <p:notesMasterId r:id="rId21"/>
   </p:notesMasterIdLst>
   <p:sldIdLst>
     <p:sldId id="256" r:id="rId2"/>
@@ -16,15 +16,17 @@
     <p:sldId id="261" r:id="rId7"/>
     <p:sldId id="262" r:id="rId8"/>
     <p:sldId id="263" r:id="rId9"/>
-    <p:sldId id="264" r:id="rId10"/>
-    <p:sldId id="267" r:id="rId11"/>
-    <p:sldId id="268" r:id="rId12"/>
-    <p:sldId id="269" r:id="rId13"/>
-    <p:sldId id="270" r:id="rId14"/>
-    <p:sldId id="271" r:id="rId15"/>
-    <p:sldId id="272" r:id="rId16"/>
-    <p:sldId id="273" r:id="rId17"/>
-    <p:sldId id="274" r:id="rId18"/>
+    <p:sldId id="277" r:id="rId10"/>
+    <p:sldId id="264" r:id="rId11"/>
+    <p:sldId id="267" r:id="rId12"/>
+    <p:sldId id="268" r:id="rId13"/>
+    <p:sldId id="269" r:id="rId14"/>
+    <p:sldId id="270" r:id="rId15"/>
+    <p:sldId id="271" r:id="rId16"/>
+    <p:sldId id="272" r:id="rId17"/>
+    <p:sldId id="273" r:id="rId18"/>
+    <p:sldId id="276" r:id="rId19"/>
+    <p:sldId id="274" r:id="rId20"/>
   </p:sldIdLst>
   <p:sldSz cx="12192000" cy="6858000"/>
   <p:notesSz cx="6858000" cy="9144000"/>
@@ -993,15 +995,7 @@
             </a:pPr>
             <a:r>
               <a:rPr lang="de-DE" dirty="0"/>
-              <a:t>Gewichte und </a:t>
-            </a:r>
-            <a:r>
-              <a:rPr lang="de-DE" dirty="0" err="1"/>
-              <a:t>Biases</a:t>
-            </a:r>
-            <a:r>
-              <a:rPr lang="de-DE" dirty="0"/>
-              <a:t> werden batch-size mal </a:t>
+              <a:t>Gewichte und Biases werden batch-size mal </a:t>
             </a:r>
             <a:r>
               <a:rPr lang="de-DE" dirty="0" err="1"/>
@@ -1048,6 +1042,386 @@
     <p:extLst>
       <p:ext uri="{BB962C8B-B14F-4D97-AF65-F5344CB8AC3E}">
         <p14:creationId xmlns:p14="http://schemas.microsoft.com/office/powerpoint/2010/main" val="600352985"/>
+      </p:ext>
+    </p:extLst>
+  </p:cSld>
+  <p:clrMapOvr>
+    <a:masterClrMapping/>
+  </p:clrMapOvr>
+</p:notes>
+</file>
+
+<file path=ppt/notesSlides/notesSlide6.xml><?xml version="1.0" encoding="utf-8"?>
+<p:notes xmlns:a="http://schemas.openxmlformats.org/drawingml/2006/main" xmlns:r="http://schemas.openxmlformats.org/officeDocument/2006/relationships" xmlns:p="http://schemas.openxmlformats.org/presentationml/2006/main">
+  <p:cSld>
+    <p:spTree>
+      <p:nvGrpSpPr>
+        <p:cNvPr id="1" name=""/>
+        <p:cNvGrpSpPr/>
+        <p:nvPr/>
+      </p:nvGrpSpPr>
+      <p:grpSpPr>
+        <a:xfrm>
+          <a:off x="0" y="0"/>
+          <a:ext cx="0" cy="0"/>
+          <a:chOff x="0" y="0"/>
+          <a:chExt cx="0" cy="0"/>
+        </a:xfrm>
+      </p:grpSpPr>
+      <p:sp>
+        <p:nvSpPr>
+          <p:cNvPr id="2" name="Slide Image Placeholder 1"/>
+          <p:cNvSpPr>
+            <a:spLocks noGrp="1" noRot="1" noChangeAspect="1"/>
+          </p:cNvSpPr>
+          <p:nvPr>
+            <p:ph type="sldImg"/>
+          </p:nvPr>
+        </p:nvSpPr>
+        <p:spPr/>
+      </p:sp>
+      <p:sp>
+        <p:nvSpPr>
+          <p:cNvPr id="3" name="Notes Placeholder 2"/>
+          <p:cNvSpPr>
+            <a:spLocks noGrp="1"/>
+          </p:cNvSpPr>
+          <p:nvPr>
+            <p:ph type="body" idx="1"/>
+          </p:nvPr>
+        </p:nvSpPr>
+        <p:spPr/>
+        <p:txBody>
+          <a:bodyPr/>
+          <a:lstStyle/>
+          <a:p>
+            <a:pPr marL="171450" indent="-171450">
+              <a:buFont typeface="Arial" panose="020B0604020202020204" pitchFamily="34" charset="0"/>
+              <a:buChar char="•"/>
+            </a:pPr>
+            <a:r>
+              <a:rPr lang="de-DE" dirty="0"/>
+              <a:t>Vor der Herleitung der Gleichungen für ein Batch von Daten habe ich den Fehler (\</a:t>
+            </a:r>
+            <a:r>
+              <a:rPr lang="de-DE" dirty="0" err="1"/>
+              <a:t>delta^l</a:t>
+            </a:r>
+            <a:r>
+              <a:rPr lang="de-DE" dirty="0"/>
+              <a:t>)^T in \</a:t>
+            </a:r>
+            <a:r>
+              <a:rPr lang="de-DE" dirty="0" err="1"/>
+              <a:t>delta^l</a:t>
+            </a:r>
+            <a:r>
+              <a:rPr lang="de-DE" dirty="0"/>
+              <a:t> transponiert um mit der Notation der Forwardpropagation konform zu bleiben</a:t>
+            </a:r>
+          </a:p>
+        </p:txBody>
+      </p:sp>
+      <p:sp>
+        <p:nvSpPr>
+          <p:cNvPr id="4" name="Slide Number Placeholder 3"/>
+          <p:cNvSpPr>
+            <a:spLocks noGrp="1"/>
+          </p:cNvSpPr>
+          <p:nvPr>
+            <p:ph type="sldNum" sz="quarter" idx="5"/>
+          </p:nvPr>
+        </p:nvSpPr>
+        <p:spPr/>
+        <p:txBody>
+          <a:bodyPr/>
+          <a:lstStyle/>
+          <a:p>
+            <a:fld id="{D4C12A24-BF94-4906-B274-F5BF4D611E23}" type="slidenum">
+              <a:rPr lang="de-DE" smtClean="0"/>
+              <a:t>7</a:t>
+            </a:fld>
+            <a:endParaRPr lang="de-DE"/>
+          </a:p>
+        </p:txBody>
+      </p:sp>
+    </p:spTree>
+    <p:extLst>
+      <p:ext uri="{BB962C8B-B14F-4D97-AF65-F5344CB8AC3E}">
+        <p14:creationId xmlns:p14="http://schemas.microsoft.com/office/powerpoint/2010/main" val="1298881915"/>
+      </p:ext>
+    </p:extLst>
+  </p:cSld>
+  <p:clrMapOvr>
+    <a:masterClrMapping/>
+  </p:clrMapOvr>
+</p:notes>
+</file>
+
+<file path=ppt/notesSlides/notesSlide7.xml><?xml version="1.0" encoding="utf-8"?>
+<p:notes xmlns:a="http://schemas.openxmlformats.org/drawingml/2006/main" xmlns:r="http://schemas.openxmlformats.org/officeDocument/2006/relationships" xmlns:p="http://schemas.openxmlformats.org/presentationml/2006/main">
+  <p:cSld>
+    <p:spTree>
+      <p:nvGrpSpPr>
+        <p:cNvPr id="1" name=""/>
+        <p:cNvGrpSpPr/>
+        <p:nvPr/>
+      </p:nvGrpSpPr>
+      <p:grpSpPr>
+        <a:xfrm>
+          <a:off x="0" y="0"/>
+          <a:ext cx="0" cy="0"/>
+          <a:chOff x="0" y="0"/>
+          <a:chExt cx="0" cy="0"/>
+        </a:xfrm>
+      </p:grpSpPr>
+      <p:sp>
+        <p:nvSpPr>
+          <p:cNvPr id="2" name="Slide Image Placeholder 1"/>
+          <p:cNvSpPr>
+            <a:spLocks noGrp="1" noRot="1" noChangeAspect="1"/>
+          </p:cNvSpPr>
+          <p:nvPr>
+            <p:ph type="sldImg"/>
+          </p:nvPr>
+        </p:nvSpPr>
+        <p:spPr/>
+      </p:sp>
+      <p:sp>
+        <p:nvSpPr>
+          <p:cNvPr id="3" name="Notes Placeholder 2"/>
+          <p:cNvSpPr>
+            <a:spLocks noGrp="1"/>
+          </p:cNvSpPr>
+          <p:nvPr>
+            <p:ph type="body" idx="1"/>
+          </p:nvPr>
+        </p:nvSpPr>
+        <p:spPr/>
+        <p:txBody>
+          <a:bodyPr/>
+          <a:lstStyle/>
+          <a:p>
+            <a:pPr marL="171450" indent="-171450">
+              <a:buFont typeface="Arial" panose="020B0604020202020204" pitchFamily="34" charset="0"/>
+              <a:buChar char="•"/>
+            </a:pPr>
+            <a:r>
+              <a:rPr lang="de-DE" dirty="0"/>
+              <a:t>Auf die Dimensionen eingehen</a:t>
+            </a:r>
+          </a:p>
+        </p:txBody>
+      </p:sp>
+      <p:sp>
+        <p:nvSpPr>
+          <p:cNvPr id="4" name="Slide Number Placeholder 3"/>
+          <p:cNvSpPr>
+            <a:spLocks noGrp="1"/>
+          </p:cNvSpPr>
+          <p:nvPr>
+            <p:ph type="sldNum" sz="quarter" idx="5"/>
+          </p:nvPr>
+        </p:nvSpPr>
+        <p:spPr/>
+        <p:txBody>
+          <a:bodyPr/>
+          <a:lstStyle/>
+          <a:p>
+            <a:fld id="{D4C12A24-BF94-4906-B274-F5BF4D611E23}" type="slidenum">
+              <a:rPr lang="de-DE" smtClean="0"/>
+              <a:t>8</a:t>
+            </a:fld>
+            <a:endParaRPr lang="de-DE"/>
+          </a:p>
+        </p:txBody>
+      </p:sp>
+    </p:spTree>
+    <p:extLst>
+      <p:ext uri="{BB962C8B-B14F-4D97-AF65-F5344CB8AC3E}">
+        <p14:creationId xmlns:p14="http://schemas.microsoft.com/office/powerpoint/2010/main" val="3502442875"/>
+      </p:ext>
+    </p:extLst>
+  </p:cSld>
+  <p:clrMapOvr>
+    <a:masterClrMapping/>
+  </p:clrMapOvr>
+</p:notes>
+</file>
+
+<file path=ppt/notesSlides/notesSlide8.xml><?xml version="1.0" encoding="utf-8"?>
+<p:notes xmlns:a="http://schemas.openxmlformats.org/drawingml/2006/main" xmlns:r="http://schemas.openxmlformats.org/officeDocument/2006/relationships" xmlns:p="http://schemas.openxmlformats.org/presentationml/2006/main">
+  <p:cSld>
+    <p:spTree>
+      <p:nvGrpSpPr>
+        <p:cNvPr id="1" name=""/>
+        <p:cNvGrpSpPr/>
+        <p:nvPr/>
+      </p:nvGrpSpPr>
+      <p:grpSpPr>
+        <a:xfrm>
+          <a:off x="0" y="0"/>
+          <a:ext cx="0" cy="0"/>
+          <a:chOff x="0" y="0"/>
+          <a:chExt cx="0" cy="0"/>
+        </a:xfrm>
+      </p:grpSpPr>
+      <p:sp>
+        <p:nvSpPr>
+          <p:cNvPr id="2" name="Slide Image Placeholder 1"/>
+          <p:cNvSpPr>
+            <a:spLocks noGrp="1" noRot="1" noChangeAspect="1"/>
+          </p:cNvSpPr>
+          <p:nvPr>
+            <p:ph type="sldImg"/>
+          </p:nvPr>
+        </p:nvSpPr>
+        <p:spPr/>
+      </p:sp>
+      <p:sp>
+        <p:nvSpPr>
+          <p:cNvPr id="3" name="Notes Placeholder 2"/>
+          <p:cNvSpPr>
+            <a:spLocks noGrp="1"/>
+          </p:cNvSpPr>
+          <p:nvPr>
+            <p:ph type="body" idx="1"/>
+          </p:nvPr>
+        </p:nvSpPr>
+        <p:spPr/>
+        <p:txBody>
+          <a:bodyPr/>
+          <a:lstStyle/>
+          <a:p>
+            <a:pPr marL="171450" indent="-171450">
+              <a:buFont typeface="Arial" panose="020B0604020202020204" pitchFamily="34" charset="0"/>
+              <a:buChar char="•"/>
+            </a:pPr>
+            <a:r>
+              <a:rPr lang="de-DE" dirty="0"/>
+              <a:t>Auf die Dimensionen eingehen</a:t>
+            </a:r>
+          </a:p>
+        </p:txBody>
+      </p:sp>
+      <p:sp>
+        <p:nvSpPr>
+          <p:cNvPr id="4" name="Slide Number Placeholder 3"/>
+          <p:cNvSpPr>
+            <a:spLocks noGrp="1"/>
+          </p:cNvSpPr>
+          <p:nvPr>
+            <p:ph type="sldNum" sz="quarter" idx="5"/>
+          </p:nvPr>
+        </p:nvSpPr>
+        <p:spPr/>
+        <p:txBody>
+          <a:bodyPr/>
+          <a:lstStyle/>
+          <a:p>
+            <a:fld id="{D4C12A24-BF94-4906-B274-F5BF4D611E23}" type="slidenum">
+              <a:rPr lang="de-DE" smtClean="0"/>
+              <a:t>9</a:t>
+            </a:fld>
+            <a:endParaRPr lang="de-DE"/>
+          </a:p>
+        </p:txBody>
+      </p:sp>
+    </p:spTree>
+    <p:extLst>
+      <p:ext uri="{BB962C8B-B14F-4D97-AF65-F5344CB8AC3E}">
+        <p14:creationId xmlns:p14="http://schemas.microsoft.com/office/powerpoint/2010/main" val="3801403234"/>
+      </p:ext>
+    </p:extLst>
+  </p:cSld>
+  <p:clrMapOvr>
+    <a:masterClrMapping/>
+  </p:clrMapOvr>
+</p:notes>
+</file>
+
+<file path=ppt/notesSlides/notesSlide9.xml><?xml version="1.0" encoding="utf-8"?>
+<p:notes xmlns:a="http://schemas.openxmlformats.org/drawingml/2006/main" xmlns:r="http://schemas.openxmlformats.org/officeDocument/2006/relationships" xmlns:p="http://schemas.openxmlformats.org/presentationml/2006/main">
+  <p:cSld>
+    <p:spTree>
+      <p:nvGrpSpPr>
+        <p:cNvPr id="1" name=""/>
+        <p:cNvGrpSpPr/>
+        <p:nvPr/>
+      </p:nvGrpSpPr>
+      <p:grpSpPr>
+        <a:xfrm>
+          <a:off x="0" y="0"/>
+          <a:ext cx="0" cy="0"/>
+          <a:chOff x="0" y="0"/>
+          <a:chExt cx="0" cy="0"/>
+        </a:xfrm>
+      </p:grpSpPr>
+      <p:sp>
+        <p:nvSpPr>
+          <p:cNvPr id="2" name="Slide Image Placeholder 1"/>
+          <p:cNvSpPr>
+            <a:spLocks noGrp="1" noRot="1" noChangeAspect="1"/>
+          </p:cNvSpPr>
+          <p:nvPr>
+            <p:ph type="sldImg"/>
+          </p:nvPr>
+        </p:nvSpPr>
+        <p:spPr/>
+      </p:sp>
+      <p:sp>
+        <p:nvSpPr>
+          <p:cNvPr id="3" name="Notes Placeholder 2"/>
+          <p:cNvSpPr>
+            <a:spLocks noGrp="1"/>
+          </p:cNvSpPr>
+          <p:nvPr>
+            <p:ph type="body" idx="1"/>
+          </p:nvPr>
+        </p:nvSpPr>
+        <p:spPr/>
+        <p:txBody>
+          <a:bodyPr/>
+          <a:lstStyle/>
+          <a:p>
+            <a:pPr marL="171450" indent="-171450">
+              <a:buFont typeface="Arial" panose="020B0604020202020204" pitchFamily="34" charset="0"/>
+              <a:buChar char="•"/>
+            </a:pPr>
+            <a:r>
+              <a:rPr lang="de-DE" dirty="0"/>
+              <a:t>Kurz erklären, wie der Backpropagation Algorithmus abläuft</a:t>
+            </a:r>
+          </a:p>
+        </p:txBody>
+      </p:sp>
+      <p:sp>
+        <p:nvSpPr>
+          <p:cNvPr id="4" name="Slide Number Placeholder 3"/>
+          <p:cNvSpPr>
+            <a:spLocks noGrp="1"/>
+          </p:cNvSpPr>
+          <p:nvPr>
+            <p:ph type="sldNum" sz="quarter" idx="5"/>
+          </p:nvPr>
+        </p:nvSpPr>
+        <p:spPr/>
+        <p:txBody>
+          <a:bodyPr/>
+          <a:lstStyle/>
+          <a:p>
+            <a:fld id="{D4C12A24-BF94-4906-B274-F5BF4D611E23}" type="slidenum">
+              <a:rPr lang="de-DE" smtClean="0"/>
+              <a:t>18</a:t>
+            </a:fld>
+            <a:endParaRPr lang="de-DE"/>
+          </a:p>
+        </p:txBody>
+      </p:sp>
+    </p:spTree>
+    <p:extLst>
+      <p:ext uri="{BB962C8B-B14F-4D97-AF65-F5344CB8AC3E}">
+        <p14:creationId xmlns:p14="http://schemas.microsoft.com/office/powerpoint/2010/main" val="3675257778"/>
       </p:ext>
     </p:extLst>
   </p:cSld>
@@ -4400,6 +4774,361 @@
         <p:spPr/>
         <p:txBody>
           <a:bodyPr>
+            <a:normAutofit/>
+          </a:bodyPr>
+          <a:lstStyle/>
+          <a:p>
+            <a:r>
+              <a:rPr lang="de-DE" dirty="0"/>
+              <a:t>Mathematische Herleitungen</a:t>
+            </a:r>
+            <a:br>
+              <a:rPr lang="de-DE" dirty="0"/>
+            </a:br>
+            <a:r>
+              <a:rPr lang="de-DE" sz="2400" dirty="0"/>
+              <a:t>Fehler bei einem beliebigem Hidden Layer für ein Datum</a:t>
+            </a:r>
+            <a:endParaRPr lang="de-DE" dirty="0"/>
+          </a:p>
+        </p:txBody>
+      </p:sp>
+      <p:pic>
+        <p:nvPicPr>
+          <p:cNvPr id="4" name="Grafik 3">
+            <a:extLst>
+              <a:ext uri="{FF2B5EF4-FFF2-40B4-BE49-F238E27FC236}">
+                <a16:creationId xmlns:a16="http://schemas.microsoft.com/office/drawing/2014/main" id="{B6D84905-5699-45F5-99AD-F3AA611AAD0A}"/>
+              </a:ext>
+            </a:extLst>
+          </p:cNvPr>
+          <p:cNvPicPr>
+            <a:picLocks noChangeAspect="1"/>
+          </p:cNvPicPr>
+          <p:nvPr/>
+        </p:nvPicPr>
+        <p:blipFill>
+          <a:blip r:embed="rId2"/>
+          <a:stretch>
+            <a:fillRect/>
+          </a:stretch>
+        </p:blipFill>
+        <p:spPr>
+          <a:xfrm>
+            <a:off x="1292398" y="2195850"/>
+            <a:ext cx="3312129" cy="620225"/>
+          </a:xfrm>
+          <a:prstGeom prst="rect">
+            <a:avLst/>
+          </a:prstGeom>
+        </p:spPr>
+      </p:pic>
+      <p:pic>
+        <p:nvPicPr>
+          <p:cNvPr id="19" name="Grafik 18">
+            <a:extLst>
+              <a:ext uri="{FF2B5EF4-FFF2-40B4-BE49-F238E27FC236}">
+                <a16:creationId xmlns:a16="http://schemas.microsoft.com/office/drawing/2014/main" id="{4D536E9C-8FF4-43AD-AC5A-261C3A8E28AD}"/>
+              </a:ext>
+            </a:extLst>
+          </p:cNvPr>
+          <p:cNvPicPr>
+            <a:picLocks noChangeAspect="1"/>
+          </p:cNvPicPr>
+          <p:nvPr/>
+        </p:nvPicPr>
+        <p:blipFill>
+          <a:blip r:embed="rId3"/>
+          <a:stretch>
+            <a:fillRect/>
+          </a:stretch>
+        </p:blipFill>
+        <p:spPr>
+          <a:xfrm>
+            <a:off x="5122552" y="2249716"/>
+            <a:ext cx="2581203" cy="512491"/>
+          </a:xfrm>
+          <a:prstGeom prst="rect">
+            <a:avLst/>
+          </a:prstGeom>
+        </p:spPr>
+      </p:pic>
+      <p:pic>
+        <p:nvPicPr>
+          <p:cNvPr id="21" name="Grafik 20">
+            <a:extLst>
+              <a:ext uri="{FF2B5EF4-FFF2-40B4-BE49-F238E27FC236}">
+                <a16:creationId xmlns:a16="http://schemas.microsoft.com/office/drawing/2014/main" id="{A5B9432D-5B2E-45E9-B433-BC2917CE174B}"/>
+              </a:ext>
+            </a:extLst>
+          </p:cNvPr>
+          <p:cNvPicPr>
+            <a:picLocks noChangeAspect="1"/>
+          </p:cNvPicPr>
+          <p:nvPr/>
+        </p:nvPicPr>
+        <p:blipFill>
+          <a:blip r:embed="rId4"/>
+          <a:stretch>
+            <a:fillRect/>
+          </a:stretch>
+        </p:blipFill>
+        <p:spPr>
+          <a:xfrm>
+            <a:off x="769035" y="3460964"/>
+            <a:ext cx="6413860" cy="1325562"/>
+          </a:xfrm>
+          <a:prstGeom prst="rect">
+            <a:avLst/>
+          </a:prstGeom>
+        </p:spPr>
+      </p:pic>
+      <p:pic>
+        <p:nvPicPr>
+          <p:cNvPr id="23" name="Grafik 22">
+            <a:extLst>
+              <a:ext uri="{FF2B5EF4-FFF2-40B4-BE49-F238E27FC236}">
+                <a16:creationId xmlns:a16="http://schemas.microsoft.com/office/drawing/2014/main" id="{6533EA64-7F53-4E6F-985B-F916024058D5}"/>
+              </a:ext>
+            </a:extLst>
+          </p:cNvPr>
+          <p:cNvPicPr>
+            <a:picLocks noChangeAspect="1"/>
+          </p:cNvPicPr>
+          <p:nvPr/>
+        </p:nvPicPr>
+        <p:blipFill rotWithShape="1">
+          <a:blip r:embed="rId5"/>
+          <a:srcRect b="6231"/>
+          <a:stretch/>
+        </p:blipFill>
+        <p:spPr>
+          <a:xfrm>
+            <a:off x="769035" y="5152588"/>
+            <a:ext cx="6349884" cy="1068168"/>
+          </a:xfrm>
+          <a:prstGeom prst="rect">
+            <a:avLst/>
+          </a:prstGeom>
+        </p:spPr>
+      </p:pic>
+      <p:sp>
+        <p:nvSpPr>
+          <p:cNvPr id="24" name="Geschweifte Klammer rechts 23">
+            <a:extLst>
+              <a:ext uri="{FF2B5EF4-FFF2-40B4-BE49-F238E27FC236}">
+                <a16:creationId xmlns:a16="http://schemas.microsoft.com/office/drawing/2014/main" id="{7A16E7DD-2999-49A6-B47A-2E4F38F01F50}"/>
+              </a:ext>
+            </a:extLst>
+          </p:cNvPr>
+          <p:cNvSpPr/>
+          <p:nvPr/>
+        </p:nvSpPr>
+        <p:spPr>
+          <a:xfrm>
+            <a:off x="7300126" y="3460964"/>
+            <a:ext cx="362077" cy="2470913"/>
+          </a:xfrm>
+          <a:prstGeom prst="rightBrace">
+            <a:avLst/>
+          </a:prstGeom>
+          <a:ln>
+            <a:solidFill>
+              <a:schemeClr val="tx1"/>
+            </a:solidFill>
+          </a:ln>
+        </p:spPr>
+        <p:style>
+          <a:lnRef idx="1">
+            <a:schemeClr val="accent1"/>
+          </a:lnRef>
+          <a:fillRef idx="0">
+            <a:schemeClr val="accent1"/>
+          </a:fillRef>
+          <a:effectRef idx="0">
+            <a:schemeClr val="accent1"/>
+          </a:effectRef>
+          <a:fontRef idx="minor">
+            <a:schemeClr val="tx1"/>
+          </a:fontRef>
+        </p:style>
+        <p:txBody>
+          <a:bodyPr rtlCol="0" anchor="ctr"/>
+          <a:lstStyle/>
+          <a:p>
+            <a:pPr algn="ctr"/>
+            <a:endParaRPr lang="de-DE"/>
+          </a:p>
+        </p:txBody>
+      </p:sp>
+      <p:sp>
+        <p:nvSpPr>
+          <p:cNvPr id="25" name="Geschweifte Klammer rechts 24">
+            <a:extLst>
+              <a:ext uri="{FF2B5EF4-FFF2-40B4-BE49-F238E27FC236}">
+                <a16:creationId xmlns:a16="http://schemas.microsoft.com/office/drawing/2014/main" id="{E6A31F8E-0F98-4C30-AC2B-F1AA53F30977}"/>
+              </a:ext>
+            </a:extLst>
+          </p:cNvPr>
+          <p:cNvSpPr/>
+          <p:nvPr/>
+        </p:nvSpPr>
+        <p:spPr>
+          <a:xfrm>
+            <a:off x="7773071" y="2102874"/>
+            <a:ext cx="362077" cy="925812"/>
+          </a:xfrm>
+          <a:prstGeom prst="rightBrace">
+            <a:avLst/>
+          </a:prstGeom>
+          <a:ln>
+            <a:solidFill>
+              <a:schemeClr val="tx1"/>
+            </a:solidFill>
+          </a:ln>
+        </p:spPr>
+        <p:style>
+          <a:lnRef idx="1">
+            <a:schemeClr val="accent1"/>
+          </a:lnRef>
+          <a:fillRef idx="0">
+            <a:schemeClr val="accent1"/>
+          </a:fillRef>
+          <a:effectRef idx="0">
+            <a:schemeClr val="accent1"/>
+          </a:effectRef>
+          <a:fontRef idx="minor">
+            <a:schemeClr val="tx1"/>
+          </a:fontRef>
+        </p:style>
+        <p:txBody>
+          <a:bodyPr rtlCol="0" anchor="ctr"/>
+          <a:lstStyle/>
+          <a:p>
+            <a:pPr algn="ctr"/>
+            <a:endParaRPr lang="de-DE"/>
+          </a:p>
+        </p:txBody>
+      </p:sp>
+      <p:sp>
+        <p:nvSpPr>
+          <p:cNvPr id="26" name="Textfeld 25">
+            <a:extLst>
+              <a:ext uri="{FF2B5EF4-FFF2-40B4-BE49-F238E27FC236}">
+                <a16:creationId xmlns:a16="http://schemas.microsoft.com/office/drawing/2014/main" id="{FB294907-7138-4AF1-B6F6-909266970080}"/>
+              </a:ext>
+            </a:extLst>
+          </p:cNvPr>
+          <p:cNvSpPr txBox="1"/>
+          <p:nvPr/>
+        </p:nvSpPr>
+        <p:spPr>
+          <a:xfrm>
+            <a:off x="8285871" y="2325858"/>
+            <a:ext cx="2686929" cy="646331"/>
+          </a:xfrm>
+          <a:prstGeom prst="rect">
+            <a:avLst/>
+          </a:prstGeom>
+          <a:noFill/>
+        </p:spPr>
+        <p:txBody>
+          <a:bodyPr wrap="square" rtlCol="0">
+            <a:spAutoFit/>
+          </a:bodyPr>
+          <a:lstStyle/>
+          <a:p>
+            <a:r>
+              <a:rPr lang="de-DE" dirty="0"/>
+              <a:t>Allgemeingültiges Ergebnis für jedes Hidden Layer</a:t>
+            </a:r>
+          </a:p>
+        </p:txBody>
+      </p:sp>
+      <p:sp>
+        <p:nvSpPr>
+          <p:cNvPr id="27" name="Textfeld 26">
+            <a:extLst>
+              <a:ext uri="{FF2B5EF4-FFF2-40B4-BE49-F238E27FC236}">
+                <a16:creationId xmlns:a16="http://schemas.microsoft.com/office/drawing/2014/main" id="{C15B4257-BDFA-4A19-BF45-907D571C3B90}"/>
+              </a:ext>
+            </a:extLst>
+          </p:cNvPr>
+          <p:cNvSpPr txBox="1"/>
+          <p:nvPr/>
+        </p:nvSpPr>
+        <p:spPr>
+          <a:xfrm>
+            <a:off x="7843410" y="4324861"/>
+            <a:ext cx="3489960" cy="923330"/>
+          </a:xfrm>
+          <a:prstGeom prst="rect">
+            <a:avLst/>
+          </a:prstGeom>
+          <a:noFill/>
+        </p:spPr>
+        <p:txBody>
+          <a:bodyPr wrap="square" rtlCol="0">
+            <a:spAutoFit/>
+          </a:bodyPr>
+          <a:lstStyle/>
+          <a:p>
+            <a:r>
+              <a:rPr lang="de-DE" dirty="0"/>
+              <a:t>Ergebnis, wenn die Aktivierungsfunktion in Layer l-1 die Sigmoid Funktion ist</a:t>
+            </a:r>
+          </a:p>
+        </p:txBody>
+      </p:sp>
+    </p:spTree>
+    <p:extLst>
+      <p:ext uri="{BB962C8B-B14F-4D97-AF65-F5344CB8AC3E}">
+        <p14:creationId xmlns:p14="http://schemas.microsoft.com/office/powerpoint/2010/main" val="4107834854"/>
+      </p:ext>
+    </p:extLst>
+  </p:cSld>
+  <p:clrMapOvr>
+    <a:masterClrMapping/>
+  </p:clrMapOvr>
+</p:sld>
+</file>
+
+<file path=ppt/slides/slide11.xml><?xml version="1.0" encoding="utf-8"?>
+<p:sld xmlns:a="http://schemas.openxmlformats.org/drawingml/2006/main" xmlns:r="http://schemas.openxmlformats.org/officeDocument/2006/relationships" xmlns:p="http://schemas.openxmlformats.org/presentationml/2006/main">
+  <p:cSld>
+    <p:spTree>
+      <p:nvGrpSpPr>
+        <p:cNvPr id="1" name=""/>
+        <p:cNvGrpSpPr/>
+        <p:nvPr/>
+      </p:nvGrpSpPr>
+      <p:grpSpPr>
+        <a:xfrm>
+          <a:off x="0" y="0"/>
+          <a:ext cx="0" cy="0"/>
+          <a:chOff x="0" y="0"/>
+          <a:chExt cx="0" cy="0"/>
+        </a:xfrm>
+      </p:grpSpPr>
+      <p:sp>
+        <p:nvSpPr>
+          <p:cNvPr id="2" name="Titel 1">
+            <a:extLst>
+              <a:ext uri="{FF2B5EF4-FFF2-40B4-BE49-F238E27FC236}">
+                <a16:creationId xmlns:a16="http://schemas.microsoft.com/office/drawing/2014/main" id="{2911F67F-327B-4C51-B9E3-A1D3BCC720A5}"/>
+              </a:ext>
+            </a:extLst>
+          </p:cNvPr>
+          <p:cNvSpPr>
+            <a:spLocks noGrp="1"/>
+          </p:cNvSpPr>
+          <p:nvPr>
+            <p:ph type="title"/>
+          </p:nvPr>
+        </p:nvSpPr>
+        <p:spPr/>
+        <p:txBody>
+          <a:bodyPr>
             <a:normAutofit fontScale="90000"/>
           </a:bodyPr>
           <a:lstStyle/>
@@ -4503,7 +5232,7 @@
 </p:sld>
 </file>
 
-<file path=ppt/slides/slide11.xml><?xml version="1.0" encoding="utf-8"?>
+<file path=ppt/slides/slide12.xml><?xml version="1.0" encoding="utf-8"?>
 <p:sld xmlns:a="http://schemas.openxmlformats.org/drawingml/2006/main" xmlns:r="http://schemas.openxmlformats.org/officeDocument/2006/relationships" xmlns:p="http://schemas.openxmlformats.org/presentationml/2006/main">
   <p:cSld>
     <p:spTree>
@@ -4642,7 +5371,7 @@
 </p:sld>
 </file>
 
-<file path=ppt/slides/slide12.xml><?xml version="1.0" encoding="utf-8"?>
+<file path=ppt/slides/slide13.xml><?xml version="1.0" encoding="utf-8"?>
 <p:sld xmlns:a="http://schemas.openxmlformats.org/drawingml/2006/main" xmlns:r="http://schemas.openxmlformats.org/officeDocument/2006/relationships" xmlns:p="http://schemas.openxmlformats.org/presentationml/2006/main">
   <p:cSld>
     <p:spTree>
@@ -4779,7 +5508,7 @@
 </p:sld>
 </file>
 
-<file path=ppt/slides/slide13.xml><?xml version="1.0" encoding="utf-8"?>
+<file path=ppt/slides/slide14.xml><?xml version="1.0" encoding="utf-8"?>
 <p:sld xmlns:a="http://schemas.openxmlformats.org/drawingml/2006/main" xmlns:r="http://schemas.openxmlformats.org/officeDocument/2006/relationships" xmlns:p="http://schemas.openxmlformats.org/presentationml/2006/main">
   <p:cSld>
     <p:spTree>
@@ -4917,7 +5646,7 @@
 </p:sld>
 </file>
 
-<file path=ppt/slides/slide14.xml><?xml version="1.0" encoding="utf-8"?>
+<file path=ppt/slides/slide15.xml><?xml version="1.0" encoding="utf-8"?>
 <p:sld xmlns:a="http://schemas.openxmlformats.org/drawingml/2006/main" xmlns:r="http://schemas.openxmlformats.org/officeDocument/2006/relationships" xmlns:p="http://schemas.openxmlformats.org/presentationml/2006/main">
   <p:cSld>
     <p:spTree>
@@ -5025,7 +5754,7 @@
 </p:sld>
 </file>
 
-<file path=ppt/slides/slide15.xml><?xml version="1.0" encoding="utf-8"?>
+<file path=ppt/slides/slide16.xml><?xml version="1.0" encoding="utf-8"?>
 <p:sld xmlns:a="http://schemas.openxmlformats.org/drawingml/2006/main" xmlns:r="http://schemas.openxmlformats.org/officeDocument/2006/relationships" xmlns:p="http://schemas.openxmlformats.org/presentationml/2006/main">
   <p:cSld>
     <p:spTree>
@@ -5134,7 +5863,7 @@
 </p:sld>
 </file>
 
-<file path=ppt/slides/slide16.xml><?xml version="1.0" encoding="utf-8"?>
+<file path=ppt/slides/slide17.xml><?xml version="1.0" encoding="utf-8"?>
 <p:sld xmlns:a="http://schemas.openxmlformats.org/drawingml/2006/main" xmlns:r="http://schemas.openxmlformats.org/officeDocument/2006/relationships" xmlns:p="http://schemas.openxmlformats.org/presentationml/2006/main">
   <p:cSld>
     <p:spTree>
@@ -5296,7 +6025,78 @@
 </p:sld>
 </file>
 
-<file path=ppt/slides/slide17.xml><?xml version="1.0" encoding="utf-8"?>
+<file path=ppt/slides/slide18.xml><?xml version="1.0" encoding="utf-8"?>
+<p:sld xmlns:a="http://schemas.openxmlformats.org/drawingml/2006/main" xmlns:r="http://schemas.openxmlformats.org/officeDocument/2006/relationships" xmlns:p="http://schemas.openxmlformats.org/presentationml/2006/main">
+  <p:cSld>
+    <p:spTree>
+      <p:nvGrpSpPr>
+        <p:cNvPr id="1" name=""/>
+        <p:cNvGrpSpPr/>
+        <p:nvPr/>
+      </p:nvGrpSpPr>
+      <p:grpSpPr>
+        <a:xfrm>
+          <a:off x="0" y="0"/>
+          <a:ext cx="0" cy="0"/>
+          <a:chOff x="0" y="0"/>
+          <a:chExt cx="0" cy="0"/>
+        </a:xfrm>
+      </p:grpSpPr>
+      <p:sp>
+        <p:nvSpPr>
+          <p:cNvPr id="2" name="Titel 1">
+            <a:extLst>
+              <a:ext uri="{FF2B5EF4-FFF2-40B4-BE49-F238E27FC236}">
+                <a16:creationId xmlns:a16="http://schemas.microsoft.com/office/drawing/2014/main" id="{2911F67F-327B-4C51-B9E3-A1D3BCC720A5}"/>
+              </a:ext>
+            </a:extLst>
+          </p:cNvPr>
+          <p:cNvSpPr>
+            <a:spLocks noGrp="1"/>
+          </p:cNvSpPr>
+          <p:nvPr>
+            <p:ph type="title"/>
+          </p:nvPr>
+        </p:nvSpPr>
+        <p:spPr>
+          <a:xfrm>
+            <a:off x="838200" y="365125"/>
+            <a:ext cx="10515600" cy="1325563"/>
+          </a:xfrm>
+        </p:spPr>
+        <p:txBody>
+          <a:bodyPr/>
+          <a:lstStyle/>
+          <a:p>
+            <a:r>
+              <a:rPr lang="de-DE" dirty="0"/>
+              <a:t>Mathematische Herleitungen</a:t>
+            </a:r>
+            <a:br>
+              <a:rPr lang="de-DE" dirty="0"/>
+            </a:br>
+            <a:r>
+              <a:rPr lang="de-DE" sz="2400" dirty="0"/>
+              <a:t>Backpropagation Algorithmus</a:t>
+            </a:r>
+            <a:endParaRPr lang="de-DE" dirty="0"/>
+          </a:p>
+        </p:txBody>
+      </p:sp>
+    </p:spTree>
+    <p:extLst>
+      <p:ext uri="{BB962C8B-B14F-4D97-AF65-F5344CB8AC3E}">
+        <p14:creationId xmlns:p14="http://schemas.microsoft.com/office/powerpoint/2010/main" val="3433578770"/>
+      </p:ext>
+    </p:extLst>
+  </p:cSld>
+  <p:clrMapOvr>
+    <a:masterClrMapping/>
+  </p:clrMapOvr>
+</p:sld>
+</file>
+
+<file path=ppt/slides/slide19.xml><?xml version="1.0" encoding="utf-8"?>
 <p:sld xmlns:a="http://schemas.openxmlformats.org/drawingml/2006/main" xmlns:r="http://schemas.openxmlformats.org/officeDocument/2006/relationships" xmlns:p="http://schemas.openxmlformats.org/presentationml/2006/main">
   <p:cSld>
     <p:spTree>
@@ -5540,7 +6340,9 @@
         </p:nvSpPr>
         <p:spPr/>
         <p:txBody>
-          <a:bodyPr/>
+          <a:bodyPr>
+            <a:normAutofit lnSpcReduction="10000"/>
+          </a:bodyPr>
           <a:lstStyle/>
           <a:p>
             <a:r>
@@ -5551,7 +6353,7 @@
           <a:p>
             <a:r>
               <a:rPr lang="de-DE" dirty="0"/>
-              <a:t>Mathematische Herleitungen</a:t>
+              <a:t>Ergebnisse der mathematischen Herleitungen</a:t>
             </a:r>
           </a:p>
           <a:p>
@@ -5566,6 +6368,13 @@
             <a:r>
               <a:rPr lang="de-DE" dirty="0"/>
               <a:t>Backpropagation für ein einzelnes Datum und ein Batch von Daten</a:t>
+            </a:r>
+          </a:p>
+          <a:p>
+            <a:pPr lvl="1"/>
+            <a:r>
+              <a:rPr lang="de-DE" dirty="0"/>
+              <a:t>Backpropagation Algorithmus</a:t>
             </a:r>
           </a:p>
           <a:p>
@@ -7721,7 +8530,7 @@
         </p:nvSpPr>
         <p:spPr>
           <a:xfrm>
-            <a:off x="9570716" y="4314584"/>
+            <a:off x="6527425" y="4314584"/>
             <a:ext cx="2035126" cy="307777"/>
           </a:xfrm>
           <a:prstGeom prst="rect">
@@ -7756,7 +8565,7 @@
         </p:nvSpPr>
         <p:spPr>
           <a:xfrm>
-            <a:off x="9570716" y="5772756"/>
+            <a:off x="5322298" y="5772756"/>
             <a:ext cx="2035126" cy="307777"/>
           </a:xfrm>
           <a:prstGeom prst="rect">
@@ -7774,6 +8583,153 @@
               <a:rPr lang="de-DE" sz="1400" dirty="0"/>
               <a:t>Fehler</a:t>
             </a:r>
+          </a:p>
+        </p:txBody>
+      </p:sp>
+      <p:sp>
+        <p:nvSpPr>
+          <p:cNvPr id="22" name="Geschweifte Klammer rechts 13">
+            <a:extLst>
+              <a:ext uri="{FF2B5EF4-FFF2-40B4-BE49-F238E27FC236}">
+                <a16:creationId xmlns:a16="http://schemas.microsoft.com/office/drawing/2014/main" id="{5000F785-08E9-4C59-ACB8-7F7650FA346C}"/>
+              </a:ext>
+            </a:extLst>
+          </p:cNvPr>
+          <p:cNvSpPr/>
+          <p:nvPr/>
+        </p:nvSpPr>
+        <p:spPr>
+          <a:xfrm>
+            <a:off x="8986544" y="1866314"/>
+            <a:ext cx="360000" cy="1325563"/>
+          </a:xfrm>
+          <a:prstGeom prst="rightBrace">
+            <a:avLst/>
+          </a:prstGeom>
+          <a:ln>
+            <a:solidFill>
+              <a:schemeClr val="tx1"/>
+            </a:solidFill>
+          </a:ln>
+        </p:spPr>
+        <p:style>
+          <a:lnRef idx="1">
+            <a:schemeClr val="accent1"/>
+          </a:lnRef>
+          <a:fillRef idx="0">
+            <a:schemeClr val="accent1"/>
+          </a:fillRef>
+          <a:effectRef idx="0">
+            <a:schemeClr val="accent1"/>
+          </a:effectRef>
+          <a:fontRef idx="minor">
+            <a:schemeClr val="tx1"/>
+          </a:fontRef>
+        </p:style>
+        <p:txBody>
+          <a:bodyPr rtlCol="0" anchor="ctr"/>
+          <a:lstStyle/>
+          <a:p>
+            <a:pPr algn="ctr"/>
+            <a:endParaRPr lang="de-DE"/>
+          </a:p>
+        </p:txBody>
+      </p:sp>
+      <p:sp>
+        <p:nvSpPr>
+          <p:cNvPr id="23" name="Geschweifte Klammer rechts 13">
+            <a:extLst>
+              <a:ext uri="{FF2B5EF4-FFF2-40B4-BE49-F238E27FC236}">
+                <a16:creationId xmlns:a16="http://schemas.microsoft.com/office/drawing/2014/main" id="{44A43A47-03E9-41CC-A073-F797351D51D4}"/>
+              </a:ext>
+            </a:extLst>
+          </p:cNvPr>
+          <p:cNvSpPr/>
+          <p:nvPr/>
+        </p:nvSpPr>
+        <p:spPr>
+          <a:xfrm>
+            <a:off x="6054976" y="3863926"/>
+            <a:ext cx="360000" cy="1191065"/>
+          </a:xfrm>
+          <a:prstGeom prst="rightBrace">
+            <a:avLst/>
+          </a:prstGeom>
+          <a:ln>
+            <a:solidFill>
+              <a:schemeClr val="tx1"/>
+            </a:solidFill>
+          </a:ln>
+        </p:spPr>
+        <p:style>
+          <a:lnRef idx="1">
+            <a:schemeClr val="accent1"/>
+          </a:lnRef>
+          <a:fillRef idx="0">
+            <a:schemeClr val="accent1"/>
+          </a:fillRef>
+          <a:effectRef idx="0">
+            <a:schemeClr val="accent1"/>
+          </a:effectRef>
+          <a:fontRef idx="minor">
+            <a:schemeClr val="tx1"/>
+          </a:fontRef>
+        </p:style>
+        <p:txBody>
+          <a:bodyPr rtlCol="0" anchor="ctr"/>
+          <a:lstStyle/>
+          <a:p>
+            <a:pPr algn="ctr"/>
+            <a:endParaRPr lang="de-DE"/>
+          </a:p>
+        </p:txBody>
+      </p:sp>
+      <p:sp>
+        <p:nvSpPr>
+          <p:cNvPr id="24" name="Geschweifte Klammer rechts 13">
+            <a:extLst>
+              <a:ext uri="{FF2B5EF4-FFF2-40B4-BE49-F238E27FC236}">
+                <a16:creationId xmlns:a16="http://schemas.microsoft.com/office/drawing/2014/main" id="{026FA704-D73D-4375-85BD-71BC7062EE5A}"/>
+              </a:ext>
+            </a:extLst>
+          </p:cNvPr>
+          <p:cNvSpPr/>
+          <p:nvPr/>
+        </p:nvSpPr>
+        <p:spPr>
+          <a:xfrm>
+            <a:off x="4867421" y="5533292"/>
+            <a:ext cx="360000" cy="778414"/>
+          </a:xfrm>
+          <a:prstGeom prst="rightBrace">
+            <a:avLst/>
+          </a:prstGeom>
+          <a:ln>
+            <a:solidFill>
+              <a:schemeClr val="tx1"/>
+            </a:solidFill>
+          </a:ln>
+        </p:spPr>
+        <p:style>
+          <a:lnRef idx="1">
+            <a:schemeClr val="accent1"/>
+          </a:lnRef>
+          <a:fillRef idx="0">
+            <a:schemeClr val="accent1"/>
+          </a:fillRef>
+          <a:effectRef idx="0">
+            <a:schemeClr val="accent1"/>
+          </a:effectRef>
+          <a:fontRef idx="minor">
+            <a:schemeClr val="tx1"/>
+          </a:fontRef>
+        </p:style>
+        <p:txBody>
+          <a:bodyPr rtlCol="0" anchor="ctr"/>
+          <a:lstStyle/>
+          <a:p>
+            <a:pPr algn="ctr"/>
+            <a:endParaRPr lang="de-DE"/>
           </a:p>
         </p:txBody>
       </p:sp>
@@ -8023,6 +8979,33 @@
                                   </p:childTnLst>
                                 </p:cTn>
                               </p:par>
+                              <p:par>
+                                <p:cTn id="21" presetID="1" presetClass="entr" presetSubtype="0" fill="hold" grpId="0" nodeType="withEffect">
+                                  <p:stCondLst>
+                                    <p:cond delay="0"/>
+                                  </p:stCondLst>
+                                  <p:childTnLst>
+                                    <p:set>
+                                      <p:cBhvr>
+                                        <p:cTn id="22" dur="1" fill="hold">
+                                          <p:stCondLst>
+                                            <p:cond delay="0"/>
+                                          </p:stCondLst>
+                                        </p:cTn>
+                                        <p:tgtEl>
+                                          <p:spTgt spid="22"/>
+                                        </p:tgtEl>
+                                        <p:attrNameLst>
+                                          <p:attrName>style.visibility</p:attrName>
+                                        </p:attrNameLst>
+                                      </p:cBhvr>
+                                      <p:to>
+                                        <p:strVal val="visible"/>
+                                      </p:to>
+                                    </p:set>
+                                  </p:childTnLst>
+                                </p:cTn>
+                              </p:par>
                             </p:childTnLst>
                           </p:cTn>
                         </p:par>
@@ -8030,26 +9013,26 @@
                     </p:cTn>
                   </p:par>
                   <p:par>
-                    <p:cTn id="21" fill="hold">
+                    <p:cTn id="23" fill="hold">
                       <p:stCondLst>
                         <p:cond delay="indefinite"/>
                       </p:stCondLst>
                       <p:childTnLst>
                         <p:par>
-                          <p:cTn id="22" fill="hold">
+                          <p:cTn id="24" fill="hold">
                             <p:stCondLst>
                               <p:cond delay="0"/>
                             </p:stCondLst>
                             <p:childTnLst>
                               <p:par>
-                                <p:cTn id="23" presetID="1" presetClass="entr" presetSubtype="0" fill="hold" nodeType="clickEffect">
+                                <p:cTn id="25" presetID="1" presetClass="entr" presetSubtype="0" fill="hold" nodeType="clickEffect">
                                   <p:stCondLst>
                                     <p:cond delay="0"/>
                                   </p:stCondLst>
                                   <p:childTnLst>
                                     <p:set>
                                       <p:cBhvr>
-                                        <p:cTn id="24" dur="1" fill="hold">
+                                        <p:cTn id="26" dur="1" fill="hold">
                                           <p:stCondLst>
                                             <p:cond delay="0"/>
                                           </p:stCondLst>
@@ -8069,34 +9052,7 @@
                                 </p:cTn>
                               </p:par>
                               <p:par>
-                                <p:cTn id="25" presetID="1" presetClass="entr" presetSubtype="0" fill="hold" nodeType="withEffect">
-                                  <p:stCondLst>
-                                    <p:cond delay="0"/>
-                                  </p:stCondLst>
-                                  <p:childTnLst>
-                                    <p:set>
-                                      <p:cBhvr>
-                                        <p:cTn id="26" dur="1" fill="hold">
-                                          <p:stCondLst>
-                                            <p:cond delay="0"/>
-                                          </p:stCondLst>
-                                        </p:cTn>
-                                        <p:tgtEl>
-                                          <p:spTgt spid="11"/>
-                                        </p:tgtEl>
-                                        <p:attrNameLst>
-                                          <p:attrName>style.visibility</p:attrName>
-                                        </p:attrNameLst>
-                                      </p:cBhvr>
-                                      <p:to>
-                                        <p:strVal val="visible"/>
-                                      </p:to>
-                                    </p:set>
-                                  </p:childTnLst>
-                                </p:cTn>
-                              </p:par>
-                              <p:par>
-                                <p:cTn id="27" presetID="1" presetClass="entr" presetSubtype="0" fill="hold" grpId="0" nodeType="withEffect">
+                                <p:cTn id="27" presetID="1" presetClass="entr" presetSubtype="0" fill="hold" nodeType="withEffect">
                                   <p:stCondLst>
                                     <p:cond delay="0"/>
                                   </p:stCondLst>
@@ -8109,7 +9065,7 @@
                                           </p:stCondLst>
                                         </p:cTn>
                                         <p:tgtEl>
-                                          <p:spTgt spid="8"/>
+                                          <p:spTgt spid="11"/>
                                         </p:tgtEl>
                                         <p:attrNameLst>
                                           <p:attrName>style.visibility</p:attrName>
@@ -8136,7 +9092,7 @@
                                           </p:stCondLst>
                                         </p:cTn>
                                         <p:tgtEl>
-                                          <p:spTgt spid="17"/>
+                                          <p:spTgt spid="8"/>
                                         </p:tgtEl>
                                         <p:attrNameLst>
                                           <p:attrName>style.visibility</p:attrName>
@@ -8163,7 +9119,61 @@
                                           </p:stCondLst>
                                         </p:cTn>
                                         <p:tgtEl>
+                                          <p:spTgt spid="17"/>
+                                        </p:tgtEl>
+                                        <p:attrNameLst>
+                                          <p:attrName>style.visibility</p:attrName>
+                                        </p:attrNameLst>
+                                      </p:cBhvr>
+                                      <p:to>
+                                        <p:strVal val="visible"/>
+                                      </p:to>
+                                    </p:set>
+                                  </p:childTnLst>
+                                </p:cTn>
+                              </p:par>
+                              <p:par>
+                                <p:cTn id="33" presetID="1" presetClass="entr" presetSubtype="0" fill="hold" grpId="0" nodeType="withEffect">
+                                  <p:stCondLst>
+                                    <p:cond delay="0"/>
+                                  </p:stCondLst>
+                                  <p:childTnLst>
+                                    <p:set>
+                                      <p:cBhvr>
+                                        <p:cTn id="34" dur="1" fill="hold">
+                                          <p:stCondLst>
+                                            <p:cond delay="0"/>
+                                          </p:stCondLst>
+                                        </p:cTn>
+                                        <p:tgtEl>
                                           <p:spTgt spid="20"/>
+                                        </p:tgtEl>
+                                        <p:attrNameLst>
+                                          <p:attrName>style.visibility</p:attrName>
+                                        </p:attrNameLst>
+                                      </p:cBhvr>
+                                      <p:to>
+                                        <p:strVal val="visible"/>
+                                      </p:to>
+                                    </p:set>
+                                  </p:childTnLst>
+                                </p:cTn>
+                              </p:par>
+                              <p:par>
+                                <p:cTn id="35" presetID="1" presetClass="entr" presetSubtype="0" fill="hold" grpId="0" nodeType="withEffect">
+                                  <p:stCondLst>
+                                    <p:cond delay="0"/>
+                                  </p:stCondLst>
+                                  <p:childTnLst>
+                                    <p:set>
+                                      <p:cBhvr>
+                                        <p:cTn id="36" dur="1" fill="hold">
+                                          <p:stCondLst>
+                                            <p:cond delay="0"/>
+                                          </p:stCondLst>
+                                        </p:cTn>
+                                        <p:tgtEl>
+                                          <p:spTgt spid="23"/>
                                         </p:tgtEl>
                                         <p:attrNameLst>
                                           <p:attrName>style.visibility</p:attrName>
@@ -8183,26 +9193,26 @@
                     </p:cTn>
                   </p:par>
                   <p:par>
-                    <p:cTn id="33" fill="hold">
+                    <p:cTn id="37" fill="hold">
                       <p:stCondLst>
                         <p:cond delay="indefinite"/>
                       </p:stCondLst>
                       <p:childTnLst>
                         <p:par>
-                          <p:cTn id="34" fill="hold">
+                          <p:cTn id="38" fill="hold">
                             <p:stCondLst>
                               <p:cond delay="0"/>
                             </p:stCondLst>
                             <p:childTnLst>
                               <p:par>
-                                <p:cTn id="35" presetID="1" presetClass="entr" presetSubtype="0" fill="hold" nodeType="clickEffect">
+                                <p:cTn id="39" presetID="1" presetClass="entr" presetSubtype="0" fill="hold" nodeType="clickEffect">
                                   <p:stCondLst>
                                     <p:cond delay="0"/>
                                   </p:stCondLst>
                                   <p:childTnLst>
                                     <p:set>
                                       <p:cBhvr>
-                                        <p:cTn id="36" dur="1" fill="hold">
+                                        <p:cTn id="40" dur="1" fill="hold">
                                           <p:stCondLst>
                                             <p:cond delay="0"/>
                                           </p:stCondLst>
@@ -8222,14 +9232,14 @@
                                 </p:cTn>
                               </p:par>
                               <p:par>
-                                <p:cTn id="37" presetID="1" presetClass="entr" presetSubtype="0" fill="hold" grpId="0" nodeType="withEffect">
+                                <p:cTn id="41" presetID="1" presetClass="entr" presetSubtype="0" fill="hold" grpId="0" nodeType="withEffect">
                                   <p:stCondLst>
                                     <p:cond delay="0"/>
                                   </p:stCondLst>
                                   <p:childTnLst>
                                     <p:set>
                                       <p:cBhvr>
-                                        <p:cTn id="38" dur="1" fill="hold">
+                                        <p:cTn id="42" dur="1" fill="hold">
                                           <p:stCondLst>
                                             <p:cond delay="0"/>
                                           </p:stCondLst>
@@ -8249,20 +9259,47 @@
                                 </p:cTn>
                               </p:par>
                               <p:par>
-                                <p:cTn id="39" presetID="1" presetClass="entr" presetSubtype="0" fill="hold" grpId="0" nodeType="withEffect">
+                                <p:cTn id="43" presetID="1" presetClass="entr" presetSubtype="0" fill="hold" grpId="0" nodeType="withEffect">
                                   <p:stCondLst>
                                     <p:cond delay="0"/>
                                   </p:stCondLst>
                                   <p:childTnLst>
                                     <p:set>
                                       <p:cBhvr>
-                                        <p:cTn id="40" dur="1" fill="hold">
+                                        <p:cTn id="44" dur="1" fill="hold">
                                           <p:stCondLst>
                                             <p:cond delay="0"/>
                                           </p:stCondLst>
                                         </p:cTn>
                                         <p:tgtEl>
                                           <p:spTgt spid="21"/>
+                                        </p:tgtEl>
+                                        <p:attrNameLst>
+                                          <p:attrName>style.visibility</p:attrName>
+                                        </p:attrNameLst>
+                                      </p:cBhvr>
+                                      <p:to>
+                                        <p:strVal val="visible"/>
+                                      </p:to>
+                                    </p:set>
+                                  </p:childTnLst>
+                                </p:cTn>
+                              </p:par>
+                              <p:par>
+                                <p:cTn id="45" presetID="1" presetClass="entr" presetSubtype="0" fill="hold" grpId="0" nodeType="withEffect">
+                                  <p:stCondLst>
+                                    <p:cond delay="0"/>
+                                  </p:stCondLst>
+                                  <p:childTnLst>
+                                    <p:set>
+                                      <p:cBhvr>
+                                        <p:cTn id="46" dur="1" fill="hold">
+                                          <p:stCondLst>
+                                            <p:cond delay="0"/>
+                                          </p:stCondLst>
+                                        </p:cTn>
+                                        <p:tgtEl>
+                                          <p:spTgt spid="24"/>
                                         </p:tgtEl>
                                         <p:attrNameLst>
                                           <p:attrName>style.visibility</p:attrName>
@@ -8314,6 +9351,9 @@
       <p:bldP spid="4" grpId="0"/>
       <p:bldP spid="20" grpId="0"/>
       <p:bldP spid="21" grpId="0"/>
+      <p:bldP spid="22" grpId="0" animBg="1"/>
+      <p:bldP spid="23" grpId="0" animBg="1"/>
+      <p:bldP spid="24" grpId="0" animBg="1"/>
     </p:bldLst>
   </p:timing>
 </p:sld>
@@ -9951,7 +10991,12 @@
             <p:ph type="title"/>
           </p:nvPr>
         </p:nvSpPr>
-        <p:spPr/>
+        <p:spPr>
+          <a:xfrm>
+            <a:off x="838200" y="365125"/>
+            <a:ext cx="10515600" cy="1325563"/>
+          </a:xfrm>
+        </p:spPr>
         <p:txBody>
           <a:bodyPr/>
           <a:lstStyle/>
@@ -9965,7 +11010,7 @@
             </a:br>
             <a:r>
               <a:rPr lang="de-DE" sz="2400" dirty="0"/>
-              <a:t>Backpropagation für ein einziges Datum: Zielgleichungen</a:t>
+              <a:t>Zielgleichungen</a:t>
             </a:r>
             <a:endParaRPr lang="de-DE" dirty="0"/>
           </a:p>
@@ -9973,10 +11018,10 @@
       </p:sp>
       <p:pic>
         <p:nvPicPr>
-          <p:cNvPr id="4" name="Grafik 3">
-            <a:extLst>
-              <a:ext uri="{FF2B5EF4-FFF2-40B4-BE49-F238E27FC236}">
-                <a16:creationId xmlns:a16="http://schemas.microsoft.com/office/drawing/2014/main" id="{58EF9F20-1B25-4A59-B166-08CF5106158F}"/>
+          <p:cNvPr id="20" name="Grafik 3">
+            <a:extLst>
+              <a:ext uri="{FF2B5EF4-FFF2-40B4-BE49-F238E27FC236}">
+                <a16:creationId xmlns:a16="http://schemas.microsoft.com/office/drawing/2014/main" id="{501B04D5-6EDC-478B-9655-5AEE83268AF7}"/>
               </a:ext>
             </a:extLst>
           </p:cNvPr>
@@ -9985,16 +11030,15 @@
           </p:cNvPicPr>
           <p:nvPr/>
         </p:nvPicPr>
-        <p:blipFill>
-          <a:blip r:embed="rId2"/>
-          <a:stretch>
-            <a:fillRect/>
-          </a:stretch>
+        <p:blipFill rotWithShape="1">
+          <a:blip r:embed="rId3"/>
+          <a:srcRect l="5962" t="25375" r="6248" b="12408"/>
+          <a:stretch/>
         </p:blipFill>
         <p:spPr>
           <a:xfrm>
-            <a:off x="1872836" y="1855297"/>
-            <a:ext cx="1463553" cy="911963"/>
+            <a:off x="891329" y="2179418"/>
+            <a:ext cx="1284849" cy="567397"/>
           </a:xfrm>
           <a:prstGeom prst="rect">
             <a:avLst/>
@@ -10003,10 +11047,10 @@
       </p:pic>
       <p:pic>
         <p:nvPicPr>
-          <p:cNvPr id="6" name="Grafik 5">
-            <a:extLst>
-              <a:ext uri="{FF2B5EF4-FFF2-40B4-BE49-F238E27FC236}">
-                <a16:creationId xmlns:a16="http://schemas.microsoft.com/office/drawing/2014/main" id="{FE9D6C4A-8FE8-470C-AA3F-82A2F75A1551}"/>
+          <p:cNvPr id="21" name="Grafik 5">
+            <a:extLst>
+              <a:ext uri="{FF2B5EF4-FFF2-40B4-BE49-F238E27FC236}">
+                <a16:creationId xmlns:a16="http://schemas.microsoft.com/office/drawing/2014/main" id="{E852B3C4-BEF4-404F-B7EA-E95245F5C820}"/>
               </a:ext>
             </a:extLst>
           </p:cNvPr>
@@ -10015,16 +11059,15 @@
           </p:cNvPicPr>
           <p:nvPr/>
         </p:nvPicPr>
-        <p:blipFill>
-          <a:blip r:embed="rId3"/>
-          <a:stretch>
-            <a:fillRect/>
-          </a:stretch>
+        <p:blipFill rotWithShape="1">
+          <a:blip r:embed="rId4"/>
+          <a:srcRect l="5387" t="15409" b="20729"/>
+          <a:stretch/>
         </p:blipFill>
         <p:spPr>
           <a:xfrm>
-            <a:off x="2002302" y="3161299"/>
-            <a:ext cx="1470309" cy="738481"/>
+            <a:off x="838200" y="3521812"/>
+            <a:ext cx="1391106" cy="471609"/>
           </a:xfrm>
           <a:prstGeom prst="rect">
             <a:avLst/>
@@ -10033,10 +11076,10 @@
       </p:pic>
       <p:pic>
         <p:nvPicPr>
-          <p:cNvPr id="8" name="Grafik 7">
-            <a:extLst>
-              <a:ext uri="{FF2B5EF4-FFF2-40B4-BE49-F238E27FC236}">
-                <a16:creationId xmlns:a16="http://schemas.microsoft.com/office/drawing/2014/main" id="{65BACD64-85A0-4EEB-B182-4EFD71DD94A7}"/>
+          <p:cNvPr id="22" name="Grafik 7">
+            <a:extLst>
+              <a:ext uri="{FF2B5EF4-FFF2-40B4-BE49-F238E27FC236}">
+                <a16:creationId xmlns:a16="http://schemas.microsoft.com/office/drawing/2014/main" id="{5E4C6B0D-F417-47BD-889F-39DF2A10E9FF}"/>
               </a:ext>
             </a:extLst>
           </p:cNvPr>
@@ -10045,16 +11088,15 @@
           </p:cNvPicPr>
           <p:nvPr/>
         </p:nvPicPr>
-        <p:blipFill>
-          <a:blip r:embed="rId4"/>
-          <a:stretch>
-            <a:fillRect/>
-          </a:stretch>
+        <p:blipFill rotWithShape="1">
+          <a:blip r:embed="rId5"/>
+          <a:srcRect l="3785"/>
+          <a:stretch/>
         </p:blipFill>
         <p:spPr>
           <a:xfrm>
-            <a:off x="2118213" y="4151588"/>
-            <a:ext cx="544945" cy="624693"/>
+            <a:off x="1271592" y="4481938"/>
+            <a:ext cx="524322" cy="624693"/>
           </a:xfrm>
           <a:prstGeom prst="rect">
             <a:avLst/>
@@ -10063,10 +11105,39 @@
       </p:pic>
       <p:pic>
         <p:nvPicPr>
-          <p:cNvPr id="10" name="Grafik 9">
-            <a:extLst>
-              <a:ext uri="{FF2B5EF4-FFF2-40B4-BE49-F238E27FC236}">
-                <a16:creationId xmlns:a16="http://schemas.microsoft.com/office/drawing/2014/main" id="{2AF19C30-5E4F-4085-B66C-490CB85046DF}"/>
+          <p:cNvPr id="23" name="Grafik 9">
+            <a:extLst>
+              <a:ext uri="{FF2B5EF4-FFF2-40B4-BE49-F238E27FC236}">
+                <a16:creationId xmlns:a16="http://schemas.microsoft.com/office/drawing/2014/main" id="{9C65D7F4-9EC9-43C1-AA8B-793E41CE8CE4}"/>
+              </a:ext>
+            </a:extLst>
+          </p:cNvPr>
+          <p:cNvPicPr>
+            <a:picLocks noChangeAspect="1"/>
+          </p:cNvPicPr>
+          <p:nvPr/>
+        </p:nvPicPr>
+        <p:blipFill rotWithShape="1">
+          <a:blip r:embed="rId6"/>
+          <a:srcRect l="10934"/>
+          <a:stretch/>
+        </p:blipFill>
+        <p:spPr>
+          <a:xfrm>
+            <a:off x="1300258" y="5669207"/>
+            <a:ext cx="466991" cy="738481"/>
+          </a:xfrm>
+          <a:prstGeom prst="rect">
+            <a:avLst/>
+          </a:prstGeom>
+        </p:spPr>
+      </p:pic>
+      <p:pic>
+        <p:nvPicPr>
+          <p:cNvPr id="5" name="Picture 4">
+            <a:extLst>
+              <a:ext uri="{FF2B5EF4-FFF2-40B4-BE49-F238E27FC236}">
+                <a16:creationId xmlns:a16="http://schemas.microsoft.com/office/drawing/2014/main" id="{9598B12A-4F5E-4D47-A4B0-1E0E3839A5BB}"/>
               </a:ext>
             </a:extLst>
           </p:cNvPr>
@@ -10076,15 +11147,15 @@
           <p:nvPr/>
         </p:nvPicPr>
         <p:blipFill>
-          <a:blip r:embed="rId5"/>
+          <a:blip r:embed="rId7"/>
           <a:stretch>
             <a:fillRect/>
           </a:stretch>
         </p:blipFill>
         <p:spPr>
           <a:xfrm>
-            <a:off x="2081505" y="5121912"/>
-            <a:ext cx="524322" cy="738481"/>
+            <a:off x="5574880" y="2296992"/>
+            <a:ext cx="384163" cy="332249"/>
           </a:xfrm>
           <a:prstGeom prst="rect">
             <a:avLst/>
@@ -10093,10 +11164,10 @@
       </p:pic>
       <p:sp>
         <p:nvSpPr>
-          <p:cNvPr id="11" name="Textfeld 10">
-            <a:extLst>
-              <a:ext uri="{FF2B5EF4-FFF2-40B4-BE49-F238E27FC236}">
-                <a16:creationId xmlns:a16="http://schemas.microsoft.com/office/drawing/2014/main" id="{ED20AE31-8AC9-4BB7-B6D6-0994B45365CA}"/>
+          <p:cNvPr id="7" name="TextBox 6">
+            <a:extLst>
+              <a:ext uri="{FF2B5EF4-FFF2-40B4-BE49-F238E27FC236}">
+                <a16:creationId xmlns:a16="http://schemas.microsoft.com/office/drawing/2014/main" id="{B43E61B0-0CBD-4A02-B6CD-A535BD451FDE}"/>
               </a:ext>
             </a:extLst>
           </p:cNvPr>
@@ -10105,8 +11176,8 @@
         </p:nvSpPr>
         <p:spPr>
           <a:xfrm>
-            <a:off x="5702105" y="2138290"/>
-            <a:ext cx="2527495" cy="369332"/>
+            <a:off x="838200" y="1707629"/>
+            <a:ext cx="1391106" cy="307777"/>
           </a:xfrm>
           <a:prstGeom prst="rect">
             <a:avLst/>
@@ -10119,19 +11190,20 @@
           </a:bodyPr>
           <a:lstStyle/>
           <a:p>
-            <a:r>
-              <a:rPr lang="de-DE" dirty="0"/>
-              <a:t>Fehler am Output Layer</a:t>
+            <a:pPr algn="ctr"/>
+            <a:r>
+              <a:rPr lang="de-DE" sz="1400" dirty="0"/>
+              <a:t>Einziges Datum</a:t>
             </a:r>
           </a:p>
         </p:txBody>
       </p:sp>
       <p:sp>
         <p:nvSpPr>
-          <p:cNvPr id="12" name="Textfeld 11">
-            <a:extLst>
-              <a:ext uri="{FF2B5EF4-FFF2-40B4-BE49-F238E27FC236}">
-                <a16:creationId xmlns:a16="http://schemas.microsoft.com/office/drawing/2014/main" id="{81291A51-A687-402F-BF28-8D7E11B053B9}"/>
+          <p:cNvPr id="24" name="TextBox 23">
+            <a:extLst>
+              <a:ext uri="{FF2B5EF4-FFF2-40B4-BE49-F238E27FC236}">
+                <a16:creationId xmlns:a16="http://schemas.microsoft.com/office/drawing/2014/main" id="{61BCF776-A7D1-4AC7-8EAC-3F5D3F215144}"/>
               </a:ext>
             </a:extLst>
           </p:cNvPr>
@@ -10140,8 +11212,8 @@
         </p:nvSpPr>
         <p:spPr>
           <a:xfrm>
-            <a:off x="5641145" y="3240258"/>
-            <a:ext cx="3263704" cy="646331"/>
+            <a:off x="2862780" y="1707629"/>
+            <a:ext cx="1391106" cy="307777"/>
           </a:xfrm>
           <a:prstGeom prst="rect">
             <a:avLst/>
@@ -10154,19 +11226,20 @@
           </a:bodyPr>
           <a:lstStyle/>
           <a:p>
-            <a:r>
-              <a:rPr lang="de-DE" dirty="0"/>
-              <a:t>Fehler an jedem Layer außer dem Output Layer</a:t>
+            <a:pPr algn="ctr"/>
+            <a:r>
+              <a:rPr lang="de-DE" sz="1400" dirty="0"/>
+              <a:t>Dimensionen</a:t>
             </a:r>
           </a:p>
         </p:txBody>
       </p:sp>
       <p:sp>
         <p:nvSpPr>
-          <p:cNvPr id="13" name="Textfeld 12">
-            <a:extLst>
-              <a:ext uri="{FF2B5EF4-FFF2-40B4-BE49-F238E27FC236}">
-                <a16:creationId xmlns:a16="http://schemas.microsoft.com/office/drawing/2014/main" id="{F01441DC-8C1C-4A3B-8A83-00902CF82CCF}"/>
+          <p:cNvPr id="25" name="TextBox 24">
+            <a:extLst>
+              <a:ext uri="{FF2B5EF4-FFF2-40B4-BE49-F238E27FC236}">
+                <a16:creationId xmlns:a16="http://schemas.microsoft.com/office/drawing/2014/main" id="{8850D4C2-A4D2-49F7-B9D6-AE91597CB90A}"/>
               </a:ext>
             </a:extLst>
           </p:cNvPr>
@@ -10175,8 +11248,8 @@
         </p:nvSpPr>
         <p:spPr>
           <a:xfrm>
-            <a:off x="5814646" y="4326208"/>
-            <a:ext cx="3507544" cy="369332"/>
+            <a:off x="5071408" y="1707629"/>
+            <a:ext cx="1391106" cy="307777"/>
           </a:xfrm>
           <a:prstGeom prst="rect">
             <a:avLst/>
@@ -10189,19 +11262,20 @@
           </a:bodyPr>
           <a:lstStyle/>
           <a:p>
-            <a:r>
-              <a:rPr lang="de-DE" dirty="0"/>
-              <a:t>Gradienten der Gewichte</a:t>
+            <a:pPr algn="ctr"/>
+            <a:r>
+              <a:rPr lang="de-DE" sz="1400" dirty="0"/>
+              <a:t>Batch von Daten</a:t>
             </a:r>
           </a:p>
         </p:txBody>
       </p:sp>
       <p:sp>
         <p:nvSpPr>
-          <p:cNvPr id="14" name="Textfeld 13">
-            <a:extLst>
-              <a:ext uri="{FF2B5EF4-FFF2-40B4-BE49-F238E27FC236}">
-                <a16:creationId xmlns:a16="http://schemas.microsoft.com/office/drawing/2014/main" id="{2DC41D43-802F-452F-8EFB-0A579E926E4D}"/>
+          <p:cNvPr id="26" name="TextBox 25">
+            <a:extLst>
+              <a:ext uri="{FF2B5EF4-FFF2-40B4-BE49-F238E27FC236}">
+                <a16:creationId xmlns:a16="http://schemas.microsoft.com/office/drawing/2014/main" id="{E2FC4505-B528-442E-94BD-2A865019C4A4}"/>
               </a:ext>
             </a:extLst>
           </p:cNvPr>
@@ -10210,8 +11284,8 @@
         </p:nvSpPr>
         <p:spPr>
           <a:xfrm>
-            <a:off x="5814646" y="5306486"/>
-            <a:ext cx="2865120" cy="369332"/>
+            <a:off x="7165149" y="1707629"/>
+            <a:ext cx="1391106" cy="307777"/>
           </a:xfrm>
           <a:prstGeom prst="rect">
             <a:avLst/>
@@ -10224,24 +11298,2528 @@
           </a:bodyPr>
           <a:lstStyle/>
           <a:p>
-            <a:r>
-              <a:rPr lang="de-DE" dirty="0"/>
-              <a:t>Gradienten der </a:t>
-            </a:r>
-            <a:r>
-              <a:rPr lang="de-DE" dirty="0" err="1"/>
-              <a:t>Biases</a:t>
-            </a:r>
-            <a:endParaRPr lang="de-DE" dirty="0"/>
+            <a:pPr algn="ctr"/>
+            <a:r>
+              <a:rPr lang="de-DE" sz="1400" dirty="0"/>
+              <a:t>Dimensionen</a:t>
+            </a:r>
           </a:p>
         </p:txBody>
       </p:sp>
       <p:sp>
         <p:nvSpPr>
-          <p:cNvPr id="15" name="Geschweifte Klammer rechts 14">
-            <a:extLst>
-              <a:ext uri="{FF2B5EF4-FFF2-40B4-BE49-F238E27FC236}">
-                <a16:creationId xmlns:a16="http://schemas.microsoft.com/office/drawing/2014/main" id="{3D0B83A5-4497-4FAE-B164-39CD2771793E}"/>
+          <p:cNvPr id="27" name="TextBox 26">
+            <a:extLst>
+              <a:ext uri="{FF2B5EF4-FFF2-40B4-BE49-F238E27FC236}">
+                <a16:creationId xmlns:a16="http://schemas.microsoft.com/office/drawing/2014/main" id="{FE74602E-E441-425E-BCB5-0D53F745065D}"/>
+              </a:ext>
+            </a:extLst>
+          </p:cNvPr>
+          <p:cNvSpPr txBox="1"/>
+          <p:nvPr/>
+        </p:nvSpPr>
+        <p:spPr>
+          <a:xfrm>
+            <a:off x="9773605" y="1707629"/>
+            <a:ext cx="1391106" cy="307777"/>
+          </a:xfrm>
+          <a:prstGeom prst="rect">
+            <a:avLst/>
+          </a:prstGeom>
+          <a:noFill/>
+        </p:spPr>
+        <p:txBody>
+          <a:bodyPr wrap="square" rtlCol="0">
+            <a:spAutoFit/>
+          </a:bodyPr>
+          <a:lstStyle/>
+          <a:p>
+            <a:pPr algn="ctr"/>
+            <a:r>
+              <a:rPr lang="de-DE" sz="1400" dirty="0"/>
+              <a:t>Notizen</a:t>
+            </a:r>
+          </a:p>
+        </p:txBody>
+      </p:sp>
+      <mc:AlternateContent xmlns:mc="http://schemas.openxmlformats.org/markup-compatibility/2006">
+        <mc:Choice xmlns:a14="http://schemas.microsoft.com/office/drawing/2010/main" Requires="a14">
+          <p:sp>
+            <p:nvSpPr>
+              <p:cNvPr id="30" name="TextBox 29">
+                <a:extLst>
+                  <a:ext uri="{FF2B5EF4-FFF2-40B4-BE49-F238E27FC236}">
+                    <a16:creationId xmlns:a16="http://schemas.microsoft.com/office/drawing/2014/main" id="{CBECE1BE-3C62-48EE-9C02-D7FDD73B1EDF}"/>
+                  </a:ext>
+                </a:extLst>
+              </p:cNvPr>
+              <p:cNvSpPr txBox="1"/>
+              <p:nvPr/>
+            </p:nvSpPr>
+            <p:spPr>
+              <a:xfrm>
+                <a:off x="2862780" y="2309228"/>
+                <a:ext cx="1391106" cy="307777"/>
+              </a:xfrm>
+              <a:prstGeom prst="rect">
+                <a:avLst/>
+              </a:prstGeom>
+              <a:noFill/>
+            </p:spPr>
+            <p:txBody>
+              <a:bodyPr wrap="square" rtlCol="0">
+                <a:spAutoFit/>
+              </a:bodyPr>
+              <a:lstStyle/>
+              <a:p>
+                <a:pPr algn="ctr"/>
+                <a14:m>
+                  <m:oMathPara xmlns:m="http://schemas.openxmlformats.org/officeDocument/2006/math">
+                    <m:oMathParaPr>
+                      <m:jc m:val="centerGroup"/>
+                    </m:oMathParaPr>
+                    <m:oMath xmlns:m="http://schemas.openxmlformats.org/officeDocument/2006/math">
+                      <m:r>
+                        <a:rPr lang="de-DE" sz="1400" b="0" i="1" smtClean="0">
+                          <a:latin typeface="Cambria Math" panose="02040503050406030204" pitchFamily="18" charset="0"/>
+                        </a:rPr>
+                        <m:t>1×</m:t>
+                      </m:r>
+                      <m:sSup>
+                        <m:sSupPr>
+                          <m:ctrlPr>
+                            <a:rPr lang="de-DE" sz="1400" b="0" i="1" smtClean="0">
+                              <a:latin typeface="Cambria Math" panose="02040503050406030204" pitchFamily="18" charset="0"/>
+                            </a:rPr>
+                          </m:ctrlPr>
+                        </m:sSupPr>
+                        <m:e>
+                          <m:r>
+                            <a:rPr lang="de-DE" sz="1400" b="0" i="1" smtClean="0">
+                              <a:latin typeface="Cambria Math" panose="02040503050406030204" pitchFamily="18" charset="0"/>
+                            </a:rPr>
+                            <m:t>𝑛</m:t>
+                          </m:r>
+                        </m:e>
+                        <m:sup>
+                          <m:r>
+                            <a:rPr lang="de-DE" sz="1400" b="0" i="1" smtClean="0">
+                              <a:latin typeface="Cambria Math" panose="02040503050406030204" pitchFamily="18" charset="0"/>
+                            </a:rPr>
+                            <m:t>𝐿</m:t>
+                          </m:r>
+                        </m:sup>
+                      </m:sSup>
+                    </m:oMath>
+                  </m:oMathPara>
+                </a14:m>
+                <a:endParaRPr lang="de-DE" sz="1400" dirty="0"/>
+              </a:p>
+            </p:txBody>
+          </p:sp>
+        </mc:Choice>
+        <mc:Fallback>
+          <p:sp>
+            <p:nvSpPr>
+              <p:cNvPr id="30" name="TextBox 29">
+                <a:extLst>
+                  <a:ext uri="{FF2B5EF4-FFF2-40B4-BE49-F238E27FC236}">
+                    <a16:creationId xmlns:a16="http://schemas.microsoft.com/office/drawing/2014/main" id="{CBECE1BE-3C62-48EE-9C02-D7FDD73B1EDF}"/>
+                  </a:ext>
+                </a:extLst>
+              </p:cNvPr>
+              <p:cNvSpPr txBox="1">
+                <a:spLocks noRot="1" noChangeAspect="1" noMove="1" noResize="1" noEditPoints="1" noAdjustHandles="1" noChangeArrowheads="1" noChangeShapeType="1" noTextEdit="1"/>
+              </p:cNvSpPr>
+              <p:nvPr/>
+            </p:nvSpPr>
+            <p:spPr>
+              <a:xfrm>
+                <a:off x="2862780" y="2309228"/>
+                <a:ext cx="1391106" cy="307777"/>
+              </a:xfrm>
+              <a:prstGeom prst="rect">
+                <a:avLst/>
+              </a:prstGeom>
+              <a:blipFill>
+                <a:blip r:embed="rId8"/>
+                <a:stretch>
+                  <a:fillRect/>
+                </a:stretch>
+              </a:blipFill>
+            </p:spPr>
+            <p:txBody>
+              <a:bodyPr/>
+              <a:lstStyle/>
+              <a:p>
+                <a:r>
+                  <a:rPr lang="de-DE">
+                    <a:noFill/>
+                  </a:rPr>
+                  <a:t> </a:t>
+                </a:r>
+              </a:p>
+            </p:txBody>
+          </p:sp>
+        </mc:Fallback>
+      </mc:AlternateContent>
+      <mc:AlternateContent xmlns:mc="http://schemas.openxmlformats.org/markup-compatibility/2006">
+        <mc:Choice xmlns:a14="http://schemas.microsoft.com/office/drawing/2010/main" Requires="a14">
+          <p:sp>
+            <p:nvSpPr>
+              <p:cNvPr id="31" name="TextBox 30">
+                <a:extLst>
+                  <a:ext uri="{FF2B5EF4-FFF2-40B4-BE49-F238E27FC236}">
+                    <a16:creationId xmlns:a16="http://schemas.microsoft.com/office/drawing/2014/main" id="{EB19445D-ADDB-4F54-8EB2-0CBF8FF44352}"/>
+                  </a:ext>
+                </a:extLst>
+              </p:cNvPr>
+              <p:cNvSpPr txBox="1"/>
+              <p:nvPr/>
+            </p:nvSpPr>
+            <p:spPr>
+              <a:xfrm>
+                <a:off x="2862780" y="3601836"/>
+                <a:ext cx="1391106" cy="311560"/>
+              </a:xfrm>
+              <a:prstGeom prst="rect">
+                <a:avLst/>
+              </a:prstGeom>
+              <a:noFill/>
+            </p:spPr>
+            <p:txBody>
+              <a:bodyPr wrap="square" rtlCol="0">
+                <a:spAutoFit/>
+              </a:bodyPr>
+              <a:lstStyle/>
+              <a:p>
+                <a:pPr algn="ctr"/>
+                <a14:m>
+                  <m:oMathPara xmlns:m="http://schemas.openxmlformats.org/officeDocument/2006/math">
+                    <m:oMathParaPr>
+                      <m:jc m:val="centerGroup"/>
+                    </m:oMathParaPr>
+                    <m:oMath xmlns:m="http://schemas.openxmlformats.org/officeDocument/2006/math">
+                      <m:r>
+                        <a:rPr lang="de-DE" sz="1400" b="0" i="1" smtClean="0">
+                          <a:latin typeface="Cambria Math" panose="02040503050406030204" pitchFamily="18" charset="0"/>
+                        </a:rPr>
+                        <m:t>1×</m:t>
+                      </m:r>
+                      <m:sSup>
+                        <m:sSupPr>
+                          <m:ctrlPr>
+                            <a:rPr lang="de-DE" sz="1400" b="0" i="1" smtClean="0">
+                              <a:latin typeface="Cambria Math" panose="02040503050406030204" pitchFamily="18" charset="0"/>
+                            </a:rPr>
+                          </m:ctrlPr>
+                        </m:sSupPr>
+                        <m:e>
+                          <m:r>
+                            <a:rPr lang="de-DE" sz="1400" b="0" i="1" smtClean="0">
+                              <a:latin typeface="Cambria Math" panose="02040503050406030204" pitchFamily="18" charset="0"/>
+                            </a:rPr>
+                            <m:t>𝑛</m:t>
+                          </m:r>
+                        </m:e>
+                        <m:sup>
+                          <m:r>
+                            <a:rPr lang="de-DE" sz="1400" b="0" i="1" smtClean="0">
+                              <a:latin typeface="Cambria Math" panose="02040503050406030204" pitchFamily="18" charset="0"/>
+                            </a:rPr>
+                            <m:t>𝑙</m:t>
+                          </m:r>
+                          <m:r>
+                            <a:rPr lang="de-DE" sz="1400" b="0" i="1" smtClean="0">
+                              <a:latin typeface="Cambria Math" panose="02040503050406030204" pitchFamily="18" charset="0"/>
+                            </a:rPr>
+                            <m:t>−1</m:t>
+                          </m:r>
+                        </m:sup>
+                      </m:sSup>
+                    </m:oMath>
+                  </m:oMathPara>
+                </a14:m>
+                <a:endParaRPr lang="de-DE" sz="1400" dirty="0"/>
+              </a:p>
+            </p:txBody>
+          </p:sp>
+        </mc:Choice>
+        <mc:Fallback>
+          <p:sp>
+            <p:nvSpPr>
+              <p:cNvPr id="31" name="TextBox 30">
+                <a:extLst>
+                  <a:ext uri="{FF2B5EF4-FFF2-40B4-BE49-F238E27FC236}">
+                    <a16:creationId xmlns:a16="http://schemas.microsoft.com/office/drawing/2014/main" id="{EB19445D-ADDB-4F54-8EB2-0CBF8FF44352}"/>
+                  </a:ext>
+                </a:extLst>
+              </p:cNvPr>
+              <p:cNvSpPr txBox="1">
+                <a:spLocks noRot="1" noChangeAspect="1" noMove="1" noResize="1" noEditPoints="1" noAdjustHandles="1" noChangeArrowheads="1" noChangeShapeType="1" noTextEdit="1"/>
+              </p:cNvSpPr>
+              <p:nvPr/>
+            </p:nvSpPr>
+            <p:spPr>
+              <a:xfrm>
+                <a:off x="2862780" y="3601836"/>
+                <a:ext cx="1391106" cy="311560"/>
+              </a:xfrm>
+              <a:prstGeom prst="rect">
+                <a:avLst/>
+              </a:prstGeom>
+              <a:blipFill>
+                <a:blip r:embed="rId9"/>
+                <a:stretch>
+                  <a:fillRect/>
+                </a:stretch>
+              </a:blipFill>
+            </p:spPr>
+            <p:txBody>
+              <a:bodyPr/>
+              <a:lstStyle/>
+              <a:p>
+                <a:r>
+                  <a:rPr lang="de-DE">
+                    <a:noFill/>
+                  </a:rPr>
+                  <a:t> </a:t>
+                </a:r>
+              </a:p>
+            </p:txBody>
+          </p:sp>
+        </mc:Fallback>
+      </mc:AlternateContent>
+      <mc:AlternateContent xmlns:mc="http://schemas.openxmlformats.org/markup-compatibility/2006">
+        <mc:Choice xmlns:a14="http://schemas.microsoft.com/office/drawing/2010/main" Requires="a14">
+          <p:sp>
+            <p:nvSpPr>
+              <p:cNvPr id="32" name="TextBox 31">
+                <a:extLst>
+                  <a:ext uri="{FF2B5EF4-FFF2-40B4-BE49-F238E27FC236}">
+                    <a16:creationId xmlns:a16="http://schemas.microsoft.com/office/drawing/2014/main" id="{8FCEB963-6C47-470F-A0A7-1D1FDF625EF3}"/>
+                  </a:ext>
+                </a:extLst>
+              </p:cNvPr>
+              <p:cNvSpPr txBox="1"/>
+              <p:nvPr/>
+            </p:nvSpPr>
+            <p:spPr>
+              <a:xfrm>
+                <a:off x="2862780" y="4638504"/>
+                <a:ext cx="1391106" cy="311560"/>
+              </a:xfrm>
+              <a:prstGeom prst="rect">
+                <a:avLst/>
+              </a:prstGeom>
+              <a:noFill/>
+            </p:spPr>
+            <p:txBody>
+              <a:bodyPr wrap="square" rtlCol="0">
+                <a:spAutoFit/>
+              </a:bodyPr>
+              <a:lstStyle/>
+              <a:p>
+                <a:pPr algn="ctr"/>
+                <a14:m>
+                  <m:oMathPara xmlns:m="http://schemas.openxmlformats.org/officeDocument/2006/math">
+                    <m:oMathParaPr>
+                      <m:jc m:val="centerGroup"/>
+                    </m:oMathParaPr>
+                    <m:oMath xmlns:m="http://schemas.openxmlformats.org/officeDocument/2006/math">
+                      <m:sSup>
+                        <m:sSupPr>
+                          <m:ctrlPr>
+                            <a:rPr lang="de-DE" sz="1400" b="0" i="1" smtClean="0">
+                              <a:latin typeface="Cambria Math" panose="02040503050406030204" pitchFamily="18" charset="0"/>
+                            </a:rPr>
+                          </m:ctrlPr>
+                        </m:sSupPr>
+                        <m:e>
+                          <m:r>
+                            <m:rPr>
+                              <m:sty m:val="p"/>
+                            </m:rPr>
+                            <a:rPr lang="de-DE" sz="1400" i="1" smtClean="0">
+                              <a:latin typeface="Cambria Math" panose="02040503050406030204" pitchFamily="18" charset="0"/>
+                            </a:rPr>
+                            <m:t>n</m:t>
+                          </m:r>
+                        </m:e>
+                        <m:sup>
+                          <m:r>
+                            <a:rPr lang="de-DE" sz="1400" b="0" i="1" smtClean="0">
+                              <a:latin typeface="Cambria Math" panose="02040503050406030204" pitchFamily="18" charset="0"/>
+                            </a:rPr>
+                            <m:t>𝑙</m:t>
+                          </m:r>
+                        </m:sup>
+                      </m:sSup>
+                      <m:r>
+                        <a:rPr lang="de-DE" sz="1400" b="0" i="1" smtClean="0">
+                          <a:latin typeface="Cambria Math" panose="02040503050406030204" pitchFamily="18" charset="0"/>
+                        </a:rPr>
+                        <m:t>×</m:t>
+                      </m:r>
+                      <m:sSup>
+                        <m:sSupPr>
+                          <m:ctrlPr>
+                            <a:rPr lang="de-DE" sz="1400" b="0" i="1" smtClean="0">
+                              <a:latin typeface="Cambria Math" panose="02040503050406030204" pitchFamily="18" charset="0"/>
+                            </a:rPr>
+                          </m:ctrlPr>
+                        </m:sSupPr>
+                        <m:e>
+                          <m:r>
+                            <a:rPr lang="de-DE" sz="1400" b="0" i="1" smtClean="0">
+                              <a:latin typeface="Cambria Math" panose="02040503050406030204" pitchFamily="18" charset="0"/>
+                            </a:rPr>
+                            <m:t>𝑛</m:t>
+                          </m:r>
+                        </m:e>
+                        <m:sup>
+                          <m:r>
+                            <a:rPr lang="de-DE" sz="1400" b="0" i="1" smtClean="0">
+                              <a:latin typeface="Cambria Math" panose="02040503050406030204" pitchFamily="18" charset="0"/>
+                            </a:rPr>
+                            <m:t>𝑙</m:t>
+                          </m:r>
+                          <m:r>
+                            <a:rPr lang="de-DE" sz="1400" b="0" i="1" smtClean="0">
+                              <a:latin typeface="Cambria Math" panose="02040503050406030204" pitchFamily="18" charset="0"/>
+                            </a:rPr>
+                            <m:t>−1</m:t>
+                          </m:r>
+                        </m:sup>
+                      </m:sSup>
+                    </m:oMath>
+                  </m:oMathPara>
+                </a14:m>
+                <a:endParaRPr lang="de-DE" sz="1400" dirty="0"/>
+              </a:p>
+            </p:txBody>
+          </p:sp>
+        </mc:Choice>
+        <mc:Fallback>
+          <p:sp>
+            <p:nvSpPr>
+              <p:cNvPr id="32" name="TextBox 31">
+                <a:extLst>
+                  <a:ext uri="{FF2B5EF4-FFF2-40B4-BE49-F238E27FC236}">
+                    <a16:creationId xmlns:a16="http://schemas.microsoft.com/office/drawing/2014/main" id="{8FCEB963-6C47-470F-A0A7-1D1FDF625EF3}"/>
+                  </a:ext>
+                </a:extLst>
+              </p:cNvPr>
+              <p:cNvSpPr txBox="1">
+                <a:spLocks noRot="1" noChangeAspect="1" noMove="1" noResize="1" noEditPoints="1" noAdjustHandles="1" noChangeArrowheads="1" noChangeShapeType="1" noTextEdit="1"/>
+              </p:cNvSpPr>
+              <p:nvPr/>
+            </p:nvSpPr>
+            <p:spPr>
+              <a:xfrm>
+                <a:off x="2862780" y="4638504"/>
+                <a:ext cx="1391106" cy="311560"/>
+              </a:xfrm>
+              <a:prstGeom prst="rect">
+                <a:avLst/>
+              </a:prstGeom>
+              <a:blipFill>
+                <a:blip r:embed="rId10"/>
+                <a:stretch>
+                  <a:fillRect/>
+                </a:stretch>
+              </a:blipFill>
+            </p:spPr>
+            <p:txBody>
+              <a:bodyPr/>
+              <a:lstStyle/>
+              <a:p>
+                <a:r>
+                  <a:rPr lang="de-DE">
+                    <a:noFill/>
+                  </a:rPr>
+                  <a:t> </a:t>
+                </a:r>
+              </a:p>
+            </p:txBody>
+          </p:sp>
+        </mc:Fallback>
+      </mc:AlternateContent>
+      <mc:AlternateContent xmlns:mc="http://schemas.openxmlformats.org/markup-compatibility/2006">
+        <mc:Choice xmlns:a14="http://schemas.microsoft.com/office/drawing/2010/main" Requires="a14">
+          <p:sp>
+            <p:nvSpPr>
+              <p:cNvPr id="33" name="TextBox 32">
+                <a:extLst>
+                  <a:ext uri="{FF2B5EF4-FFF2-40B4-BE49-F238E27FC236}">
+                    <a16:creationId xmlns:a16="http://schemas.microsoft.com/office/drawing/2014/main" id="{9C28701C-5522-4749-B13A-58A7F87D9D09}"/>
+                  </a:ext>
+                </a:extLst>
+              </p:cNvPr>
+              <p:cNvSpPr txBox="1"/>
+              <p:nvPr/>
+            </p:nvSpPr>
+            <p:spPr>
+              <a:xfrm>
+                <a:off x="2862780" y="5882667"/>
+                <a:ext cx="1391106" cy="311560"/>
+              </a:xfrm>
+              <a:prstGeom prst="rect">
+                <a:avLst/>
+              </a:prstGeom>
+              <a:noFill/>
+            </p:spPr>
+            <p:txBody>
+              <a:bodyPr wrap="square" rtlCol="0">
+                <a:spAutoFit/>
+              </a:bodyPr>
+              <a:lstStyle/>
+              <a:p>
+                <a:pPr algn="ctr"/>
+                <a14:m>
+                  <m:oMathPara xmlns:m="http://schemas.openxmlformats.org/officeDocument/2006/math">
+                    <m:oMathParaPr>
+                      <m:jc m:val="centerGroup"/>
+                    </m:oMathParaPr>
+                    <m:oMath xmlns:m="http://schemas.openxmlformats.org/officeDocument/2006/math">
+                      <m:r>
+                        <a:rPr lang="de-DE" sz="1400" b="0" i="1" smtClean="0">
+                          <a:latin typeface="Cambria Math" panose="02040503050406030204" pitchFamily="18" charset="0"/>
+                        </a:rPr>
+                        <m:t>1×</m:t>
+                      </m:r>
+                      <m:sSup>
+                        <m:sSupPr>
+                          <m:ctrlPr>
+                            <a:rPr lang="de-DE" sz="1400" b="0" i="1" smtClean="0">
+                              <a:latin typeface="Cambria Math" panose="02040503050406030204" pitchFamily="18" charset="0"/>
+                            </a:rPr>
+                          </m:ctrlPr>
+                        </m:sSupPr>
+                        <m:e>
+                          <m:r>
+                            <a:rPr lang="de-DE" sz="1400" b="0" i="1" smtClean="0">
+                              <a:latin typeface="Cambria Math" panose="02040503050406030204" pitchFamily="18" charset="0"/>
+                            </a:rPr>
+                            <m:t>𝑛</m:t>
+                          </m:r>
+                        </m:e>
+                        <m:sup>
+                          <m:r>
+                            <a:rPr lang="de-DE" sz="1400" b="0" i="1" smtClean="0">
+                              <a:latin typeface="Cambria Math" panose="02040503050406030204" pitchFamily="18" charset="0"/>
+                            </a:rPr>
+                            <m:t>𝑙</m:t>
+                          </m:r>
+                        </m:sup>
+                      </m:sSup>
+                    </m:oMath>
+                  </m:oMathPara>
+                </a14:m>
+                <a:endParaRPr lang="de-DE" sz="1400" dirty="0"/>
+              </a:p>
+            </p:txBody>
+          </p:sp>
+        </mc:Choice>
+        <mc:Fallback>
+          <p:sp>
+            <p:nvSpPr>
+              <p:cNvPr id="33" name="TextBox 32">
+                <a:extLst>
+                  <a:ext uri="{FF2B5EF4-FFF2-40B4-BE49-F238E27FC236}">
+                    <a16:creationId xmlns:a16="http://schemas.microsoft.com/office/drawing/2014/main" id="{9C28701C-5522-4749-B13A-58A7F87D9D09}"/>
+                  </a:ext>
+                </a:extLst>
+              </p:cNvPr>
+              <p:cNvSpPr txBox="1">
+                <a:spLocks noRot="1" noChangeAspect="1" noMove="1" noResize="1" noEditPoints="1" noAdjustHandles="1" noChangeArrowheads="1" noChangeShapeType="1" noTextEdit="1"/>
+              </p:cNvSpPr>
+              <p:nvPr/>
+            </p:nvSpPr>
+            <p:spPr>
+              <a:xfrm>
+                <a:off x="2862780" y="5882667"/>
+                <a:ext cx="1391106" cy="311560"/>
+              </a:xfrm>
+              <a:prstGeom prst="rect">
+                <a:avLst/>
+              </a:prstGeom>
+              <a:blipFill>
+                <a:blip r:embed="rId11"/>
+                <a:stretch>
+                  <a:fillRect/>
+                </a:stretch>
+              </a:blipFill>
+            </p:spPr>
+            <p:txBody>
+              <a:bodyPr/>
+              <a:lstStyle/>
+              <a:p>
+                <a:r>
+                  <a:rPr lang="de-DE">
+                    <a:noFill/>
+                  </a:rPr>
+                  <a:t> </a:t>
+                </a:r>
+              </a:p>
+            </p:txBody>
+          </p:sp>
+        </mc:Fallback>
+      </mc:AlternateContent>
+      <p:pic>
+        <p:nvPicPr>
+          <p:cNvPr id="35" name="Picture 34">
+            <a:extLst>
+              <a:ext uri="{FF2B5EF4-FFF2-40B4-BE49-F238E27FC236}">
+                <a16:creationId xmlns:a16="http://schemas.microsoft.com/office/drawing/2014/main" id="{A3CC5549-B149-4075-9CF5-14DC6006F6E7}"/>
+              </a:ext>
+            </a:extLst>
+          </p:cNvPr>
+          <p:cNvPicPr>
+            <a:picLocks noChangeAspect="1"/>
+          </p:cNvPicPr>
+          <p:nvPr/>
+        </p:nvPicPr>
+        <p:blipFill>
+          <a:blip r:embed="rId12"/>
+          <a:stretch>
+            <a:fillRect/>
+          </a:stretch>
+        </p:blipFill>
+        <p:spPr>
+          <a:xfrm>
+            <a:off x="5531914" y="3622464"/>
+            <a:ext cx="470095" cy="270305"/>
+          </a:xfrm>
+          <a:prstGeom prst="rect">
+            <a:avLst/>
+          </a:prstGeom>
+        </p:spPr>
+      </p:pic>
+      <p:pic>
+        <p:nvPicPr>
+          <p:cNvPr id="37" name="Picture 36">
+            <a:extLst>
+              <a:ext uri="{FF2B5EF4-FFF2-40B4-BE49-F238E27FC236}">
+                <a16:creationId xmlns:a16="http://schemas.microsoft.com/office/drawing/2014/main" id="{EE5E6E73-2360-4644-B809-60E9A911129A}"/>
+              </a:ext>
+            </a:extLst>
+          </p:cNvPr>
+          <p:cNvPicPr>
+            <a:picLocks noChangeAspect="1"/>
+          </p:cNvPicPr>
+          <p:nvPr/>
+        </p:nvPicPr>
+        <p:blipFill>
+          <a:blip r:embed="rId13"/>
+          <a:stretch>
+            <a:fillRect/>
+          </a:stretch>
+        </p:blipFill>
+        <p:spPr>
+          <a:xfrm>
+            <a:off x="5557225" y="4565262"/>
+            <a:ext cx="419472" cy="458044"/>
+          </a:xfrm>
+          <a:prstGeom prst="rect">
+            <a:avLst/>
+          </a:prstGeom>
+        </p:spPr>
+      </p:pic>
+      <p:pic>
+        <p:nvPicPr>
+          <p:cNvPr id="39" name="Picture 38">
+            <a:extLst>
+              <a:ext uri="{FF2B5EF4-FFF2-40B4-BE49-F238E27FC236}">
+                <a16:creationId xmlns:a16="http://schemas.microsoft.com/office/drawing/2014/main" id="{98F798D0-E2F5-4C2B-A48A-6539015B92EB}"/>
+              </a:ext>
+            </a:extLst>
+          </p:cNvPr>
+          <p:cNvPicPr>
+            <a:picLocks noChangeAspect="1"/>
+          </p:cNvPicPr>
+          <p:nvPr/>
+        </p:nvPicPr>
+        <p:blipFill>
+          <a:blip r:embed="rId14"/>
+          <a:stretch>
+            <a:fillRect/>
+          </a:stretch>
+        </p:blipFill>
+        <p:spPr>
+          <a:xfrm>
+            <a:off x="5574793" y="5809425"/>
+            <a:ext cx="384336" cy="458044"/>
+          </a:xfrm>
+          <a:prstGeom prst="rect">
+            <a:avLst/>
+          </a:prstGeom>
+        </p:spPr>
+      </p:pic>
+      <mc:AlternateContent xmlns:mc="http://schemas.openxmlformats.org/markup-compatibility/2006">
+        <mc:Choice xmlns:a14="http://schemas.microsoft.com/office/drawing/2010/main" Requires="a14">
+          <p:sp>
+            <p:nvSpPr>
+              <p:cNvPr id="40" name="TextBox 39">
+                <a:extLst>
+                  <a:ext uri="{FF2B5EF4-FFF2-40B4-BE49-F238E27FC236}">
+                    <a16:creationId xmlns:a16="http://schemas.microsoft.com/office/drawing/2014/main" id="{E11EB77C-8CFF-430C-AF31-2EFF9D0353D2}"/>
+                  </a:ext>
+                </a:extLst>
+              </p:cNvPr>
+              <p:cNvSpPr txBox="1"/>
+              <p:nvPr/>
+            </p:nvSpPr>
+            <p:spPr>
+              <a:xfrm>
+                <a:off x="7165149" y="2309228"/>
+                <a:ext cx="1391106" cy="307777"/>
+              </a:xfrm>
+              <a:prstGeom prst="rect">
+                <a:avLst/>
+              </a:prstGeom>
+              <a:noFill/>
+            </p:spPr>
+            <p:txBody>
+              <a:bodyPr wrap="square" rtlCol="0">
+                <a:spAutoFit/>
+              </a:bodyPr>
+              <a:lstStyle/>
+              <a:p>
+                <a:pPr algn="ctr"/>
+                <a14:m>
+                  <m:oMathPara xmlns:m="http://schemas.openxmlformats.org/officeDocument/2006/math">
+                    <m:oMathParaPr>
+                      <m:jc m:val="centerGroup"/>
+                    </m:oMathParaPr>
+                    <m:oMath xmlns:m="http://schemas.openxmlformats.org/officeDocument/2006/math">
+                      <m:r>
+                        <a:rPr lang="de-DE" sz="1400" b="0" i="1" smtClean="0">
+                          <a:latin typeface="Cambria Math" panose="02040503050406030204" pitchFamily="18" charset="0"/>
+                        </a:rPr>
+                        <m:t>𝑀</m:t>
+                      </m:r>
+                      <m:r>
+                        <a:rPr lang="de-DE" sz="1400" b="0" i="1" smtClean="0">
+                          <a:latin typeface="Cambria Math" panose="02040503050406030204" pitchFamily="18" charset="0"/>
+                        </a:rPr>
+                        <m:t>×</m:t>
+                      </m:r>
+                      <m:sSup>
+                        <m:sSupPr>
+                          <m:ctrlPr>
+                            <a:rPr lang="de-DE" sz="1400" b="0" i="1" smtClean="0">
+                              <a:latin typeface="Cambria Math" panose="02040503050406030204" pitchFamily="18" charset="0"/>
+                            </a:rPr>
+                          </m:ctrlPr>
+                        </m:sSupPr>
+                        <m:e>
+                          <m:r>
+                            <a:rPr lang="de-DE" sz="1400" b="0" i="1" smtClean="0">
+                              <a:latin typeface="Cambria Math" panose="02040503050406030204" pitchFamily="18" charset="0"/>
+                            </a:rPr>
+                            <m:t>𝑛</m:t>
+                          </m:r>
+                        </m:e>
+                        <m:sup>
+                          <m:r>
+                            <a:rPr lang="de-DE" sz="1400" b="0" i="1" smtClean="0">
+                              <a:latin typeface="Cambria Math" panose="02040503050406030204" pitchFamily="18" charset="0"/>
+                            </a:rPr>
+                            <m:t>𝐿</m:t>
+                          </m:r>
+                        </m:sup>
+                      </m:sSup>
+                      <m:r>
+                        <a:rPr lang="de-DE" sz="1400" b="0" i="1" smtClean="0">
+                          <a:latin typeface="Cambria Math" panose="02040503050406030204" pitchFamily="18" charset="0"/>
+                        </a:rPr>
+                        <m:t>×1</m:t>
+                      </m:r>
+                    </m:oMath>
+                  </m:oMathPara>
+                </a14:m>
+                <a:endParaRPr lang="de-DE" sz="1400" dirty="0"/>
+              </a:p>
+            </p:txBody>
+          </p:sp>
+        </mc:Choice>
+        <mc:Fallback>
+          <p:sp>
+            <p:nvSpPr>
+              <p:cNvPr id="40" name="TextBox 39">
+                <a:extLst>
+                  <a:ext uri="{FF2B5EF4-FFF2-40B4-BE49-F238E27FC236}">
+                    <a16:creationId xmlns:a16="http://schemas.microsoft.com/office/drawing/2014/main" id="{E11EB77C-8CFF-430C-AF31-2EFF9D0353D2}"/>
+                  </a:ext>
+                </a:extLst>
+              </p:cNvPr>
+              <p:cNvSpPr txBox="1">
+                <a:spLocks noRot="1" noChangeAspect="1" noMove="1" noResize="1" noEditPoints="1" noAdjustHandles="1" noChangeArrowheads="1" noChangeShapeType="1" noTextEdit="1"/>
+              </p:cNvSpPr>
+              <p:nvPr/>
+            </p:nvSpPr>
+            <p:spPr>
+              <a:xfrm>
+                <a:off x="7165149" y="2309228"/>
+                <a:ext cx="1391106" cy="307777"/>
+              </a:xfrm>
+              <a:prstGeom prst="rect">
+                <a:avLst/>
+              </a:prstGeom>
+              <a:blipFill>
+                <a:blip r:embed="rId15"/>
+                <a:stretch>
+                  <a:fillRect/>
+                </a:stretch>
+              </a:blipFill>
+            </p:spPr>
+            <p:txBody>
+              <a:bodyPr/>
+              <a:lstStyle/>
+              <a:p>
+                <a:r>
+                  <a:rPr lang="de-DE">
+                    <a:noFill/>
+                  </a:rPr>
+                  <a:t> </a:t>
+                </a:r>
+              </a:p>
+            </p:txBody>
+          </p:sp>
+        </mc:Fallback>
+      </mc:AlternateContent>
+      <mc:AlternateContent xmlns:mc="http://schemas.openxmlformats.org/markup-compatibility/2006">
+        <mc:Choice xmlns:a14="http://schemas.microsoft.com/office/drawing/2010/main" Requires="a14">
+          <p:sp>
+            <p:nvSpPr>
+              <p:cNvPr id="41" name="TextBox 40">
+                <a:extLst>
+                  <a:ext uri="{FF2B5EF4-FFF2-40B4-BE49-F238E27FC236}">
+                    <a16:creationId xmlns:a16="http://schemas.microsoft.com/office/drawing/2014/main" id="{E569DC92-EADA-405C-AA2C-849C1BA47B32}"/>
+                  </a:ext>
+                </a:extLst>
+              </p:cNvPr>
+              <p:cNvSpPr txBox="1"/>
+              <p:nvPr/>
+            </p:nvSpPr>
+            <p:spPr>
+              <a:xfrm>
+                <a:off x="7165149" y="3601836"/>
+                <a:ext cx="1391106" cy="311560"/>
+              </a:xfrm>
+              <a:prstGeom prst="rect">
+                <a:avLst/>
+              </a:prstGeom>
+              <a:noFill/>
+            </p:spPr>
+            <p:txBody>
+              <a:bodyPr wrap="square" rtlCol="0">
+                <a:spAutoFit/>
+              </a:bodyPr>
+              <a:lstStyle/>
+              <a:p>
+                <a:pPr algn="ctr"/>
+                <a14:m>
+                  <m:oMathPara xmlns:m="http://schemas.openxmlformats.org/officeDocument/2006/math">
+                    <m:oMathParaPr>
+                      <m:jc m:val="centerGroup"/>
+                    </m:oMathParaPr>
+                    <m:oMath xmlns:m="http://schemas.openxmlformats.org/officeDocument/2006/math">
+                      <m:r>
+                        <a:rPr lang="de-DE" sz="1400" b="0" i="1" smtClean="0">
+                          <a:latin typeface="Cambria Math" panose="02040503050406030204" pitchFamily="18" charset="0"/>
+                        </a:rPr>
+                        <m:t>𝑀</m:t>
+                      </m:r>
+                      <m:r>
+                        <a:rPr lang="de-DE" sz="1400" b="0" i="1" smtClean="0">
+                          <a:latin typeface="Cambria Math" panose="02040503050406030204" pitchFamily="18" charset="0"/>
+                        </a:rPr>
+                        <m:t>×</m:t>
+                      </m:r>
+                      <m:sSup>
+                        <m:sSupPr>
+                          <m:ctrlPr>
+                            <a:rPr lang="de-DE" sz="1400" b="0" i="1" smtClean="0">
+                              <a:latin typeface="Cambria Math" panose="02040503050406030204" pitchFamily="18" charset="0"/>
+                            </a:rPr>
+                          </m:ctrlPr>
+                        </m:sSupPr>
+                        <m:e>
+                          <m:r>
+                            <a:rPr lang="de-DE" sz="1400" b="0" i="1" smtClean="0">
+                              <a:latin typeface="Cambria Math" panose="02040503050406030204" pitchFamily="18" charset="0"/>
+                            </a:rPr>
+                            <m:t>𝑛</m:t>
+                          </m:r>
+                        </m:e>
+                        <m:sup>
+                          <m:r>
+                            <a:rPr lang="de-DE" sz="1400" b="0" i="1" smtClean="0">
+                              <a:latin typeface="Cambria Math" panose="02040503050406030204" pitchFamily="18" charset="0"/>
+                            </a:rPr>
+                            <m:t>𝑙</m:t>
+                          </m:r>
+                          <m:r>
+                            <a:rPr lang="de-DE" sz="1400" b="0" i="1" smtClean="0">
+                              <a:latin typeface="Cambria Math" panose="02040503050406030204" pitchFamily="18" charset="0"/>
+                            </a:rPr>
+                            <m:t>−1</m:t>
+                          </m:r>
+                        </m:sup>
+                      </m:sSup>
+                      <m:r>
+                        <a:rPr lang="de-DE" sz="1400" b="0" i="1" smtClean="0">
+                          <a:latin typeface="Cambria Math" panose="02040503050406030204" pitchFamily="18" charset="0"/>
+                        </a:rPr>
+                        <m:t>×1</m:t>
+                      </m:r>
+                    </m:oMath>
+                  </m:oMathPara>
+                </a14:m>
+                <a:endParaRPr lang="de-DE" sz="1400" dirty="0"/>
+              </a:p>
+            </p:txBody>
+          </p:sp>
+        </mc:Choice>
+        <mc:Fallback>
+          <p:sp>
+            <p:nvSpPr>
+              <p:cNvPr id="41" name="TextBox 40">
+                <a:extLst>
+                  <a:ext uri="{FF2B5EF4-FFF2-40B4-BE49-F238E27FC236}">
+                    <a16:creationId xmlns:a16="http://schemas.microsoft.com/office/drawing/2014/main" id="{E569DC92-EADA-405C-AA2C-849C1BA47B32}"/>
+                  </a:ext>
+                </a:extLst>
+              </p:cNvPr>
+              <p:cNvSpPr txBox="1">
+                <a:spLocks noRot="1" noChangeAspect="1" noMove="1" noResize="1" noEditPoints="1" noAdjustHandles="1" noChangeArrowheads="1" noChangeShapeType="1" noTextEdit="1"/>
+              </p:cNvSpPr>
+              <p:nvPr/>
+            </p:nvSpPr>
+            <p:spPr>
+              <a:xfrm>
+                <a:off x="7165149" y="3601836"/>
+                <a:ext cx="1391106" cy="311560"/>
+              </a:xfrm>
+              <a:prstGeom prst="rect">
+                <a:avLst/>
+              </a:prstGeom>
+              <a:blipFill>
+                <a:blip r:embed="rId16"/>
+                <a:stretch>
+                  <a:fillRect/>
+                </a:stretch>
+              </a:blipFill>
+            </p:spPr>
+            <p:txBody>
+              <a:bodyPr/>
+              <a:lstStyle/>
+              <a:p>
+                <a:r>
+                  <a:rPr lang="de-DE">
+                    <a:noFill/>
+                  </a:rPr>
+                  <a:t> </a:t>
+                </a:r>
+              </a:p>
+            </p:txBody>
+          </p:sp>
+        </mc:Fallback>
+      </mc:AlternateContent>
+      <mc:AlternateContent xmlns:mc="http://schemas.openxmlformats.org/markup-compatibility/2006">
+        <mc:Choice xmlns:a14="http://schemas.microsoft.com/office/drawing/2010/main" Requires="a14">
+          <p:sp>
+            <p:nvSpPr>
+              <p:cNvPr id="42" name="TextBox 41">
+                <a:extLst>
+                  <a:ext uri="{FF2B5EF4-FFF2-40B4-BE49-F238E27FC236}">
+                    <a16:creationId xmlns:a16="http://schemas.microsoft.com/office/drawing/2014/main" id="{2BF172CC-A1E8-4E1A-BF5D-88D8550AE497}"/>
+                  </a:ext>
+                </a:extLst>
+              </p:cNvPr>
+              <p:cNvSpPr txBox="1"/>
+              <p:nvPr/>
+            </p:nvSpPr>
+            <p:spPr>
+              <a:xfrm>
+                <a:off x="7165149" y="4638504"/>
+                <a:ext cx="1391106" cy="311560"/>
+              </a:xfrm>
+              <a:prstGeom prst="rect">
+                <a:avLst/>
+              </a:prstGeom>
+              <a:noFill/>
+            </p:spPr>
+            <p:txBody>
+              <a:bodyPr wrap="square" rtlCol="0">
+                <a:spAutoFit/>
+              </a:bodyPr>
+              <a:lstStyle/>
+              <a:p>
+                <a:pPr algn="ctr"/>
+                <a14:m>
+                  <m:oMathPara xmlns:m="http://schemas.openxmlformats.org/officeDocument/2006/math">
+                    <m:oMathParaPr>
+                      <m:jc m:val="centerGroup"/>
+                    </m:oMathParaPr>
+                    <m:oMath xmlns:m="http://schemas.openxmlformats.org/officeDocument/2006/math">
+                      <m:sSup>
+                        <m:sSupPr>
+                          <m:ctrlPr>
+                            <a:rPr lang="de-DE" sz="1400" b="0" i="1" smtClean="0">
+                              <a:latin typeface="Cambria Math" panose="02040503050406030204" pitchFamily="18" charset="0"/>
+                            </a:rPr>
+                          </m:ctrlPr>
+                        </m:sSupPr>
+                        <m:e>
+                          <m:r>
+                            <m:rPr>
+                              <m:sty m:val="p"/>
+                            </m:rPr>
+                            <a:rPr lang="de-DE" sz="1400" i="1" smtClean="0">
+                              <a:latin typeface="Cambria Math" panose="02040503050406030204" pitchFamily="18" charset="0"/>
+                            </a:rPr>
+                            <m:t>n</m:t>
+                          </m:r>
+                        </m:e>
+                        <m:sup>
+                          <m:r>
+                            <a:rPr lang="de-DE" sz="1400" b="0" i="1" smtClean="0">
+                              <a:latin typeface="Cambria Math" panose="02040503050406030204" pitchFamily="18" charset="0"/>
+                            </a:rPr>
+                            <m:t>𝑙</m:t>
+                          </m:r>
+                        </m:sup>
+                      </m:sSup>
+                      <m:r>
+                        <a:rPr lang="de-DE" sz="1400" b="0" i="1" smtClean="0">
+                          <a:latin typeface="Cambria Math" panose="02040503050406030204" pitchFamily="18" charset="0"/>
+                        </a:rPr>
+                        <m:t>×</m:t>
+                      </m:r>
+                      <m:sSup>
+                        <m:sSupPr>
+                          <m:ctrlPr>
+                            <a:rPr lang="de-DE" sz="1400" b="0" i="1" smtClean="0">
+                              <a:latin typeface="Cambria Math" panose="02040503050406030204" pitchFamily="18" charset="0"/>
+                            </a:rPr>
+                          </m:ctrlPr>
+                        </m:sSupPr>
+                        <m:e>
+                          <m:r>
+                            <a:rPr lang="de-DE" sz="1400" b="0" i="1" smtClean="0">
+                              <a:latin typeface="Cambria Math" panose="02040503050406030204" pitchFamily="18" charset="0"/>
+                            </a:rPr>
+                            <m:t>𝑛</m:t>
+                          </m:r>
+                        </m:e>
+                        <m:sup>
+                          <m:r>
+                            <a:rPr lang="de-DE" sz="1400" b="0" i="1" smtClean="0">
+                              <a:latin typeface="Cambria Math" panose="02040503050406030204" pitchFamily="18" charset="0"/>
+                            </a:rPr>
+                            <m:t>𝑙</m:t>
+                          </m:r>
+                          <m:r>
+                            <a:rPr lang="de-DE" sz="1400" b="0" i="1" smtClean="0">
+                              <a:latin typeface="Cambria Math" panose="02040503050406030204" pitchFamily="18" charset="0"/>
+                            </a:rPr>
+                            <m:t>−1</m:t>
+                          </m:r>
+                        </m:sup>
+                      </m:sSup>
+                    </m:oMath>
+                  </m:oMathPara>
+                </a14:m>
+                <a:endParaRPr lang="de-DE" sz="1400" dirty="0"/>
+              </a:p>
+            </p:txBody>
+          </p:sp>
+        </mc:Choice>
+        <mc:Fallback>
+          <p:sp>
+            <p:nvSpPr>
+              <p:cNvPr id="42" name="TextBox 41">
+                <a:extLst>
+                  <a:ext uri="{FF2B5EF4-FFF2-40B4-BE49-F238E27FC236}">
+                    <a16:creationId xmlns:a16="http://schemas.microsoft.com/office/drawing/2014/main" id="{2BF172CC-A1E8-4E1A-BF5D-88D8550AE497}"/>
+                  </a:ext>
+                </a:extLst>
+              </p:cNvPr>
+              <p:cNvSpPr txBox="1">
+                <a:spLocks noRot="1" noChangeAspect="1" noMove="1" noResize="1" noEditPoints="1" noAdjustHandles="1" noChangeArrowheads="1" noChangeShapeType="1" noTextEdit="1"/>
+              </p:cNvSpPr>
+              <p:nvPr/>
+            </p:nvSpPr>
+            <p:spPr>
+              <a:xfrm>
+                <a:off x="7165149" y="4638504"/>
+                <a:ext cx="1391106" cy="311560"/>
+              </a:xfrm>
+              <a:prstGeom prst="rect">
+                <a:avLst/>
+              </a:prstGeom>
+              <a:blipFill>
+                <a:blip r:embed="rId17"/>
+                <a:stretch>
+                  <a:fillRect/>
+                </a:stretch>
+              </a:blipFill>
+            </p:spPr>
+            <p:txBody>
+              <a:bodyPr/>
+              <a:lstStyle/>
+              <a:p>
+                <a:r>
+                  <a:rPr lang="de-DE">
+                    <a:noFill/>
+                  </a:rPr>
+                  <a:t> </a:t>
+                </a:r>
+              </a:p>
+            </p:txBody>
+          </p:sp>
+        </mc:Fallback>
+      </mc:AlternateContent>
+      <mc:AlternateContent xmlns:mc="http://schemas.openxmlformats.org/markup-compatibility/2006">
+        <mc:Choice xmlns:a14="http://schemas.microsoft.com/office/drawing/2010/main" Requires="a14">
+          <p:sp>
+            <p:nvSpPr>
+              <p:cNvPr id="43" name="TextBox 42">
+                <a:extLst>
+                  <a:ext uri="{FF2B5EF4-FFF2-40B4-BE49-F238E27FC236}">
+                    <a16:creationId xmlns:a16="http://schemas.microsoft.com/office/drawing/2014/main" id="{1F282741-5E1A-4A05-A102-06B99F1BEFDB}"/>
+                  </a:ext>
+                </a:extLst>
+              </p:cNvPr>
+              <p:cNvSpPr txBox="1"/>
+              <p:nvPr/>
+            </p:nvSpPr>
+            <p:spPr>
+              <a:xfrm>
+                <a:off x="7165149" y="5882667"/>
+                <a:ext cx="1391106" cy="311560"/>
+              </a:xfrm>
+              <a:prstGeom prst="rect">
+                <a:avLst/>
+              </a:prstGeom>
+              <a:noFill/>
+            </p:spPr>
+            <p:txBody>
+              <a:bodyPr wrap="square" rtlCol="0">
+                <a:spAutoFit/>
+              </a:bodyPr>
+              <a:lstStyle/>
+              <a:p>
+                <a:pPr algn="ctr"/>
+                <a14:m>
+                  <m:oMathPara xmlns:m="http://schemas.openxmlformats.org/officeDocument/2006/math">
+                    <m:oMathParaPr>
+                      <m:jc m:val="centerGroup"/>
+                    </m:oMathParaPr>
+                    <m:oMath xmlns:m="http://schemas.openxmlformats.org/officeDocument/2006/math">
+                      <m:sSup>
+                        <m:sSupPr>
+                          <m:ctrlPr>
+                            <a:rPr lang="de-DE" sz="1400" b="0" i="1" smtClean="0">
+                              <a:latin typeface="Cambria Math" panose="02040503050406030204" pitchFamily="18" charset="0"/>
+                            </a:rPr>
+                          </m:ctrlPr>
+                        </m:sSupPr>
+                        <m:e>
+                          <m:r>
+                            <m:rPr>
+                              <m:sty m:val="p"/>
+                            </m:rPr>
+                            <a:rPr lang="de-DE" sz="1400" i="1" smtClean="0">
+                              <a:latin typeface="Cambria Math" panose="02040503050406030204" pitchFamily="18" charset="0"/>
+                            </a:rPr>
+                            <m:t>n</m:t>
+                          </m:r>
+                        </m:e>
+                        <m:sup>
+                          <m:r>
+                            <a:rPr lang="de-DE" sz="1400" b="0" i="1" smtClean="0">
+                              <a:latin typeface="Cambria Math" panose="02040503050406030204" pitchFamily="18" charset="0"/>
+                            </a:rPr>
+                            <m:t>𝑙</m:t>
+                          </m:r>
+                        </m:sup>
+                      </m:sSup>
+                      <m:r>
+                        <a:rPr lang="de-DE" sz="1400" b="0" i="1" smtClean="0">
+                          <a:latin typeface="Cambria Math" panose="02040503050406030204" pitchFamily="18" charset="0"/>
+                        </a:rPr>
+                        <m:t>×1</m:t>
+                      </m:r>
+                    </m:oMath>
+                  </m:oMathPara>
+                </a14:m>
+                <a:endParaRPr lang="de-DE" sz="1400" dirty="0"/>
+              </a:p>
+            </p:txBody>
+          </p:sp>
+        </mc:Choice>
+        <mc:Fallback>
+          <p:sp>
+            <p:nvSpPr>
+              <p:cNvPr id="43" name="TextBox 42">
+                <a:extLst>
+                  <a:ext uri="{FF2B5EF4-FFF2-40B4-BE49-F238E27FC236}">
+                    <a16:creationId xmlns:a16="http://schemas.microsoft.com/office/drawing/2014/main" id="{1F282741-5E1A-4A05-A102-06B99F1BEFDB}"/>
+                  </a:ext>
+                </a:extLst>
+              </p:cNvPr>
+              <p:cNvSpPr txBox="1">
+                <a:spLocks noRot="1" noChangeAspect="1" noMove="1" noResize="1" noEditPoints="1" noAdjustHandles="1" noChangeArrowheads="1" noChangeShapeType="1" noTextEdit="1"/>
+              </p:cNvSpPr>
+              <p:nvPr/>
+            </p:nvSpPr>
+            <p:spPr>
+              <a:xfrm>
+                <a:off x="7165149" y="5882667"/>
+                <a:ext cx="1391106" cy="311560"/>
+              </a:xfrm>
+              <a:prstGeom prst="rect">
+                <a:avLst/>
+              </a:prstGeom>
+              <a:blipFill>
+                <a:blip r:embed="rId18"/>
+                <a:stretch>
+                  <a:fillRect/>
+                </a:stretch>
+              </a:blipFill>
+            </p:spPr>
+            <p:txBody>
+              <a:bodyPr/>
+              <a:lstStyle/>
+              <a:p>
+                <a:r>
+                  <a:rPr lang="de-DE">
+                    <a:noFill/>
+                  </a:rPr>
+                  <a:t> </a:t>
+                </a:r>
+              </a:p>
+            </p:txBody>
+          </p:sp>
+        </mc:Fallback>
+      </mc:AlternateContent>
+      <p:sp>
+        <p:nvSpPr>
+          <p:cNvPr id="44" name="TextBox 43">
+            <a:extLst>
+              <a:ext uri="{FF2B5EF4-FFF2-40B4-BE49-F238E27FC236}">
+                <a16:creationId xmlns:a16="http://schemas.microsoft.com/office/drawing/2014/main" id="{D8B8CE4F-1F8B-4D9A-B273-9AEBF9A2ACAA}"/>
+              </a:ext>
+            </a:extLst>
+          </p:cNvPr>
+          <p:cNvSpPr txBox="1"/>
+          <p:nvPr/>
+        </p:nvSpPr>
+        <p:spPr>
+          <a:xfrm>
+            <a:off x="8999085" y="2201506"/>
+            <a:ext cx="2940146" cy="523220"/>
+          </a:xfrm>
+          <a:prstGeom prst="rect">
+            <a:avLst/>
+          </a:prstGeom>
+          <a:noFill/>
+        </p:spPr>
+        <p:txBody>
+          <a:bodyPr wrap="square" rtlCol="0">
+            <a:spAutoFit/>
+          </a:bodyPr>
+          <a:lstStyle/>
+          <a:p>
+            <a:pPr marL="285750" indent="-285750">
+              <a:buFont typeface="Arial" panose="020B0604020202020204" pitchFamily="34" charset="0"/>
+              <a:buChar char="•"/>
+            </a:pPr>
+            <a:r>
+              <a:rPr lang="de-DE" sz="1400" dirty="0"/>
+              <a:t>Fehler am Output Layer</a:t>
+            </a:r>
+          </a:p>
+          <a:p>
+            <a:pPr marL="285750" indent="-285750">
+              <a:buFont typeface="Arial" panose="020B0604020202020204" pitchFamily="34" charset="0"/>
+              <a:buChar char="•"/>
+            </a:pPr>
+            <a:r>
+              <a:rPr lang="de-DE" sz="1400" dirty="0"/>
+              <a:t>Initialisiert Backpropagation</a:t>
+            </a:r>
+          </a:p>
+        </p:txBody>
+      </p:sp>
+      <mc:AlternateContent xmlns:mc="http://schemas.openxmlformats.org/markup-compatibility/2006">
+        <mc:Choice xmlns:a14="http://schemas.microsoft.com/office/drawing/2010/main" Requires="a14">
+          <p:sp>
+            <p:nvSpPr>
+              <p:cNvPr id="45" name="TextBox 44">
+                <a:extLst>
+                  <a:ext uri="{FF2B5EF4-FFF2-40B4-BE49-F238E27FC236}">
+                    <a16:creationId xmlns:a16="http://schemas.microsoft.com/office/drawing/2014/main" id="{CCFCCD52-A598-49CE-9ED4-DED8A9B513D8}"/>
+                  </a:ext>
+                </a:extLst>
+              </p:cNvPr>
+              <p:cNvSpPr txBox="1"/>
+              <p:nvPr/>
+            </p:nvSpPr>
+            <p:spPr>
+              <a:xfrm>
+                <a:off x="9088180" y="3280563"/>
+                <a:ext cx="2761957" cy="954107"/>
+              </a:xfrm>
+              <a:prstGeom prst="rect">
+                <a:avLst/>
+              </a:prstGeom>
+              <a:noFill/>
+            </p:spPr>
+            <p:txBody>
+              <a:bodyPr wrap="square" rtlCol="0">
+                <a:spAutoFit/>
+              </a:bodyPr>
+              <a:lstStyle/>
+              <a:p>
+                <a:pPr marL="285750" indent="-285750">
+                  <a:buFont typeface="Arial" panose="020B0604020202020204" pitchFamily="34" charset="0"/>
+                  <a:buChar char="•"/>
+                </a:pPr>
+                <a:r>
+                  <a:rPr lang="de-DE" sz="1400" dirty="0"/>
+                  <a:t>Fehler am Hidden Layer </a:t>
+                </a:r>
+                <a14:m>
+                  <m:oMath xmlns:m="http://schemas.openxmlformats.org/officeDocument/2006/math">
+                    <m:r>
+                      <a:rPr lang="de-DE" sz="1400" b="0" i="1" smtClean="0">
+                        <a:latin typeface="Cambria Math" panose="02040503050406030204" pitchFamily="18" charset="0"/>
+                      </a:rPr>
+                      <m:t>𝑙</m:t>
+                    </m:r>
+                    <m:r>
+                      <a:rPr lang="de-DE" sz="1400" b="0" i="1" smtClean="0">
+                        <a:latin typeface="Cambria Math" panose="02040503050406030204" pitchFamily="18" charset="0"/>
+                      </a:rPr>
+                      <m:t>=</m:t>
+                    </m:r>
+                    <m:d>
+                      <m:dPr>
+                        <m:ctrlPr>
+                          <a:rPr lang="de-DE" sz="1400" b="0" i="1" smtClean="0">
+                            <a:latin typeface="Cambria Math" panose="02040503050406030204" pitchFamily="18" charset="0"/>
+                          </a:rPr>
+                        </m:ctrlPr>
+                      </m:dPr>
+                      <m:e>
+                        <m:r>
+                          <a:rPr lang="de-DE" sz="1400" b="0" i="1" smtClean="0">
+                            <a:latin typeface="Cambria Math" panose="02040503050406030204" pitchFamily="18" charset="0"/>
+                          </a:rPr>
+                          <m:t>𝐿</m:t>
+                        </m:r>
+                        <m:r>
+                          <a:rPr lang="de-DE" sz="1400" b="0" i="1" smtClean="0">
+                            <a:latin typeface="Cambria Math" panose="02040503050406030204" pitchFamily="18" charset="0"/>
+                          </a:rPr>
+                          <m:t>−1</m:t>
+                        </m:r>
+                      </m:e>
+                    </m:d>
+                    <m:r>
+                      <a:rPr lang="de-DE" sz="1400" b="0" i="1" smtClean="0">
+                        <a:latin typeface="Cambria Math" panose="02040503050406030204" pitchFamily="18" charset="0"/>
+                      </a:rPr>
+                      <m:t>, </m:t>
+                    </m:r>
+                    <m:d>
+                      <m:dPr>
+                        <m:ctrlPr>
+                          <a:rPr lang="de-DE" sz="1400" b="0" i="1" smtClean="0">
+                            <a:latin typeface="Cambria Math" panose="02040503050406030204" pitchFamily="18" charset="0"/>
+                          </a:rPr>
+                        </m:ctrlPr>
+                      </m:dPr>
+                      <m:e>
+                        <m:r>
+                          <a:rPr lang="de-DE" sz="1400" b="0" i="1" smtClean="0">
+                            <a:latin typeface="Cambria Math" panose="02040503050406030204" pitchFamily="18" charset="0"/>
+                          </a:rPr>
+                          <m:t>𝐿</m:t>
+                        </m:r>
+                        <m:r>
+                          <a:rPr lang="de-DE" sz="1400" b="0" i="1" smtClean="0">
+                            <a:latin typeface="Cambria Math" panose="02040503050406030204" pitchFamily="18" charset="0"/>
+                          </a:rPr>
+                          <m:t>−2</m:t>
+                        </m:r>
+                      </m:e>
+                    </m:d>
+                    <m:r>
+                      <a:rPr lang="de-DE" sz="1400" b="0" i="1" smtClean="0">
+                        <a:latin typeface="Cambria Math" panose="02040503050406030204" pitchFamily="18" charset="0"/>
+                      </a:rPr>
+                      <m:t>, …, 1</m:t>
+                    </m:r>
+                  </m:oMath>
+                </a14:m>
+                <a:endParaRPr lang="de-DE" sz="1400" dirty="0"/>
+              </a:p>
+              <a:p>
+                <a:pPr marL="285750" indent="-285750">
+                  <a:buFont typeface="Arial" panose="020B0604020202020204" pitchFamily="34" charset="0"/>
+                  <a:buChar char="•"/>
+                </a:pPr>
+                <a:r>
+                  <a:rPr lang="de-DE" sz="1400" dirty="0"/>
+                  <a:t>Propagiert Fehler zum vorherigen Layer</a:t>
+                </a:r>
+              </a:p>
+            </p:txBody>
+          </p:sp>
+        </mc:Choice>
+        <mc:Fallback>
+          <p:sp>
+            <p:nvSpPr>
+              <p:cNvPr id="45" name="TextBox 44">
+                <a:extLst>
+                  <a:ext uri="{FF2B5EF4-FFF2-40B4-BE49-F238E27FC236}">
+                    <a16:creationId xmlns:a16="http://schemas.microsoft.com/office/drawing/2014/main" id="{CCFCCD52-A598-49CE-9ED4-DED8A9B513D8}"/>
+                  </a:ext>
+                </a:extLst>
+              </p:cNvPr>
+              <p:cNvSpPr txBox="1">
+                <a:spLocks noRot="1" noChangeAspect="1" noMove="1" noResize="1" noEditPoints="1" noAdjustHandles="1" noChangeArrowheads="1" noChangeShapeType="1" noTextEdit="1"/>
+              </p:cNvSpPr>
+              <p:nvPr/>
+            </p:nvSpPr>
+            <p:spPr>
+              <a:xfrm>
+                <a:off x="9088180" y="3280563"/>
+                <a:ext cx="2761957" cy="954107"/>
+              </a:xfrm>
+              <a:prstGeom prst="rect">
+                <a:avLst/>
+              </a:prstGeom>
+              <a:blipFill>
+                <a:blip r:embed="rId19"/>
+                <a:stretch>
+                  <a:fillRect l="-442" t="-1274" b="-5732"/>
+                </a:stretch>
+              </a:blipFill>
+            </p:spPr>
+            <p:txBody>
+              <a:bodyPr/>
+              <a:lstStyle/>
+              <a:p>
+                <a:r>
+                  <a:rPr lang="de-DE">
+                    <a:noFill/>
+                  </a:rPr>
+                  <a:t> </a:t>
+                </a:r>
+              </a:p>
+            </p:txBody>
+          </p:sp>
+        </mc:Fallback>
+      </mc:AlternateContent>
+      <p:sp>
+        <p:nvSpPr>
+          <p:cNvPr id="47" name="TextBox 46">
+            <a:extLst>
+              <a:ext uri="{FF2B5EF4-FFF2-40B4-BE49-F238E27FC236}">
+                <a16:creationId xmlns:a16="http://schemas.microsoft.com/office/drawing/2014/main" id="{391AAC06-9851-44B2-9CD9-4B3EA716CDAD}"/>
+              </a:ext>
+            </a:extLst>
+          </p:cNvPr>
+          <p:cNvSpPr txBox="1"/>
+          <p:nvPr/>
+        </p:nvSpPr>
+        <p:spPr>
+          <a:xfrm>
+            <a:off x="9088180" y="4424952"/>
+            <a:ext cx="2761957" cy="738664"/>
+          </a:xfrm>
+          <a:prstGeom prst="rect">
+            <a:avLst/>
+          </a:prstGeom>
+          <a:noFill/>
+        </p:spPr>
+        <p:txBody>
+          <a:bodyPr wrap="square" rtlCol="0">
+            <a:spAutoFit/>
+          </a:bodyPr>
+          <a:lstStyle/>
+          <a:p>
+            <a:pPr marL="285750" indent="-285750">
+              <a:buFont typeface="Arial" panose="020B0604020202020204" pitchFamily="34" charset="0"/>
+              <a:buChar char="•"/>
+            </a:pPr>
+            <a:r>
+              <a:rPr lang="de-DE" sz="1400" dirty="0"/>
+              <a:t>Gewichtsgradienten</a:t>
+            </a:r>
+          </a:p>
+          <a:p>
+            <a:pPr marL="285750" indent="-285750">
+              <a:buFont typeface="Arial" panose="020B0604020202020204" pitchFamily="34" charset="0"/>
+              <a:buChar char="•"/>
+            </a:pPr>
+            <a:r>
+              <a:rPr lang="de-DE" sz="1400" dirty="0"/>
+              <a:t>Benötigt zum „Erlernen“ von Gewichten</a:t>
+            </a:r>
+          </a:p>
+        </p:txBody>
+      </p:sp>
+      <p:sp>
+        <p:nvSpPr>
+          <p:cNvPr id="48" name="TextBox 47">
+            <a:extLst>
+              <a:ext uri="{FF2B5EF4-FFF2-40B4-BE49-F238E27FC236}">
+                <a16:creationId xmlns:a16="http://schemas.microsoft.com/office/drawing/2014/main" id="{8659517A-5E84-4C25-B079-29DEA982EA50}"/>
+              </a:ext>
+            </a:extLst>
+          </p:cNvPr>
+          <p:cNvSpPr txBox="1"/>
+          <p:nvPr/>
+        </p:nvSpPr>
+        <p:spPr>
+          <a:xfrm>
+            <a:off x="9088180" y="5669115"/>
+            <a:ext cx="2761957" cy="738664"/>
+          </a:xfrm>
+          <a:prstGeom prst="rect">
+            <a:avLst/>
+          </a:prstGeom>
+          <a:noFill/>
+        </p:spPr>
+        <p:txBody>
+          <a:bodyPr wrap="square" rtlCol="0">
+            <a:spAutoFit/>
+          </a:bodyPr>
+          <a:lstStyle/>
+          <a:p>
+            <a:pPr marL="285750" indent="-285750">
+              <a:buFont typeface="Arial" panose="020B0604020202020204" pitchFamily="34" charset="0"/>
+              <a:buChar char="•"/>
+            </a:pPr>
+            <a:r>
+              <a:rPr lang="de-DE" sz="1400" dirty="0"/>
+              <a:t>Biasgradienten</a:t>
+            </a:r>
+          </a:p>
+          <a:p>
+            <a:pPr marL="285750" indent="-285750">
+              <a:buFont typeface="Arial" panose="020B0604020202020204" pitchFamily="34" charset="0"/>
+              <a:buChar char="•"/>
+            </a:pPr>
+            <a:r>
+              <a:rPr lang="de-DE" sz="1400" dirty="0"/>
+              <a:t>Benötigt zum „Erlernen“ von Biases</a:t>
+            </a:r>
+          </a:p>
+        </p:txBody>
+      </p:sp>
+      <p:cxnSp>
+        <p:nvCxnSpPr>
+          <p:cNvPr id="50" name="Straight Connector 49">
+            <a:extLst>
+              <a:ext uri="{FF2B5EF4-FFF2-40B4-BE49-F238E27FC236}">
+                <a16:creationId xmlns:a16="http://schemas.microsoft.com/office/drawing/2014/main" id="{A38A99A9-EB15-4383-A981-66825F762128}"/>
+              </a:ext>
+            </a:extLst>
+          </p:cNvPr>
+          <p:cNvCxnSpPr>
+            <a:cxnSpLocks/>
+          </p:cNvCxnSpPr>
+          <p:nvPr/>
+        </p:nvCxnSpPr>
+        <p:spPr>
+          <a:xfrm>
+            <a:off x="905032" y="2077329"/>
+            <a:ext cx="10512000" cy="0"/>
+          </a:xfrm>
+          <a:prstGeom prst="line">
+            <a:avLst/>
+          </a:prstGeom>
+          <a:ln>
+            <a:solidFill>
+              <a:schemeClr val="tx1"/>
+            </a:solidFill>
+          </a:ln>
+        </p:spPr>
+        <p:style>
+          <a:lnRef idx="1">
+            <a:schemeClr val="accent1"/>
+          </a:lnRef>
+          <a:fillRef idx="0">
+            <a:schemeClr val="accent1"/>
+          </a:fillRef>
+          <a:effectRef idx="0">
+            <a:schemeClr val="accent1"/>
+          </a:effectRef>
+          <a:fontRef idx="minor">
+            <a:schemeClr val="tx1"/>
+          </a:fontRef>
+        </p:style>
+      </p:cxnSp>
+      <p:cxnSp>
+        <p:nvCxnSpPr>
+          <p:cNvPr id="53" name="Straight Connector 52">
+            <a:extLst>
+              <a:ext uri="{FF2B5EF4-FFF2-40B4-BE49-F238E27FC236}">
+                <a16:creationId xmlns:a16="http://schemas.microsoft.com/office/drawing/2014/main" id="{DAA4DF31-9C92-4791-A01B-E0B4C79E4BA0}"/>
+              </a:ext>
+            </a:extLst>
+          </p:cNvPr>
+          <p:cNvCxnSpPr>
+            <a:cxnSpLocks/>
+          </p:cNvCxnSpPr>
+          <p:nvPr/>
+        </p:nvCxnSpPr>
+        <p:spPr>
+          <a:xfrm>
+            <a:off x="905032" y="3073787"/>
+            <a:ext cx="10512000" cy="0"/>
+          </a:xfrm>
+          <a:prstGeom prst="line">
+            <a:avLst/>
+          </a:prstGeom>
+          <a:ln>
+            <a:solidFill>
+              <a:schemeClr val="tx1"/>
+            </a:solidFill>
+          </a:ln>
+        </p:spPr>
+        <p:style>
+          <a:lnRef idx="1">
+            <a:schemeClr val="accent1"/>
+          </a:lnRef>
+          <a:fillRef idx="0">
+            <a:schemeClr val="accent1"/>
+          </a:fillRef>
+          <a:effectRef idx="0">
+            <a:schemeClr val="accent1"/>
+          </a:effectRef>
+          <a:fontRef idx="minor">
+            <a:schemeClr val="tx1"/>
+          </a:fontRef>
+        </p:style>
+      </p:cxnSp>
+      <p:cxnSp>
+        <p:nvCxnSpPr>
+          <p:cNvPr id="54" name="Straight Connector 53">
+            <a:extLst>
+              <a:ext uri="{FF2B5EF4-FFF2-40B4-BE49-F238E27FC236}">
+                <a16:creationId xmlns:a16="http://schemas.microsoft.com/office/drawing/2014/main" id="{ABB77238-E859-4016-8CE8-65C5AA4B03E8}"/>
+              </a:ext>
+            </a:extLst>
+          </p:cNvPr>
+          <p:cNvCxnSpPr>
+            <a:cxnSpLocks/>
+          </p:cNvCxnSpPr>
+          <p:nvPr/>
+        </p:nvCxnSpPr>
+        <p:spPr>
+          <a:xfrm>
+            <a:off x="905032" y="4314083"/>
+            <a:ext cx="10512000" cy="0"/>
+          </a:xfrm>
+          <a:prstGeom prst="line">
+            <a:avLst/>
+          </a:prstGeom>
+          <a:ln>
+            <a:solidFill>
+              <a:schemeClr val="tx1"/>
+            </a:solidFill>
+          </a:ln>
+        </p:spPr>
+        <p:style>
+          <a:lnRef idx="1">
+            <a:schemeClr val="accent1"/>
+          </a:lnRef>
+          <a:fillRef idx="0">
+            <a:schemeClr val="accent1"/>
+          </a:fillRef>
+          <a:effectRef idx="0">
+            <a:schemeClr val="accent1"/>
+          </a:effectRef>
+          <a:fontRef idx="minor">
+            <a:schemeClr val="tx1"/>
+          </a:fontRef>
+        </p:style>
+      </p:cxnSp>
+      <p:cxnSp>
+        <p:nvCxnSpPr>
+          <p:cNvPr id="55" name="Straight Connector 54">
+            <a:extLst>
+              <a:ext uri="{FF2B5EF4-FFF2-40B4-BE49-F238E27FC236}">
+                <a16:creationId xmlns:a16="http://schemas.microsoft.com/office/drawing/2014/main" id="{0274DB0D-06F7-4300-85F7-FF698AEB4AD3}"/>
+              </a:ext>
+            </a:extLst>
+          </p:cNvPr>
+          <p:cNvCxnSpPr>
+            <a:cxnSpLocks/>
+          </p:cNvCxnSpPr>
+          <p:nvPr/>
+        </p:nvCxnSpPr>
+        <p:spPr>
+          <a:xfrm>
+            <a:off x="905032" y="5441839"/>
+            <a:ext cx="10512000" cy="0"/>
+          </a:xfrm>
+          <a:prstGeom prst="line">
+            <a:avLst/>
+          </a:prstGeom>
+          <a:ln>
+            <a:solidFill>
+              <a:schemeClr val="tx1"/>
+            </a:solidFill>
+          </a:ln>
+        </p:spPr>
+        <p:style>
+          <a:lnRef idx="1">
+            <a:schemeClr val="accent1"/>
+          </a:lnRef>
+          <a:fillRef idx="0">
+            <a:schemeClr val="accent1"/>
+          </a:fillRef>
+          <a:effectRef idx="0">
+            <a:schemeClr val="accent1"/>
+          </a:effectRef>
+          <a:fontRef idx="minor">
+            <a:schemeClr val="tx1"/>
+          </a:fontRef>
+        </p:style>
+      </p:cxnSp>
+    </p:spTree>
+    <p:extLst>
+      <p:ext uri="{BB962C8B-B14F-4D97-AF65-F5344CB8AC3E}">
+        <p14:creationId xmlns:p14="http://schemas.microsoft.com/office/powerpoint/2010/main" val="713478221"/>
+      </p:ext>
+    </p:extLst>
+  </p:cSld>
+  <p:clrMapOvr>
+    <a:masterClrMapping/>
+  </p:clrMapOvr>
+  <p:timing>
+    <p:tnLst>
+      <p:par>
+        <p:cTn id="1" dur="indefinite" restart="never" nodeType="tmRoot">
+          <p:childTnLst>
+            <p:seq concurrent="1" nextAc="seek">
+              <p:cTn id="2" dur="indefinite" nodeType="mainSeq">
+                <p:childTnLst>
+                  <p:par>
+                    <p:cTn id="3" fill="hold">
+                      <p:stCondLst>
+                        <p:cond delay="indefinite"/>
+                      </p:stCondLst>
+                      <p:childTnLst>
+                        <p:par>
+                          <p:cTn id="4" fill="hold">
+                            <p:stCondLst>
+                              <p:cond delay="0"/>
+                            </p:stCondLst>
+                            <p:childTnLst>
+                              <p:par>
+                                <p:cTn id="5" presetID="1" presetClass="entr" presetSubtype="0" fill="hold" nodeType="clickEffect">
+                                  <p:stCondLst>
+                                    <p:cond delay="0"/>
+                                  </p:stCondLst>
+                                  <p:childTnLst>
+                                    <p:set>
+                                      <p:cBhvr>
+                                        <p:cTn id="6" dur="1" fill="hold">
+                                          <p:stCondLst>
+                                            <p:cond delay="0"/>
+                                          </p:stCondLst>
+                                        </p:cTn>
+                                        <p:tgtEl>
+                                          <p:spTgt spid="20"/>
+                                        </p:tgtEl>
+                                        <p:attrNameLst>
+                                          <p:attrName>style.visibility</p:attrName>
+                                        </p:attrNameLst>
+                                      </p:cBhvr>
+                                      <p:to>
+                                        <p:strVal val="visible"/>
+                                      </p:to>
+                                    </p:set>
+                                  </p:childTnLst>
+                                </p:cTn>
+                              </p:par>
+                              <p:par>
+                                <p:cTn id="7" presetID="1" presetClass="entr" presetSubtype="0" fill="hold" grpId="0" nodeType="withEffect">
+                                  <p:stCondLst>
+                                    <p:cond delay="0"/>
+                                  </p:stCondLst>
+                                  <p:childTnLst>
+                                    <p:set>
+                                      <p:cBhvr>
+                                        <p:cTn id="8" dur="1" fill="hold">
+                                          <p:stCondLst>
+                                            <p:cond delay="0"/>
+                                          </p:stCondLst>
+                                        </p:cTn>
+                                        <p:tgtEl>
+                                          <p:spTgt spid="30"/>
+                                        </p:tgtEl>
+                                        <p:attrNameLst>
+                                          <p:attrName>style.visibility</p:attrName>
+                                        </p:attrNameLst>
+                                      </p:cBhvr>
+                                      <p:to>
+                                        <p:strVal val="visible"/>
+                                      </p:to>
+                                    </p:set>
+                                  </p:childTnLst>
+                                </p:cTn>
+                              </p:par>
+                              <p:par>
+                                <p:cTn id="9" presetID="1" presetClass="entr" presetSubtype="0" fill="hold" nodeType="withEffect">
+                                  <p:stCondLst>
+                                    <p:cond delay="0"/>
+                                  </p:stCondLst>
+                                  <p:childTnLst>
+                                    <p:set>
+                                      <p:cBhvr>
+                                        <p:cTn id="10" dur="1" fill="hold">
+                                          <p:stCondLst>
+                                            <p:cond delay="0"/>
+                                          </p:stCondLst>
+                                        </p:cTn>
+                                        <p:tgtEl>
+                                          <p:spTgt spid="5"/>
+                                        </p:tgtEl>
+                                        <p:attrNameLst>
+                                          <p:attrName>style.visibility</p:attrName>
+                                        </p:attrNameLst>
+                                      </p:cBhvr>
+                                      <p:to>
+                                        <p:strVal val="visible"/>
+                                      </p:to>
+                                    </p:set>
+                                  </p:childTnLst>
+                                </p:cTn>
+                              </p:par>
+                              <p:par>
+                                <p:cTn id="11" presetID="1" presetClass="entr" presetSubtype="0" fill="hold" grpId="0" nodeType="withEffect">
+                                  <p:stCondLst>
+                                    <p:cond delay="0"/>
+                                  </p:stCondLst>
+                                  <p:childTnLst>
+                                    <p:set>
+                                      <p:cBhvr>
+                                        <p:cTn id="12" dur="1" fill="hold">
+                                          <p:stCondLst>
+                                            <p:cond delay="0"/>
+                                          </p:stCondLst>
+                                        </p:cTn>
+                                        <p:tgtEl>
+                                          <p:spTgt spid="40"/>
+                                        </p:tgtEl>
+                                        <p:attrNameLst>
+                                          <p:attrName>style.visibility</p:attrName>
+                                        </p:attrNameLst>
+                                      </p:cBhvr>
+                                      <p:to>
+                                        <p:strVal val="visible"/>
+                                      </p:to>
+                                    </p:set>
+                                  </p:childTnLst>
+                                </p:cTn>
+                              </p:par>
+                              <p:par>
+                                <p:cTn id="13" presetID="1" presetClass="entr" presetSubtype="0" fill="hold" grpId="0" nodeType="withEffect">
+                                  <p:stCondLst>
+                                    <p:cond delay="0"/>
+                                  </p:stCondLst>
+                                  <p:childTnLst>
+                                    <p:set>
+                                      <p:cBhvr>
+                                        <p:cTn id="14" dur="1" fill="hold">
+                                          <p:stCondLst>
+                                            <p:cond delay="0"/>
+                                          </p:stCondLst>
+                                        </p:cTn>
+                                        <p:tgtEl>
+                                          <p:spTgt spid="44"/>
+                                        </p:tgtEl>
+                                        <p:attrNameLst>
+                                          <p:attrName>style.visibility</p:attrName>
+                                        </p:attrNameLst>
+                                      </p:cBhvr>
+                                      <p:to>
+                                        <p:strVal val="visible"/>
+                                      </p:to>
+                                    </p:set>
+                                  </p:childTnLst>
+                                </p:cTn>
+                              </p:par>
+                            </p:childTnLst>
+                          </p:cTn>
+                        </p:par>
+                      </p:childTnLst>
+                    </p:cTn>
+                  </p:par>
+                  <p:par>
+                    <p:cTn id="15" fill="hold">
+                      <p:stCondLst>
+                        <p:cond delay="indefinite"/>
+                      </p:stCondLst>
+                      <p:childTnLst>
+                        <p:par>
+                          <p:cTn id="16" fill="hold">
+                            <p:stCondLst>
+                              <p:cond delay="0"/>
+                            </p:stCondLst>
+                            <p:childTnLst>
+                              <p:par>
+                                <p:cTn id="17" presetID="1" presetClass="entr" presetSubtype="0" fill="hold" nodeType="clickEffect">
+                                  <p:stCondLst>
+                                    <p:cond delay="0"/>
+                                  </p:stCondLst>
+                                  <p:childTnLst>
+                                    <p:set>
+                                      <p:cBhvr>
+                                        <p:cTn id="18" dur="1" fill="hold">
+                                          <p:stCondLst>
+                                            <p:cond delay="0"/>
+                                          </p:stCondLst>
+                                        </p:cTn>
+                                        <p:tgtEl>
+                                          <p:spTgt spid="21"/>
+                                        </p:tgtEl>
+                                        <p:attrNameLst>
+                                          <p:attrName>style.visibility</p:attrName>
+                                        </p:attrNameLst>
+                                      </p:cBhvr>
+                                      <p:to>
+                                        <p:strVal val="visible"/>
+                                      </p:to>
+                                    </p:set>
+                                  </p:childTnLst>
+                                </p:cTn>
+                              </p:par>
+                              <p:par>
+                                <p:cTn id="19" presetID="1" presetClass="entr" presetSubtype="0" fill="hold" grpId="0" nodeType="withEffect">
+                                  <p:stCondLst>
+                                    <p:cond delay="0"/>
+                                  </p:stCondLst>
+                                  <p:childTnLst>
+                                    <p:set>
+                                      <p:cBhvr>
+                                        <p:cTn id="20" dur="1" fill="hold">
+                                          <p:stCondLst>
+                                            <p:cond delay="0"/>
+                                          </p:stCondLst>
+                                        </p:cTn>
+                                        <p:tgtEl>
+                                          <p:spTgt spid="31"/>
+                                        </p:tgtEl>
+                                        <p:attrNameLst>
+                                          <p:attrName>style.visibility</p:attrName>
+                                        </p:attrNameLst>
+                                      </p:cBhvr>
+                                      <p:to>
+                                        <p:strVal val="visible"/>
+                                      </p:to>
+                                    </p:set>
+                                  </p:childTnLst>
+                                </p:cTn>
+                              </p:par>
+                              <p:par>
+                                <p:cTn id="21" presetID="1" presetClass="entr" presetSubtype="0" fill="hold" nodeType="withEffect">
+                                  <p:stCondLst>
+                                    <p:cond delay="0"/>
+                                  </p:stCondLst>
+                                  <p:childTnLst>
+                                    <p:set>
+                                      <p:cBhvr>
+                                        <p:cTn id="22" dur="1" fill="hold">
+                                          <p:stCondLst>
+                                            <p:cond delay="0"/>
+                                          </p:stCondLst>
+                                        </p:cTn>
+                                        <p:tgtEl>
+                                          <p:spTgt spid="35"/>
+                                        </p:tgtEl>
+                                        <p:attrNameLst>
+                                          <p:attrName>style.visibility</p:attrName>
+                                        </p:attrNameLst>
+                                      </p:cBhvr>
+                                      <p:to>
+                                        <p:strVal val="visible"/>
+                                      </p:to>
+                                    </p:set>
+                                  </p:childTnLst>
+                                </p:cTn>
+                              </p:par>
+                              <p:par>
+                                <p:cTn id="23" presetID="1" presetClass="entr" presetSubtype="0" fill="hold" grpId="0" nodeType="withEffect">
+                                  <p:stCondLst>
+                                    <p:cond delay="0"/>
+                                  </p:stCondLst>
+                                  <p:childTnLst>
+                                    <p:set>
+                                      <p:cBhvr>
+                                        <p:cTn id="24" dur="1" fill="hold">
+                                          <p:stCondLst>
+                                            <p:cond delay="0"/>
+                                          </p:stCondLst>
+                                        </p:cTn>
+                                        <p:tgtEl>
+                                          <p:spTgt spid="41"/>
+                                        </p:tgtEl>
+                                        <p:attrNameLst>
+                                          <p:attrName>style.visibility</p:attrName>
+                                        </p:attrNameLst>
+                                      </p:cBhvr>
+                                      <p:to>
+                                        <p:strVal val="visible"/>
+                                      </p:to>
+                                    </p:set>
+                                  </p:childTnLst>
+                                </p:cTn>
+                              </p:par>
+                              <p:par>
+                                <p:cTn id="25" presetID="1" presetClass="entr" presetSubtype="0" fill="hold" grpId="0" nodeType="withEffect">
+                                  <p:stCondLst>
+                                    <p:cond delay="0"/>
+                                  </p:stCondLst>
+                                  <p:childTnLst>
+                                    <p:set>
+                                      <p:cBhvr>
+                                        <p:cTn id="26" dur="1" fill="hold">
+                                          <p:stCondLst>
+                                            <p:cond delay="0"/>
+                                          </p:stCondLst>
+                                        </p:cTn>
+                                        <p:tgtEl>
+                                          <p:spTgt spid="45"/>
+                                        </p:tgtEl>
+                                        <p:attrNameLst>
+                                          <p:attrName>style.visibility</p:attrName>
+                                        </p:attrNameLst>
+                                      </p:cBhvr>
+                                      <p:to>
+                                        <p:strVal val="visible"/>
+                                      </p:to>
+                                    </p:set>
+                                  </p:childTnLst>
+                                </p:cTn>
+                              </p:par>
+                            </p:childTnLst>
+                          </p:cTn>
+                        </p:par>
+                      </p:childTnLst>
+                    </p:cTn>
+                  </p:par>
+                  <p:par>
+                    <p:cTn id="27" fill="hold">
+                      <p:stCondLst>
+                        <p:cond delay="indefinite"/>
+                      </p:stCondLst>
+                      <p:childTnLst>
+                        <p:par>
+                          <p:cTn id="28" fill="hold">
+                            <p:stCondLst>
+                              <p:cond delay="0"/>
+                            </p:stCondLst>
+                            <p:childTnLst>
+                              <p:par>
+                                <p:cTn id="29" presetID="1" presetClass="entr" presetSubtype="0" fill="hold" nodeType="clickEffect">
+                                  <p:stCondLst>
+                                    <p:cond delay="0"/>
+                                  </p:stCondLst>
+                                  <p:childTnLst>
+                                    <p:set>
+                                      <p:cBhvr>
+                                        <p:cTn id="30" dur="1" fill="hold">
+                                          <p:stCondLst>
+                                            <p:cond delay="0"/>
+                                          </p:stCondLst>
+                                        </p:cTn>
+                                        <p:tgtEl>
+                                          <p:spTgt spid="22"/>
+                                        </p:tgtEl>
+                                        <p:attrNameLst>
+                                          <p:attrName>style.visibility</p:attrName>
+                                        </p:attrNameLst>
+                                      </p:cBhvr>
+                                      <p:to>
+                                        <p:strVal val="visible"/>
+                                      </p:to>
+                                    </p:set>
+                                  </p:childTnLst>
+                                </p:cTn>
+                              </p:par>
+                              <p:par>
+                                <p:cTn id="31" presetID="1" presetClass="entr" presetSubtype="0" fill="hold" grpId="0" nodeType="withEffect">
+                                  <p:stCondLst>
+                                    <p:cond delay="0"/>
+                                  </p:stCondLst>
+                                  <p:childTnLst>
+                                    <p:set>
+                                      <p:cBhvr>
+                                        <p:cTn id="32" dur="1" fill="hold">
+                                          <p:stCondLst>
+                                            <p:cond delay="0"/>
+                                          </p:stCondLst>
+                                        </p:cTn>
+                                        <p:tgtEl>
+                                          <p:spTgt spid="32"/>
+                                        </p:tgtEl>
+                                        <p:attrNameLst>
+                                          <p:attrName>style.visibility</p:attrName>
+                                        </p:attrNameLst>
+                                      </p:cBhvr>
+                                      <p:to>
+                                        <p:strVal val="visible"/>
+                                      </p:to>
+                                    </p:set>
+                                  </p:childTnLst>
+                                </p:cTn>
+                              </p:par>
+                              <p:par>
+                                <p:cTn id="33" presetID="1" presetClass="entr" presetSubtype="0" fill="hold" nodeType="withEffect">
+                                  <p:stCondLst>
+                                    <p:cond delay="0"/>
+                                  </p:stCondLst>
+                                  <p:childTnLst>
+                                    <p:set>
+                                      <p:cBhvr>
+                                        <p:cTn id="34" dur="1" fill="hold">
+                                          <p:stCondLst>
+                                            <p:cond delay="0"/>
+                                          </p:stCondLst>
+                                        </p:cTn>
+                                        <p:tgtEl>
+                                          <p:spTgt spid="37"/>
+                                        </p:tgtEl>
+                                        <p:attrNameLst>
+                                          <p:attrName>style.visibility</p:attrName>
+                                        </p:attrNameLst>
+                                      </p:cBhvr>
+                                      <p:to>
+                                        <p:strVal val="visible"/>
+                                      </p:to>
+                                    </p:set>
+                                  </p:childTnLst>
+                                </p:cTn>
+                              </p:par>
+                              <p:par>
+                                <p:cTn id="35" presetID="1" presetClass="entr" presetSubtype="0" fill="hold" grpId="0" nodeType="withEffect">
+                                  <p:stCondLst>
+                                    <p:cond delay="0"/>
+                                  </p:stCondLst>
+                                  <p:childTnLst>
+                                    <p:set>
+                                      <p:cBhvr>
+                                        <p:cTn id="36" dur="1" fill="hold">
+                                          <p:stCondLst>
+                                            <p:cond delay="0"/>
+                                          </p:stCondLst>
+                                        </p:cTn>
+                                        <p:tgtEl>
+                                          <p:spTgt spid="42"/>
+                                        </p:tgtEl>
+                                        <p:attrNameLst>
+                                          <p:attrName>style.visibility</p:attrName>
+                                        </p:attrNameLst>
+                                      </p:cBhvr>
+                                      <p:to>
+                                        <p:strVal val="visible"/>
+                                      </p:to>
+                                    </p:set>
+                                  </p:childTnLst>
+                                </p:cTn>
+                              </p:par>
+                              <p:par>
+                                <p:cTn id="37" presetID="1" presetClass="entr" presetSubtype="0" fill="hold" grpId="0" nodeType="withEffect">
+                                  <p:stCondLst>
+                                    <p:cond delay="0"/>
+                                  </p:stCondLst>
+                                  <p:childTnLst>
+                                    <p:set>
+                                      <p:cBhvr>
+                                        <p:cTn id="38" dur="1" fill="hold">
+                                          <p:stCondLst>
+                                            <p:cond delay="0"/>
+                                          </p:stCondLst>
+                                        </p:cTn>
+                                        <p:tgtEl>
+                                          <p:spTgt spid="47"/>
+                                        </p:tgtEl>
+                                        <p:attrNameLst>
+                                          <p:attrName>style.visibility</p:attrName>
+                                        </p:attrNameLst>
+                                      </p:cBhvr>
+                                      <p:to>
+                                        <p:strVal val="visible"/>
+                                      </p:to>
+                                    </p:set>
+                                  </p:childTnLst>
+                                </p:cTn>
+                              </p:par>
+                            </p:childTnLst>
+                          </p:cTn>
+                        </p:par>
+                      </p:childTnLst>
+                    </p:cTn>
+                  </p:par>
+                  <p:par>
+                    <p:cTn id="39" fill="hold">
+                      <p:stCondLst>
+                        <p:cond delay="indefinite"/>
+                      </p:stCondLst>
+                      <p:childTnLst>
+                        <p:par>
+                          <p:cTn id="40" fill="hold">
+                            <p:stCondLst>
+                              <p:cond delay="0"/>
+                            </p:stCondLst>
+                            <p:childTnLst>
+                              <p:par>
+                                <p:cTn id="41" presetID="1" presetClass="entr" presetSubtype="0" fill="hold" nodeType="clickEffect">
+                                  <p:stCondLst>
+                                    <p:cond delay="0"/>
+                                  </p:stCondLst>
+                                  <p:childTnLst>
+                                    <p:set>
+                                      <p:cBhvr>
+                                        <p:cTn id="42" dur="1" fill="hold">
+                                          <p:stCondLst>
+                                            <p:cond delay="0"/>
+                                          </p:stCondLst>
+                                        </p:cTn>
+                                        <p:tgtEl>
+                                          <p:spTgt spid="23"/>
+                                        </p:tgtEl>
+                                        <p:attrNameLst>
+                                          <p:attrName>style.visibility</p:attrName>
+                                        </p:attrNameLst>
+                                      </p:cBhvr>
+                                      <p:to>
+                                        <p:strVal val="visible"/>
+                                      </p:to>
+                                    </p:set>
+                                  </p:childTnLst>
+                                </p:cTn>
+                              </p:par>
+                              <p:par>
+                                <p:cTn id="43" presetID="1" presetClass="entr" presetSubtype="0" fill="hold" grpId="0" nodeType="withEffect">
+                                  <p:stCondLst>
+                                    <p:cond delay="0"/>
+                                  </p:stCondLst>
+                                  <p:childTnLst>
+                                    <p:set>
+                                      <p:cBhvr>
+                                        <p:cTn id="44" dur="1" fill="hold">
+                                          <p:stCondLst>
+                                            <p:cond delay="0"/>
+                                          </p:stCondLst>
+                                        </p:cTn>
+                                        <p:tgtEl>
+                                          <p:spTgt spid="33"/>
+                                        </p:tgtEl>
+                                        <p:attrNameLst>
+                                          <p:attrName>style.visibility</p:attrName>
+                                        </p:attrNameLst>
+                                      </p:cBhvr>
+                                      <p:to>
+                                        <p:strVal val="visible"/>
+                                      </p:to>
+                                    </p:set>
+                                  </p:childTnLst>
+                                </p:cTn>
+                              </p:par>
+                              <p:par>
+                                <p:cTn id="45" presetID="1" presetClass="entr" presetSubtype="0" fill="hold" nodeType="withEffect">
+                                  <p:stCondLst>
+                                    <p:cond delay="0"/>
+                                  </p:stCondLst>
+                                  <p:childTnLst>
+                                    <p:set>
+                                      <p:cBhvr>
+                                        <p:cTn id="46" dur="1" fill="hold">
+                                          <p:stCondLst>
+                                            <p:cond delay="0"/>
+                                          </p:stCondLst>
+                                        </p:cTn>
+                                        <p:tgtEl>
+                                          <p:spTgt spid="39"/>
+                                        </p:tgtEl>
+                                        <p:attrNameLst>
+                                          <p:attrName>style.visibility</p:attrName>
+                                        </p:attrNameLst>
+                                      </p:cBhvr>
+                                      <p:to>
+                                        <p:strVal val="visible"/>
+                                      </p:to>
+                                    </p:set>
+                                  </p:childTnLst>
+                                </p:cTn>
+                              </p:par>
+                              <p:par>
+                                <p:cTn id="47" presetID="1" presetClass="entr" presetSubtype="0" fill="hold" grpId="0" nodeType="withEffect">
+                                  <p:stCondLst>
+                                    <p:cond delay="0"/>
+                                  </p:stCondLst>
+                                  <p:childTnLst>
+                                    <p:set>
+                                      <p:cBhvr>
+                                        <p:cTn id="48" dur="1" fill="hold">
+                                          <p:stCondLst>
+                                            <p:cond delay="0"/>
+                                          </p:stCondLst>
+                                        </p:cTn>
+                                        <p:tgtEl>
+                                          <p:spTgt spid="43"/>
+                                        </p:tgtEl>
+                                        <p:attrNameLst>
+                                          <p:attrName>style.visibility</p:attrName>
+                                        </p:attrNameLst>
+                                      </p:cBhvr>
+                                      <p:to>
+                                        <p:strVal val="visible"/>
+                                      </p:to>
+                                    </p:set>
+                                  </p:childTnLst>
+                                </p:cTn>
+                              </p:par>
+                              <p:par>
+                                <p:cTn id="49" presetID="1" presetClass="entr" presetSubtype="0" fill="hold" grpId="0" nodeType="withEffect">
+                                  <p:stCondLst>
+                                    <p:cond delay="0"/>
+                                  </p:stCondLst>
+                                  <p:childTnLst>
+                                    <p:set>
+                                      <p:cBhvr>
+                                        <p:cTn id="50" dur="1" fill="hold">
+                                          <p:stCondLst>
+                                            <p:cond delay="0"/>
+                                          </p:stCondLst>
+                                        </p:cTn>
+                                        <p:tgtEl>
+                                          <p:spTgt spid="48"/>
+                                        </p:tgtEl>
+                                        <p:attrNameLst>
+                                          <p:attrName>style.visibility</p:attrName>
+                                        </p:attrNameLst>
+                                      </p:cBhvr>
+                                      <p:to>
+                                        <p:strVal val="visible"/>
+                                      </p:to>
+                                    </p:set>
+                                  </p:childTnLst>
+                                </p:cTn>
+                              </p:par>
+                            </p:childTnLst>
+                          </p:cTn>
+                        </p:par>
+                      </p:childTnLst>
+                    </p:cTn>
+                  </p:par>
+                </p:childTnLst>
+              </p:cTn>
+              <p:prevCondLst>
+                <p:cond evt="onPrev" delay="0">
+                  <p:tgtEl>
+                    <p:sldTgt/>
+                  </p:tgtEl>
+                </p:cond>
+              </p:prevCondLst>
+              <p:nextCondLst>
+                <p:cond evt="onNext" delay="0">
+                  <p:tgtEl>
+                    <p:sldTgt/>
+                  </p:tgtEl>
+                </p:cond>
+              </p:nextCondLst>
+            </p:seq>
+          </p:childTnLst>
+        </p:cTn>
+      </p:par>
+    </p:tnLst>
+    <p:bldLst>
+      <p:bldP spid="30" grpId="0"/>
+      <p:bldP spid="31" grpId="0"/>
+      <p:bldP spid="32" grpId="0"/>
+      <p:bldP spid="33" grpId="0"/>
+      <p:bldP spid="40" grpId="0"/>
+      <p:bldP spid="41" grpId="0"/>
+      <p:bldP spid="42" grpId="0"/>
+      <p:bldP spid="43" grpId="0"/>
+      <p:bldP spid="44" grpId="0"/>
+      <p:bldP spid="45" grpId="0"/>
+      <p:bldP spid="47" grpId="0"/>
+      <p:bldP spid="48" grpId="0"/>
+    </p:bldLst>
+  </p:timing>
+</p:sld>
+</file>
+
+<file path=ppt/slides/slide8.xml><?xml version="1.0" encoding="utf-8"?>
+<p:sld xmlns:a="http://schemas.openxmlformats.org/drawingml/2006/main" xmlns:r="http://schemas.openxmlformats.org/officeDocument/2006/relationships" xmlns:p="http://schemas.openxmlformats.org/presentationml/2006/main">
+  <p:cSld>
+    <p:spTree>
+      <p:nvGrpSpPr>
+        <p:cNvPr id="1" name=""/>
+        <p:cNvGrpSpPr/>
+        <p:nvPr/>
+      </p:nvGrpSpPr>
+      <p:grpSpPr>
+        <a:xfrm>
+          <a:off x="0" y="0"/>
+          <a:ext cx="0" cy="0"/>
+          <a:chOff x="0" y="0"/>
+          <a:chExt cx="0" cy="0"/>
+        </a:xfrm>
+      </p:grpSpPr>
+      <p:sp>
+        <p:nvSpPr>
+          <p:cNvPr id="2" name="Titel 1">
+            <a:extLst>
+              <a:ext uri="{FF2B5EF4-FFF2-40B4-BE49-F238E27FC236}">
+                <a16:creationId xmlns:a16="http://schemas.microsoft.com/office/drawing/2014/main" id="{2911F67F-327B-4C51-B9E3-A1D3BCC720A5}"/>
+              </a:ext>
+            </a:extLst>
+          </p:cNvPr>
+          <p:cNvSpPr>
+            <a:spLocks noGrp="1"/>
+          </p:cNvSpPr>
+          <p:nvPr>
+            <p:ph type="title"/>
+          </p:nvPr>
+        </p:nvSpPr>
+        <p:spPr>
+          <a:xfrm>
+            <a:off x="838200" y="365125"/>
+            <a:ext cx="10515600" cy="1325563"/>
+          </a:xfrm>
+        </p:spPr>
+        <p:txBody>
+          <a:bodyPr>
+            <a:normAutofit/>
+          </a:bodyPr>
+          <a:lstStyle/>
+          <a:p>
+            <a:r>
+              <a:rPr lang="de-DE" dirty="0"/>
+              <a:t>Mathematische Herleitungen</a:t>
+            </a:r>
+            <a:br>
+              <a:rPr lang="de-DE" dirty="0"/>
+            </a:br>
+            <a:r>
+              <a:rPr lang="de-DE" sz="2400" dirty="0"/>
+              <a:t>Fehler am Output Layer für ein einziges Datum</a:t>
+            </a:r>
+            <a:endParaRPr lang="de-DE" dirty="0"/>
+          </a:p>
+        </p:txBody>
+      </p:sp>
+      <p:pic>
+        <p:nvPicPr>
+          <p:cNvPr id="5" name="Grafik 4">
+            <a:extLst>
+              <a:ext uri="{FF2B5EF4-FFF2-40B4-BE49-F238E27FC236}">
+                <a16:creationId xmlns:a16="http://schemas.microsoft.com/office/drawing/2014/main" id="{97443AA0-6EDA-47FA-B155-20A5CAD462BE}"/>
+              </a:ext>
+            </a:extLst>
+          </p:cNvPr>
+          <p:cNvPicPr>
+            <a:picLocks noChangeAspect="1"/>
+          </p:cNvPicPr>
+          <p:nvPr/>
+        </p:nvPicPr>
+        <p:blipFill rotWithShape="1">
+          <a:blip r:embed="rId3"/>
+          <a:srcRect l="2873" r="3532"/>
+          <a:stretch/>
+        </p:blipFill>
+        <p:spPr>
+          <a:xfrm>
+            <a:off x="838200" y="2108287"/>
+            <a:ext cx="3976468" cy="867359"/>
+          </a:xfrm>
+          <a:prstGeom prst="rect">
+            <a:avLst/>
+          </a:prstGeom>
+        </p:spPr>
+      </p:pic>
+      <p:pic>
+        <p:nvPicPr>
+          <p:cNvPr id="7" name="Grafik 6">
+            <a:extLst>
+              <a:ext uri="{FF2B5EF4-FFF2-40B4-BE49-F238E27FC236}">
+                <a16:creationId xmlns:a16="http://schemas.microsoft.com/office/drawing/2014/main" id="{FB9BCB24-EB8E-469C-95CA-BC531010D107}"/>
+              </a:ext>
+            </a:extLst>
+          </p:cNvPr>
+          <p:cNvPicPr>
+            <a:picLocks noChangeAspect="1"/>
+          </p:cNvPicPr>
+          <p:nvPr/>
+        </p:nvPicPr>
+        <p:blipFill rotWithShape="1">
+          <a:blip r:embed="rId4"/>
+          <a:srcRect l="4896" r="3068"/>
+          <a:stretch/>
+        </p:blipFill>
+        <p:spPr>
+          <a:xfrm>
+            <a:off x="838200" y="3301220"/>
+            <a:ext cx="5425440" cy="1767840"/>
+          </a:xfrm>
+          <a:prstGeom prst="rect">
+            <a:avLst/>
+          </a:prstGeom>
+        </p:spPr>
+      </p:pic>
+      <p:pic>
+        <p:nvPicPr>
+          <p:cNvPr id="11" name="Grafik 10">
+            <a:extLst>
+              <a:ext uri="{FF2B5EF4-FFF2-40B4-BE49-F238E27FC236}">
+                <a16:creationId xmlns:a16="http://schemas.microsoft.com/office/drawing/2014/main" id="{E5A057F8-CDA7-484D-BF6D-A8ACCD2C444B}"/>
+              </a:ext>
+            </a:extLst>
+          </p:cNvPr>
+          <p:cNvPicPr>
+            <a:picLocks noChangeAspect="1"/>
+          </p:cNvPicPr>
+          <p:nvPr/>
+        </p:nvPicPr>
+        <p:blipFill rotWithShape="1">
+          <a:blip r:embed="rId5"/>
+          <a:srcRect l="2066" r="4102"/>
+          <a:stretch/>
+        </p:blipFill>
+        <p:spPr>
+          <a:xfrm>
+            <a:off x="838200" y="5502486"/>
+            <a:ext cx="5791200" cy="807096"/>
+          </a:xfrm>
+          <a:prstGeom prst="rect">
+            <a:avLst/>
+          </a:prstGeom>
+        </p:spPr>
+      </p:pic>
+      <p:sp>
+        <p:nvSpPr>
+          <p:cNvPr id="12" name="Geschweifte Klammer rechts 11">
+            <a:extLst>
+              <a:ext uri="{FF2B5EF4-FFF2-40B4-BE49-F238E27FC236}">
+                <a16:creationId xmlns:a16="http://schemas.microsoft.com/office/drawing/2014/main" id="{6635DDC2-4A8C-4A68-BD22-99BE979A5EEF}"/>
               </a:ext>
             </a:extLst>
           </p:cNvPr>
@@ -10250,8 +13828,8 @@
         </p:nvSpPr>
         <p:spPr>
           <a:xfrm>
-            <a:off x="8267114" y="4326208"/>
-            <a:ext cx="332935" cy="1413410"/>
+            <a:off x="6522726" y="2006992"/>
+            <a:ext cx="360000" cy="3108960"/>
           </a:xfrm>
           <a:prstGeom prst="rightBrace">
             <a:avLst/>
@@ -10287,10 +13865,10 @@
       </p:sp>
       <p:sp>
         <p:nvSpPr>
-          <p:cNvPr id="16" name="Textfeld 15">
-            <a:extLst>
-              <a:ext uri="{FF2B5EF4-FFF2-40B4-BE49-F238E27FC236}">
-                <a16:creationId xmlns:a16="http://schemas.microsoft.com/office/drawing/2014/main" id="{7F32BD1B-0A68-4C70-A04C-D67CB7D4A7D2}"/>
+          <p:cNvPr id="13" name="Textfeld 12">
+            <a:extLst>
+              <a:ext uri="{FF2B5EF4-FFF2-40B4-BE49-F238E27FC236}">
+                <a16:creationId xmlns:a16="http://schemas.microsoft.com/office/drawing/2014/main" id="{425C0FA8-7CFF-472A-8A96-3CC30436E834}"/>
               </a:ext>
             </a:extLst>
           </p:cNvPr>
@@ -10299,8 +13877,8 @@
         </p:nvSpPr>
         <p:spPr>
           <a:xfrm>
-            <a:off x="8904849" y="4848247"/>
-            <a:ext cx="2738511" cy="369332"/>
+            <a:off x="7104197" y="3207436"/>
+            <a:ext cx="3062067" cy="738664"/>
           </a:xfrm>
           <a:prstGeom prst="rect">
             <a:avLst/>
@@ -10314,18 +13892,18 @@
           <a:lstStyle/>
           <a:p>
             <a:r>
-              <a:rPr lang="de-DE" dirty="0"/>
-              <a:t>Benötigt für „Lernen“</a:t>
+              <a:rPr lang="de-DE" sz="1400" dirty="0"/>
+              <a:t>Allgemeingültiges Ergebnis unabhängig von Fehlerfunktion und Aktivierungsfunktion im Output Layer</a:t>
             </a:r>
           </a:p>
         </p:txBody>
       </p:sp>
       <p:sp>
         <p:nvSpPr>
-          <p:cNvPr id="17" name="Geschweifte Klammer rechts 16">
-            <a:extLst>
-              <a:ext uri="{FF2B5EF4-FFF2-40B4-BE49-F238E27FC236}">
-                <a16:creationId xmlns:a16="http://schemas.microsoft.com/office/drawing/2014/main" id="{B8FDBFE4-6E61-40B7-B840-FBC4C77F4B4A}"/>
+          <p:cNvPr id="14" name="Geschweifte Klammer rechts 13">
+            <a:extLst>
+              <a:ext uri="{FF2B5EF4-FFF2-40B4-BE49-F238E27FC236}">
+                <a16:creationId xmlns:a16="http://schemas.microsoft.com/office/drawing/2014/main" id="{BA12528F-5BC4-46A9-8D24-1631E951C474}"/>
               </a:ext>
             </a:extLst>
           </p:cNvPr>
@@ -10334,8 +13912,8 @@
         </p:nvSpPr>
         <p:spPr>
           <a:xfrm>
-            <a:off x="8616461" y="2067951"/>
-            <a:ext cx="332935" cy="1573539"/>
+            <a:off x="6696229" y="5502486"/>
+            <a:ext cx="360000" cy="811786"/>
           </a:xfrm>
           <a:prstGeom prst="rightBrace">
             <a:avLst/>
@@ -10371,10 +13949,10 @@
       </p:sp>
       <p:sp>
         <p:nvSpPr>
-          <p:cNvPr id="18" name="Textfeld 17">
-            <a:extLst>
-              <a:ext uri="{FF2B5EF4-FFF2-40B4-BE49-F238E27FC236}">
-                <a16:creationId xmlns:a16="http://schemas.microsoft.com/office/drawing/2014/main" id="{28B3751A-7A2B-4E50-A72C-9E126D8ABDDD}"/>
+          <p:cNvPr id="15" name="Textfeld 14">
+            <a:extLst>
+              <a:ext uri="{FF2B5EF4-FFF2-40B4-BE49-F238E27FC236}">
+                <a16:creationId xmlns:a16="http://schemas.microsoft.com/office/drawing/2014/main" id="{BC24B7C9-C95B-4115-9947-2F92849CAAD7}"/>
               </a:ext>
             </a:extLst>
           </p:cNvPr>
@@ -10383,8 +13961,8 @@
         </p:nvSpPr>
         <p:spPr>
           <a:xfrm>
-            <a:off x="9092417" y="2710375"/>
-            <a:ext cx="2433711" cy="369332"/>
+            <a:off x="7197980" y="5547357"/>
+            <a:ext cx="3677529" cy="738664"/>
           </a:xfrm>
           <a:prstGeom prst="rect">
             <a:avLst/>
@@ -10398,8 +13976,8 @@
           <a:lstStyle/>
           <a:p>
             <a:r>
-              <a:rPr lang="de-DE" dirty="0"/>
-              <a:t>„Zwischenergebnisse“</a:t>
+              <a:rPr lang="de-DE" sz="1400" dirty="0"/>
+              <a:t>Ergebnis für eine Multi Class Klassifikation mit Categorical-Crossentropy und Softmax Aktivierungsfunktion</a:t>
             </a:r>
           </a:p>
         </p:txBody>
@@ -10407,17 +13985,296 @@
     </p:spTree>
     <p:extLst>
       <p:ext uri="{BB962C8B-B14F-4D97-AF65-F5344CB8AC3E}">
-        <p14:creationId xmlns:p14="http://schemas.microsoft.com/office/powerpoint/2010/main" val="713478221"/>
+        <p14:creationId xmlns:p14="http://schemas.microsoft.com/office/powerpoint/2010/main" val="4151041147"/>
       </p:ext>
     </p:extLst>
   </p:cSld>
   <p:clrMapOvr>
     <a:masterClrMapping/>
   </p:clrMapOvr>
+  <p:timing>
+    <p:tnLst>
+      <p:par>
+        <p:cTn id="1" dur="indefinite" restart="never" nodeType="tmRoot">
+          <p:childTnLst>
+            <p:seq concurrent="1" nextAc="seek">
+              <p:cTn id="2" dur="indefinite" nodeType="mainSeq">
+                <p:childTnLst>
+                  <p:par>
+                    <p:cTn id="3" fill="hold">
+                      <p:stCondLst>
+                        <p:cond delay="indefinite"/>
+                      </p:stCondLst>
+                      <p:childTnLst>
+                        <p:par>
+                          <p:cTn id="4" fill="hold">
+                            <p:stCondLst>
+                              <p:cond delay="0"/>
+                            </p:stCondLst>
+                            <p:childTnLst>
+                              <p:par>
+                                <p:cTn id="5" presetID="1" presetClass="entr" presetSubtype="0" fill="hold" nodeType="clickEffect">
+                                  <p:stCondLst>
+                                    <p:cond delay="0"/>
+                                  </p:stCondLst>
+                                  <p:childTnLst>
+                                    <p:set>
+                                      <p:cBhvr>
+                                        <p:cTn id="6" dur="1" fill="hold">
+                                          <p:stCondLst>
+                                            <p:cond delay="0"/>
+                                          </p:stCondLst>
+                                        </p:cTn>
+                                        <p:tgtEl>
+                                          <p:spTgt spid="5"/>
+                                        </p:tgtEl>
+                                        <p:attrNameLst>
+                                          <p:attrName>style.visibility</p:attrName>
+                                        </p:attrNameLst>
+                                      </p:cBhvr>
+                                      <p:to>
+                                        <p:strVal val="visible"/>
+                                      </p:to>
+                                    </p:set>
+                                  </p:childTnLst>
+                                </p:cTn>
+                              </p:par>
+                            </p:childTnLst>
+                          </p:cTn>
+                        </p:par>
+                      </p:childTnLst>
+                    </p:cTn>
+                  </p:par>
+                  <p:par>
+                    <p:cTn id="7" fill="hold">
+                      <p:stCondLst>
+                        <p:cond delay="indefinite"/>
+                      </p:stCondLst>
+                      <p:childTnLst>
+                        <p:par>
+                          <p:cTn id="8" fill="hold">
+                            <p:stCondLst>
+                              <p:cond delay="0"/>
+                            </p:stCondLst>
+                            <p:childTnLst>
+                              <p:par>
+                                <p:cTn id="9" presetID="1" presetClass="entr" presetSubtype="0" fill="hold" nodeType="clickEffect">
+                                  <p:stCondLst>
+                                    <p:cond delay="0"/>
+                                  </p:stCondLst>
+                                  <p:childTnLst>
+                                    <p:set>
+                                      <p:cBhvr>
+                                        <p:cTn id="10" dur="1" fill="hold">
+                                          <p:stCondLst>
+                                            <p:cond delay="0"/>
+                                          </p:stCondLst>
+                                        </p:cTn>
+                                        <p:tgtEl>
+                                          <p:spTgt spid="7"/>
+                                        </p:tgtEl>
+                                        <p:attrNameLst>
+                                          <p:attrName>style.visibility</p:attrName>
+                                        </p:attrNameLst>
+                                      </p:cBhvr>
+                                      <p:to>
+                                        <p:strVal val="visible"/>
+                                      </p:to>
+                                    </p:set>
+                                  </p:childTnLst>
+                                </p:cTn>
+                              </p:par>
+                              <p:par>
+                                <p:cTn id="11" presetID="1" presetClass="entr" presetSubtype="0" fill="hold" grpId="0" nodeType="withEffect">
+                                  <p:stCondLst>
+                                    <p:cond delay="0"/>
+                                  </p:stCondLst>
+                                  <p:childTnLst>
+                                    <p:set>
+                                      <p:cBhvr>
+                                        <p:cTn id="12" dur="1" fill="hold">
+                                          <p:stCondLst>
+                                            <p:cond delay="0"/>
+                                          </p:stCondLst>
+                                        </p:cTn>
+                                        <p:tgtEl>
+                                          <p:spTgt spid="12"/>
+                                        </p:tgtEl>
+                                        <p:attrNameLst>
+                                          <p:attrName>style.visibility</p:attrName>
+                                        </p:attrNameLst>
+                                      </p:cBhvr>
+                                      <p:to>
+                                        <p:strVal val="visible"/>
+                                      </p:to>
+                                    </p:set>
+                                  </p:childTnLst>
+                                </p:cTn>
+                              </p:par>
+                              <p:par>
+                                <p:cTn id="13" presetID="1" presetClass="entr" presetSubtype="0" fill="hold" grpId="0" nodeType="withEffect">
+                                  <p:stCondLst>
+                                    <p:cond delay="0"/>
+                                  </p:stCondLst>
+                                  <p:childTnLst>
+                                    <p:set>
+                                      <p:cBhvr>
+                                        <p:cTn id="14" dur="1" fill="hold">
+                                          <p:stCondLst>
+                                            <p:cond delay="0"/>
+                                          </p:stCondLst>
+                                        </p:cTn>
+                                        <p:tgtEl>
+                                          <p:spTgt spid="13"/>
+                                        </p:tgtEl>
+                                        <p:attrNameLst>
+                                          <p:attrName>style.visibility</p:attrName>
+                                        </p:attrNameLst>
+                                      </p:cBhvr>
+                                      <p:to>
+                                        <p:strVal val="visible"/>
+                                      </p:to>
+                                    </p:set>
+                                  </p:childTnLst>
+                                </p:cTn>
+                              </p:par>
+                            </p:childTnLst>
+                          </p:cTn>
+                        </p:par>
+                      </p:childTnLst>
+                    </p:cTn>
+                  </p:par>
+                  <p:par>
+                    <p:cTn id="15" fill="hold">
+                      <p:stCondLst>
+                        <p:cond delay="indefinite"/>
+                      </p:stCondLst>
+                      <p:childTnLst>
+                        <p:par>
+                          <p:cTn id="16" fill="hold">
+                            <p:stCondLst>
+                              <p:cond delay="0"/>
+                            </p:stCondLst>
+                            <p:childTnLst>
+                              <p:par>
+                                <p:cTn id="17" presetID="1" presetClass="entr" presetSubtype="0" fill="hold" nodeType="clickEffect">
+                                  <p:stCondLst>
+                                    <p:cond delay="0"/>
+                                  </p:stCondLst>
+                                  <p:childTnLst>
+                                    <p:set>
+                                      <p:cBhvr>
+                                        <p:cTn id="18" dur="1" fill="hold">
+                                          <p:stCondLst>
+                                            <p:cond delay="0"/>
+                                          </p:stCondLst>
+                                        </p:cTn>
+                                        <p:tgtEl>
+                                          <p:spTgt spid="11"/>
+                                        </p:tgtEl>
+                                        <p:attrNameLst>
+                                          <p:attrName>style.visibility</p:attrName>
+                                        </p:attrNameLst>
+                                      </p:cBhvr>
+                                      <p:to>
+                                        <p:strVal val="visible"/>
+                                      </p:to>
+                                    </p:set>
+                                  </p:childTnLst>
+                                </p:cTn>
+                              </p:par>
+                              <p:par>
+                                <p:cTn id="19" presetID="1" presetClass="entr" presetSubtype="0" fill="hold" grpId="0" nodeType="withEffect">
+                                  <p:stCondLst>
+                                    <p:cond delay="0"/>
+                                  </p:stCondLst>
+                                  <p:childTnLst>
+                                    <p:set>
+                                      <p:cBhvr>
+                                        <p:cTn id="20" dur="1" fill="hold">
+                                          <p:stCondLst>
+                                            <p:cond delay="0"/>
+                                          </p:stCondLst>
+                                        </p:cTn>
+                                        <p:tgtEl>
+                                          <p:spTgt spid="14"/>
+                                        </p:tgtEl>
+                                        <p:attrNameLst>
+                                          <p:attrName>style.visibility</p:attrName>
+                                        </p:attrNameLst>
+                                      </p:cBhvr>
+                                      <p:to>
+                                        <p:strVal val="visible"/>
+                                      </p:to>
+                                    </p:set>
+                                  </p:childTnLst>
+                                </p:cTn>
+                              </p:par>
+                              <p:par>
+                                <p:cTn id="21" presetID="1" presetClass="entr" presetSubtype="0" fill="hold" grpId="0" nodeType="withEffect">
+                                  <p:stCondLst>
+                                    <p:cond delay="0"/>
+                                  </p:stCondLst>
+                                  <p:childTnLst>
+                                    <p:set>
+                                      <p:cBhvr>
+                                        <p:cTn id="22" dur="1" fill="hold">
+                                          <p:stCondLst>
+                                            <p:cond delay="0"/>
+                                          </p:stCondLst>
+                                        </p:cTn>
+                                        <p:tgtEl>
+                                          <p:spTgt spid="15"/>
+                                        </p:tgtEl>
+                                        <p:attrNameLst>
+                                          <p:attrName>style.visibility</p:attrName>
+                                        </p:attrNameLst>
+                                      </p:cBhvr>
+                                      <p:to>
+                                        <p:strVal val="visible"/>
+                                      </p:to>
+                                    </p:set>
+                                  </p:childTnLst>
+                                </p:cTn>
+                              </p:par>
+                            </p:childTnLst>
+                          </p:cTn>
+                        </p:par>
+                      </p:childTnLst>
+                    </p:cTn>
+                  </p:par>
+                </p:childTnLst>
+              </p:cTn>
+              <p:prevCondLst>
+                <p:cond evt="onPrev" delay="0">
+                  <p:tgtEl>
+                    <p:sldTgt/>
+                  </p:tgtEl>
+                </p:cond>
+              </p:prevCondLst>
+              <p:nextCondLst>
+                <p:cond evt="onNext" delay="0">
+                  <p:tgtEl>
+                    <p:sldTgt/>
+                  </p:tgtEl>
+                </p:cond>
+              </p:nextCondLst>
+            </p:seq>
+          </p:childTnLst>
+        </p:cTn>
+      </p:par>
+    </p:tnLst>
+    <p:bldLst>
+      <p:bldP spid="12" grpId="0" animBg="1"/>
+      <p:bldP spid="13" grpId="0"/>
+      <p:bldP spid="14" grpId="0" animBg="1"/>
+      <p:bldP spid="15" grpId="0"/>
+    </p:bldLst>
+  </p:timing>
 </p:sld>
 </file>
 
-<file path=ppt/slides/slide8.xml><?xml version="1.0" encoding="utf-8"?>
+<file path=ppt/slides/slide9.xml><?xml version="1.0" encoding="utf-8"?>
 <p:sld xmlns:a="http://schemas.openxmlformats.org/drawingml/2006/main" xmlns:r="http://schemas.openxmlformats.org/officeDocument/2006/relationships" xmlns:p="http://schemas.openxmlformats.org/presentationml/2006/main">
   <p:cSld>
     <p:spTree>
@@ -10450,10 +14307,15 @@
             <p:ph type="title"/>
           </p:nvPr>
         </p:nvSpPr>
-        <p:spPr/>
+        <p:spPr>
+          <a:xfrm>
+            <a:off x="838200" y="365125"/>
+            <a:ext cx="10515600" cy="1325563"/>
+          </a:xfrm>
+        </p:spPr>
         <p:txBody>
           <a:bodyPr>
-            <a:normAutofit fontScale="90000"/>
+            <a:normAutofit/>
           </a:bodyPr>
           <a:lstStyle/>
           <a:p>
@@ -10465,19 +14327,8 @@
               <a:rPr lang="de-DE" dirty="0"/>
             </a:br>
             <a:r>
-              <a:rPr lang="de-DE" sz="2400" dirty="0" err="1"/>
-              <a:t>Backward</a:t>
-            </a:r>
-            <a:r>
               <a:rPr lang="de-DE" sz="2400" dirty="0"/>
-              <a:t>-Propagation für ein einziges Input</a:t>
-            </a:r>
-            <a:br>
-              <a:rPr lang="de-DE" sz="2400" dirty="0"/>
-            </a:br>
-            <a:r>
-              <a:rPr lang="de-DE" sz="2400" dirty="0"/>
-              <a:t>Fehler am Output Layer</a:t>
+              <a:t>Fehler am Output Layer für ein Batch von Daten</a:t>
             </a:r>
             <a:endParaRPr lang="de-DE" dirty="0"/>
           </a:p>
@@ -10485,10 +14336,10 @@
       </p:sp>
       <p:pic>
         <p:nvPicPr>
-          <p:cNvPr id="5" name="Grafik 4">
-            <a:extLst>
-              <a:ext uri="{FF2B5EF4-FFF2-40B4-BE49-F238E27FC236}">
-                <a16:creationId xmlns:a16="http://schemas.microsoft.com/office/drawing/2014/main" id="{97443AA0-6EDA-47FA-B155-20A5CAD462BE}"/>
+          <p:cNvPr id="10" name="Grafik 3">
+            <a:extLst>
+              <a:ext uri="{FF2B5EF4-FFF2-40B4-BE49-F238E27FC236}">
+                <a16:creationId xmlns:a16="http://schemas.microsoft.com/office/drawing/2014/main" id="{270180D9-74EB-4B3B-A5CB-C04EEE1F5AFD}"/>
               </a:ext>
             </a:extLst>
           </p:cNvPr>
@@ -10497,16 +14348,15 @@
           </p:cNvPicPr>
           <p:nvPr/>
         </p:nvPicPr>
-        <p:blipFill>
-          <a:blip r:embed="rId2"/>
-          <a:stretch>
-            <a:fillRect/>
-          </a:stretch>
+        <p:blipFill rotWithShape="1">
+          <a:blip r:embed="rId3"/>
+          <a:srcRect l="2459" t="12473" r="5436" b="25533"/>
+          <a:stretch/>
         </p:blipFill>
         <p:spPr>
           <a:xfrm>
-            <a:off x="1120581" y="2108287"/>
-            <a:ext cx="4248589" cy="867359"/>
+            <a:off x="838200" y="1690688"/>
+            <a:ext cx="8534400" cy="2337361"/>
           </a:xfrm>
           <a:prstGeom prst="rect">
             <a:avLst/>
@@ -10515,10 +14365,10 @@
       </p:pic>
       <p:pic>
         <p:nvPicPr>
-          <p:cNvPr id="7" name="Grafik 6">
-            <a:extLst>
-              <a:ext uri="{FF2B5EF4-FFF2-40B4-BE49-F238E27FC236}">
-                <a16:creationId xmlns:a16="http://schemas.microsoft.com/office/drawing/2014/main" id="{FB9BCB24-EB8E-469C-95CA-BC531010D107}"/>
+          <p:cNvPr id="16" name="Grafik 6">
+            <a:extLst>
+              <a:ext uri="{FF2B5EF4-FFF2-40B4-BE49-F238E27FC236}">
+                <a16:creationId xmlns:a16="http://schemas.microsoft.com/office/drawing/2014/main" id="{DE093D5E-BD4C-445E-B64B-33F41D34F490}"/>
               </a:ext>
             </a:extLst>
           </p:cNvPr>
@@ -10527,46 +14377,15 @@
           </p:cNvPicPr>
           <p:nvPr/>
         </p:nvPicPr>
-        <p:blipFill>
-          <a:blip r:embed="rId3"/>
-          <a:stretch>
-            <a:fillRect/>
-          </a:stretch>
+        <p:blipFill rotWithShape="1">
+          <a:blip r:embed="rId4"/>
+          <a:srcRect l="2842" t="1974" r="3002" b="3782"/>
+          <a:stretch/>
         </p:blipFill>
         <p:spPr>
           <a:xfrm>
-            <a:off x="686724" y="3301220"/>
-            <a:ext cx="5895016" cy="1767840"/>
-          </a:xfrm>
-          <a:prstGeom prst="rect">
-            <a:avLst/>
-          </a:prstGeom>
-        </p:spPr>
-      </p:pic>
-      <p:pic>
-        <p:nvPicPr>
-          <p:cNvPr id="11" name="Grafik 10">
-            <a:extLst>
-              <a:ext uri="{FF2B5EF4-FFF2-40B4-BE49-F238E27FC236}">
-                <a16:creationId xmlns:a16="http://schemas.microsoft.com/office/drawing/2014/main" id="{E5A057F8-CDA7-484D-BF6D-A8ACCD2C444B}"/>
-              </a:ext>
-            </a:extLst>
-          </p:cNvPr>
-          <p:cNvPicPr>
-            <a:picLocks noChangeAspect="1"/>
-          </p:cNvPicPr>
-          <p:nvPr/>
-        </p:nvPicPr>
-        <p:blipFill>
-          <a:blip r:embed="rId4"/>
-          <a:stretch>
-            <a:fillRect/>
-          </a:stretch>
-        </p:blipFill>
-        <p:spPr>
-          <a:xfrm>
-            <a:off x="1011994" y="5502486"/>
-            <a:ext cx="6171907" cy="807096"/>
+            <a:off x="838200" y="4494723"/>
+            <a:ext cx="5336344" cy="1643484"/>
           </a:xfrm>
           <a:prstGeom prst="rect">
             <a:avLst/>
@@ -10575,10 +14394,10 @@
       </p:pic>
       <p:sp>
         <p:nvSpPr>
-          <p:cNvPr id="12" name="Geschweifte Klammer rechts 11">
-            <a:extLst>
-              <a:ext uri="{FF2B5EF4-FFF2-40B4-BE49-F238E27FC236}">
-                <a16:creationId xmlns:a16="http://schemas.microsoft.com/office/drawing/2014/main" id="{6635DDC2-4A8C-4A68-BD22-99BE979A5EEF}"/>
+          <p:cNvPr id="17" name="Geschweifte Klammer rechts 11">
+            <a:extLst>
+              <a:ext uri="{FF2B5EF4-FFF2-40B4-BE49-F238E27FC236}">
+                <a16:creationId xmlns:a16="http://schemas.microsoft.com/office/drawing/2014/main" id="{B20FF8CF-BE93-4CFE-B335-DDE06D454FA2}"/>
               </a:ext>
             </a:extLst>
           </p:cNvPr>
@@ -10587,8 +14406,8 @@
         </p:nvSpPr>
         <p:spPr>
           <a:xfrm>
-            <a:off x="6747803" y="2006991"/>
-            <a:ext cx="375139" cy="3259015"/>
+            <a:off x="9372600" y="1690688"/>
+            <a:ext cx="360000" cy="4447519"/>
           </a:xfrm>
           <a:prstGeom prst="rightBrace">
             <a:avLst/>
@@ -10624,10 +14443,10 @@
       </p:sp>
       <p:sp>
         <p:nvSpPr>
-          <p:cNvPr id="13" name="Textfeld 12">
-            <a:extLst>
-              <a:ext uri="{FF2B5EF4-FFF2-40B4-BE49-F238E27FC236}">
-                <a16:creationId xmlns:a16="http://schemas.microsoft.com/office/drawing/2014/main" id="{425C0FA8-7CFF-472A-8A96-3CC30436E834}"/>
+          <p:cNvPr id="3" name="TextBox 2">
+            <a:extLst>
+              <a:ext uri="{FF2B5EF4-FFF2-40B4-BE49-F238E27FC236}">
+                <a16:creationId xmlns:a16="http://schemas.microsoft.com/office/drawing/2014/main" id="{0E002AA4-5FF2-4368-A859-0C80D3B8081E}"/>
               </a:ext>
             </a:extLst>
           </p:cNvPr>
@@ -10636,8 +14455,8 @@
         </p:nvSpPr>
         <p:spPr>
           <a:xfrm>
-            <a:off x="7469945" y="3019864"/>
-            <a:ext cx="3062067" cy="1477328"/>
+            <a:off x="9779442" y="3221950"/>
+            <a:ext cx="2384372" cy="1384995"/>
           </a:xfrm>
           <a:prstGeom prst="rect">
             <a:avLst/>
@@ -10650,117 +14469,39 @@
           </a:bodyPr>
           <a:lstStyle/>
           <a:p>
-            <a:r>
-              <a:rPr lang="de-DE" dirty="0"/>
-              <a:t>Allgemeingültiges Ergebnis unabhängig von Fehlerfunktion und Aktivierungsfunktion im Output Layer</a:t>
-            </a:r>
-          </a:p>
-        </p:txBody>
-      </p:sp>
-      <p:sp>
-        <p:nvSpPr>
-          <p:cNvPr id="14" name="Geschweifte Klammer rechts 13">
-            <a:extLst>
-              <a:ext uri="{FF2B5EF4-FFF2-40B4-BE49-F238E27FC236}">
-                <a16:creationId xmlns:a16="http://schemas.microsoft.com/office/drawing/2014/main" id="{BA12528F-5BC4-46A9-8D24-1631E951C474}"/>
-              </a:ext>
-            </a:extLst>
-          </p:cNvPr>
-          <p:cNvSpPr/>
-          <p:nvPr/>
-        </p:nvSpPr>
-        <p:spPr>
-          <a:xfrm>
-            <a:off x="7183901" y="5502486"/>
-            <a:ext cx="239151" cy="926449"/>
-          </a:xfrm>
-          <a:prstGeom prst="rightBrace">
-            <a:avLst/>
-          </a:prstGeom>
-          <a:ln>
-            <a:solidFill>
-              <a:schemeClr val="tx1"/>
-            </a:solidFill>
-          </a:ln>
-        </p:spPr>
-        <p:style>
-          <a:lnRef idx="1">
-            <a:schemeClr val="accent1"/>
-          </a:lnRef>
-          <a:fillRef idx="0">
-            <a:schemeClr val="accent1"/>
-          </a:fillRef>
-          <a:effectRef idx="0">
-            <a:schemeClr val="accent1"/>
-          </a:effectRef>
-          <a:fontRef idx="minor">
-            <a:schemeClr val="tx1"/>
-          </a:fontRef>
-        </p:style>
-        <p:txBody>
-          <a:bodyPr rtlCol="0" anchor="ctr"/>
-          <a:lstStyle/>
-          <a:p>
-            <a:pPr algn="ctr"/>
-            <a:endParaRPr lang="de-DE"/>
-          </a:p>
-        </p:txBody>
-      </p:sp>
-      <p:sp>
-        <p:nvSpPr>
-          <p:cNvPr id="15" name="Textfeld 14">
-            <a:extLst>
-              <a:ext uri="{FF2B5EF4-FFF2-40B4-BE49-F238E27FC236}">
-                <a16:creationId xmlns:a16="http://schemas.microsoft.com/office/drawing/2014/main" id="{BC24B7C9-C95B-4115-9947-2F92849CAAD7}"/>
-              </a:ext>
-            </a:extLst>
-          </p:cNvPr>
-          <p:cNvSpPr txBox="1"/>
-          <p:nvPr/>
-        </p:nvSpPr>
-        <p:spPr>
-          <a:xfrm>
-            <a:off x="7676271" y="5416061"/>
-            <a:ext cx="3677529" cy="1200329"/>
-          </a:xfrm>
-          <a:prstGeom prst="rect">
-            <a:avLst/>
-          </a:prstGeom>
-          <a:noFill/>
-        </p:spPr>
-        <p:txBody>
-          <a:bodyPr wrap="square" rtlCol="0">
-            <a:spAutoFit/>
-          </a:bodyPr>
-          <a:lstStyle/>
-          <a:p>
-            <a:r>
-              <a:rPr lang="de-DE" dirty="0"/>
-              <a:t>Ergebnis für eine Multi Class Klassifikation mit </a:t>
-            </a:r>
-            <a:r>
-              <a:rPr lang="de-DE" dirty="0" err="1"/>
-              <a:t>Categorical</a:t>
-            </a:r>
-            <a:r>
-              <a:rPr lang="de-DE" dirty="0"/>
-              <a:t> </a:t>
-            </a:r>
-            <a:r>
-              <a:rPr lang="de-DE" dirty="0" err="1"/>
-              <a:t>Crossentropy</a:t>
-            </a:r>
-            <a:r>
-              <a:rPr lang="de-DE" dirty="0"/>
-              <a:t> und </a:t>
-            </a:r>
-            <a:r>
-              <a:rPr lang="de-DE" dirty="0" err="1"/>
-              <a:t>Softmax</a:t>
-            </a:r>
-            <a:r>
-              <a:rPr lang="de-DE" dirty="0"/>
-              <a:t> Aktivierungsfunktion</a:t>
+            <a:pPr marL="285750" indent="-285750">
+              <a:buFont typeface="Arial" panose="020B0604020202020204" pitchFamily="34" charset="0"/>
+              <a:buChar char="•"/>
+            </a:pPr>
+            <a:r>
+              <a:rPr lang="de-DE" sz="1400" dirty="0"/>
+              <a:t>Stapeln der Fehler jedes Datums bei </a:t>
+            </a:r>
+            <a:r>
+              <a:rPr lang="de-DE" sz="1400" dirty="0" err="1"/>
+              <a:t>axis</a:t>
+            </a:r>
+            <a:r>
+              <a:rPr lang="de-DE" sz="1400" dirty="0"/>
+              <a:t>=0</a:t>
+            </a:r>
+          </a:p>
+          <a:p>
+            <a:pPr marL="285750" indent="-285750">
+              <a:buFont typeface="Arial" panose="020B0604020202020204" pitchFamily="34" charset="0"/>
+              <a:buChar char="•"/>
+            </a:pPr>
+            <a:r>
+              <a:rPr lang="de-DE" sz="1400" dirty="0"/>
+              <a:t>„Gleichzeitige“ Berechnung von batch-size Fehlern ohne explizite </a:t>
+            </a:r>
+            <a:r>
+              <a:rPr lang="de-DE" sz="1400" dirty="0" err="1"/>
+              <a:t>for</a:t>
+            </a:r>
+            <a:r>
+              <a:rPr lang="de-DE" sz="1400" dirty="0"/>
+              <a:t>-loop</a:t>
             </a:r>
           </a:p>
         </p:txBody>
@@ -10768,379 +14509,209 @@
     </p:spTree>
     <p:extLst>
       <p:ext uri="{BB962C8B-B14F-4D97-AF65-F5344CB8AC3E}">
-        <p14:creationId xmlns:p14="http://schemas.microsoft.com/office/powerpoint/2010/main" val="4151041147"/>
+        <p14:creationId xmlns:p14="http://schemas.microsoft.com/office/powerpoint/2010/main" val="474465798"/>
       </p:ext>
     </p:extLst>
   </p:cSld>
   <p:clrMapOvr>
     <a:masterClrMapping/>
   </p:clrMapOvr>
-</p:sld>
-</file>
-
-<file path=ppt/slides/slide9.xml><?xml version="1.0" encoding="utf-8"?>
-<p:sld xmlns:a="http://schemas.openxmlformats.org/drawingml/2006/main" xmlns:r="http://schemas.openxmlformats.org/officeDocument/2006/relationships" xmlns:p="http://schemas.openxmlformats.org/presentationml/2006/main">
-  <p:cSld>
-    <p:spTree>
-      <p:nvGrpSpPr>
-        <p:cNvPr id="1" name=""/>
-        <p:cNvGrpSpPr/>
-        <p:nvPr/>
-      </p:nvGrpSpPr>
-      <p:grpSpPr>
-        <a:xfrm>
-          <a:off x="0" y="0"/>
-          <a:ext cx="0" cy="0"/>
-          <a:chOff x="0" y="0"/>
-          <a:chExt cx="0" cy="0"/>
-        </a:xfrm>
-      </p:grpSpPr>
-      <p:sp>
-        <p:nvSpPr>
-          <p:cNvPr id="2" name="Titel 1">
-            <a:extLst>
-              <a:ext uri="{FF2B5EF4-FFF2-40B4-BE49-F238E27FC236}">
-                <a16:creationId xmlns:a16="http://schemas.microsoft.com/office/drawing/2014/main" id="{2911F67F-327B-4C51-B9E3-A1D3BCC720A5}"/>
-              </a:ext>
-            </a:extLst>
-          </p:cNvPr>
-          <p:cNvSpPr>
-            <a:spLocks noGrp="1"/>
-          </p:cNvSpPr>
-          <p:nvPr>
-            <p:ph type="title"/>
-          </p:nvPr>
-        </p:nvSpPr>
-        <p:spPr/>
-        <p:txBody>
-          <a:bodyPr>
-            <a:normAutofit fontScale="90000"/>
-          </a:bodyPr>
-          <a:lstStyle/>
-          <a:p>
-            <a:r>
-              <a:rPr lang="de-DE" dirty="0"/>
-              <a:t>Mathematische Herleitungen</a:t>
-            </a:r>
-            <a:br>
-              <a:rPr lang="de-DE" dirty="0"/>
-            </a:br>
-            <a:r>
-              <a:rPr lang="de-DE" sz="2400" dirty="0" err="1"/>
-              <a:t>Backward</a:t>
-            </a:r>
-            <a:r>
-              <a:rPr lang="de-DE" sz="2400" dirty="0"/>
-              <a:t>-Propagation für ein einziges Input</a:t>
-            </a:r>
-            <a:br>
-              <a:rPr lang="de-DE" sz="2400" dirty="0"/>
-            </a:br>
-            <a:r>
-              <a:rPr lang="de-DE" sz="2400" dirty="0"/>
-              <a:t>Fehler bei einem beliebigem Hidden Layer</a:t>
-            </a:r>
-            <a:endParaRPr lang="de-DE" dirty="0"/>
-          </a:p>
-        </p:txBody>
-      </p:sp>
-      <p:pic>
-        <p:nvPicPr>
-          <p:cNvPr id="4" name="Grafik 3">
-            <a:extLst>
-              <a:ext uri="{FF2B5EF4-FFF2-40B4-BE49-F238E27FC236}">
-                <a16:creationId xmlns:a16="http://schemas.microsoft.com/office/drawing/2014/main" id="{B6D84905-5699-45F5-99AD-F3AA611AAD0A}"/>
-              </a:ext>
-            </a:extLst>
-          </p:cNvPr>
-          <p:cNvPicPr>
-            <a:picLocks noChangeAspect="1"/>
-          </p:cNvPicPr>
-          <p:nvPr/>
-        </p:nvPicPr>
-        <p:blipFill>
-          <a:blip r:embed="rId2"/>
-          <a:stretch>
-            <a:fillRect/>
-          </a:stretch>
-        </p:blipFill>
-        <p:spPr>
-          <a:xfrm>
-            <a:off x="1292398" y="2195850"/>
-            <a:ext cx="3312129" cy="620225"/>
-          </a:xfrm>
-          <a:prstGeom prst="rect">
-            <a:avLst/>
-          </a:prstGeom>
-        </p:spPr>
-      </p:pic>
-      <p:pic>
-        <p:nvPicPr>
-          <p:cNvPr id="19" name="Grafik 18">
-            <a:extLst>
-              <a:ext uri="{FF2B5EF4-FFF2-40B4-BE49-F238E27FC236}">
-                <a16:creationId xmlns:a16="http://schemas.microsoft.com/office/drawing/2014/main" id="{4D536E9C-8FF4-43AD-AC5A-261C3A8E28AD}"/>
-              </a:ext>
-            </a:extLst>
-          </p:cNvPr>
-          <p:cNvPicPr>
-            <a:picLocks noChangeAspect="1"/>
-          </p:cNvPicPr>
-          <p:nvPr/>
-        </p:nvPicPr>
-        <p:blipFill>
-          <a:blip r:embed="rId3"/>
-          <a:stretch>
-            <a:fillRect/>
-          </a:stretch>
-        </p:blipFill>
-        <p:spPr>
-          <a:xfrm>
-            <a:off x="5122552" y="2249716"/>
-            <a:ext cx="2581203" cy="512491"/>
-          </a:xfrm>
-          <a:prstGeom prst="rect">
-            <a:avLst/>
-          </a:prstGeom>
-        </p:spPr>
-      </p:pic>
-      <p:pic>
-        <p:nvPicPr>
-          <p:cNvPr id="21" name="Grafik 20">
-            <a:extLst>
-              <a:ext uri="{FF2B5EF4-FFF2-40B4-BE49-F238E27FC236}">
-                <a16:creationId xmlns:a16="http://schemas.microsoft.com/office/drawing/2014/main" id="{A5B9432D-5B2E-45E9-B433-BC2917CE174B}"/>
-              </a:ext>
-            </a:extLst>
-          </p:cNvPr>
-          <p:cNvPicPr>
-            <a:picLocks noChangeAspect="1"/>
-          </p:cNvPicPr>
-          <p:nvPr/>
-        </p:nvPicPr>
-        <p:blipFill>
-          <a:blip r:embed="rId4"/>
-          <a:stretch>
-            <a:fillRect/>
-          </a:stretch>
-        </p:blipFill>
-        <p:spPr>
-          <a:xfrm>
-            <a:off x="769035" y="3460964"/>
-            <a:ext cx="6413860" cy="1325562"/>
-          </a:xfrm>
-          <a:prstGeom prst="rect">
-            <a:avLst/>
-          </a:prstGeom>
-        </p:spPr>
-      </p:pic>
-      <p:pic>
-        <p:nvPicPr>
-          <p:cNvPr id="23" name="Grafik 22">
-            <a:extLst>
-              <a:ext uri="{FF2B5EF4-FFF2-40B4-BE49-F238E27FC236}">
-                <a16:creationId xmlns:a16="http://schemas.microsoft.com/office/drawing/2014/main" id="{6533EA64-7F53-4E6F-985B-F916024058D5}"/>
-              </a:ext>
-            </a:extLst>
-          </p:cNvPr>
-          <p:cNvPicPr>
-            <a:picLocks noChangeAspect="1"/>
-          </p:cNvPicPr>
-          <p:nvPr/>
-        </p:nvPicPr>
-        <p:blipFill rotWithShape="1">
-          <a:blip r:embed="rId5"/>
-          <a:srcRect b="6231"/>
-          <a:stretch/>
-        </p:blipFill>
-        <p:spPr>
-          <a:xfrm>
-            <a:off x="769035" y="5152588"/>
-            <a:ext cx="6349884" cy="1068168"/>
-          </a:xfrm>
-          <a:prstGeom prst="rect">
-            <a:avLst/>
-          </a:prstGeom>
-        </p:spPr>
-      </p:pic>
-      <p:sp>
-        <p:nvSpPr>
-          <p:cNvPr id="24" name="Geschweifte Klammer rechts 23">
-            <a:extLst>
-              <a:ext uri="{FF2B5EF4-FFF2-40B4-BE49-F238E27FC236}">
-                <a16:creationId xmlns:a16="http://schemas.microsoft.com/office/drawing/2014/main" id="{7A16E7DD-2999-49A6-B47A-2E4F38F01F50}"/>
-              </a:ext>
-            </a:extLst>
-          </p:cNvPr>
-          <p:cNvSpPr/>
-          <p:nvPr/>
-        </p:nvSpPr>
-        <p:spPr>
-          <a:xfrm>
-            <a:off x="7300126" y="3460964"/>
-            <a:ext cx="362077" cy="2470913"/>
-          </a:xfrm>
-          <a:prstGeom prst="rightBrace">
-            <a:avLst/>
-          </a:prstGeom>
-          <a:ln>
-            <a:solidFill>
-              <a:schemeClr val="tx1"/>
-            </a:solidFill>
-          </a:ln>
-        </p:spPr>
-        <p:style>
-          <a:lnRef idx="1">
-            <a:schemeClr val="accent1"/>
-          </a:lnRef>
-          <a:fillRef idx="0">
-            <a:schemeClr val="accent1"/>
-          </a:fillRef>
-          <a:effectRef idx="0">
-            <a:schemeClr val="accent1"/>
-          </a:effectRef>
-          <a:fontRef idx="minor">
-            <a:schemeClr val="tx1"/>
-          </a:fontRef>
-        </p:style>
-        <p:txBody>
-          <a:bodyPr rtlCol="0" anchor="ctr"/>
-          <a:lstStyle/>
-          <a:p>
-            <a:pPr algn="ctr"/>
-            <a:endParaRPr lang="de-DE"/>
-          </a:p>
-        </p:txBody>
-      </p:sp>
-      <p:sp>
-        <p:nvSpPr>
-          <p:cNvPr id="25" name="Geschweifte Klammer rechts 24">
-            <a:extLst>
-              <a:ext uri="{FF2B5EF4-FFF2-40B4-BE49-F238E27FC236}">
-                <a16:creationId xmlns:a16="http://schemas.microsoft.com/office/drawing/2014/main" id="{E6A31F8E-0F98-4C30-AC2B-F1AA53F30977}"/>
-              </a:ext>
-            </a:extLst>
-          </p:cNvPr>
-          <p:cNvSpPr/>
-          <p:nvPr/>
-        </p:nvSpPr>
-        <p:spPr>
-          <a:xfrm>
-            <a:off x="7773071" y="2102874"/>
-            <a:ext cx="362077" cy="925812"/>
-          </a:xfrm>
-          <a:prstGeom prst="rightBrace">
-            <a:avLst/>
-          </a:prstGeom>
-          <a:ln>
-            <a:solidFill>
-              <a:schemeClr val="tx1"/>
-            </a:solidFill>
-          </a:ln>
-        </p:spPr>
-        <p:style>
-          <a:lnRef idx="1">
-            <a:schemeClr val="accent1"/>
-          </a:lnRef>
-          <a:fillRef idx="0">
-            <a:schemeClr val="accent1"/>
-          </a:fillRef>
-          <a:effectRef idx="0">
-            <a:schemeClr val="accent1"/>
-          </a:effectRef>
-          <a:fontRef idx="minor">
-            <a:schemeClr val="tx1"/>
-          </a:fontRef>
-        </p:style>
-        <p:txBody>
-          <a:bodyPr rtlCol="0" anchor="ctr"/>
-          <a:lstStyle/>
-          <a:p>
-            <a:pPr algn="ctr"/>
-            <a:endParaRPr lang="de-DE"/>
-          </a:p>
-        </p:txBody>
-      </p:sp>
-      <p:sp>
-        <p:nvSpPr>
-          <p:cNvPr id="26" name="Textfeld 25">
-            <a:extLst>
-              <a:ext uri="{FF2B5EF4-FFF2-40B4-BE49-F238E27FC236}">
-                <a16:creationId xmlns:a16="http://schemas.microsoft.com/office/drawing/2014/main" id="{FB294907-7138-4AF1-B6F6-909266970080}"/>
-              </a:ext>
-            </a:extLst>
-          </p:cNvPr>
-          <p:cNvSpPr txBox="1"/>
-          <p:nvPr/>
-        </p:nvSpPr>
-        <p:spPr>
-          <a:xfrm>
-            <a:off x="8285871" y="2325858"/>
-            <a:ext cx="2686929" cy="646331"/>
-          </a:xfrm>
-          <a:prstGeom prst="rect">
-            <a:avLst/>
-          </a:prstGeom>
-          <a:noFill/>
-        </p:spPr>
-        <p:txBody>
-          <a:bodyPr wrap="square" rtlCol="0">
-            <a:spAutoFit/>
-          </a:bodyPr>
-          <a:lstStyle/>
-          <a:p>
-            <a:r>
-              <a:rPr lang="de-DE" dirty="0"/>
-              <a:t>Allgemeingültiges Ergebnis für jedes Hidden Layer</a:t>
-            </a:r>
-          </a:p>
-        </p:txBody>
-      </p:sp>
-      <p:sp>
-        <p:nvSpPr>
-          <p:cNvPr id="27" name="Textfeld 26">
-            <a:extLst>
-              <a:ext uri="{FF2B5EF4-FFF2-40B4-BE49-F238E27FC236}">
-                <a16:creationId xmlns:a16="http://schemas.microsoft.com/office/drawing/2014/main" id="{C15B4257-BDFA-4A19-BF45-907D571C3B90}"/>
-              </a:ext>
-            </a:extLst>
-          </p:cNvPr>
-          <p:cNvSpPr txBox="1"/>
-          <p:nvPr/>
-        </p:nvSpPr>
-        <p:spPr>
-          <a:xfrm>
-            <a:off x="7843410" y="4324861"/>
-            <a:ext cx="3489960" cy="923330"/>
-          </a:xfrm>
-          <a:prstGeom prst="rect">
-            <a:avLst/>
-          </a:prstGeom>
-          <a:noFill/>
-        </p:spPr>
-        <p:txBody>
-          <a:bodyPr wrap="square" rtlCol="0">
-            <a:spAutoFit/>
-          </a:bodyPr>
-          <a:lstStyle/>
-          <a:p>
-            <a:r>
-              <a:rPr lang="de-DE" dirty="0"/>
-              <a:t>Ergebnis, wenn die Aktivierungsfunktion in Layer l-1 die Sigmoid Funktion ist</a:t>
-            </a:r>
-          </a:p>
-        </p:txBody>
-      </p:sp>
-    </p:spTree>
-    <p:extLst>
-      <p:ext uri="{BB962C8B-B14F-4D97-AF65-F5344CB8AC3E}">
-        <p14:creationId xmlns:p14="http://schemas.microsoft.com/office/powerpoint/2010/main" val="4107834854"/>
-      </p:ext>
-    </p:extLst>
-  </p:cSld>
-  <p:clrMapOvr>
-    <a:masterClrMapping/>
-  </p:clrMapOvr>
+  <p:timing>
+    <p:tnLst>
+      <p:par>
+        <p:cTn id="1" dur="indefinite" restart="never" nodeType="tmRoot">
+          <p:childTnLst>
+            <p:seq concurrent="1" nextAc="seek">
+              <p:cTn id="2" dur="indefinite" nodeType="mainSeq">
+                <p:childTnLst>
+                  <p:par>
+                    <p:cTn id="3" fill="hold">
+                      <p:stCondLst>
+                        <p:cond delay="indefinite"/>
+                      </p:stCondLst>
+                      <p:childTnLst>
+                        <p:par>
+                          <p:cTn id="4" fill="hold">
+                            <p:stCondLst>
+                              <p:cond delay="0"/>
+                            </p:stCondLst>
+                            <p:childTnLst>
+                              <p:par>
+                                <p:cTn id="5" presetID="1" presetClass="entr" presetSubtype="0" fill="hold" nodeType="clickEffect">
+                                  <p:stCondLst>
+                                    <p:cond delay="0"/>
+                                  </p:stCondLst>
+                                  <p:childTnLst>
+                                    <p:set>
+                                      <p:cBhvr>
+                                        <p:cTn id="6" dur="1" fill="hold">
+                                          <p:stCondLst>
+                                            <p:cond delay="0"/>
+                                          </p:stCondLst>
+                                        </p:cTn>
+                                        <p:tgtEl>
+                                          <p:spTgt spid="10"/>
+                                        </p:tgtEl>
+                                        <p:attrNameLst>
+                                          <p:attrName>style.visibility</p:attrName>
+                                        </p:attrNameLst>
+                                      </p:cBhvr>
+                                      <p:to>
+                                        <p:strVal val="visible"/>
+                                      </p:to>
+                                    </p:set>
+                                  </p:childTnLst>
+                                </p:cTn>
+                              </p:par>
+                            </p:childTnLst>
+                          </p:cTn>
+                        </p:par>
+                      </p:childTnLst>
+                    </p:cTn>
+                  </p:par>
+                  <p:par>
+                    <p:cTn id="7" fill="hold">
+                      <p:stCondLst>
+                        <p:cond delay="indefinite"/>
+                      </p:stCondLst>
+                      <p:childTnLst>
+                        <p:par>
+                          <p:cTn id="8" fill="hold">
+                            <p:stCondLst>
+                              <p:cond delay="0"/>
+                            </p:stCondLst>
+                            <p:childTnLst>
+                              <p:par>
+                                <p:cTn id="9" presetID="1" presetClass="entr" presetSubtype="0" fill="hold" nodeType="clickEffect">
+                                  <p:stCondLst>
+                                    <p:cond delay="0"/>
+                                  </p:stCondLst>
+                                  <p:childTnLst>
+                                    <p:set>
+                                      <p:cBhvr>
+                                        <p:cTn id="10" dur="1" fill="hold">
+                                          <p:stCondLst>
+                                            <p:cond delay="0"/>
+                                          </p:stCondLst>
+                                        </p:cTn>
+                                        <p:tgtEl>
+                                          <p:spTgt spid="16"/>
+                                        </p:tgtEl>
+                                        <p:attrNameLst>
+                                          <p:attrName>style.visibility</p:attrName>
+                                        </p:attrNameLst>
+                                      </p:cBhvr>
+                                      <p:to>
+                                        <p:strVal val="visible"/>
+                                      </p:to>
+                                    </p:set>
+                                  </p:childTnLst>
+                                </p:cTn>
+                              </p:par>
+                            </p:childTnLst>
+                          </p:cTn>
+                        </p:par>
+                      </p:childTnLst>
+                    </p:cTn>
+                  </p:par>
+                  <p:par>
+                    <p:cTn id="11" fill="hold">
+                      <p:stCondLst>
+                        <p:cond delay="indefinite"/>
+                      </p:stCondLst>
+                      <p:childTnLst>
+                        <p:par>
+                          <p:cTn id="12" fill="hold">
+                            <p:stCondLst>
+                              <p:cond delay="0"/>
+                            </p:stCondLst>
+                            <p:childTnLst>
+                              <p:par>
+                                <p:cTn id="13" presetID="1" presetClass="entr" presetSubtype="0" fill="hold" grpId="0" nodeType="clickEffect">
+                                  <p:stCondLst>
+                                    <p:cond delay="0"/>
+                                  </p:stCondLst>
+                                  <p:childTnLst>
+                                    <p:set>
+                                      <p:cBhvr>
+                                        <p:cTn id="14" dur="1" fill="hold">
+                                          <p:stCondLst>
+                                            <p:cond delay="0"/>
+                                          </p:stCondLst>
+                                        </p:cTn>
+                                        <p:tgtEl>
+                                          <p:spTgt spid="17"/>
+                                        </p:tgtEl>
+                                        <p:attrNameLst>
+                                          <p:attrName>style.visibility</p:attrName>
+                                        </p:attrNameLst>
+                                      </p:cBhvr>
+                                      <p:to>
+                                        <p:strVal val="visible"/>
+                                      </p:to>
+                                    </p:set>
+                                  </p:childTnLst>
+                                </p:cTn>
+                              </p:par>
+                              <p:par>
+                                <p:cTn id="15" presetID="1" presetClass="entr" presetSubtype="0" fill="hold" grpId="0" nodeType="withEffect">
+                                  <p:stCondLst>
+                                    <p:cond delay="0"/>
+                                  </p:stCondLst>
+                                  <p:childTnLst>
+                                    <p:set>
+                                      <p:cBhvr>
+                                        <p:cTn id="16" dur="1" fill="hold">
+                                          <p:stCondLst>
+                                            <p:cond delay="0"/>
+                                          </p:stCondLst>
+                                        </p:cTn>
+                                        <p:tgtEl>
+                                          <p:spTgt spid="3"/>
+                                        </p:tgtEl>
+                                        <p:attrNameLst>
+                                          <p:attrName>style.visibility</p:attrName>
+                                        </p:attrNameLst>
+                                      </p:cBhvr>
+                                      <p:to>
+                                        <p:strVal val="visible"/>
+                                      </p:to>
+                                    </p:set>
+                                  </p:childTnLst>
+                                </p:cTn>
+                              </p:par>
+                            </p:childTnLst>
+                          </p:cTn>
+                        </p:par>
+                      </p:childTnLst>
+                    </p:cTn>
+                  </p:par>
+                </p:childTnLst>
+              </p:cTn>
+              <p:prevCondLst>
+                <p:cond evt="onPrev" delay="0">
+                  <p:tgtEl>
+                    <p:sldTgt/>
+                  </p:tgtEl>
+                </p:cond>
+              </p:prevCondLst>
+              <p:nextCondLst>
+                <p:cond evt="onNext" delay="0">
+                  <p:tgtEl>
+                    <p:sldTgt/>
+                  </p:tgtEl>
+                </p:cond>
+              </p:nextCondLst>
+            </p:seq>
+          </p:childTnLst>
+        </p:cTn>
+      </p:par>
+    </p:tnLst>
+    <p:bldLst>
+      <p:bldP spid="17" grpId="0" animBg="1"/>
+      <p:bldP spid="3" grpId="0"/>
+    </p:bldLst>
+  </p:timing>
 </p:sld>
 </file>
 

--- a/theory/submission/result_presentation.pptx
+++ b/theory/submission/result_presentation.pptx
@@ -5,7 +5,7 @@
     <p:sldMasterId id="2147483648" r:id="rId1"/>
   </p:sldMasterIdLst>
   <p:notesMasterIdLst>
-    <p:notesMasterId r:id="rId21"/>
+    <p:notesMasterId r:id="rId22"/>
   </p:notesMasterIdLst>
   <p:sldIdLst>
     <p:sldId id="256" r:id="rId2"/>
@@ -18,15 +18,16 @@
     <p:sldId id="263" r:id="rId9"/>
     <p:sldId id="277" r:id="rId10"/>
     <p:sldId id="264" r:id="rId11"/>
-    <p:sldId id="267" r:id="rId12"/>
-    <p:sldId id="268" r:id="rId13"/>
-    <p:sldId id="269" r:id="rId14"/>
-    <p:sldId id="270" r:id="rId15"/>
-    <p:sldId id="271" r:id="rId16"/>
-    <p:sldId id="272" r:id="rId17"/>
-    <p:sldId id="273" r:id="rId18"/>
-    <p:sldId id="276" r:id="rId19"/>
-    <p:sldId id="274" r:id="rId20"/>
+    <p:sldId id="278" r:id="rId12"/>
+    <p:sldId id="267" r:id="rId13"/>
+    <p:sldId id="268" r:id="rId14"/>
+    <p:sldId id="269" r:id="rId15"/>
+    <p:sldId id="270" r:id="rId16"/>
+    <p:sldId id="271" r:id="rId17"/>
+    <p:sldId id="272" r:id="rId18"/>
+    <p:sldId id="273" r:id="rId19"/>
+    <p:sldId id="276" r:id="rId20"/>
+    <p:sldId id="274" r:id="rId21"/>
   </p:sldIdLst>
   <p:sldSz cx="12192000" cy="6858000"/>
   <p:notesSz cx="6858000" cy="9144000"/>
@@ -570,6 +571,97 @@
 </p:notes>
 </file>
 
+<file path=ppt/notesSlides/notesSlide10.xml><?xml version="1.0" encoding="utf-8"?>
+<p:notes xmlns:a="http://schemas.openxmlformats.org/drawingml/2006/main" xmlns:r="http://schemas.openxmlformats.org/officeDocument/2006/relationships" xmlns:p="http://schemas.openxmlformats.org/presentationml/2006/main">
+  <p:cSld>
+    <p:spTree>
+      <p:nvGrpSpPr>
+        <p:cNvPr id="1" name=""/>
+        <p:cNvGrpSpPr/>
+        <p:nvPr/>
+      </p:nvGrpSpPr>
+      <p:grpSpPr>
+        <a:xfrm>
+          <a:off x="0" y="0"/>
+          <a:ext cx="0" cy="0"/>
+          <a:chOff x="0" y="0"/>
+          <a:chExt cx="0" cy="0"/>
+        </a:xfrm>
+      </p:grpSpPr>
+      <p:sp>
+        <p:nvSpPr>
+          <p:cNvPr id="2" name="Slide Image Placeholder 1"/>
+          <p:cNvSpPr>
+            <a:spLocks noGrp="1" noRot="1" noChangeAspect="1"/>
+          </p:cNvSpPr>
+          <p:nvPr>
+            <p:ph type="sldImg"/>
+          </p:nvPr>
+        </p:nvSpPr>
+        <p:spPr/>
+      </p:sp>
+      <p:sp>
+        <p:nvSpPr>
+          <p:cNvPr id="3" name="Notes Placeholder 2"/>
+          <p:cNvSpPr>
+            <a:spLocks noGrp="1"/>
+          </p:cNvSpPr>
+          <p:nvPr>
+            <p:ph type="body" idx="1"/>
+          </p:nvPr>
+        </p:nvSpPr>
+        <p:spPr/>
+        <p:txBody>
+          <a:bodyPr/>
+          <a:lstStyle/>
+          <a:p>
+            <a:pPr marL="171450" indent="-171450">
+              <a:buFont typeface="Arial" panose="020B0604020202020204" pitchFamily="34" charset="0"/>
+              <a:buChar char="•"/>
+            </a:pPr>
+            <a:r>
+              <a:rPr lang="de-DE" dirty="0"/>
+              <a:t>Kurz erklären, wie der Backpropagation Algorithmus abläuft</a:t>
+            </a:r>
+          </a:p>
+        </p:txBody>
+      </p:sp>
+      <p:sp>
+        <p:nvSpPr>
+          <p:cNvPr id="4" name="Slide Number Placeholder 3"/>
+          <p:cNvSpPr>
+            <a:spLocks noGrp="1"/>
+          </p:cNvSpPr>
+          <p:nvPr>
+            <p:ph type="sldNum" sz="quarter" idx="5"/>
+          </p:nvPr>
+        </p:nvSpPr>
+        <p:spPr/>
+        <p:txBody>
+          <a:bodyPr/>
+          <a:lstStyle/>
+          <a:p>
+            <a:fld id="{D4C12A24-BF94-4906-B274-F5BF4D611E23}" type="slidenum">
+              <a:rPr lang="de-DE" smtClean="0"/>
+              <a:t>19</a:t>
+            </a:fld>
+            <a:endParaRPr lang="de-DE"/>
+          </a:p>
+        </p:txBody>
+      </p:sp>
+    </p:spTree>
+    <p:extLst>
+      <p:ext uri="{BB962C8B-B14F-4D97-AF65-F5344CB8AC3E}">
+        <p14:creationId xmlns:p14="http://schemas.microsoft.com/office/powerpoint/2010/main" val="3675257778"/>
+      </p:ext>
+    </p:extLst>
+  </p:cSld>
+  <p:clrMapOvr>
+    <a:masterClrMapping/>
+  </p:clrMapOvr>
+</p:notes>
+</file>
+
 <file path=ppt/notesSlides/notesSlide2.xml><?xml version="1.0" encoding="utf-8"?>
 <p:notes xmlns:a="http://schemas.openxmlformats.org/drawingml/2006/main" xmlns:r="http://schemas.openxmlformats.org/officeDocument/2006/relationships" xmlns:p="http://schemas.openxmlformats.org/presentationml/2006/main">
   <p:cSld>
@@ -1384,14 +1476,34 @@
           <a:bodyPr/>
           <a:lstStyle/>
           <a:p>
+            <a:pPr marL="171450" marR="0" lvl="0" indent="-171450" algn="l" defTabSz="914400" rtl="0" eaLnBrk="1" fontAlgn="auto" latinLnBrk="0" hangingPunct="1">
+              <a:lnSpc>
+                <a:spcPct val="100000"/>
+              </a:lnSpc>
+              <a:spcBef>
+                <a:spcPts val="0"/>
+              </a:spcBef>
+              <a:spcAft>
+                <a:spcPts val="0"/>
+              </a:spcAft>
+              <a:buClrTx/>
+              <a:buSzTx/>
+              <a:buFont typeface="Arial" panose="020B0604020202020204" pitchFamily="34" charset="0"/>
+              <a:buChar char="•"/>
+              <a:tabLst/>
+              <a:defRPr/>
+            </a:pPr>
+            <a:r>
+              <a:rPr lang="de-DE" sz="1200" dirty="0"/>
+              <a:t>Für jede Aktivierungsfunktion muss Forward Pass und Jacobi Matrix implementiert werden</a:t>
+            </a:r>
+          </a:p>
+          <a:p>
             <a:pPr marL="171450" indent="-171450">
               <a:buFont typeface="Arial" panose="020B0604020202020204" pitchFamily="34" charset="0"/>
               <a:buChar char="•"/>
             </a:pPr>
-            <a:r>
-              <a:rPr lang="de-DE" dirty="0"/>
-              <a:t>Kurz erklären, wie der Backpropagation Algorithmus abläuft</a:t>
-            </a:r>
+            <a:endParaRPr lang="de-DE" dirty="0"/>
           </a:p>
         </p:txBody>
       </p:sp>
@@ -1412,7 +1524,7 @@
           <a:p>
             <a:fld id="{D4C12A24-BF94-4906-B274-F5BF4D611E23}" type="slidenum">
               <a:rPr lang="de-DE" smtClean="0"/>
-              <a:t>18</a:t>
+              <a:t>10</a:t>
             </a:fld>
             <a:endParaRPr lang="de-DE"/>
           </a:p>
@@ -1421,7 +1533,7 @@
     </p:spTree>
     <p:extLst>
       <p:ext uri="{BB962C8B-B14F-4D97-AF65-F5344CB8AC3E}">
-        <p14:creationId xmlns:p14="http://schemas.microsoft.com/office/powerpoint/2010/main" val="3675257778"/>
+        <p14:creationId xmlns:p14="http://schemas.microsoft.com/office/powerpoint/2010/main" val="373455728"/>
       </p:ext>
     </p:extLst>
   </p:cSld>
@@ -4755,6 +4867,35 @@
           <a:chExt cx="0" cy="0"/>
         </a:xfrm>
       </p:grpSpPr>
+      <p:pic>
+        <p:nvPicPr>
+          <p:cNvPr id="20" name="Grafik 12">
+            <a:extLst>
+              <a:ext uri="{FF2B5EF4-FFF2-40B4-BE49-F238E27FC236}">
+                <a16:creationId xmlns:a16="http://schemas.microsoft.com/office/drawing/2014/main" id="{42D617A7-6DFF-4BD1-9EF7-498FCBF27981}"/>
+              </a:ext>
+            </a:extLst>
+          </p:cNvPr>
+          <p:cNvPicPr>
+            <a:picLocks noChangeAspect="1"/>
+          </p:cNvPicPr>
+          <p:nvPr/>
+        </p:nvPicPr>
+        <p:blipFill rotWithShape="1">
+          <a:blip r:embed="rId3"/>
+          <a:srcRect b="6160"/>
+          <a:stretch/>
+        </p:blipFill>
+        <p:spPr>
+          <a:xfrm>
+            <a:off x="8487940" y="365125"/>
+            <a:ext cx="3320701" cy="2126905"/>
+          </a:xfrm>
+          <a:prstGeom prst="rect">
+            <a:avLst/>
+          </a:prstGeom>
+        </p:spPr>
+      </p:pic>
       <p:sp>
         <p:nvSpPr>
           <p:cNvPr id="2" name="Titel 1">
@@ -4771,7 +4912,12 @@
             <p:ph type="title"/>
           </p:nvPr>
         </p:nvSpPr>
-        <p:spPr/>
+        <p:spPr>
+          <a:xfrm>
+            <a:off x="838200" y="365125"/>
+            <a:ext cx="10515600" cy="1325563"/>
+          </a:xfrm>
+        </p:spPr>
         <p:txBody>
           <a:bodyPr>
             <a:normAutofit/>
@@ -4787,7 +4933,7 @@
             </a:br>
             <a:r>
               <a:rPr lang="de-DE" sz="2400" dirty="0"/>
-              <a:t>Fehler bei einem beliebigem Hidden Layer für ein Datum</a:t>
+              <a:t>Fehlersignal an einem beliebigem Hidden Layer für ein Datum</a:t>
             </a:r>
             <a:endParaRPr lang="de-DE" dirty="0"/>
           </a:p>
@@ -4807,16 +4953,15 @@
           </p:cNvPicPr>
           <p:nvPr/>
         </p:nvPicPr>
-        <p:blipFill>
-          <a:blip r:embed="rId2"/>
-          <a:stretch>
-            <a:fillRect/>
-          </a:stretch>
+        <p:blipFill rotWithShape="1">
+          <a:blip r:embed="rId4"/>
+          <a:srcRect r="54093"/>
+          <a:stretch/>
         </p:blipFill>
         <p:spPr>
           <a:xfrm>
-            <a:off x="1292398" y="2195850"/>
-            <a:ext cx="3312129" cy="620225"/>
+            <a:off x="838200" y="1949469"/>
+            <a:ext cx="1520483" cy="620225"/>
           </a:xfrm>
           <a:prstGeom prst="rect">
             <a:avLst/>
@@ -4837,16 +4982,15 @@
           </p:cNvPicPr>
           <p:nvPr/>
         </p:nvPicPr>
-        <p:blipFill>
-          <a:blip r:embed="rId3"/>
-          <a:stretch>
-            <a:fillRect/>
-          </a:stretch>
+        <p:blipFill rotWithShape="1">
+          <a:blip r:embed="rId5"/>
+          <a:srcRect r="3307"/>
+          <a:stretch/>
         </p:blipFill>
         <p:spPr>
           <a:xfrm>
-            <a:off x="5122552" y="2249716"/>
-            <a:ext cx="2581203" cy="512491"/>
+            <a:off x="838200" y="5934519"/>
+            <a:ext cx="2495843" cy="512491"/>
           </a:xfrm>
           <a:prstGeom prst="rect">
             <a:avLst/>
@@ -4855,10 +4999,10 @@
       </p:pic>
       <p:pic>
         <p:nvPicPr>
-          <p:cNvPr id="21" name="Grafik 20">
-            <a:extLst>
-              <a:ext uri="{FF2B5EF4-FFF2-40B4-BE49-F238E27FC236}">
-                <a16:creationId xmlns:a16="http://schemas.microsoft.com/office/drawing/2014/main" id="{A5B9432D-5B2E-45E9-B433-BC2917CE174B}"/>
+          <p:cNvPr id="5" name="Picture 4">
+            <a:extLst>
+              <a:ext uri="{FF2B5EF4-FFF2-40B4-BE49-F238E27FC236}">
+                <a16:creationId xmlns:a16="http://schemas.microsoft.com/office/drawing/2014/main" id="{4779613B-07BE-4517-A5A8-DFBA23949972}"/>
               </a:ext>
             </a:extLst>
           </p:cNvPr>
@@ -4867,16 +5011,15 @@
           </p:cNvPicPr>
           <p:nvPr/>
         </p:nvPicPr>
-        <p:blipFill>
-          <a:blip r:embed="rId4"/>
-          <a:stretch>
-            <a:fillRect/>
-          </a:stretch>
+        <p:blipFill rotWithShape="1">
+          <a:blip r:embed="rId6"/>
+          <a:srcRect l="3886" t="16011" r="4425" b="14589"/>
+          <a:stretch/>
         </p:blipFill>
         <p:spPr>
           <a:xfrm>
-            <a:off x="769035" y="3460964"/>
-            <a:ext cx="6413860" cy="1325562"/>
+            <a:off x="838200" y="3174137"/>
+            <a:ext cx="2808841" cy="512491"/>
           </a:xfrm>
           <a:prstGeom prst="rect">
             <a:avLst/>
@@ -4885,10 +5028,10 @@
       </p:pic>
       <p:pic>
         <p:nvPicPr>
-          <p:cNvPr id="23" name="Grafik 22">
-            <a:extLst>
-              <a:ext uri="{FF2B5EF4-FFF2-40B4-BE49-F238E27FC236}">
-                <a16:creationId xmlns:a16="http://schemas.microsoft.com/office/drawing/2014/main" id="{6533EA64-7F53-4E6F-985B-F916024058D5}"/>
+          <p:cNvPr id="8" name="Picture 7">
+            <a:extLst>
+              <a:ext uri="{FF2B5EF4-FFF2-40B4-BE49-F238E27FC236}">
+                <a16:creationId xmlns:a16="http://schemas.microsoft.com/office/drawing/2014/main" id="{9E930C0C-1E3D-442A-809D-7061C53F2AC1}"/>
               </a:ext>
             </a:extLst>
           </p:cNvPr>
@@ -4898,14 +5041,72 @@
           <p:nvPr/>
         </p:nvPicPr>
         <p:blipFill rotWithShape="1">
-          <a:blip r:embed="rId5"/>
-          <a:srcRect b="6231"/>
+          <a:blip r:embed="rId7"/>
+          <a:srcRect l="6718" t="10977" r="1798"/>
           <a:stretch/>
         </p:blipFill>
         <p:spPr>
           <a:xfrm>
-            <a:off x="769035" y="5152588"/>
-            <a:ext cx="6349884" cy="1068168"/>
+            <a:off x="838200" y="4005845"/>
+            <a:ext cx="5403602" cy="1696331"/>
+          </a:xfrm>
+          <a:prstGeom prst="rect">
+            <a:avLst/>
+          </a:prstGeom>
+        </p:spPr>
+      </p:pic>
+      <p:pic>
+        <p:nvPicPr>
+          <p:cNvPr id="10" name="Picture 9">
+            <a:extLst>
+              <a:ext uri="{FF2B5EF4-FFF2-40B4-BE49-F238E27FC236}">
+                <a16:creationId xmlns:a16="http://schemas.microsoft.com/office/drawing/2014/main" id="{7C0F73AB-5607-43A3-87CA-73763647CE6E}"/>
+              </a:ext>
+            </a:extLst>
+          </p:cNvPr>
+          <p:cNvPicPr>
+            <a:picLocks noChangeAspect="1"/>
+          </p:cNvPicPr>
+          <p:nvPr/>
+        </p:nvPicPr>
+        <p:blipFill rotWithShape="1">
+          <a:blip r:embed="rId8"/>
+          <a:srcRect l="5880" r="7878" b="8127"/>
+          <a:stretch/>
+        </p:blipFill>
+        <p:spPr>
+          <a:xfrm>
+            <a:off x="7165140" y="4005845"/>
+            <a:ext cx="3798927" cy="1738464"/>
+          </a:xfrm>
+          <a:prstGeom prst="rect">
+            <a:avLst/>
+          </a:prstGeom>
+        </p:spPr>
+      </p:pic>
+      <p:pic>
+        <p:nvPicPr>
+          <p:cNvPr id="18" name="Grafik 3">
+            <a:extLst>
+              <a:ext uri="{FF2B5EF4-FFF2-40B4-BE49-F238E27FC236}">
+                <a16:creationId xmlns:a16="http://schemas.microsoft.com/office/drawing/2014/main" id="{43525829-4285-4196-A3E1-C06F9F6F64CE}"/>
+              </a:ext>
+            </a:extLst>
+          </p:cNvPr>
+          <p:cNvPicPr>
+            <a:picLocks noChangeAspect="1"/>
+          </p:cNvPicPr>
+          <p:nvPr/>
+        </p:nvPicPr>
+        <p:blipFill rotWithShape="1">
+          <a:blip r:embed="rId4"/>
+          <a:srcRect l="45719"/>
+          <a:stretch/>
+        </p:blipFill>
+        <p:spPr>
+          <a:xfrm>
+            <a:off x="5223794" y="1949469"/>
+            <a:ext cx="1797868" cy="620225"/>
           </a:xfrm>
           <a:prstGeom prst="rect">
             <a:avLst/>
@@ -4914,108 +5115,10 @@
       </p:pic>
       <p:sp>
         <p:nvSpPr>
-          <p:cNvPr id="24" name="Geschweifte Klammer rechts 23">
-            <a:extLst>
-              <a:ext uri="{FF2B5EF4-FFF2-40B4-BE49-F238E27FC236}">
-                <a16:creationId xmlns:a16="http://schemas.microsoft.com/office/drawing/2014/main" id="{7A16E7DD-2999-49A6-B47A-2E4F38F01F50}"/>
-              </a:ext>
-            </a:extLst>
-          </p:cNvPr>
-          <p:cNvSpPr/>
-          <p:nvPr/>
-        </p:nvSpPr>
-        <p:spPr>
-          <a:xfrm>
-            <a:off x="7300126" y="3460964"/>
-            <a:ext cx="362077" cy="2470913"/>
-          </a:xfrm>
-          <a:prstGeom prst="rightBrace">
-            <a:avLst/>
-          </a:prstGeom>
-          <a:ln>
-            <a:solidFill>
-              <a:schemeClr val="tx1"/>
-            </a:solidFill>
-          </a:ln>
-        </p:spPr>
-        <p:style>
-          <a:lnRef idx="1">
-            <a:schemeClr val="accent1"/>
-          </a:lnRef>
-          <a:fillRef idx="0">
-            <a:schemeClr val="accent1"/>
-          </a:fillRef>
-          <a:effectRef idx="0">
-            <a:schemeClr val="accent1"/>
-          </a:effectRef>
-          <a:fontRef idx="minor">
-            <a:schemeClr val="tx1"/>
-          </a:fontRef>
-        </p:style>
-        <p:txBody>
-          <a:bodyPr rtlCol="0" anchor="ctr"/>
-          <a:lstStyle/>
-          <a:p>
-            <a:pPr algn="ctr"/>
-            <a:endParaRPr lang="de-DE"/>
-          </a:p>
-        </p:txBody>
-      </p:sp>
-      <p:sp>
-        <p:nvSpPr>
-          <p:cNvPr id="25" name="Geschweifte Klammer rechts 24">
-            <a:extLst>
-              <a:ext uri="{FF2B5EF4-FFF2-40B4-BE49-F238E27FC236}">
-                <a16:creationId xmlns:a16="http://schemas.microsoft.com/office/drawing/2014/main" id="{E6A31F8E-0F98-4C30-AC2B-F1AA53F30977}"/>
-              </a:ext>
-            </a:extLst>
-          </p:cNvPr>
-          <p:cNvSpPr/>
-          <p:nvPr/>
-        </p:nvSpPr>
-        <p:spPr>
-          <a:xfrm>
-            <a:off x="7773071" y="2102874"/>
-            <a:ext cx="362077" cy="925812"/>
-          </a:xfrm>
-          <a:prstGeom prst="rightBrace">
-            <a:avLst/>
-          </a:prstGeom>
-          <a:ln>
-            <a:solidFill>
-              <a:schemeClr val="tx1"/>
-            </a:solidFill>
-          </a:ln>
-        </p:spPr>
-        <p:style>
-          <a:lnRef idx="1">
-            <a:schemeClr val="accent1"/>
-          </a:lnRef>
-          <a:fillRef idx="0">
-            <a:schemeClr val="accent1"/>
-          </a:fillRef>
-          <a:effectRef idx="0">
-            <a:schemeClr val="accent1"/>
-          </a:effectRef>
-          <a:fontRef idx="minor">
-            <a:schemeClr val="tx1"/>
-          </a:fontRef>
-        </p:style>
-        <p:txBody>
-          <a:bodyPr rtlCol="0" anchor="ctr"/>
-          <a:lstStyle/>
-          <a:p>
-            <a:pPr algn="ctr"/>
-            <a:endParaRPr lang="de-DE"/>
-          </a:p>
-        </p:txBody>
-      </p:sp>
-      <p:sp>
-        <p:nvSpPr>
-          <p:cNvPr id="26" name="Textfeld 25">
-            <a:extLst>
-              <a:ext uri="{FF2B5EF4-FFF2-40B4-BE49-F238E27FC236}">
-                <a16:creationId xmlns:a16="http://schemas.microsoft.com/office/drawing/2014/main" id="{FB294907-7138-4AF1-B6F6-909266970080}"/>
+          <p:cNvPr id="11" name="TextBox 10">
+            <a:extLst>
+              <a:ext uri="{FF2B5EF4-FFF2-40B4-BE49-F238E27FC236}">
+                <a16:creationId xmlns:a16="http://schemas.microsoft.com/office/drawing/2014/main" id="{31FA7E43-1D08-405F-9BA4-7DF8D07FD2F3}"/>
               </a:ext>
             </a:extLst>
           </p:cNvPr>
@@ -5024,8 +5127,8 @@
         </p:nvSpPr>
         <p:spPr>
           <a:xfrm>
-            <a:off x="8285871" y="2325858"/>
-            <a:ext cx="2686929" cy="646331"/>
+            <a:off x="4009292" y="3134087"/>
+            <a:ext cx="4581379" cy="523220"/>
           </a:xfrm>
           <a:prstGeom prst="rect">
             <a:avLst/>
@@ -5039,18 +5142,18 @@
           <a:lstStyle/>
           <a:p>
             <a:r>
-              <a:rPr lang="de-DE" dirty="0"/>
-              <a:t>Allgemeingültiges Ergebnis für jedes Hidden Layer</a:t>
+              <a:rPr lang="de-DE" sz="1400" dirty="0"/>
+              <a:t>Fehlersignal am vorigen Layer (Output Layer im Beispiel) ist bereits vorigen Schritt berechnet!</a:t>
             </a:r>
           </a:p>
         </p:txBody>
       </p:sp>
       <p:sp>
         <p:nvSpPr>
-          <p:cNvPr id="27" name="Textfeld 26">
-            <a:extLst>
-              <a:ext uri="{FF2B5EF4-FFF2-40B4-BE49-F238E27FC236}">
-                <a16:creationId xmlns:a16="http://schemas.microsoft.com/office/drawing/2014/main" id="{C15B4257-BDFA-4A19-BF45-907D571C3B90}"/>
+          <p:cNvPr id="12" name="TextBox 11">
+            <a:extLst>
+              <a:ext uri="{FF2B5EF4-FFF2-40B4-BE49-F238E27FC236}">
+                <a16:creationId xmlns:a16="http://schemas.microsoft.com/office/drawing/2014/main" id="{6EB66535-E1CE-4C8D-B4F2-9A73366DC6F4}"/>
               </a:ext>
             </a:extLst>
           </p:cNvPr>
@@ -5059,8 +5162,8 @@
         </p:nvSpPr>
         <p:spPr>
           <a:xfrm>
-            <a:off x="7843410" y="4324861"/>
-            <a:ext cx="3489960" cy="923330"/>
+            <a:off x="7165140" y="5726738"/>
+            <a:ext cx="4914318" cy="1169551"/>
           </a:xfrm>
           <a:prstGeom prst="rect">
             <a:avLst/>
@@ -5073,9 +5176,100 @@
           </a:bodyPr>
           <a:lstStyle/>
           <a:p>
-            <a:r>
-              <a:rPr lang="de-DE" dirty="0"/>
-              <a:t>Ergebnis, wenn die Aktivierungsfunktion in Layer l-1 die Sigmoid Funktion ist</a:t>
+            <a:pPr marL="285750" indent="-285750">
+              <a:buFont typeface="Arial" panose="020B0604020202020204" pitchFamily="34" charset="0"/>
+              <a:buChar char="•"/>
+            </a:pPr>
+            <a:r>
+              <a:rPr lang="de-DE" sz="1400" dirty="0"/>
+              <a:t>Wiederum die Ableitung der Aktivierungen nach den dendritischen Potenzialen </a:t>
+            </a:r>
+            <a:r>
+              <a:rPr lang="de-DE" sz="1400" dirty="0">
+                <a:sym typeface="Wingdings" panose="05000000000000000000" pitchFamily="2" charset="2"/>
+              </a:rPr>
+              <a:t></a:t>
+            </a:r>
+            <a:endParaRPr lang="de-DE" sz="1400" dirty="0"/>
+          </a:p>
+          <a:p>
+            <a:pPr marL="285750" indent="-285750">
+              <a:buFont typeface="Arial" panose="020B0604020202020204" pitchFamily="34" charset="0"/>
+              <a:buChar char="•"/>
+            </a:pPr>
+            <a:r>
+              <a:rPr lang="de-DE" sz="1400" dirty="0"/>
+              <a:t>Lediglich Forward Pass und Jacobi Matrix muss für jede Aktivierungsfunktion implementiert werden um Fehlersignal an jedem Layer zu berechnen</a:t>
+            </a:r>
+          </a:p>
+        </p:txBody>
+      </p:sp>
+      <p:sp>
+        <p:nvSpPr>
+          <p:cNvPr id="13" name="TextBox 12">
+            <a:extLst>
+              <a:ext uri="{FF2B5EF4-FFF2-40B4-BE49-F238E27FC236}">
+                <a16:creationId xmlns:a16="http://schemas.microsoft.com/office/drawing/2014/main" id="{EDFA226D-DDB5-4514-AA2B-71390FFAB519}"/>
+              </a:ext>
+            </a:extLst>
+          </p:cNvPr>
+          <p:cNvSpPr txBox="1"/>
+          <p:nvPr/>
+        </p:nvSpPr>
+        <p:spPr>
+          <a:xfrm>
+            <a:off x="3488789" y="6086630"/>
+            <a:ext cx="2288344" cy="307777"/>
+          </a:xfrm>
+          <a:prstGeom prst="rect">
+            <a:avLst/>
+          </a:prstGeom>
+          <a:noFill/>
+        </p:spPr>
+        <p:txBody>
+          <a:bodyPr wrap="square" rtlCol="0">
+            <a:spAutoFit/>
+          </a:bodyPr>
+          <a:lstStyle/>
+          <a:p>
+            <a:r>
+              <a:rPr lang="de-DE" sz="1400" dirty="0"/>
+              <a:t>Alle Terme zusammengefasst</a:t>
+            </a:r>
+          </a:p>
+        </p:txBody>
+      </p:sp>
+      <p:sp>
+        <p:nvSpPr>
+          <p:cNvPr id="14" name="TextBox 13">
+            <a:extLst>
+              <a:ext uri="{FF2B5EF4-FFF2-40B4-BE49-F238E27FC236}">
+                <a16:creationId xmlns:a16="http://schemas.microsoft.com/office/drawing/2014/main" id="{C1A09ABE-A349-40B7-9F88-189D1062A853}"/>
+              </a:ext>
+            </a:extLst>
+          </p:cNvPr>
+          <p:cNvSpPr txBox="1"/>
+          <p:nvPr/>
+        </p:nvSpPr>
+        <p:spPr>
+          <a:xfrm>
+            <a:off x="2719754" y="1936416"/>
+            <a:ext cx="2278966" cy="830997"/>
+          </a:xfrm>
+          <a:prstGeom prst="rect">
+            <a:avLst/>
+          </a:prstGeom>
+          <a:noFill/>
+        </p:spPr>
+        <p:txBody>
+          <a:bodyPr wrap="square" rtlCol="0">
+            <a:spAutoFit/>
+          </a:bodyPr>
+          <a:lstStyle/>
+          <a:p>
+            <a:r>
+              <a:rPr lang="de-DE" sz="1200" dirty="0"/>
+              <a:t>Fehlersignale im Hidden Layer l-1, bzw. die Ableitung des Fehlers nach den dendritischen Potenzialen</a:t>
             </a:r>
           </a:p>
         </p:txBody>
@@ -5090,10 +5284,531 @@
   <p:clrMapOvr>
     <a:masterClrMapping/>
   </p:clrMapOvr>
+  <p:timing>
+    <p:tnLst>
+      <p:par>
+        <p:cTn id="1" dur="indefinite" restart="never" nodeType="tmRoot">
+          <p:childTnLst>
+            <p:seq concurrent="1" nextAc="seek">
+              <p:cTn id="2" dur="indefinite" nodeType="mainSeq">
+                <p:childTnLst>
+                  <p:par>
+                    <p:cTn id="3" fill="hold">
+                      <p:stCondLst>
+                        <p:cond delay="indefinite"/>
+                      </p:stCondLst>
+                      <p:childTnLst>
+                        <p:par>
+                          <p:cTn id="4" fill="hold">
+                            <p:stCondLst>
+                              <p:cond delay="0"/>
+                            </p:stCondLst>
+                            <p:childTnLst>
+                              <p:par>
+                                <p:cTn id="5" presetID="1" presetClass="entr" presetSubtype="0" fill="hold" nodeType="clickEffect">
+                                  <p:stCondLst>
+                                    <p:cond delay="0"/>
+                                  </p:stCondLst>
+                                  <p:childTnLst>
+                                    <p:set>
+                                      <p:cBhvr>
+                                        <p:cTn id="6" dur="1" fill="hold">
+                                          <p:stCondLst>
+                                            <p:cond delay="0"/>
+                                          </p:stCondLst>
+                                        </p:cTn>
+                                        <p:tgtEl>
+                                          <p:spTgt spid="4"/>
+                                        </p:tgtEl>
+                                        <p:attrNameLst>
+                                          <p:attrName>style.visibility</p:attrName>
+                                        </p:attrNameLst>
+                                      </p:cBhvr>
+                                      <p:to>
+                                        <p:strVal val="visible"/>
+                                      </p:to>
+                                    </p:set>
+                                  </p:childTnLst>
+                                </p:cTn>
+                              </p:par>
+                              <p:par>
+                                <p:cTn id="7" presetID="1" presetClass="entr" presetSubtype="0" fill="hold" nodeType="withEffect">
+                                  <p:stCondLst>
+                                    <p:cond delay="0"/>
+                                  </p:stCondLst>
+                                  <p:childTnLst>
+                                    <p:set>
+                                      <p:cBhvr>
+                                        <p:cTn id="8" dur="1" fill="hold">
+                                          <p:stCondLst>
+                                            <p:cond delay="0"/>
+                                          </p:stCondLst>
+                                        </p:cTn>
+                                        <p:tgtEl>
+                                          <p:spTgt spid="20"/>
+                                        </p:tgtEl>
+                                        <p:attrNameLst>
+                                          <p:attrName>style.visibility</p:attrName>
+                                        </p:attrNameLst>
+                                      </p:cBhvr>
+                                      <p:to>
+                                        <p:strVal val="visible"/>
+                                      </p:to>
+                                    </p:set>
+                                  </p:childTnLst>
+                                </p:cTn>
+                              </p:par>
+                              <p:par>
+                                <p:cTn id="9" presetID="1" presetClass="entr" presetSubtype="0" fill="hold" grpId="0" nodeType="withEffect">
+                                  <p:stCondLst>
+                                    <p:cond delay="0"/>
+                                  </p:stCondLst>
+                                  <p:childTnLst>
+                                    <p:set>
+                                      <p:cBhvr>
+                                        <p:cTn id="10" dur="1" fill="hold">
+                                          <p:stCondLst>
+                                            <p:cond delay="0"/>
+                                          </p:stCondLst>
+                                        </p:cTn>
+                                        <p:tgtEl>
+                                          <p:spTgt spid="14"/>
+                                        </p:tgtEl>
+                                        <p:attrNameLst>
+                                          <p:attrName>style.visibility</p:attrName>
+                                        </p:attrNameLst>
+                                      </p:cBhvr>
+                                      <p:to>
+                                        <p:strVal val="visible"/>
+                                      </p:to>
+                                    </p:set>
+                                  </p:childTnLst>
+                                </p:cTn>
+                              </p:par>
+                            </p:childTnLst>
+                          </p:cTn>
+                        </p:par>
+                      </p:childTnLst>
+                    </p:cTn>
+                  </p:par>
+                  <p:par>
+                    <p:cTn id="11" fill="hold">
+                      <p:stCondLst>
+                        <p:cond delay="indefinite"/>
+                      </p:stCondLst>
+                      <p:childTnLst>
+                        <p:par>
+                          <p:cTn id="12" fill="hold">
+                            <p:stCondLst>
+                              <p:cond delay="0"/>
+                            </p:stCondLst>
+                            <p:childTnLst>
+                              <p:par>
+                                <p:cTn id="13" presetID="1" presetClass="entr" presetSubtype="0" fill="hold" nodeType="clickEffect">
+                                  <p:stCondLst>
+                                    <p:cond delay="0"/>
+                                  </p:stCondLst>
+                                  <p:childTnLst>
+                                    <p:set>
+                                      <p:cBhvr>
+                                        <p:cTn id="14" dur="1" fill="hold">
+                                          <p:stCondLst>
+                                            <p:cond delay="0"/>
+                                          </p:stCondLst>
+                                        </p:cTn>
+                                        <p:tgtEl>
+                                          <p:spTgt spid="18"/>
+                                        </p:tgtEl>
+                                        <p:attrNameLst>
+                                          <p:attrName>style.visibility</p:attrName>
+                                        </p:attrNameLst>
+                                      </p:cBhvr>
+                                      <p:to>
+                                        <p:strVal val="visible"/>
+                                      </p:to>
+                                    </p:set>
+                                  </p:childTnLst>
+                                </p:cTn>
+                              </p:par>
+                            </p:childTnLst>
+                          </p:cTn>
+                        </p:par>
+                      </p:childTnLst>
+                    </p:cTn>
+                  </p:par>
+                  <p:par>
+                    <p:cTn id="15" fill="hold">
+                      <p:stCondLst>
+                        <p:cond delay="indefinite"/>
+                      </p:stCondLst>
+                      <p:childTnLst>
+                        <p:par>
+                          <p:cTn id="16" fill="hold">
+                            <p:stCondLst>
+                              <p:cond delay="0"/>
+                            </p:stCondLst>
+                            <p:childTnLst>
+                              <p:par>
+                                <p:cTn id="17" presetID="1" presetClass="entr" presetSubtype="0" fill="hold" nodeType="clickEffect">
+                                  <p:stCondLst>
+                                    <p:cond delay="0"/>
+                                  </p:stCondLst>
+                                  <p:childTnLst>
+                                    <p:set>
+                                      <p:cBhvr>
+                                        <p:cTn id="18" dur="1" fill="hold">
+                                          <p:stCondLst>
+                                            <p:cond delay="0"/>
+                                          </p:stCondLst>
+                                        </p:cTn>
+                                        <p:tgtEl>
+                                          <p:spTgt spid="5"/>
+                                        </p:tgtEl>
+                                        <p:attrNameLst>
+                                          <p:attrName>style.visibility</p:attrName>
+                                        </p:attrNameLst>
+                                      </p:cBhvr>
+                                      <p:to>
+                                        <p:strVal val="visible"/>
+                                      </p:to>
+                                    </p:set>
+                                  </p:childTnLst>
+                                </p:cTn>
+                              </p:par>
+                              <p:par>
+                                <p:cTn id="19" presetID="1" presetClass="entr" presetSubtype="0" fill="hold" grpId="0" nodeType="withEffect">
+                                  <p:stCondLst>
+                                    <p:cond delay="0"/>
+                                  </p:stCondLst>
+                                  <p:childTnLst>
+                                    <p:set>
+                                      <p:cBhvr>
+                                        <p:cTn id="20" dur="1" fill="hold">
+                                          <p:stCondLst>
+                                            <p:cond delay="0"/>
+                                          </p:stCondLst>
+                                        </p:cTn>
+                                        <p:tgtEl>
+                                          <p:spTgt spid="11"/>
+                                        </p:tgtEl>
+                                        <p:attrNameLst>
+                                          <p:attrName>style.visibility</p:attrName>
+                                        </p:attrNameLst>
+                                      </p:cBhvr>
+                                      <p:to>
+                                        <p:strVal val="visible"/>
+                                      </p:to>
+                                    </p:set>
+                                  </p:childTnLst>
+                                </p:cTn>
+                              </p:par>
+                            </p:childTnLst>
+                          </p:cTn>
+                        </p:par>
+                      </p:childTnLst>
+                    </p:cTn>
+                  </p:par>
+                  <p:par>
+                    <p:cTn id="21" fill="hold">
+                      <p:stCondLst>
+                        <p:cond delay="indefinite"/>
+                      </p:stCondLst>
+                      <p:childTnLst>
+                        <p:par>
+                          <p:cTn id="22" fill="hold">
+                            <p:stCondLst>
+                              <p:cond delay="0"/>
+                            </p:stCondLst>
+                            <p:childTnLst>
+                              <p:par>
+                                <p:cTn id="23" presetID="1" presetClass="entr" presetSubtype="0" fill="hold" nodeType="clickEffect">
+                                  <p:stCondLst>
+                                    <p:cond delay="0"/>
+                                  </p:stCondLst>
+                                  <p:childTnLst>
+                                    <p:set>
+                                      <p:cBhvr>
+                                        <p:cTn id="24" dur="1" fill="hold">
+                                          <p:stCondLst>
+                                            <p:cond delay="0"/>
+                                          </p:stCondLst>
+                                        </p:cTn>
+                                        <p:tgtEl>
+                                          <p:spTgt spid="8"/>
+                                        </p:tgtEl>
+                                        <p:attrNameLst>
+                                          <p:attrName>style.visibility</p:attrName>
+                                        </p:attrNameLst>
+                                      </p:cBhvr>
+                                      <p:to>
+                                        <p:strVal val="visible"/>
+                                      </p:to>
+                                    </p:set>
+                                  </p:childTnLst>
+                                </p:cTn>
+                              </p:par>
+                            </p:childTnLst>
+                          </p:cTn>
+                        </p:par>
+                      </p:childTnLst>
+                    </p:cTn>
+                  </p:par>
+                  <p:par>
+                    <p:cTn id="25" fill="hold">
+                      <p:stCondLst>
+                        <p:cond delay="indefinite"/>
+                      </p:stCondLst>
+                      <p:childTnLst>
+                        <p:par>
+                          <p:cTn id="26" fill="hold">
+                            <p:stCondLst>
+                              <p:cond delay="0"/>
+                            </p:stCondLst>
+                            <p:childTnLst>
+                              <p:par>
+                                <p:cTn id="27" presetID="1" presetClass="entr" presetSubtype="0" fill="hold" nodeType="clickEffect">
+                                  <p:stCondLst>
+                                    <p:cond delay="0"/>
+                                  </p:stCondLst>
+                                  <p:childTnLst>
+                                    <p:set>
+                                      <p:cBhvr>
+                                        <p:cTn id="28" dur="1" fill="hold">
+                                          <p:stCondLst>
+                                            <p:cond delay="0"/>
+                                          </p:stCondLst>
+                                        </p:cTn>
+                                        <p:tgtEl>
+                                          <p:spTgt spid="10"/>
+                                        </p:tgtEl>
+                                        <p:attrNameLst>
+                                          <p:attrName>style.visibility</p:attrName>
+                                        </p:attrNameLst>
+                                      </p:cBhvr>
+                                      <p:to>
+                                        <p:strVal val="visible"/>
+                                      </p:to>
+                                    </p:set>
+                                  </p:childTnLst>
+                                </p:cTn>
+                              </p:par>
+                              <p:par>
+                                <p:cTn id="29" presetID="1" presetClass="entr" presetSubtype="0" fill="hold" grpId="0" nodeType="withEffect">
+                                  <p:stCondLst>
+                                    <p:cond delay="0"/>
+                                  </p:stCondLst>
+                                  <p:childTnLst>
+                                    <p:set>
+                                      <p:cBhvr>
+                                        <p:cTn id="30" dur="1" fill="hold">
+                                          <p:stCondLst>
+                                            <p:cond delay="0"/>
+                                          </p:stCondLst>
+                                        </p:cTn>
+                                        <p:tgtEl>
+                                          <p:spTgt spid="12"/>
+                                        </p:tgtEl>
+                                        <p:attrNameLst>
+                                          <p:attrName>style.visibility</p:attrName>
+                                        </p:attrNameLst>
+                                      </p:cBhvr>
+                                      <p:to>
+                                        <p:strVal val="visible"/>
+                                      </p:to>
+                                    </p:set>
+                                  </p:childTnLst>
+                                </p:cTn>
+                              </p:par>
+                            </p:childTnLst>
+                          </p:cTn>
+                        </p:par>
+                      </p:childTnLst>
+                    </p:cTn>
+                  </p:par>
+                  <p:par>
+                    <p:cTn id="31" fill="hold">
+                      <p:stCondLst>
+                        <p:cond delay="indefinite"/>
+                      </p:stCondLst>
+                      <p:childTnLst>
+                        <p:par>
+                          <p:cTn id="32" fill="hold">
+                            <p:stCondLst>
+                              <p:cond delay="0"/>
+                            </p:stCondLst>
+                            <p:childTnLst>
+                              <p:par>
+                                <p:cTn id="33" presetID="1" presetClass="entr" presetSubtype="0" fill="hold" nodeType="clickEffect">
+                                  <p:stCondLst>
+                                    <p:cond delay="0"/>
+                                  </p:stCondLst>
+                                  <p:childTnLst>
+                                    <p:set>
+                                      <p:cBhvr>
+                                        <p:cTn id="34" dur="1" fill="hold">
+                                          <p:stCondLst>
+                                            <p:cond delay="0"/>
+                                          </p:stCondLst>
+                                        </p:cTn>
+                                        <p:tgtEl>
+                                          <p:spTgt spid="19"/>
+                                        </p:tgtEl>
+                                        <p:attrNameLst>
+                                          <p:attrName>style.visibility</p:attrName>
+                                        </p:attrNameLst>
+                                      </p:cBhvr>
+                                      <p:to>
+                                        <p:strVal val="visible"/>
+                                      </p:to>
+                                    </p:set>
+                                  </p:childTnLst>
+                                </p:cTn>
+                              </p:par>
+                              <p:par>
+                                <p:cTn id="35" presetID="1" presetClass="entr" presetSubtype="0" fill="hold" grpId="0" nodeType="withEffect">
+                                  <p:stCondLst>
+                                    <p:cond delay="0"/>
+                                  </p:stCondLst>
+                                  <p:childTnLst>
+                                    <p:set>
+                                      <p:cBhvr>
+                                        <p:cTn id="36" dur="1" fill="hold">
+                                          <p:stCondLst>
+                                            <p:cond delay="0"/>
+                                          </p:stCondLst>
+                                        </p:cTn>
+                                        <p:tgtEl>
+                                          <p:spTgt spid="13"/>
+                                        </p:tgtEl>
+                                        <p:attrNameLst>
+                                          <p:attrName>style.visibility</p:attrName>
+                                        </p:attrNameLst>
+                                      </p:cBhvr>
+                                      <p:to>
+                                        <p:strVal val="visible"/>
+                                      </p:to>
+                                    </p:set>
+                                  </p:childTnLst>
+                                </p:cTn>
+                              </p:par>
+                            </p:childTnLst>
+                          </p:cTn>
+                        </p:par>
+                      </p:childTnLst>
+                    </p:cTn>
+                  </p:par>
+                </p:childTnLst>
+              </p:cTn>
+              <p:prevCondLst>
+                <p:cond evt="onPrev" delay="0">
+                  <p:tgtEl>
+                    <p:sldTgt/>
+                  </p:tgtEl>
+                </p:cond>
+              </p:prevCondLst>
+              <p:nextCondLst>
+                <p:cond evt="onNext" delay="0">
+                  <p:tgtEl>
+                    <p:sldTgt/>
+                  </p:tgtEl>
+                </p:cond>
+              </p:nextCondLst>
+            </p:seq>
+          </p:childTnLst>
+        </p:cTn>
+      </p:par>
+    </p:tnLst>
+    <p:bldLst>
+      <p:bldP spid="11" grpId="0"/>
+      <p:bldP spid="12" grpId="0"/>
+      <p:bldP spid="13" grpId="0"/>
+      <p:bldP spid="14" grpId="0"/>
+    </p:bldLst>
+  </p:timing>
 </p:sld>
 </file>
 
 <file path=ppt/slides/slide11.xml><?xml version="1.0" encoding="utf-8"?>
+<p:sld xmlns:a="http://schemas.openxmlformats.org/drawingml/2006/main" xmlns:r="http://schemas.openxmlformats.org/officeDocument/2006/relationships" xmlns:p="http://schemas.openxmlformats.org/presentationml/2006/main">
+  <p:cSld>
+    <p:spTree>
+      <p:nvGrpSpPr>
+        <p:cNvPr id="1" name=""/>
+        <p:cNvGrpSpPr/>
+        <p:nvPr/>
+      </p:nvGrpSpPr>
+      <p:grpSpPr>
+        <a:xfrm>
+          <a:off x="0" y="0"/>
+          <a:ext cx="0" cy="0"/>
+          <a:chOff x="0" y="0"/>
+          <a:chExt cx="0" cy="0"/>
+        </a:xfrm>
+      </p:grpSpPr>
+      <p:sp>
+        <p:nvSpPr>
+          <p:cNvPr id="2" name="Title 1">
+            <a:extLst>
+              <a:ext uri="{FF2B5EF4-FFF2-40B4-BE49-F238E27FC236}">
+                <a16:creationId xmlns:a16="http://schemas.microsoft.com/office/drawing/2014/main" id="{0D9B9604-497A-4863-A958-D569666FE5FD}"/>
+              </a:ext>
+            </a:extLst>
+          </p:cNvPr>
+          <p:cNvSpPr>
+            <a:spLocks noGrp="1"/>
+          </p:cNvSpPr>
+          <p:nvPr>
+            <p:ph type="title"/>
+          </p:nvPr>
+        </p:nvSpPr>
+        <p:spPr/>
+        <p:txBody>
+          <a:bodyPr/>
+          <a:lstStyle/>
+          <a:p>
+            <a:endParaRPr lang="de-DE"/>
+          </a:p>
+        </p:txBody>
+      </p:sp>
+      <p:sp>
+        <p:nvSpPr>
+          <p:cNvPr id="3" name="Content Placeholder 2">
+            <a:extLst>
+              <a:ext uri="{FF2B5EF4-FFF2-40B4-BE49-F238E27FC236}">
+                <a16:creationId xmlns:a16="http://schemas.microsoft.com/office/drawing/2014/main" id="{80FDD0F2-45E6-44BA-9B3F-C48279462AE4}"/>
+              </a:ext>
+            </a:extLst>
+          </p:cNvPr>
+          <p:cNvSpPr>
+            <a:spLocks noGrp="1"/>
+          </p:cNvSpPr>
+          <p:nvPr>
+            <p:ph idx="1"/>
+          </p:nvPr>
+        </p:nvSpPr>
+        <p:spPr/>
+        <p:txBody>
+          <a:bodyPr/>
+          <a:lstStyle/>
+          <a:p>
+            <a:endParaRPr lang="de-DE"/>
+          </a:p>
+        </p:txBody>
+      </p:sp>
+    </p:spTree>
+    <p:extLst>
+      <p:ext uri="{BB962C8B-B14F-4D97-AF65-F5344CB8AC3E}">
+        <p14:creationId xmlns:p14="http://schemas.microsoft.com/office/powerpoint/2010/main" val="48431961"/>
+      </p:ext>
+    </p:extLst>
+  </p:cSld>
+  <p:clrMapOvr>
+    <a:masterClrMapping/>
+  </p:clrMapOvr>
+</p:sld>
+</file>
+
+<file path=ppt/slides/slide12.xml><?xml version="1.0" encoding="utf-8"?>
 <p:sld xmlns:a="http://schemas.openxmlformats.org/drawingml/2006/main" xmlns:r="http://schemas.openxmlformats.org/officeDocument/2006/relationships" xmlns:p="http://schemas.openxmlformats.org/presentationml/2006/main">
   <p:cSld>
     <p:spTree>
@@ -5232,7 +5947,7 @@
 </p:sld>
 </file>
 
-<file path=ppt/slides/slide12.xml><?xml version="1.0" encoding="utf-8"?>
+<file path=ppt/slides/slide13.xml><?xml version="1.0" encoding="utf-8"?>
 <p:sld xmlns:a="http://schemas.openxmlformats.org/drawingml/2006/main" xmlns:r="http://schemas.openxmlformats.org/officeDocument/2006/relationships" xmlns:p="http://schemas.openxmlformats.org/presentationml/2006/main">
   <p:cSld>
     <p:spTree>
@@ -5371,7 +6086,7 @@
 </p:sld>
 </file>
 
-<file path=ppt/slides/slide13.xml><?xml version="1.0" encoding="utf-8"?>
+<file path=ppt/slides/slide14.xml><?xml version="1.0" encoding="utf-8"?>
 <p:sld xmlns:a="http://schemas.openxmlformats.org/drawingml/2006/main" xmlns:r="http://schemas.openxmlformats.org/officeDocument/2006/relationships" xmlns:p="http://schemas.openxmlformats.org/presentationml/2006/main">
   <p:cSld>
     <p:spTree>
@@ -5508,7 +6223,7 @@
 </p:sld>
 </file>
 
-<file path=ppt/slides/slide14.xml><?xml version="1.0" encoding="utf-8"?>
+<file path=ppt/slides/slide15.xml><?xml version="1.0" encoding="utf-8"?>
 <p:sld xmlns:a="http://schemas.openxmlformats.org/drawingml/2006/main" xmlns:r="http://schemas.openxmlformats.org/officeDocument/2006/relationships" xmlns:p="http://schemas.openxmlformats.org/presentationml/2006/main">
   <p:cSld>
     <p:spTree>
@@ -5646,7 +6361,7 @@
 </p:sld>
 </file>
 
-<file path=ppt/slides/slide15.xml><?xml version="1.0" encoding="utf-8"?>
+<file path=ppt/slides/slide16.xml><?xml version="1.0" encoding="utf-8"?>
 <p:sld xmlns:a="http://schemas.openxmlformats.org/drawingml/2006/main" xmlns:r="http://schemas.openxmlformats.org/officeDocument/2006/relationships" xmlns:p="http://schemas.openxmlformats.org/presentationml/2006/main">
   <p:cSld>
     <p:spTree>
@@ -5754,7 +6469,7 @@
 </p:sld>
 </file>
 
-<file path=ppt/slides/slide16.xml><?xml version="1.0" encoding="utf-8"?>
+<file path=ppt/slides/slide17.xml><?xml version="1.0" encoding="utf-8"?>
 <p:sld xmlns:a="http://schemas.openxmlformats.org/drawingml/2006/main" xmlns:r="http://schemas.openxmlformats.org/officeDocument/2006/relationships" xmlns:p="http://schemas.openxmlformats.org/presentationml/2006/main">
   <p:cSld>
     <p:spTree>
@@ -5863,7 +6578,7 @@
 </p:sld>
 </file>
 
-<file path=ppt/slides/slide17.xml><?xml version="1.0" encoding="utf-8"?>
+<file path=ppt/slides/slide18.xml><?xml version="1.0" encoding="utf-8"?>
 <p:sld xmlns:a="http://schemas.openxmlformats.org/drawingml/2006/main" xmlns:r="http://schemas.openxmlformats.org/officeDocument/2006/relationships" xmlns:p="http://schemas.openxmlformats.org/presentationml/2006/main">
   <p:cSld>
     <p:spTree>
@@ -6025,77 +6740,6 @@
 </p:sld>
 </file>
 
-<file path=ppt/slides/slide18.xml><?xml version="1.0" encoding="utf-8"?>
-<p:sld xmlns:a="http://schemas.openxmlformats.org/drawingml/2006/main" xmlns:r="http://schemas.openxmlformats.org/officeDocument/2006/relationships" xmlns:p="http://schemas.openxmlformats.org/presentationml/2006/main">
-  <p:cSld>
-    <p:spTree>
-      <p:nvGrpSpPr>
-        <p:cNvPr id="1" name=""/>
-        <p:cNvGrpSpPr/>
-        <p:nvPr/>
-      </p:nvGrpSpPr>
-      <p:grpSpPr>
-        <a:xfrm>
-          <a:off x="0" y="0"/>
-          <a:ext cx="0" cy="0"/>
-          <a:chOff x="0" y="0"/>
-          <a:chExt cx="0" cy="0"/>
-        </a:xfrm>
-      </p:grpSpPr>
-      <p:sp>
-        <p:nvSpPr>
-          <p:cNvPr id="2" name="Titel 1">
-            <a:extLst>
-              <a:ext uri="{FF2B5EF4-FFF2-40B4-BE49-F238E27FC236}">
-                <a16:creationId xmlns:a16="http://schemas.microsoft.com/office/drawing/2014/main" id="{2911F67F-327B-4C51-B9E3-A1D3BCC720A5}"/>
-              </a:ext>
-            </a:extLst>
-          </p:cNvPr>
-          <p:cNvSpPr>
-            <a:spLocks noGrp="1"/>
-          </p:cNvSpPr>
-          <p:nvPr>
-            <p:ph type="title"/>
-          </p:nvPr>
-        </p:nvSpPr>
-        <p:spPr>
-          <a:xfrm>
-            <a:off x="838200" y="365125"/>
-            <a:ext cx="10515600" cy="1325563"/>
-          </a:xfrm>
-        </p:spPr>
-        <p:txBody>
-          <a:bodyPr/>
-          <a:lstStyle/>
-          <a:p>
-            <a:r>
-              <a:rPr lang="de-DE" dirty="0"/>
-              <a:t>Mathematische Herleitungen</a:t>
-            </a:r>
-            <a:br>
-              <a:rPr lang="de-DE" dirty="0"/>
-            </a:br>
-            <a:r>
-              <a:rPr lang="de-DE" sz="2400" dirty="0"/>
-              <a:t>Backpropagation Algorithmus</a:t>
-            </a:r>
-            <a:endParaRPr lang="de-DE" dirty="0"/>
-          </a:p>
-        </p:txBody>
-      </p:sp>
-    </p:spTree>
-    <p:extLst>
-      <p:ext uri="{BB962C8B-B14F-4D97-AF65-F5344CB8AC3E}">
-        <p14:creationId xmlns:p14="http://schemas.microsoft.com/office/powerpoint/2010/main" val="3433578770"/>
-      </p:ext>
-    </p:extLst>
-  </p:cSld>
-  <p:clrMapOvr>
-    <a:masterClrMapping/>
-  </p:clrMapOvr>
-</p:sld>
-</file>
-
 <file path=ppt/slides/slide19.xml><?xml version="1.0" encoding="utf-8"?>
 <p:sld xmlns:a="http://schemas.openxmlformats.org/drawingml/2006/main" xmlns:r="http://schemas.openxmlformats.org/officeDocument/2006/relationships" xmlns:p="http://schemas.openxmlformats.org/presentationml/2006/main">
   <p:cSld>
@@ -6118,7 +6762,7 @@
           <p:cNvPr id="2" name="Titel 1">
             <a:extLst>
               <a:ext uri="{FF2B5EF4-FFF2-40B4-BE49-F238E27FC236}">
-                <a16:creationId xmlns:a16="http://schemas.microsoft.com/office/drawing/2014/main" id="{29FA37A3-FF5A-44AB-8DF3-1148A58E43F7}"/>
+                <a16:creationId xmlns:a16="http://schemas.microsoft.com/office/drawing/2014/main" id="{2911F67F-327B-4C51-B9E3-A1D3BCC720A5}"/>
               </a:ext>
             </a:extLst>
           </p:cNvPr>
@@ -6129,136 +6773,26 @@
             <p:ph type="title"/>
           </p:nvPr>
         </p:nvSpPr>
-        <p:spPr/>
+        <p:spPr>
+          <a:xfrm>
+            <a:off x="838200" y="365125"/>
+            <a:ext cx="10515600" cy="1325563"/>
+          </a:xfrm>
+        </p:spPr>
         <p:txBody>
           <a:bodyPr/>
           <a:lstStyle/>
           <a:p>
             <a:r>
               <a:rPr lang="de-DE" dirty="0"/>
-              <a:t>Implementierung in Python</a:t>
-            </a:r>
-          </a:p>
-        </p:txBody>
-      </p:sp>
-      <p:sp>
-        <p:nvSpPr>
-          <p:cNvPr id="3" name="Inhaltsplatzhalter 2">
-            <a:extLst>
-              <a:ext uri="{FF2B5EF4-FFF2-40B4-BE49-F238E27FC236}">
-                <a16:creationId xmlns:a16="http://schemas.microsoft.com/office/drawing/2014/main" id="{D2D4F1E2-9CD7-4555-B49C-3581844978A5}"/>
-              </a:ext>
-            </a:extLst>
-          </p:cNvPr>
-          <p:cNvSpPr>
-            <a:spLocks noGrp="1"/>
-          </p:cNvSpPr>
-          <p:nvPr>
-            <p:ph idx="1"/>
-          </p:nvPr>
-        </p:nvSpPr>
-        <p:spPr/>
-        <p:txBody>
-          <a:bodyPr/>
-          <a:lstStyle/>
-          <a:p>
-            <a:r>
-              <a:rPr lang="de-DE" dirty="0">
-                <a:hlinkClick r:id="rId2"/>
-              </a:rPr>
-              <a:t>Beispielanwendung MNIST Digit Classification</a:t>
-            </a:r>
-            <a:endParaRPr lang="de-DE" dirty="0"/>
-          </a:p>
-          <a:p>
-            <a:r>
+              <a:t>Mathematische Herleitungen</a:t>
+            </a:r>
+            <a:br>
               <a:rPr lang="de-DE" dirty="0"/>
-              <a:t>Aufbau von </a:t>
-            </a:r>
-            <a:r>
-              <a:rPr lang="de-DE" dirty="0" err="1">
-                <a:hlinkClick r:id="rId3"/>
-              </a:rPr>
-              <a:t>src</a:t>
-            </a:r>
-            <a:r>
-              <a:rPr lang="de-DE" dirty="0">
-                <a:hlinkClick r:id="rId3"/>
-              </a:rPr>
-              <a:t>/</a:t>
-            </a:r>
-            <a:r>
-              <a:rPr lang="de-DE" dirty="0" err="1">
-                <a:hlinkClick r:id="rId3"/>
-              </a:rPr>
-              <a:t>lib</a:t>
-            </a:r>
-            <a:endParaRPr lang="de-DE" dirty="0"/>
-          </a:p>
-          <a:p>
-            <a:r>
-              <a:rPr lang="de-DE" dirty="0"/>
-              <a:t>Erklärung von </a:t>
-            </a:r>
-            <a:r>
-              <a:rPr lang="de-DE" dirty="0" err="1">
-                <a:hlinkClick r:id="rId2"/>
-              </a:rPr>
-              <a:t>SequentialModel</a:t>
-            </a:r>
-            <a:r>
-              <a:rPr lang="de-DE" dirty="0"/>
-              <a:t> Klasse</a:t>
-            </a:r>
-          </a:p>
-          <a:p>
-            <a:r>
-              <a:rPr lang="de-DE" dirty="0"/>
-              <a:t>Erklärung von </a:t>
-            </a:r>
-            <a:r>
-              <a:rPr lang="de-DE" dirty="0" err="1">
-                <a:hlinkClick r:id="rId4"/>
-              </a:rPr>
-              <a:t>Dense</a:t>
-            </a:r>
-            <a:r>
-              <a:rPr lang="de-DE" dirty="0">
-                <a:hlinkClick r:id="rId4"/>
-              </a:rPr>
-              <a:t> Layer</a:t>
-            </a:r>
-            <a:r>
-              <a:rPr lang="de-DE" dirty="0"/>
-              <a:t> Klasse</a:t>
-            </a:r>
-          </a:p>
-          <a:p>
-            <a:r>
-              <a:rPr lang="de-DE" dirty="0"/>
-              <a:t>Erklärung von </a:t>
-            </a:r>
-            <a:r>
-              <a:rPr lang="de-DE" dirty="0">
-                <a:hlinkClick r:id="rId5"/>
-              </a:rPr>
-              <a:t>Aktivierungsfunktionen</a:t>
-            </a:r>
-            <a:r>
-              <a:rPr lang="de-DE" dirty="0"/>
-              <a:t>, insbesondere die Anpassungen für numerische Stabilität </a:t>
-            </a:r>
-          </a:p>
-          <a:p>
-            <a:r>
-              <a:rPr lang="de-DE" dirty="0"/>
-              <a:t>Tests erklären, insbesondere </a:t>
-            </a:r>
-            <a:r>
-              <a:rPr lang="de-DE" dirty="0" err="1">
-                <a:hlinkClick r:id="rId6"/>
-              </a:rPr>
-              <a:t>test_model</a:t>
+            </a:br>
+            <a:r>
+              <a:rPr lang="de-DE" sz="2400" dirty="0"/>
+              <a:t>Backpropagation Algorithmus</a:t>
             </a:r>
             <a:endParaRPr lang="de-DE" dirty="0"/>
           </a:p>
@@ -6267,7 +6801,7 @@
     </p:spTree>
     <p:extLst>
       <p:ext uri="{BB962C8B-B14F-4D97-AF65-F5344CB8AC3E}">
-        <p14:creationId xmlns:p14="http://schemas.microsoft.com/office/powerpoint/2010/main" val="2176953187"/>
+        <p14:creationId xmlns:p14="http://schemas.microsoft.com/office/powerpoint/2010/main" val="3433578770"/>
       </p:ext>
     </p:extLst>
   </p:cSld>
@@ -6421,6 +6955,187 @@
     <p:extLst>
       <p:ext uri="{BB962C8B-B14F-4D97-AF65-F5344CB8AC3E}">
         <p14:creationId xmlns:p14="http://schemas.microsoft.com/office/powerpoint/2010/main" val="2326574477"/>
+      </p:ext>
+    </p:extLst>
+  </p:cSld>
+  <p:clrMapOvr>
+    <a:masterClrMapping/>
+  </p:clrMapOvr>
+</p:sld>
+</file>
+
+<file path=ppt/slides/slide20.xml><?xml version="1.0" encoding="utf-8"?>
+<p:sld xmlns:a="http://schemas.openxmlformats.org/drawingml/2006/main" xmlns:r="http://schemas.openxmlformats.org/officeDocument/2006/relationships" xmlns:p="http://schemas.openxmlformats.org/presentationml/2006/main">
+  <p:cSld>
+    <p:spTree>
+      <p:nvGrpSpPr>
+        <p:cNvPr id="1" name=""/>
+        <p:cNvGrpSpPr/>
+        <p:nvPr/>
+      </p:nvGrpSpPr>
+      <p:grpSpPr>
+        <a:xfrm>
+          <a:off x="0" y="0"/>
+          <a:ext cx="0" cy="0"/>
+          <a:chOff x="0" y="0"/>
+          <a:chExt cx="0" cy="0"/>
+        </a:xfrm>
+      </p:grpSpPr>
+      <p:sp>
+        <p:nvSpPr>
+          <p:cNvPr id="2" name="Titel 1">
+            <a:extLst>
+              <a:ext uri="{FF2B5EF4-FFF2-40B4-BE49-F238E27FC236}">
+                <a16:creationId xmlns:a16="http://schemas.microsoft.com/office/drawing/2014/main" id="{29FA37A3-FF5A-44AB-8DF3-1148A58E43F7}"/>
+              </a:ext>
+            </a:extLst>
+          </p:cNvPr>
+          <p:cNvSpPr>
+            <a:spLocks noGrp="1"/>
+          </p:cNvSpPr>
+          <p:nvPr>
+            <p:ph type="title"/>
+          </p:nvPr>
+        </p:nvSpPr>
+        <p:spPr/>
+        <p:txBody>
+          <a:bodyPr/>
+          <a:lstStyle/>
+          <a:p>
+            <a:r>
+              <a:rPr lang="de-DE" dirty="0"/>
+              <a:t>Implementierung in Python</a:t>
+            </a:r>
+          </a:p>
+        </p:txBody>
+      </p:sp>
+      <p:sp>
+        <p:nvSpPr>
+          <p:cNvPr id="3" name="Inhaltsplatzhalter 2">
+            <a:extLst>
+              <a:ext uri="{FF2B5EF4-FFF2-40B4-BE49-F238E27FC236}">
+                <a16:creationId xmlns:a16="http://schemas.microsoft.com/office/drawing/2014/main" id="{D2D4F1E2-9CD7-4555-B49C-3581844978A5}"/>
+              </a:ext>
+            </a:extLst>
+          </p:cNvPr>
+          <p:cNvSpPr>
+            <a:spLocks noGrp="1"/>
+          </p:cNvSpPr>
+          <p:nvPr>
+            <p:ph idx="1"/>
+          </p:nvPr>
+        </p:nvSpPr>
+        <p:spPr/>
+        <p:txBody>
+          <a:bodyPr/>
+          <a:lstStyle/>
+          <a:p>
+            <a:r>
+              <a:rPr lang="de-DE" dirty="0">
+                <a:hlinkClick r:id="rId2"/>
+              </a:rPr>
+              <a:t>Beispielanwendung MNIST Digit Classification</a:t>
+            </a:r>
+            <a:endParaRPr lang="de-DE" dirty="0"/>
+          </a:p>
+          <a:p>
+            <a:r>
+              <a:rPr lang="de-DE" dirty="0"/>
+              <a:t>Aufbau von </a:t>
+            </a:r>
+            <a:r>
+              <a:rPr lang="de-DE" dirty="0" err="1">
+                <a:hlinkClick r:id="rId3"/>
+              </a:rPr>
+              <a:t>src</a:t>
+            </a:r>
+            <a:r>
+              <a:rPr lang="de-DE" dirty="0">
+                <a:hlinkClick r:id="rId3"/>
+              </a:rPr>
+              <a:t>/</a:t>
+            </a:r>
+            <a:r>
+              <a:rPr lang="de-DE" dirty="0" err="1">
+                <a:hlinkClick r:id="rId3"/>
+              </a:rPr>
+              <a:t>lib</a:t>
+            </a:r>
+            <a:endParaRPr lang="de-DE" dirty="0"/>
+          </a:p>
+          <a:p>
+            <a:r>
+              <a:rPr lang="de-DE" dirty="0"/>
+              <a:t>Erklärung von </a:t>
+            </a:r>
+            <a:r>
+              <a:rPr lang="de-DE" dirty="0" err="1">
+                <a:hlinkClick r:id="rId2"/>
+              </a:rPr>
+              <a:t>SequentialModel</a:t>
+            </a:r>
+            <a:r>
+              <a:rPr lang="de-DE" dirty="0"/>
+              <a:t> Klasse</a:t>
+            </a:r>
+          </a:p>
+          <a:p>
+            <a:r>
+              <a:rPr lang="de-DE" dirty="0"/>
+              <a:t>Erklärung von </a:t>
+            </a:r>
+            <a:r>
+              <a:rPr lang="de-DE" dirty="0" err="1">
+                <a:hlinkClick r:id="rId4"/>
+              </a:rPr>
+              <a:t>Dense</a:t>
+            </a:r>
+            <a:r>
+              <a:rPr lang="de-DE" dirty="0">
+                <a:hlinkClick r:id="rId4"/>
+              </a:rPr>
+              <a:t> Layer</a:t>
+            </a:r>
+            <a:r>
+              <a:rPr lang="de-DE" dirty="0"/>
+              <a:t> Klasse</a:t>
+            </a:r>
+          </a:p>
+          <a:p>
+            <a:r>
+              <a:rPr lang="de-DE" dirty="0"/>
+              <a:t>Erklärung von </a:t>
+            </a:r>
+            <a:r>
+              <a:rPr lang="de-DE" dirty="0">
+                <a:hlinkClick r:id="rId5"/>
+              </a:rPr>
+              <a:t>Aktivierungsfunktionen</a:t>
+            </a:r>
+            <a:r>
+              <a:rPr lang="de-DE" dirty="0"/>
+              <a:t>, insbesondere die Anpassungen für numerische Stabilität </a:t>
+            </a:r>
+          </a:p>
+          <a:p>
+            <a:r>
+              <a:rPr lang="de-DE" dirty="0"/>
+              <a:t>Tests erklären, insbesondere </a:t>
+            </a:r>
+            <a:r>
+              <a:rPr lang="de-DE" dirty="0" err="1">
+                <a:hlinkClick r:id="rId6"/>
+              </a:rPr>
+              <a:t>test_model</a:t>
+            </a:r>
+            <a:endParaRPr lang="de-DE" dirty="0"/>
+          </a:p>
+        </p:txBody>
+      </p:sp>
+    </p:spTree>
+    <p:extLst>
+      <p:ext uri="{BB962C8B-B14F-4D97-AF65-F5344CB8AC3E}">
+        <p14:creationId xmlns:p14="http://schemas.microsoft.com/office/powerpoint/2010/main" val="2176953187"/>
       </p:ext>
     </p:extLst>
   </p:cSld>
@@ -12541,7 +13256,7 @@
             </a:pPr>
             <a:r>
               <a:rPr lang="de-DE" sz="1400" dirty="0"/>
-              <a:t>Fehler am Output Layer</a:t>
+              <a:t>Fehlersignal am Output Layer</a:t>
             </a:r>
           </a:p>
           <a:p>
@@ -12592,7 +13307,7 @@
                 </a:pPr>
                 <a:r>
                   <a:rPr lang="de-DE" sz="1400" dirty="0"/>
-                  <a:t>Fehler am Hidden Layer </a:t>
+                  <a:t>Fehlersignal am Hidden Layer </a:t>
                 </a:r>
                 <a14:m>
                   <m:oMath xmlns:m="http://schemas.openxmlformats.org/officeDocument/2006/math">
@@ -13721,7 +14436,7 @@
             </a:br>
             <a:r>
               <a:rPr lang="de-DE" sz="2400" dirty="0"/>
-              <a:t>Fehler am Output Layer für ein einziges Datum</a:t>
+              <a:t>Fehlersignal am Output Layer für ein einziges Datum</a:t>
             </a:r>
             <a:endParaRPr lang="de-DE" dirty="0"/>
           </a:p>
@@ -13743,13 +14458,13 @@
         </p:nvPicPr>
         <p:blipFill rotWithShape="1">
           <a:blip r:embed="rId3"/>
-          <a:srcRect l="2873" r="3532"/>
+          <a:srcRect l="2873" r="67630"/>
           <a:stretch/>
         </p:blipFill>
         <p:spPr>
           <a:xfrm>
-            <a:off x="838200" y="2108287"/>
-            <a:ext cx="3976468" cy="867359"/>
+            <a:off x="838200" y="1681571"/>
+            <a:ext cx="1253197" cy="867359"/>
           </a:xfrm>
           <a:prstGeom prst="rect">
             <a:avLst/>
@@ -13772,13 +14487,13 @@
         </p:nvPicPr>
         <p:blipFill rotWithShape="1">
           <a:blip r:embed="rId4"/>
-          <a:srcRect l="4896" r="3068"/>
+          <a:srcRect l="30689" t="36478" r="37333" b="35013"/>
           <a:stretch/>
         </p:blipFill>
         <p:spPr>
           <a:xfrm>
-            <a:off x="838200" y="3301220"/>
-            <a:ext cx="5425440" cy="1767840"/>
+            <a:off x="1689307" y="2899803"/>
+            <a:ext cx="1885072" cy="503980"/>
           </a:xfrm>
           <a:prstGeom prst="rect">
             <a:avLst/>
@@ -13816,59 +14531,10 @@
       </p:pic>
       <p:sp>
         <p:nvSpPr>
-          <p:cNvPr id="12" name="Geschweifte Klammer rechts 11">
-            <a:extLst>
-              <a:ext uri="{FF2B5EF4-FFF2-40B4-BE49-F238E27FC236}">
-                <a16:creationId xmlns:a16="http://schemas.microsoft.com/office/drawing/2014/main" id="{6635DDC2-4A8C-4A68-BD22-99BE979A5EEF}"/>
-              </a:ext>
-            </a:extLst>
-          </p:cNvPr>
-          <p:cNvSpPr/>
-          <p:nvPr/>
-        </p:nvSpPr>
-        <p:spPr>
-          <a:xfrm>
-            <a:off x="6522726" y="2006992"/>
-            <a:ext cx="360000" cy="3108960"/>
-          </a:xfrm>
-          <a:prstGeom prst="rightBrace">
-            <a:avLst/>
-          </a:prstGeom>
-          <a:ln>
-            <a:solidFill>
-              <a:schemeClr val="tx1"/>
-            </a:solidFill>
-          </a:ln>
-        </p:spPr>
-        <p:style>
-          <a:lnRef idx="1">
-            <a:schemeClr val="accent1"/>
-          </a:lnRef>
-          <a:fillRef idx="0">
-            <a:schemeClr val="accent1"/>
-          </a:fillRef>
-          <a:effectRef idx="0">
-            <a:schemeClr val="accent1"/>
-          </a:effectRef>
-          <a:fontRef idx="minor">
-            <a:schemeClr val="tx1"/>
-          </a:fontRef>
-        </p:style>
-        <p:txBody>
-          <a:bodyPr rtlCol="0" anchor="ctr"/>
-          <a:lstStyle/>
-          <a:p>
-            <a:pPr algn="ctr"/>
-            <a:endParaRPr lang="de-DE"/>
-          </a:p>
-        </p:txBody>
-      </p:sp>
-      <p:sp>
-        <p:nvSpPr>
-          <p:cNvPr id="13" name="Textfeld 12">
-            <a:extLst>
-              <a:ext uri="{FF2B5EF4-FFF2-40B4-BE49-F238E27FC236}">
-                <a16:creationId xmlns:a16="http://schemas.microsoft.com/office/drawing/2014/main" id="{425C0FA8-7CFF-472A-8A96-3CC30436E834}"/>
+          <p:cNvPr id="15" name="Textfeld 14">
+            <a:extLst>
+              <a:ext uri="{FF2B5EF4-FFF2-40B4-BE49-F238E27FC236}">
+                <a16:creationId xmlns:a16="http://schemas.microsoft.com/office/drawing/2014/main" id="{BC24B7C9-C95B-4115-9947-2F92849CAAD7}"/>
               </a:ext>
             </a:extLst>
           </p:cNvPr>
@@ -13877,8 +14543,8 @@
         </p:nvSpPr>
         <p:spPr>
           <a:xfrm>
-            <a:off x="7104197" y="3207436"/>
-            <a:ext cx="3062067" cy="738664"/>
+            <a:off x="6949457" y="5536702"/>
+            <a:ext cx="4249603" cy="738664"/>
           </a:xfrm>
           <a:prstGeom prst="rect">
             <a:avLst/>
@@ -13893,66 +14559,191 @@
           <a:p>
             <a:r>
               <a:rPr lang="de-DE" sz="1400" dirty="0"/>
-              <a:t>Allgemeingültiges Ergebnis unabhängig von Fehlerfunktion und Aktivierungsfunktion im Output Layer</a:t>
+              <a:t>Ergebnis für eine Multi Class Klassifikation mit Categorical-Crossentropy und Softmax Aktivierungsfunktion</a:t>
             </a:r>
           </a:p>
         </p:txBody>
       </p:sp>
+      <p:pic>
+        <p:nvPicPr>
+          <p:cNvPr id="10" name="Grafik 12">
+            <a:extLst>
+              <a:ext uri="{FF2B5EF4-FFF2-40B4-BE49-F238E27FC236}">
+                <a16:creationId xmlns:a16="http://schemas.microsoft.com/office/drawing/2014/main" id="{DD9A7A2A-84DA-4964-A953-9C8FD677C452}"/>
+              </a:ext>
+            </a:extLst>
+          </p:cNvPr>
+          <p:cNvPicPr>
+            <a:picLocks noChangeAspect="1"/>
+          </p:cNvPicPr>
+          <p:nvPr/>
+        </p:nvPicPr>
+        <p:blipFill rotWithShape="1">
+          <a:blip r:embed="rId6"/>
+          <a:srcRect b="6160"/>
+          <a:stretch/>
+        </p:blipFill>
+        <p:spPr>
+          <a:xfrm>
+            <a:off x="8492641" y="365125"/>
+            <a:ext cx="3320701" cy="2126905"/>
+          </a:xfrm>
+          <a:prstGeom prst="rect">
+            <a:avLst/>
+          </a:prstGeom>
+        </p:spPr>
+      </p:pic>
+      <p:pic>
+        <p:nvPicPr>
+          <p:cNvPr id="16" name="Grafik 4">
+            <a:extLst>
+              <a:ext uri="{FF2B5EF4-FFF2-40B4-BE49-F238E27FC236}">
+                <a16:creationId xmlns:a16="http://schemas.microsoft.com/office/drawing/2014/main" id="{51B4E1B3-29CF-481A-B998-DDE6497E2450}"/>
+              </a:ext>
+            </a:extLst>
+          </p:cNvPr>
+          <p:cNvPicPr>
+            <a:picLocks noChangeAspect="1"/>
+          </p:cNvPicPr>
+          <p:nvPr/>
+        </p:nvPicPr>
+        <p:blipFill rotWithShape="1">
+          <a:blip r:embed="rId3"/>
+          <a:srcRect l="32149" r="3532"/>
+          <a:stretch/>
+        </p:blipFill>
+        <p:spPr>
+          <a:xfrm>
+            <a:off x="2114263" y="1681571"/>
+            <a:ext cx="2732644" cy="867359"/>
+          </a:xfrm>
+          <a:prstGeom prst="rect">
+            <a:avLst/>
+          </a:prstGeom>
+        </p:spPr>
+      </p:pic>
+      <p:pic>
+        <p:nvPicPr>
+          <p:cNvPr id="18" name="Grafik 6">
+            <a:extLst>
+              <a:ext uri="{FF2B5EF4-FFF2-40B4-BE49-F238E27FC236}">
+                <a16:creationId xmlns:a16="http://schemas.microsoft.com/office/drawing/2014/main" id="{C182DD97-11AA-41AD-8F08-C09971F2C473}"/>
+              </a:ext>
+            </a:extLst>
+          </p:cNvPr>
+          <p:cNvPicPr>
+            <a:picLocks noChangeAspect="1"/>
+          </p:cNvPicPr>
+          <p:nvPr/>
+        </p:nvPicPr>
+        <p:blipFill rotWithShape="1">
+          <a:blip r:embed="rId4"/>
+          <a:srcRect l="61949" r="3068"/>
+          <a:stretch/>
+        </p:blipFill>
+        <p:spPr>
+          <a:xfrm>
+            <a:off x="1534004" y="3700615"/>
+            <a:ext cx="1838737" cy="1576268"/>
+          </a:xfrm>
+          <a:prstGeom prst="rect">
+            <a:avLst/>
+          </a:prstGeom>
+        </p:spPr>
+      </p:pic>
+      <p:pic>
+        <p:nvPicPr>
+          <p:cNvPr id="19" name="Grafik 4">
+            <a:extLst>
+              <a:ext uri="{FF2B5EF4-FFF2-40B4-BE49-F238E27FC236}">
+                <a16:creationId xmlns:a16="http://schemas.microsoft.com/office/drawing/2014/main" id="{24D20412-E6D9-4C23-929E-E6D0C0B6DE13}"/>
+              </a:ext>
+            </a:extLst>
+          </p:cNvPr>
+          <p:cNvPicPr>
+            <a:picLocks noChangeAspect="1"/>
+          </p:cNvPicPr>
+          <p:nvPr/>
+        </p:nvPicPr>
+        <p:blipFill rotWithShape="1">
+          <a:blip r:embed="rId3"/>
+          <a:srcRect l="36964" t="8543" r="52523" b="11241"/>
+          <a:stretch/>
+        </p:blipFill>
+        <p:spPr>
+          <a:xfrm>
+            <a:off x="838200" y="2803911"/>
+            <a:ext cx="446649" cy="695764"/>
+          </a:xfrm>
+          <a:prstGeom prst="rect">
+            <a:avLst/>
+          </a:prstGeom>
+        </p:spPr>
+      </p:pic>
+      <p:pic>
+        <p:nvPicPr>
+          <p:cNvPr id="20" name="Grafik 4">
+            <a:extLst>
+              <a:ext uri="{FF2B5EF4-FFF2-40B4-BE49-F238E27FC236}">
+                <a16:creationId xmlns:a16="http://schemas.microsoft.com/office/drawing/2014/main" id="{C4016A3C-C42A-435B-92A9-11BB598B020E}"/>
+              </a:ext>
+            </a:extLst>
+          </p:cNvPr>
+          <p:cNvPicPr>
+            <a:picLocks noChangeAspect="1"/>
+          </p:cNvPicPr>
+          <p:nvPr/>
+        </p:nvPicPr>
+        <p:blipFill rotWithShape="1">
+          <a:blip r:embed="rId3"/>
+          <a:srcRect l="47864" t="8543" r="36326" b="11241"/>
+          <a:stretch/>
+        </p:blipFill>
+        <p:spPr>
+          <a:xfrm>
+            <a:off x="838200" y="4140867"/>
+            <a:ext cx="671701" cy="695764"/>
+          </a:xfrm>
+          <a:prstGeom prst="rect">
+            <a:avLst/>
+          </a:prstGeom>
+        </p:spPr>
+      </p:pic>
+      <p:pic>
+        <p:nvPicPr>
+          <p:cNvPr id="21" name="Grafik 4">
+            <a:extLst>
+              <a:ext uri="{FF2B5EF4-FFF2-40B4-BE49-F238E27FC236}">
+                <a16:creationId xmlns:a16="http://schemas.microsoft.com/office/drawing/2014/main" id="{7B3B7A6E-857C-4C7A-BA13-386907D9D446}"/>
+              </a:ext>
+            </a:extLst>
+          </p:cNvPr>
+          <p:cNvPicPr>
+            <a:picLocks noChangeAspect="1"/>
+          </p:cNvPicPr>
+          <p:nvPr/>
+        </p:nvPicPr>
+        <p:blipFill rotWithShape="1">
+          <a:blip r:embed="rId3"/>
+          <a:srcRect l="58521" t="8543" r="36327" b="11241"/>
+          <a:stretch/>
+        </p:blipFill>
+        <p:spPr>
+          <a:xfrm>
+            <a:off x="1400997" y="2756981"/>
+            <a:ext cx="218903" cy="695764"/>
+          </a:xfrm>
+          <a:prstGeom prst="rect">
+            <a:avLst/>
+          </a:prstGeom>
+        </p:spPr>
+      </p:pic>
       <p:sp>
         <p:nvSpPr>
-          <p:cNvPr id="14" name="Geschweifte Klammer rechts 13">
-            <a:extLst>
-              <a:ext uri="{FF2B5EF4-FFF2-40B4-BE49-F238E27FC236}">
-                <a16:creationId xmlns:a16="http://schemas.microsoft.com/office/drawing/2014/main" id="{BA12528F-5BC4-46A9-8D24-1631E951C474}"/>
-              </a:ext>
-            </a:extLst>
-          </p:cNvPr>
-          <p:cNvSpPr/>
-          <p:nvPr/>
-        </p:nvSpPr>
-        <p:spPr>
-          <a:xfrm>
-            <a:off x="6696229" y="5502486"/>
-            <a:ext cx="360000" cy="811786"/>
-          </a:xfrm>
-          <a:prstGeom prst="rightBrace">
-            <a:avLst/>
-          </a:prstGeom>
-          <a:ln>
-            <a:solidFill>
-              <a:schemeClr val="tx1"/>
-            </a:solidFill>
-          </a:ln>
-        </p:spPr>
-        <p:style>
-          <a:lnRef idx="1">
-            <a:schemeClr val="accent1"/>
-          </a:lnRef>
-          <a:fillRef idx="0">
-            <a:schemeClr val="accent1"/>
-          </a:fillRef>
-          <a:effectRef idx="0">
-            <a:schemeClr val="accent1"/>
-          </a:effectRef>
-          <a:fontRef idx="minor">
-            <a:schemeClr val="tx1"/>
-          </a:fontRef>
-        </p:style>
-        <p:txBody>
-          <a:bodyPr rtlCol="0" anchor="ctr"/>
-          <a:lstStyle/>
-          <a:p>
-            <a:pPr algn="ctr"/>
-            <a:endParaRPr lang="de-DE"/>
-          </a:p>
-        </p:txBody>
-      </p:sp>
-      <p:sp>
-        <p:nvSpPr>
-          <p:cNvPr id="15" name="Textfeld 14">
-            <a:extLst>
-              <a:ext uri="{FF2B5EF4-FFF2-40B4-BE49-F238E27FC236}">
-                <a16:creationId xmlns:a16="http://schemas.microsoft.com/office/drawing/2014/main" id="{BC24B7C9-C95B-4115-9947-2F92849CAAD7}"/>
+          <p:cNvPr id="3" name="TextBox 2">
+            <a:extLst>
+              <a:ext uri="{FF2B5EF4-FFF2-40B4-BE49-F238E27FC236}">
+                <a16:creationId xmlns:a16="http://schemas.microsoft.com/office/drawing/2014/main" id="{BC0B4A73-0499-4BF1-93BD-D51D23E60EDF}"/>
               </a:ext>
             </a:extLst>
           </p:cNvPr>
@@ -13961,8 +14752,8 @@
         </p:nvSpPr>
         <p:spPr>
           <a:xfrm>
-            <a:off x="7197980" y="5547357"/>
-            <a:ext cx="3677529" cy="738664"/>
+            <a:off x="3647037" y="2782461"/>
+            <a:ext cx="6622378" cy="738664"/>
           </a:xfrm>
           <a:prstGeom prst="rect">
             <a:avLst/>
@@ -13975,9 +14766,72 @@
           </a:bodyPr>
           <a:lstStyle/>
           <a:p>
+            <a:pPr marL="285750" indent="-285750">
+              <a:buFont typeface="Arial" panose="020B0604020202020204" pitchFamily="34" charset="0"/>
+              <a:buChar char="•"/>
+            </a:pPr>
             <a:r>
               <a:rPr lang="de-DE" sz="1400" dirty="0"/>
-              <a:t>Ergebnis für eine Multi Class Klassifikation mit Categorical-Crossentropy und Softmax Aktivierungsfunktion</a:t>
+              <a:t>Ableitung des Fehlers nach den Aktivierungen im Output Layer (i.e. Vorhersagen)</a:t>
+            </a:r>
+          </a:p>
+          <a:p>
+            <a:pPr marL="285750" indent="-285750">
+              <a:buFont typeface="Arial" panose="020B0604020202020204" pitchFamily="34" charset="0"/>
+              <a:buChar char="•"/>
+            </a:pPr>
+            <a:r>
+              <a:rPr lang="de-DE" sz="1400" dirty="0"/>
+              <a:t>Werte sind abhängig von der Wahl der Fehlerfunktion und der Aktivierungsfunktion im Output Layer</a:t>
+            </a:r>
+          </a:p>
+        </p:txBody>
+      </p:sp>
+      <p:sp>
+        <p:nvSpPr>
+          <p:cNvPr id="4" name="TextBox 3">
+            <a:extLst>
+              <a:ext uri="{FF2B5EF4-FFF2-40B4-BE49-F238E27FC236}">
+                <a16:creationId xmlns:a16="http://schemas.microsoft.com/office/drawing/2014/main" id="{67E6B865-21B3-40B3-97AF-5E00E1D8A9C0}"/>
+              </a:ext>
+            </a:extLst>
+          </p:cNvPr>
+          <p:cNvSpPr txBox="1"/>
+          <p:nvPr/>
+        </p:nvSpPr>
+        <p:spPr>
+          <a:xfrm>
+            <a:off x="3647037" y="4227139"/>
+            <a:ext cx="6535615" cy="523220"/>
+          </a:xfrm>
+          <a:prstGeom prst="rect">
+            <a:avLst/>
+          </a:prstGeom>
+          <a:noFill/>
+        </p:spPr>
+        <p:txBody>
+          <a:bodyPr wrap="square" rtlCol="0">
+            <a:spAutoFit/>
+          </a:bodyPr>
+          <a:lstStyle/>
+          <a:p>
+            <a:pPr marL="285750" indent="-285750">
+              <a:buFont typeface="Arial" panose="020B0604020202020204" pitchFamily="34" charset="0"/>
+              <a:buChar char="•"/>
+            </a:pPr>
+            <a:r>
+              <a:rPr lang="de-DE" sz="1400" dirty="0"/>
+              <a:t>Ableitung der Aktivierungen nach den dendritischen Potenzialen</a:t>
+            </a:r>
+          </a:p>
+          <a:p>
+            <a:pPr marL="285750" indent="-285750">
+              <a:buFont typeface="Arial" panose="020B0604020202020204" pitchFamily="34" charset="0"/>
+              <a:buChar char="•"/>
+            </a:pPr>
+            <a:r>
+              <a:rPr lang="de-DE" sz="1400" dirty="0"/>
+              <a:t>Werte sind abhängig von der Wahl der Aktivierungsfunktion </a:t>
             </a:r>
           </a:p>
         </p:txBody>
@@ -14071,61 +14925,7 @@
                                           </p:stCondLst>
                                         </p:cTn>
                                         <p:tgtEl>
-                                          <p:spTgt spid="7"/>
-                                        </p:tgtEl>
-                                        <p:attrNameLst>
-                                          <p:attrName>style.visibility</p:attrName>
-                                        </p:attrNameLst>
-                                      </p:cBhvr>
-                                      <p:to>
-                                        <p:strVal val="visible"/>
-                                      </p:to>
-                                    </p:set>
-                                  </p:childTnLst>
-                                </p:cTn>
-                              </p:par>
-                              <p:par>
-                                <p:cTn id="11" presetID="1" presetClass="entr" presetSubtype="0" fill="hold" grpId="0" nodeType="withEffect">
-                                  <p:stCondLst>
-                                    <p:cond delay="0"/>
-                                  </p:stCondLst>
-                                  <p:childTnLst>
-                                    <p:set>
-                                      <p:cBhvr>
-                                        <p:cTn id="12" dur="1" fill="hold">
-                                          <p:stCondLst>
-                                            <p:cond delay="0"/>
-                                          </p:stCondLst>
-                                        </p:cTn>
-                                        <p:tgtEl>
-                                          <p:spTgt spid="12"/>
-                                        </p:tgtEl>
-                                        <p:attrNameLst>
-                                          <p:attrName>style.visibility</p:attrName>
-                                        </p:attrNameLst>
-                                      </p:cBhvr>
-                                      <p:to>
-                                        <p:strVal val="visible"/>
-                                      </p:to>
-                                    </p:set>
-                                  </p:childTnLst>
-                                </p:cTn>
-                              </p:par>
-                              <p:par>
-                                <p:cTn id="13" presetID="1" presetClass="entr" presetSubtype="0" fill="hold" grpId="0" nodeType="withEffect">
-                                  <p:stCondLst>
-                                    <p:cond delay="0"/>
-                                  </p:stCondLst>
-                                  <p:childTnLst>
-                                    <p:set>
-                                      <p:cBhvr>
-                                        <p:cTn id="14" dur="1" fill="hold">
-                                          <p:stCondLst>
-                                            <p:cond delay="0"/>
-                                          </p:stCondLst>
-                                        </p:cTn>
-                                        <p:tgtEl>
-                                          <p:spTgt spid="13"/>
+                                          <p:spTgt spid="16"/>
                                         </p:tgtEl>
                                         <p:attrNameLst>
                                           <p:attrName>style.visibility</p:attrName>
@@ -14145,19 +14945,73 @@
                     </p:cTn>
                   </p:par>
                   <p:par>
-                    <p:cTn id="15" fill="hold">
+                    <p:cTn id="11" fill="hold">
                       <p:stCondLst>
                         <p:cond delay="indefinite"/>
                       </p:stCondLst>
                       <p:childTnLst>
                         <p:par>
-                          <p:cTn id="16" fill="hold">
+                          <p:cTn id="12" fill="hold">
                             <p:stCondLst>
                               <p:cond delay="0"/>
                             </p:stCondLst>
                             <p:childTnLst>
                               <p:par>
-                                <p:cTn id="17" presetID="1" presetClass="entr" presetSubtype="0" fill="hold" nodeType="clickEffect">
+                                <p:cTn id="13" presetID="1" presetClass="entr" presetSubtype="0" fill="hold" nodeType="clickEffect">
+                                  <p:stCondLst>
+                                    <p:cond delay="0"/>
+                                  </p:stCondLst>
+                                  <p:childTnLst>
+                                    <p:set>
+                                      <p:cBhvr>
+                                        <p:cTn id="14" dur="1" fill="hold">
+                                          <p:stCondLst>
+                                            <p:cond delay="0"/>
+                                          </p:stCondLst>
+                                        </p:cTn>
+                                        <p:tgtEl>
+                                          <p:spTgt spid="19"/>
+                                        </p:tgtEl>
+                                        <p:attrNameLst>
+                                          <p:attrName>style.visibility</p:attrName>
+                                        </p:attrNameLst>
+                                      </p:cBhvr>
+                                      <p:to>
+                                        <p:strVal val="visible"/>
+                                      </p:to>
+                                    </p:set>
+                                  </p:childTnLst>
+                                </p:cTn>
+                              </p:par>
+                              <p:par>
+                                <p:cTn id="15" presetID="1" presetClass="entr" presetSubtype="0" fill="hold" nodeType="withEffect">
+                                  <p:stCondLst>
+                                    <p:cond delay="0"/>
+                                  </p:stCondLst>
+                                  <p:childTnLst>
+                                    <p:set>
+                                      <p:cBhvr>
+                                        <p:cTn id="16" dur="1" fill="hold">
+                                          <p:stCondLst>
+                                            <p:cond delay="0"/>
+                                          </p:stCondLst>
+                                        </p:cTn>
+                                        <p:tgtEl>
+                                          <p:spTgt spid="21"/>
+                                        </p:tgtEl>
+                                        <p:attrNameLst>
+                                          <p:attrName>style.visibility</p:attrName>
+                                        </p:attrNameLst>
+                                      </p:cBhvr>
+                                      <p:to>
+                                        <p:strVal val="visible"/>
+                                      </p:to>
+                                    </p:set>
+                                  </p:childTnLst>
+                                </p:cTn>
+                              </p:par>
+                              <p:par>
+                                <p:cTn id="17" presetID="1" presetClass="entr" presetSubtype="0" fill="hold" nodeType="withEffect">
                                   <p:stCondLst>
                                     <p:cond delay="0"/>
                                   </p:stCondLst>
@@ -14170,7 +15024,7 @@
                                           </p:stCondLst>
                                         </p:cTn>
                                         <p:tgtEl>
-                                          <p:spTgt spid="11"/>
+                                          <p:spTgt spid="7"/>
                                         </p:tgtEl>
                                         <p:attrNameLst>
                                           <p:attrName>style.visibility</p:attrName>
@@ -14197,7 +15051,52 @@
                                           </p:stCondLst>
                                         </p:cTn>
                                         <p:tgtEl>
-                                          <p:spTgt spid="14"/>
+                                          <p:spTgt spid="3"/>
+                                        </p:tgtEl>
+                                        <p:attrNameLst>
+                                          <p:attrName>style.visibility</p:attrName>
+                                        </p:attrNameLst>
+                                      </p:cBhvr>
+                                      <p:to>
+                                        <p:strVal val="visible"/>
+                                      </p:to>
+                                    </p:set>
+                                  </p:childTnLst>
+                                </p:cTn>
+                              </p:par>
+                            </p:childTnLst>
+                          </p:cTn>
+                        </p:par>
+                      </p:childTnLst>
+                    </p:cTn>
+                  </p:par>
+                  <p:par>
+                    <p:cTn id="21" fill="hold">
+                      <p:stCondLst>
+                        <p:cond delay="indefinite"/>
+                      </p:stCondLst>
+                      <p:childTnLst>
+                        <p:par>
+                          <p:cTn id="22" fill="hold">
+                            <p:stCondLst>
+                              <p:cond delay="0"/>
+                            </p:stCondLst>
+                            <p:childTnLst>
+                              <p:par>
+                                <p:cTn id="23" presetID="1" presetClass="entr" presetSubtype="0" fill="hold" nodeType="clickEffect">
+                                  <p:stCondLst>
+                                    <p:cond delay="0"/>
+                                  </p:stCondLst>
+                                  <p:childTnLst>
+                                    <p:set>
+                                      <p:cBhvr>
+                                        <p:cTn id="24" dur="1" fill="hold">
+                                          <p:stCondLst>
+                                            <p:cond delay="0"/>
+                                          </p:stCondLst>
+                                        </p:cTn>
+                                        <p:tgtEl>
+                                          <p:spTgt spid="20"/>
                                         </p:tgtEl>
                                         <p:attrNameLst>
                                           <p:attrName>style.visibility</p:attrName>
@@ -14211,14 +15110,113 @@
                                 </p:cTn>
                               </p:par>
                               <p:par>
-                                <p:cTn id="21" presetID="1" presetClass="entr" presetSubtype="0" fill="hold" grpId="0" nodeType="withEffect">
+                                <p:cTn id="25" presetID="1" presetClass="entr" presetSubtype="0" fill="hold" nodeType="withEffect">
                                   <p:stCondLst>
                                     <p:cond delay="0"/>
                                   </p:stCondLst>
                                   <p:childTnLst>
                                     <p:set>
                                       <p:cBhvr>
-                                        <p:cTn id="22" dur="1" fill="hold">
+                                        <p:cTn id="26" dur="1" fill="hold">
+                                          <p:stCondLst>
+                                            <p:cond delay="0"/>
+                                          </p:stCondLst>
+                                        </p:cTn>
+                                        <p:tgtEl>
+                                          <p:spTgt spid="18"/>
+                                        </p:tgtEl>
+                                        <p:attrNameLst>
+                                          <p:attrName>style.visibility</p:attrName>
+                                        </p:attrNameLst>
+                                      </p:cBhvr>
+                                      <p:to>
+                                        <p:strVal val="visible"/>
+                                      </p:to>
+                                    </p:set>
+                                  </p:childTnLst>
+                                </p:cTn>
+                              </p:par>
+                              <p:par>
+                                <p:cTn id="27" presetID="1" presetClass="entr" presetSubtype="0" fill="hold" grpId="0" nodeType="withEffect">
+                                  <p:stCondLst>
+                                    <p:cond delay="0"/>
+                                  </p:stCondLst>
+                                  <p:childTnLst>
+                                    <p:set>
+                                      <p:cBhvr>
+                                        <p:cTn id="28" dur="1" fill="hold">
+                                          <p:stCondLst>
+                                            <p:cond delay="0"/>
+                                          </p:stCondLst>
+                                        </p:cTn>
+                                        <p:tgtEl>
+                                          <p:spTgt spid="4"/>
+                                        </p:tgtEl>
+                                        <p:attrNameLst>
+                                          <p:attrName>style.visibility</p:attrName>
+                                        </p:attrNameLst>
+                                      </p:cBhvr>
+                                      <p:to>
+                                        <p:strVal val="visible"/>
+                                      </p:to>
+                                    </p:set>
+                                  </p:childTnLst>
+                                </p:cTn>
+                              </p:par>
+                            </p:childTnLst>
+                          </p:cTn>
+                        </p:par>
+                      </p:childTnLst>
+                    </p:cTn>
+                  </p:par>
+                  <p:par>
+                    <p:cTn id="29" fill="hold">
+                      <p:stCondLst>
+                        <p:cond delay="indefinite"/>
+                      </p:stCondLst>
+                      <p:childTnLst>
+                        <p:par>
+                          <p:cTn id="30" fill="hold">
+                            <p:stCondLst>
+                              <p:cond delay="0"/>
+                            </p:stCondLst>
+                            <p:childTnLst>
+                              <p:par>
+                                <p:cTn id="31" presetID="1" presetClass="entr" presetSubtype="0" fill="hold" nodeType="clickEffect">
+                                  <p:stCondLst>
+                                    <p:cond delay="0"/>
+                                  </p:stCondLst>
+                                  <p:childTnLst>
+                                    <p:set>
+                                      <p:cBhvr>
+                                        <p:cTn id="32" dur="1" fill="hold">
+                                          <p:stCondLst>
+                                            <p:cond delay="0"/>
+                                          </p:stCondLst>
+                                        </p:cTn>
+                                        <p:tgtEl>
+                                          <p:spTgt spid="11"/>
+                                        </p:tgtEl>
+                                        <p:attrNameLst>
+                                          <p:attrName>style.visibility</p:attrName>
+                                        </p:attrNameLst>
+                                      </p:cBhvr>
+                                      <p:to>
+                                        <p:strVal val="visible"/>
+                                      </p:to>
+                                    </p:set>
+                                  </p:childTnLst>
+                                </p:cTn>
+                              </p:par>
+                              <p:par>
+                                <p:cTn id="33" presetID="1" presetClass="entr" presetSubtype="0" fill="hold" grpId="0" nodeType="withEffect">
+                                  <p:stCondLst>
+                                    <p:cond delay="0"/>
+                                  </p:stCondLst>
+                                  <p:childTnLst>
+                                    <p:set>
+                                      <p:cBhvr>
+                                        <p:cTn id="34" dur="1" fill="hold">
                                           <p:stCondLst>
                                             <p:cond delay="0"/>
                                           </p:stCondLst>
@@ -14265,10 +15263,9 @@
       </p:par>
     </p:tnLst>
     <p:bldLst>
-      <p:bldP spid="12" grpId="0" animBg="1"/>
-      <p:bldP spid="13" grpId="0"/>
-      <p:bldP spid="14" grpId="0" animBg="1"/>
       <p:bldP spid="15" grpId="0"/>
+      <p:bldP spid="3" grpId="0"/>
+      <p:bldP spid="4" grpId="0"/>
     </p:bldLst>
   </p:timing>
 </p:sld>
@@ -14328,7 +15325,7 @@
             </a:br>
             <a:r>
               <a:rPr lang="de-DE" sz="2400" dirty="0"/>
-              <a:t>Fehler am Output Layer für ein Batch von Daten</a:t>
+              <a:t>Fehlersignal am Output Layer für ein Batch von Daten</a:t>
             </a:r>
             <a:endParaRPr lang="de-DE" dirty="0"/>
           </a:p>

--- a/theory/submission/result_presentation.pptx
+++ b/theory/submission/result_presentation.pptx
@@ -216,7 +216,7 @@
           <a:p>
             <a:fld id="{8EB49EC5-088D-473F-9BFC-E2740B5DA688}" type="datetimeFigureOut">
               <a:rPr lang="de-DE" smtClean="0"/>
-              <a:t>01.05.2022</a:t>
+              <a:t>02.05.2022</a:t>
             </a:fld>
             <a:endParaRPr lang="de-DE"/>
           </a:p>
@@ -621,6 +621,120 @@
             </a:pPr>
             <a:r>
               <a:rPr lang="de-DE" dirty="0"/>
+              <a:t>Wiederum Stapelung von M Fehlern entlang </a:t>
+            </a:r>
+            <a:r>
+              <a:rPr lang="de-DE" dirty="0" err="1"/>
+              <a:t>axis</a:t>
+            </a:r>
+            <a:r>
+              <a:rPr lang="de-DE" dirty="0"/>
+              <a:t>=0</a:t>
+            </a:r>
+          </a:p>
+          <a:p>
+            <a:pPr marL="171450" indent="-171450">
+              <a:buFont typeface="Arial" panose="020B0604020202020204" pitchFamily="34" charset="0"/>
+              <a:buChar char="•"/>
+            </a:pPr>
+            <a:r>
+              <a:rPr lang="de-DE" dirty="0"/>
+              <a:t>Gewichtsmatrix W und Bias Vektor b wird M mal </a:t>
+            </a:r>
+            <a:r>
+              <a:rPr lang="de-DE" dirty="0" err="1"/>
+              <a:t>ge-broadcasted</a:t>
+            </a:r>
+            <a:endParaRPr lang="de-DE" dirty="0"/>
+          </a:p>
+        </p:txBody>
+      </p:sp>
+      <p:sp>
+        <p:nvSpPr>
+          <p:cNvPr id="4" name="Slide Number Placeholder 3"/>
+          <p:cNvSpPr>
+            <a:spLocks noGrp="1"/>
+          </p:cNvSpPr>
+          <p:nvPr>
+            <p:ph type="sldNum" sz="quarter" idx="5"/>
+          </p:nvPr>
+        </p:nvSpPr>
+        <p:spPr/>
+        <p:txBody>
+          <a:bodyPr/>
+          <a:lstStyle/>
+          <a:p>
+            <a:fld id="{D4C12A24-BF94-4906-B274-F5BF4D611E23}" type="slidenum">
+              <a:rPr lang="de-DE" smtClean="0"/>
+              <a:t>11</a:t>
+            </a:fld>
+            <a:endParaRPr lang="de-DE"/>
+          </a:p>
+        </p:txBody>
+      </p:sp>
+    </p:spTree>
+    <p:extLst>
+      <p:ext uri="{BB962C8B-B14F-4D97-AF65-F5344CB8AC3E}">
+        <p14:creationId xmlns:p14="http://schemas.microsoft.com/office/powerpoint/2010/main" val="3074439996"/>
+      </p:ext>
+    </p:extLst>
+  </p:cSld>
+  <p:clrMapOvr>
+    <a:masterClrMapping/>
+  </p:clrMapOvr>
+</p:notes>
+</file>
+
+<file path=ppt/notesSlides/notesSlide11.xml><?xml version="1.0" encoding="utf-8"?>
+<p:notes xmlns:a="http://schemas.openxmlformats.org/drawingml/2006/main" xmlns:r="http://schemas.openxmlformats.org/officeDocument/2006/relationships" xmlns:p="http://schemas.openxmlformats.org/presentationml/2006/main">
+  <p:cSld>
+    <p:spTree>
+      <p:nvGrpSpPr>
+        <p:cNvPr id="1" name=""/>
+        <p:cNvGrpSpPr/>
+        <p:nvPr/>
+      </p:nvGrpSpPr>
+      <p:grpSpPr>
+        <a:xfrm>
+          <a:off x="0" y="0"/>
+          <a:ext cx="0" cy="0"/>
+          <a:chOff x="0" y="0"/>
+          <a:chExt cx="0" cy="0"/>
+        </a:xfrm>
+      </p:grpSpPr>
+      <p:sp>
+        <p:nvSpPr>
+          <p:cNvPr id="2" name="Slide Image Placeholder 1"/>
+          <p:cNvSpPr>
+            <a:spLocks noGrp="1" noRot="1" noChangeAspect="1"/>
+          </p:cNvSpPr>
+          <p:nvPr>
+            <p:ph type="sldImg"/>
+          </p:nvPr>
+        </p:nvSpPr>
+        <p:spPr/>
+      </p:sp>
+      <p:sp>
+        <p:nvSpPr>
+          <p:cNvPr id="3" name="Notes Placeholder 2"/>
+          <p:cNvSpPr>
+            <a:spLocks noGrp="1"/>
+          </p:cNvSpPr>
+          <p:nvPr>
+            <p:ph type="body" idx="1"/>
+          </p:nvPr>
+        </p:nvSpPr>
+        <p:spPr/>
+        <p:txBody>
+          <a:bodyPr/>
+          <a:lstStyle/>
+          <a:p>
+            <a:pPr marL="171450" indent="-171450">
+              <a:buFont typeface="Arial" panose="020B0604020202020204" pitchFamily="34" charset="0"/>
+              <a:buChar char="•"/>
+            </a:pPr>
+            <a:r>
+              <a:rPr lang="de-DE" dirty="0"/>
               <a:t>Kurz erklären, wie der Backpropagation Algorithmus abläuft</a:t>
             </a:r>
           </a:p>
@@ -1385,14 +1499,47 @@
           <a:bodyPr/>
           <a:lstStyle/>
           <a:p>
-            <a:pPr marL="171450" indent="-171450">
+            <a:pPr marL="285750" indent="-285750">
               <a:buFont typeface="Arial" panose="020B0604020202020204" pitchFamily="34" charset="0"/>
               <a:buChar char="•"/>
             </a:pPr>
             <a:r>
-              <a:rPr lang="de-DE" dirty="0"/>
-              <a:t>Auf die Dimensionen eingehen</a:t>
-            </a:r>
+              <a:rPr lang="de-DE" sz="1200" dirty="0"/>
+              <a:t>Stapeln von M Fehlersignalen jedes Datums entlang </a:t>
+            </a:r>
+            <a:r>
+              <a:rPr lang="de-DE" sz="1200" dirty="0" err="1"/>
+              <a:t>axis</a:t>
+            </a:r>
+            <a:r>
+              <a:rPr lang="de-DE" sz="1200" dirty="0"/>
+              <a:t>=0</a:t>
+            </a:r>
+          </a:p>
+          <a:p>
+            <a:pPr marL="285750" indent="-285750">
+              <a:buFont typeface="Arial" panose="020B0604020202020204" pitchFamily="34" charset="0"/>
+              <a:buChar char="•"/>
+            </a:pPr>
+            <a:r>
+              <a:rPr lang="de-DE" sz="1200" dirty="0"/>
+              <a:t>„Gleichzeitige“ Berechnung von batch-size Fehlersignalen ohne explizite </a:t>
+            </a:r>
+            <a:r>
+              <a:rPr lang="de-DE" sz="1200" dirty="0" err="1"/>
+              <a:t>for</a:t>
+            </a:r>
+            <a:r>
+              <a:rPr lang="de-DE" sz="1200" dirty="0"/>
+              <a:t>-loop</a:t>
+            </a:r>
+          </a:p>
+          <a:p>
+            <a:pPr marL="0" indent="0">
+              <a:buFont typeface="Arial" panose="020B0604020202020204" pitchFamily="34" charset="0"/>
+              <a:buNone/>
+            </a:pPr>
+            <a:endParaRPr lang="de-DE" dirty="0"/>
           </a:p>
         </p:txBody>
       </p:sp>
@@ -1499,6 +1646,29 @@
             </a:r>
           </a:p>
           <a:p>
+            <a:pPr marL="171450" marR="0" lvl="0" indent="-171450" algn="l" defTabSz="914400" rtl="0" eaLnBrk="1" fontAlgn="auto" latinLnBrk="0" hangingPunct="1">
+              <a:lnSpc>
+                <a:spcPct val="100000"/>
+              </a:lnSpc>
+              <a:spcBef>
+                <a:spcPts val="0"/>
+              </a:spcBef>
+              <a:spcAft>
+                <a:spcPts val="0"/>
+              </a:spcAft>
+              <a:buClrTx/>
+              <a:buSzTx/>
+              <a:buFont typeface="Arial" panose="020B0604020202020204" pitchFamily="34" charset="0"/>
+              <a:buChar char="•"/>
+              <a:tabLst/>
+              <a:defRPr/>
+            </a:pPr>
+            <a:r>
+              <a:rPr lang="de-DE" sz="1200" dirty="0"/>
+              <a:t>Auf Dimensionen eingehen</a:t>
+            </a:r>
+          </a:p>
+          <a:p>
             <a:pPr marL="171450" indent="-171450">
               <a:buFont typeface="Arial" panose="020B0604020202020204" pitchFamily="34" charset="0"/>
               <a:buChar char="•"/>
@@ -1690,7 +1860,7 @@
           <a:p>
             <a:fld id="{E47F9164-12F9-48A6-9622-CDF71CB57A75}" type="datetimeFigureOut">
               <a:rPr lang="de-DE" smtClean="0"/>
-              <a:t>01.05.2022</a:t>
+              <a:t>02.05.2022</a:t>
             </a:fld>
             <a:endParaRPr lang="de-DE"/>
           </a:p>
@@ -1888,7 +2058,7 @@
           <a:p>
             <a:fld id="{E47F9164-12F9-48A6-9622-CDF71CB57A75}" type="datetimeFigureOut">
               <a:rPr lang="de-DE" smtClean="0"/>
-              <a:t>01.05.2022</a:t>
+              <a:t>02.05.2022</a:t>
             </a:fld>
             <a:endParaRPr lang="de-DE"/>
           </a:p>
@@ -2096,7 +2266,7 @@
           <a:p>
             <a:fld id="{E47F9164-12F9-48A6-9622-CDF71CB57A75}" type="datetimeFigureOut">
               <a:rPr lang="de-DE" smtClean="0"/>
-              <a:t>01.05.2022</a:t>
+              <a:t>02.05.2022</a:t>
             </a:fld>
             <a:endParaRPr lang="de-DE"/>
           </a:p>
@@ -2294,7 +2464,7 @@
           <a:p>
             <a:fld id="{E47F9164-12F9-48A6-9622-CDF71CB57A75}" type="datetimeFigureOut">
               <a:rPr lang="de-DE" smtClean="0"/>
-              <a:t>01.05.2022</a:t>
+              <a:t>02.05.2022</a:t>
             </a:fld>
             <a:endParaRPr lang="de-DE"/>
           </a:p>
@@ -2569,7 +2739,7 @@
           <a:p>
             <a:fld id="{E47F9164-12F9-48A6-9622-CDF71CB57A75}" type="datetimeFigureOut">
               <a:rPr lang="de-DE" smtClean="0"/>
-              <a:t>01.05.2022</a:t>
+              <a:t>02.05.2022</a:t>
             </a:fld>
             <a:endParaRPr lang="de-DE"/>
           </a:p>
@@ -2834,7 +3004,7 @@
           <a:p>
             <a:fld id="{E47F9164-12F9-48A6-9622-CDF71CB57A75}" type="datetimeFigureOut">
               <a:rPr lang="de-DE" smtClean="0"/>
-              <a:t>01.05.2022</a:t>
+              <a:t>02.05.2022</a:t>
             </a:fld>
             <a:endParaRPr lang="de-DE"/>
           </a:p>
@@ -3246,7 +3416,7 @@
           <a:p>
             <a:fld id="{E47F9164-12F9-48A6-9622-CDF71CB57A75}" type="datetimeFigureOut">
               <a:rPr lang="de-DE" smtClean="0"/>
-              <a:t>01.05.2022</a:t>
+              <a:t>02.05.2022</a:t>
             </a:fld>
             <a:endParaRPr lang="de-DE"/>
           </a:p>
@@ -3387,7 +3557,7 @@
           <a:p>
             <a:fld id="{E47F9164-12F9-48A6-9622-CDF71CB57A75}" type="datetimeFigureOut">
               <a:rPr lang="de-DE" smtClean="0"/>
-              <a:t>01.05.2022</a:t>
+              <a:t>02.05.2022</a:t>
             </a:fld>
             <a:endParaRPr lang="de-DE"/>
           </a:p>
@@ -3500,7 +3670,7 @@
           <a:p>
             <a:fld id="{E47F9164-12F9-48A6-9622-CDF71CB57A75}" type="datetimeFigureOut">
               <a:rPr lang="de-DE" smtClean="0"/>
-              <a:t>01.05.2022</a:t>
+              <a:t>02.05.2022</a:t>
             </a:fld>
             <a:endParaRPr lang="de-DE"/>
           </a:p>
@@ -3811,7 +3981,7 @@
           <a:p>
             <a:fld id="{E47F9164-12F9-48A6-9622-CDF71CB57A75}" type="datetimeFigureOut">
               <a:rPr lang="de-DE" smtClean="0"/>
-              <a:t>01.05.2022</a:t>
+              <a:t>02.05.2022</a:t>
             </a:fld>
             <a:endParaRPr lang="de-DE"/>
           </a:p>
@@ -4099,7 +4269,7 @@
           <a:p>
             <a:fld id="{E47F9164-12F9-48A6-9622-CDF71CB57A75}" type="datetimeFigureOut">
               <a:rPr lang="de-DE" smtClean="0"/>
-              <a:t>01.05.2022</a:t>
+              <a:t>02.05.2022</a:t>
             </a:fld>
             <a:endParaRPr lang="de-DE"/>
           </a:p>
@@ -4340,7 +4510,7 @@
           <a:p>
             <a:fld id="{E47F9164-12F9-48A6-9622-CDF71CB57A75}" type="datetimeFigureOut">
               <a:rPr lang="de-DE" smtClean="0"/>
-              <a:t>01.05.2022</a:t>
+              <a:t>02.05.2022</a:t>
             </a:fld>
             <a:endParaRPr lang="de-DE"/>
           </a:p>
@@ -5766,32 +5936,201 @@
           <a:bodyPr/>
           <a:lstStyle/>
           <a:p>
-            <a:endParaRPr lang="de-DE"/>
+            <a:r>
+              <a:rPr kumimoji="0" lang="de-DE" sz="4400" b="0" i="0" u="none" strike="noStrike" kern="1200" cap="none" spc="0" normalizeH="0" baseline="0" noProof="0" dirty="0">
+                <a:ln>
+                  <a:noFill/>
+                </a:ln>
+                <a:solidFill>
+                  <a:prstClr val="black"/>
+                </a:solidFill>
+                <a:effectLst/>
+                <a:uLnTx/>
+                <a:uFillTx/>
+                <a:latin typeface="Calibri Light" panose="020F0302020204030204"/>
+                <a:ea typeface="+mj-ea"/>
+                <a:cs typeface="+mj-cs"/>
+              </a:rPr>
+              <a:t>Mathematische Herleitungen</a:t>
+            </a:r>
+            <a:br>
+              <a:rPr kumimoji="0" lang="de-DE" sz="4400" b="0" i="0" u="none" strike="noStrike" kern="1200" cap="none" spc="0" normalizeH="0" baseline="0" noProof="0" dirty="0">
+                <a:ln>
+                  <a:noFill/>
+                </a:ln>
+                <a:solidFill>
+                  <a:prstClr val="black"/>
+                </a:solidFill>
+                <a:effectLst/>
+                <a:uLnTx/>
+                <a:uFillTx/>
+                <a:latin typeface="Calibri Light" panose="020F0302020204030204"/>
+                <a:ea typeface="+mj-ea"/>
+                <a:cs typeface="+mj-cs"/>
+              </a:rPr>
+            </a:br>
+            <a:r>
+              <a:rPr kumimoji="0" lang="de-DE" sz="2400" b="0" i="0" u="none" strike="noStrike" kern="1200" cap="none" spc="0" normalizeH="0" baseline="0" noProof="0" dirty="0">
+                <a:ln>
+                  <a:noFill/>
+                </a:ln>
+                <a:solidFill>
+                  <a:prstClr val="black"/>
+                </a:solidFill>
+                <a:effectLst/>
+                <a:uLnTx/>
+                <a:uFillTx/>
+                <a:latin typeface="Calibri Light" panose="020F0302020204030204"/>
+                <a:ea typeface="+mj-ea"/>
+                <a:cs typeface="+mj-cs"/>
+              </a:rPr>
+              <a:t>Fehlersignal an einem beliebigem Hidden Layer für ein Batch von Daten</a:t>
+            </a:r>
+            <a:endParaRPr lang="de-DE" dirty="0"/>
+          </a:p>
+        </p:txBody>
+      </p:sp>
+      <p:pic>
+        <p:nvPicPr>
+          <p:cNvPr id="5" name="Picture 4">
+            <a:extLst>
+              <a:ext uri="{FF2B5EF4-FFF2-40B4-BE49-F238E27FC236}">
+                <a16:creationId xmlns:a16="http://schemas.microsoft.com/office/drawing/2014/main" id="{C52218E5-5798-7A1D-1130-37111F1D2CC4}"/>
+              </a:ext>
+            </a:extLst>
+          </p:cNvPr>
+          <p:cNvPicPr>
+            <a:picLocks noChangeAspect="1"/>
+          </p:cNvPicPr>
+          <p:nvPr/>
+        </p:nvPicPr>
+        <p:blipFill rotWithShape="1">
+          <a:blip r:embed="rId3"/>
+          <a:srcRect l="960" r="2192" b="17273"/>
+          <a:stretch/>
+        </p:blipFill>
+        <p:spPr>
+          <a:xfrm>
+            <a:off x="168815" y="1680880"/>
+            <a:ext cx="10728959" cy="2377645"/>
+          </a:xfrm>
+          <a:prstGeom prst="rect">
+            <a:avLst/>
+          </a:prstGeom>
+        </p:spPr>
+      </p:pic>
+      <p:pic>
+        <p:nvPicPr>
+          <p:cNvPr id="7" name="Picture 6">
+            <a:extLst>
+              <a:ext uri="{FF2B5EF4-FFF2-40B4-BE49-F238E27FC236}">
+                <a16:creationId xmlns:a16="http://schemas.microsoft.com/office/drawing/2014/main" id="{E4B3F011-AEA6-6515-75F8-6165E6EA2C20}"/>
+              </a:ext>
+            </a:extLst>
+          </p:cNvPr>
+          <p:cNvPicPr>
+            <a:picLocks noChangeAspect="1"/>
+          </p:cNvPicPr>
+          <p:nvPr/>
+        </p:nvPicPr>
+        <p:blipFill rotWithShape="1">
+          <a:blip r:embed="rId4"/>
+          <a:srcRect t="2944" r="1115" b="13573"/>
+          <a:stretch/>
+        </p:blipFill>
+        <p:spPr>
+          <a:xfrm>
+            <a:off x="168815" y="4377692"/>
+            <a:ext cx="10728959" cy="2249315"/>
+          </a:xfrm>
+          <a:prstGeom prst="rect">
+            <a:avLst/>
+          </a:prstGeom>
+        </p:spPr>
+      </p:pic>
+      <p:sp>
+        <p:nvSpPr>
+          <p:cNvPr id="8" name="TextBox 7">
+            <a:extLst>
+              <a:ext uri="{FF2B5EF4-FFF2-40B4-BE49-F238E27FC236}">
+                <a16:creationId xmlns:a16="http://schemas.microsoft.com/office/drawing/2014/main" id="{0A3E9498-2E47-6DE2-3871-BE3E19CDBFFA}"/>
+              </a:ext>
+            </a:extLst>
+          </p:cNvPr>
+          <p:cNvSpPr txBox="1"/>
+          <p:nvPr/>
+        </p:nvSpPr>
+        <p:spPr>
+          <a:xfrm>
+            <a:off x="11029072" y="2664858"/>
+            <a:ext cx="1059766" cy="738664"/>
+          </a:xfrm>
+          <a:prstGeom prst="rect">
+            <a:avLst/>
+          </a:prstGeom>
+          <a:noFill/>
+        </p:spPr>
+        <p:txBody>
+          <a:bodyPr wrap="square" rtlCol="0">
+            <a:spAutoFit/>
+          </a:bodyPr>
+          <a:lstStyle/>
+          <a:p>
+            <a:r>
+              <a:rPr lang="de-DE" sz="1400" dirty="0"/>
+              <a:t>Allgemein-</a:t>
+            </a:r>
+          </a:p>
+          <a:p>
+            <a:r>
+              <a:rPr lang="de-DE" sz="1400" dirty="0"/>
+              <a:t>gültige Lösung</a:t>
+            </a:r>
           </a:p>
         </p:txBody>
       </p:sp>
       <p:sp>
         <p:nvSpPr>
-          <p:cNvPr id="3" name="Content Placeholder 2">
-            <a:extLst>
-              <a:ext uri="{FF2B5EF4-FFF2-40B4-BE49-F238E27FC236}">
-                <a16:creationId xmlns:a16="http://schemas.microsoft.com/office/drawing/2014/main" id="{80FDD0F2-45E6-44BA-9B3F-C48279462AE4}"/>
-              </a:ext>
-            </a:extLst>
-          </p:cNvPr>
-          <p:cNvSpPr>
-            <a:spLocks noGrp="1"/>
-          </p:cNvSpPr>
-          <p:nvPr>
-            <p:ph idx="1"/>
-          </p:nvPr>
+          <p:cNvPr id="9" name="TextBox 8">
+            <a:extLst>
+              <a:ext uri="{FF2B5EF4-FFF2-40B4-BE49-F238E27FC236}">
+                <a16:creationId xmlns:a16="http://schemas.microsoft.com/office/drawing/2014/main" id="{95D52D75-3BC5-83FB-D4B7-3D31BE9C66C8}"/>
+              </a:ext>
+            </a:extLst>
+          </p:cNvPr>
+          <p:cNvSpPr txBox="1"/>
+          <p:nvPr/>
         </p:nvSpPr>
-        <p:spPr/>
+        <p:spPr>
+          <a:xfrm>
+            <a:off x="11029072" y="4897902"/>
+            <a:ext cx="1162928" cy="1169551"/>
+          </a:xfrm>
+          <a:prstGeom prst="rect">
+            <a:avLst/>
+          </a:prstGeom>
+          <a:noFill/>
+        </p:spPr>
         <p:txBody>
-          <a:bodyPr/>
+          <a:bodyPr wrap="square" rtlCol="0">
+            <a:spAutoFit/>
+          </a:bodyPr>
           <a:lstStyle/>
           <a:p>
-            <a:endParaRPr lang="de-DE"/>
+            <a:r>
+              <a:rPr lang="de-DE" sz="1400" dirty="0"/>
+              <a:t>Lösung bei Sigmoid Aktivierungs-</a:t>
+            </a:r>
+          </a:p>
+          <a:p>
+            <a:r>
+              <a:rPr lang="de-DE" sz="1400" dirty="0" err="1"/>
+              <a:t>funktion</a:t>
+            </a:r>
+            <a:r>
+              <a:rPr lang="de-DE" sz="1400" dirty="0"/>
+              <a:t> im Hidden Layer</a:t>
+            </a:r>
           </a:p>
         </p:txBody>
       </p:sp>
@@ -5805,6 +6144,184 @@
   <p:clrMapOvr>
     <a:masterClrMapping/>
   </p:clrMapOvr>
+  <p:timing>
+    <p:tnLst>
+      <p:par>
+        <p:cTn id="1" dur="indefinite" restart="never" nodeType="tmRoot">
+          <p:childTnLst>
+            <p:seq concurrent="1" nextAc="seek">
+              <p:cTn id="2" dur="indefinite" nodeType="mainSeq">
+                <p:childTnLst>
+                  <p:par>
+                    <p:cTn id="3" fill="hold">
+                      <p:stCondLst>
+                        <p:cond delay="indefinite"/>
+                      </p:stCondLst>
+                      <p:childTnLst>
+                        <p:par>
+                          <p:cTn id="4" fill="hold">
+                            <p:stCondLst>
+                              <p:cond delay="0"/>
+                            </p:stCondLst>
+                            <p:childTnLst>
+                              <p:par>
+                                <p:cTn id="5" presetID="1" presetClass="entr" presetSubtype="0" fill="hold" nodeType="clickEffect">
+                                  <p:stCondLst>
+                                    <p:cond delay="0"/>
+                                  </p:stCondLst>
+                                  <p:childTnLst>
+                                    <p:set>
+                                      <p:cBhvr>
+                                        <p:cTn id="6" dur="1" fill="hold">
+                                          <p:stCondLst>
+                                            <p:cond delay="0"/>
+                                          </p:stCondLst>
+                                        </p:cTn>
+                                        <p:tgtEl>
+                                          <p:spTgt spid="5"/>
+                                        </p:tgtEl>
+                                        <p:attrNameLst>
+                                          <p:attrName>style.visibility</p:attrName>
+                                        </p:attrNameLst>
+                                      </p:cBhvr>
+                                      <p:to>
+                                        <p:strVal val="visible"/>
+                                      </p:to>
+                                    </p:set>
+                                  </p:childTnLst>
+                                </p:cTn>
+                              </p:par>
+                              <p:par>
+                                <p:cTn id="7" presetID="1" presetClass="entr" presetSubtype="0" fill="hold" grpId="0" nodeType="withEffect">
+                                  <p:stCondLst>
+                                    <p:cond delay="0"/>
+                                  </p:stCondLst>
+                                  <p:childTnLst>
+                                    <p:set>
+                                      <p:cBhvr>
+                                        <p:cTn id="8" dur="1" fill="hold">
+                                          <p:stCondLst>
+                                            <p:cond delay="0"/>
+                                          </p:stCondLst>
+                                        </p:cTn>
+                                        <p:tgtEl>
+                                          <p:spTgt spid="8"/>
+                                        </p:tgtEl>
+                                        <p:attrNameLst>
+                                          <p:attrName>style.visibility</p:attrName>
+                                        </p:attrNameLst>
+                                      </p:cBhvr>
+                                      <p:to>
+                                        <p:strVal val="visible"/>
+                                      </p:to>
+                                    </p:set>
+                                  </p:childTnLst>
+                                </p:cTn>
+                              </p:par>
+                            </p:childTnLst>
+                          </p:cTn>
+                        </p:par>
+                      </p:childTnLst>
+                    </p:cTn>
+                  </p:par>
+                  <p:par>
+                    <p:cTn id="9" fill="hold">
+                      <p:stCondLst>
+                        <p:cond delay="indefinite"/>
+                      </p:stCondLst>
+                      <p:childTnLst>
+                        <p:par>
+                          <p:cTn id="10" fill="hold">
+                            <p:stCondLst>
+                              <p:cond delay="0"/>
+                            </p:stCondLst>
+                            <p:childTnLst>
+                              <p:par>
+                                <p:cTn id="11" presetID="1" presetClass="entr" presetSubtype="0" fill="hold" nodeType="clickEffect">
+                                  <p:stCondLst>
+                                    <p:cond delay="0"/>
+                                  </p:stCondLst>
+                                  <p:childTnLst>
+                                    <p:set>
+                                      <p:cBhvr>
+                                        <p:cTn id="12" dur="1" fill="hold">
+                                          <p:stCondLst>
+                                            <p:cond delay="0"/>
+                                          </p:stCondLst>
+                                        </p:cTn>
+                                        <p:tgtEl>
+                                          <p:spTgt spid="7"/>
+                                        </p:tgtEl>
+                                        <p:attrNameLst>
+                                          <p:attrName>style.visibility</p:attrName>
+                                        </p:attrNameLst>
+                                      </p:cBhvr>
+                                      <p:to>
+                                        <p:strVal val="visible"/>
+                                      </p:to>
+                                    </p:set>
+                                  </p:childTnLst>
+                                </p:cTn>
+                              </p:par>
+                              <p:par>
+                                <p:cTn id="13" presetID="1" presetClass="entr" presetSubtype="0" fill="hold" grpId="0" nodeType="withEffect">
+                                  <p:stCondLst>
+                                    <p:cond delay="0"/>
+                                  </p:stCondLst>
+                                  <p:childTnLst>
+                                    <p:set>
+                                      <p:cBhvr>
+                                        <p:cTn id="14" dur="1" fill="hold">
+                                          <p:stCondLst>
+                                            <p:cond delay="0"/>
+                                          </p:stCondLst>
+                                        </p:cTn>
+                                        <p:tgtEl>
+                                          <p:spTgt spid="9"/>
+                                        </p:tgtEl>
+                                        <p:attrNameLst>
+                                          <p:attrName>style.visibility</p:attrName>
+                                        </p:attrNameLst>
+                                      </p:cBhvr>
+                                      <p:to>
+                                        <p:strVal val="visible"/>
+                                      </p:to>
+                                    </p:set>
+                                  </p:childTnLst>
+                                </p:cTn>
+                              </p:par>
+                            </p:childTnLst>
+                          </p:cTn>
+                        </p:par>
+                      </p:childTnLst>
+                    </p:cTn>
+                  </p:par>
+                </p:childTnLst>
+              </p:cTn>
+              <p:prevCondLst>
+                <p:cond evt="onPrev" delay="0">
+                  <p:tgtEl>
+                    <p:sldTgt/>
+                  </p:tgtEl>
+                </p:cond>
+              </p:prevCondLst>
+              <p:nextCondLst>
+                <p:cond evt="onNext" delay="0">
+                  <p:tgtEl>
+                    <p:sldTgt/>
+                  </p:tgtEl>
+                </p:cond>
+              </p:nextCondLst>
+            </p:seq>
+          </p:childTnLst>
+        </p:cTn>
+      </p:par>
+    </p:tnLst>
+    <p:bldLst>
+      <p:bldP spid="8" grpId="0"/>
+      <p:bldP spid="9" grpId="0"/>
+    </p:bldLst>
+  </p:timing>
 </p:sld>
 </file>
 
@@ -7785,8 +8302,8 @@
           </a:prstGeom>
         </p:spPr>
       </p:pic>
-      <mc:AlternateContent xmlns:mc="http://schemas.openxmlformats.org/markup-compatibility/2006">
-        <mc:Choice xmlns:a14="http://schemas.microsoft.com/office/drawing/2010/main" Requires="a14">
+      <mc:AlternateContent xmlns:mc="http://schemas.openxmlformats.org/markup-compatibility/2006" xmlns:a14="http://schemas.microsoft.com/office/drawing/2010/main">
+        <mc:Choice Requires="a14">
           <p:sp>
             <p:nvSpPr>
               <p:cNvPr id="14" name="Textfeld 13">
@@ -8072,7 +8589,7 @@
             </p:txBody>
           </p:sp>
         </mc:Choice>
-        <mc:Fallback>
+        <mc:Fallback xmlns="">
           <p:sp>
             <p:nvSpPr>
               <p:cNvPr id="14" name="Textfeld 13">
@@ -8433,8 +8950,8 @@
           </a:prstGeom>
         </p:spPr>
       </p:pic>
-      <mc:AlternateContent xmlns:mc="http://schemas.openxmlformats.org/markup-compatibility/2006">
-        <mc:Choice xmlns:a14="http://schemas.microsoft.com/office/drawing/2010/main" Requires="a14">
+      <mc:AlternateContent xmlns:mc="http://schemas.openxmlformats.org/markup-compatibility/2006" xmlns:a14="http://schemas.microsoft.com/office/drawing/2010/main">
+        <mc:Choice Requires="a14">
           <p:sp>
             <p:nvSpPr>
               <p:cNvPr id="10" name="Textfeld 9">
@@ -8509,7 +9026,7 @@
             </p:txBody>
           </p:sp>
         </mc:Choice>
-        <mc:Fallback>
+        <mc:Fallback xmlns="">
           <p:sp>
             <p:nvSpPr>
               <p:cNvPr id="10" name="Textfeld 9">
@@ -8554,8 +9071,8 @@
           </p:sp>
         </mc:Fallback>
       </mc:AlternateContent>
-      <mc:AlternateContent xmlns:mc="http://schemas.openxmlformats.org/markup-compatibility/2006">
-        <mc:Choice xmlns:a14="http://schemas.microsoft.com/office/drawing/2010/main" Requires="a14">
+      <mc:AlternateContent xmlns:mc="http://schemas.openxmlformats.org/markup-compatibility/2006" xmlns:a14="http://schemas.microsoft.com/office/drawing/2010/main">
+        <mc:Choice Requires="a14">
           <p:sp>
             <p:nvSpPr>
               <p:cNvPr id="14" name="Textfeld 13">
@@ -8661,7 +9178,7 @@
             </p:txBody>
           </p:sp>
         </mc:Choice>
-        <mc:Fallback>
+        <mc:Fallback xmlns="">
           <p:sp>
             <p:nvSpPr>
               <p:cNvPr id="14" name="Textfeld 13">
@@ -8706,8 +9223,8 @@
           </p:sp>
         </mc:Fallback>
       </mc:AlternateContent>
-      <mc:AlternateContent xmlns:mc="http://schemas.openxmlformats.org/markup-compatibility/2006">
-        <mc:Choice xmlns:a14="http://schemas.microsoft.com/office/drawing/2010/main" Requires="a14">
+      <mc:AlternateContent xmlns:mc="http://schemas.openxmlformats.org/markup-compatibility/2006" xmlns:a14="http://schemas.microsoft.com/office/drawing/2010/main">
+        <mc:Choice Requires="a14">
           <p:sp>
             <p:nvSpPr>
               <p:cNvPr id="15" name="Textfeld 14">
@@ -8788,7 +9305,7 @@
             </p:txBody>
           </p:sp>
         </mc:Choice>
-        <mc:Fallback>
+        <mc:Fallback xmlns="">
           <p:sp>
             <p:nvSpPr>
               <p:cNvPr id="15" name="Textfeld 14">
@@ -8833,8 +9350,8 @@
           </p:sp>
         </mc:Fallback>
       </mc:AlternateContent>
-      <mc:AlternateContent xmlns:mc="http://schemas.openxmlformats.org/markup-compatibility/2006">
-        <mc:Choice xmlns:a14="http://schemas.microsoft.com/office/drawing/2010/main" Requires="a14">
+      <mc:AlternateContent xmlns:mc="http://schemas.openxmlformats.org/markup-compatibility/2006" xmlns:a14="http://schemas.microsoft.com/office/drawing/2010/main">
+        <mc:Choice Requires="a14">
           <p:sp>
             <p:nvSpPr>
               <p:cNvPr id="16" name="Textfeld 15">
@@ -8909,7 +9426,7 @@
             </p:txBody>
           </p:sp>
         </mc:Choice>
-        <mc:Fallback>
+        <mc:Fallback xmlns="">
           <p:sp>
             <p:nvSpPr>
               <p:cNvPr id="16" name="Textfeld 15">
@@ -8954,8 +9471,8 @@
           </p:sp>
         </mc:Fallback>
       </mc:AlternateContent>
-      <mc:AlternateContent xmlns:mc="http://schemas.openxmlformats.org/markup-compatibility/2006">
-        <mc:Choice xmlns:a14="http://schemas.microsoft.com/office/drawing/2010/main" Requires="a14">
+      <mc:AlternateContent xmlns:mc="http://schemas.openxmlformats.org/markup-compatibility/2006" xmlns:a14="http://schemas.microsoft.com/office/drawing/2010/main">
+        <mc:Choice Requires="a14">
           <p:sp>
             <p:nvSpPr>
               <p:cNvPr id="17" name="Textfeld 16">
@@ -9030,7 +9547,7 @@
             </p:txBody>
           </p:sp>
         </mc:Choice>
-        <mc:Fallback>
+        <mc:Fallback xmlns="">
           <p:sp>
             <p:nvSpPr>
               <p:cNvPr id="17" name="Textfeld 16">
@@ -9075,8 +9592,8 @@
           </p:sp>
         </mc:Fallback>
       </mc:AlternateContent>
-      <mc:AlternateContent xmlns:mc="http://schemas.openxmlformats.org/markup-compatibility/2006">
-        <mc:Choice xmlns:a14="http://schemas.microsoft.com/office/drawing/2010/main" Requires="a14">
+      <mc:AlternateContent xmlns:mc="http://schemas.openxmlformats.org/markup-compatibility/2006" xmlns:a14="http://schemas.microsoft.com/office/drawing/2010/main">
+        <mc:Choice Requires="a14">
           <p:sp>
             <p:nvSpPr>
               <p:cNvPr id="18" name="Textfeld 17">
@@ -9151,7 +9668,7 @@
             </p:txBody>
           </p:sp>
         </mc:Choice>
-        <mc:Fallback>
+        <mc:Fallback xmlns="">
           <p:sp>
             <p:nvSpPr>
               <p:cNvPr id="18" name="Textfeld 17">
@@ -10380,8 +10897,8 @@
           </a:prstGeom>
         </p:spPr>
       </p:pic>
-      <mc:AlternateContent xmlns:mc="http://schemas.openxmlformats.org/markup-compatibility/2006">
-        <mc:Choice xmlns:a14="http://schemas.microsoft.com/office/drawing/2010/main" Requires="a14">
+      <mc:AlternateContent xmlns:mc="http://schemas.openxmlformats.org/markup-compatibility/2006" xmlns:a14="http://schemas.microsoft.com/office/drawing/2010/main">
+        <mc:Choice Requires="a14">
           <p:sp>
             <p:nvSpPr>
               <p:cNvPr id="19" name="Textfeld 18">
@@ -10468,7 +10985,7 @@
             </p:txBody>
           </p:sp>
         </mc:Choice>
-        <mc:Fallback>
+        <mc:Fallback xmlns="">
           <p:sp>
             <p:nvSpPr>
               <p:cNvPr id="19" name="Textfeld 18">
@@ -10513,8 +11030,8 @@
           </p:sp>
         </mc:Fallback>
       </mc:AlternateContent>
-      <mc:AlternateContent xmlns:mc="http://schemas.openxmlformats.org/markup-compatibility/2006">
-        <mc:Choice xmlns:a14="http://schemas.microsoft.com/office/drawing/2010/main" Requires="a14">
+      <mc:AlternateContent xmlns:mc="http://schemas.openxmlformats.org/markup-compatibility/2006" xmlns:a14="http://schemas.microsoft.com/office/drawing/2010/main">
+        <mc:Choice Requires="a14">
           <p:sp>
             <p:nvSpPr>
               <p:cNvPr id="21" name="Textfeld 20">
@@ -10632,7 +11149,7 @@
             </p:txBody>
           </p:sp>
         </mc:Choice>
-        <mc:Fallback>
+        <mc:Fallback xmlns="">
           <p:sp>
             <p:nvSpPr>
               <p:cNvPr id="21" name="Textfeld 20">
@@ -10677,8 +11194,8 @@
           </p:sp>
         </mc:Fallback>
       </mc:AlternateContent>
-      <mc:AlternateContent xmlns:mc="http://schemas.openxmlformats.org/markup-compatibility/2006">
-        <mc:Choice xmlns:a14="http://schemas.microsoft.com/office/drawing/2010/main" Requires="a14">
+      <mc:AlternateContent xmlns:mc="http://schemas.openxmlformats.org/markup-compatibility/2006" xmlns:a14="http://schemas.microsoft.com/office/drawing/2010/main">
+        <mc:Choice Requires="a14">
           <p:sp>
             <p:nvSpPr>
               <p:cNvPr id="23" name="Textfeld 22">
@@ -10771,7 +11288,7 @@
             </p:txBody>
           </p:sp>
         </mc:Choice>
-        <mc:Fallback>
+        <mc:Fallback xmlns="">
           <p:sp>
             <p:nvSpPr>
               <p:cNvPr id="23" name="Textfeld 22">
@@ -10816,8 +11333,8 @@
           </p:sp>
         </mc:Fallback>
       </mc:AlternateContent>
-      <mc:AlternateContent xmlns:mc="http://schemas.openxmlformats.org/markup-compatibility/2006">
-        <mc:Choice xmlns:a14="http://schemas.microsoft.com/office/drawing/2010/main" Requires="a14">
+      <mc:AlternateContent xmlns:mc="http://schemas.openxmlformats.org/markup-compatibility/2006" xmlns:a14="http://schemas.microsoft.com/office/drawing/2010/main">
+        <mc:Choice Requires="a14">
           <p:sp>
             <p:nvSpPr>
               <p:cNvPr id="24" name="Textfeld 23">
@@ -10904,7 +11421,7 @@
             </p:txBody>
           </p:sp>
         </mc:Choice>
-        <mc:Fallback>
+        <mc:Fallback xmlns="">
           <p:sp>
             <p:nvSpPr>
               <p:cNvPr id="24" name="Textfeld 23">
@@ -10949,8 +11466,8 @@
           </p:sp>
         </mc:Fallback>
       </mc:AlternateContent>
-      <mc:AlternateContent xmlns:mc="http://schemas.openxmlformats.org/markup-compatibility/2006">
-        <mc:Choice xmlns:a14="http://schemas.microsoft.com/office/drawing/2010/main" Requires="a14">
+      <mc:AlternateContent xmlns:mc="http://schemas.openxmlformats.org/markup-compatibility/2006" xmlns:a14="http://schemas.microsoft.com/office/drawing/2010/main">
+        <mc:Choice Requires="a14">
           <p:sp>
             <p:nvSpPr>
               <p:cNvPr id="25" name="Textfeld 24">
@@ -11037,7 +11554,7 @@
             </p:txBody>
           </p:sp>
         </mc:Choice>
-        <mc:Fallback>
+        <mc:Fallback xmlns="">
           <p:sp>
             <p:nvSpPr>
               <p:cNvPr id="25" name="Textfeld 24">
@@ -11082,8 +11599,8 @@
           </p:sp>
         </mc:Fallback>
       </mc:AlternateContent>
-      <mc:AlternateContent xmlns:mc="http://schemas.openxmlformats.org/markup-compatibility/2006">
-        <mc:Choice xmlns:a14="http://schemas.microsoft.com/office/drawing/2010/main" Requires="a14">
+      <mc:AlternateContent xmlns:mc="http://schemas.openxmlformats.org/markup-compatibility/2006" xmlns:a14="http://schemas.microsoft.com/office/drawing/2010/main">
+        <mc:Choice Requires="a14">
           <p:sp>
             <p:nvSpPr>
               <p:cNvPr id="26" name="Textfeld 25">
@@ -11170,7 +11687,7 @@
             </p:txBody>
           </p:sp>
         </mc:Choice>
-        <mc:Fallback>
+        <mc:Fallback xmlns="">
           <p:sp>
             <p:nvSpPr>
               <p:cNvPr id="26" name="Textfeld 25">
@@ -12057,8 +12574,8 @@
           </a:p>
         </p:txBody>
       </p:sp>
-      <mc:AlternateContent xmlns:mc="http://schemas.openxmlformats.org/markup-compatibility/2006">
-        <mc:Choice xmlns:a14="http://schemas.microsoft.com/office/drawing/2010/main" Requires="a14">
+      <mc:AlternateContent xmlns:mc="http://schemas.openxmlformats.org/markup-compatibility/2006" xmlns:a14="http://schemas.microsoft.com/office/drawing/2010/main">
+        <mc:Choice Requires="a14">
           <p:sp>
             <p:nvSpPr>
               <p:cNvPr id="30" name="TextBox 29">
@@ -12133,7 +12650,7 @@
             </p:txBody>
           </p:sp>
         </mc:Choice>
-        <mc:Fallback>
+        <mc:Fallback xmlns="">
           <p:sp>
             <p:nvSpPr>
               <p:cNvPr id="30" name="TextBox 29">
@@ -12178,8 +12695,8 @@
           </p:sp>
         </mc:Fallback>
       </mc:AlternateContent>
-      <mc:AlternateContent xmlns:mc="http://schemas.openxmlformats.org/markup-compatibility/2006">
-        <mc:Choice xmlns:a14="http://schemas.microsoft.com/office/drawing/2010/main" Requires="a14">
+      <mc:AlternateContent xmlns:mc="http://schemas.openxmlformats.org/markup-compatibility/2006" xmlns:a14="http://schemas.microsoft.com/office/drawing/2010/main">
+        <mc:Choice Requires="a14">
           <p:sp>
             <p:nvSpPr>
               <p:cNvPr id="31" name="TextBox 30">
@@ -12260,7 +12777,7 @@
             </p:txBody>
           </p:sp>
         </mc:Choice>
-        <mc:Fallback>
+        <mc:Fallback xmlns="">
           <p:sp>
             <p:nvSpPr>
               <p:cNvPr id="31" name="TextBox 30">
@@ -12305,8 +12822,8 @@
           </p:sp>
         </mc:Fallback>
       </mc:AlternateContent>
-      <mc:AlternateContent xmlns:mc="http://schemas.openxmlformats.org/markup-compatibility/2006">
-        <mc:Choice xmlns:a14="http://schemas.microsoft.com/office/drawing/2010/main" Requires="a14">
+      <mc:AlternateContent xmlns:mc="http://schemas.openxmlformats.org/markup-compatibility/2006" xmlns:a14="http://schemas.microsoft.com/office/drawing/2010/main">
+        <mc:Choice Requires="a14">
           <p:sp>
             <p:nvSpPr>
               <p:cNvPr id="32" name="TextBox 31">
@@ -12415,7 +12932,7 @@
             </p:txBody>
           </p:sp>
         </mc:Choice>
-        <mc:Fallback>
+        <mc:Fallback xmlns="">
           <p:sp>
             <p:nvSpPr>
               <p:cNvPr id="32" name="TextBox 31">
@@ -12460,8 +12977,8 @@
           </p:sp>
         </mc:Fallback>
       </mc:AlternateContent>
-      <mc:AlternateContent xmlns:mc="http://schemas.openxmlformats.org/markup-compatibility/2006">
-        <mc:Choice xmlns:a14="http://schemas.microsoft.com/office/drawing/2010/main" Requires="a14">
+      <mc:AlternateContent xmlns:mc="http://schemas.openxmlformats.org/markup-compatibility/2006" xmlns:a14="http://schemas.microsoft.com/office/drawing/2010/main">
+        <mc:Choice Requires="a14">
           <p:sp>
             <p:nvSpPr>
               <p:cNvPr id="33" name="TextBox 32">
@@ -12536,7 +13053,7 @@
             </p:txBody>
           </p:sp>
         </mc:Choice>
-        <mc:Fallback>
+        <mc:Fallback xmlns="">
           <p:sp>
             <p:nvSpPr>
               <p:cNvPr id="33" name="TextBox 32">
@@ -12671,8 +13188,8 @@
           </a:prstGeom>
         </p:spPr>
       </p:pic>
-      <mc:AlternateContent xmlns:mc="http://schemas.openxmlformats.org/markup-compatibility/2006">
-        <mc:Choice xmlns:a14="http://schemas.microsoft.com/office/drawing/2010/main" Requires="a14">
+      <mc:AlternateContent xmlns:mc="http://schemas.openxmlformats.org/markup-compatibility/2006" xmlns:a14="http://schemas.microsoft.com/office/drawing/2010/main">
+        <mc:Choice Requires="a14">
           <p:sp>
             <p:nvSpPr>
               <p:cNvPr id="40" name="TextBox 39">
@@ -12759,7 +13276,7 @@
             </p:txBody>
           </p:sp>
         </mc:Choice>
-        <mc:Fallback>
+        <mc:Fallback xmlns="">
           <p:sp>
             <p:nvSpPr>
               <p:cNvPr id="40" name="TextBox 39">
@@ -12804,8 +13321,8 @@
           </p:sp>
         </mc:Fallback>
       </mc:AlternateContent>
-      <mc:AlternateContent xmlns:mc="http://schemas.openxmlformats.org/markup-compatibility/2006">
-        <mc:Choice xmlns:a14="http://schemas.microsoft.com/office/drawing/2010/main" Requires="a14">
+      <mc:AlternateContent xmlns:mc="http://schemas.openxmlformats.org/markup-compatibility/2006" xmlns:a14="http://schemas.microsoft.com/office/drawing/2010/main">
+        <mc:Choice Requires="a14">
           <p:sp>
             <p:nvSpPr>
               <p:cNvPr id="41" name="TextBox 40">
@@ -12898,7 +13415,7 @@
             </p:txBody>
           </p:sp>
         </mc:Choice>
-        <mc:Fallback>
+        <mc:Fallback xmlns="">
           <p:sp>
             <p:nvSpPr>
               <p:cNvPr id="41" name="TextBox 40">
@@ -12943,8 +13460,8 @@
           </p:sp>
         </mc:Fallback>
       </mc:AlternateContent>
-      <mc:AlternateContent xmlns:mc="http://schemas.openxmlformats.org/markup-compatibility/2006">
-        <mc:Choice xmlns:a14="http://schemas.microsoft.com/office/drawing/2010/main" Requires="a14">
+      <mc:AlternateContent xmlns:mc="http://schemas.openxmlformats.org/markup-compatibility/2006" xmlns:a14="http://schemas.microsoft.com/office/drawing/2010/main">
+        <mc:Choice Requires="a14">
           <p:sp>
             <p:nvSpPr>
               <p:cNvPr id="42" name="TextBox 41">
@@ -13053,7 +13570,7 @@
             </p:txBody>
           </p:sp>
         </mc:Choice>
-        <mc:Fallback>
+        <mc:Fallback xmlns="">
           <p:sp>
             <p:nvSpPr>
               <p:cNvPr id="42" name="TextBox 41">
@@ -13098,8 +13615,8 @@
           </p:sp>
         </mc:Fallback>
       </mc:AlternateContent>
-      <mc:AlternateContent xmlns:mc="http://schemas.openxmlformats.org/markup-compatibility/2006">
-        <mc:Choice xmlns:a14="http://schemas.microsoft.com/office/drawing/2010/main" Requires="a14">
+      <mc:AlternateContent xmlns:mc="http://schemas.openxmlformats.org/markup-compatibility/2006" xmlns:a14="http://schemas.microsoft.com/office/drawing/2010/main">
+        <mc:Choice Requires="a14">
           <p:sp>
             <p:nvSpPr>
               <p:cNvPr id="43" name="TextBox 42">
@@ -13177,7 +13694,7 @@
             </p:txBody>
           </p:sp>
         </mc:Choice>
-        <mc:Fallback>
+        <mc:Fallback xmlns="">
           <p:sp>
             <p:nvSpPr>
               <p:cNvPr id="43" name="TextBox 42">
@@ -13271,8 +13788,8 @@
           </a:p>
         </p:txBody>
       </p:sp>
-      <mc:AlternateContent xmlns:mc="http://schemas.openxmlformats.org/markup-compatibility/2006">
-        <mc:Choice xmlns:a14="http://schemas.microsoft.com/office/drawing/2010/main" Requires="a14">
+      <mc:AlternateContent xmlns:mc="http://schemas.openxmlformats.org/markup-compatibility/2006" xmlns:a14="http://schemas.microsoft.com/office/drawing/2010/main">
+        <mc:Choice Requires="a14">
           <p:sp>
             <p:nvSpPr>
               <p:cNvPr id="45" name="TextBox 44">
@@ -13398,7 +13915,7 @@
             </p:txBody>
           </p:sp>
         </mc:Choice>
-        <mc:Fallback>
+        <mc:Fallback xmlns="">
           <p:sp>
             <p:nvSpPr>
               <p:cNvPr id="45" name="TextBox 44">
@@ -15391,59 +15908,10 @@
       </p:pic>
       <p:sp>
         <p:nvSpPr>
-          <p:cNvPr id="17" name="Geschweifte Klammer rechts 11">
-            <a:extLst>
-              <a:ext uri="{FF2B5EF4-FFF2-40B4-BE49-F238E27FC236}">
-                <a16:creationId xmlns:a16="http://schemas.microsoft.com/office/drawing/2014/main" id="{B20FF8CF-BE93-4CFE-B335-DDE06D454FA2}"/>
-              </a:ext>
-            </a:extLst>
-          </p:cNvPr>
-          <p:cNvSpPr/>
-          <p:nvPr/>
-        </p:nvSpPr>
-        <p:spPr>
-          <a:xfrm>
-            <a:off x="9372600" y="1690688"/>
-            <a:ext cx="360000" cy="4447519"/>
-          </a:xfrm>
-          <a:prstGeom prst="rightBrace">
-            <a:avLst/>
-          </a:prstGeom>
-          <a:ln>
-            <a:solidFill>
-              <a:schemeClr val="tx1"/>
-            </a:solidFill>
-          </a:ln>
-        </p:spPr>
-        <p:style>
-          <a:lnRef idx="1">
-            <a:schemeClr val="accent1"/>
-          </a:lnRef>
-          <a:fillRef idx="0">
-            <a:schemeClr val="accent1"/>
-          </a:fillRef>
-          <a:effectRef idx="0">
-            <a:schemeClr val="accent1"/>
-          </a:effectRef>
-          <a:fontRef idx="minor">
-            <a:schemeClr val="tx1"/>
-          </a:fontRef>
-        </p:style>
-        <p:txBody>
-          <a:bodyPr rtlCol="0" anchor="ctr"/>
-          <a:lstStyle/>
-          <a:p>
-            <a:pPr algn="ctr"/>
-            <a:endParaRPr lang="de-DE"/>
-          </a:p>
-        </p:txBody>
-      </p:sp>
-      <p:sp>
-        <p:nvSpPr>
-          <p:cNvPr id="3" name="TextBox 2">
-            <a:extLst>
-              <a:ext uri="{FF2B5EF4-FFF2-40B4-BE49-F238E27FC236}">
-                <a16:creationId xmlns:a16="http://schemas.microsoft.com/office/drawing/2014/main" id="{0E002AA4-5FF2-4368-A859-0C80D3B8081E}"/>
+          <p:cNvPr id="4" name="TextBox 3">
+            <a:extLst>
+              <a:ext uri="{FF2B5EF4-FFF2-40B4-BE49-F238E27FC236}">
+                <a16:creationId xmlns:a16="http://schemas.microsoft.com/office/drawing/2014/main" id="{917F4E52-9F09-7D04-CD35-AF0BA6A1AAA0}"/>
               </a:ext>
             </a:extLst>
           </p:cNvPr>
@@ -15452,8 +15920,8 @@
         </p:nvSpPr>
         <p:spPr>
           <a:xfrm>
-            <a:off x="9779442" y="3221950"/>
-            <a:ext cx="2384372" cy="1384995"/>
+            <a:off x="9576581" y="3121223"/>
+            <a:ext cx="2227385" cy="307777"/>
           </a:xfrm>
           <a:prstGeom prst="rect">
             <a:avLst/>
@@ -15466,39 +15934,44 @@
           </a:bodyPr>
           <a:lstStyle/>
           <a:p>
-            <a:pPr marL="285750" indent="-285750">
-              <a:buFont typeface="Arial" panose="020B0604020202020204" pitchFamily="34" charset="0"/>
-              <a:buChar char="•"/>
-            </a:pPr>
             <a:r>
               <a:rPr lang="de-DE" sz="1400" dirty="0"/>
-              <a:t>Stapeln der Fehler jedes Datums bei </a:t>
-            </a:r>
-            <a:r>
-              <a:rPr lang="de-DE" sz="1400" dirty="0" err="1"/>
-              <a:t>axis</a:t>
-            </a:r>
+              <a:t>Allgemeingültige Lösung</a:t>
+            </a:r>
+          </a:p>
+        </p:txBody>
+      </p:sp>
+      <p:sp>
+        <p:nvSpPr>
+          <p:cNvPr id="8" name="TextBox 7">
+            <a:extLst>
+              <a:ext uri="{FF2B5EF4-FFF2-40B4-BE49-F238E27FC236}">
+                <a16:creationId xmlns:a16="http://schemas.microsoft.com/office/drawing/2014/main" id="{8FA8B8AE-7704-0A2F-EBD1-B7F7C8C43993}"/>
+              </a:ext>
+            </a:extLst>
+          </p:cNvPr>
+          <p:cNvSpPr txBox="1"/>
+          <p:nvPr/>
+        </p:nvSpPr>
+        <p:spPr>
+          <a:xfrm>
+            <a:off x="6695050" y="5054855"/>
+            <a:ext cx="3358661" cy="523220"/>
+          </a:xfrm>
+          <a:prstGeom prst="rect">
+            <a:avLst/>
+          </a:prstGeom>
+          <a:noFill/>
+        </p:spPr>
+        <p:txBody>
+          <a:bodyPr wrap="square" rtlCol="0">
+            <a:spAutoFit/>
+          </a:bodyPr>
+          <a:lstStyle/>
+          <a:p>
             <a:r>
               <a:rPr lang="de-DE" sz="1400" dirty="0"/>
-              <a:t>=0</a:t>
-            </a:r>
-          </a:p>
-          <a:p>
-            <a:pPr marL="285750" indent="-285750">
-              <a:buFont typeface="Arial" panose="020B0604020202020204" pitchFamily="34" charset="0"/>
-              <a:buChar char="•"/>
-            </a:pPr>
-            <a:r>
-              <a:rPr lang="de-DE" sz="1400" dirty="0"/>
-              <a:t>„Gleichzeitige“ Berechnung von batch-size Fehlern ohne explizite </a:t>
-            </a:r>
-            <a:r>
-              <a:rPr lang="de-DE" sz="1400" dirty="0" err="1"/>
-              <a:t>for</a:t>
-            </a:r>
-            <a:r>
-              <a:rPr lang="de-DE" sz="1400" dirty="0"/>
-              <a:t>-loop</a:t>
+              <a:t>Lösung für eine Multi-Class Klassifikation mit Kreuzentropie Kostenfunktion</a:t>
             </a:r>
           </a:p>
         </p:txBody>
@@ -15560,39 +16033,21 @@
                                   </p:childTnLst>
                                 </p:cTn>
                               </p:par>
-                            </p:childTnLst>
-                          </p:cTn>
-                        </p:par>
-                      </p:childTnLst>
-                    </p:cTn>
-                  </p:par>
-                  <p:par>
-                    <p:cTn id="7" fill="hold">
-                      <p:stCondLst>
-                        <p:cond delay="indefinite"/>
-                      </p:stCondLst>
-                      <p:childTnLst>
-                        <p:par>
-                          <p:cTn id="8" fill="hold">
-                            <p:stCondLst>
-                              <p:cond delay="0"/>
-                            </p:stCondLst>
-                            <p:childTnLst>
                               <p:par>
-                                <p:cTn id="9" presetID="1" presetClass="entr" presetSubtype="0" fill="hold" nodeType="clickEffect">
+                                <p:cTn id="7" presetID="1" presetClass="entr" presetSubtype="0" fill="hold" grpId="0" nodeType="withEffect">
                                   <p:stCondLst>
                                     <p:cond delay="0"/>
                                   </p:stCondLst>
                                   <p:childTnLst>
                                     <p:set>
                                       <p:cBhvr>
-                                        <p:cTn id="10" dur="1" fill="hold">
+                                        <p:cTn id="8" dur="1" fill="hold">
                                           <p:stCondLst>
                                             <p:cond delay="0"/>
                                           </p:stCondLst>
                                         </p:cTn>
                                         <p:tgtEl>
-                                          <p:spTgt spid="16"/>
+                                          <p:spTgt spid="4"/>
                                         </p:tgtEl>
                                         <p:attrNameLst>
                                           <p:attrName>style.visibility</p:attrName>
@@ -15612,32 +16067,32 @@
                     </p:cTn>
                   </p:par>
                   <p:par>
-                    <p:cTn id="11" fill="hold">
+                    <p:cTn id="9" fill="hold">
                       <p:stCondLst>
                         <p:cond delay="indefinite"/>
                       </p:stCondLst>
                       <p:childTnLst>
                         <p:par>
-                          <p:cTn id="12" fill="hold">
+                          <p:cTn id="10" fill="hold">
                             <p:stCondLst>
                               <p:cond delay="0"/>
                             </p:stCondLst>
                             <p:childTnLst>
                               <p:par>
-                                <p:cTn id="13" presetID="1" presetClass="entr" presetSubtype="0" fill="hold" grpId="0" nodeType="clickEffect">
+                                <p:cTn id="11" presetID="1" presetClass="entr" presetSubtype="0" fill="hold" nodeType="clickEffect">
                                   <p:stCondLst>
                                     <p:cond delay="0"/>
                                   </p:stCondLst>
                                   <p:childTnLst>
                                     <p:set>
                                       <p:cBhvr>
-                                        <p:cTn id="14" dur="1" fill="hold">
+                                        <p:cTn id="12" dur="1" fill="hold">
                                           <p:stCondLst>
                                             <p:cond delay="0"/>
                                           </p:stCondLst>
                                         </p:cTn>
                                         <p:tgtEl>
-                                          <p:spTgt spid="17"/>
+                                          <p:spTgt spid="16"/>
                                         </p:tgtEl>
                                         <p:attrNameLst>
                                           <p:attrName>style.visibility</p:attrName>
@@ -15651,20 +16106,20 @@
                                 </p:cTn>
                               </p:par>
                               <p:par>
-                                <p:cTn id="15" presetID="1" presetClass="entr" presetSubtype="0" fill="hold" grpId="0" nodeType="withEffect">
+                                <p:cTn id="13" presetID="1" presetClass="entr" presetSubtype="0" fill="hold" grpId="0" nodeType="withEffect">
                                   <p:stCondLst>
                                     <p:cond delay="0"/>
                                   </p:stCondLst>
                                   <p:childTnLst>
                                     <p:set>
                                       <p:cBhvr>
-                                        <p:cTn id="16" dur="1" fill="hold">
+                                        <p:cTn id="14" dur="1" fill="hold">
                                           <p:stCondLst>
                                             <p:cond delay="0"/>
                                           </p:stCondLst>
                                         </p:cTn>
                                         <p:tgtEl>
-                                          <p:spTgt spid="3"/>
+                                          <p:spTgt spid="8"/>
                                         </p:tgtEl>
                                         <p:attrNameLst>
                                           <p:attrName>style.visibility</p:attrName>
@@ -15705,8 +16160,8 @@
       </p:par>
     </p:tnLst>
     <p:bldLst>
-      <p:bldP spid="17" grpId="0" animBg="1"/>
-      <p:bldP spid="3" grpId="0"/>
+      <p:bldP spid="4" grpId="0"/>
+      <p:bldP spid="8" grpId="0"/>
     </p:bldLst>
   </p:timing>
 </p:sld>

--- a/theory/submission/result_presentation.pptx
+++ b/theory/submission/result_presentation.pptx
@@ -6361,7 +6361,7 @@
         <p:spPr/>
         <p:txBody>
           <a:bodyPr>
-            <a:normAutofit fontScale="90000"/>
+            <a:normAutofit/>
           </a:bodyPr>
           <a:lstStyle/>
           <a:p>
@@ -6373,19 +6373,8 @@
               <a:rPr lang="de-DE" dirty="0"/>
             </a:br>
             <a:r>
-              <a:rPr lang="de-DE" sz="2400" dirty="0" err="1"/>
-              <a:t>Backward</a:t>
-            </a:r>
-            <a:r>
               <a:rPr lang="de-DE" sz="2400" dirty="0"/>
-              <a:t>-Propagation für ein einziges Input</a:t>
-            </a:r>
-            <a:br>
-              <a:rPr lang="de-DE" sz="2400" dirty="0"/>
-            </a:br>
-            <a:r>
-              <a:rPr lang="de-DE" sz="2400" dirty="0"/>
-              <a:t>Gewichtsgradienten </a:t>
+              <a:t>Gewichtsgradient für ein einziges Datum</a:t>
             </a:r>
             <a:endParaRPr lang="de-DE" dirty="0"/>
           </a:p>
@@ -6393,10 +6382,10 @@
       </p:sp>
       <p:pic>
         <p:nvPicPr>
-          <p:cNvPr id="4" name="Grafik 3">
-            <a:extLst>
-              <a:ext uri="{FF2B5EF4-FFF2-40B4-BE49-F238E27FC236}">
-                <a16:creationId xmlns:a16="http://schemas.microsoft.com/office/drawing/2014/main" id="{4A93A8CF-50C8-485F-9B4E-4CB5EB78C1F4}"/>
+          <p:cNvPr id="5" name="Picture 4">
+            <a:extLst>
+              <a:ext uri="{FF2B5EF4-FFF2-40B4-BE49-F238E27FC236}">
+                <a16:creationId xmlns:a16="http://schemas.microsoft.com/office/drawing/2014/main" id="{E3C2FEEC-2807-DD71-9644-0C3EED10804C}"/>
               </a:ext>
             </a:extLst>
           </p:cNvPr>
@@ -6405,16 +6394,15 @@
           </p:cNvPicPr>
           <p:nvPr/>
         </p:nvPicPr>
-        <p:blipFill>
+        <p:blipFill rotWithShape="1">
           <a:blip r:embed="rId2"/>
-          <a:stretch>
-            <a:fillRect/>
-          </a:stretch>
+          <a:srcRect l="3165" t="6972" r="80842" b="18197"/>
+          <a:stretch/>
         </p:blipFill>
         <p:spPr>
           <a:xfrm>
-            <a:off x="3310449" y="2468879"/>
-            <a:ext cx="3052836" cy="591553"/>
+            <a:off x="538094" y="1778749"/>
+            <a:ext cx="592527" cy="600620"/>
           </a:xfrm>
           <a:prstGeom prst="rect">
             <a:avLst/>
@@ -6423,10 +6411,10 @@
       </p:pic>
       <p:pic>
         <p:nvPicPr>
-          <p:cNvPr id="6" name="Grafik 5">
-            <a:extLst>
-              <a:ext uri="{FF2B5EF4-FFF2-40B4-BE49-F238E27FC236}">
-                <a16:creationId xmlns:a16="http://schemas.microsoft.com/office/drawing/2014/main" id="{530E0B26-45C1-4F51-8A97-6334FEB59DAF}"/>
+          <p:cNvPr id="9" name="Picture 8">
+            <a:extLst>
+              <a:ext uri="{FF2B5EF4-FFF2-40B4-BE49-F238E27FC236}">
+                <a16:creationId xmlns:a16="http://schemas.microsoft.com/office/drawing/2014/main" id="{7D41BB62-6839-E9FC-C560-D8B06B8FD42F}"/>
               </a:ext>
             </a:extLst>
           </p:cNvPr>
@@ -6435,22 +6423,571 @@
           </p:cNvPicPr>
           <p:nvPr/>
         </p:nvPicPr>
-        <p:blipFill>
+        <p:blipFill rotWithShape="1">
           <a:blip r:embed="rId3"/>
-          <a:stretch>
-            <a:fillRect/>
-          </a:stretch>
+          <a:srcRect l="3886" t="16011" r="4425" b="14589"/>
+          <a:stretch/>
         </p:blipFill>
         <p:spPr>
           <a:xfrm>
-            <a:off x="2840502" y="3944361"/>
-            <a:ext cx="4561309" cy="1244479"/>
+            <a:off x="4852186" y="1828178"/>
+            <a:ext cx="2808841" cy="512491"/>
           </a:xfrm>
           <a:prstGeom prst="rect">
             <a:avLst/>
           </a:prstGeom>
         </p:spPr>
       </p:pic>
+      <p:pic>
+        <p:nvPicPr>
+          <p:cNvPr id="11" name="Picture 10">
+            <a:extLst>
+              <a:ext uri="{FF2B5EF4-FFF2-40B4-BE49-F238E27FC236}">
+                <a16:creationId xmlns:a16="http://schemas.microsoft.com/office/drawing/2014/main" id="{CBFABEC1-0527-93F9-7816-B86E97FEA322}"/>
+              </a:ext>
+            </a:extLst>
+          </p:cNvPr>
+          <p:cNvPicPr>
+            <a:picLocks noChangeAspect="1"/>
+          </p:cNvPicPr>
+          <p:nvPr/>
+        </p:nvPicPr>
+        <p:blipFill rotWithShape="1">
+          <a:blip r:embed="rId4"/>
+          <a:srcRect r="1722"/>
+          <a:stretch/>
+        </p:blipFill>
+        <p:spPr>
+          <a:xfrm>
+            <a:off x="1402599" y="2855832"/>
+            <a:ext cx="5284249" cy="1233488"/>
+          </a:xfrm>
+          <a:prstGeom prst="rect">
+            <a:avLst/>
+          </a:prstGeom>
+        </p:spPr>
+      </p:pic>
+      <p:pic>
+        <p:nvPicPr>
+          <p:cNvPr id="12" name="Picture 11">
+            <a:extLst>
+              <a:ext uri="{FF2B5EF4-FFF2-40B4-BE49-F238E27FC236}">
+                <a16:creationId xmlns:a16="http://schemas.microsoft.com/office/drawing/2014/main" id="{9BFAACA7-3148-5A74-5DAD-3EB0627E2CBE}"/>
+              </a:ext>
+            </a:extLst>
+          </p:cNvPr>
+          <p:cNvPicPr>
+            <a:picLocks noChangeAspect="1"/>
+          </p:cNvPicPr>
+          <p:nvPr/>
+        </p:nvPicPr>
+        <p:blipFill rotWithShape="1">
+          <a:blip r:embed="rId2"/>
+          <a:srcRect l="35788" t="6972" r="43583" b="18197"/>
+          <a:stretch/>
+        </p:blipFill>
+        <p:spPr>
+          <a:xfrm>
+            <a:off x="538094" y="3172266"/>
+            <a:ext cx="764346" cy="600620"/>
+          </a:xfrm>
+          <a:prstGeom prst="rect">
+            <a:avLst/>
+          </a:prstGeom>
+        </p:spPr>
+      </p:pic>
+      <p:sp>
+        <p:nvSpPr>
+          <p:cNvPr id="13" name="TextBox 12">
+            <a:extLst>
+              <a:ext uri="{FF2B5EF4-FFF2-40B4-BE49-F238E27FC236}">
+                <a16:creationId xmlns:a16="http://schemas.microsoft.com/office/drawing/2014/main" id="{D4070412-9EB8-6F6C-CA81-38D2B0935347}"/>
+              </a:ext>
+            </a:extLst>
+          </p:cNvPr>
+          <p:cNvSpPr txBox="1"/>
+          <p:nvPr/>
+        </p:nvSpPr>
+        <p:spPr>
+          <a:xfrm>
+            <a:off x="7924808" y="1822813"/>
+            <a:ext cx="3191023" cy="523220"/>
+          </a:xfrm>
+          <a:prstGeom prst="rect">
+            <a:avLst/>
+          </a:prstGeom>
+          <a:noFill/>
+        </p:spPr>
+        <p:txBody>
+          <a:bodyPr wrap="square" rtlCol="0">
+            <a:spAutoFit/>
+          </a:bodyPr>
+          <a:lstStyle/>
+          <a:p>
+            <a:pPr marL="285750" indent="-285750">
+              <a:buFont typeface="Arial" panose="020B0604020202020204" pitchFamily="34" charset="0"/>
+              <a:buChar char="•"/>
+            </a:pPr>
+            <a:r>
+              <a:rPr lang="de-DE" sz="1400" dirty="0"/>
+              <a:t>Fehlersignal in Layer l</a:t>
+            </a:r>
+          </a:p>
+          <a:p>
+            <a:pPr marL="285750" indent="-285750">
+              <a:buFont typeface="Arial" panose="020B0604020202020204" pitchFamily="34" charset="0"/>
+              <a:buChar char="•"/>
+            </a:pPr>
+            <a:r>
+              <a:rPr lang="de-DE" sz="1400" dirty="0"/>
+              <a:t>Bereits berechnet im Schritt zuvor</a:t>
+            </a:r>
+          </a:p>
+        </p:txBody>
+      </p:sp>
+      <mc:AlternateContent xmlns:mc="http://schemas.openxmlformats.org/markup-compatibility/2006">
+        <mc:Choice xmlns:a14="http://schemas.microsoft.com/office/drawing/2010/main" Requires="a14">
+          <p:sp>
+            <p:nvSpPr>
+              <p:cNvPr id="14" name="TextBox 13">
+                <a:extLst>
+                  <a:ext uri="{FF2B5EF4-FFF2-40B4-BE49-F238E27FC236}">
+                    <a16:creationId xmlns:a16="http://schemas.microsoft.com/office/drawing/2014/main" id="{D3BED6A3-EFE1-98EA-8D12-6E6312289583}"/>
+                  </a:ext>
+                </a:extLst>
+              </p:cNvPr>
+              <p:cNvSpPr txBox="1"/>
+              <p:nvPr/>
+            </p:nvSpPr>
+            <p:spPr>
+              <a:xfrm>
+                <a:off x="6928349" y="3094043"/>
+                <a:ext cx="4518069" cy="757067"/>
+              </a:xfrm>
+              <a:prstGeom prst="rect">
+                <a:avLst/>
+              </a:prstGeom>
+              <a:noFill/>
+            </p:spPr>
+            <p:txBody>
+              <a:bodyPr wrap="square" rtlCol="0">
+                <a:spAutoFit/>
+              </a:bodyPr>
+              <a:lstStyle/>
+              <a:p>
+                <a:pPr marL="285750" indent="-285750">
+                  <a:buFont typeface="Arial" panose="020B0604020202020204" pitchFamily="34" charset="0"/>
+                  <a:buChar char="•"/>
+                </a:pPr>
+                <a:r>
+                  <a:rPr lang="de-DE" sz="1400" dirty="0"/>
+                  <a:t>Ableitung der dendritischen Potenziale nach jedem Gewicht</a:t>
+                </a:r>
+              </a:p>
+              <a:p>
+                <a:pPr marL="285750" indent="-285750">
+                  <a:buFont typeface="Arial" panose="020B0604020202020204" pitchFamily="34" charset="0"/>
+                  <a:buChar char="•"/>
+                </a:pPr>
+                <a:r>
+                  <a:rPr lang="de-DE" sz="1400" dirty="0"/>
+                  <a:t>Dimension </a:t>
+                </a:r>
+                <a14:m>
+                  <m:oMath xmlns:m="http://schemas.openxmlformats.org/officeDocument/2006/math">
+                    <m:sSup>
+                      <m:sSupPr>
+                        <m:ctrlPr>
+                          <a:rPr lang="de-DE" sz="1400" b="0" i="1" smtClean="0">
+                            <a:latin typeface="Cambria Math" panose="02040503050406030204" pitchFamily="18" charset="0"/>
+                          </a:rPr>
+                        </m:ctrlPr>
+                      </m:sSupPr>
+                      <m:e>
+                        <m:r>
+                          <a:rPr lang="de-DE" sz="1400" b="0" i="1" smtClean="0">
+                            <a:latin typeface="Cambria Math" panose="02040503050406030204" pitchFamily="18" charset="0"/>
+                          </a:rPr>
+                          <m:t>𝑛</m:t>
+                        </m:r>
+                      </m:e>
+                      <m:sup>
+                        <m:r>
+                          <a:rPr lang="de-DE" sz="1400" b="0" i="1" smtClean="0">
+                            <a:latin typeface="Cambria Math" panose="02040503050406030204" pitchFamily="18" charset="0"/>
+                          </a:rPr>
+                          <m:t>𝑙</m:t>
+                        </m:r>
+                      </m:sup>
+                    </m:sSup>
+                    <m:r>
+                      <a:rPr lang="de-DE" sz="1400" b="0" i="1" smtClean="0">
+                        <a:latin typeface="Cambria Math" panose="02040503050406030204" pitchFamily="18" charset="0"/>
+                      </a:rPr>
+                      <m:t>×(</m:t>
+                    </m:r>
+                    <m:sSup>
+                      <m:sSupPr>
+                        <m:ctrlPr>
+                          <a:rPr lang="de-DE" sz="1400" b="0" i="1" smtClean="0">
+                            <a:latin typeface="Cambria Math" panose="02040503050406030204" pitchFamily="18" charset="0"/>
+                          </a:rPr>
+                        </m:ctrlPr>
+                      </m:sSupPr>
+                      <m:e>
+                        <m:r>
+                          <a:rPr lang="de-DE" sz="1400" b="0" i="1" smtClean="0">
+                            <a:latin typeface="Cambria Math" panose="02040503050406030204" pitchFamily="18" charset="0"/>
+                          </a:rPr>
+                          <m:t>𝑛</m:t>
+                        </m:r>
+                      </m:e>
+                      <m:sup>
+                        <m:r>
+                          <a:rPr lang="de-DE" sz="1400" b="0" i="1" smtClean="0">
+                            <a:latin typeface="Cambria Math" panose="02040503050406030204" pitchFamily="18" charset="0"/>
+                          </a:rPr>
+                          <m:t>𝑙</m:t>
+                        </m:r>
+                      </m:sup>
+                    </m:sSup>
+                    <m:r>
+                      <a:rPr lang="de-DE" sz="1400" b="0" i="1" smtClean="0">
+                        <a:latin typeface="Cambria Math" panose="02040503050406030204" pitchFamily="18" charset="0"/>
+                      </a:rPr>
+                      <m:t>×</m:t>
+                    </m:r>
+                    <m:sSup>
+                      <m:sSupPr>
+                        <m:ctrlPr>
+                          <a:rPr lang="de-DE" sz="1400" b="0" i="1" smtClean="0">
+                            <a:latin typeface="Cambria Math" panose="02040503050406030204" pitchFamily="18" charset="0"/>
+                          </a:rPr>
+                        </m:ctrlPr>
+                      </m:sSupPr>
+                      <m:e>
+                        <m:r>
+                          <a:rPr lang="de-DE" sz="1400" b="0" i="1" smtClean="0">
+                            <a:latin typeface="Cambria Math" panose="02040503050406030204" pitchFamily="18" charset="0"/>
+                          </a:rPr>
+                          <m:t>𝑛</m:t>
+                        </m:r>
+                      </m:e>
+                      <m:sup>
+                        <m:r>
+                          <a:rPr lang="de-DE" sz="1400" b="0" i="1" smtClean="0">
+                            <a:latin typeface="Cambria Math" panose="02040503050406030204" pitchFamily="18" charset="0"/>
+                          </a:rPr>
+                          <m:t>𝑙</m:t>
+                        </m:r>
+                        <m:r>
+                          <a:rPr lang="de-DE" sz="1400" b="0" i="1" smtClean="0">
+                            <a:latin typeface="Cambria Math" panose="02040503050406030204" pitchFamily="18" charset="0"/>
+                          </a:rPr>
+                          <m:t>−1</m:t>
+                        </m:r>
+                      </m:sup>
+                    </m:sSup>
+                    <m:r>
+                      <a:rPr lang="de-DE" sz="1400" b="0" i="1" smtClean="0">
+                        <a:latin typeface="Cambria Math" panose="02040503050406030204" pitchFamily="18" charset="0"/>
+                      </a:rPr>
+                      <m:t>)</m:t>
+                    </m:r>
+                  </m:oMath>
+                </a14:m>
+                <a:endParaRPr lang="de-DE" sz="1400" dirty="0"/>
+              </a:p>
+            </p:txBody>
+          </p:sp>
+        </mc:Choice>
+        <mc:Fallback>
+          <p:sp>
+            <p:nvSpPr>
+              <p:cNvPr id="14" name="TextBox 13">
+                <a:extLst>
+                  <a:ext uri="{FF2B5EF4-FFF2-40B4-BE49-F238E27FC236}">
+                    <a16:creationId xmlns:a16="http://schemas.microsoft.com/office/drawing/2014/main" id="{D3BED6A3-EFE1-98EA-8D12-6E6312289583}"/>
+                  </a:ext>
+                </a:extLst>
+              </p:cNvPr>
+              <p:cNvSpPr txBox="1">
+                <a:spLocks noRot="1" noChangeAspect="1" noMove="1" noResize="1" noEditPoints="1" noAdjustHandles="1" noChangeArrowheads="1" noChangeShapeType="1" noTextEdit="1"/>
+              </p:cNvSpPr>
+              <p:nvPr/>
+            </p:nvSpPr>
+            <p:spPr>
+              <a:xfrm>
+                <a:off x="6928349" y="3094043"/>
+                <a:ext cx="4518069" cy="757067"/>
+              </a:xfrm>
+              <a:prstGeom prst="rect">
+                <a:avLst/>
+              </a:prstGeom>
+              <a:blipFill>
+                <a:blip r:embed="rId5"/>
+                <a:stretch>
+                  <a:fillRect l="-270" t="-1613" b="-5645"/>
+                </a:stretch>
+              </a:blipFill>
+            </p:spPr>
+            <p:txBody>
+              <a:bodyPr/>
+              <a:lstStyle/>
+              <a:p>
+                <a:r>
+                  <a:rPr lang="de-DE">
+                    <a:noFill/>
+                  </a:rPr>
+                  <a:t> </a:t>
+                </a:r>
+              </a:p>
+            </p:txBody>
+          </p:sp>
+        </mc:Fallback>
+      </mc:AlternateContent>
+      <p:sp>
+        <p:nvSpPr>
+          <p:cNvPr id="15" name="TextBox 14">
+            <a:extLst>
+              <a:ext uri="{FF2B5EF4-FFF2-40B4-BE49-F238E27FC236}">
+                <a16:creationId xmlns:a16="http://schemas.microsoft.com/office/drawing/2014/main" id="{81AE840F-A68D-E4C3-949F-608A1C581BAB}"/>
+              </a:ext>
+            </a:extLst>
+          </p:cNvPr>
+          <p:cNvSpPr txBox="1"/>
+          <p:nvPr/>
+        </p:nvSpPr>
+        <p:spPr>
+          <a:xfrm>
+            <a:off x="1218029" y="1817449"/>
+            <a:ext cx="2016367" cy="523220"/>
+          </a:xfrm>
+          <a:prstGeom prst="rect">
+            <a:avLst/>
+          </a:prstGeom>
+          <a:noFill/>
+        </p:spPr>
+        <p:txBody>
+          <a:bodyPr wrap="square" rtlCol="0">
+            <a:spAutoFit/>
+          </a:bodyPr>
+          <a:lstStyle/>
+          <a:p>
+            <a:r>
+              <a:rPr lang="de-DE" sz="1400" dirty="0"/>
+              <a:t>Gewichtsgradient im Layer l</a:t>
+            </a:r>
+          </a:p>
+        </p:txBody>
+      </p:sp>
+      <p:pic>
+        <p:nvPicPr>
+          <p:cNvPr id="16" name="Picture 15">
+            <a:extLst>
+              <a:ext uri="{FF2B5EF4-FFF2-40B4-BE49-F238E27FC236}">
+                <a16:creationId xmlns:a16="http://schemas.microsoft.com/office/drawing/2014/main" id="{92182EBA-3F39-387D-1706-35B2C49EC4BD}"/>
+              </a:ext>
+            </a:extLst>
+          </p:cNvPr>
+          <p:cNvPicPr>
+            <a:picLocks noChangeAspect="1"/>
+          </p:cNvPicPr>
+          <p:nvPr/>
+        </p:nvPicPr>
+        <p:blipFill rotWithShape="1">
+          <a:blip r:embed="rId2"/>
+          <a:srcRect l="19137" t="6972" r="49341" b="18197"/>
+          <a:stretch/>
+        </p:blipFill>
+        <p:spPr>
+          <a:xfrm>
+            <a:off x="2915922" y="1778749"/>
+            <a:ext cx="1167874" cy="600620"/>
+          </a:xfrm>
+          <a:prstGeom prst="rect">
+            <a:avLst/>
+          </a:prstGeom>
+        </p:spPr>
+      </p:pic>
+      <p:pic>
+        <p:nvPicPr>
+          <p:cNvPr id="18" name="Picture 17">
+            <a:extLst>
+              <a:ext uri="{FF2B5EF4-FFF2-40B4-BE49-F238E27FC236}">
+                <a16:creationId xmlns:a16="http://schemas.microsoft.com/office/drawing/2014/main" id="{678DCBA8-6157-12F6-ED9D-6B423CA4EB8F}"/>
+              </a:ext>
+            </a:extLst>
+          </p:cNvPr>
+          <p:cNvPicPr>
+            <a:picLocks noChangeAspect="1"/>
+          </p:cNvPicPr>
+          <p:nvPr/>
+        </p:nvPicPr>
+        <p:blipFill rotWithShape="1">
+          <a:blip r:embed="rId6"/>
+          <a:srcRect r="2437"/>
+          <a:stretch/>
+        </p:blipFill>
+        <p:spPr>
+          <a:xfrm>
+            <a:off x="1714160" y="4923887"/>
+            <a:ext cx="2252934" cy="1233488"/>
+          </a:xfrm>
+          <a:prstGeom prst="rect">
+            <a:avLst/>
+          </a:prstGeom>
+        </p:spPr>
+      </p:pic>
+      <p:pic>
+        <p:nvPicPr>
+          <p:cNvPr id="19" name="Picture 18">
+            <a:extLst>
+              <a:ext uri="{FF2B5EF4-FFF2-40B4-BE49-F238E27FC236}">
+                <a16:creationId xmlns:a16="http://schemas.microsoft.com/office/drawing/2014/main" id="{684E504F-FC96-F0C9-88BE-5E0D6644ADEA}"/>
+              </a:ext>
+            </a:extLst>
+          </p:cNvPr>
+          <p:cNvPicPr>
+            <a:picLocks noChangeAspect="1"/>
+          </p:cNvPicPr>
+          <p:nvPr/>
+        </p:nvPicPr>
+        <p:blipFill rotWithShape="1">
+          <a:blip r:embed="rId2"/>
+          <a:srcRect l="25817" t="6972" r="43680" b="18197"/>
+          <a:stretch/>
+        </p:blipFill>
+        <p:spPr>
+          <a:xfrm>
+            <a:off x="538094" y="5240321"/>
+            <a:ext cx="1130104" cy="600620"/>
+          </a:xfrm>
+          <a:prstGeom prst="rect">
+            <a:avLst/>
+          </a:prstGeom>
+        </p:spPr>
+      </p:pic>
+      <p:pic>
+        <p:nvPicPr>
+          <p:cNvPr id="24" name="Picture 23">
+            <a:extLst>
+              <a:ext uri="{FF2B5EF4-FFF2-40B4-BE49-F238E27FC236}">
+                <a16:creationId xmlns:a16="http://schemas.microsoft.com/office/drawing/2014/main" id="{221AEF11-5715-10AA-CE1A-2AE1F5FCA823}"/>
+              </a:ext>
+            </a:extLst>
+          </p:cNvPr>
+          <p:cNvPicPr>
+            <a:picLocks noChangeAspect="1"/>
+          </p:cNvPicPr>
+          <p:nvPr/>
+        </p:nvPicPr>
+        <p:blipFill rotWithShape="1">
+          <a:blip r:embed="rId7"/>
+          <a:srcRect r="7455"/>
+          <a:stretch/>
+        </p:blipFill>
+        <p:spPr>
+          <a:xfrm>
+            <a:off x="6081711" y="4997991"/>
+            <a:ext cx="3052912" cy="1085280"/>
+          </a:xfrm>
+          <a:prstGeom prst="rect">
+            <a:avLst/>
+          </a:prstGeom>
+        </p:spPr>
+      </p:pic>
+      <p:sp>
+        <p:nvSpPr>
+          <p:cNvPr id="25" name="TextBox 24">
+            <a:extLst>
+              <a:ext uri="{FF2B5EF4-FFF2-40B4-BE49-F238E27FC236}">
+                <a16:creationId xmlns:a16="http://schemas.microsoft.com/office/drawing/2014/main" id="{BEB0EEDB-EE6B-7B18-2693-DC8B986840EF}"/>
+              </a:ext>
+            </a:extLst>
+          </p:cNvPr>
+          <p:cNvSpPr txBox="1"/>
+          <p:nvPr/>
+        </p:nvSpPr>
+        <p:spPr>
+          <a:xfrm>
+            <a:off x="4145289" y="5171299"/>
+            <a:ext cx="1941341" cy="738664"/>
+          </a:xfrm>
+          <a:prstGeom prst="rect">
+            <a:avLst/>
+          </a:prstGeom>
+          <a:noFill/>
+        </p:spPr>
+        <p:txBody>
+          <a:bodyPr wrap="square" rtlCol="0">
+            <a:spAutoFit/>
+          </a:bodyPr>
+          <a:lstStyle/>
+          <a:p>
+            <a:r>
+              <a:rPr lang="de-DE" sz="1400" dirty="0"/>
+              <a:t>Ergebnis kann folgendermaßen zerlegt werden </a:t>
+            </a:r>
+            <a:r>
+              <a:rPr lang="de-DE" sz="1400" dirty="0">
+                <a:sym typeface="Wingdings" panose="05000000000000000000" pitchFamily="2" charset="2"/>
+              </a:rPr>
+              <a:t> </a:t>
+            </a:r>
+            <a:endParaRPr lang="de-DE" sz="1400" dirty="0"/>
+          </a:p>
+        </p:txBody>
+      </p:sp>
+      <p:sp>
+        <p:nvSpPr>
+          <p:cNvPr id="26" name="TextBox 25">
+            <a:extLst>
+              <a:ext uri="{FF2B5EF4-FFF2-40B4-BE49-F238E27FC236}">
+                <a16:creationId xmlns:a16="http://schemas.microsoft.com/office/drawing/2014/main" id="{E8507B3C-7CF5-F24C-3F1C-94084AA5A974}"/>
+              </a:ext>
+            </a:extLst>
+          </p:cNvPr>
+          <p:cNvSpPr txBox="1"/>
+          <p:nvPr/>
+        </p:nvSpPr>
+        <p:spPr>
+          <a:xfrm>
+            <a:off x="9399335" y="4740412"/>
+            <a:ext cx="2567582" cy="1600438"/>
+          </a:xfrm>
+          <a:prstGeom prst="rect">
+            <a:avLst/>
+          </a:prstGeom>
+          <a:noFill/>
+        </p:spPr>
+        <p:txBody>
+          <a:bodyPr wrap="square" rtlCol="0">
+            <a:spAutoFit/>
+          </a:bodyPr>
+          <a:lstStyle/>
+          <a:p>
+            <a:pPr marL="285750" indent="-285750">
+              <a:buFont typeface="Arial" panose="020B0604020202020204" pitchFamily="34" charset="0"/>
+              <a:buChar char="•"/>
+            </a:pPr>
+            <a:r>
+              <a:rPr lang="de-DE" sz="1400" dirty="0"/>
+              <a:t>Äußeres Vektorprodukt zwischen Fehlersignalen in Layer l und Aktivierungen in Layer l-1</a:t>
+            </a:r>
+          </a:p>
+          <a:p>
+            <a:pPr marL="285750" indent="-285750">
+              <a:buFont typeface="Arial" panose="020B0604020202020204" pitchFamily="34" charset="0"/>
+              <a:buChar char="•"/>
+            </a:pPr>
+            <a:r>
+              <a:rPr lang="de-DE" sz="1400" dirty="0"/>
+              <a:t>Beider Terme wurden bereits in vorigen Schritten berechnet</a:t>
+            </a:r>
+          </a:p>
+        </p:txBody>
+      </p:sp>
     </p:spTree>
     <p:extLst>
       <p:ext uri="{BB962C8B-B14F-4D97-AF65-F5344CB8AC3E}">
@@ -6461,6 +6998,502 @@
   <p:clrMapOvr>
     <a:masterClrMapping/>
   </p:clrMapOvr>
+  <p:timing>
+    <p:tnLst>
+      <p:par>
+        <p:cTn id="1" dur="indefinite" restart="never" nodeType="tmRoot">
+          <p:childTnLst>
+            <p:seq concurrent="1" nextAc="seek">
+              <p:cTn id="2" dur="indefinite" nodeType="mainSeq">
+                <p:childTnLst>
+                  <p:par>
+                    <p:cTn id="3" fill="hold">
+                      <p:stCondLst>
+                        <p:cond delay="indefinite"/>
+                      </p:stCondLst>
+                      <p:childTnLst>
+                        <p:par>
+                          <p:cTn id="4" fill="hold">
+                            <p:stCondLst>
+                              <p:cond delay="0"/>
+                            </p:stCondLst>
+                            <p:childTnLst>
+                              <p:par>
+                                <p:cTn id="5" presetID="1" presetClass="entr" presetSubtype="0" fill="hold" nodeType="clickEffect">
+                                  <p:stCondLst>
+                                    <p:cond delay="0"/>
+                                  </p:stCondLst>
+                                  <p:childTnLst>
+                                    <p:set>
+                                      <p:cBhvr>
+                                        <p:cTn id="6" dur="1" fill="hold">
+                                          <p:stCondLst>
+                                            <p:cond delay="0"/>
+                                          </p:stCondLst>
+                                        </p:cTn>
+                                        <p:tgtEl>
+                                          <p:spTgt spid="5"/>
+                                        </p:tgtEl>
+                                        <p:attrNameLst>
+                                          <p:attrName>style.visibility</p:attrName>
+                                        </p:attrNameLst>
+                                      </p:cBhvr>
+                                      <p:to>
+                                        <p:strVal val="visible"/>
+                                      </p:to>
+                                    </p:set>
+                                  </p:childTnLst>
+                                </p:cTn>
+                              </p:par>
+                              <p:par>
+                                <p:cTn id="7" presetID="1" presetClass="entr" presetSubtype="0" fill="hold" grpId="0" nodeType="withEffect">
+                                  <p:stCondLst>
+                                    <p:cond delay="0"/>
+                                  </p:stCondLst>
+                                  <p:childTnLst>
+                                    <p:set>
+                                      <p:cBhvr>
+                                        <p:cTn id="8" dur="1" fill="hold">
+                                          <p:stCondLst>
+                                            <p:cond delay="0"/>
+                                          </p:stCondLst>
+                                        </p:cTn>
+                                        <p:tgtEl>
+                                          <p:spTgt spid="15"/>
+                                        </p:tgtEl>
+                                        <p:attrNameLst>
+                                          <p:attrName>style.visibility</p:attrName>
+                                        </p:attrNameLst>
+                                      </p:cBhvr>
+                                      <p:to>
+                                        <p:strVal val="visible"/>
+                                      </p:to>
+                                    </p:set>
+                                  </p:childTnLst>
+                                </p:cTn>
+                              </p:par>
+                            </p:childTnLst>
+                          </p:cTn>
+                        </p:par>
+                      </p:childTnLst>
+                    </p:cTn>
+                  </p:par>
+                  <p:par>
+                    <p:cTn id="9" fill="hold">
+                      <p:stCondLst>
+                        <p:cond delay="indefinite"/>
+                      </p:stCondLst>
+                      <p:childTnLst>
+                        <p:par>
+                          <p:cTn id="10" fill="hold">
+                            <p:stCondLst>
+                              <p:cond delay="0"/>
+                            </p:stCondLst>
+                            <p:childTnLst>
+                              <p:par>
+                                <p:cTn id="11" presetID="1" presetClass="entr" presetSubtype="0" fill="hold" nodeType="clickEffect">
+                                  <p:stCondLst>
+                                    <p:cond delay="0"/>
+                                  </p:stCondLst>
+                                  <p:childTnLst>
+                                    <p:set>
+                                      <p:cBhvr>
+                                        <p:cTn id="12" dur="1" fill="hold">
+                                          <p:stCondLst>
+                                            <p:cond delay="0"/>
+                                          </p:stCondLst>
+                                        </p:cTn>
+                                        <p:tgtEl>
+                                          <p:spTgt spid="16"/>
+                                        </p:tgtEl>
+                                        <p:attrNameLst>
+                                          <p:attrName>style.visibility</p:attrName>
+                                        </p:attrNameLst>
+                                      </p:cBhvr>
+                                      <p:to>
+                                        <p:strVal val="visible"/>
+                                      </p:to>
+                                    </p:set>
+                                  </p:childTnLst>
+                                </p:cTn>
+                              </p:par>
+                            </p:childTnLst>
+                          </p:cTn>
+                        </p:par>
+                      </p:childTnLst>
+                    </p:cTn>
+                  </p:par>
+                  <p:par>
+                    <p:cTn id="13" fill="hold">
+                      <p:stCondLst>
+                        <p:cond delay="indefinite"/>
+                      </p:stCondLst>
+                      <p:childTnLst>
+                        <p:par>
+                          <p:cTn id="14" fill="hold">
+                            <p:stCondLst>
+                              <p:cond delay="0"/>
+                            </p:stCondLst>
+                            <p:childTnLst>
+                              <p:par>
+                                <p:cTn id="15" presetID="1" presetClass="entr" presetSubtype="0" fill="hold" nodeType="clickEffect">
+                                  <p:stCondLst>
+                                    <p:cond delay="0"/>
+                                  </p:stCondLst>
+                                  <p:childTnLst>
+                                    <p:set>
+                                      <p:cBhvr>
+                                        <p:cTn id="16" dur="1" fill="hold">
+                                          <p:stCondLst>
+                                            <p:cond delay="0"/>
+                                          </p:stCondLst>
+                                        </p:cTn>
+                                        <p:tgtEl>
+                                          <p:spTgt spid="9"/>
+                                        </p:tgtEl>
+                                        <p:attrNameLst>
+                                          <p:attrName>style.visibility</p:attrName>
+                                        </p:attrNameLst>
+                                      </p:cBhvr>
+                                      <p:to>
+                                        <p:strVal val="visible"/>
+                                      </p:to>
+                                    </p:set>
+                                  </p:childTnLst>
+                                </p:cTn>
+                              </p:par>
+                              <p:par>
+                                <p:cTn id="17" presetID="1" presetClass="entr" presetSubtype="0" fill="hold" grpId="0" nodeType="withEffect">
+                                  <p:stCondLst>
+                                    <p:cond delay="0"/>
+                                  </p:stCondLst>
+                                  <p:childTnLst>
+                                    <p:set>
+                                      <p:cBhvr>
+                                        <p:cTn id="18" dur="1" fill="hold">
+                                          <p:stCondLst>
+                                            <p:cond delay="0"/>
+                                          </p:stCondLst>
+                                        </p:cTn>
+                                        <p:tgtEl>
+                                          <p:spTgt spid="13"/>
+                                        </p:tgtEl>
+                                        <p:attrNameLst>
+                                          <p:attrName>style.visibility</p:attrName>
+                                        </p:attrNameLst>
+                                      </p:cBhvr>
+                                      <p:to>
+                                        <p:strVal val="visible"/>
+                                      </p:to>
+                                    </p:set>
+                                  </p:childTnLst>
+                                </p:cTn>
+                              </p:par>
+                            </p:childTnLst>
+                          </p:cTn>
+                        </p:par>
+                      </p:childTnLst>
+                    </p:cTn>
+                  </p:par>
+                  <p:par>
+                    <p:cTn id="19" fill="hold">
+                      <p:stCondLst>
+                        <p:cond delay="indefinite"/>
+                      </p:stCondLst>
+                      <p:childTnLst>
+                        <p:par>
+                          <p:cTn id="20" fill="hold">
+                            <p:stCondLst>
+                              <p:cond delay="0"/>
+                            </p:stCondLst>
+                            <p:childTnLst>
+                              <p:par>
+                                <p:cTn id="21" presetID="1" presetClass="entr" presetSubtype="0" fill="hold" nodeType="clickEffect">
+                                  <p:stCondLst>
+                                    <p:cond delay="0"/>
+                                  </p:stCondLst>
+                                  <p:childTnLst>
+                                    <p:set>
+                                      <p:cBhvr>
+                                        <p:cTn id="22" dur="1" fill="hold">
+                                          <p:stCondLst>
+                                            <p:cond delay="0"/>
+                                          </p:stCondLst>
+                                        </p:cTn>
+                                        <p:tgtEl>
+                                          <p:spTgt spid="12"/>
+                                        </p:tgtEl>
+                                        <p:attrNameLst>
+                                          <p:attrName>style.visibility</p:attrName>
+                                        </p:attrNameLst>
+                                      </p:cBhvr>
+                                      <p:to>
+                                        <p:strVal val="visible"/>
+                                      </p:to>
+                                    </p:set>
+                                  </p:childTnLst>
+                                </p:cTn>
+                              </p:par>
+                              <p:par>
+                                <p:cTn id="23" presetID="1" presetClass="entr" presetSubtype="0" fill="hold" nodeType="withEffect">
+                                  <p:stCondLst>
+                                    <p:cond delay="0"/>
+                                  </p:stCondLst>
+                                  <p:childTnLst>
+                                    <p:set>
+                                      <p:cBhvr>
+                                        <p:cTn id="24" dur="1" fill="hold">
+                                          <p:stCondLst>
+                                            <p:cond delay="0"/>
+                                          </p:stCondLst>
+                                        </p:cTn>
+                                        <p:tgtEl>
+                                          <p:spTgt spid="11"/>
+                                        </p:tgtEl>
+                                        <p:attrNameLst>
+                                          <p:attrName>style.visibility</p:attrName>
+                                        </p:attrNameLst>
+                                      </p:cBhvr>
+                                      <p:to>
+                                        <p:strVal val="visible"/>
+                                      </p:to>
+                                    </p:set>
+                                  </p:childTnLst>
+                                </p:cTn>
+                              </p:par>
+                              <p:par>
+                                <p:cTn id="25" presetID="1" presetClass="entr" presetSubtype="0" fill="hold" grpId="0" nodeType="withEffect">
+                                  <p:stCondLst>
+                                    <p:cond delay="0"/>
+                                  </p:stCondLst>
+                                  <p:childTnLst>
+                                    <p:set>
+                                      <p:cBhvr>
+                                        <p:cTn id="26" dur="1" fill="hold">
+                                          <p:stCondLst>
+                                            <p:cond delay="0"/>
+                                          </p:stCondLst>
+                                        </p:cTn>
+                                        <p:tgtEl>
+                                          <p:spTgt spid="14"/>
+                                        </p:tgtEl>
+                                        <p:attrNameLst>
+                                          <p:attrName>style.visibility</p:attrName>
+                                        </p:attrNameLst>
+                                      </p:cBhvr>
+                                      <p:to>
+                                        <p:strVal val="visible"/>
+                                      </p:to>
+                                    </p:set>
+                                  </p:childTnLst>
+                                </p:cTn>
+                              </p:par>
+                            </p:childTnLst>
+                          </p:cTn>
+                        </p:par>
+                      </p:childTnLst>
+                    </p:cTn>
+                  </p:par>
+                  <p:par>
+                    <p:cTn id="27" fill="hold">
+                      <p:stCondLst>
+                        <p:cond delay="indefinite"/>
+                      </p:stCondLst>
+                      <p:childTnLst>
+                        <p:par>
+                          <p:cTn id="28" fill="hold">
+                            <p:stCondLst>
+                              <p:cond delay="0"/>
+                            </p:stCondLst>
+                            <p:childTnLst>
+                              <p:par>
+                                <p:cTn id="29" presetID="1" presetClass="entr" presetSubtype="0" fill="hold" nodeType="clickEffect">
+                                  <p:stCondLst>
+                                    <p:cond delay="0"/>
+                                  </p:stCondLst>
+                                  <p:childTnLst>
+                                    <p:set>
+                                      <p:cBhvr>
+                                        <p:cTn id="30" dur="1" fill="hold">
+                                          <p:stCondLst>
+                                            <p:cond delay="0"/>
+                                          </p:stCondLst>
+                                        </p:cTn>
+                                        <p:tgtEl>
+                                          <p:spTgt spid="19"/>
+                                        </p:tgtEl>
+                                        <p:attrNameLst>
+                                          <p:attrName>style.visibility</p:attrName>
+                                        </p:attrNameLst>
+                                      </p:cBhvr>
+                                      <p:to>
+                                        <p:strVal val="visible"/>
+                                      </p:to>
+                                    </p:set>
+                                  </p:childTnLst>
+                                </p:cTn>
+                              </p:par>
+                              <p:par>
+                                <p:cTn id="31" presetID="1" presetClass="entr" presetSubtype="0" fill="hold" nodeType="withEffect">
+                                  <p:stCondLst>
+                                    <p:cond delay="0"/>
+                                  </p:stCondLst>
+                                  <p:childTnLst>
+                                    <p:set>
+                                      <p:cBhvr>
+                                        <p:cTn id="32" dur="1" fill="hold">
+                                          <p:stCondLst>
+                                            <p:cond delay="0"/>
+                                          </p:stCondLst>
+                                        </p:cTn>
+                                        <p:tgtEl>
+                                          <p:spTgt spid="18"/>
+                                        </p:tgtEl>
+                                        <p:attrNameLst>
+                                          <p:attrName>style.visibility</p:attrName>
+                                        </p:attrNameLst>
+                                      </p:cBhvr>
+                                      <p:to>
+                                        <p:strVal val="visible"/>
+                                      </p:to>
+                                    </p:set>
+                                  </p:childTnLst>
+                                </p:cTn>
+                              </p:par>
+                            </p:childTnLst>
+                          </p:cTn>
+                        </p:par>
+                      </p:childTnLst>
+                    </p:cTn>
+                  </p:par>
+                  <p:par>
+                    <p:cTn id="33" fill="hold">
+                      <p:stCondLst>
+                        <p:cond delay="indefinite"/>
+                      </p:stCondLst>
+                      <p:childTnLst>
+                        <p:par>
+                          <p:cTn id="34" fill="hold">
+                            <p:stCondLst>
+                              <p:cond delay="0"/>
+                            </p:stCondLst>
+                            <p:childTnLst>
+                              <p:par>
+                                <p:cTn id="35" presetID="1" presetClass="entr" presetSubtype="0" fill="hold" grpId="0" nodeType="clickEffect">
+                                  <p:stCondLst>
+                                    <p:cond delay="0"/>
+                                  </p:stCondLst>
+                                  <p:childTnLst>
+                                    <p:set>
+                                      <p:cBhvr>
+                                        <p:cTn id="36" dur="1" fill="hold">
+                                          <p:stCondLst>
+                                            <p:cond delay="0"/>
+                                          </p:stCondLst>
+                                        </p:cTn>
+                                        <p:tgtEl>
+                                          <p:spTgt spid="25"/>
+                                        </p:tgtEl>
+                                        <p:attrNameLst>
+                                          <p:attrName>style.visibility</p:attrName>
+                                        </p:attrNameLst>
+                                      </p:cBhvr>
+                                      <p:to>
+                                        <p:strVal val="visible"/>
+                                      </p:to>
+                                    </p:set>
+                                  </p:childTnLst>
+                                </p:cTn>
+                              </p:par>
+                              <p:par>
+                                <p:cTn id="37" presetID="1" presetClass="entr" presetSubtype="0" fill="hold" nodeType="withEffect">
+                                  <p:stCondLst>
+                                    <p:cond delay="0"/>
+                                  </p:stCondLst>
+                                  <p:childTnLst>
+                                    <p:set>
+                                      <p:cBhvr>
+                                        <p:cTn id="38" dur="1" fill="hold">
+                                          <p:stCondLst>
+                                            <p:cond delay="0"/>
+                                          </p:stCondLst>
+                                        </p:cTn>
+                                        <p:tgtEl>
+                                          <p:spTgt spid="24"/>
+                                        </p:tgtEl>
+                                        <p:attrNameLst>
+                                          <p:attrName>style.visibility</p:attrName>
+                                        </p:attrNameLst>
+                                      </p:cBhvr>
+                                      <p:to>
+                                        <p:strVal val="visible"/>
+                                      </p:to>
+                                    </p:set>
+                                  </p:childTnLst>
+                                </p:cTn>
+                              </p:par>
+                              <p:par>
+                                <p:cTn id="39" presetID="1" presetClass="entr" presetSubtype="0" fill="hold" grpId="0" nodeType="withEffect">
+                                  <p:stCondLst>
+                                    <p:cond delay="0"/>
+                                  </p:stCondLst>
+                                  <p:childTnLst>
+                                    <p:set>
+                                      <p:cBhvr>
+                                        <p:cTn id="40" dur="1" fill="hold">
+                                          <p:stCondLst>
+                                            <p:cond delay="0"/>
+                                          </p:stCondLst>
+                                        </p:cTn>
+                                        <p:tgtEl>
+                                          <p:spTgt spid="26"/>
+                                        </p:tgtEl>
+                                        <p:attrNameLst>
+                                          <p:attrName>style.visibility</p:attrName>
+                                        </p:attrNameLst>
+                                      </p:cBhvr>
+                                      <p:to>
+                                        <p:strVal val="visible"/>
+                                      </p:to>
+                                    </p:set>
+                                  </p:childTnLst>
+                                </p:cTn>
+                              </p:par>
+                            </p:childTnLst>
+                          </p:cTn>
+                        </p:par>
+                      </p:childTnLst>
+                    </p:cTn>
+                  </p:par>
+                </p:childTnLst>
+              </p:cTn>
+              <p:prevCondLst>
+                <p:cond evt="onPrev" delay="0">
+                  <p:tgtEl>
+                    <p:sldTgt/>
+                  </p:tgtEl>
+                </p:cond>
+              </p:prevCondLst>
+              <p:nextCondLst>
+                <p:cond evt="onNext" delay="0">
+                  <p:tgtEl>
+                    <p:sldTgt/>
+                  </p:tgtEl>
+                </p:cond>
+              </p:nextCondLst>
+            </p:seq>
+          </p:childTnLst>
+        </p:cTn>
+      </p:par>
+    </p:tnLst>
+    <p:bldLst>
+      <p:bldP spid="13" grpId="0"/>
+      <p:bldP spid="14" grpId="0"/>
+      <p:bldP spid="15" grpId="0"/>
+      <p:bldP spid="25" grpId="0"/>
+      <p:bldP spid="26" grpId="0"/>
+    </p:bldLst>
+  </p:timing>
 </p:sld>
 </file>
 
@@ -15033,13 +16066,13 @@
         </p:nvPicPr>
         <p:blipFill rotWithShape="1">
           <a:blip r:embed="rId5"/>
-          <a:srcRect l="2066" r="4102"/>
+          <a:srcRect l="27044" r="4102"/>
           <a:stretch/>
         </p:blipFill>
         <p:spPr>
           <a:xfrm>
-            <a:off x="838200" y="5502486"/>
-            <a:ext cx="5791200" cy="807096"/>
+            <a:off x="2379796" y="5540347"/>
+            <a:ext cx="4249603" cy="807096"/>
           </a:xfrm>
           <a:prstGeom prst="rect">
             <a:avLst/>
@@ -15126,13 +16159,13 @@
         </p:nvPicPr>
         <p:blipFill rotWithShape="1">
           <a:blip r:embed="rId3"/>
-          <a:srcRect l="32149" r="3532"/>
+          <a:srcRect l="32149" r="41569"/>
           <a:stretch/>
         </p:blipFill>
         <p:spPr>
           <a:xfrm>
             <a:off x="2114263" y="1681571"/>
-            <a:ext cx="2732644" cy="867359"/>
+            <a:ext cx="1116617" cy="867359"/>
           </a:xfrm>
           <a:prstGeom prst="rect">
             <a:avLst/>
@@ -15353,6 +16386,35 @@
           </a:p>
         </p:txBody>
       </p:sp>
+      <p:pic>
+        <p:nvPicPr>
+          <p:cNvPr id="17" name="Grafik 4">
+            <a:extLst>
+              <a:ext uri="{FF2B5EF4-FFF2-40B4-BE49-F238E27FC236}">
+                <a16:creationId xmlns:a16="http://schemas.microsoft.com/office/drawing/2014/main" id="{9663960F-8A7E-F8E4-BC50-AF615E2B08AF}"/>
+              </a:ext>
+            </a:extLst>
+          </p:cNvPr>
+          <p:cNvPicPr>
+            <a:picLocks noChangeAspect="1"/>
+          </p:cNvPicPr>
+          <p:nvPr/>
+        </p:nvPicPr>
+        <p:blipFill rotWithShape="1">
+          <a:blip r:embed="rId3"/>
+          <a:srcRect l="38117" r="41569"/>
+          <a:stretch/>
+        </p:blipFill>
+        <p:spPr>
+          <a:xfrm>
+            <a:off x="1448156" y="5510216"/>
+            <a:ext cx="863077" cy="867359"/>
+          </a:xfrm>
+          <a:prstGeom prst="rect">
+            <a:avLst/>
+          </a:prstGeom>
+        </p:spPr>
+      </p:pic>
     </p:spTree>
     <p:extLst>
       <p:ext uri="{BB962C8B-B14F-4D97-AF65-F5344CB8AC3E}">
@@ -15740,6 +16802,33 @@
                                         </p:cTn>
                                         <p:tgtEl>
                                           <p:spTgt spid="15"/>
+                                        </p:tgtEl>
+                                        <p:attrNameLst>
+                                          <p:attrName>style.visibility</p:attrName>
+                                        </p:attrNameLst>
+                                      </p:cBhvr>
+                                      <p:to>
+                                        <p:strVal val="visible"/>
+                                      </p:to>
+                                    </p:set>
+                                  </p:childTnLst>
+                                </p:cTn>
+                              </p:par>
+                              <p:par>
+                                <p:cTn id="35" presetID="1" presetClass="entr" presetSubtype="0" fill="hold" nodeType="withEffect">
+                                  <p:stCondLst>
+                                    <p:cond delay="0"/>
+                                  </p:stCondLst>
+                                  <p:childTnLst>
+                                    <p:set>
+                                      <p:cBhvr>
+                                        <p:cTn id="36" dur="1" fill="hold">
+                                          <p:stCondLst>
+                                            <p:cond delay="0"/>
+                                          </p:stCondLst>
+                                        </p:cTn>
+                                        <p:tgtEl>
+                                          <p:spTgt spid="17"/>
                                         </p:tgtEl>
                                         <p:attrNameLst>
                                           <p:attrName>style.visibility</p:attrName>

--- a/theory/submission/result_presentation.pptx
+++ b/theory/submission/result_presentation.pptx
@@ -5,7 +5,7 @@
     <p:sldMasterId id="2147483648" r:id="rId1"/>
   </p:sldMasterIdLst>
   <p:notesMasterIdLst>
-    <p:notesMasterId r:id="rId22"/>
+    <p:notesMasterId r:id="rId18"/>
   </p:notesMasterIdLst>
   <p:sldIdLst>
     <p:sldId id="256" r:id="rId2"/>
@@ -20,14 +20,10 @@
     <p:sldId id="264" r:id="rId11"/>
     <p:sldId id="278" r:id="rId12"/>
     <p:sldId id="267" r:id="rId13"/>
-    <p:sldId id="268" r:id="rId14"/>
-    <p:sldId id="269" r:id="rId15"/>
-    <p:sldId id="270" r:id="rId16"/>
-    <p:sldId id="271" r:id="rId17"/>
-    <p:sldId id="272" r:id="rId18"/>
-    <p:sldId id="273" r:id="rId19"/>
-    <p:sldId id="276" r:id="rId20"/>
-    <p:sldId id="274" r:id="rId21"/>
+    <p:sldId id="279" r:id="rId14"/>
+    <p:sldId id="273" r:id="rId15"/>
+    <p:sldId id="276" r:id="rId16"/>
+    <p:sldId id="274" r:id="rId17"/>
   </p:sldIdLst>
   <p:sldSz cx="12192000" cy="6858000"/>
   <p:notesSz cx="6858000" cy="9144000"/>
@@ -757,7 +753,7 @@
           <a:p>
             <a:fld id="{D4C12A24-BF94-4906-B274-F5BF4D611E23}" type="slidenum">
               <a:rPr lang="de-DE" smtClean="0"/>
-              <a:t>19</a:t>
+              <a:t>15</a:t>
             </a:fld>
             <a:endParaRPr lang="de-DE"/>
           </a:p>
@@ -6760,8 +6756,8 @@
         </p:nvSpPr>
         <p:spPr>
           <a:xfrm>
-            <a:off x="1218029" y="1817449"/>
-            <a:ext cx="2016367" cy="523220"/>
+            <a:off x="1218030" y="1751795"/>
+            <a:ext cx="1941728" cy="738664"/>
           </a:xfrm>
           <a:prstGeom prst="rect">
             <a:avLst/>
@@ -6776,7 +6772,15 @@
           <a:p>
             <a:r>
               <a:rPr lang="de-DE" sz="1400" dirty="0"/>
-              <a:t>Gewichtsgradient im Layer l</a:t>
+              <a:t>Ableitung der </a:t>
+            </a:r>
+            <a:r>
+              <a:rPr lang="de-DE" sz="1400" i="1" dirty="0"/>
+              <a:t>Fehlerfunktion</a:t>
+            </a:r>
+            <a:r>
+              <a:rPr lang="de-DE" sz="1400" dirty="0"/>
+              <a:t> nach den Gewichten in Layer l</a:t>
             </a:r>
           </a:p>
         </p:txBody>
@@ -6802,7 +6806,7 @@
         </p:blipFill>
         <p:spPr>
           <a:xfrm>
-            <a:off x="2915922" y="1778749"/>
+            <a:off x="3159758" y="1778749"/>
             <a:ext cx="1167874" cy="600620"/>
           </a:xfrm>
           <a:prstGeom prst="rect">
@@ -7533,7 +7537,7 @@
         <p:spPr/>
         <p:txBody>
           <a:bodyPr>
-            <a:normAutofit fontScale="90000"/>
+            <a:normAutofit/>
           </a:bodyPr>
           <a:lstStyle/>
           <a:p>
@@ -7545,19 +7549,8 @@
               <a:rPr lang="de-DE" dirty="0"/>
             </a:br>
             <a:r>
-              <a:rPr lang="de-DE" sz="2400" dirty="0" err="1"/>
-              <a:t>Backward</a:t>
-            </a:r>
-            <a:r>
               <a:rPr lang="de-DE" sz="2400" dirty="0"/>
-              <a:t>-Propagation für ein einziges Input</a:t>
-            </a:r>
-            <a:br>
-              <a:rPr lang="de-DE" sz="2400" dirty="0"/>
-            </a:br>
-            <a:r>
-              <a:rPr lang="de-DE" sz="2400" dirty="0"/>
-              <a:t>Bias-Gradienten </a:t>
+              <a:t>Gewichtsgradient für ein Batch von Daten</a:t>
             </a:r>
             <a:endParaRPr lang="de-DE" dirty="0"/>
           </a:p>
@@ -7565,10 +7558,10 @@
       </p:sp>
       <p:pic>
         <p:nvPicPr>
-          <p:cNvPr id="5" name="Grafik 4">
-            <a:extLst>
-              <a:ext uri="{FF2B5EF4-FFF2-40B4-BE49-F238E27FC236}">
-                <a16:creationId xmlns:a16="http://schemas.microsoft.com/office/drawing/2014/main" id="{CACAAFE8-4AEB-4BF4-993B-8F501F8E2E70}"/>
+          <p:cNvPr id="4" name="Picture 3">
+            <a:extLst>
+              <a:ext uri="{FF2B5EF4-FFF2-40B4-BE49-F238E27FC236}">
+                <a16:creationId xmlns:a16="http://schemas.microsoft.com/office/drawing/2014/main" id="{0653E6F4-87F0-8C2B-35BB-954B7EF3CD1B}"/>
               </a:ext>
             </a:extLst>
           </p:cNvPr>
@@ -7577,16 +7570,15 @@
           </p:cNvPicPr>
           <p:nvPr/>
         </p:nvPicPr>
-        <p:blipFill>
+        <p:blipFill rotWithShape="1">
           <a:blip r:embed="rId2"/>
-          <a:stretch>
-            <a:fillRect/>
-          </a:stretch>
+          <a:srcRect r="71910"/>
+          <a:stretch/>
         </p:blipFill>
         <p:spPr>
           <a:xfrm>
-            <a:off x="3725082" y="2488078"/>
-            <a:ext cx="2961762" cy="644655"/>
+            <a:off x="767200" y="1881462"/>
+            <a:ext cx="672392" cy="818710"/>
           </a:xfrm>
           <a:prstGeom prst="rect">
             <a:avLst/>
@@ -7595,10 +7587,10 @@
       </p:pic>
       <p:pic>
         <p:nvPicPr>
-          <p:cNvPr id="8" name="Grafik 7">
-            <a:extLst>
-              <a:ext uri="{FF2B5EF4-FFF2-40B4-BE49-F238E27FC236}">
-                <a16:creationId xmlns:a16="http://schemas.microsoft.com/office/drawing/2014/main" id="{329D09E1-DBDE-474A-AFF5-A22397F77A2E}"/>
+          <p:cNvPr id="20" name="Picture 19">
+            <a:extLst>
+              <a:ext uri="{FF2B5EF4-FFF2-40B4-BE49-F238E27FC236}">
+                <a16:creationId xmlns:a16="http://schemas.microsoft.com/office/drawing/2014/main" id="{73A0C33C-7B55-C0C6-B6FF-5A7D72AC2C57}"/>
               </a:ext>
             </a:extLst>
           </p:cNvPr>
@@ -7607,16 +7599,252 @@
           </p:cNvPicPr>
           <p:nvPr/>
         </p:nvPicPr>
-        <p:blipFill>
-          <a:blip r:embed="rId3"/>
-          <a:stretch>
-            <a:fillRect/>
-          </a:stretch>
+        <p:blipFill rotWithShape="1">
+          <a:blip r:embed="rId2"/>
+          <a:srcRect l="28255" r="6119"/>
+          <a:stretch/>
         </p:blipFill>
         <p:spPr>
           <a:xfrm>
-            <a:off x="3992441" y="3816082"/>
-            <a:ext cx="2347399" cy="517318"/>
+            <a:off x="3887371" y="1881462"/>
+            <a:ext cx="1570893" cy="818710"/>
+          </a:xfrm>
+          <a:prstGeom prst="rect">
+            <a:avLst/>
+          </a:prstGeom>
+        </p:spPr>
+      </p:pic>
+      <p:sp>
+        <p:nvSpPr>
+          <p:cNvPr id="6" name="TextBox 5">
+            <a:extLst>
+              <a:ext uri="{FF2B5EF4-FFF2-40B4-BE49-F238E27FC236}">
+                <a16:creationId xmlns:a16="http://schemas.microsoft.com/office/drawing/2014/main" id="{CE80DD6B-6BDA-850F-0ECB-C4C38B1D5B5C}"/>
+              </a:ext>
+            </a:extLst>
+          </p:cNvPr>
+          <p:cNvSpPr txBox="1"/>
+          <p:nvPr/>
+        </p:nvSpPr>
+        <p:spPr>
+          <a:xfrm>
+            <a:off x="1749080" y="1921485"/>
+            <a:ext cx="1992923" cy="738664"/>
+          </a:xfrm>
+          <a:prstGeom prst="rect">
+            <a:avLst/>
+          </a:prstGeom>
+          <a:noFill/>
+        </p:spPr>
+        <p:txBody>
+          <a:bodyPr wrap="square" rtlCol="0">
+            <a:spAutoFit/>
+          </a:bodyPr>
+          <a:lstStyle/>
+          <a:p>
+            <a:r>
+              <a:rPr lang="de-DE" sz="1400" dirty="0"/>
+              <a:t>Ableitung der </a:t>
+            </a:r>
+            <a:r>
+              <a:rPr lang="de-DE" sz="1400" i="1" dirty="0"/>
+              <a:t>Kostenfunktion</a:t>
+            </a:r>
+            <a:r>
+              <a:rPr lang="de-DE" sz="1400" dirty="0"/>
+              <a:t> nach den Gewichten in Layer l</a:t>
+            </a:r>
+          </a:p>
+        </p:txBody>
+      </p:sp>
+      <p:pic>
+        <p:nvPicPr>
+          <p:cNvPr id="22" name="Picture 21">
+            <a:extLst>
+              <a:ext uri="{FF2B5EF4-FFF2-40B4-BE49-F238E27FC236}">
+                <a16:creationId xmlns:a16="http://schemas.microsoft.com/office/drawing/2014/main" id="{A22C224D-4A77-684B-AEEB-72AE526343FD}"/>
+              </a:ext>
+            </a:extLst>
+          </p:cNvPr>
+          <p:cNvPicPr>
+            <a:picLocks noChangeAspect="1"/>
+          </p:cNvPicPr>
+          <p:nvPr/>
+        </p:nvPicPr>
+        <p:blipFill rotWithShape="1">
+          <a:blip r:embed="rId2"/>
+          <a:srcRect l="69982" r="6119"/>
+          <a:stretch/>
+        </p:blipFill>
+        <p:spPr>
+          <a:xfrm>
+            <a:off x="7122934" y="1893388"/>
+            <a:ext cx="572084" cy="818710"/>
+          </a:xfrm>
+          <a:prstGeom prst="rect">
+            <a:avLst/>
+          </a:prstGeom>
+        </p:spPr>
+      </p:pic>
+      <p:pic>
+        <p:nvPicPr>
+          <p:cNvPr id="23" name="Picture 22">
+            <a:extLst>
+              <a:ext uri="{FF2B5EF4-FFF2-40B4-BE49-F238E27FC236}">
+                <a16:creationId xmlns:a16="http://schemas.microsoft.com/office/drawing/2014/main" id="{7036A2CA-74BE-9FF5-A152-2315D5937E63}"/>
+              </a:ext>
+            </a:extLst>
+          </p:cNvPr>
+          <p:cNvPicPr>
+            <a:picLocks noChangeAspect="1"/>
+          </p:cNvPicPr>
+          <p:nvPr/>
+        </p:nvPicPr>
+        <p:blipFill rotWithShape="1">
+          <a:blip r:embed="rId2"/>
+          <a:srcRect l="28255" r="62048"/>
+          <a:stretch/>
+        </p:blipFill>
+        <p:spPr>
+          <a:xfrm>
+            <a:off x="9180053" y="1893388"/>
+            <a:ext cx="232117" cy="818710"/>
+          </a:xfrm>
+          <a:prstGeom prst="rect">
+            <a:avLst/>
+          </a:prstGeom>
+        </p:spPr>
+      </p:pic>
+      <p:pic>
+        <p:nvPicPr>
+          <p:cNvPr id="27" name="Picture 26">
+            <a:extLst>
+              <a:ext uri="{FF2B5EF4-FFF2-40B4-BE49-F238E27FC236}">
+                <a16:creationId xmlns:a16="http://schemas.microsoft.com/office/drawing/2014/main" id="{A4251BA3-6F7D-44FA-5435-2857511AF3F9}"/>
+              </a:ext>
+            </a:extLst>
+          </p:cNvPr>
+          <p:cNvPicPr>
+            <a:picLocks noChangeAspect="1"/>
+          </p:cNvPicPr>
+          <p:nvPr/>
+        </p:nvPicPr>
+        <p:blipFill rotWithShape="1">
+          <a:blip r:embed="rId3"/>
+          <a:srcRect b="8277"/>
+          <a:stretch/>
+        </p:blipFill>
+        <p:spPr>
+          <a:xfrm>
+            <a:off x="464232" y="3329041"/>
+            <a:ext cx="8097446" cy="3038934"/>
+          </a:xfrm>
+          <a:prstGeom prst="rect">
+            <a:avLst/>
+          </a:prstGeom>
+        </p:spPr>
+      </p:pic>
+      <p:sp>
+        <p:nvSpPr>
+          <p:cNvPr id="28" name="TextBox 27">
+            <a:extLst>
+              <a:ext uri="{FF2B5EF4-FFF2-40B4-BE49-F238E27FC236}">
+                <a16:creationId xmlns:a16="http://schemas.microsoft.com/office/drawing/2014/main" id="{F858C0D2-14B3-A43D-8DD4-B37BFBCF2AEE}"/>
+              </a:ext>
+            </a:extLst>
+          </p:cNvPr>
+          <p:cNvSpPr txBox="1"/>
+          <p:nvPr/>
+        </p:nvSpPr>
+        <p:spPr>
+          <a:xfrm>
+            <a:off x="8932984" y="4496200"/>
+            <a:ext cx="2739614" cy="738664"/>
+          </a:xfrm>
+          <a:prstGeom prst="rect">
+            <a:avLst/>
+          </a:prstGeom>
+          <a:noFill/>
+        </p:spPr>
+        <p:txBody>
+          <a:bodyPr wrap="square" rtlCol="0">
+            <a:spAutoFit/>
+          </a:bodyPr>
+          <a:lstStyle/>
+          <a:p>
+            <a:r>
+              <a:rPr lang="de-DE" sz="1400" dirty="0"/>
+              <a:t>Das Mittel wird über alle Elemente entlang der Tiefendimension (</a:t>
+            </a:r>
+            <a:r>
+              <a:rPr lang="de-DE" sz="1400" dirty="0" err="1"/>
+              <a:t>axis</a:t>
+            </a:r>
+            <a:r>
+              <a:rPr lang="de-DE" sz="1400" dirty="0"/>
+              <a:t>=0) gebildet</a:t>
+            </a:r>
+          </a:p>
+        </p:txBody>
+      </p:sp>
+      <p:sp>
+        <p:nvSpPr>
+          <p:cNvPr id="29" name="TextBox 28">
+            <a:extLst>
+              <a:ext uri="{FF2B5EF4-FFF2-40B4-BE49-F238E27FC236}">
+                <a16:creationId xmlns:a16="http://schemas.microsoft.com/office/drawing/2014/main" id="{647C521E-6009-8637-EF60-4004ECC8DD20}"/>
+              </a:ext>
+            </a:extLst>
+          </p:cNvPr>
+          <p:cNvSpPr txBox="1"/>
+          <p:nvPr/>
+        </p:nvSpPr>
+        <p:spPr>
+          <a:xfrm>
+            <a:off x="7737223" y="1933411"/>
+            <a:ext cx="1378634" cy="738664"/>
+          </a:xfrm>
+          <a:prstGeom prst="rect">
+            <a:avLst/>
+          </a:prstGeom>
+          <a:noFill/>
+        </p:spPr>
+        <p:txBody>
+          <a:bodyPr wrap="square" rtlCol="0">
+            <a:spAutoFit/>
+          </a:bodyPr>
+          <a:lstStyle/>
+          <a:p>
+            <a:r>
+              <a:rPr lang="de-DE" sz="1400" dirty="0"/>
+              <a:t>Ableitung eines einzelnen Fehlers</a:t>
+            </a:r>
+          </a:p>
+        </p:txBody>
+      </p:sp>
+      <p:pic>
+        <p:nvPicPr>
+          <p:cNvPr id="30" name="Picture 29">
+            <a:extLst>
+              <a:ext uri="{FF2B5EF4-FFF2-40B4-BE49-F238E27FC236}">
+                <a16:creationId xmlns:a16="http://schemas.microsoft.com/office/drawing/2014/main" id="{769FB9EB-483B-C7D8-71BA-AA30A8AC214A}"/>
+              </a:ext>
+            </a:extLst>
+          </p:cNvPr>
+          <p:cNvPicPr>
+            <a:picLocks noChangeAspect="1"/>
+          </p:cNvPicPr>
+          <p:nvPr/>
+        </p:nvPicPr>
+        <p:blipFill rotWithShape="1">
+          <a:blip r:embed="rId4"/>
+          <a:srcRect r="2437"/>
+          <a:stretch/>
+        </p:blipFill>
+        <p:spPr>
+          <a:xfrm>
+            <a:off x="9470147" y="1685999"/>
+            <a:ext cx="2252934" cy="1233488"/>
           </a:xfrm>
           <a:prstGeom prst="rect">
             <a:avLst/>
@@ -7626,509 +7854,367 @@
     </p:spTree>
     <p:extLst>
       <p:ext uri="{BB962C8B-B14F-4D97-AF65-F5344CB8AC3E}">
-        <p14:creationId xmlns:p14="http://schemas.microsoft.com/office/powerpoint/2010/main" val="2684554406"/>
+        <p14:creationId xmlns:p14="http://schemas.microsoft.com/office/powerpoint/2010/main" val="702087209"/>
       </p:ext>
     </p:extLst>
   </p:cSld>
   <p:clrMapOvr>
     <a:masterClrMapping/>
   </p:clrMapOvr>
+  <p:timing>
+    <p:tnLst>
+      <p:par>
+        <p:cTn id="1" dur="indefinite" restart="never" nodeType="tmRoot">
+          <p:childTnLst>
+            <p:seq concurrent="1" nextAc="seek">
+              <p:cTn id="2" dur="indefinite" nodeType="mainSeq">
+                <p:childTnLst>
+                  <p:par>
+                    <p:cTn id="3" fill="hold">
+                      <p:stCondLst>
+                        <p:cond delay="indefinite"/>
+                      </p:stCondLst>
+                      <p:childTnLst>
+                        <p:par>
+                          <p:cTn id="4" fill="hold">
+                            <p:stCondLst>
+                              <p:cond delay="0"/>
+                            </p:stCondLst>
+                            <p:childTnLst>
+                              <p:par>
+                                <p:cTn id="5" presetID="1" presetClass="entr" presetSubtype="0" fill="hold" nodeType="clickEffect">
+                                  <p:stCondLst>
+                                    <p:cond delay="0"/>
+                                  </p:stCondLst>
+                                  <p:childTnLst>
+                                    <p:set>
+                                      <p:cBhvr>
+                                        <p:cTn id="6" dur="1" fill="hold">
+                                          <p:stCondLst>
+                                            <p:cond delay="0"/>
+                                          </p:stCondLst>
+                                        </p:cTn>
+                                        <p:tgtEl>
+                                          <p:spTgt spid="4"/>
+                                        </p:tgtEl>
+                                        <p:attrNameLst>
+                                          <p:attrName>style.visibility</p:attrName>
+                                        </p:attrNameLst>
+                                      </p:cBhvr>
+                                      <p:to>
+                                        <p:strVal val="visible"/>
+                                      </p:to>
+                                    </p:set>
+                                  </p:childTnLst>
+                                </p:cTn>
+                              </p:par>
+                              <p:par>
+                                <p:cTn id="7" presetID="1" presetClass="entr" presetSubtype="0" fill="hold" grpId="0" nodeType="withEffect">
+                                  <p:stCondLst>
+                                    <p:cond delay="0"/>
+                                  </p:stCondLst>
+                                  <p:childTnLst>
+                                    <p:set>
+                                      <p:cBhvr>
+                                        <p:cTn id="8" dur="1" fill="hold">
+                                          <p:stCondLst>
+                                            <p:cond delay="0"/>
+                                          </p:stCondLst>
+                                        </p:cTn>
+                                        <p:tgtEl>
+                                          <p:spTgt spid="6"/>
+                                        </p:tgtEl>
+                                        <p:attrNameLst>
+                                          <p:attrName>style.visibility</p:attrName>
+                                        </p:attrNameLst>
+                                      </p:cBhvr>
+                                      <p:to>
+                                        <p:strVal val="visible"/>
+                                      </p:to>
+                                    </p:set>
+                                  </p:childTnLst>
+                                </p:cTn>
+                              </p:par>
+                            </p:childTnLst>
+                          </p:cTn>
+                        </p:par>
+                      </p:childTnLst>
+                    </p:cTn>
+                  </p:par>
+                  <p:par>
+                    <p:cTn id="9" fill="hold">
+                      <p:stCondLst>
+                        <p:cond delay="indefinite"/>
+                      </p:stCondLst>
+                      <p:childTnLst>
+                        <p:par>
+                          <p:cTn id="10" fill="hold">
+                            <p:stCondLst>
+                              <p:cond delay="0"/>
+                            </p:stCondLst>
+                            <p:childTnLst>
+                              <p:par>
+                                <p:cTn id="11" presetID="1" presetClass="entr" presetSubtype="0" fill="hold" nodeType="clickEffect">
+                                  <p:stCondLst>
+                                    <p:cond delay="0"/>
+                                  </p:stCondLst>
+                                  <p:childTnLst>
+                                    <p:set>
+                                      <p:cBhvr>
+                                        <p:cTn id="12" dur="1" fill="hold">
+                                          <p:stCondLst>
+                                            <p:cond delay="0"/>
+                                          </p:stCondLst>
+                                        </p:cTn>
+                                        <p:tgtEl>
+                                          <p:spTgt spid="20"/>
+                                        </p:tgtEl>
+                                        <p:attrNameLst>
+                                          <p:attrName>style.visibility</p:attrName>
+                                        </p:attrNameLst>
+                                      </p:cBhvr>
+                                      <p:to>
+                                        <p:strVal val="visible"/>
+                                      </p:to>
+                                    </p:set>
+                                  </p:childTnLst>
+                                </p:cTn>
+                              </p:par>
+                            </p:childTnLst>
+                          </p:cTn>
+                        </p:par>
+                      </p:childTnLst>
+                    </p:cTn>
+                  </p:par>
+                  <p:par>
+                    <p:cTn id="13" fill="hold">
+                      <p:stCondLst>
+                        <p:cond delay="indefinite"/>
+                      </p:stCondLst>
+                      <p:childTnLst>
+                        <p:par>
+                          <p:cTn id="14" fill="hold">
+                            <p:stCondLst>
+                              <p:cond delay="0"/>
+                            </p:stCondLst>
+                            <p:childTnLst>
+                              <p:par>
+                                <p:cTn id="15" presetID="1" presetClass="entr" presetSubtype="0" fill="hold" nodeType="clickEffect">
+                                  <p:stCondLst>
+                                    <p:cond delay="0"/>
+                                  </p:stCondLst>
+                                  <p:childTnLst>
+                                    <p:set>
+                                      <p:cBhvr>
+                                        <p:cTn id="16" dur="1" fill="hold">
+                                          <p:stCondLst>
+                                            <p:cond delay="0"/>
+                                          </p:stCondLst>
+                                        </p:cTn>
+                                        <p:tgtEl>
+                                          <p:spTgt spid="22"/>
+                                        </p:tgtEl>
+                                        <p:attrNameLst>
+                                          <p:attrName>style.visibility</p:attrName>
+                                        </p:attrNameLst>
+                                      </p:cBhvr>
+                                      <p:to>
+                                        <p:strVal val="visible"/>
+                                      </p:to>
+                                    </p:set>
+                                  </p:childTnLst>
+                                </p:cTn>
+                              </p:par>
+                              <p:par>
+                                <p:cTn id="17" presetID="1" presetClass="entr" presetSubtype="0" fill="hold" grpId="0" nodeType="withEffect">
+                                  <p:stCondLst>
+                                    <p:cond delay="0"/>
+                                  </p:stCondLst>
+                                  <p:childTnLst>
+                                    <p:set>
+                                      <p:cBhvr>
+                                        <p:cTn id="18" dur="1" fill="hold">
+                                          <p:stCondLst>
+                                            <p:cond delay="0"/>
+                                          </p:stCondLst>
+                                        </p:cTn>
+                                        <p:tgtEl>
+                                          <p:spTgt spid="29"/>
+                                        </p:tgtEl>
+                                        <p:attrNameLst>
+                                          <p:attrName>style.visibility</p:attrName>
+                                        </p:attrNameLst>
+                                      </p:cBhvr>
+                                      <p:to>
+                                        <p:strVal val="visible"/>
+                                      </p:to>
+                                    </p:set>
+                                  </p:childTnLst>
+                                </p:cTn>
+                              </p:par>
+                              <p:par>
+                                <p:cTn id="19" presetID="1" presetClass="entr" presetSubtype="0" fill="hold" nodeType="withEffect">
+                                  <p:stCondLst>
+                                    <p:cond delay="0"/>
+                                  </p:stCondLst>
+                                  <p:childTnLst>
+                                    <p:set>
+                                      <p:cBhvr>
+                                        <p:cTn id="20" dur="1" fill="hold">
+                                          <p:stCondLst>
+                                            <p:cond delay="0"/>
+                                          </p:stCondLst>
+                                        </p:cTn>
+                                        <p:tgtEl>
+                                          <p:spTgt spid="23"/>
+                                        </p:tgtEl>
+                                        <p:attrNameLst>
+                                          <p:attrName>style.visibility</p:attrName>
+                                        </p:attrNameLst>
+                                      </p:cBhvr>
+                                      <p:to>
+                                        <p:strVal val="visible"/>
+                                      </p:to>
+                                    </p:set>
+                                  </p:childTnLst>
+                                </p:cTn>
+                              </p:par>
+                              <p:par>
+                                <p:cTn id="21" presetID="1" presetClass="entr" presetSubtype="0" fill="hold" nodeType="withEffect">
+                                  <p:stCondLst>
+                                    <p:cond delay="0"/>
+                                  </p:stCondLst>
+                                  <p:childTnLst>
+                                    <p:set>
+                                      <p:cBhvr>
+                                        <p:cTn id="22" dur="1" fill="hold">
+                                          <p:stCondLst>
+                                            <p:cond delay="0"/>
+                                          </p:stCondLst>
+                                        </p:cTn>
+                                        <p:tgtEl>
+                                          <p:spTgt spid="30"/>
+                                        </p:tgtEl>
+                                        <p:attrNameLst>
+                                          <p:attrName>style.visibility</p:attrName>
+                                        </p:attrNameLst>
+                                      </p:cBhvr>
+                                      <p:to>
+                                        <p:strVal val="visible"/>
+                                      </p:to>
+                                    </p:set>
+                                  </p:childTnLst>
+                                </p:cTn>
+                              </p:par>
+                            </p:childTnLst>
+                          </p:cTn>
+                        </p:par>
+                      </p:childTnLst>
+                    </p:cTn>
+                  </p:par>
+                  <p:par>
+                    <p:cTn id="23" fill="hold">
+                      <p:stCondLst>
+                        <p:cond delay="indefinite"/>
+                      </p:stCondLst>
+                      <p:childTnLst>
+                        <p:par>
+                          <p:cTn id="24" fill="hold">
+                            <p:stCondLst>
+                              <p:cond delay="0"/>
+                            </p:stCondLst>
+                            <p:childTnLst>
+                              <p:par>
+                                <p:cTn id="25" presetID="1" presetClass="entr" presetSubtype="0" fill="hold" nodeType="clickEffect">
+                                  <p:stCondLst>
+                                    <p:cond delay="0"/>
+                                  </p:stCondLst>
+                                  <p:childTnLst>
+                                    <p:set>
+                                      <p:cBhvr>
+                                        <p:cTn id="26" dur="1" fill="hold">
+                                          <p:stCondLst>
+                                            <p:cond delay="0"/>
+                                          </p:stCondLst>
+                                        </p:cTn>
+                                        <p:tgtEl>
+                                          <p:spTgt spid="27"/>
+                                        </p:tgtEl>
+                                        <p:attrNameLst>
+                                          <p:attrName>style.visibility</p:attrName>
+                                        </p:attrNameLst>
+                                      </p:cBhvr>
+                                      <p:to>
+                                        <p:strVal val="visible"/>
+                                      </p:to>
+                                    </p:set>
+                                  </p:childTnLst>
+                                </p:cTn>
+                              </p:par>
+                              <p:par>
+                                <p:cTn id="27" presetID="1" presetClass="entr" presetSubtype="0" fill="hold" grpId="0" nodeType="withEffect">
+                                  <p:stCondLst>
+                                    <p:cond delay="0"/>
+                                  </p:stCondLst>
+                                  <p:childTnLst>
+                                    <p:set>
+                                      <p:cBhvr>
+                                        <p:cTn id="28" dur="1" fill="hold">
+                                          <p:stCondLst>
+                                            <p:cond delay="0"/>
+                                          </p:stCondLst>
+                                        </p:cTn>
+                                        <p:tgtEl>
+                                          <p:spTgt spid="28"/>
+                                        </p:tgtEl>
+                                        <p:attrNameLst>
+                                          <p:attrName>style.visibility</p:attrName>
+                                        </p:attrNameLst>
+                                      </p:cBhvr>
+                                      <p:to>
+                                        <p:strVal val="visible"/>
+                                      </p:to>
+                                    </p:set>
+                                  </p:childTnLst>
+                                </p:cTn>
+                              </p:par>
+                            </p:childTnLst>
+                          </p:cTn>
+                        </p:par>
+                      </p:childTnLst>
+                    </p:cTn>
+                  </p:par>
+                </p:childTnLst>
+              </p:cTn>
+              <p:prevCondLst>
+                <p:cond evt="onPrev" delay="0">
+                  <p:tgtEl>
+                    <p:sldTgt/>
+                  </p:tgtEl>
+                </p:cond>
+              </p:prevCondLst>
+              <p:nextCondLst>
+                <p:cond evt="onNext" delay="0">
+                  <p:tgtEl>
+                    <p:sldTgt/>
+                  </p:tgtEl>
+                </p:cond>
+              </p:nextCondLst>
+            </p:seq>
+          </p:childTnLst>
+        </p:cTn>
+      </p:par>
+    </p:tnLst>
+    <p:bldLst>
+      <p:bldP spid="6" grpId="0"/>
+      <p:bldP spid="28" grpId="0"/>
+      <p:bldP spid="29" grpId="0"/>
+    </p:bldLst>
+  </p:timing>
 </p:sld>
 </file>
 
 <file path=ppt/slides/slide14.xml><?xml version="1.0" encoding="utf-8"?>
-<p:sld xmlns:a="http://schemas.openxmlformats.org/drawingml/2006/main" xmlns:r="http://schemas.openxmlformats.org/officeDocument/2006/relationships" xmlns:p="http://schemas.openxmlformats.org/presentationml/2006/main">
-  <p:cSld>
-    <p:spTree>
-      <p:nvGrpSpPr>
-        <p:cNvPr id="1" name=""/>
-        <p:cNvGrpSpPr/>
-        <p:nvPr/>
-      </p:nvGrpSpPr>
-      <p:grpSpPr>
-        <a:xfrm>
-          <a:off x="0" y="0"/>
-          <a:ext cx="0" cy="0"/>
-          <a:chOff x="0" y="0"/>
-          <a:chExt cx="0" cy="0"/>
-        </a:xfrm>
-      </p:grpSpPr>
-      <p:sp>
-        <p:nvSpPr>
-          <p:cNvPr id="2" name="Titel 1">
-            <a:extLst>
-              <a:ext uri="{FF2B5EF4-FFF2-40B4-BE49-F238E27FC236}">
-                <a16:creationId xmlns:a16="http://schemas.microsoft.com/office/drawing/2014/main" id="{2911F67F-327B-4C51-B9E3-A1D3BCC720A5}"/>
-              </a:ext>
-            </a:extLst>
-          </p:cNvPr>
-          <p:cNvSpPr>
-            <a:spLocks noGrp="1"/>
-          </p:cNvSpPr>
-          <p:nvPr>
-            <p:ph type="title"/>
-          </p:nvPr>
-        </p:nvSpPr>
-        <p:spPr/>
-        <p:txBody>
-          <a:bodyPr>
-            <a:normAutofit fontScale="90000"/>
-          </a:bodyPr>
-          <a:lstStyle/>
-          <a:p>
-            <a:r>
-              <a:rPr lang="de-DE" dirty="0"/>
-              <a:t>Mathematische Herleitungen</a:t>
-            </a:r>
-            <a:br>
-              <a:rPr lang="de-DE" dirty="0"/>
-            </a:br>
-            <a:r>
-              <a:rPr lang="de-DE" sz="2400" dirty="0" err="1"/>
-              <a:t>Backward</a:t>
-            </a:r>
-            <a:r>
-              <a:rPr lang="de-DE" sz="2400" dirty="0"/>
-              <a:t>-Propagation für Batch an Inputs</a:t>
-            </a:r>
-            <a:br>
-              <a:rPr lang="de-DE" sz="2400" dirty="0"/>
-            </a:br>
-            <a:r>
-              <a:rPr lang="de-DE" sz="2400" dirty="0"/>
-              <a:t>Fehler am Output Layer </a:t>
-            </a:r>
-            <a:endParaRPr lang="de-DE" dirty="0"/>
-          </a:p>
-        </p:txBody>
-      </p:sp>
-      <p:pic>
-        <p:nvPicPr>
-          <p:cNvPr id="4" name="Grafik 3">
-            <a:extLst>
-              <a:ext uri="{FF2B5EF4-FFF2-40B4-BE49-F238E27FC236}">
-                <a16:creationId xmlns:a16="http://schemas.microsoft.com/office/drawing/2014/main" id="{8FA981C8-7C1A-456C-8E38-F4C7472EB048}"/>
-              </a:ext>
-            </a:extLst>
-          </p:cNvPr>
-          <p:cNvPicPr>
-            <a:picLocks noChangeAspect="1"/>
-          </p:cNvPicPr>
-          <p:nvPr/>
-        </p:nvPicPr>
-        <p:blipFill rotWithShape="1">
-          <a:blip r:embed="rId2"/>
-          <a:srcRect l="1346" t="9897" r="3577" b="19775"/>
-          <a:stretch/>
-        </p:blipFill>
-        <p:spPr>
-          <a:xfrm>
-            <a:off x="1355188" y="1593594"/>
-            <a:ext cx="8809892" cy="2651521"/>
-          </a:xfrm>
-          <a:prstGeom prst="rect">
-            <a:avLst/>
-          </a:prstGeom>
-        </p:spPr>
-      </p:pic>
-      <p:pic>
-        <p:nvPicPr>
-          <p:cNvPr id="7" name="Grafik 6">
-            <a:extLst>
-              <a:ext uri="{FF2B5EF4-FFF2-40B4-BE49-F238E27FC236}">
-                <a16:creationId xmlns:a16="http://schemas.microsoft.com/office/drawing/2014/main" id="{4FC34F1A-AA3B-4589-9F44-6C34EA734340}"/>
-              </a:ext>
-            </a:extLst>
-          </p:cNvPr>
-          <p:cNvPicPr>
-            <a:picLocks noChangeAspect="1"/>
-          </p:cNvPicPr>
-          <p:nvPr/>
-        </p:nvPicPr>
-        <p:blipFill rotWithShape="1">
-          <a:blip r:embed="rId3"/>
-          <a:srcRect l="1766" t="1974" r="3002" b="3782"/>
-          <a:stretch/>
-        </p:blipFill>
-        <p:spPr>
-          <a:xfrm>
-            <a:off x="2822917" y="4490029"/>
-            <a:ext cx="5397304" cy="1643484"/>
-          </a:xfrm>
-          <a:prstGeom prst="rect">
-            <a:avLst/>
-          </a:prstGeom>
-        </p:spPr>
-      </p:pic>
-    </p:spTree>
-    <p:extLst>
-      <p:ext uri="{BB962C8B-B14F-4D97-AF65-F5344CB8AC3E}">
-        <p14:creationId xmlns:p14="http://schemas.microsoft.com/office/powerpoint/2010/main" val="3406634330"/>
-      </p:ext>
-    </p:extLst>
-  </p:cSld>
-  <p:clrMapOvr>
-    <a:masterClrMapping/>
-  </p:clrMapOvr>
-</p:sld>
-</file>
-
-<file path=ppt/slides/slide15.xml><?xml version="1.0" encoding="utf-8"?>
-<p:sld xmlns:a="http://schemas.openxmlformats.org/drawingml/2006/main" xmlns:r="http://schemas.openxmlformats.org/officeDocument/2006/relationships" xmlns:p="http://schemas.openxmlformats.org/presentationml/2006/main">
-  <p:cSld>
-    <p:spTree>
-      <p:nvGrpSpPr>
-        <p:cNvPr id="1" name=""/>
-        <p:cNvGrpSpPr/>
-        <p:nvPr/>
-      </p:nvGrpSpPr>
-      <p:grpSpPr>
-        <a:xfrm>
-          <a:off x="0" y="0"/>
-          <a:ext cx="0" cy="0"/>
-          <a:chOff x="0" y="0"/>
-          <a:chExt cx="0" cy="0"/>
-        </a:xfrm>
-      </p:grpSpPr>
-      <p:sp>
-        <p:nvSpPr>
-          <p:cNvPr id="2" name="Titel 1">
-            <a:extLst>
-              <a:ext uri="{FF2B5EF4-FFF2-40B4-BE49-F238E27FC236}">
-                <a16:creationId xmlns:a16="http://schemas.microsoft.com/office/drawing/2014/main" id="{2911F67F-327B-4C51-B9E3-A1D3BCC720A5}"/>
-              </a:ext>
-            </a:extLst>
-          </p:cNvPr>
-          <p:cNvSpPr>
-            <a:spLocks noGrp="1"/>
-          </p:cNvSpPr>
-          <p:nvPr>
-            <p:ph type="title"/>
-          </p:nvPr>
-        </p:nvSpPr>
-        <p:spPr/>
-        <p:txBody>
-          <a:bodyPr>
-            <a:normAutofit fontScale="90000"/>
-          </a:bodyPr>
-          <a:lstStyle/>
-          <a:p>
-            <a:r>
-              <a:rPr lang="de-DE" dirty="0"/>
-              <a:t>Mathematische Herleitungen</a:t>
-            </a:r>
-            <a:br>
-              <a:rPr lang="de-DE" dirty="0"/>
-            </a:br>
-            <a:r>
-              <a:rPr lang="de-DE" sz="2400" dirty="0" err="1"/>
-              <a:t>Backward</a:t>
-            </a:r>
-            <a:r>
-              <a:rPr lang="de-DE" sz="2400" dirty="0"/>
-              <a:t>-Propagation für Batch an Inputs</a:t>
-            </a:r>
-            <a:br>
-              <a:rPr lang="de-DE" sz="2400" dirty="0"/>
-            </a:br>
-            <a:r>
-              <a:rPr lang="de-DE" sz="2400" dirty="0"/>
-              <a:t>Fehler bei einem beliebigem Hidden Layer</a:t>
-            </a:r>
-            <a:endParaRPr lang="de-DE" dirty="0"/>
-          </a:p>
-        </p:txBody>
-      </p:sp>
-      <p:pic>
-        <p:nvPicPr>
-          <p:cNvPr id="5" name="Grafik 4">
-            <a:extLst>
-              <a:ext uri="{FF2B5EF4-FFF2-40B4-BE49-F238E27FC236}">
-                <a16:creationId xmlns:a16="http://schemas.microsoft.com/office/drawing/2014/main" id="{D66D72F6-900E-40E6-B0A5-B639F425B5D5}"/>
-              </a:ext>
-            </a:extLst>
-          </p:cNvPr>
-          <p:cNvPicPr>
-            <a:picLocks noChangeAspect="1"/>
-          </p:cNvPicPr>
-          <p:nvPr/>
-        </p:nvPicPr>
-        <p:blipFill>
-          <a:blip r:embed="rId2"/>
-          <a:stretch>
-            <a:fillRect/>
-          </a:stretch>
-        </p:blipFill>
-        <p:spPr>
-          <a:xfrm>
-            <a:off x="787789" y="1624163"/>
-            <a:ext cx="10193699" cy="2461846"/>
-          </a:xfrm>
-          <a:prstGeom prst="rect">
-            <a:avLst/>
-          </a:prstGeom>
-        </p:spPr>
-      </p:pic>
-      <p:pic>
-        <p:nvPicPr>
-          <p:cNvPr id="8" name="Grafik 7">
-            <a:extLst>
-              <a:ext uri="{FF2B5EF4-FFF2-40B4-BE49-F238E27FC236}">
-                <a16:creationId xmlns:a16="http://schemas.microsoft.com/office/drawing/2014/main" id="{A8DB1B72-D143-4B97-A1C5-EE46728055F7}"/>
-              </a:ext>
-            </a:extLst>
-          </p:cNvPr>
-          <p:cNvPicPr>
-            <a:picLocks noChangeAspect="1"/>
-          </p:cNvPicPr>
-          <p:nvPr/>
-        </p:nvPicPr>
-        <p:blipFill rotWithShape="1">
-          <a:blip r:embed="rId3"/>
-          <a:srcRect l="923" t="4037" r="1577" b="4284"/>
-          <a:stretch/>
-        </p:blipFill>
-        <p:spPr>
-          <a:xfrm>
-            <a:off x="1143482" y="4311092"/>
-            <a:ext cx="9106486" cy="1986543"/>
-          </a:xfrm>
-          <a:prstGeom prst="rect">
-            <a:avLst/>
-          </a:prstGeom>
-        </p:spPr>
-      </p:pic>
-    </p:spTree>
-    <p:extLst>
-      <p:ext uri="{BB962C8B-B14F-4D97-AF65-F5344CB8AC3E}">
-        <p14:creationId xmlns:p14="http://schemas.microsoft.com/office/powerpoint/2010/main" val="3291418702"/>
-      </p:ext>
-    </p:extLst>
-  </p:cSld>
-  <p:clrMapOvr>
-    <a:masterClrMapping/>
-  </p:clrMapOvr>
-</p:sld>
-</file>
-
-<file path=ppt/slides/slide16.xml><?xml version="1.0" encoding="utf-8"?>
-<p:sld xmlns:a="http://schemas.openxmlformats.org/drawingml/2006/main" xmlns:r="http://schemas.openxmlformats.org/officeDocument/2006/relationships" xmlns:p="http://schemas.openxmlformats.org/presentationml/2006/main">
-  <p:cSld>
-    <p:spTree>
-      <p:nvGrpSpPr>
-        <p:cNvPr id="1" name=""/>
-        <p:cNvGrpSpPr/>
-        <p:nvPr/>
-      </p:nvGrpSpPr>
-      <p:grpSpPr>
-        <a:xfrm>
-          <a:off x="0" y="0"/>
-          <a:ext cx="0" cy="0"/>
-          <a:chOff x="0" y="0"/>
-          <a:chExt cx="0" cy="0"/>
-        </a:xfrm>
-      </p:grpSpPr>
-      <p:sp>
-        <p:nvSpPr>
-          <p:cNvPr id="2" name="Titel 1">
-            <a:extLst>
-              <a:ext uri="{FF2B5EF4-FFF2-40B4-BE49-F238E27FC236}">
-                <a16:creationId xmlns:a16="http://schemas.microsoft.com/office/drawing/2014/main" id="{2911F67F-327B-4C51-B9E3-A1D3BCC720A5}"/>
-              </a:ext>
-            </a:extLst>
-          </p:cNvPr>
-          <p:cNvSpPr>
-            <a:spLocks noGrp="1"/>
-          </p:cNvSpPr>
-          <p:nvPr>
-            <p:ph type="title"/>
-          </p:nvPr>
-        </p:nvSpPr>
-        <p:spPr/>
-        <p:txBody>
-          <a:bodyPr>
-            <a:normAutofit fontScale="90000"/>
-          </a:bodyPr>
-          <a:lstStyle/>
-          <a:p>
-            <a:r>
-              <a:rPr lang="de-DE" dirty="0"/>
-              <a:t>Mathematische Herleitungen</a:t>
-            </a:r>
-            <a:br>
-              <a:rPr lang="de-DE" dirty="0"/>
-            </a:br>
-            <a:r>
-              <a:rPr lang="de-DE" sz="2400" dirty="0" err="1"/>
-              <a:t>Backward</a:t>
-            </a:r>
-            <a:r>
-              <a:rPr lang="de-DE" sz="2400" dirty="0"/>
-              <a:t>-Propagation für Batch an Inputs</a:t>
-            </a:r>
-            <a:br>
-              <a:rPr lang="de-DE" sz="2400" dirty="0"/>
-            </a:br>
-            <a:r>
-              <a:rPr lang="de-DE" sz="2400" dirty="0"/>
-              <a:t>Gewichtsgradienten</a:t>
-            </a:r>
-            <a:endParaRPr lang="de-DE" dirty="0"/>
-          </a:p>
-        </p:txBody>
-      </p:sp>
-      <p:pic>
-        <p:nvPicPr>
-          <p:cNvPr id="4" name="Grafik 3">
-            <a:extLst>
-              <a:ext uri="{FF2B5EF4-FFF2-40B4-BE49-F238E27FC236}">
-                <a16:creationId xmlns:a16="http://schemas.microsoft.com/office/drawing/2014/main" id="{60E76EBF-D195-4778-ACCE-AE9F8695D3CF}"/>
-              </a:ext>
-            </a:extLst>
-          </p:cNvPr>
-          <p:cNvPicPr>
-            <a:picLocks noChangeAspect="1"/>
-          </p:cNvPicPr>
-          <p:nvPr/>
-        </p:nvPicPr>
-        <p:blipFill rotWithShape="1">
-          <a:blip r:embed="rId2"/>
-          <a:srcRect l="654" r="2038"/>
-          <a:stretch/>
-        </p:blipFill>
-        <p:spPr>
-          <a:xfrm>
-            <a:off x="1594337" y="2462617"/>
-            <a:ext cx="7765367" cy="3119763"/>
-          </a:xfrm>
-          <a:prstGeom prst="rect">
-            <a:avLst/>
-          </a:prstGeom>
-        </p:spPr>
-      </p:pic>
-    </p:spTree>
-    <p:extLst>
-      <p:ext uri="{BB962C8B-B14F-4D97-AF65-F5344CB8AC3E}">
-        <p14:creationId xmlns:p14="http://schemas.microsoft.com/office/powerpoint/2010/main" val="1621570480"/>
-      </p:ext>
-    </p:extLst>
-  </p:cSld>
-  <p:clrMapOvr>
-    <a:masterClrMapping/>
-  </p:clrMapOvr>
-</p:sld>
-</file>
-
-<file path=ppt/slides/slide17.xml><?xml version="1.0" encoding="utf-8"?>
-<p:sld xmlns:a="http://schemas.openxmlformats.org/drawingml/2006/main" xmlns:r="http://schemas.openxmlformats.org/officeDocument/2006/relationships" xmlns:p="http://schemas.openxmlformats.org/presentationml/2006/main">
-  <p:cSld>
-    <p:spTree>
-      <p:nvGrpSpPr>
-        <p:cNvPr id="1" name=""/>
-        <p:cNvGrpSpPr/>
-        <p:nvPr/>
-      </p:nvGrpSpPr>
-      <p:grpSpPr>
-        <a:xfrm>
-          <a:off x="0" y="0"/>
-          <a:ext cx="0" cy="0"/>
-          <a:chOff x="0" y="0"/>
-          <a:chExt cx="0" cy="0"/>
-        </a:xfrm>
-      </p:grpSpPr>
-      <p:sp>
-        <p:nvSpPr>
-          <p:cNvPr id="2" name="Titel 1">
-            <a:extLst>
-              <a:ext uri="{FF2B5EF4-FFF2-40B4-BE49-F238E27FC236}">
-                <a16:creationId xmlns:a16="http://schemas.microsoft.com/office/drawing/2014/main" id="{2911F67F-327B-4C51-B9E3-A1D3BCC720A5}"/>
-              </a:ext>
-            </a:extLst>
-          </p:cNvPr>
-          <p:cNvSpPr>
-            <a:spLocks noGrp="1"/>
-          </p:cNvSpPr>
-          <p:nvPr>
-            <p:ph type="title"/>
-          </p:nvPr>
-        </p:nvSpPr>
-        <p:spPr/>
-        <p:txBody>
-          <a:bodyPr>
-            <a:normAutofit fontScale="90000"/>
-          </a:bodyPr>
-          <a:lstStyle/>
-          <a:p>
-            <a:r>
-              <a:rPr lang="de-DE" dirty="0"/>
-              <a:t>Mathematische Herleitungen</a:t>
-            </a:r>
-            <a:br>
-              <a:rPr lang="de-DE" dirty="0"/>
-            </a:br>
-            <a:r>
-              <a:rPr lang="de-DE" sz="2400" dirty="0" err="1"/>
-              <a:t>Backward</a:t>
-            </a:r>
-            <a:r>
-              <a:rPr lang="de-DE" sz="2400" dirty="0"/>
-              <a:t>-Propagation für Batch an Inputs</a:t>
-            </a:r>
-            <a:br>
-              <a:rPr lang="de-DE" sz="2400" dirty="0"/>
-            </a:br>
-            <a:r>
-              <a:rPr lang="de-DE" sz="2400" dirty="0"/>
-              <a:t>Bias-Gradienten</a:t>
-            </a:r>
-            <a:endParaRPr lang="de-DE" dirty="0"/>
-          </a:p>
-        </p:txBody>
-      </p:sp>
-      <p:pic>
-        <p:nvPicPr>
-          <p:cNvPr id="5" name="Grafik 4">
-            <a:extLst>
-              <a:ext uri="{FF2B5EF4-FFF2-40B4-BE49-F238E27FC236}">
-                <a16:creationId xmlns:a16="http://schemas.microsoft.com/office/drawing/2014/main" id="{7A99D83A-6A7B-4E1B-9481-6FA653F3FD42}"/>
-              </a:ext>
-            </a:extLst>
-          </p:cNvPr>
-          <p:cNvPicPr>
-            <a:picLocks noChangeAspect="1"/>
-          </p:cNvPicPr>
-          <p:nvPr/>
-        </p:nvPicPr>
-        <p:blipFill>
-          <a:blip r:embed="rId2"/>
-          <a:stretch>
-            <a:fillRect/>
-          </a:stretch>
-        </p:blipFill>
-        <p:spPr>
-          <a:xfrm>
-            <a:off x="2208921" y="2443089"/>
-            <a:ext cx="7042454" cy="2762469"/>
-          </a:xfrm>
-          <a:prstGeom prst="rect">
-            <a:avLst/>
-          </a:prstGeom>
-        </p:spPr>
-      </p:pic>
-    </p:spTree>
-    <p:extLst>
-      <p:ext uri="{BB962C8B-B14F-4D97-AF65-F5344CB8AC3E}">
-        <p14:creationId xmlns:p14="http://schemas.microsoft.com/office/powerpoint/2010/main" val="4056278903"/>
-      </p:ext>
-    </p:extLst>
-  </p:cSld>
-  <p:clrMapOvr>
-    <a:masterClrMapping/>
-  </p:clrMapOvr>
-</p:sld>
-</file>
-
-<file path=ppt/slides/slide18.xml><?xml version="1.0" encoding="utf-8"?>
 <p:sld xmlns:a="http://schemas.openxmlformats.org/drawingml/2006/main" xmlns:r="http://schemas.openxmlformats.org/officeDocument/2006/relationships" xmlns:p="http://schemas.openxmlformats.org/presentationml/2006/main">
   <p:cSld>
     <p:spTree>
@@ -8290,7 +8376,7 @@
 </p:sld>
 </file>
 
-<file path=ppt/slides/slide19.xml><?xml version="1.0" encoding="utf-8"?>
+<file path=ppt/slides/slide15.xml><?xml version="1.0" encoding="utf-8"?>
 <p:sld xmlns:a="http://schemas.openxmlformats.org/drawingml/2006/main" xmlns:r="http://schemas.openxmlformats.org/officeDocument/2006/relationships" xmlns:p="http://schemas.openxmlformats.org/presentationml/2006/main">
   <p:cSld>
     <p:spTree>
@@ -8352,6 +8438,187 @@
     <p:extLst>
       <p:ext uri="{BB962C8B-B14F-4D97-AF65-F5344CB8AC3E}">
         <p14:creationId xmlns:p14="http://schemas.microsoft.com/office/powerpoint/2010/main" val="3433578770"/>
+      </p:ext>
+    </p:extLst>
+  </p:cSld>
+  <p:clrMapOvr>
+    <a:masterClrMapping/>
+  </p:clrMapOvr>
+</p:sld>
+</file>
+
+<file path=ppt/slides/slide16.xml><?xml version="1.0" encoding="utf-8"?>
+<p:sld xmlns:a="http://schemas.openxmlformats.org/drawingml/2006/main" xmlns:r="http://schemas.openxmlformats.org/officeDocument/2006/relationships" xmlns:p="http://schemas.openxmlformats.org/presentationml/2006/main">
+  <p:cSld>
+    <p:spTree>
+      <p:nvGrpSpPr>
+        <p:cNvPr id="1" name=""/>
+        <p:cNvGrpSpPr/>
+        <p:nvPr/>
+      </p:nvGrpSpPr>
+      <p:grpSpPr>
+        <a:xfrm>
+          <a:off x="0" y="0"/>
+          <a:ext cx="0" cy="0"/>
+          <a:chOff x="0" y="0"/>
+          <a:chExt cx="0" cy="0"/>
+        </a:xfrm>
+      </p:grpSpPr>
+      <p:sp>
+        <p:nvSpPr>
+          <p:cNvPr id="2" name="Titel 1">
+            <a:extLst>
+              <a:ext uri="{FF2B5EF4-FFF2-40B4-BE49-F238E27FC236}">
+                <a16:creationId xmlns:a16="http://schemas.microsoft.com/office/drawing/2014/main" id="{29FA37A3-FF5A-44AB-8DF3-1148A58E43F7}"/>
+              </a:ext>
+            </a:extLst>
+          </p:cNvPr>
+          <p:cNvSpPr>
+            <a:spLocks noGrp="1"/>
+          </p:cNvSpPr>
+          <p:nvPr>
+            <p:ph type="title"/>
+          </p:nvPr>
+        </p:nvSpPr>
+        <p:spPr/>
+        <p:txBody>
+          <a:bodyPr/>
+          <a:lstStyle/>
+          <a:p>
+            <a:r>
+              <a:rPr lang="de-DE" dirty="0"/>
+              <a:t>Implementierung in Python</a:t>
+            </a:r>
+          </a:p>
+        </p:txBody>
+      </p:sp>
+      <p:sp>
+        <p:nvSpPr>
+          <p:cNvPr id="3" name="Inhaltsplatzhalter 2">
+            <a:extLst>
+              <a:ext uri="{FF2B5EF4-FFF2-40B4-BE49-F238E27FC236}">
+                <a16:creationId xmlns:a16="http://schemas.microsoft.com/office/drawing/2014/main" id="{D2D4F1E2-9CD7-4555-B49C-3581844978A5}"/>
+              </a:ext>
+            </a:extLst>
+          </p:cNvPr>
+          <p:cNvSpPr>
+            <a:spLocks noGrp="1"/>
+          </p:cNvSpPr>
+          <p:nvPr>
+            <p:ph idx="1"/>
+          </p:nvPr>
+        </p:nvSpPr>
+        <p:spPr/>
+        <p:txBody>
+          <a:bodyPr/>
+          <a:lstStyle/>
+          <a:p>
+            <a:r>
+              <a:rPr lang="de-DE" dirty="0">
+                <a:hlinkClick r:id="rId2"/>
+              </a:rPr>
+              <a:t>Beispielanwendung MNIST Digit Classification</a:t>
+            </a:r>
+            <a:endParaRPr lang="de-DE" dirty="0"/>
+          </a:p>
+          <a:p>
+            <a:r>
+              <a:rPr lang="de-DE" dirty="0"/>
+              <a:t>Aufbau von </a:t>
+            </a:r>
+            <a:r>
+              <a:rPr lang="de-DE" dirty="0" err="1">
+                <a:hlinkClick r:id="rId3"/>
+              </a:rPr>
+              <a:t>src</a:t>
+            </a:r>
+            <a:r>
+              <a:rPr lang="de-DE" dirty="0">
+                <a:hlinkClick r:id="rId3"/>
+              </a:rPr>
+              <a:t>/</a:t>
+            </a:r>
+            <a:r>
+              <a:rPr lang="de-DE" dirty="0" err="1">
+                <a:hlinkClick r:id="rId3"/>
+              </a:rPr>
+              <a:t>lib</a:t>
+            </a:r>
+            <a:endParaRPr lang="de-DE" dirty="0"/>
+          </a:p>
+          <a:p>
+            <a:r>
+              <a:rPr lang="de-DE" dirty="0"/>
+              <a:t>Erklärung von </a:t>
+            </a:r>
+            <a:r>
+              <a:rPr lang="de-DE" dirty="0" err="1">
+                <a:hlinkClick r:id="rId2"/>
+              </a:rPr>
+              <a:t>SequentialModel</a:t>
+            </a:r>
+            <a:r>
+              <a:rPr lang="de-DE" dirty="0"/>
+              <a:t> Klasse</a:t>
+            </a:r>
+          </a:p>
+          <a:p>
+            <a:r>
+              <a:rPr lang="de-DE" dirty="0"/>
+              <a:t>Erklärung von </a:t>
+            </a:r>
+            <a:r>
+              <a:rPr lang="de-DE" dirty="0" err="1">
+                <a:hlinkClick r:id="rId4"/>
+              </a:rPr>
+              <a:t>Dense</a:t>
+            </a:r>
+            <a:r>
+              <a:rPr lang="de-DE" dirty="0">
+                <a:hlinkClick r:id="rId4"/>
+              </a:rPr>
+              <a:t> Layer</a:t>
+            </a:r>
+            <a:r>
+              <a:rPr lang="de-DE" dirty="0"/>
+              <a:t> Klasse</a:t>
+            </a:r>
+          </a:p>
+          <a:p>
+            <a:r>
+              <a:rPr lang="de-DE" dirty="0"/>
+              <a:t>Erklärung von </a:t>
+            </a:r>
+            <a:r>
+              <a:rPr lang="de-DE" dirty="0">
+                <a:hlinkClick r:id="rId5"/>
+              </a:rPr>
+              <a:t>Aktivierungsfunktionen</a:t>
+            </a:r>
+            <a:r>
+              <a:rPr lang="de-DE" dirty="0"/>
+              <a:t>, insbesondere die Anpassungen für numerische Stabilität </a:t>
+            </a:r>
+          </a:p>
+          <a:p>
+            <a:r>
+              <a:rPr lang="de-DE" dirty="0"/>
+              <a:t>Tests erklären, insbesondere </a:t>
+            </a:r>
+            <a:r>
+              <a:rPr lang="de-DE" dirty="0" err="1">
+                <a:hlinkClick r:id="rId6"/>
+              </a:rPr>
+              <a:t>test_model</a:t>
+            </a:r>
+            <a:endParaRPr lang="de-DE" dirty="0"/>
+          </a:p>
+        </p:txBody>
+      </p:sp>
+    </p:spTree>
+    <p:extLst>
+      <p:ext uri="{BB962C8B-B14F-4D97-AF65-F5344CB8AC3E}">
+        <p14:creationId xmlns:p14="http://schemas.microsoft.com/office/powerpoint/2010/main" val="2176953187"/>
       </p:ext>
     </p:extLst>
   </p:cSld>
@@ -8505,187 +8772,6 @@
     <p:extLst>
       <p:ext uri="{BB962C8B-B14F-4D97-AF65-F5344CB8AC3E}">
         <p14:creationId xmlns:p14="http://schemas.microsoft.com/office/powerpoint/2010/main" val="2326574477"/>
-      </p:ext>
-    </p:extLst>
-  </p:cSld>
-  <p:clrMapOvr>
-    <a:masterClrMapping/>
-  </p:clrMapOvr>
-</p:sld>
-</file>
-
-<file path=ppt/slides/slide20.xml><?xml version="1.0" encoding="utf-8"?>
-<p:sld xmlns:a="http://schemas.openxmlformats.org/drawingml/2006/main" xmlns:r="http://schemas.openxmlformats.org/officeDocument/2006/relationships" xmlns:p="http://schemas.openxmlformats.org/presentationml/2006/main">
-  <p:cSld>
-    <p:spTree>
-      <p:nvGrpSpPr>
-        <p:cNvPr id="1" name=""/>
-        <p:cNvGrpSpPr/>
-        <p:nvPr/>
-      </p:nvGrpSpPr>
-      <p:grpSpPr>
-        <a:xfrm>
-          <a:off x="0" y="0"/>
-          <a:ext cx="0" cy="0"/>
-          <a:chOff x="0" y="0"/>
-          <a:chExt cx="0" cy="0"/>
-        </a:xfrm>
-      </p:grpSpPr>
-      <p:sp>
-        <p:nvSpPr>
-          <p:cNvPr id="2" name="Titel 1">
-            <a:extLst>
-              <a:ext uri="{FF2B5EF4-FFF2-40B4-BE49-F238E27FC236}">
-                <a16:creationId xmlns:a16="http://schemas.microsoft.com/office/drawing/2014/main" id="{29FA37A3-FF5A-44AB-8DF3-1148A58E43F7}"/>
-              </a:ext>
-            </a:extLst>
-          </p:cNvPr>
-          <p:cNvSpPr>
-            <a:spLocks noGrp="1"/>
-          </p:cNvSpPr>
-          <p:nvPr>
-            <p:ph type="title"/>
-          </p:nvPr>
-        </p:nvSpPr>
-        <p:spPr/>
-        <p:txBody>
-          <a:bodyPr/>
-          <a:lstStyle/>
-          <a:p>
-            <a:r>
-              <a:rPr lang="de-DE" dirty="0"/>
-              <a:t>Implementierung in Python</a:t>
-            </a:r>
-          </a:p>
-        </p:txBody>
-      </p:sp>
-      <p:sp>
-        <p:nvSpPr>
-          <p:cNvPr id="3" name="Inhaltsplatzhalter 2">
-            <a:extLst>
-              <a:ext uri="{FF2B5EF4-FFF2-40B4-BE49-F238E27FC236}">
-                <a16:creationId xmlns:a16="http://schemas.microsoft.com/office/drawing/2014/main" id="{D2D4F1E2-9CD7-4555-B49C-3581844978A5}"/>
-              </a:ext>
-            </a:extLst>
-          </p:cNvPr>
-          <p:cNvSpPr>
-            <a:spLocks noGrp="1"/>
-          </p:cNvSpPr>
-          <p:nvPr>
-            <p:ph idx="1"/>
-          </p:nvPr>
-        </p:nvSpPr>
-        <p:spPr/>
-        <p:txBody>
-          <a:bodyPr/>
-          <a:lstStyle/>
-          <a:p>
-            <a:r>
-              <a:rPr lang="de-DE" dirty="0">
-                <a:hlinkClick r:id="rId2"/>
-              </a:rPr>
-              <a:t>Beispielanwendung MNIST Digit Classification</a:t>
-            </a:r>
-            <a:endParaRPr lang="de-DE" dirty="0"/>
-          </a:p>
-          <a:p>
-            <a:r>
-              <a:rPr lang="de-DE" dirty="0"/>
-              <a:t>Aufbau von </a:t>
-            </a:r>
-            <a:r>
-              <a:rPr lang="de-DE" dirty="0" err="1">
-                <a:hlinkClick r:id="rId3"/>
-              </a:rPr>
-              <a:t>src</a:t>
-            </a:r>
-            <a:r>
-              <a:rPr lang="de-DE" dirty="0">
-                <a:hlinkClick r:id="rId3"/>
-              </a:rPr>
-              <a:t>/</a:t>
-            </a:r>
-            <a:r>
-              <a:rPr lang="de-DE" dirty="0" err="1">
-                <a:hlinkClick r:id="rId3"/>
-              </a:rPr>
-              <a:t>lib</a:t>
-            </a:r>
-            <a:endParaRPr lang="de-DE" dirty="0"/>
-          </a:p>
-          <a:p>
-            <a:r>
-              <a:rPr lang="de-DE" dirty="0"/>
-              <a:t>Erklärung von </a:t>
-            </a:r>
-            <a:r>
-              <a:rPr lang="de-DE" dirty="0" err="1">
-                <a:hlinkClick r:id="rId2"/>
-              </a:rPr>
-              <a:t>SequentialModel</a:t>
-            </a:r>
-            <a:r>
-              <a:rPr lang="de-DE" dirty="0"/>
-              <a:t> Klasse</a:t>
-            </a:r>
-          </a:p>
-          <a:p>
-            <a:r>
-              <a:rPr lang="de-DE" dirty="0"/>
-              <a:t>Erklärung von </a:t>
-            </a:r>
-            <a:r>
-              <a:rPr lang="de-DE" dirty="0" err="1">
-                <a:hlinkClick r:id="rId4"/>
-              </a:rPr>
-              <a:t>Dense</a:t>
-            </a:r>
-            <a:r>
-              <a:rPr lang="de-DE" dirty="0">
-                <a:hlinkClick r:id="rId4"/>
-              </a:rPr>
-              <a:t> Layer</a:t>
-            </a:r>
-            <a:r>
-              <a:rPr lang="de-DE" dirty="0"/>
-              <a:t> Klasse</a:t>
-            </a:r>
-          </a:p>
-          <a:p>
-            <a:r>
-              <a:rPr lang="de-DE" dirty="0"/>
-              <a:t>Erklärung von </a:t>
-            </a:r>
-            <a:r>
-              <a:rPr lang="de-DE" dirty="0">
-                <a:hlinkClick r:id="rId5"/>
-              </a:rPr>
-              <a:t>Aktivierungsfunktionen</a:t>
-            </a:r>
-            <a:r>
-              <a:rPr lang="de-DE" dirty="0"/>
-              <a:t>, insbesondere die Anpassungen für numerische Stabilität </a:t>
-            </a:r>
-          </a:p>
-          <a:p>
-            <a:r>
-              <a:rPr lang="de-DE" dirty="0"/>
-              <a:t>Tests erklären, insbesondere </a:t>
-            </a:r>
-            <a:r>
-              <a:rPr lang="de-DE" dirty="0" err="1">
-                <a:hlinkClick r:id="rId6"/>
-              </a:rPr>
-              <a:t>test_model</a:t>
-            </a:r>
-            <a:endParaRPr lang="de-DE" dirty="0"/>
-          </a:p>
-        </p:txBody>
-      </p:sp>
-    </p:spTree>
-    <p:extLst>
-      <p:ext uri="{BB962C8B-B14F-4D97-AF65-F5344CB8AC3E}">
-        <p14:creationId xmlns:p14="http://schemas.microsoft.com/office/powerpoint/2010/main" val="2176953187"/>
       </p:ext>
     </p:extLst>
   </p:cSld>
@@ -11795,16 +11881,15 @@
           </p:cNvPicPr>
           <p:nvPr/>
         </p:nvPicPr>
-        <p:blipFill>
+        <p:blipFill rotWithShape="1">
           <a:blip r:embed="rId3"/>
-          <a:stretch>
-            <a:fillRect/>
-          </a:stretch>
+          <a:srcRect r="5338"/>
+          <a:stretch/>
         </p:blipFill>
         <p:spPr>
           <a:xfrm>
             <a:off x="265781" y="2035811"/>
-            <a:ext cx="2305050" cy="647700"/>
+            <a:ext cx="2181997" cy="647700"/>
           </a:xfrm>
           <a:prstGeom prst="rect">
             <a:avLst/>
@@ -11854,16 +11939,15 @@
           </p:cNvPicPr>
           <p:nvPr/>
         </p:nvPicPr>
-        <p:blipFill>
+        <p:blipFill rotWithShape="1">
           <a:blip r:embed="rId5"/>
-          <a:stretch>
-            <a:fillRect/>
-          </a:stretch>
+          <a:srcRect r="8083"/>
+          <a:stretch/>
         </p:blipFill>
         <p:spPr>
           <a:xfrm>
-            <a:off x="518063" y="4205789"/>
-            <a:ext cx="1323975" cy="581025"/>
+            <a:off x="518064" y="4205789"/>
+            <a:ext cx="1216952" cy="581025"/>
           </a:xfrm>
           <a:prstGeom prst="rect">
             <a:avLst/>
@@ -12765,6 +12849,122 @@
           </p:sp>
         </mc:Fallback>
       </mc:AlternateContent>
+      <p:pic>
+        <p:nvPicPr>
+          <p:cNvPr id="5" name="Picture 4">
+            <a:extLst>
+              <a:ext uri="{FF2B5EF4-FFF2-40B4-BE49-F238E27FC236}">
+                <a16:creationId xmlns:a16="http://schemas.microsoft.com/office/drawing/2014/main" id="{9C563200-51AC-DCE2-88FB-0AD1E58C6266}"/>
+              </a:ext>
+            </a:extLst>
+          </p:cNvPr>
+          <p:cNvPicPr>
+            <a:picLocks noChangeAspect="1"/>
+          </p:cNvPicPr>
+          <p:nvPr/>
+        </p:nvPicPr>
+        <p:blipFill rotWithShape="1">
+          <a:blip r:embed="rId14"/>
+          <a:srcRect r="52338"/>
+          <a:stretch/>
+        </p:blipFill>
+        <p:spPr>
+          <a:xfrm>
+            <a:off x="4965969" y="5834503"/>
+            <a:ext cx="1913060" cy="713090"/>
+          </a:xfrm>
+          <a:prstGeom prst="rect">
+            <a:avLst/>
+          </a:prstGeom>
+        </p:spPr>
+      </p:pic>
+      <p:sp>
+        <p:nvSpPr>
+          <p:cNvPr id="20" name="Pfeil: nach rechts 7">
+            <a:extLst>
+              <a:ext uri="{FF2B5EF4-FFF2-40B4-BE49-F238E27FC236}">
+                <a16:creationId xmlns:a16="http://schemas.microsoft.com/office/drawing/2014/main" id="{119B4F46-0EE8-633C-3314-4433571B793D}"/>
+              </a:ext>
+            </a:extLst>
+          </p:cNvPr>
+          <p:cNvSpPr/>
+          <p:nvPr/>
+        </p:nvSpPr>
+        <p:spPr>
+          <a:xfrm>
+            <a:off x="3991375" y="5985518"/>
+            <a:ext cx="620785" cy="411060"/>
+          </a:xfrm>
+          <a:prstGeom prst="rightArrow">
+            <a:avLst/>
+          </a:prstGeom>
+          <a:solidFill>
+            <a:schemeClr val="tx1"/>
+          </a:solidFill>
+          <a:ln>
+            <a:noFill/>
+          </a:ln>
+        </p:spPr>
+        <p:style>
+          <a:lnRef idx="2">
+            <a:schemeClr val="accent1">
+              <a:shade val="50000"/>
+            </a:schemeClr>
+          </a:lnRef>
+          <a:fillRef idx="1">
+            <a:schemeClr val="accent1"/>
+          </a:fillRef>
+          <a:effectRef idx="0">
+            <a:schemeClr val="accent1"/>
+          </a:effectRef>
+          <a:fontRef idx="minor">
+            <a:schemeClr val="lt1"/>
+          </a:fontRef>
+        </p:style>
+        <p:txBody>
+          <a:bodyPr rtlCol="0" anchor="ctr"/>
+          <a:lstStyle/>
+          <a:p>
+            <a:pPr algn="ctr"/>
+            <a:endParaRPr lang="de-DE"/>
+          </a:p>
+        </p:txBody>
+      </p:sp>
+      <p:sp>
+        <p:nvSpPr>
+          <p:cNvPr id="7" name="TextBox 6">
+            <a:extLst>
+              <a:ext uri="{FF2B5EF4-FFF2-40B4-BE49-F238E27FC236}">
+                <a16:creationId xmlns:a16="http://schemas.microsoft.com/office/drawing/2014/main" id="{2C8C5B37-60C5-8547-0AF8-001629D5A783}"/>
+              </a:ext>
+            </a:extLst>
+          </p:cNvPr>
+          <p:cNvSpPr txBox="1"/>
+          <p:nvPr/>
+        </p:nvSpPr>
+        <p:spPr>
+          <a:xfrm>
+            <a:off x="7268304" y="5929438"/>
+            <a:ext cx="3732628" cy="523220"/>
+          </a:xfrm>
+          <a:prstGeom prst="rect">
+            <a:avLst/>
+          </a:prstGeom>
+          <a:noFill/>
+        </p:spPr>
+        <p:txBody>
+          <a:bodyPr wrap="square" rtlCol="0">
+            <a:spAutoFit/>
+          </a:bodyPr>
+          <a:lstStyle/>
+          <a:p>
+            <a:r>
+              <a:rPr lang="de-DE" sz="1400" dirty="0"/>
+              <a:t>Der Wert der Kostenfunktion ist der gemittelte Fehler</a:t>
+            </a:r>
+          </a:p>
+        </p:txBody>
+      </p:sp>
     </p:spTree>
     <p:extLst>
       <p:ext uri="{BB962C8B-B14F-4D97-AF65-F5344CB8AC3E}">
@@ -13188,6 +13388,105 @@
                       </p:childTnLst>
                     </p:cTn>
                   </p:par>
+                  <p:par>
+                    <p:cTn id="35" fill="hold">
+                      <p:stCondLst>
+                        <p:cond delay="indefinite"/>
+                      </p:stCondLst>
+                      <p:childTnLst>
+                        <p:par>
+                          <p:cTn id="36" fill="hold">
+                            <p:stCondLst>
+                              <p:cond delay="0"/>
+                            </p:stCondLst>
+                            <p:childTnLst>
+                              <p:par>
+                                <p:cTn id="37" presetID="1" presetClass="entr" presetSubtype="0" fill="hold" grpId="0" nodeType="clickEffect">
+                                  <p:stCondLst>
+                                    <p:cond delay="0"/>
+                                  </p:stCondLst>
+                                  <p:childTnLst>
+                                    <p:set>
+                                      <p:cBhvr>
+                                        <p:cTn id="38" dur="1" fill="hold">
+                                          <p:stCondLst>
+                                            <p:cond delay="0"/>
+                                          </p:stCondLst>
+                                        </p:cTn>
+                                        <p:tgtEl>
+                                          <p:spTgt spid="20"/>
+                                        </p:tgtEl>
+                                        <p:attrNameLst>
+                                          <p:attrName>style.visibility</p:attrName>
+                                        </p:attrNameLst>
+                                      </p:cBhvr>
+                                      <p:to>
+                                        <p:strVal val="visible"/>
+                                      </p:to>
+                                    </p:set>
+                                  </p:childTnLst>
+                                </p:cTn>
+                              </p:par>
+                              <p:par>
+                                <p:cTn id="39" presetID="1" presetClass="entr" presetSubtype="0" fill="hold" nodeType="withEffect">
+                                  <p:stCondLst>
+                                    <p:cond delay="0"/>
+                                  </p:stCondLst>
+                                  <p:childTnLst>
+                                    <p:set>
+                                      <p:cBhvr>
+                                        <p:cTn id="40" dur="1" fill="hold">
+                                          <p:stCondLst>
+                                            <p:cond delay="0"/>
+                                          </p:stCondLst>
+                                        </p:cTn>
+                                        <p:tgtEl>
+                                          <p:spTgt spid="5"/>
+                                        </p:tgtEl>
+                                        <p:attrNameLst>
+                                          <p:attrName>style.visibility</p:attrName>
+                                        </p:attrNameLst>
+                                      </p:cBhvr>
+                                      <p:to>
+                                        <p:strVal val="visible"/>
+                                      </p:to>
+                                    </p:set>
+                                  </p:childTnLst>
+                                </p:cTn>
+                              </p:par>
+                              <p:par>
+                                <p:cTn id="41" presetID="1" presetClass="entr" presetSubtype="0" fill="hold" grpId="0" nodeType="withEffect">
+                                  <p:stCondLst>
+                                    <p:cond delay="0"/>
+                                  </p:stCondLst>
+                                  <p:childTnLst>
+                                    <p:set>
+                                      <p:cBhvr>
+                                        <p:cTn id="42" dur="1" fill="hold">
+                                          <p:stCondLst>
+                                            <p:cond delay="0"/>
+                                          </p:stCondLst>
+                                        </p:cTn>
+                                        <p:tgtEl>
+                                          <p:spTgt spid="7"/>
+                                        </p:tgtEl>
+                                        <p:attrNameLst>
+                                          <p:attrName>style.visibility</p:attrName>
+                                        </p:attrNameLst>
+                                      </p:cBhvr>
+                                      <p:to>
+                                        <p:strVal val="visible"/>
+                                      </p:to>
+                                    </p:set>
+                                  </p:childTnLst>
+                                </p:cTn>
+                              </p:par>
+                            </p:childTnLst>
+                          </p:cTn>
+                        </p:par>
+                      </p:childTnLst>
+                    </p:cTn>
+                  </p:par>
                 </p:childTnLst>
               </p:cTn>
               <p:prevCondLst>
@@ -13218,6 +13517,8 @@
       <p:bldP spid="24" grpId="0"/>
       <p:bldP spid="25" grpId="0"/>
       <p:bldP spid="26" grpId="0"/>
+      <p:bldP spid="20" grpId="0" animBg="1"/>
+      <p:bldP spid="7" grpId="0"/>
     </p:bldLst>
   </p:timing>
 </p:sld>

--- a/theory/submission/result_presentation.pptx
+++ b/theory/submission/result_presentation.pptx
@@ -5,7 +5,7 @@
     <p:sldMasterId id="2147483648" r:id="rId1"/>
   </p:sldMasterIdLst>
   <p:notesMasterIdLst>
-    <p:notesMasterId r:id="rId18"/>
+    <p:notesMasterId r:id="rId20"/>
   </p:notesMasterIdLst>
   <p:sldIdLst>
     <p:sldId id="256" r:id="rId2"/>
@@ -22,8 +22,10 @@
     <p:sldId id="267" r:id="rId13"/>
     <p:sldId id="279" r:id="rId14"/>
     <p:sldId id="273" r:id="rId15"/>
-    <p:sldId id="276" r:id="rId16"/>
-    <p:sldId id="274" r:id="rId17"/>
+    <p:sldId id="281" r:id="rId16"/>
+    <p:sldId id="280" r:id="rId17"/>
+    <p:sldId id="276" r:id="rId18"/>
+    <p:sldId id="274" r:id="rId19"/>
   </p:sldIdLst>
   <p:sldSz cx="12192000" cy="6858000"/>
   <p:notesSz cx="6858000" cy="9144000"/>
@@ -212,7 +214,7 @@
           <a:p>
             <a:fld id="{8EB49EC5-088D-473F-9BFC-E2740B5DA688}" type="datetimeFigureOut">
               <a:rPr lang="de-DE" smtClean="0"/>
-              <a:t>02.05.2022</a:t>
+              <a:t>03.05.2022</a:t>
             </a:fld>
             <a:endParaRPr lang="de-DE"/>
           </a:p>
@@ -753,7 +755,7 @@
           <a:p>
             <a:fld id="{D4C12A24-BF94-4906-B274-F5BF4D611E23}" type="slidenum">
               <a:rPr lang="de-DE" smtClean="0"/>
-              <a:t>15</a:t>
+              <a:t>17</a:t>
             </a:fld>
             <a:endParaRPr lang="de-DE"/>
           </a:p>
@@ -1856,7 +1858,7 @@
           <a:p>
             <a:fld id="{E47F9164-12F9-48A6-9622-CDF71CB57A75}" type="datetimeFigureOut">
               <a:rPr lang="de-DE" smtClean="0"/>
-              <a:t>02.05.2022</a:t>
+              <a:t>03.05.2022</a:t>
             </a:fld>
             <a:endParaRPr lang="de-DE"/>
           </a:p>
@@ -2054,7 +2056,7 @@
           <a:p>
             <a:fld id="{E47F9164-12F9-48A6-9622-CDF71CB57A75}" type="datetimeFigureOut">
               <a:rPr lang="de-DE" smtClean="0"/>
-              <a:t>02.05.2022</a:t>
+              <a:t>03.05.2022</a:t>
             </a:fld>
             <a:endParaRPr lang="de-DE"/>
           </a:p>
@@ -2262,7 +2264,7 @@
           <a:p>
             <a:fld id="{E47F9164-12F9-48A6-9622-CDF71CB57A75}" type="datetimeFigureOut">
               <a:rPr lang="de-DE" smtClean="0"/>
-              <a:t>02.05.2022</a:t>
+              <a:t>03.05.2022</a:t>
             </a:fld>
             <a:endParaRPr lang="de-DE"/>
           </a:p>
@@ -2460,7 +2462,7 @@
           <a:p>
             <a:fld id="{E47F9164-12F9-48A6-9622-CDF71CB57A75}" type="datetimeFigureOut">
               <a:rPr lang="de-DE" smtClean="0"/>
-              <a:t>02.05.2022</a:t>
+              <a:t>03.05.2022</a:t>
             </a:fld>
             <a:endParaRPr lang="de-DE"/>
           </a:p>
@@ -2735,7 +2737,7 @@
           <a:p>
             <a:fld id="{E47F9164-12F9-48A6-9622-CDF71CB57A75}" type="datetimeFigureOut">
               <a:rPr lang="de-DE" smtClean="0"/>
-              <a:t>02.05.2022</a:t>
+              <a:t>03.05.2022</a:t>
             </a:fld>
             <a:endParaRPr lang="de-DE"/>
           </a:p>
@@ -3000,7 +3002,7 @@
           <a:p>
             <a:fld id="{E47F9164-12F9-48A6-9622-CDF71CB57A75}" type="datetimeFigureOut">
               <a:rPr lang="de-DE" smtClean="0"/>
-              <a:t>02.05.2022</a:t>
+              <a:t>03.05.2022</a:t>
             </a:fld>
             <a:endParaRPr lang="de-DE"/>
           </a:p>
@@ -3412,7 +3414,7 @@
           <a:p>
             <a:fld id="{E47F9164-12F9-48A6-9622-CDF71CB57A75}" type="datetimeFigureOut">
               <a:rPr lang="de-DE" smtClean="0"/>
-              <a:t>02.05.2022</a:t>
+              <a:t>03.05.2022</a:t>
             </a:fld>
             <a:endParaRPr lang="de-DE"/>
           </a:p>
@@ -3553,7 +3555,7 @@
           <a:p>
             <a:fld id="{E47F9164-12F9-48A6-9622-CDF71CB57A75}" type="datetimeFigureOut">
               <a:rPr lang="de-DE" smtClean="0"/>
-              <a:t>02.05.2022</a:t>
+              <a:t>03.05.2022</a:t>
             </a:fld>
             <a:endParaRPr lang="de-DE"/>
           </a:p>
@@ -3666,7 +3668,7 @@
           <a:p>
             <a:fld id="{E47F9164-12F9-48A6-9622-CDF71CB57A75}" type="datetimeFigureOut">
               <a:rPr lang="de-DE" smtClean="0"/>
-              <a:t>02.05.2022</a:t>
+              <a:t>03.05.2022</a:t>
             </a:fld>
             <a:endParaRPr lang="de-DE"/>
           </a:p>
@@ -3977,7 +3979,7 @@
           <a:p>
             <a:fld id="{E47F9164-12F9-48A6-9622-CDF71CB57A75}" type="datetimeFigureOut">
               <a:rPr lang="de-DE" smtClean="0"/>
-              <a:t>02.05.2022</a:t>
+              <a:t>03.05.2022</a:t>
             </a:fld>
             <a:endParaRPr lang="de-DE"/>
           </a:p>
@@ -4265,7 +4267,7 @@
           <a:p>
             <a:fld id="{E47F9164-12F9-48A6-9622-CDF71CB57A75}" type="datetimeFigureOut">
               <a:rPr lang="de-DE" smtClean="0"/>
-              <a:t>02.05.2022</a:t>
+              <a:t>03.05.2022</a:t>
             </a:fld>
             <a:endParaRPr lang="de-DE"/>
           </a:p>
@@ -4506,7 +4508,7 @@
           <a:p>
             <a:fld id="{E47F9164-12F9-48A6-9622-CDF71CB57A75}" type="datetimeFigureOut">
               <a:rPr lang="de-DE" smtClean="0"/>
-              <a:t>02.05.2022</a:t>
+              <a:t>03.05.2022</a:t>
             </a:fld>
             <a:endParaRPr lang="de-DE"/>
           </a:p>
@@ -6541,8 +6543,8 @@
           </a:p>
         </p:txBody>
       </p:sp>
-      <mc:AlternateContent xmlns:mc="http://schemas.openxmlformats.org/markup-compatibility/2006">
-        <mc:Choice xmlns:a14="http://schemas.microsoft.com/office/drawing/2010/main" Requires="a14">
+      <mc:AlternateContent xmlns:mc="http://schemas.openxmlformats.org/markup-compatibility/2006" xmlns:a14="http://schemas.microsoft.com/office/drawing/2010/main">
+        <mc:Choice Requires="a14">
           <p:sp>
             <p:nvSpPr>
               <p:cNvPr id="14" name="TextBox 13">
@@ -6697,7 +6699,7 @@
             </p:txBody>
           </p:sp>
         </mc:Choice>
-        <mc:Fallback>
+        <mc:Fallback xmlns="">
           <p:sp>
             <p:nvSpPr>
               <p:cNvPr id="14" name="TextBox 13">
@@ -7801,8 +7803,8 @@
         </p:nvSpPr>
         <p:spPr>
           <a:xfrm>
-            <a:off x="7737223" y="1933411"/>
-            <a:ext cx="1378634" cy="738664"/>
+            <a:off x="7764929" y="1933411"/>
+            <a:ext cx="1378634" cy="954107"/>
           </a:xfrm>
           <a:prstGeom prst="rect">
             <a:avLst/>
@@ -7817,7 +7819,13 @@
           <a:p>
             <a:r>
               <a:rPr lang="de-DE" sz="1400" dirty="0"/>
-              <a:t>Ableitung eines einzelnen Fehlers</a:t>
+              <a:t>Gewichts-</a:t>
+            </a:r>
+          </a:p>
+          <a:p>
+            <a:r>
+              <a:rPr lang="de-DE" sz="1400" dirty="0"/>
+              <a:t>gradient eines einzelnen Datums</a:t>
             </a:r>
           </a:p>
         </p:txBody>
@@ -8262,6 +8270,1800 @@
               <a:rPr lang="de-DE" dirty="0"/>
             </a:br>
             <a:r>
+              <a:rPr lang="de-DE" sz="2400" dirty="0"/>
+              <a:t>Biasgradient für ein einziges Datum</a:t>
+            </a:r>
+            <a:endParaRPr lang="de-DE" dirty="0"/>
+          </a:p>
+        </p:txBody>
+      </p:sp>
+      <p:pic>
+        <p:nvPicPr>
+          <p:cNvPr id="5" name="Picture 4">
+            <a:extLst>
+              <a:ext uri="{FF2B5EF4-FFF2-40B4-BE49-F238E27FC236}">
+                <a16:creationId xmlns:a16="http://schemas.microsoft.com/office/drawing/2014/main" id="{7C5657D7-0D2E-ABEE-19BB-DD13E7BDAF00}"/>
+              </a:ext>
+            </a:extLst>
+          </p:cNvPr>
+          <p:cNvPicPr>
+            <a:picLocks noChangeAspect="1"/>
+          </p:cNvPicPr>
+          <p:nvPr/>
+        </p:nvPicPr>
+        <p:blipFill rotWithShape="1">
+          <a:blip r:embed="rId2"/>
+          <a:srcRect r="68724"/>
+          <a:stretch/>
+        </p:blipFill>
+        <p:spPr>
+          <a:xfrm>
+            <a:off x="831531" y="1845437"/>
+            <a:ext cx="456105" cy="690795"/>
+          </a:xfrm>
+          <a:prstGeom prst="rect">
+            <a:avLst/>
+          </a:prstGeom>
+        </p:spPr>
+      </p:pic>
+      <p:pic>
+        <p:nvPicPr>
+          <p:cNvPr id="8" name="Picture 7">
+            <a:extLst>
+              <a:ext uri="{FF2B5EF4-FFF2-40B4-BE49-F238E27FC236}">
+                <a16:creationId xmlns:a16="http://schemas.microsoft.com/office/drawing/2014/main" id="{871F0F3A-D581-35D0-2E70-34B4D62E8685}"/>
+              </a:ext>
+            </a:extLst>
+          </p:cNvPr>
+          <p:cNvPicPr>
+            <a:picLocks noChangeAspect="1"/>
+          </p:cNvPicPr>
+          <p:nvPr/>
+        </p:nvPicPr>
+        <p:blipFill rotWithShape="1">
+          <a:blip r:embed="rId2"/>
+          <a:srcRect l="33387"/>
+          <a:stretch/>
+        </p:blipFill>
+        <p:spPr>
+          <a:xfrm>
+            <a:off x="3396343" y="1825994"/>
+            <a:ext cx="1026136" cy="729681"/>
+          </a:xfrm>
+          <a:prstGeom prst="rect">
+            <a:avLst/>
+          </a:prstGeom>
+        </p:spPr>
+      </p:pic>
+      <p:sp>
+        <p:nvSpPr>
+          <p:cNvPr id="6" name="TextBox 5">
+            <a:extLst>
+              <a:ext uri="{FF2B5EF4-FFF2-40B4-BE49-F238E27FC236}">
+                <a16:creationId xmlns:a16="http://schemas.microsoft.com/office/drawing/2014/main" id="{7AC09BF9-642F-E08C-72CE-A990CD7F71D7}"/>
+              </a:ext>
+            </a:extLst>
+          </p:cNvPr>
+          <p:cNvSpPr txBox="1"/>
+          <p:nvPr/>
+        </p:nvSpPr>
+        <p:spPr>
+          <a:xfrm>
+            <a:off x="1523161" y="1821502"/>
+            <a:ext cx="1817649" cy="738664"/>
+          </a:xfrm>
+          <a:prstGeom prst="rect">
+            <a:avLst/>
+          </a:prstGeom>
+          <a:noFill/>
+        </p:spPr>
+        <p:txBody>
+          <a:bodyPr wrap="square" rtlCol="0">
+            <a:spAutoFit/>
+          </a:bodyPr>
+          <a:lstStyle/>
+          <a:p>
+            <a:r>
+              <a:rPr lang="de-DE" sz="1400" dirty="0"/>
+              <a:t>Ableitung des Fehlers nach den Biases in Layer l </a:t>
+            </a:r>
+          </a:p>
+        </p:txBody>
+      </p:sp>
+      <p:pic>
+        <p:nvPicPr>
+          <p:cNvPr id="10" name="Picture 9">
+            <a:extLst>
+              <a:ext uri="{FF2B5EF4-FFF2-40B4-BE49-F238E27FC236}">
+                <a16:creationId xmlns:a16="http://schemas.microsoft.com/office/drawing/2014/main" id="{1C9F9E84-0810-13B9-1121-68219594C69E}"/>
+              </a:ext>
+            </a:extLst>
+          </p:cNvPr>
+          <p:cNvPicPr>
+            <a:picLocks noChangeAspect="1"/>
+          </p:cNvPicPr>
+          <p:nvPr/>
+        </p:nvPicPr>
+        <p:blipFill rotWithShape="1">
+          <a:blip r:embed="rId3"/>
+          <a:srcRect l="3886" t="16011" r="4425" b="14589"/>
+          <a:stretch/>
+        </p:blipFill>
+        <p:spPr>
+          <a:xfrm>
+            <a:off x="5624796" y="1934589"/>
+            <a:ext cx="2808841" cy="512491"/>
+          </a:xfrm>
+          <a:prstGeom prst="rect">
+            <a:avLst/>
+          </a:prstGeom>
+        </p:spPr>
+      </p:pic>
+      <p:sp>
+        <p:nvSpPr>
+          <p:cNvPr id="11" name="TextBox 10">
+            <a:extLst>
+              <a:ext uri="{FF2B5EF4-FFF2-40B4-BE49-F238E27FC236}">
+                <a16:creationId xmlns:a16="http://schemas.microsoft.com/office/drawing/2014/main" id="{DA9A835D-90FD-8AC8-0AA2-274FA0CDF9CD}"/>
+              </a:ext>
+            </a:extLst>
+          </p:cNvPr>
+          <p:cNvSpPr txBox="1"/>
+          <p:nvPr/>
+        </p:nvSpPr>
+        <p:spPr>
+          <a:xfrm>
+            <a:off x="8697418" y="1929224"/>
+            <a:ext cx="3191023" cy="523220"/>
+          </a:xfrm>
+          <a:prstGeom prst="rect">
+            <a:avLst/>
+          </a:prstGeom>
+          <a:noFill/>
+        </p:spPr>
+        <p:txBody>
+          <a:bodyPr wrap="square" rtlCol="0">
+            <a:spAutoFit/>
+          </a:bodyPr>
+          <a:lstStyle/>
+          <a:p>
+            <a:pPr marL="285750" indent="-285750">
+              <a:buFont typeface="Arial" panose="020B0604020202020204" pitchFamily="34" charset="0"/>
+              <a:buChar char="•"/>
+            </a:pPr>
+            <a:r>
+              <a:rPr lang="de-DE" sz="1400" dirty="0"/>
+              <a:t>Fehlersignal in Layer l</a:t>
+            </a:r>
+          </a:p>
+          <a:p>
+            <a:pPr marL="285750" indent="-285750">
+              <a:buFont typeface="Arial" panose="020B0604020202020204" pitchFamily="34" charset="0"/>
+              <a:buChar char="•"/>
+            </a:pPr>
+            <a:r>
+              <a:rPr lang="de-DE" sz="1400" dirty="0"/>
+              <a:t>Bereits berechnet</a:t>
+            </a:r>
+          </a:p>
+        </p:txBody>
+      </p:sp>
+      <p:pic>
+        <p:nvPicPr>
+          <p:cNvPr id="12" name="Picture 11">
+            <a:extLst>
+              <a:ext uri="{FF2B5EF4-FFF2-40B4-BE49-F238E27FC236}">
+                <a16:creationId xmlns:a16="http://schemas.microsoft.com/office/drawing/2014/main" id="{3E1290D8-7602-F2AF-1EA6-FD5D72AAD8B2}"/>
+              </a:ext>
+            </a:extLst>
+          </p:cNvPr>
+          <p:cNvPicPr>
+            <a:picLocks noChangeAspect="1"/>
+          </p:cNvPicPr>
+          <p:nvPr/>
+        </p:nvPicPr>
+        <p:blipFill rotWithShape="1">
+          <a:blip r:embed="rId2"/>
+          <a:srcRect l="70391"/>
+          <a:stretch/>
+        </p:blipFill>
+        <p:spPr>
+          <a:xfrm>
+            <a:off x="838200" y="3294802"/>
+            <a:ext cx="456106" cy="729681"/>
+          </a:xfrm>
+          <a:prstGeom prst="rect">
+            <a:avLst/>
+          </a:prstGeom>
+        </p:spPr>
+      </p:pic>
+      <p:pic>
+        <p:nvPicPr>
+          <p:cNvPr id="13" name="Picture 12">
+            <a:extLst>
+              <a:ext uri="{FF2B5EF4-FFF2-40B4-BE49-F238E27FC236}">
+                <a16:creationId xmlns:a16="http://schemas.microsoft.com/office/drawing/2014/main" id="{45B05042-3F86-2FD9-9E9A-A9815886021B}"/>
+              </a:ext>
+            </a:extLst>
+          </p:cNvPr>
+          <p:cNvPicPr>
+            <a:picLocks noChangeAspect="1"/>
+          </p:cNvPicPr>
+          <p:nvPr/>
+        </p:nvPicPr>
+        <p:blipFill rotWithShape="1">
+          <a:blip r:embed="rId2"/>
+          <a:srcRect l="31756" r="52844"/>
+          <a:stretch/>
+        </p:blipFill>
+        <p:spPr>
+          <a:xfrm>
+            <a:off x="1413164" y="3294802"/>
+            <a:ext cx="237216" cy="729681"/>
+          </a:xfrm>
+          <a:prstGeom prst="rect">
+            <a:avLst/>
+          </a:prstGeom>
+        </p:spPr>
+      </p:pic>
+      <p:pic>
+        <p:nvPicPr>
+          <p:cNvPr id="15" name="Picture 14">
+            <a:extLst>
+              <a:ext uri="{FF2B5EF4-FFF2-40B4-BE49-F238E27FC236}">
+                <a16:creationId xmlns:a16="http://schemas.microsoft.com/office/drawing/2014/main" id="{D6AF65D8-F9CC-A514-1991-A8C6F477C50A}"/>
+              </a:ext>
+            </a:extLst>
+          </p:cNvPr>
+          <p:cNvPicPr>
+            <a:picLocks noChangeAspect="1"/>
+          </p:cNvPicPr>
+          <p:nvPr/>
+        </p:nvPicPr>
+        <p:blipFill>
+          <a:blip r:embed="rId4"/>
+          <a:stretch>
+            <a:fillRect/>
+          </a:stretch>
+        </p:blipFill>
+        <p:spPr>
+          <a:xfrm>
+            <a:off x="1839486" y="3049994"/>
+            <a:ext cx="1238250" cy="1219297"/>
+          </a:xfrm>
+          <a:prstGeom prst="rect">
+            <a:avLst/>
+          </a:prstGeom>
+        </p:spPr>
+      </p:pic>
+      <p:pic>
+        <p:nvPicPr>
+          <p:cNvPr id="17" name="Picture 16">
+            <a:extLst>
+              <a:ext uri="{FF2B5EF4-FFF2-40B4-BE49-F238E27FC236}">
+                <a16:creationId xmlns:a16="http://schemas.microsoft.com/office/drawing/2014/main" id="{E4B27849-B38C-27EF-9984-28318EF44E00}"/>
+              </a:ext>
+            </a:extLst>
+          </p:cNvPr>
+          <p:cNvPicPr>
+            <a:picLocks noChangeAspect="1"/>
+          </p:cNvPicPr>
+          <p:nvPr/>
+        </p:nvPicPr>
+        <p:blipFill rotWithShape="1">
+          <a:blip r:embed="rId5"/>
+          <a:srcRect t="13272" r="1614"/>
+          <a:stretch/>
+        </p:blipFill>
+        <p:spPr>
+          <a:xfrm>
+            <a:off x="2056333" y="4789104"/>
+            <a:ext cx="3136613" cy="1325564"/>
+          </a:xfrm>
+          <a:prstGeom prst="rect">
+            <a:avLst/>
+          </a:prstGeom>
+        </p:spPr>
+      </p:pic>
+      <p:pic>
+        <p:nvPicPr>
+          <p:cNvPr id="18" name="Picture 17">
+            <a:extLst>
+              <a:ext uri="{FF2B5EF4-FFF2-40B4-BE49-F238E27FC236}">
+                <a16:creationId xmlns:a16="http://schemas.microsoft.com/office/drawing/2014/main" id="{285F94E9-3113-1CE1-8A2B-D80C78CF0010}"/>
+              </a:ext>
+            </a:extLst>
+          </p:cNvPr>
+          <p:cNvPicPr>
+            <a:picLocks noChangeAspect="1"/>
+          </p:cNvPicPr>
+          <p:nvPr/>
+        </p:nvPicPr>
+        <p:blipFill rotWithShape="1">
+          <a:blip r:embed="rId2"/>
+          <a:srcRect l="46632"/>
+          <a:stretch/>
+        </p:blipFill>
+        <p:spPr>
+          <a:xfrm>
+            <a:off x="831531" y="5106489"/>
+            <a:ext cx="778293" cy="690795"/>
+          </a:xfrm>
+          <a:prstGeom prst="rect">
+            <a:avLst/>
+          </a:prstGeom>
+        </p:spPr>
+      </p:pic>
+      <p:pic>
+        <p:nvPicPr>
+          <p:cNvPr id="19" name="Picture 18">
+            <a:extLst>
+              <a:ext uri="{FF2B5EF4-FFF2-40B4-BE49-F238E27FC236}">
+                <a16:creationId xmlns:a16="http://schemas.microsoft.com/office/drawing/2014/main" id="{9C5183E1-CAEA-884B-C787-705121A6D972}"/>
+              </a:ext>
+            </a:extLst>
+          </p:cNvPr>
+          <p:cNvPicPr>
+            <a:picLocks noChangeAspect="1"/>
+          </p:cNvPicPr>
+          <p:nvPr/>
+        </p:nvPicPr>
+        <p:blipFill rotWithShape="1">
+          <a:blip r:embed="rId2"/>
+          <a:srcRect l="29782" r="52844"/>
+          <a:stretch/>
+        </p:blipFill>
+        <p:spPr>
+          <a:xfrm>
+            <a:off x="1643539" y="5087046"/>
+            <a:ext cx="267629" cy="729681"/>
+          </a:xfrm>
+          <a:prstGeom prst="rect">
+            <a:avLst/>
+          </a:prstGeom>
+        </p:spPr>
+      </p:pic>
+      <p:pic>
+        <p:nvPicPr>
+          <p:cNvPr id="20" name="Picture 19">
+            <a:extLst>
+              <a:ext uri="{FF2B5EF4-FFF2-40B4-BE49-F238E27FC236}">
+                <a16:creationId xmlns:a16="http://schemas.microsoft.com/office/drawing/2014/main" id="{5D885032-5521-BCD8-9DE6-E3F9BD5D4311}"/>
+              </a:ext>
+            </a:extLst>
+          </p:cNvPr>
+          <p:cNvPicPr>
+            <a:picLocks noChangeAspect="1"/>
+          </p:cNvPicPr>
+          <p:nvPr/>
+        </p:nvPicPr>
+        <p:blipFill rotWithShape="1">
+          <a:blip r:embed="rId2"/>
+          <a:srcRect l="29782" r="52844"/>
+          <a:stretch/>
+        </p:blipFill>
+        <p:spPr>
+          <a:xfrm>
+            <a:off x="5299538" y="5087046"/>
+            <a:ext cx="267629" cy="729681"/>
+          </a:xfrm>
+          <a:prstGeom prst="rect">
+            <a:avLst/>
+          </a:prstGeom>
+        </p:spPr>
+      </p:pic>
+      <p:pic>
+        <p:nvPicPr>
+          <p:cNvPr id="21" name="Picture 20">
+            <a:extLst>
+              <a:ext uri="{FF2B5EF4-FFF2-40B4-BE49-F238E27FC236}">
+                <a16:creationId xmlns:a16="http://schemas.microsoft.com/office/drawing/2014/main" id="{27565577-DF47-3F50-BC1E-902B0BAAD92F}"/>
+              </a:ext>
+            </a:extLst>
+          </p:cNvPr>
+          <p:cNvPicPr>
+            <a:picLocks noChangeAspect="1"/>
+          </p:cNvPicPr>
+          <p:nvPr/>
+        </p:nvPicPr>
+        <p:blipFill rotWithShape="1">
+          <a:blip r:embed="rId3"/>
+          <a:srcRect l="26062" t="16011" r="4425" b="14589"/>
+          <a:stretch/>
+        </p:blipFill>
+        <p:spPr>
+          <a:xfrm>
+            <a:off x="5713433" y="5195641"/>
+            <a:ext cx="2129481" cy="512491"/>
+          </a:xfrm>
+          <a:prstGeom prst="rect">
+            <a:avLst/>
+          </a:prstGeom>
+        </p:spPr>
+      </p:pic>
+      <p:sp>
+        <p:nvSpPr>
+          <p:cNvPr id="3" name="TextBox 2">
+            <a:extLst>
+              <a:ext uri="{FF2B5EF4-FFF2-40B4-BE49-F238E27FC236}">
+                <a16:creationId xmlns:a16="http://schemas.microsoft.com/office/drawing/2014/main" id="{1F3A17EC-79BA-206C-AC91-970AF1F9B677}"/>
+              </a:ext>
+            </a:extLst>
+          </p:cNvPr>
+          <p:cNvSpPr txBox="1"/>
+          <p:nvPr/>
+        </p:nvSpPr>
+        <p:spPr>
+          <a:xfrm>
+            <a:off x="8138566" y="5190276"/>
+            <a:ext cx="3372592" cy="523220"/>
+          </a:xfrm>
+          <a:prstGeom prst="rect">
+            <a:avLst/>
+          </a:prstGeom>
+          <a:noFill/>
+        </p:spPr>
+        <p:txBody>
+          <a:bodyPr wrap="square" rtlCol="0">
+            <a:spAutoFit/>
+          </a:bodyPr>
+          <a:lstStyle/>
+          <a:p>
+            <a:r>
+              <a:rPr lang="de-DE" sz="1400" dirty="0"/>
+              <a:t>Der Biasgradient ist schlichtweg gleich dem Fehlersignal!</a:t>
+            </a:r>
+          </a:p>
+        </p:txBody>
+      </p:sp>
+    </p:spTree>
+    <p:extLst>
+      <p:ext uri="{BB962C8B-B14F-4D97-AF65-F5344CB8AC3E}">
+        <p14:creationId xmlns:p14="http://schemas.microsoft.com/office/powerpoint/2010/main" val="3713829249"/>
+      </p:ext>
+    </p:extLst>
+  </p:cSld>
+  <p:clrMapOvr>
+    <a:masterClrMapping/>
+  </p:clrMapOvr>
+  <p:timing>
+    <p:tnLst>
+      <p:par>
+        <p:cTn id="1" dur="indefinite" restart="never" nodeType="tmRoot">
+          <p:childTnLst>
+            <p:seq concurrent="1" nextAc="seek">
+              <p:cTn id="2" dur="indefinite" nodeType="mainSeq">
+                <p:childTnLst>
+                  <p:par>
+                    <p:cTn id="3" fill="hold">
+                      <p:stCondLst>
+                        <p:cond delay="indefinite"/>
+                      </p:stCondLst>
+                      <p:childTnLst>
+                        <p:par>
+                          <p:cTn id="4" fill="hold">
+                            <p:stCondLst>
+                              <p:cond delay="0"/>
+                            </p:stCondLst>
+                            <p:childTnLst>
+                              <p:par>
+                                <p:cTn id="5" presetID="1" presetClass="entr" presetSubtype="0" fill="hold" nodeType="clickEffect">
+                                  <p:stCondLst>
+                                    <p:cond delay="0"/>
+                                  </p:stCondLst>
+                                  <p:childTnLst>
+                                    <p:set>
+                                      <p:cBhvr>
+                                        <p:cTn id="6" dur="1" fill="hold">
+                                          <p:stCondLst>
+                                            <p:cond delay="0"/>
+                                          </p:stCondLst>
+                                        </p:cTn>
+                                        <p:tgtEl>
+                                          <p:spTgt spid="5"/>
+                                        </p:tgtEl>
+                                        <p:attrNameLst>
+                                          <p:attrName>style.visibility</p:attrName>
+                                        </p:attrNameLst>
+                                      </p:cBhvr>
+                                      <p:to>
+                                        <p:strVal val="visible"/>
+                                      </p:to>
+                                    </p:set>
+                                  </p:childTnLst>
+                                </p:cTn>
+                              </p:par>
+                              <p:par>
+                                <p:cTn id="7" presetID="1" presetClass="entr" presetSubtype="0" fill="hold" grpId="0" nodeType="withEffect">
+                                  <p:stCondLst>
+                                    <p:cond delay="0"/>
+                                  </p:stCondLst>
+                                  <p:childTnLst>
+                                    <p:set>
+                                      <p:cBhvr>
+                                        <p:cTn id="8" dur="1" fill="hold">
+                                          <p:stCondLst>
+                                            <p:cond delay="0"/>
+                                          </p:stCondLst>
+                                        </p:cTn>
+                                        <p:tgtEl>
+                                          <p:spTgt spid="6"/>
+                                        </p:tgtEl>
+                                        <p:attrNameLst>
+                                          <p:attrName>style.visibility</p:attrName>
+                                        </p:attrNameLst>
+                                      </p:cBhvr>
+                                      <p:to>
+                                        <p:strVal val="visible"/>
+                                      </p:to>
+                                    </p:set>
+                                  </p:childTnLst>
+                                </p:cTn>
+                              </p:par>
+                            </p:childTnLst>
+                          </p:cTn>
+                        </p:par>
+                      </p:childTnLst>
+                    </p:cTn>
+                  </p:par>
+                  <p:par>
+                    <p:cTn id="9" fill="hold">
+                      <p:stCondLst>
+                        <p:cond delay="indefinite"/>
+                      </p:stCondLst>
+                      <p:childTnLst>
+                        <p:par>
+                          <p:cTn id="10" fill="hold">
+                            <p:stCondLst>
+                              <p:cond delay="0"/>
+                            </p:stCondLst>
+                            <p:childTnLst>
+                              <p:par>
+                                <p:cTn id="11" presetID="1" presetClass="entr" presetSubtype="0" fill="hold" nodeType="clickEffect">
+                                  <p:stCondLst>
+                                    <p:cond delay="0"/>
+                                  </p:stCondLst>
+                                  <p:childTnLst>
+                                    <p:set>
+                                      <p:cBhvr>
+                                        <p:cTn id="12" dur="1" fill="hold">
+                                          <p:stCondLst>
+                                            <p:cond delay="0"/>
+                                          </p:stCondLst>
+                                        </p:cTn>
+                                        <p:tgtEl>
+                                          <p:spTgt spid="8"/>
+                                        </p:tgtEl>
+                                        <p:attrNameLst>
+                                          <p:attrName>style.visibility</p:attrName>
+                                        </p:attrNameLst>
+                                      </p:cBhvr>
+                                      <p:to>
+                                        <p:strVal val="visible"/>
+                                      </p:to>
+                                    </p:set>
+                                  </p:childTnLst>
+                                </p:cTn>
+                              </p:par>
+                            </p:childTnLst>
+                          </p:cTn>
+                        </p:par>
+                      </p:childTnLst>
+                    </p:cTn>
+                  </p:par>
+                  <p:par>
+                    <p:cTn id="13" fill="hold">
+                      <p:stCondLst>
+                        <p:cond delay="indefinite"/>
+                      </p:stCondLst>
+                      <p:childTnLst>
+                        <p:par>
+                          <p:cTn id="14" fill="hold">
+                            <p:stCondLst>
+                              <p:cond delay="0"/>
+                            </p:stCondLst>
+                            <p:childTnLst>
+                              <p:par>
+                                <p:cTn id="15" presetID="1" presetClass="entr" presetSubtype="0" fill="hold" nodeType="clickEffect">
+                                  <p:stCondLst>
+                                    <p:cond delay="0"/>
+                                  </p:stCondLst>
+                                  <p:childTnLst>
+                                    <p:set>
+                                      <p:cBhvr>
+                                        <p:cTn id="16" dur="1" fill="hold">
+                                          <p:stCondLst>
+                                            <p:cond delay="0"/>
+                                          </p:stCondLst>
+                                        </p:cTn>
+                                        <p:tgtEl>
+                                          <p:spTgt spid="10"/>
+                                        </p:tgtEl>
+                                        <p:attrNameLst>
+                                          <p:attrName>style.visibility</p:attrName>
+                                        </p:attrNameLst>
+                                      </p:cBhvr>
+                                      <p:to>
+                                        <p:strVal val="visible"/>
+                                      </p:to>
+                                    </p:set>
+                                  </p:childTnLst>
+                                </p:cTn>
+                              </p:par>
+                              <p:par>
+                                <p:cTn id="17" presetID="1" presetClass="entr" presetSubtype="0" fill="hold" grpId="0" nodeType="withEffect">
+                                  <p:stCondLst>
+                                    <p:cond delay="0"/>
+                                  </p:stCondLst>
+                                  <p:childTnLst>
+                                    <p:set>
+                                      <p:cBhvr>
+                                        <p:cTn id="18" dur="1" fill="hold">
+                                          <p:stCondLst>
+                                            <p:cond delay="0"/>
+                                          </p:stCondLst>
+                                        </p:cTn>
+                                        <p:tgtEl>
+                                          <p:spTgt spid="11"/>
+                                        </p:tgtEl>
+                                        <p:attrNameLst>
+                                          <p:attrName>style.visibility</p:attrName>
+                                        </p:attrNameLst>
+                                      </p:cBhvr>
+                                      <p:to>
+                                        <p:strVal val="visible"/>
+                                      </p:to>
+                                    </p:set>
+                                  </p:childTnLst>
+                                </p:cTn>
+                              </p:par>
+                            </p:childTnLst>
+                          </p:cTn>
+                        </p:par>
+                      </p:childTnLst>
+                    </p:cTn>
+                  </p:par>
+                  <p:par>
+                    <p:cTn id="19" fill="hold">
+                      <p:stCondLst>
+                        <p:cond delay="indefinite"/>
+                      </p:stCondLst>
+                      <p:childTnLst>
+                        <p:par>
+                          <p:cTn id="20" fill="hold">
+                            <p:stCondLst>
+                              <p:cond delay="0"/>
+                            </p:stCondLst>
+                            <p:childTnLst>
+                              <p:par>
+                                <p:cTn id="21" presetID="1" presetClass="entr" presetSubtype="0" fill="hold" nodeType="clickEffect">
+                                  <p:stCondLst>
+                                    <p:cond delay="0"/>
+                                  </p:stCondLst>
+                                  <p:childTnLst>
+                                    <p:set>
+                                      <p:cBhvr>
+                                        <p:cTn id="22" dur="1" fill="hold">
+                                          <p:stCondLst>
+                                            <p:cond delay="0"/>
+                                          </p:stCondLst>
+                                        </p:cTn>
+                                        <p:tgtEl>
+                                          <p:spTgt spid="12"/>
+                                        </p:tgtEl>
+                                        <p:attrNameLst>
+                                          <p:attrName>style.visibility</p:attrName>
+                                        </p:attrNameLst>
+                                      </p:cBhvr>
+                                      <p:to>
+                                        <p:strVal val="visible"/>
+                                      </p:to>
+                                    </p:set>
+                                  </p:childTnLst>
+                                </p:cTn>
+                              </p:par>
+                              <p:par>
+                                <p:cTn id="23" presetID="1" presetClass="entr" presetSubtype="0" fill="hold" nodeType="withEffect">
+                                  <p:stCondLst>
+                                    <p:cond delay="0"/>
+                                  </p:stCondLst>
+                                  <p:childTnLst>
+                                    <p:set>
+                                      <p:cBhvr>
+                                        <p:cTn id="24" dur="1" fill="hold">
+                                          <p:stCondLst>
+                                            <p:cond delay="0"/>
+                                          </p:stCondLst>
+                                        </p:cTn>
+                                        <p:tgtEl>
+                                          <p:spTgt spid="13"/>
+                                        </p:tgtEl>
+                                        <p:attrNameLst>
+                                          <p:attrName>style.visibility</p:attrName>
+                                        </p:attrNameLst>
+                                      </p:cBhvr>
+                                      <p:to>
+                                        <p:strVal val="visible"/>
+                                      </p:to>
+                                    </p:set>
+                                  </p:childTnLst>
+                                </p:cTn>
+                              </p:par>
+                              <p:par>
+                                <p:cTn id="25" presetID="1" presetClass="entr" presetSubtype="0" fill="hold" nodeType="withEffect">
+                                  <p:stCondLst>
+                                    <p:cond delay="0"/>
+                                  </p:stCondLst>
+                                  <p:childTnLst>
+                                    <p:set>
+                                      <p:cBhvr>
+                                        <p:cTn id="26" dur="1" fill="hold">
+                                          <p:stCondLst>
+                                            <p:cond delay="0"/>
+                                          </p:stCondLst>
+                                        </p:cTn>
+                                        <p:tgtEl>
+                                          <p:spTgt spid="15"/>
+                                        </p:tgtEl>
+                                        <p:attrNameLst>
+                                          <p:attrName>style.visibility</p:attrName>
+                                        </p:attrNameLst>
+                                      </p:cBhvr>
+                                      <p:to>
+                                        <p:strVal val="visible"/>
+                                      </p:to>
+                                    </p:set>
+                                  </p:childTnLst>
+                                </p:cTn>
+                              </p:par>
+                            </p:childTnLst>
+                          </p:cTn>
+                        </p:par>
+                      </p:childTnLst>
+                    </p:cTn>
+                  </p:par>
+                  <p:par>
+                    <p:cTn id="27" fill="hold">
+                      <p:stCondLst>
+                        <p:cond delay="indefinite"/>
+                      </p:stCondLst>
+                      <p:childTnLst>
+                        <p:par>
+                          <p:cTn id="28" fill="hold">
+                            <p:stCondLst>
+                              <p:cond delay="0"/>
+                            </p:stCondLst>
+                            <p:childTnLst>
+                              <p:par>
+                                <p:cTn id="29" presetID="1" presetClass="entr" presetSubtype="0" fill="hold" nodeType="clickEffect">
+                                  <p:stCondLst>
+                                    <p:cond delay="0"/>
+                                  </p:stCondLst>
+                                  <p:childTnLst>
+                                    <p:set>
+                                      <p:cBhvr>
+                                        <p:cTn id="30" dur="1" fill="hold">
+                                          <p:stCondLst>
+                                            <p:cond delay="0"/>
+                                          </p:stCondLst>
+                                        </p:cTn>
+                                        <p:tgtEl>
+                                          <p:spTgt spid="18"/>
+                                        </p:tgtEl>
+                                        <p:attrNameLst>
+                                          <p:attrName>style.visibility</p:attrName>
+                                        </p:attrNameLst>
+                                      </p:cBhvr>
+                                      <p:to>
+                                        <p:strVal val="visible"/>
+                                      </p:to>
+                                    </p:set>
+                                  </p:childTnLst>
+                                </p:cTn>
+                              </p:par>
+                              <p:par>
+                                <p:cTn id="31" presetID="1" presetClass="entr" presetSubtype="0" fill="hold" nodeType="withEffect">
+                                  <p:stCondLst>
+                                    <p:cond delay="0"/>
+                                  </p:stCondLst>
+                                  <p:childTnLst>
+                                    <p:set>
+                                      <p:cBhvr>
+                                        <p:cTn id="32" dur="1" fill="hold">
+                                          <p:stCondLst>
+                                            <p:cond delay="0"/>
+                                          </p:stCondLst>
+                                        </p:cTn>
+                                        <p:tgtEl>
+                                          <p:spTgt spid="19"/>
+                                        </p:tgtEl>
+                                        <p:attrNameLst>
+                                          <p:attrName>style.visibility</p:attrName>
+                                        </p:attrNameLst>
+                                      </p:cBhvr>
+                                      <p:to>
+                                        <p:strVal val="visible"/>
+                                      </p:to>
+                                    </p:set>
+                                  </p:childTnLst>
+                                </p:cTn>
+                              </p:par>
+                              <p:par>
+                                <p:cTn id="33" presetID="1" presetClass="entr" presetSubtype="0" fill="hold" nodeType="withEffect">
+                                  <p:stCondLst>
+                                    <p:cond delay="0"/>
+                                  </p:stCondLst>
+                                  <p:childTnLst>
+                                    <p:set>
+                                      <p:cBhvr>
+                                        <p:cTn id="34" dur="1" fill="hold">
+                                          <p:stCondLst>
+                                            <p:cond delay="0"/>
+                                          </p:stCondLst>
+                                        </p:cTn>
+                                        <p:tgtEl>
+                                          <p:spTgt spid="17"/>
+                                        </p:tgtEl>
+                                        <p:attrNameLst>
+                                          <p:attrName>style.visibility</p:attrName>
+                                        </p:attrNameLst>
+                                      </p:cBhvr>
+                                      <p:to>
+                                        <p:strVal val="visible"/>
+                                      </p:to>
+                                    </p:set>
+                                  </p:childTnLst>
+                                </p:cTn>
+                              </p:par>
+                              <p:par>
+                                <p:cTn id="35" presetID="1" presetClass="entr" presetSubtype="0" fill="hold" nodeType="withEffect">
+                                  <p:stCondLst>
+                                    <p:cond delay="0"/>
+                                  </p:stCondLst>
+                                  <p:childTnLst>
+                                    <p:set>
+                                      <p:cBhvr>
+                                        <p:cTn id="36" dur="1" fill="hold">
+                                          <p:stCondLst>
+                                            <p:cond delay="0"/>
+                                          </p:stCondLst>
+                                        </p:cTn>
+                                        <p:tgtEl>
+                                          <p:spTgt spid="20"/>
+                                        </p:tgtEl>
+                                        <p:attrNameLst>
+                                          <p:attrName>style.visibility</p:attrName>
+                                        </p:attrNameLst>
+                                      </p:cBhvr>
+                                      <p:to>
+                                        <p:strVal val="visible"/>
+                                      </p:to>
+                                    </p:set>
+                                  </p:childTnLst>
+                                </p:cTn>
+                              </p:par>
+                              <p:par>
+                                <p:cTn id="37" presetID="1" presetClass="entr" presetSubtype="0" fill="hold" nodeType="withEffect">
+                                  <p:stCondLst>
+                                    <p:cond delay="0"/>
+                                  </p:stCondLst>
+                                  <p:childTnLst>
+                                    <p:set>
+                                      <p:cBhvr>
+                                        <p:cTn id="38" dur="1" fill="hold">
+                                          <p:stCondLst>
+                                            <p:cond delay="0"/>
+                                          </p:stCondLst>
+                                        </p:cTn>
+                                        <p:tgtEl>
+                                          <p:spTgt spid="21"/>
+                                        </p:tgtEl>
+                                        <p:attrNameLst>
+                                          <p:attrName>style.visibility</p:attrName>
+                                        </p:attrNameLst>
+                                      </p:cBhvr>
+                                      <p:to>
+                                        <p:strVal val="visible"/>
+                                      </p:to>
+                                    </p:set>
+                                  </p:childTnLst>
+                                </p:cTn>
+                              </p:par>
+                            </p:childTnLst>
+                          </p:cTn>
+                        </p:par>
+                      </p:childTnLst>
+                    </p:cTn>
+                  </p:par>
+                  <p:par>
+                    <p:cTn id="39" fill="hold">
+                      <p:stCondLst>
+                        <p:cond delay="indefinite"/>
+                      </p:stCondLst>
+                      <p:childTnLst>
+                        <p:par>
+                          <p:cTn id="40" fill="hold">
+                            <p:stCondLst>
+                              <p:cond delay="0"/>
+                            </p:stCondLst>
+                            <p:childTnLst>
+                              <p:par>
+                                <p:cTn id="41" presetID="1" presetClass="entr" presetSubtype="0" fill="hold" grpId="0" nodeType="clickEffect">
+                                  <p:stCondLst>
+                                    <p:cond delay="0"/>
+                                  </p:stCondLst>
+                                  <p:childTnLst>
+                                    <p:set>
+                                      <p:cBhvr>
+                                        <p:cTn id="42" dur="1" fill="hold">
+                                          <p:stCondLst>
+                                            <p:cond delay="0"/>
+                                          </p:stCondLst>
+                                        </p:cTn>
+                                        <p:tgtEl>
+                                          <p:spTgt spid="3"/>
+                                        </p:tgtEl>
+                                        <p:attrNameLst>
+                                          <p:attrName>style.visibility</p:attrName>
+                                        </p:attrNameLst>
+                                      </p:cBhvr>
+                                      <p:to>
+                                        <p:strVal val="visible"/>
+                                      </p:to>
+                                    </p:set>
+                                  </p:childTnLst>
+                                </p:cTn>
+                              </p:par>
+                            </p:childTnLst>
+                          </p:cTn>
+                        </p:par>
+                      </p:childTnLst>
+                    </p:cTn>
+                  </p:par>
+                </p:childTnLst>
+              </p:cTn>
+              <p:prevCondLst>
+                <p:cond evt="onPrev" delay="0">
+                  <p:tgtEl>
+                    <p:sldTgt/>
+                  </p:tgtEl>
+                </p:cond>
+              </p:prevCondLst>
+              <p:nextCondLst>
+                <p:cond evt="onNext" delay="0">
+                  <p:tgtEl>
+                    <p:sldTgt/>
+                  </p:tgtEl>
+                </p:cond>
+              </p:nextCondLst>
+            </p:seq>
+          </p:childTnLst>
+        </p:cTn>
+      </p:par>
+    </p:tnLst>
+    <p:bldLst>
+      <p:bldP spid="6" grpId="0"/>
+      <p:bldP spid="11" grpId="0"/>
+      <p:bldP spid="3" grpId="0"/>
+    </p:bldLst>
+  </p:timing>
+</p:sld>
+</file>
+
+<file path=ppt/slides/slide15.xml><?xml version="1.0" encoding="utf-8"?>
+<p:sld xmlns:a="http://schemas.openxmlformats.org/drawingml/2006/main" xmlns:r="http://schemas.openxmlformats.org/officeDocument/2006/relationships" xmlns:p="http://schemas.openxmlformats.org/presentationml/2006/main">
+  <p:cSld>
+    <p:spTree>
+      <p:nvGrpSpPr>
+        <p:cNvPr id="1" name=""/>
+        <p:cNvGrpSpPr/>
+        <p:nvPr/>
+      </p:nvGrpSpPr>
+      <p:grpSpPr>
+        <a:xfrm>
+          <a:off x="0" y="0"/>
+          <a:ext cx="0" cy="0"/>
+          <a:chOff x="0" y="0"/>
+          <a:chExt cx="0" cy="0"/>
+        </a:xfrm>
+      </p:grpSpPr>
+      <p:sp>
+        <p:nvSpPr>
+          <p:cNvPr id="2" name="Titel 1">
+            <a:extLst>
+              <a:ext uri="{FF2B5EF4-FFF2-40B4-BE49-F238E27FC236}">
+                <a16:creationId xmlns:a16="http://schemas.microsoft.com/office/drawing/2014/main" id="{2911F67F-327B-4C51-B9E3-A1D3BCC720A5}"/>
+              </a:ext>
+            </a:extLst>
+          </p:cNvPr>
+          <p:cNvSpPr>
+            <a:spLocks noGrp="1"/>
+          </p:cNvSpPr>
+          <p:nvPr>
+            <p:ph type="title"/>
+          </p:nvPr>
+        </p:nvSpPr>
+        <p:spPr/>
+        <p:txBody>
+          <a:bodyPr>
+            <a:normAutofit/>
+          </a:bodyPr>
+          <a:lstStyle/>
+          <a:p>
+            <a:r>
+              <a:rPr lang="de-DE" dirty="0"/>
+              <a:t>Mathematische Herleitungen</a:t>
+            </a:r>
+            <a:br>
+              <a:rPr lang="de-DE" dirty="0"/>
+            </a:br>
+            <a:r>
+              <a:rPr lang="de-DE" sz="2400" dirty="0"/>
+              <a:t>Biasgradient für ein Batch von Daten</a:t>
+            </a:r>
+            <a:endParaRPr lang="de-DE" dirty="0"/>
+          </a:p>
+        </p:txBody>
+      </p:sp>
+      <p:pic>
+        <p:nvPicPr>
+          <p:cNvPr id="3" name="Picture 2">
+            <a:extLst>
+              <a:ext uri="{FF2B5EF4-FFF2-40B4-BE49-F238E27FC236}">
+                <a16:creationId xmlns:a16="http://schemas.microsoft.com/office/drawing/2014/main" id="{2B7B690B-9781-2337-E8AA-EEB1C64C5CB0}"/>
+              </a:ext>
+            </a:extLst>
+          </p:cNvPr>
+          <p:cNvPicPr>
+            <a:picLocks noChangeAspect="1"/>
+          </p:cNvPicPr>
+          <p:nvPr/>
+        </p:nvPicPr>
+        <p:blipFill rotWithShape="1">
+          <a:blip r:embed="rId2"/>
+          <a:srcRect l="2760" r="75959"/>
+          <a:stretch/>
+        </p:blipFill>
+        <p:spPr>
+          <a:xfrm>
+            <a:off x="712519" y="1829526"/>
+            <a:ext cx="447304" cy="759465"/>
+          </a:xfrm>
+          <a:prstGeom prst="rect">
+            <a:avLst/>
+          </a:prstGeom>
+        </p:spPr>
+      </p:pic>
+      <p:pic>
+        <p:nvPicPr>
+          <p:cNvPr id="4" name="Picture 3">
+            <a:extLst>
+              <a:ext uri="{FF2B5EF4-FFF2-40B4-BE49-F238E27FC236}">
+                <a16:creationId xmlns:a16="http://schemas.microsoft.com/office/drawing/2014/main" id="{8177ED3F-9166-0C40-9AC4-9B4C256883E5}"/>
+              </a:ext>
+            </a:extLst>
+          </p:cNvPr>
+          <p:cNvPicPr>
+            <a:picLocks noChangeAspect="1"/>
+          </p:cNvPicPr>
+          <p:nvPr/>
+        </p:nvPicPr>
+        <p:blipFill rotWithShape="1">
+          <a:blip r:embed="rId2"/>
+          <a:srcRect l="25829" r="7128"/>
+          <a:stretch/>
+        </p:blipFill>
+        <p:spPr>
+          <a:xfrm>
+            <a:off x="3903024" y="1829526"/>
+            <a:ext cx="1409205" cy="759465"/>
+          </a:xfrm>
+          <a:prstGeom prst="rect">
+            <a:avLst/>
+          </a:prstGeom>
+        </p:spPr>
+      </p:pic>
+      <p:sp>
+        <p:nvSpPr>
+          <p:cNvPr id="5" name="TextBox 4">
+            <a:extLst>
+              <a:ext uri="{FF2B5EF4-FFF2-40B4-BE49-F238E27FC236}">
+                <a16:creationId xmlns:a16="http://schemas.microsoft.com/office/drawing/2014/main" id="{5877D65E-A316-A457-867A-A80F0E3E75C2}"/>
+              </a:ext>
+            </a:extLst>
+          </p:cNvPr>
+          <p:cNvSpPr txBox="1"/>
+          <p:nvPr/>
+        </p:nvSpPr>
+        <p:spPr>
+          <a:xfrm>
+            <a:off x="1421081" y="1947648"/>
+            <a:ext cx="2379023" cy="523220"/>
+          </a:xfrm>
+          <a:prstGeom prst="rect">
+            <a:avLst/>
+          </a:prstGeom>
+          <a:noFill/>
+        </p:spPr>
+        <p:txBody>
+          <a:bodyPr wrap="square" rtlCol="0">
+            <a:spAutoFit/>
+          </a:bodyPr>
+          <a:lstStyle/>
+          <a:p>
+            <a:r>
+              <a:rPr lang="de-DE" sz="1400" dirty="0"/>
+              <a:t>Ableitung der Kostenfunktion nach den Biases in Layer l</a:t>
+            </a:r>
+          </a:p>
+        </p:txBody>
+      </p:sp>
+      <p:pic>
+        <p:nvPicPr>
+          <p:cNvPr id="6" name="Picture 5">
+            <a:extLst>
+              <a:ext uri="{FF2B5EF4-FFF2-40B4-BE49-F238E27FC236}">
+                <a16:creationId xmlns:a16="http://schemas.microsoft.com/office/drawing/2014/main" id="{52A4C117-15AD-43B7-B9EA-8BAA32DC049A}"/>
+              </a:ext>
+            </a:extLst>
+          </p:cNvPr>
+          <p:cNvPicPr>
+            <a:picLocks noChangeAspect="1"/>
+          </p:cNvPicPr>
+          <p:nvPr/>
+        </p:nvPicPr>
+        <p:blipFill rotWithShape="1">
+          <a:blip r:embed="rId2"/>
+          <a:srcRect l="69049" r="7128"/>
+          <a:stretch/>
+        </p:blipFill>
+        <p:spPr>
+          <a:xfrm>
+            <a:off x="6954981" y="1829526"/>
+            <a:ext cx="500744" cy="759465"/>
+          </a:xfrm>
+          <a:prstGeom prst="rect">
+            <a:avLst/>
+          </a:prstGeom>
+        </p:spPr>
+      </p:pic>
+      <p:pic>
+        <p:nvPicPr>
+          <p:cNvPr id="7" name="Picture 6">
+            <a:extLst>
+              <a:ext uri="{FF2B5EF4-FFF2-40B4-BE49-F238E27FC236}">
+                <a16:creationId xmlns:a16="http://schemas.microsoft.com/office/drawing/2014/main" id="{E3CF055E-D7C9-B872-5D9C-0FF020BDD11E}"/>
+              </a:ext>
+            </a:extLst>
+          </p:cNvPr>
+          <p:cNvPicPr>
+            <a:picLocks noChangeAspect="1"/>
+          </p:cNvPicPr>
+          <p:nvPr/>
+        </p:nvPicPr>
+        <p:blipFill rotWithShape="1">
+          <a:blip r:embed="rId2"/>
+          <a:srcRect l="25829" r="65226"/>
+          <a:stretch/>
+        </p:blipFill>
+        <p:spPr>
+          <a:xfrm>
+            <a:off x="9258380" y="1829526"/>
+            <a:ext cx="188026" cy="759465"/>
+          </a:xfrm>
+          <a:prstGeom prst="rect">
+            <a:avLst/>
+          </a:prstGeom>
+        </p:spPr>
+      </p:pic>
+      <p:pic>
+        <p:nvPicPr>
+          <p:cNvPr id="9" name="Picture 8">
+            <a:extLst>
+              <a:ext uri="{FF2B5EF4-FFF2-40B4-BE49-F238E27FC236}">
+                <a16:creationId xmlns:a16="http://schemas.microsoft.com/office/drawing/2014/main" id="{83D8D8CA-6C5B-4BD4-1BA4-29D0951AB1CF}"/>
+              </a:ext>
+            </a:extLst>
+          </p:cNvPr>
+          <p:cNvPicPr>
+            <a:picLocks noChangeAspect="1"/>
+          </p:cNvPicPr>
+          <p:nvPr/>
+        </p:nvPicPr>
+        <p:blipFill rotWithShape="1">
+          <a:blip r:embed="rId3"/>
+          <a:srcRect l="7602" t="2085" b="4097"/>
+          <a:stretch/>
+        </p:blipFill>
+        <p:spPr>
+          <a:xfrm>
+            <a:off x="9588907" y="1662993"/>
+            <a:ext cx="374488" cy="1092530"/>
+          </a:xfrm>
+          <a:prstGeom prst="rect">
+            <a:avLst/>
+          </a:prstGeom>
+        </p:spPr>
+      </p:pic>
+      <p:sp>
+        <p:nvSpPr>
+          <p:cNvPr id="10" name="TextBox 9">
+            <a:extLst>
+              <a:ext uri="{FF2B5EF4-FFF2-40B4-BE49-F238E27FC236}">
+                <a16:creationId xmlns:a16="http://schemas.microsoft.com/office/drawing/2014/main" id="{B8257153-4CA9-FC98-3011-392780C5ECFC}"/>
+              </a:ext>
+            </a:extLst>
+          </p:cNvPr>
+          <p:cNvSpPr txBox="1"/>
+          <p:nvPr/>
+        </p:nvSpPr>
+        <p:spPr>
+          <a:xfrm>
+            <a:off x="7675415" y="1732205"/>
+            <a:ext cx="1440464" cy="954107"/>
+          </a:xfrm>
+          <a:prstGeom prst="rect">
+            <a:avLst/>
+          </a:prstGeom>
+          <a:noFill/>
+        </p:spPr>
+        <p:txBody>
+          <a:bodyPr wrap="square" rtlCol="0">
+            <a:spAutoFit/>
+          </a:bodyPr>
+          <a:lstStyle/>
+          <a:p>
+            <a:pPr algn="l"/>
+            <a:r>
+              <a:rPr lang="de-DE" sz="1400" dirty="0"/>
+              <a:t>Biasgradient eines einzelnen Datums</a:t>
+            </a:r>
+          </a:p>
+          <a:p>
+            <a:pPr algn="l"/>
+            <a:endParaRPr lang="de-DE" sz="1400" dirty="0"/>
+          </a:p>
+        </p:txBody>
+      </p:sp>
+      <p:pic>
+        <p:nvPicPr>
+          <p:cNvPr id="11" name="Picture 10">
+            <a:extLst>
+              <a:ext uri="{FF2B5EF4-FFF2-40B4-BE49-F238E27FC236}">
+                <a16:creationId xmlns:a16="http://schemas.microsoft.com/office/drawing/2014/main" id="{70D22BFF-2DA5-F4E1-D154-8D01D5F4B706}"/>
+              </a:ext>
+            </a:extLst>
+          </p:cNvPr>
+          <p:cNvPicPr>
+            <a:picLocks noChangeAspect="1"/>
+          </p:cNvPicPr>
+          <p:nvPr/>
+        </p:nvPicPr>
+        <p:blipFill rotWithShape="1">
+          <a:blip r:embed="rId2"/>
+          <a:srcRect l="2760" r="63812"/>
+          <a:stretch/>
+        </p:blipFill>
+        <p:spPr>
+          <a:xfrm>
+            <a:off x="712519" y="4058562"/>
+            <a:ext cx="702624" cy="759465"/>
+          </a:xfrm>
+          <a:prstGeom prst="rect">
+            <a:avLst/>
+          </a:prstGeom>
+        </p:spPr>
+      </p:pic>
+      <p:pic>
+        <p:nvPicPr>
+          <p:cNvPr id="13" name="Picture 12">
+            <a:extLst>
+              <a:ext uri="{FF2B5EF4-FFF2-40B4-BE49-F238E27FC236}">
+                <a16:creationId xmlns:a16="http://schemas.microsoft.com/office/drawing/2014/main" id="{5E34EDAA-27D2-3D64-9AF1-3F6FD6166F21}"/>
+              </a:ext>
+            </a:extLst>
+          </p:cNvPr>
+          <p:cNvPicPr>
+            <a:picLocks noChangeAspect="1"/>
+          </p:cNvPicPr>
+          <p:nvPr/>
+        </p:nvPicPr>
+        <p:blipFill rotWithShape="1">
+          <a:blip r:embed="rId4"/>
+          <a:srcRect l="28286" t="3447" r="7575" b="15100"/>
+          <a:stretch/>
+        </p:blipFill>
+        <p:spPr>
+          <a:xfrm>
+            <a:off x="1666510" y="3429000"/>
+            <a:ext cx="4372130" cy="2018589"/>
+          </a:xfrm>
+          <a:prstGeom prst="rect">
+            <a:avLst/>
+          </a:prstGeom>
+        </p:spPr>
+      </p:pic>
+      <p:sp>
+        <p:nvSpPr>
+          <p:cNvPr id="14" name="TextBox 13">
+            <a:extLst>
+              <a:ext uri="{FF2B5EF4-FFF2-40B4-BE49-F238E27FC236}">
+                <a16:creationId xmlns:a16="http://schemas.microsoft.com/office/drawing/2014/main" id="{CB348F16-B21B-5A4E-7781-60F0B49F6B71}"/>
+              </a:ext>
+            </a:extLst>
+          </p:cNvPr>
+          <p:cNvSpPr txBox="1"/>
+          <p:nvPr/>
+        </p:nvSpPr>
+        <p:spPr>
+          <a:xfrm>
+            <a:off x="6263463" y="4068962"/>
+            <a:ext cx="2739614" cy="738664"/>
+          </a:xfrm>
+          <a:prstGeom prst="rect">
+            <a:avLst/>
+          </a:prstGeom>
+          <a:noFill/>
+        </p:spPr>
+        <p:txBody>
+          <a:bodyPr wrap="square" rtlCol="0">
+            <a:spAutoFit/>
+          </a:bodyPr>
+          <a:lstStyle/>
+          <a:p>
+            <a:r>
+              <a:rPr lang="de-DE" sz="1400" dirty="0"/>
+              <a:t>Das Mittel wird über alle Elemente entlang der Tiefendimension (</a:t>
+            </a:r>
+            <a:r>
+              <a:rPr lang="de-DE" sz="1400" dirty="0" err="1"/>
+              <a:t>axis</a:t>
+            </a:r>
+            <a:r>
+              <a:rPr lang="de-DE" sz="1400" dirty="0"/>
+              <a:t>=0) gebildet</a:t>
+            </a:r>
+          </a:p>
+        </p:txBody>
+      </p:sp>
+    </p:spTree>
+    <p:extLst>
+      <p:ext uri="{BB962C8B-B14F-4D97-AF65-F5344CB8AC3E}">
+        <p14:creationId xmlns:p14="http://schemas.microsoft.com/office/powerpoint/2010/main" val="838620978"/>
+      </p:ext>
+    </p:extLst>
+  </p:cSld>
+  <p:clrMapOvr>
+    <a:masterClrMapping/>
+  </p:clrMapOvr>
+  <p:timing>
+    <p:tnLst>
+      <p:par>
+        <p:cTn id="1" dur="indefinite" restart="never" nodeType="tmRoot">
+          <p:childTnLst>
+            <p:seq concurrent="1" nextAc="seek">
+              <p:cTn id="2" dur="indefinite" nodeType="mainSeq">
+                <p:childTnLst>
+                  <p:par>
+                    <p:cTn id="3" fill="hold">
+                      <p:stCondLst>
+                        <p:cond delay="indefinite"/>
+                      </p:stCondLst>
+                      <p:childTnLst>
+                        <p:par>
+                          <p:cTn id="4" fill="hold">
+                            <p:stCondLst>
+                              <p:cond delay="0"/>
+                            </p:stCondLst>
+                            <p:childTnLst>
+                              <p:par>
+                                <p:cTn id="5" presetID="1" presetClass="entr" presetSubtype="0" fill="hold" nodeType="clickEffect">
+                                  <p:stCondLst>
+                                    <p:cond delay="0"/>
+                                  </p:stCondLst>
+                                  <p:childTnLst>
+                                    <p:set>
+                                      <p:cBhvr>
+                                        <p:cTn id="6" dur="1" fill="hold">
+                                          <p:stCondLst>
+                                            <p:cond delay="0"/>
+                                          </p:stCondLst>
+                                        </p:cTn>
+                                        <p:tgtEl>
+                                          <p:spTgt spid="3"/>
+                                        </p:tgtEl>
+                                        <p:attrNameLst>
+                                          <p:attrName>style.visibility</p:attrName>
+                                        </p:attrNameLst>
+                                      </p:cBhvr>
+                                      <p:to>
+                                        <p:strVal val="visible"/>
+                                      </p:to>
+                                    </p:set>
+                                  </p:childTnLst>
+                                </p:cTn>
+                              </p:par>
+                              <p:par>
+                                <p:cTn id="7" presetID="1" presetClass="entr" presetSubtype="0" fill="hold" grpId="0" nodeType="withEffect">
+                                  <p:stCondLst>
+                                    <p:cond delay="0"/>
+                                  </p:stCondLst>
+                                  <p:childTnLst>
+                                    <p:set>
+                                      <p:cBhvr>
+                                        <p:cTn id="8" dur="1" fill="hold">
+                                          <p:stCondLst>
+                                            <p:cond delay="0"/>
+                                          </p:stCondLst>
+                                        </p:cTn>
+                                        <p:tgtEl>
+                                          <p:spTgt spid="5"/>
+                                        </p:tgtEl>
+                                        <p:attrNameLst>
+                                          <p:attrName>style.visibility</p:attrName>
+                                        </p:attrNameLst>
+                                      </p:cBhvr>
+                                      <p:to>
+                                        <p:strVal val="visible"/>
+                                      </p:to>
+                                    </p:set>
+                                  </p:childTnLst>
+                                </p:cTn>
+                              </p:par>
+                            </p:childTnLst>
+                          </p:cTn>
+                        </p:par>
+                      </p:childTnLst>
+                    </p:cTn>
+                  </p:par>
+                  <p:par>
+                    <p:cTn id="9" fill="hold">
+                      <p:stCondLst>
+                        <p:cond delay="indefinite"/>
+                      </p:stCondLst>
+                      <p:childTnLst>
+                        <p:par>
+                          <p:cTn id="10" fill="hold">
+                            <p:stCondLst>
+                              <p:cond delay="0"/>
+                            </p:stCondLst>
+                            <p:childTnLst>
+                              <p:par>
+                                <p:cTn id="11" presetID="1" presetClass="entr" presetSubtype="0" fill="hold" nodeType="clickEffect">
+                                  <p:stCondLst>
+                                    <p:cond delay="0"/>
+                                  </p:stCondLst>
+                                  <p:childTnLst>
+                                    <p:set>
+                                      <p:cBhvr>
+                                        <p:cTn id="12" dur="1" fill="hold">
+                                          <p:stCondLst>
+                                            <p:cond delay="0"/>
+                                          </p:stCondLst>
+                                        </p:cTn>
+                                        <p:tgtEl>
+                                          <p:spTgt spid="4"/>
+                                        </p:tgtEl>
+                                        <p:attrNameLst>
+                                          <p:attrName>style.visibility</p:attrName>
+                                        </p:attrNameLst>
+                                      </p:cBhvr>
+                                      <p:to>
+                                        <p:strVal val="visible"/>
+                                      </p:to>
+                                    </p:set>
+                                  </p:childTnLst>
+                                </p:cTn>
+                              </p:par>
+                            </p:childTnLst>
+                          </p:cTn>
+                        </p:par>
+                      </p:childTnLst>
+                    </p:cTn>
+                  </p:par>
+                  <p:par>
+                    <p:cTn id="13" fill="hold">
+                      <p:stCondLst>
+                        <p:cond delay="indefinite"/>
+                      </p:stCondLst>
+                      <p:childTnLst>
+                        <p:par>
+                          <p:cTn id="14" fill="hold">
+                            <p:stCondLst>
+                              <p:cond delay="0"/>
+                            </p:stCondLst>
+                            <p:childTnLst>
+                              <p:par>
+                                <p:cTn id="15" presetID="1" presetClass="entr" presetSubtype="0" fill="hold" nodeType="clickEffect">
+                                  <p:stCondLst>
+                                    <p:cond delay="0"/>
+                                  </p:stCondLst>
+                                  <p:childTnLst>
+                                    <p:set>
+                                      <p:cBhvr>
+                                        <p:cTn id="16" dur="1" fill="hold">
+                                          <p:stCondLst>
+                                            <p:cond delay="0"/>
+                                          </p:stCondLst>
+                                        </p:cTn>
+                                        <p:tgtEl>
+                                          <p:spTgt spid="6"/>
+                                        </p:tgtEl>
+                                        <p:attrNameLst>
+                                          <p:attrName>style.visibility</p:attrName>
+                                        </p:attrNameLst>
+                                      </p:cBhvr>
+                                      <p:to>
+                                        <p:strVal val="visible"/>
+                                      </p:to>
+                                    </p:set>
+                                  </p:childTnLst>
+                                </p:cTn>
+                              </p:par>
+                              <p:par>
+                                <p:cTn id="17" presetID="1" presetClass="entr" presetSubtype="0" fill="hold" nodeType="withEffect">
+                                  <p:stCondLst>
+                                    <p:cond delay="0"/>
+                                  </p:stCondLst>
+                                  <p:childTnLst>
+                                    <p:set>
+                                      <p:cBhvr>
+                                        <p:cTn id="18" dur="1" fill="hold">
+                                          <p:stCondLst>
+                                            <p:cond delay="0"/>
+                                          </p:stCondLst>
+                                        </p:cTn>
+                                        <p:tgtEl>
+                                          <p:spTgt spid="7"/>
+                                        </p:tgtEl>
+                                        <p:attrNameLst>
+                                          <p:attrName>style.visibility</p:attrName>
+                                        </p:attrNameLst>
+                                      </p:cBhvr>
+                                      <p:to>
+                                        <p:strVal val="visible"/>
+                                      </p:to>
+                                    </p:set>
+                                  </p:childTnLst>
+                                </p:cTn>
+                              </p:par>
+                              <p:par>
+                                <p:cTn id="19" presetID="1" presetClass="entr" presetSubtype="0" fill="hold" nodeType="withEffect">
+                                  <p:stCondLst>
+                                    <p:cond delay="0"/>
+                                  </p:stCondLst>
+                                  <p:childTnLst>
+                                    <p:set>
+                                      <p:cBhvr>
+                                        <p:cTn id="20" dur="1" fill="hold">
+                                          <p:stCondLst>
+                                            <p:cond delay="0"/>
+                                          </p:stCondLst>
+                                        </p:cTn>
+                                        <p:tgtEl>
+                                          <p:spTgt spid="9"/>
+                                        </p:tgtEl>
+                                        <p:attrNameLst>
+                                          <p:attrName>style.visibility</p:attrName>
+                                        </p:attrNameLst>
+                                      </p:cBhvr>
+                                      <p:to>
+                                        <p:strVal val="visible"/>
+                                      </p:to>
+                                    </p:set>
+                                  </p:childTnLst>
+                                </p:cTn>
+                              </p:par>
+                              <p:par>
+                                <p:cTn id="21" presetID="1" presetClass="entr" presetSubtype="0" fill="hold" grpId="0" nodeType="withEffect">
+                                  <p:stCondLst>
+                                    <p:cond delay="0"/>
+                                  </p:stCondLst>
+                                  <p:childTnLst>
+                                    <p:set>
+                                      <p:cBhvr>
+                                        <p:cTn id="22" dur="1" fill="hold">
+                                          <p:stCondLst>
+                                            <p:cond delay="0"/>
+                                          </p:stCondLst>
+                                        </p:cTn>
+                                        <p:tgtEl>
+                                          <p:spTgt spid="10"/>
+                                        </p:tgtEl>
+                                        <p:attrNameLst>
+                                          <p:attrName>style.visibility</p:attrName>
+                                        </p:attrNameLst>
+                                      </p:cBhvr>
+                                      <p:to>
+                                        <p:strVal val="visible"/>
+                                      </p:to>
+                                    </p:set>
+                                  </p:childTnLst>
+                                </p:cTn>
+                              </p:par>
+                            </p:childTnLst>
+                          </p:cTn>
+                        </p:par>
+                      </p:childTnLst>
+                    </p:cTn>
+                  </p:par>
+                  <p:par>
+                    <p:cTn id="23" fill="hold">
+                      <p:stCondLst>
+                        <p:cond delay="indefinite"/>
+                      </p:stCondLst>
+                      <p:childTnLst>
+                        <p:par>
+                          <p:cTn id="24" fill="hold">
+                            <p:stCondLst>
+                              <p:cond delay="0"/>
+                            </p:stCondLst>
+                            <p:childTnLst>
+                              <p:par>
+                                <p:cTn id="25" presetID="1" presetClass="entr" presetSubtype="0" fill="hold" nodeType="clickEffect">
+                                  <p:stCondLst>
+                                    <p:cond delay="0"/>
+                                  </p:stCondLst>
+                                  <p:childTnLst>
+                                    <p:set>
+                                      <p:cBhvr>
+                                        <p:cTn id="26" dur="1" fill="hold">
+                                          <p:stCondLst>
+                                            <p:cond delay="0"/>
+                                          </p:stCondLst>
+                                        </p:cTn>
+                                        <p:tgtEl>
+                                          <p:spTgt spid="11"/>
+                                        </p:tgtEl>
+                                        <p:attrNameLst>
+                                          <p:attrName>style.visibility</p:attrName>
+                                        </p:attrNameLst>
+                                      </p:cBhvr>
+                                      <p:to>
+                                        <p:strVal val="visible"/>
+                                      </p:to>
+                                    </p:set>
+                                  </p:childTnLst>
+                                </p:cTn>
+                              </p:par>
+                              <p:par>
+                                <p:cTn id="27" presetID="1" presetClass="entr" presetSubtype="0" fill="hold" nodeType="withEffect">
+                                  <p:stCondLst>
+                                    <p:cond delay="0"/>
+                                  </p:stCondLst>
+                                  <p:childTnLst>
+                                    <p:set>
+                                      <p:cBhvr>
+                                        <p:cTn id="28" dur="1" fill="hold">
+                                          <p:stCondLst>
+                                            <p:cond delay="0"/>
+                                          </p:stCondLst>
+                                        </p:cTn>
+                                        <p:tgtEl>
+                                          <p:spTgt spid="13"/>
+                                        </p:tgtEl>
+                                        <p:attrNameLst>
+                                          <p:attrName>style.visibility</p:attrName>
+                                        </p:attrNameLst>
+                                      </p:cBhvr>
+                                      <p:to>
+                                        <p:strVal val="visible"/>
+                                      </p:to>
+                                    </p:set>
+                                  </p:childTnLst>
+                                </p:cTn>
+                              </p:par>
+                              <p:par>
+                                <p:cTn id="29" presetID="1" presetClass="entr" presetSubtype="0" fill="hold" grpId="0" nodeType="withEffect">
+                                  <p:stCondLst>
+                                    <p:cond delay="0"/>
+                                  </p:stCondLst>
+                                  <p:childTnLst>
+                                    <p:set>
+                                      <p:cBhvr>
+                                        <p:cTn id="30" dur="1" fill="hold">
+                                          <p:stCondLst>
+                                            <p:cond delay="0"/>
+                                          </p:stCondLst>
+                                        </p:cTn>
+                                        <p:tgtEl>
+                                          <p:spTgt spid="14"/>
+                                        </p:tgtEl>
+                                        <p:attrNameLst>
+                                          <p:attrName>style.visibility</p:attrName>
+                                        </p:attrNameLst>
+                                      </p:cBhvr>
+                                      <p:to>
+                                        <p:strVal val="visible"/>
+                                      </p:to>
+                                    </p:set>
+                                  </p:childTnLst>
+                                </p:cTn>
+                              </p:par>
+                            </p:childTnLst>
+                          </p:cTn>
+                        </p:par>
+                      </p:childTnLst>
+                    </p:cTn>
+                  </p:par>
+                </p:childTnLst>
+              </p:cTn>
+              <p:prevCondLst>
+                <p:cond evt="onPrev" delay="0">
+                  <p:tgtEl>
+                    <p:sldTgt/>
+                  </p:tgtEl>
+                </p:cond>
+              </p:prevCondLst>
+              <p:nextCondLst>
+                <p:cond evt="onNext" delay="0">
+                  <p:tgtEl>
+                    <p:sldTgt/>
+                  </p:tgtEl>
+                </p:cond>
+              </p:nextCondLst>
+            </p:seq>
+          </p:childTnLst>
+        </p:cTn>
+      </p:par>
+    </p:tnLst>
+    <p:bldLst>
+      <p:bldP spid="5" grpId="0"/>
+      <p:bldP spid="10" grpId="0"/>
+      <p:bldP spid="14" grpId="0"/>
+    </p:bldLst>
+  </p:timing>
+</p:sld>
+</file>
+
+<file path=ppt/slides/slide16.xml><?xml version="1.0" encoding="utf-8"?>
+<p:sld xmlns:a="http://schemas.openxmlformats.org/drawingml/2006/main" xmlns:r="http://schemas.openxmlformats.org/officeDocument/2006/relationships" xmlns:p="http://schemas.openxmlformats.org/presentationml/2006/main">
+  <p:cSld>
+    <p:spTree>
+      <p:nvGrpSpPr>
+        <p:cNvPr id="1" name=""/>
+        <p:cNvGrpSpPr/>
+        <p:nvPr/>
+      </p:nvGrpSpPr>
+      <p:grpSpPr>
+        <a:xfrm>
+          <a:off x="0" y="0"/>
+          <a:ext cx="0" cy="0"/>
+          <a:chOff x="0" y="0"/>
+          <a:chExt cx="0" cy="0"/>
+        </a:xfrm>
+      </p:grpSpPr>
+      <p:sp>
+        <p:nvSpPr>
+          <p:cNvPr id="2" name="Titel 1">
+            <a:extLst>
+              <a:ext uri="{FF2B5EF4-FFF2-40B4-BE49-F238E27FC236}">
+                <a16:creationId xmlns:a16="http://schemas.microsoft.com/office/drawing/2014/main" id="{2911F67F-327B-4C51-B9E3-A1D3BCC720A5}"/>
+              </a:ext>
+            </a:extLst>
+          </p:cNvPr>
+          <p:cNvSpPr>
+            <a:spLocks noGrp="1"/>
+          </p:cNvSpPr>
+          <p:nvPr>
+            <p:ph type="title"/>
+          </p:nvPr>
+        </p:nvSpPr>
+        <p:spPr/>
+        <p:txBody>
+          <a:bodyPr>
+            <a:normAutofit/>
+          </a:bodyPr>
+          <a:lstStyle/>
+          <a:p>
+            <a:r>
+              <a:rPr lang="de-DE" dirty="0"/>
+              <a:t>Mathematische Herleitungen</a:t>
+            </a:r>
+            <a:br>
+              <a:rPr lang="de-DE" dirty="0"/>
+            </a:br>
+            <a:r>
               <a:rPr lang="de-DE" sz="2400" dirty="0" err="1"/>
               <a:t>Stochastic</a:t>
             </a:r>
@@ -8366,7 +10168,7 @@
     </p:spTree>
     <p:extLst>
       <p:ext uri="{BB962C8B-B14F-4D97-AF65-F5344CB8AC3E}">
-        <p14:creationId xmlns:p14="http://schemas.microsoft.com/office/powerpoint/2010/main" val="3713829249"/>
+        <p14:creationId xmlns:p14="http://schemas.microsoft.com/office/powerpoint/2010/main" val="2709567436"/>
       </p:ext>
     </p:extLst>
   </p:cSld>
@@ -8376,7 +10178,7 @@
 </p:sld>
 </file>
 
-<file path=ppt/slides/slide15.xml><?xml version="1.0" encoding="utf-8"?>
+<file path=ppt/slides/slide17.xml><?xml version="1.0" encoding="utf-8"?>
 <p:sld xmlns:a="http://schemas.openxmlformats.org/drawingml/2006/main" xmlns:r="http://schemas.openxmlformats.org/officeDocument/2006/relationships" xmlns:p="http://schemas.openxmlformats.org/presentationml/2006/main">
   <p:cSld>
     <p:spTree>
@@ -8447,7 +10249,7 @@
 </p:sld>
 </file>
 
-<file path=ppt/slides/slide16.xml><?xml version="1.0" encoding="utf-8"?>
+<file path=ppt/slides/slide18.xml><?xml version="1.0" encoding="utf-8"?>
 <p:sld xmlns:a="http://schemas.openxmlformats.org/drawingml/2006/main" xmlns:r="http://schemas.openxmlformats.org/officeDocument/2006/relationships" xmlns:p="http://schemas.openxmlformats.org/presentationml/2006/main">
   <p:cSld>
     <p:spTree>
@@ -17842,7 +19644,21 @@
       </a:bgFillStyleLst>
     </a:fmtScheme>
   </a:themeElements>
-  <a:objectDefaults/>
+  <a:objectDefaults>
+    <a:txDef>
+      <a:spPr>
+        <a:noFill/>
+      </a:spPr>
+      <a:bodyPr wrap="square" rtlCol="0">
+        <a:spAutoFit/>
+      </a:bodyPr>
+      <a:lstStyle>
+        <a:defPPr algn="l">
+          <a:defRPr sz="1400" dirty="0" smtClean="0"/>
+        </a:defPPr>
+      </a:lstStyle>
+    </a:txDef>
+  </a:objectDefaults>
   <a:extraClrSchemeLst/>
   <a:extLst>
     <a:ext uri="{05A4C25C-085E-4340-85A3-A5531E510DB2}">

--- a/theory/submission/result_presentation.pptx
+++ b/theory/submission/result_presentation.pptx
@@ -10064,12 +10064,8 @@
               <a:rPr lang="de-DE" dirty="0"/>
             </a:br>
             <a:r>
-              <a:rPr lang="de-DE" sz="2400" dirty="0" err="1"/>
-              <a:t>Stochastic</a:t>
-            </a:r>
-            <a:r>
               <a:rPr lang="de-DE" sz="2400" dirty="0"/>
-              <a:t> Gradient Descent</a:t>
+              <a:t>Lernen mittels Stochastic Gradient Descent</a:t>
             </a:r>
             <a:endParaRPr lang="de-DE" dirty="0"/>
           </a:p>
@@ -10089,46 +10085,15 @@
           </p:cNvPicPr>
           <p:nvPr/>
         </p:nvPicPr>
-        <p:blipFill>
+        <p:blipFill rotWithShape="1">
           <a:blip r:embed="rId2"/>
-          <a:stretch>
-            <a:fillRect/>
-          </a:stretch>
+          <a:srcRect l="1117" t="20561" r="5254"/>
+          <a:stretch/>
         </p:blipFill>
         <p:spPr>
           <a:xfrm>
-            <a:off x="4123445" y="2245832"/>
-            <a:ext cx="2942566" cy="917347"/>
-          </a:xfrm>
-          <a:prstGeom prst="rect">
-            <a:avLst/>
-          </a:prstGeom>
-        </p:spPr>
-      </p:pic>
-      <p:pic>
-        <p:nvPicPr>
-          <p:cNvPr id="7" name="Grafik 6">
-            <a:extLst>
-              <a:ext uri="{FF2B5EF4-FFF2-40B4-BE49-F238E27FC236}">
-                <a16:creationId xmlns:a16="http://schemas.microsoft.com/office/drawing/2014/main" id="{FAF08FC7-1ECB-489E-ADD8-DB00419A9244}"/>
-              </a:ext>
-            </a:extLst>
-          </p:cNvPr>
-          <p:cNvPicPr>
-            <a:picLocks noChangeAspect="1"/>
-          </p:cNvPicPr>
-          <p:nvPr/>
-        </p:nvPicPr>
-        <p:blipFill>
-          <a:blip r:embed="rId3"/>
-          <a:stretch>
-            <a:fillRect/>
-          </a:stretch>
-        </p:blipFill>
-        <p:spPr>
-          <a:xfrm>
-            <a:off x="4404140" y="4091720"/>
-            <a:ext cx="2456205" cy="708393"/>
+            <a:off x="560876" y="2358517"/>
+            <a:ext cx="2755075" cy="728737"/>
           </a:xfrm>
           <a:prstGeom prst="rect">
             <a:avLst/>
@@ -10149,22 +10114,492 @@
           </p:cNvPicPr>
           <p:nvPr/>
         </p:nvPicPr>
+        <p:blipFill rotWithShape="1">
+          <a:blip r:embed="rId3"/>
+          <a:srcRect r="5648"/>
+          <a:stretch/>
+        </p:blipFill>
+        <p:spPr>
+          <a:xfrm>
+            <a:off x="560876" y="5761395"/>
+            <a:ext cx="1822106" cy="397412"/>
+          </a:xfrm>
+          <a:prstGeom prst="rect">
+            <a:avLst/>
+          </a:prstGeom>
+        </p:spPr>
+      </p:pic>
+      <mc:AlternateContent xmlns:mc="http://schemas.openxmlformats.org/markup-compatibility/2006">
+        <mc:Choice xmlns:a14="http://schemas.microsoft.com/office/drawing/2010/main" Requires="a14">
+          <p:sp>
+            <p:nvSpPr>
+              <p:cNvPr id="3" name="TextBox 2">
+                <a:extLst>
+                  <a:ext uri="{FF2B5EF4-FFF2-40B4-BE49-F238E27FC236}">
+                    <a16:creationId xmlns:a16="http://schemas.microsoft.com/office/drawing/2014/main" id="{02F18588-FA14-9E6A-5264-83F5231F1997}"/>
+                  </a:ext>
+                </a:extLst>
+              </p:cNvPr>
+              <p:cNvSpPr txBox="1"/>
+              <p:nvPr/>
+            </p:nvSpPr>
+            <p:spPr>
+              <a:xfrm>
+                <a:off x="5767444" y="2245832"/>
+                <a:ext cx="6231813" cy="954107"/>
+              </a:xfrm>
+              <a:prstGeom prst="rect">
+                <a:avLst/>
+              </a:prstGeom>
+              <a:noFill/>
+            </p:spPr>
+            <p:txBody>
+              <a:bodyPr wrap="square" rtlCol="0">
+                <a:spAutoFit/>
+              </a:bodyPr>
+              <a:lstStyle/>
+              <a:p>
+                <a:pPr marL="285750" indent="-285750" algn="l">
+                  <a:buFont typeface="Arial" panose="020B0604020202020204" pitchFamily="34" charset="0"/>
+                  <a:buChar char="•"/>
+                </a:pPr>
+                <a:r>
+                  <a:rPr lang="de-DE" sz="1400" dirty="0"/>
+                  <a:t>Parameter und Gradienten zum Schritt </a:t>
+                </a:r>
+                <a14:m>
+                  <m:oMath xmlns:m="http://schemas.openxmlformats.org/officeDocument/2006/math">
+                    <m:r>
+                      <a:rPr lang="de-DE" sz="1400" b="0" i="1" smtClean="0">
+                        <a:latin typeface="Cambria Math" panose="02040503050406030204" pitchFamily="18" charset="0"/>
+                      </a:rPr>
+                      <m:t>𝑠</m:t>
+                    </m:r>
+                    <m:r>
+                      <a:rPr lang="de-DE" sz="1400" b="0" i="1" smtClean="0">
+                        <a:latin typeface="Cambria Math" panose="02040503050406030204" pitchFamily="18" charset="0"/>
+                      </a:rPr>
+                      <m:t>−1</m:t>
+                    </m:r>
+                  </m:oMath>
+                </a14:m>
+                <a:r>
+                  <a:rPr lang="de-DE" sz="1400" dirty="0"/>
+                  <a:t> sind die „aktuellen“ Parameter </a:t>
+                </a:r>
+              </a:p>
+              <a:p>
+                <a:pPr marL="285750" indent="-285750">
+                  <a:buFont typeface="Arial" panose="020B0604020202020204" pitchFamily="34" charset="0"/>
+                  <a:buChar char="•"/>
+                </a:pPr>
+                <a:r>
+                  <a:rPr lang="de-DE" sz="1400" dirty="0"/>
+                  <a:t>Parameter und Gradienten zum Schritt </a:t>
+                </a:r>
+                <a14:m>
+                  <m:oMath xmlns:m="http://schemas.openxmlformats.org/officeDocument/2006/math">
+                    <m:r>
+                      <a:rPr lang="de-DE" sz="1400" b="0" i="1" smtClean="0">
+                        <a:latin typeface="Cambria Math" panose="02040503050406030204" pitchFamily="18" charset="0"/>
+                      </a:rPr>
+                      <m:t>𝑠</m:t>
+                    </m:r>
+                  </m:oMath>
+                </a14:m>
+                <a:r>
+                  <a:rPr lang="de-DE" sz="1400" dirty="0"/>
+                  <a:t> sind die „neuen“ Parameter </a:t>
+                </a:r>
+              </a:p>
+              <a:p>
+                <a:pPr marL="285750" indent="-285750">
+                  <a:buFont typeface="Arial" panose="020B0604020202020204" pitchFamily="34" charset="0"/>
+                  <a:buChar char="•"/>
+                </a:pPr>
+                <a:r>
+                  <a:rPr lang="de-DE" sz="1400" dirty="0"/>
+                  <a:t>Negative Gradienten zeigen in die Richtung des stärksten Gefälles</a:t>
+                </a:r>
+              </a:p>
+              <a:p>
+                <a:pPr marL="285750" indent="-285750">
+                  <a:buFont typeface="Arial" panose="020B0604020202020204" pitchFamily="34" charset="0"/>
+                  <a:buChar char="•"/>
+                </a:pPr>
+                <a14:m>
+                  <m:oMath xmlns:m="http://schemas.openxmlformats.org/officeDocument/2006/math">
+                    <m:r>
+                      <a:rPr lang="de-DE" sz="1400" b="0" i="1" smtClean="0">
+                        <a:latin typeface="Cambria Math" panose="02040503050406030204" pitchFamily="18" charset="0"/>
+                      </a:rPr>
+                      <m:t>𝜆</m:t>
+                    </m:r>
+                  </m:oMath>
+                </a14:m>
+                <a:r>
+                  <a:rPr lang="de-DE" sz="1400" dirty="0"/>
+                  <a:t> bestimmt die Schrittgröße in Richtung des stärksten Gefälles</a:t>
+                </a:r>
+              </a:p>
+            </p:txBody>
+          </p:sp>
+        </mc:Choice>
+        <mc:Fallback>
+          <p:sp>
+            <p:nvSpPr>
+              <p:cNvPr id="3" name="TextBox 2">
+                <a:extLst>
+                  <a:ext uri="{FF2B5EF4-FFF2-40B4-BE49-F238E27FC236}">
+                    <a16:creationId xmlns:a16="http://schemas.microsoft.com/office/drawing/2014/main" id="{02F18588-FA14-9E6A-5264-83F5231F1997}"/>
+                  </a:ext>
+                </a:extLst>
+              </p:cNvPr>
+              <p:cNvSpPr txBox="1">
+                <a:spLocks noRot="1" noChangeAspect="1" noMove="1" noResize="1" noEditPoints="1" noAdjustHandles="1" noChangeArrowheads="1" noChangeShapeType="1" noTextEdit="1"/>
+              </p:cNvSpPr>
+              <p:nvPr/>
+            </p:nvSpPr>
+            <p:spPr>
+              <a:xfrm>
+                <a:off x="5767444" y="2245832"/>
+                <a:ext cx="6231813" cy="954107"/>
+              </a:xfrm>
+              <a:prstGeom prst="rect">
+                <a:avLst/>
+              </a:prstGeom>
+              <a:blipFill>
+                <a:blip r:embed="rId4"/>
+                <a:stretch>
+                  <a:fillRect l="-98" t="-637" b="-5732"/>
+                </a:stretch>
+              </a:blipFill>
+            </p:spPr>
+            <p:txBody>
+              <a:bodyPr/>
+              <a:lstStyle/>
+              <a:p>
+                <a:r>
+                  <a:rPr lang="de-DE">
+                    <a:noFill/>
+                  </a:rPr>
+                  <a:t> </a:t>
+                </a:r>
+              </a:p>
+            </p:txBody>
+          </p:sp>
+        </mc:Fallback>
+      </mc:AlternateContent>
+      <p:pic>
+        <p:nvPicPr>
+          <p:cNvPr id="6" name="Picture 5">
+            <a:extLst>
+              <a:ext uri="{FF2B5EF4-FFF2-40B4-BE49-F238E27FC236}">
+                <a16:creationId xmlns:a16="http://schemas.microsoft.com/office/drawing/2014/main" id="{7B3450F5-73BA-2141-B1BF-C97F121806CF}"/>
+              </a:ext>
+            </a:extLst>
+          </p:cNvPr>
+          <p:cNvPicPr>
+            <a:picLocks noChangeAspect="1"/>
+          </p:cNvPicPr>
+          <p:nvPr/>
+        </p:nvPicPr>
+        <p:blipFill rotWithShape="1">
+          <a:blip r:embed="rId5"/>
+          <a:srcRect l="8005" t="8530" r="6194" b="11279"/>
+          <a:stretch/>
+        </p:blipFill>
+        <p:spPr>
+          <a:xfrm>
+            <a:off x="560876" y="3891697"/>
+            <a:ext cx="2177142" cy="658675"/>
+          </a:xfrm>
+          <a:prstGeom prst="rect">
+            <a:avLst/>
+          </a:prstGeom>
+        </p:spPr>
+      </p:pic>
+      <p:pic>
+        <p:nvPicPr>
+          <p:cNvPr id="10" name="Picture 9" descr="Chart, surface chart&#10;&#10;Description automatically generated">
+            <a:extLst>
+              <a:ext uri="{FF2B5EF4-FFF2-40B4-BE49-F238E27FC236}">
+                <a16:creationId xmlns:a16="http://schemas.microsoft.com/office/drawing/2014/main" id="{2613F875-1776-C0BA-878F-17C862BAF89E}"/>
+              </a:ext>
+            </a:extLst>
+          </p:cNvPr>
+          <p:cNvPicPr>
+            <a:picLocks noChangeAspect="1"/>
+          </p:cNvPicPr>
+          <p:nvPr/>
+        </p:nvPicPr>
         <p:blipFill>
-          <a:blip r:embed="rId4"/>
+          <a:blip r:embed="rId6">
+            <a:extLst>
+              <a:ext uri="{28A0092B-C50C-407E-A947-70E740481C1C}">
+                <a14:useLocalDpi xmlns:a14="http://schemas.microsoft.com/office/drawing/2010/main" val="0"/>
+              </a:ext>
+            </a:extLst>
+          </a:blip>
           <a:stretch>
             <a:fillRect/>
           </a:stretch>
         </p:blipFill>
         <p:spPr>
           <a:xfrm>
-            <a:off x="4816337" y="5529948"/>
-            <a:ext cx="1931174" cy="397412"/>
+            <a:off x="5767444" y="3355470"/>
+            <a:ext cx="2596692" cy="1731128"/>
           </a:xfrm>
           <a:prstGeom prst="rect">
             <a:avLst/>
           </a:prstGeom>
         </p:spPr>
       </p:pic>
+      <mc:AlternateContent xmlns:mc="http://schemas.openxmlformats.org/markup-compatibility/2006">
+        <mc:Choice xmlns:a14="http://schemas.microsoft.com/office/drawing/2010/main" Requires="a14">
+          <p:sp>
+            <p:nvSpPr>
+              <p:cNvPr id="11" name="TextBox 10">
+                <a:extLst>
+                  <a:ext uri="{FF2B5EF4-FFF2-40B4-BE49-F238E27FC236}">
+                    <a16:creationId xmlns:a16="http://schemas.microsoft.com/office/drawing/2014/main" id="{99D676D6-ED1B-5C42-9D08-E0DA04371718}"/>
+                  </a:ext>
+                </a:extLst>
+              </p:cNvPr>
+              <p:cNvSpPr txBox="1"/>
+              <p:nvPr/>
+            </p:nvSpPr>
+            <p:spPr>
+              <a:xfrm>
+                <a:off x="5767444" y="5375326"/>
+                <a:ext cx="3732811" cy="1169551"/>
+              </a:xfrm>
+              <a:prstGeom prst="rect">
+                <a:avLst/>
+              </a:prstGeom>
+              <a:noFill/>
+            </p:spPr>
+            <p:txBody>
+              <a:bodyPr wrap="square" rtlCol="0">
+                <a:spAutoFit/>
+              </a:bodyPr>
+              <a:lstStyle/>
+              <a:p>
+                <a:pPr marL="285750" indent="-285750" algn="l">
+                  <a:buFont typeface="Arial" panose="020B0604020202020204" pitchFamily="34" charset="0"/>
+                  <a:buChar char="•"/>
+                </a:pPr>
+                <a:r>
+                  <a:rPr lang="de-DE" sz="1400" dirty="0"/>
+                  <a:t>Die Anzahl an Gradient Descent Schritten </a:t>
+                </a:r>
+                <a14:m>
+                  <m:oMath xmlns:m="http://schemas.openxmlformats.org/officeDocument/2006/math">
+                    <m:r>
+                      <a:rPr lang="de-DE" sz="1400" b="0" i="1" smtClean="0">
+                        <a:latin typeface="Cambria Math" panose="02040503050406030204" pitchFamily="18" charset="0"/>
+                      </a:rPr>
+                      <m:t>𝑆</m:t>
+                    </m:r>
+                  </m:oMath>
+                </a14:m>
+                <a:r>
+                  <a:rPr lang="de-DE" sz="1400" dirty="0"/>
+                  <a:t> pro Epoche ist </a:t>
+                </a:r>
+                <a14:m>
+                  <m:oMath xmlns:m="http://schemas.openxmlformats.org/officeDocument/2006/math">
+                    <m:r>
+                      <a:rPr lang="de-DE" sz="1400" b="0" i="1" smtClean="0">
+                        <a:latin typeface="Cambria Math" panose="02040503050406030204" pitchFamily="18" charset="0"/>
+                      </a:rPr>
+                      <m:t>𝑁</m:t>
+                    </m:r>
+                    <m:r>
+                      <a:rPr lang="de-DE" sz="1400" b="0" i="1" smtClean="0">
+                        <a:latin typeface="Cambria Math" panose="02040503050406030204" pitchFamily="18" charset="0"/>
+                      </a:rPr>
+                      <m:t>/</m:t>
+                    </m:r>
+                    <m:r>
+                      <a:rPr lang="de-DE" sz="1400" b="0" i="1" smtClean="0">
+                        <a:latin typeface="Cambria Math" panose="02040503050406030204" pitchFamily="18" charset="0"/>
+                      </a:rPr>
+                      <m:t>𝑀</m:t>
+                    </m:r>
+                  </m:oMath>
+                </a14:m>
+                <a:r>
+                  <a:rPr lang="de-DE" sz="1400" dirty="0"/>
+                  <a:t> aufgerundet zum nächsten Integer</a:t>
+                </a:r>
+              </a:p>
+              <a:p>
+                <a:pPr marL="285750" indent="-285750" algn="l">
+                  <a:buFont typeface="Arial" panose="020B0604020202020204" pitchFamily="34" charset="0"/>
+                  <a:buChar char="•"/>
+                </a:pPr>
+                <a:r>
+                  <a:rPr lang="de-DE" sz="1400" dirty="0"/>
+                  <a:t>Aufrunden ist notwendig um alle Daten des Trainingsdatensatzes zu durchlaufen</a:t>
+                </a:r>
+              </a:p>
+            </p:txBody>
+          </p:sp>
+        </mc:Choice>
+        <mc:Fallback>
+          <p:sp>
+            <p:nvSpPr>
+              <p:cNvPr id="11" name="TextBox 10">
+                <a:extLst>
+                  <a:ext uri="{FF2B5EF4-FFF2-40B4-BE49-F238E27FC236}">
+                    <a16:creationId xmlns:a16="http://schemas.microsoft.com/office/drawing/2014/main" id="{99D676D6-ED1B-5C42-9D08-E0DA04371718}"/>
+                  </a:ext>
+                </a:extLst>
+              </p:cNvPr>
+              <p:cNvSpPr txBox="1">
+                <a:spLocks noRot="1" noChangeAspect="1" noMove="1" noResize="1" noEditPoints="1" noAdjustHandles="1" noChangeArrowheads="1" noChangeShapeType="1" noTextEdit="1"/>
+              </p:cNvSpPr>
+              <p:nvPr/>
+            </p:nvSpPr>
+            <p:spPr>
+              <a:xfrm>
+                <a:off x="5767444" y="5375326"/>
+                <a:ext cx="3732811" cy="1169551"/>
+              </a:xfrm>
+              <a:prstGeom prst="rect">
+                <a:avLst/>
+              </a:prstGeom>
+              <a:blipFill>
+                <a:blip r:embed="rId7"/>
+                <a:stretch>
+                  <a:fillRect l="-163" t="-1042" b="-4167"/>
+                </a:stretch>
+              </a:blipFill>
+            </p:spPr>
+            <p:txBody>
+              <a:bodyPr/>
+              <a:lstStyle/>
+              <a:p>
+                <a:r>
+                  <a:rPr lang="de-DE">
+                    <a:noFill/>
+                  </a:rPr>
+                  <a:t> </a:t>
+                </a:r>
+              </a:p>
+            </p:txBody>
+          </p:sp>
+        </mc:Fallback>
+      </mc:AlternateContent>
+      <p:sp>
+        <p:nvSpPr>
+          <p:cNvPr id="12" name="TextBox 11">
+            <a:extLst>
+              <a:ext uri="{FF2B5EF4-FFF2-40B4-BE49-F238E27FC236}">
+                <a16:creationId xmlns:a16="http://schemas.microsoft.com/office/drawing/2014/main" id="{7E48CF80-5B41-22F0-934C-265A956DE2C3}"/>
+              </a:ext>
+            </a:extLst>
+          </p:cNvPr>
+          <p:cNvSpPr txBox="1"/>
+          <p:nvPr/>
+        </p:nvSpPr>
+        <p:spPr>
+          <a:xfrm>
+            <a:off x="3546766" y="2568997"/>
+            <a:ext cx="1468581" cy="307777"/>
+          </a:xfrm>
+          <a:prstGeom prst="rect">
+            <a:avLst/>
+          </a:prstGeom>
+          <a:noFill/>
+        </p:spPr>
+        <p:txBody>
+          <a:bodyPr wrap="square" rtlCol="0">
+            <a:spAutoFit/>
+          </a:bodyPr>
+          <a:lstStyle/>
+          <a:p>
+            <a:pPr algn="l"/>
+            <a:r>
+              <a:rPr lang="de-DE" sz="1400" dirty="0"/>
+              <a:t>Gewicht-Updates</a:t>
+            </a:r>
+          </a:p>
+        </p:txBody>
+      </p:sp>
+      <p:sp>
+        <p:nvSpPr>
+          <p:cNvPr id="13" name="TextBox 12">
+            <a:extLst>
+              <a:ext uri="{FF2B5EF4-FFF2-40B4-BE49-F238E27FC236}">
+                <a16:creationId xmlns:a16="http://schemas.microsoft.com/office/drawing/2014/main" id="{CFB847CD-D812-983E-0450-07DEF8C5D20B}"/>
+              </a:ext>
+            </a:extLst>
+          </p:cNvPr>
+          <p:cNvSpPr txBox="1"/>
+          <p:nvPr/>
+        </p:nvSpPr>
+        <p:spPr>
+          <a:xfrm>
+            <a:off x="3040088" y="4067146"/>
+            <a:ext cx="1904010" cy="307777"/>
+          </a:xfrm>
+          <a:prstGeom prst="rect">
+            <a:avLst/>
+          </a:prstGeom>
+          <a:noFill/>
+        </p:spPr>
+        <p:txBody>
+          <a:bodyPr wrap="square" rtlCol="0">
+            <a:spAutoFit/>
+          </a:bodyPr>
+          <a:lstStyle/>
+          <a:p>
+            <a:pPr algn="l"/>
+            <a:r>
+              <a:rPr lang="de-DE" sz="1400" dirty="0"/>
+              <a:t>Bias-Updates</a:t>
+            </a:r>
+          </a:p>
+        </p:txBody>
+      </p:sp>
+      <p:sp>
+        <p:nvSpPr>
+          <p:cNvPr id="14" name="TextBox 13">
+            <a:extLst>
+              <a:ext uri="{FF2B5EF4-FFF2-40B4-BE49-F238E27FC236}">
+                <a16:creationId xmlns:a16="http://schemas.microsoft.com/office/drawing/2014/main" id="{E69ACA13-FEA0-AE01-77A8-C4C120A0D55B}"/>
+              </a:ext>
+            </a:extLst>
+          </p:cNvPr>
+          <p:cNvSpPr txBox="1"/>
+          <p:nvPr/>
+        </p:nvSpPr>
+        <p:spPr>
+          <a:xfrm>
+            <a:off x="2652158" y="5806213"/>
+            <a:ext cx="2394857" cy="307777"/>
+          </a:xfrm>
+          <a:prstGeom prst="rect">
+            <a:avLst/>
+          </a:prstGeom>
+          <a:noFill/>
+        </p:spPr>
+        <p:txBody>
+          <a:bodyPr wrap="square" rtlCol="0">
+            <a:spAutoFit/>
+          </a:bodyPr>
+          <a:lstStyle/>
+          <a:p>
+            <a:pPr algn="l"/>
+            <a:r>
+              <a:rPr lang="de-DE" sz="1400" dirty="0"/>
+              <a:t>Anzahl an Update-Schritten</a:t>
+            </a:r>
+          </a:p>
+        </p:txBody>
+      </p:sp>
     </p:spTree>
     <p:extLst>
       <p:ext uri="{BB962C8B-B14F-4D97-AF65-F5344CB8AC3E}">

--- a/theory/submission/result_presentation.pptx
+++ b/theory/submission/result_presentation.pptx
@@ -1663,7 +1663,7 @@
             </a:pPr>
             <a:r>
               <a:rPr lang="de-DE" sz="1200" dirty="0"/>
-              <a:t>Auf Dimensionen eingehen</a:t>
+              <a:t>Erklären wie das Fehlersignal zurück-propagiert wird</a:t>
             </a:r>
           </a:p>
           <a:p>
@@ -5157,7 +5157,7 @@
         </p:blipFill>
         <p:spPr>
           <a:xfrm>
-            <a:off x="838200" y="5934519"/>
+            <a:off x="838200" y="6041384"/>
             <a:ext cx="2495843" cy="512491"/>
           </a:xfrm>
           <a:prstGeom prst="rect">
@@ -5386,8 +5386,8 @@
         </p:nvSpPr>
         <p:spPr>
           <a:xfrm>
-            <a:off x="3488789" y="6086630"/>
-            <a:ext cx="2288344" cy="307777"/>
+            <a:off x="3488789" y="5820576"/>
+            <a:ext cx="3311814" cy="954107"/>
           </a:xfrm>
           <a:prstGeom prst="rect">
             <a:avLst/>
@@ -5402,7 +5402,7 @@
           <a:p>
             <a:r>
               <a:rPr lang="de-DE" sz="1400" dirty="0"/>
-              <a:t>Alle Terme zusammengefasst</a:t>
+              <a:t>Wenn Fehlersignal am Output Layer berechnet wurde, kann das Fehlersignal bis zum 1. Hidden Layer zurück-propagiert werden</a:t>
             </a:r>
           </a:p>
         </p:txBody>
@@ -10665,12 +10665,784 @@
             </a:br>
             <a:r>
               <a:rPr lang="de-DE" sz="2400" dirty="0"/>
-              <a:t>Backpropagation Algorithmus</a:t>
+              <a:t>Lern-Algorithmus</a:t>
             </a:r>
             <a:endParaRPr lang="de-DE" dirty="0"/>
           </a:p>
         </p:txBody>
       </p:sp>
+      <p:pic>
+        <p:nvPicPr>
+          <p:cNvPr id="8" name="Grafik 5">
+            <a:extLst>
+              <a:ext uri="{FF2B5EF4-FFF2-40B4-BE49-F238E27FC236}">
+                <a16:creationId xmlns:a16="http://schemas.microsoft.com/office/drawing/2014/main" id="{0A84D6E5-DB15-22CE-8533-10A8052532C0}"/>
+              </a:ext>
+            </a:extLst>
+          </p:cNvPr>
+          <p:cNvPicPr>
+            <a:picLocks noChangeAspect="1"/>
+          </p:cNvPicPr>
+          <p:nvPr/>
+        </p:nvPicPr>
+        <p:blipFill rotWithShape="1">
+          <a:blip r:embed="rId3"/>
+          <a:srcRect r="5338"/>
+          <a:stretch/>
+        </p:blipFill>
+        <p:spPr>
+          <a:xfrm>
+            <a:off x="2979992" y="1916200"/>
+            <a:ext cx="1654063" cy="490989"/>
+          </a:xfrm>
+          <a:prstGeom prst="rect">
+            <a:avLst/>
+          </a:prstGeom>
+        </p:spPr>
+      </p:pic>
+      <p:pic>
+        <p:nvPicPr>
+          <p:cNvPr id="9" name="Grafik 13">
+            <a:extLst>
+              <a:ext uri="{FF2B5EF4-FFF2-40B4-BE49-F238E27FC236}">
+                <a16:creationId xmlns:a16="http://schemas.microsoft.com/office/drawing/2014/main" id="{14D7FDC3-5B36-FB80-3776-9B870A8FFCD0}"/>
+              </a:ext>
+            </a:extLst>
+          </p:cNvPr>
+          <p:cNvPicPr>
+            <a:picLocks noChangeAspect="1"/>
+          </p:cNvPicPr>
+          <p:nvPr/>
+        </p:nvPicPr>
+        <p:blipFill rotWithShape="1">
+          <a:blip r:embed="rId4"/>
+          <a:srcRect r="8083"/>
+          <a:stretch/>
+        </p:blipFill>
+        <p:spPr>
+          <a:xfrm>
+            <a:off x="5364707" y="1969765"/>
+            <a:ext cx="883224" cy="421689"/>
+          </a:xfrm>
+          <a:prstGeom prst="rect">
+            <a:avLst/>
+          </a:prstGeom>
+        </p:spPr>
+      </p:pic>
+      <p:pic>
+        <p:nvPicPr>
+          <p:cNvPr id="10" name="Grafik 17">
+            <a:extLst>
+              <a:ext uri="{FF2B5EF4-FFF2-40B4-BE49-F238E27FC236}">
+                <a16:creationId xmlns:a16="http://schemas.microsoft.com/office/drawing/2014/main" id="{01C0948B-AAEB-FA81-7497-5ED2F3120BC2}"/>
+              </a:ext>
+            </a:extLst>
+          </p:cNvPr>
+          <p:cNvPicPr>
+            <a:picLocks noChangeAspect="1"/>
+          </p:cNvPicPr>
+          <p:nvPr/>
+        </p:nvPicPr>
+        <p:blipFill rotWithShape="1">
+          <a:blip r:embed="rId5"/>
+          <a:srcRect l="45124"/>
+          <a:stretch/>
+        </p:blipFill>
+        <p:spPr>
+          <a:xfrm>
+            <a:off x="7105402" y="1390828"/>
+            <a:ext cx="1637916" cy="1346184"/>
+          </a:xfrm>
+          <a:prstGeom prst="rect">
+            <a:avLst/>
+          </a:prstGeom>
+        </p:spPr>
+      </p:pic>
+      <p:pic>
+        <p:nvPicPr>
+          <p:cNvPr id="11" name="Picture 10">
+            <a:extLst>
+              <a:ext uri="{FF2B5EF4-FFF2-40B4-BE49-F238E27FC236}">
+                <a16:creationId xmlns:a16="http://schemas.microsoft.com/office/drawing/2014/main" id="{AE6099C6-0044-007B-9765-D87B56DE0B89}"/>
+              </a:ext>
+            </a:extLst>
+          </p:cNvPr>
+          <p:cNvPicPr>
+            <a:picLocks noChangeAspect="1"/>
+          </p:cNvPicPr>
+          <p:nvPr/>
+        </p:nvPicPr>
+        <p:blipFill rotWithShape="1">
+          <a:blip r:embed="rId6"/>
+          <a:srcRect r="52338"/>
+          <a:stretch/>
+        </p:blipFill>
+        <p:spPr>
+          <a:xfrm>
+            <a:off x="9256920" y="1770500"/>
+            <a:ext cx="1913060" cy="713090"/>
+          </a:xfrm>
+          <a:prstGeom prst="rect">
+            <a:avLst/>
+          </a:prstGeom>
+        </p:spPr>
+      </p:pic>
+      <p:sp>
+        <p:nvSpPr>
+          <p:cNvPr id="12" name="TextBox 11">
+            <a:extLst>
+              <a:ext uri="{FF2B5EF4-FFF2-40B4-BE49-F238E27FC236}">
+                <a16:creationId xmlns:a16="http://schemas.microsoft.com/office/drawing/2014/main" id="{3BC72AB6-F7A3-C807-9627-BB671E8D264B}"/>
+              </a:ext>
+            </a:extLst>
+          </p:cNvPr>
+          <p:cNvSpPr txBox="1"/>
+          <p:nvPr/>
+        </p:nvSpPr>
+        <p:spPr>
+          <a:xfrm>
+            <a:off x="566057" y="2026722"/>
+            <a:ext cx="2826327" cy="307777"/>
+          </a:xfrm>
+          <a:prstGeom prst="rect">
+            <a:avLst/>
+          </a:prstGeom>
+          <a:noFill/>
+        </p:spPr>
+        <p:txBody>
+          <a:bodyPr wrap="square" rtlCol="0">
+            <a:spAutoFit/>
+          </a:bodyPr>
+          <a:lstStyle/>
+          <a:p>
+            <a:pPr algn="l"/>
+            <a:r>
+              <a:rPr lang="de-DE" sz="1400" dirty="0"/>
+              <a:t>1. Forwardpropagation</a:t>
+            </a:r>
+          </a:p>
+        </p:txBody>
+      </p:sp>
+      <p:sp>
+        <p:nvSpPr>
+          <p:cNvPr id="15" name="Arrow: Right 14">
+            <a:extLst>
+              <a:ext uri="{FF2B5EF4-FFF2-40B4-BE49-F238E27FC236}">
+                <a16:creationId xmlns:a16="http://schemas.microsoft.com/office/drawing/2014/main" id="{0FEAAC86-34B6-00DB-54DB-9F9B0CCDF4DC}"/>
+              </a:ext>
+            </a:extLst>
+          </p:cNvPr>
+          <p:cNvSpPr/>
+          <p:nvPr/>
+        </p:nvSpPr>
+        <p:spPr>
+          <a:xfrm>
+            <a:off x="4876800" y="2063920"/>
+            <a:ext cx="380010" cy="208225"/>
+          </a:xfrm>
+          <a:prstGeom prst="rightArrow">
+            <a:avLst/>
+          </a:prstGeom>
+          <a:solidFill>
+            <a:schemeClr val="tx1"/>
+          </a:solidFill>
+          <a:ln>
+            <a:noFill/>
+          </a:ln>
+        </p:spPr>
+        <p:style>
+          <a:lnRef idx="2">
+            <a:schemeClr val="accent1">
+              <a:shade val="50000"/>
+            </a:schemeClr>
+          </a:lnRef>
+          <a:fillRef idx="1">
+            <a:schemeClr val="accent1"/>
+          </a:fillRef>
+          <a:effectRef idx="0">
+            <a:schemeClr val="accent1"/>
+          </a:effectRef>
+          <a:fontRef idx="minor">
+            <a:schemeClr val="lt1"/>
+          </a:fontRef>
+        </p:style>
+        <p:txBody>
+          <a:bodyPr rtlCol="0" anchor="ctr"/>
+          <a:lstStyle/>
+          <a:p>
+            <a:pPr algn="ctr"/>
+            <a:endParaRPr lang="de-DE"/>
+          </a:p>
+        </p:txBody>
+      </p:sp>
+      <p:sp>
+        <p:nvSpPr>
+          <p:cNvPr id="16" name="Arrow: Right 15">
+            <a:extLst>
+              <a:ext uri="{FF2B5EF4-FFF2-40B4-BE49-F238E27FC236}">
+                <a16:creationId xmlns:a16="http://schemas.microsoft.com/office/drawing/2014/main" id="{6DA6BD97-89D3-3A84-6EA9-2ACDC5D647CC}"/>
+              </a:ext>
+            </a:extLst>
+          </p:cNvPr>
+          <p:cNvSpPr/>
+          <p:nvPr/>
+        </p:nvSpPr>
+        <p:spPr>
+          <a:xfrm>
+            <a:off x="6524446" y="2076496"/>
+            <a:ext cx="380010" cy="208225"/>
+          </a:xfrm>
+          <a:prstGeom prst="rightArrow">
+            <a:avLst/>
+          </a:prstGeom>
+          <a:solidFill>
+            <a:schemeClr val="tx1"/>
+          </a:solidFill>
+          <a:ln>
+            <a:noFill/>
+          </a:ln>
+        </p:spPr>
+        <p:style>
+          <a:lnRef idx="2">
+            <a:schemeClr val="accent1">
+              <a:shade val="50000"/>
+            </a:schemeClr>
+          </a:lnRef>
+          <a:fillRef idx="1">
+            <a:schemeClr val="accent1"/>
+          </a:fillRef>
+          <a:effectRef idx="0">
+            <a:schemeClr val="accent1"/>
+          </a:effectRef>
+          <a:fontRef idx="minor">
+            <a:schemeClr val="lt1"/>
+          </a:fontRef>
+        </p:style>
+        <p:txBody>
+          <a:bodyPr rtlCol="0" anchor="ctr"/>
+          <a:lstStyle/>
+          <a:p>
+            <a:pPr algn="ctr"/>
+            <a:endParaRPr lang="de-DE"/>
+          </a:p>
+        </p:txBody>
+      </p:sp>
+      <p:sp>
+        <p:nvSpPr>
+          <p:cNvPr id="17" name="Arrow: Right 16">
+            <a:extLst>
+              <a:ext uri="{FF2B5EF4-FFF2-40B4-BE49-F238E27FC236}">
+                <a16:creationId xmlns:a16="http://schemas.microsoft.com/office/drawing/2014/main" id="{92498E1F-AB38-8B1F-7506-B7972AE05E07}"/>
+              </a:ext>
+            </a:extLst>
+          </p:cNvPr>
+          <p:cNvSpPr/>
+          <p:nvPr/>
+        </p:nvSpPr>
+        <p:spPr>
+          <a:xfrm>
+            <a:off x="8719278" y="2057581"/>
+            <a:ext cx="380010" cy="208225"/>
+          </a:xfrm>
+          <a:prstGeom prst="rightArrow">
+            <a:avLst/>
+          </a:prstGeom>
+          <a:solidFill>
+            <a:schemeClr val="tx1"/>
+          </a:solidFill>
+          <a:ln>
+            <a:noFill/>
+          </a:ln>
+        </p:spPr>
+        <p:style>
+          <a:lnRef idx="2">
+            <a:schemeClr val="accent1">
+              <a:shade val="50000"/>
+            </a:schemeClr>
+          </a:lnRef>
+          <a:fillRef idx="1">
+            <a:schemeClr val="accent1"/>
+          </a:fillRef>
+          <a:effectRef idx="0">
+            <a:schemeClr val="accent1"/>
+          </a:effectRef>
+          <a:fontRef idx="minor">
+            <a:schemeClr val="lt1"/>
+          </a:fontRef>
+        </p:style>
+        <p:txBody>
+          <a:bodyPr rtlCol="0" anchor="ctr"/>
+          <a:lstStyle/>
+          <a:p>
+            <a:pPr algn="ctr"/>
+            <a:endParaRPr lang="de-DE"/>
+          </a:p>
+        </p:txBody>
+      </p:sp>
+      <p:pic>
+        <p:nvPicPr>
+          <p:cNvPr id="19" name="Picture 18">
+            <a:extLst>
+              <a:ext uri="{FF2B5EF4-FFF2-40B4-BE49-F238E27FC236}">
+                <a16:creationId xmlns:a16="http://schemas.microsoft.com/office/drawing/2014/main" id="{7517C175-69B3-4D53-521F-358876867965}"/>
+              </a:ext>
+            </a:extLst>
+          </p:cNvPr>
+          <p:cNvPicPr>
+            <a:picLocks noChangeAspect="1"/>
+          </p:cNvPicPr>
+          <p:nvPr/>
+        </p:nvPicPr>
+        <p:blipFill>
+          <a:blip r:embed="rId7"/>
+          <a:stretch>
+            <a:fillRect/>
+          </a:stretch>
+        </p:blipFill>
+        <p:spPr>
+          <a:xfrm>
+            <a:off x="3426959" y="2753536"/>
+            <a:ext cx="628317" cy="421689"/>
+          </a:xfrm>
+          <a:prstGeom prst="rect">
+            <a:avLst/>
+          </a:prstGeom>
+        </p:spPr>
+      </p:pic>
+      <p:sp>
+        <p:nvSpPr>
+          <p:cNvPr id="20" name="TextBox 19">
+            <a:extLst>
+              <a:ext uri="{FF2B5EF4-FFF2-40B4-BE49-F238E27FC236}">
+                <a16:creationId xmlns:a16="http://schemas.microsoft.com/office/drawing/2014/main" id="{E6316188-06D0-F37C-2745-6B9403686DED}"/>
+              </a:ext>
+            </a:extLst>
+          </p:cNvPr>
+          <p:cNvSpPr txBox="1"/>
+          <p:nvPr/>
+        </p:nvSpPr>
+        <p:spPr>
+          <a:xfrm>
+            <a:off x="566057" y="2823942"/>
+            <a:ext cx="2565070" cy="307777"/>
+          </a:xfrm>
+          <a:prstGeom prst="rect">
+            <a:avLst/>
+          </a:prstGeom>
+          <a:noFill/>
+        </p:spPr>
+        <p:txBody>
+          <a:bodyPr wrap="square" rtlCol="0">
+            <a:spAutoFit/>
+          </a:bodyPr>
+          <a:lstStyle/>
+          <a:p>
+            <a:pPr algn="l"/>
+            <a:r>
+              <a:rPr lang="de-DE" sz="1400" dirty="0"/>
+              <a:t>2. Fehlersignal am Output Layer</a:t>
+            </a:r>
+          </a:p>
+        </p:txBody>
+      </p:sp>
+      <mc:AlternateContent xmlns:mc="http://schemas.openxmlformats.org/markup-compatibility/2006">
+        <mc:Choice xmlns:a14="http://schemas.microsoft.com/office/drawing/2010/main" Requires="a14">
+          <p:sp>
+            <p:nvSpPr>
+              <p:cNvPr id="21" name="TextBox 20">
+                <a:extLst>
+                  <a:ext uri="{FF2B5EF4-FFF2-40B4-BE49-F238E27FC236}">
+                    <a16:creationId xmlns:a16="http://schemas.microsoft.com/office/drawing/2014/main" id="{42677E59-BFE2-AEB2-64DF-C2104BA3EA63}"/>
+                  </a:ext>
+                </a:extLst>
+              </p:cNvPr>
+              <p:cNvSpPr txBox="1"/>
+              <p:nvPr/>
+            </p:nvSpPr>
+            <p:spPr>
+              <a:xfrm>
+                <a:off x="566057" y="3578531"/>
+                <a:ext cx="3406092" cy="523220"/>
+              </a:xfrm>
+              <a:prstGeom prst="rect">
+                <a:avLst/>
+              </a:prstGeom>
+              <a:noFill/>
+            </p:spPr>
+            <p:txBody>
+              <a:bodyPr wrap="square" rtlCol="0">
+                <a:spAutoFit/>
+              </a:bodyPr>
+              <a:lstStyle/>
+              <a:p>
+                <a:pPr algn="l"/>
+                <a:r>
+                  <a:rPr lang="de-DE" sz="1400" dirty="0"/>
+                  <a:t>3. Fehlersignal bei jedem Hidden Layer</a:t>
+                </a:r>
+              </a:p>
+              <a:p>
+                <a:pPr algn="l"/>
+                <a:r>
+                  <a:rPr lang="de-DE" sz="1400" dirty="0"/>
+                  <a:t> </a:t>
+                </a:r>
+                <a14:m>
+                  <m:oMath xmlns:m="http://schemas.openxmlformats.org/officeDocument/2006/math">
+                    <m:r>
+                      <a:rPr lang="de-DE" sz="1400" b="0" i="1" smtClean="0">
+                        <a:latin typeface="Cambria Math" panose="02040503050406030204" pitchFamily="18" charset="0"/>
+                      </a:rPr>
+                      <m:t>𝑙</m:t>
+                    </m:r>
+                    <m:r>
+                      <a:rPr lang="de-DE" sz="1400" b="0" i="1" smtClean="0">
+                        <a:latin typeface="Cambria Math" panose="02040503050406030204" pitchFamily="18" charset="0"/>
+                      </a:rPr>
+                      <m:t>=</m:t>
+                    </m:r>
+                    <m:d>
+                      <m:dPr>
+                        <m:ctrlPr>
+                          <a:rPr lang="de-DE" sz="1400" b="0" i="1" smtClean="0">
+                            <a:latin typeface="Cambria Math" panose="02040503050406030204" pitchFamily="18" charset="0"/>
+                          </a:rPr>
+                        </m:ctrlPr>
+                      </m:dPr>
+                      <m:e>
+                        <m:r>
+                          <a:rPr lang="de-DE" sz="1400" b="0" i="1" smtClean="0">
+                            <a:latin typeface="Cambria Math" panose="02040503050406030204" pitchFamily="18" charset="0"/>
+                          </a:rPr>
+                          <m:t>𝐿</m:t>
+                        </m:r>
+                        <m:r>
+                          <a:rPr lang="de-DE" sz="1400" b="0" i="1" smtClean="0">
+                            <a:latin typeface="Cambria Math" panose="02040503050406030204" pitchFamily="18" charset="0"/>
+                          </a:rPr>
+                          <m:t>−1</m:t>
+                        </m:r>
+                      </m:e>
+                    </m:d>
+                    <m:r>
+                      <a:rPr lang="de-DE" sz="1400" b="0" i="1" smtClean="0">
+                        <a:latin typeface="Cambria Math" panose="02040503050406030204" pitchFamily="18" charset="0"/>
+                      </a:rPr>
+                      <m:t>, </m:t>
+                    </m:r>
+                    <m:d>
+                      <m:dPr>
+                        <m:ctrlPr>
+                          <a:rPr lang="de-DE" sz="1400" b="0" i="1" smtClean="0">
+                            <a:latin typeface="Cambria Math" panose="02040503050406030204" pitchFamily="18" charset="0"/>
+                          </a:rPr>
+                        </m:ctrlPr>
+                      </m:dPr>
+                      <m:e>
+                        <m:r>
+                          <a:rPr lang="de-DE" sz="1400" b="0" i="1" smtClean="0">
+                            <a:latin typeface="Cambria Math" panose="02040503050406030204" pitchFamily="18" charset="0"/>
+                          </a:rPr>
+                          <m:t>𝐿</m:t>
+                        </m:r>
+                        <m:r>
+                          <a:rPr lang="de-DE" sz="1400" b="0" i="1" smtClean="0">
+                            <a:latin typeface="Cambria Math" panose="02040503050406030204" pitchFamily="18" charset="0"/>
+                          </a:rPr>
+                          <m:t>−2</m:t>
+                        </m:r>
+                      </m:e>
+                    </m:d>
+                    <m:r>
+                      <a:rPr lang="de-DE" sz="1400" b="0" i="1" smtClean="0">
+                        <a:latin typeface="Cambria Math" panose="02040503050406030204" pitchFamily="18" charset="0"/>
+                      </a:rPr>
+                      <m:t>, …, 1</m:t>
+                    </m:r>
+                  </m:oMath>
+                </a14:m>
+                <a:endParaRPr lang="de-DE" sz="1400" dirty="0"/>
+              </a:p>
+            </p:txBody>
+          </p:sp>
+        </mc:Choice>
+        <mc:Fallback>
+          <p:sp>
+            <p:nvSpPr>
+              <p:cNvPr id="21" name="TextBox 20">
+                <a:extLst>
+                  <a:ext uri="{FF2B5EF4-FFF2-40B4-BE49-F238E27FC236}">
+                    <a16:creationId xmlns:a16="http://schemas.microsoft.com/office/drawing/2014/main" id="{42677E59-BFE2-AEB2-64DF-C2104BA3EA63}"/>
+                  </a:ext>
+                </a:extLst>
+              </p:cNvPr>
+              <p:cNvSpPr txBox="1">
+                <a:spLocks noRot="1" noChangeAspect="1" noMove="1" noResize="1" noEditPoints="1" noAdjustHandles="1" noChangeArrowheads="1" noChangeShapeType="1" noTextEdit="1"/>
+              </p:cNvSpPr>
+              <p:nvPr/>
+            </p:nvSpPr>
+            <p:spPr>
+              <a:xfrm>
+                <a:off x="566057" y="3578531"/>
+                <a:ext cx="3406092" cy="523220"/>
+              </a:xfrm>
+              <a:prstGeom prst="rect">
+                <a:avLst/>
+              </a:prstGeom>
+              <a:blipFill>
+                <a:blip r:embed="rId8"/>
+                <a:stretch>
+                  <a:fillRect l="-537" t="-2326"/>
+                </a:stretch>
+              </a:blipFill>
+            </p:spPr>
+            <p:txBody>
+              <a:bodyPr/>
+              <a:lstStyle/>
+              <a:p>
+                <a:r>
+                  <a:rPr lang="de-DE">
+                    <a:noFill/>
+                  </a:rPr>
+                  <a:t> </a:t>
+                </a:r>
+              </a:p>
+            </p:txBody>
+          </p:sp>
+        </mc:Fallback>
+      </mc:AlternateContent>
+      <mc:AlternateContent xmlns:mc="http://schemas.openxmlformats.org/markup-compatibility/2006">
+        <mc:Choice xmlns:a14="http://schemas.microsoft.com/office/drawing/2010/main" Requires="a14">
+          <p:sp>
+            <p:nvSpPr>
+              <p:cNvPr id="22" name="TextBox 21">
+                <a:extLst>
+                  <a:ext uri="{FF2B5EF4-FFF2-40B4-BE49-F238E27FC236}">
+                    <a16:creationId xmlns:a16="http://schemas.microsoft.com/office/drawing/2014/main" id="{EE1ACD2D-9CC3-D8DF-49EE-C773B3DB0CC3}"/>
+                  </a:ext>
+                </a:extLst>
+              </p:cNvPr>
+              <p:cNvSpPr txBox="1"/>
+              <p:nvPr/>
+            </p:nvSpPr>
+            <p:spPr>
+              <a:xfrm>
+                <a:off x="668977" y="4421579"/>
+                <a:ext cx="3760519" cy="523220"/>
+              </a:xfrm>
+              <a:prstGeom prst="rect">
+                <a:avLst/>
+              </a:prstGeom>
+              <a:noFill/>
+            </p:spPr>
+            <p:txBody>
+              <a:bodyPr wrap="square" rtlCol="0">
+                <a:spAutoFit/>
+              </a:bodyPr>
+              <a:lstStyle/>
+              <a:p>
+                <a:pPr algn="l"/>
+                <a:r>
+                  <a:rPr lang="de-DE" sz="1400" dirty="0"/>
+                  <a:t>4. Gradienten bei jedem Hidden Layer</a:t>
+                </a:r>
+              </a:p>
+              <a:p>
+                <a:pPr algn="l"/>
+                <a:r>
+                  <a:rPr lang="de-DE" sz="1400" dirty="0"/>
+                  <a:t> </a:t>
+                </a:r>
+                <a14:m>
+                  <m:oMath xmlns:m="http://schemas.openxmlformats.org/officeDocument/2006/math">
+                    <m:r>
+                      <a:rPr lang="de-DE" sz="1400" b="0" i="1" smtClean="0">
+                        <a:latin typeface="Cambria Math" panose="02040503050406030204" pitchFamily="18" charset="0"/>
+                      </a:rPr>
+                      <m:t>𝑙</m:t>
+                    </m:r>
+                    <m:r>
+                      <a:rPr lang="de-DE" sz="1400" b="0" i="1" smtClean="0">
+                        <a:latin typeface="Cambria Math" panose="02040503050406030204" pitchFamily="18" charset="0"/>
+                      </a:rPr>
+                      <m:t>=</m:t>
+                    </m:r>
+                    <m:d>
+                      <m:dPr>
+                        <m:ctrlPr>
+                          <a:rPr lang="de-DE" sz="1400" b="0" i="1" smtClean="0">
+                            <a:latin typeface="Cambria Math" panose="02040503050406030204" pitchFamily="18" charset="0"/>
+                          </a:rPr>
+                        </m:ctrlPr>
+                      </m:dPr>
+                      <m:e>
+                        <m:r>
+                          <a:rPr lang="de-DE" sz="1400" b="0" i="1" smtClean="0">
+                            <a:latin typeface="Cambria Math" panose="02040503050406030204" pitchFamily="18" charset="0"/>
+                          </a:rPr>
+                          <m:t>𝐿</m:t>
+                        </m:r>
+                        <m:r>
+                          <a:rPr lang="de-DE" sz="1400" b="0" i="1" smtClean="0">
+                            <a:latin typeface="Cambria Math" panose="02040503050406030204" pitchFamily="18" charset="0"/>
+                          </a:rPr>
+                          <m:t>−1</m:t>
+                        </m:r>
+                      </m:e>
+                    </m:d>
+                    <m:r>
+                      <a:rPr lang="de-DE" sz="1400" b="0" i="1" smtClean="0">
+                        <a:latin typeface="Cambria Math" panose="02040503050406030204" pitchFamily="18" charset="0"/>
+                      </a:rPr>
+                      <m:t>, </m:t>
+                    </m:r>
+                    <m:d>
+                      <m:dPr>
+                        <m:ctrlPr>
+                          <a:rPr lang="de-DE" sz="1400" b="0" i="1" smtClean="0">
+                            <a:latin typeface="Cambria Math" panose="02040503050406030204" pitchFamily="18" charset="0"/>
+                          </a:rPr>
+                        </m:ctrlPr>
+                      </m:dPr>
+                      <m:e>
+                        <m:r>
+                          <a:rPr lang="de-DE" sz="1400" b="0" i="1" smtClean="0">
+                            <a:latin typeface="Cambria Math" panose="02040503050406030204" pitchFamily="18" charset="0"/>
+                          </a:rPr>
+                          <m:t>𝐿</m:t>
+                        </m:r>
+                        <m:r>
+                          <a:rPr lang="de-DE" sz="1400" b="0" i="1" smtClean="0">
+                            <a:latin typeface="Cambria Math" panose="02040503050406030204" pitchFamily="18" charset="0"/>
+                          </a:rPr>
+                          <m:t>−2</m:t>
+                        </m:r>
+                      </m:e>
+                    </m:d>
+                    <m:r>
+                      <a:rPr lang="de-DE" sz="1400" b="0" i="1" smtClean="0">
+                        <a:latin typeface="Cambria Math" panose="02040503050406030204" pitchFamily="18" charset="0"/>
+                      </a:rPr>
+                      <m:t>, …, 1</m:t>
+                    </m:r>
+                  </m:oMath>
+                </a14:m>
+                <a:endParaRPr lang="de-DE" sz="1400" dirty="0"/>
+              </a:p>
+            </p:txBody>
+          </p:sp>
+        </mc:Choice>
+        <mc:Fallback>
+          <p:sp>
+            <p:nvSpPr>
+              <p:cNvPr id="22" name="TextBox 21">
+                <a:extLst>
+                  <a:ext uri="{FF2B5EF4-FFF2-40B4-BE49-F238E27FC236}">
+                    <a16:creationId xmlns:a16="http://schemas.microsoft.com/office/drawing/2014/main" id="{EE1ACD2D-9CC3-D8DF-49EE-C773B3DB0CC3}"/>
+                  </a:ext>
+                </a:extLst>
+              </p:cNvPr>
+              <p:cNvSpPr txBox="1">
+                <a:spLocks noRot="1" noChangeAspect="1" noMove="1" noResize="1" noEditPoints="1" noAdjustHandles="1" noChangeArrowheads="1" noChangeShapeType="1" noTextEdit="1"/>
+              </p:cNvSpPr>
+              <p:nvPr/>
+            </p:nvSpPr>
+            <p:spPr>
+              <a:xfrm>
+                <a:off x="668977" y="4421579"/>
+                <a:ext cx="3760519" cy="523220"/>
+              </a:xfrm>
+              <a:prstGeom prst="rect">
+                <a:avLst/>
+              </a:prstGeom>
+              <a:blipFill>
+                <a:blip r:embed="rId9"/>
+                <a:stretch>
+                  <a:fillRect l="-486" t="-1163"/>
+                </a:stretch>
+              </a:blipFill>
+            </p:spPr>
+            <p:txBody>
+              <a:bodyPr/>
+              <a:lstStyle/>
+              <a:p>
+                <a:r>
+                  <a:rPr lang="de-DE">
+                    <a:noFill/>
+                  </a:rPr>
+                  <a:t> </a:t>
+                </a:r>
+              </a:p>
+            </p:txBody>
+          </p:sp>
+        </mc:Fallback>
+      </mc:AlternateContent>
+      <p:sp>
+        <p:nvSpPr>
+          <p:cNvPr id="23" name="TextBox 22">
+            <a:extLst>
+              <a:ext uri="{FF2B5EF4-FFF2-40B4-BE49-F238E27FC236}">
+                <a16:creationId xmlns:a16="http://schemas.microsoft.com/office/drawing/2014/main" id="{36FF1B49-A230-4FEA-27B9-0B64D2AAAA56}"/>
+              </a:ext>
+            </a:extLst>
+          </p:cNvPr>
+          <p:cNvSpPr txBox="1"/>
+          <p:nvPr/>
+        </p:nvSpPr>
+        <p:spPr>
+          <a:xfrm>
+            <a:off x="736270" y="5423065"/>
+            <a:ext cx="3863439" cy="307777"/>
+          </a:xfrm>
+          <a:prstGeom prst="rect">
+            <a:avLst/>
+          </a:prstGeom>
+          <a:noFill/>
+        </p:spPr>
+        <p:txBody>
+          <a:bodyPr wrap="square" rtlCol="0">
+            <a:spAutoFit/>
+          </a:bodyPr>
+          <a:lstStyle/>
+          <a:p>
+            <a:pPr algn="l"/>
+            <a:r>
+              <a:rPr lang="de-DE" sz="1400" dirty="0"/>
+              <a:t>5. Parameter Updates</a:t>
+            </a:r>
+          </a:p>
+        </p:txBody>
+      </p:sp>
+      <p:pic>
+        <p:nvPicPr>
+          <p:cNvPr id="24" name="Picture 23">
+            <a:extLst>
+              <a:ext uri="{FF2B5EF4-FFF2-40B4-BE49-F238E27FC236}">
+                <a16:creationId xmlns:a16="http://schemas.microsoft.com/office/drawing/2014/main" id="{F0C95B2F-8929-E42F-964E-6391E22D4817}"/>
+              </a:ext>
+            </a:extLst>
+          </p:cNvPr>
+          <p:cNvPicPr>
+            <a:picLocks noChangeAspect="1"/>
+          </p:cNvPicPr>
+          <p:nvPr/>
+        </p:nvPicPr>
+        <p:blipFill>
+          <a:blip r:embed="rId10"/>
+          <a:stretch>
+            <a:fillRect/>
+          </a:stretch>
+        </p:blipFill>
+        <p:spPr>
+          <a:xfrm>
+            <a:off x="3807023" y="3630876"/>
+            <a:ext cx="470095" cy="270305"/>
+          </a:xfrm>
+          <a:prstGeom prst="rect">
+            <a:avLst/>
+          </a:prstGeom>
+        </p:spPr>
+      </p:pic>
     </p:spTree>
     <p:extLst>
       <p:ext uri="{BB962C8B-B14F-4D97-AF65-F5344CB8AC3E}">
@@ -10681,6 +11453,84 @@
   <p:clrMapOvr>
     <a:masterClrMapping/>
   </p:clrMapOvr>
+  <p:timing>
+    <p:tnLst>
+      <p:par>
+        <p:cTn id="1" dur="indefinite" restart="never" nodeType="tmRoot">
+          <p:childTnLst>
+            <p:seq concurrent="1" nextAc="seek">
+              <p:cTn id="2" dur="indefinite" nodeType="mainSeq">
+                <p:childTnLst>
+                  <p:par>
+                    <p:cTn id="3" fill="hold">
+                      <p:stCondLst>
+                        <p:cond delay="indefinite"/>
+                        <p:cond evt="onBegin" delay="0">
+                          <p:tn val="2"/>
+                        </p:cond>
+                      </p:stCondLst>
+                      <p:childTnLst>
+                        <p:par>
+                          <p:cTn id="4" fill="hold">
+                            <p:stCondLst>
+                              <p:cond delay="0"/>
+                            </p:stCondLst>
+                            <p:childTnLst>
+                              <p:par>
+                                <p:cTn id="5" presetID="1" presetClass="entr" presetSubtype="0" fill="hold" nodeType="withEffect">
+                                  <p:stCondLst>
+                                    <p:cond delay="0"/>
+                                  </p:stCondLst>
+                                  <p:childTnLst>
+                                    <p:set>
+                                      <p:cBhvr>
+                                        <p:cTn id="6" dur="1" fill="hold">
+                                          <p:stCondLst>
+                                            <p:cond delay="0"/>
+                                          </p:stCondLst>
+                                        </p:cTn>
+                                        <p:tgtEl>
+                                          <p:spTgt spid="24"/>
+                                        </p:tgtEl>
+                                        <p:attrNameLst>
+                                          <p:attrName>style.visibility</p:attrName>
+                                        </p:attrNameLst>
+                                      </p:cBhvr>
+                                      <p:to>
+                                        <p:strVal val="visible"/>
+                                      </p:to>
+                                    </p:set>
+                                  </p:childTnLst>
+                                </p:cTn>
+                              </p:par>
+                            </p:childTnLst>
+                          </p:cTn>
+                        </p:par>
+                      </p:childTnLst>
+                    </p:cTn>
+                  </p:par>
+                </p:childTnLst>
+              </p:cTn>
+              <p:prevCondLst>
+                <p:cond evt="onPrev" delay="0">
+                  <p:tgtEl>
+                    <p:sldTgt/>
+                  </p:tgtEl>
+                </p:cond>
+              </p:prevCondLst>
+              <p:nextCondLst>
+                <p:cond evt="onNext" delay="0">
+                  <p:tgtEl>
+                    <p:sldTgt/>
+                  </p:tgtEl>
+                </p:cond>
+              </p:nextCondLst>
+            </p:seq>
+          </p:childTnLst>
+        </p:cTn>
+      </p:par>
+    </p:tnLst>
+  </p:timing>
 </p:sld>
 </file>
 
@@ -10962,7 +11812,7 @@
             <a:pPr lvl="1"/>
             <a:r>
               <a:rPr lang="de-DE" dirty="0"/>
-              <a:t>Backpropagation Algorithmus</a:t>
+              <a:t>Lern-Algorithmus</a:t>
             </a:r>
           </a:p>
           <a:p>

--- a/theory/submission/result_presentation.pptx
+++ b/theory/submission/result_presentation.pptx
@@ -5,7 +5,7 @@
     <p:sldMasterId id="2147483648" r:id="rId1"/>
   </p:sldMasterIdLst>
   <p:notesMasterIdLst>
-    <p:notesMasterId r:id="rId20"/>
+    <p:notesMasterId r:id="rId21"/>
   </p:notesMasterIdLst>
   <p:sldIdLst>
     <p:sldId id="256" r:id="rId2"/>
@@ -25,7 +25,8 @@
     <p:sldId id="281" r:id="rId16"/>
     <p:sldId id="280" r:id="rId17"/>
     <p:sldId id="276" r:id="rId18"/>
-    <p:sldId id="274" r:id="rId19"/>
+    <p:sldId id="282" r:id="rId19"/>
+    <p:sldId id="274" r:id="rId20"/>
   </p:sldIdLst>
   <p:sldSz cx="12192000" cy="6858000"/>
   <p:notesSz cx="6858000" cy="9144000"/>
@@ -214,7 +215,7 @@
           <a:p>
             <a:fld id="{8EB49EC5-088D-473F-9BFC-E2740B5DA688}" type="datetimeFigureOut">
               <a:rPr lang="de-DE" smtClean="0"/>
-              <a:t>03.05.2022</a:t>
+              <a:t>08.05.2022</a:t>
             </a:fld>
             <a:endParaRPr lang="de-DE"/>
           </a:p>
@@ -727,14 +728,11 @@
           <a:bodyPr/>
           <a:lstStyle/>
           <a:p>
-            <a:pPr marL="171450" indent="-171450">
+            <a:pPr marL="0" indent="0">
               <a:buFont typeface="Arial" panose="020B0604020202020204" pitchFamily="34" charset="0"/>
-              <a:buChar char="•"/>
+              <a:buNone/>
             </a:pPr>
-            <a:r>
-              <a:rPr lang="de-DE" dirty="0"/>
-              <a:t>Kurz erklären, wie der Backpropagation Algorithmus abläuft</a:t>
-            </a:r>
+            <a:endParaRPr lang="de-DE" dirty="0"/>
           </a:p>
         </p:txBody>
       </p:sp>
@@ -765,6 +763,102 @@
     <p:extLst>
       <p:ext uri="{BB962C8B-B14F-4D97-AF65-F5344CB8AC3E}">
         <p14:creationId xmlns:p14="http://schemas.microsoft.com/office/powerpoint/2010/main" val="3675257778"/>
+      </p:ext>
+    </p:extLst>
+  </p:cSld>
+  <p:clrMapOvr>
+    <a:masterClrMapping/>
+  </p:clrMapOvr>
+</p:notes>
+</file>
+
+<file path=ppt/notesSlides/notesSlide12.xml><?xml version="1.0" encoding="utf-8"?>
+<p:notes xmlns:a="http://schemas.openxmlformats.org/drawingml/2006/main" xmlns:r="http://schemas.openxmlformats.org/officeDocument/2006/relationships" xmlns:p="http://schemas.openxmlformats.org/presentationml/2006/main">
+  <p:cSld>
+    <p:spTree>
+      <p:nvGrpSpPr>
+        <p:cNvPr id="1" name=""/>
+        <p:cNvGrpSpPr/>
+        <p:nvPr/>
+      </p:nvGrpSpPr>
+      <p:grpSpPr>
+        <a:xfrm>
+          <a:off x="0" y="0"/>
+          <a:ext cx="0" cy="0"/>
+          <a:chOff x="0" y="0"/>
+          <a:chExt cx="0" cy="0"/>
+        </a:xfrm>
+      </p:grpSpPr>
+      <p:sp>
+        <p:nvSpPr>
+          <p:cNvPr id="2" name="Slide Image Placeholder 1"/>
+          <p:cNvSpPr>
+            <a:spLocks noGrp="1" noRot="1" noChangeAspect="1"/>
+          </p:cNvSpPr>
+          <p:nvPr>
+            <p:ph type="sldImg"/>
+          </p:nvPr>
+        </p:nvSpPr>
+        <p:spPr/>
+      </p:sp>
+      <p:sp>
+        <p:nvSpPr>
+          <p:cNvPr id="3" name="Notes Placeholder 2"/>
+          <p:cNvSpPr>
+            <a:spLocks noGrp="1"/>
+          </p:cNvSpPr>
+          <p:nvPr>
+            <p:ph type="body" idx="1"/>
+          </p:nvPr>
+        </p:nvSpPr>
+        <p:spPr/>
+        <p:txBody>
+          <a:bodyPr/>
+          <a:lstStyle/>
+          <a:p>
+            <a:pPr marL="171450" indent="-171450">
+              <a:buFont typeface="Arial" panose="020B0604020202020204" pitchFamily="34" charset="0"/>
+              <a:buChar char="•"/>
+            </a:pPr>
+            <a:r>
+              <a:rPr lang="de-DE" dirty="0"/>
+              <a:t>S = Anzahl an Batches = Anzahl an Gradient Descent </a:t>
+            </a:r>
+            <a:r>
+              <a:rPr lang="de-DE"/>
+              <a:t>Stjeps</a:t>
+            </a:r>
+            <a:endParaRPr lang="de-DE" dirty="0"/>
+          </a:p>
+        </p:txBody>
+      </p:sp>
+      <p:sp>
+        <p:nvSpPr>
+          <p:cNvPr id="4" name="Slide Number Placeholder 3"/>
+          <p:cNvSpPr>
+            <a:spLocks noGrp="1"/>
+          </p:cNvSpPr>
+          <p:nvPr>
+            <p:ph type="sldNum" sz="quarter" idx="5"/>
+          </p:nvPr>
+        </p:nvSpPr>
+        <p:spPr/>
+        <p:txBody>
+          <a:bodyPr/>
+          <a:lstStyle/>
+          <a:p>
+            <a:fld id="{D4C12A24-BF94-4906-B274-F5BF4D611E23}" type="slidenum">
+              <a:rPr lang="de-DE" smtClean="0"/>
+              <a:t>18</a:t>
+            </a:fld>
+            <a:endParaRPr lang="de-DE"/>
+          </a:p>
+        </p:txBody>
+      </p:sp>
+    </p:spTree>
+    <p:extLst>
+      <p:ext uri="{BB962C8B-B14F-4D97-AF65-F5344CB8AC3E}">
+        <p14:creationId xmlns:p14="http://schemas.microsoft.com/office/powerpoint/2010/main" val="708119455"/>
       </p:ext>
     </p:extLst>
   </p:cSld>
@@ -1858,7 +1952,7 @@
           <a:p>
             <a:fld id="{E47F9164-12F9-48A6-9622-CDF71CB57A75}" type="datetimeFigureOut">
               <a:rPr lang="de-DE" smtClean="0"/>
-              <a:t>03.05.2022</a:t>
+              <a:t>08.05.2022</a:t>
             </a:fld>
             <a:endParaRPr lang="de-DE"/>
           </a:p>
@@ -2056,7 +2150,7 @@
           <a:p>
             <a:fld id="{E47F9164-12F9-48A6-9622-CDF71CB57A75}" type="datetimeFigureOut">
               <a:rPr lang="de-DE" smtClean="0"/>
-              <a:t>03.05.2022</a:t>
+              <a:t>08.05.2022</a:t>
             </a:fld>
             <a:endParaRPr lang="de-DE"/>
           </a:p>
@@ -2264,7 +2358,7 @@
           <a:p>
             <a:fld id="{E47F9164-12F9-48A6-9622-CDF71CB57A75}" type="datetimeFigureOut">
               <a:rPr lang="de-DE" smtClean="0"/>
-              <a:t>03.05.2022</a:t>
+              <a:t>08.05.2022</a:t>
             </a:fld>
             <a:endParaRPr lang="de-DE"/>
           </a:p>
@@ -2462,7 +2556,7 @@
           <a:p>
             <a:fld id="{E47F9164-12F9-48A6-9622-CDF71CB57A75}" type="datetimeFigureOut">
               <a:rPr lang="de-DE" smtClean="0"/>
-              <a:t>03.05.2022</a:t>
+              <a:t>08.05.2022</a:t>
             </a:fld>
             <a:endParaRPr lang="de-DE"/>
           </a:p>
@@ -2737,7 +2831,7 @@
           <a:p>
             <a:fld id="{E47F9164-12F9-48A6-9622-CDF71CB57A75}" type="datetimeFigureOut">
               <a:rPr lang="de-DE" smtClean="0"/>
-              <a:t>03.05.2022</a:t>
+              <a:t>08.05.2022</a:t>
             </a:fld>
             <a:endParaRPr lang="de-DE"/>
           </a:p>
@@ -3002,7 +3096,7 @@
           <a:p>
             <a:fld id="{E47F9164-12F9-48A6-9622-CDF71CB57A75}" type="datetimeFigureOut">
               <a:rPr lang="de-DE" smtClean="0"/>
-              <a:t>03.05.2022</a:t>
+              <a:t>08.05.2022</a:t>
             </a:fld>
             <a:endParaRPr lang="de-DE"/>
           </a:p>
@@ -3414,7 +3508,7 @@
           <a:p>
             <a:fld id="{E47F9164-12F9-48A6-9622-CDF71CB57A75}" type="datetimeFigureOut">
               <a:rPr lang="de-DE" smtClean="0"/>
-              <a:t>03.05.2022</a:t>
+              <a:t>08.05.2022</a:t>
             </a:fld>
             <a:endParaRPr lang="de-DE"/>
           </a:p>
@@ -3555,7 +3649,7 @@
           <a:p>
             <a:fld id="{E47F9164-12F9-48A6-9622-CDF71CB57A75}" type="datetimeFigureOut">
               <a:rPr lang="de-DE" smtClean="0"/>
-              <a:t>03.05.2022</a:t>
+              <a:t>08.05.2022</a:t>
             </a:fld>
             <a:endParaRPr lang="de-DE"/>
           </a:p>
@@ -3668,7 +3762,7 @@
           <a:p>
             <a:fld id="{E47F9164-12F9-48A6-9622-CDF71CB57A75}" type="datetimeFigureOut">
               <a:rPr lang="de-DE" smtClean="0"/>
-              <a:t>03.05.2022</a:t>
+              <a:t>08.05.2022</a:t>
             </a:fld>
             <a:endParaRPr lang="de-DE"/>
           </a:p>
@@ -3979,7 +4073,7 @@
           <a:p>
             <a:fld id="{E47F9164-12F9-48A6-9622-CDF71CB57A75}" type="datetimeFigureOut">
               <a:rPr lang="de-DE" smtClean="0"/>
-              <a:t>03.05.2022</a:t>
+              <a:t>08.05.2022</a:t>
             </a:fld>
             <a:endParaRPr lang="de-DE"/>
           </a:p>
@@ -4267,7 +4361,7 @@
           <a:p>
             <a:fld id="{E47F9164-12F9-48A6-9622-CDF71CB57A75}" type="datetimeFigureOut">
               <a:rPr lang="de-DE" smtClean="0"/>
-              <a:t>03.05.2022</a:t>
+              <a:t>08.05.2022</a:t>
             </a:fld>
             <a:endParaRPr lang="de-DE"/>
           </a:p>
@@ -4508,7 +4602,7 @@
           <a:p>
             <a:fld id="{E47F9164-12F9-48A6-9622-CDF71CB57A75}" type="datetimeFigureOut">
               <a:rPr lang="de-DE" smtClean="0"/>
-              <a:t>03.05.2022</a:t>
+              <a:t>08.05.2022</a:t>
             </a:fld>
             <a:endParaRPr lang="de-DE"/>
           </a:p>
@@ -10129,8 +10223,8 @@
           </a:prstGeom>
         </p:spPr>
       </p:pic>
-      <mc:AlternateContent xmlns:mc="http://schemas.openxmlformats.org/markup-compatibility/2006">
-        <mc:Choice xmlns:a14="http://schemas.microsoft.com/office/drawing/2010/main" Requires="a14">
+      <mc:AlternateContent xmlns:mc="http://schemas.openxmlformats.org/markup-compatibility/2006" xmlns:a14="http://schemas.microsoft.com/office/drawing/2010/main">
+        <mc:Choice Requires="a14">
           <p:sp>
             <p:nvSpPr>
               <p:cNvPr id="3" name="TextBox 2">
@@ -10245,7 +10339,7 @@
             </p:txBody>
           </p:sp>
         </mc:Choice>
-        <mc:Fallback>
+        <mc:Fallback xmlns="">
           <p:sp>
             <p:nvSpPr>
               <p:cNvPr id="3" name="TextBox 2">
@@ -10355,8 +10449,8 @@
           </a:prstGeom>
         </p:spPr>
       </p:pic>
-      <mc:AlternateContent xmlns:mc="http://schemas.openxmlformats.org/markup-compatibility/2006">
-        <mc:Choice xmlns:a14="http://schemas.microsoft.com/office/drawing/2010/main" Requires="a14">
+      <mc:AlternateContent xmlns:mc="http://schemas.openxmlformats.org/markup-compatibility/2006" xmlns:a14="http://schemas.microsoft.com/office/drawing/2010/main">
+        <mc:Choice Requires="a14">
           <p:sp>
             <p:nvSpPr>
               <p:cNvPr id="11" name="TextBox 10">
@@ -10447,7 +10541,7 @@
             </p:txBody>
           </p:sp>
         </mc:Choice>
-        <mc:Fallback>
+        <mc:Fallback xmlns="">
           <p:sp>
             <p:nvSpPr>
               <p:cNvPr id="11" name="TextBox 10">
@@ -10665,128 +10759,12 @@
             </a:br>
             <a:r>
               <a:rPr lang="de-DE" sz="2400" dirty="0"/>
-              <a:t>Lern-Algorithmus</a:t>
+              <a:t>Lern-Algorithmus für ein einzelnes Datum (1)</a:t>
             </a:r>
             <a:endParaRPr lang="de-DE" dirty="0"/>
           </a:p>
         </p:txBody>
       </p:sp>
-      <p:pic>
-        <p:nvPicPr>
-          <p:cNvPr id="8" name="Grafik 5">
-            <a:extLst>
-              <a:ext uri="{FF2B5EF4-FFF2-40B4-BE49-F238E27FC236}">
-                <a16:creationId xmlns:a16="http://schemas.microsoft.com/office/drawing/2014/main" id="{0A84D6E5-DB15-22CE-8533-10A8052532C0}"/>
-              </a:ext>
-            </a:extLst>
-          </p:cNvPr>
-          <p:cNvPicPr>
-            <a:picLocks noChangeAspect="1"/>
-          </p:cNvPicPr>
-          <p:nvPr/>
-        </p:nvPicPr>
-        <p:blipFill rotWithShape="1">
-          <a:blip r:embed="rId3"/>
-          <a:srcRect r="5338"/>
-          <a:stretch/>
-        </p:blipFill>
-        <p:spPr>
-          <a:xfrm>
-            <a:off x="2979992" y="1916200"/>
-            <a:ext cx="1654063" cy="490989"/>
-          </a:xfrm>
-          <a:prstGeom prst="rect">
-            <a:avLst/>
-          </a:prstGeom>
-        </p:spPr>
-      </p:pic>
-      <p:pic>
-        <p:nvPicPr>
-          <p:cNvPr id="9" name="Grafik 13">
-            <a:extLst>
-              <a:ext uri="{FF2B5EF4-FFF2-40B4-BE49-F238E27FC236}">
-                <a16:creationId xmlns:a16="http://schemas.microsoft.com/office/drawing/2014/main" id="{14D7FDC3-5B36-FB80-3776-9B870A8FFCD0}"/>
-              </a:ext>
-            </a:extLst>
-          </p:cNvPr>
-          <p:cNvPicPr>
-            <a:picLocks noChangeAspect="1"/>
-          </p:cNvPicPr>
-          <p:nvPr/>
-        </p:nvPicPr>
-        <p:blipFill rotWithShape="1">
-          <a:blip r:embed="rId4"/>
-          <a:srcRect r="8083"/>
-          <a:stretch/>
-        </p:blipFill>
-        <p:spPr>
-          <a:xfrm>
-            <a:off x="5364707" y="1969765"/>
-            <a:ext cx="883224" cy="421689"/>
-          </a:xfrm>
-          <a:prstGeom prst="rect">
-            <a:avLst/>
-          </a:prstGeom>
-        </p:spPr>
-      </p:pic>
-      <p:pic>
-        <p:nvPicPr>
-          <p:cNvPr id="10" name="Grafik 17">
-            <a:extLst>
-              <a:ext uri="{FF2B5EF4-FFF2-40B4-BE49-F238E27FC236}">
-                <a16:creationId xmlns:a16="http://schemas.microsoft.com/office/drawing/2014/main" id="{01C0948B-AAEB-FA81-7497-5ED2F3120BC2}"/>
-              </a:ext>
-            </a:extLst>
-          </p:cNvPr>
-          <p:cNvPicPr>
-            <a:picLocks noChangeAspect="1"/>
-          </p:cNvPicPr>
-          <p:nvPr/>
-        </p:nvPicPr>
-        <p:blipFill rotWithShape="1">
-          <a:blip r:embed="rId5"/>
-          <a:srcRect l="45124"/>
-          <a:stretch/>
-        </p:blipFill>
-        <p:spPr>
-          <a:xfrm>
-            <a:off x="7105402" y="1390828"/>
-            <a:ext cx="1637916" cy="1346184"/>
-          </a:xfrm>
-          <a:prstGeom prst="rect">
-            <a:avLst/>
-          </a:prstGeom>
-        </p:spPr>
-      </p:pic>
-      <p:pic>
-        <p:nvPicPr>
-          <p:cNvPr id="11" name="Picture 10">
-            <a:extLst>
-              <a:ext uri="{FF2B5EF4-FFF2-40B4-BE49-F238E27FC236}">
-                <a16:creationId xmlns:a16="http://schemas.microsoft.com/office/drawing/2014/main" id="{AE6099C6-0044-007B-9765-D87B56DE0B89}"/>
-              </a:ext>
-            </a:extLst>
-          </p:cNvPr>
-          <p:cNvPicPr>
-            <a:picLocks noChangeAspect="1"/>
-          </p:cNvPicPr>
-          <p:nvPr/>
-        </p:nvPicPr>
-        <p:blipFill rotWithShape="1">
-          <a:blip r:embed="rId6"/>
-          <a:srcRect r="52338"/>
-          <a:stretch/>
-        </p:blipFill>
-        <p:spPr>
-          <a:xfrm>
-            <a:off x="9256920" y="1770500"/>
-            <a:ext cx="1913060" cy="713090"/>
-          </a:xfrm>
-          <a:prstGeom prst="rect">
-            <a:avLst/>
-          </a:prstGeom>
-        </p:spPr>
-      </p:pic>
       <p:sp>
         <p:nvSpPr>
           <p:cNvPr id="12" name="TextBox 11">
@@ -10801,7 +10779,7 @@
         </p:nvSpPr>
         <p:spPr>
           <a:xfrm>
-            <a:off x="566057" y="2026722"/>
+            <a:off x="566057" y="1976712"/>
             <a:ext cx="2826327" cy="307777"/>
           </a:xfrm>
           <a:prstGeom prst="rect">
@@ -10837,7 +10815,7 @@
         </p:nvSpPr>
         <p:spPr>
           <a:xfrm>
-            <a:off x="4876800" y="2063920"/>
+            <a:off x="4876800" y="2026488"/>
             <a:ext cx="380010" cy="208225"/>
           </a:xfrm>
           <a:prstGeom prst="rightArrow">
@@ -10889,7 +10867,7 @@
         </p:nvSpPr>
         <p:spPr>
           <a:xfrm>
-            <a:off x="6524446" y="2076496"/>
+            <a:off x="6826003" y="2026488"/>
             <a:ext cx="380010" cy="208225"/>
           </a:xfrm>
           <a:prstGeom prst="rightArrow">
@@ -10929,88 +10907,6 @@
       </p:sp>
       <p:sp>
         <p:nvSpPr>
-          <p:cNvPr id="17" name="Arrow: Right 16">
-            <a:extLst>
-              <a:ext uri="{FF2B5EF4-FFF2-40B4-BE49-F238E27FC236}">
-                <a16:creationId xmlns:a16="http://schemas.microsoft.com/office/drawing/2014/main" id="{92498E1F-AB38-8B1F-7506-B7972AE05E07}"/>
-              </a:ext>
-            </a:extLst>
-          </p:cNvPr>
-          <p:cNvSpPr/>
-          <p:nvPr/>
-        </p:nvSpPr>
-        <p:spPr>
-          <a:xfrm>
-            <a:off x="8719278" y="2057581"/>
-            <a:ext cx="380010" cy="208225"/>
-          </a:xfrm>
-          <a:prstGeom prst="rightArrow">
-            <a:avLst/>
-          </a:prstGeom>
-          <a:solidFill>
-            <a:schemeClr val="tx1"/>
-          </a:solidFill>
-          <a:ln>
-            <a:noFill/>
-          </a:ln>
-        </p:spPr>
-        <p:style>
-          <a:lnRef idx="2">
-            <a:schemeClr val="accent1">
-              <a:shade val="50000"/>
-            </a:schemeClr>
-          </a:lnRef>
-          <a:fillRef idx="1">
-            <a:schemeClr val="accent1"/>
-          </a:fillRef>
-          <a:effectRef idx="0">
-            <a:schemeClr val="accent1"/>
-          </a:effectRef>
-          <a:fontRef idx="minor">
-            <a:schemeClr val="lt1"/>
-          </a:fontRef>
-        </p:style>
-        <p:txBody>
-          <a:bodyPr rtlCol="0" anchor="ctr"/>
-          <a:lstStyle/>
-          <a:p>
-            <a:pPr algn="ctr"/>
-            <a:endParaRPr lang="de-DE"/>
-          </a:p>
-        </p:txBody>
-      </p:sp>
-      <p:pic>
-        <p:nvPicPr>
-          <p:cNvPr id="19" name="Picture 18">
-            <a:extLst>
-              <a:ext uri="{FF2B5EF4-FFF2-40B4-BE49-F238E27FC236}">
-                <a16:creationId xmlns:a16="http://schemas.microsoft.com/office/drawing/2014/main" id="{7517C175-69B3-4D53-521F-358876867965}"/>
-              </a:ext>
-            </a:extLst>
-          </p:cNvPr>
-          <p:cNvPicPr>
-            <a:picLocks noChangeAspect="1"/>
-          </p:cNvPicPr>
-          <p:nvPr/>
-        </p:nvPicPr>
-        <p:blipFill>
-          <a:blip r:embed="rId7"/>
-          <a:stretch>
-            <a:fillRect/>
-          </a:stretch>
-        </p:blipFill>
-        <p:spPr>
-          <a:xfrm>
-            <a:off x="3426959" y="2753536"/>
-            <a:ext cx="628317" cy="421689"/>
-          </a:xfrm>
-          <a:prstGeom prst="rect">
-            <a:avLst/>
-          </a:prstGeom>
-        </p:spPr>
-      </p:pic>
-      <p:sp>
-        <p:nvSpPr>
           <p:cNvPr id="20" name="TextBox 19">
             <a:extLst>
               <a:ext uri="{FF2B5EF4-FFF2-40B4-BE49-F238E27FC236}">
@@ -11023,7 +10919,7 @@
         </p:nvSpPr>
         <p:spPr>
           <a:xfrm>
-            <a:off x="566057" y="2823942"/>
+            <a:off x="566057" y="2723227"/>
             <a:ext cx="2565070" cy="307777"/>
           </a:xfrm>
           <a:prstGeom prst="rect">
@@ -11061,7 +10957,7 @@
             </p:nvSpPr>
             <p:spPr>
               <a:xfrm>
-                <a:off x="566057" y="3578531"/>
+                <a:off x="566057" y="3529891"/>
                 <a:ext cx="3406092" cy="523220"/>
               </a:xfrm>
               <a:prstGeom prst="rect">
@@ -11183,14 +11079,14 @@
             </p:nvSpPr>
             <p:spPr>
               <a:xfrm>
-                <a:off x="566057" y="3578531"/>
+                <a:off x="566057" y="3529891"/>
                 <a:ext cx="3406092" cy="523220"/>
               </a:xfrm>
               <a:prstGeom prst="rect">
                 <a:avLst/>
               </a:prstGeom>
               <a:blipFill>
-                <a:blip r:embed="rId8"/>
+                <a:blip r:embed="rId3"/>
                 <a:stretch>
                   <a:fillRect l="-537" t="-2326"/>
                 </a:stretch>
@@ -11211,178 +11107,128 @@
           </p:sp>
         </mc:Fallback>
       </mc:AlternateContent>
-      <mc:AlternateContent xmlns:mc="http://schemas.openxmlformats.org/markup-compatibility/2006">
-        <mc:Choice xmlns:a14="http://schemas.microsoft.com/office/drawing/2010/main" Requires="a14">
-          <p:sp>
-            <p:nvSpPr>
-              <p:cNvPr id="22" name="TextBox 21">
-                <a:extLst>
-                  <a:ext uri="{FF2B5EF4-FFF2-40B4-BE49-F238E27FC236}">
-                    <a16:creationId xmlns:a16="http://schemas.microsoft.com/office/drawing/2014/main" id="{EE1ACD2D-9CC3-D8DF-49EE-C773B3DB0CC3}"/>
-                  </a:ext>
-                </a:extLst>
-              </p:cNvPr>
-              <p:cNvSpPr txBox="1"/>
-              <p:nvPr/>
-            </p:nvSpPr>
-            <p:spPr>
-              <a:xfrm>
-                <a:off x="668977" y="4421579"/>
-                <a:ext cx="3760519" cy="523220"/>
-              </a:xfrm>
-              <a:prstGeom prst="rect">
-                <a:avLst/>
-              </a:prstGeom>
-              <a:noFill/>
-            </p:spPr>
-            <p:txBody>
-              <a:bodyPr wrap="square" rtlCol="0">
-                <a:spAutoFit/>
-              </a:bodyPr>
-              <a:lstStyle/>
-              <a:p>
-                <a:pPr algn="l"/>
-                <a:r>
-                  <a:rPr lang="de-DE" sz="1400" dirty="0"/>
-                  <a:t>4. Gradienten bei jedem Hidden Layer</a:t>
-                </a:r>
-              </a:p>
-              <a:p>
-                <a:pPr algn="l"/>
-                <a:r>
-                  <a:rPr lang="de-DE" sz="1400" dirty="0"/>
-                  <a:t> </a:t>
-                </a:r>
-                <a14:m>
-                  <m:oMath xmlns:m="http://schemas.openxmlformats.org/officeDocument/2006/math">
-                    <m:r>
-                      <a:rPr lang="de-DE" sz="1400" b="0" i="1" smtClean="0">
-                        <a:latin typeface="Cambria Math" panose="02040503050406030204" pitchFamily="18" charset="0"/>
-                      </a:rPr>
-                      <m:t>𝑙</m:t>
-                    </m:r>
-                    <m:r>
-                      <a:rPr lang="de-DE" sz="1400" b="0" i="1" smtClean="0">
-                        <a:latin typeface="Cambria Math" panose="02040503050406030204" pitchFamily="18" charset="0"/>
-                      </a:rPr>
-                      <m:t>=</m:t>
-                    </m:r>
-                    <m:d>
-                      <m:dPr>
-                        <m:ctrlPr>
-                          <a:rPr lang="de-DE" sz="1400" b="0" i="1" smtClean="0">
-                            <a:latin typeface="Cambria Math" panose="02040503050406030204" pitchFamily="18" charset="0"/>
-                          </a:rPr>
-                        </m:ctrlPr>
-                      </m:dPr>
-                      <m:e>
-                        <m:r>
-                          <a:rPr lang="de-DE" sz="1400" b="0" i="1" smtClean="0">
-                            <a:latin typeface="Cambria Math" panose="02040503050406030204" pitchFamily="18" charset="0"/>
-                          </a:rPr>
-                          <m:t>𝐿</m:t>
-                        </m:r>
-                        <m:r>
-                          <a:rPr lang="de-DE" sz="1400" b="0" i="1" smtClean="0">
-                            <a:latin typeface="Cambria Math" panose="02040503050406030204" pitchFamily="18" charset="0"/>
-                          </a:rPr>
-                          <m:t>−1</m:t>
-                        </m:r>
-                      </m:e>
-                    </m:d>
-                    <m:r>
-                      <a:rPr lang="de-DE" sz="1400" b="0" i="1" smtClean="0">
-                        <a:latin typeface="Cambria Math" panose="02040503050406030204" pitchFamily="18" charset="0"/>
-                      </a:rPr>
-                      <m:t>, </m:t>
-                    </m:r>
-                    <m:d>
-                      <m:dPr>
-                        <m:ctrlPr>
-                          <a:rPr lang="de-DE" sz="1400" b="0" i="1" smtClean="0">
-                            <a:latin typeface="Cambria Math" panose="02040503050406030204" pitchFamily="18" charset="0"/>
-                          </a:rPr>
-                        </m:ctrlPr>
-                      </m:dPr>
-                      <m:e>
-                        <m:r>
-                          <a:rPr lang="de-DE" sz="1400" b="0" i="1" smtClean="0">
-                            <a:latin typeface="Cambria Math" panose="02040503050406030204" pitchFamily="18" charset="0"/>
-                          </a:rPr>
-                          <m:t>𝐿</m:t>
-                        </m:r>
-                        <m:r>
-                          <a:rPr lang="de-DE" sz="1400" b="0" i="1" smtClean="0">
-                            <a:latin typeface="Cambria Math" panose="02040503050406030204" pitchFamily="18" charset="0"/>
-                          </a:rPr>
-                          <m:t>−2</m:t>
-                        </m:r>
-                      </m:e>
-                    </m:d>
-                    <m:r>
-                      <a:rPr lang="de-DE" sz="1400" b="0" i="1" smtClean="0">
-                        <a:latin typeface="Cambria Math" panose="02040503050406030204" pitchFamily="18" charset="0"/>
-                      </a:rPr>
-                      <m:t>, …, 1</m:t>
-                    </m:r>
-                  </m:oMath>
-                </a14:m>
-                <a:endParaRPr lang="de-DE" sz="1400" dirty="0"/>
-              </a:p>
-            </p:txBody>
-          </p:sp>
-        </mc:Choice>
-        <mc:Fallback>
-          <p:sp>
-            <p:nvSpPr>
-              <p:cNvPr id="22" name="TextBox 21">
-                <a:extLst>
-                  <a:ext uri="{FF2B5EF4-FFF2-40B4-BE49-F238E27FC236}">
-                    <a16:creationId xmlns:a16="http://schemas.microsoft.com/office/drawing/2014/main" id="{EE1ACD2D-9CC3-D8DF-49EE-C773B3DB0CC3}"/>
-                  </a:ext>
-                </a:extLst>
-              </p:cNvPr>
-              <p:cNvSpPr txBox="1">
-                <a:spLocks noRot="1" noChangeAspect="1" noMove="1" noResize="1" noEditPoints="1" noAdjustHandles="1" noChangeArrowheads="1" noChangeShapeType="1" noTextEdit="1"/>
-              </p:cNvSpPr>
-              <p:nvPr/>
-            </p:nvSpPr>
-            <p:spPr>
-              <a:xfrm>
-                <a:off x="668977" y="4421579"/>
-                <a:ext cx="3760519" cy="523220"/>
-              </a:xfrm>
-              <a:prstGeom prst="rect">
-                <a:avLst/>
-              </a:prstGeom>
-              <a:blipFill>
-                <a:blip r:embed="rId9"/>
-                <a:stretch>
-                  <a:fillRect l="-486" t="-1163"/>
-                </a:stretch>
-              </a:blipFill>
-            </p:spPr>
-            <p:txBody>
-              <a:bodyPr/>
-              <a:lstStyle/>
-              <a:p>
-                <a:r>
-                  <a:rPr lang="de-DE">
-                    <a:noFill/>
-                  </a:rPr>
-                  <a:t> </a:t>
-                </a:r>
-              </a:p>
-            </p:txBody>
-          </p:sp>
-        </mc:Fallback>
-      </mc:AlternateContent>
+      <p:pic>
+        <p:nvPicPr>
+          <p:cNvPr id="25" name="Grafik 4">
+            <a:extLst>
+              <a:ext uri="{FF2B5EF4-FFF2-40B4-BE49-F238E27FC236}">
+                <a16:creationId xmlns:a16="http://schemas.microsoft.com/office/drawing/2014/main" id="{461009AF-67D6-0892-9522-6F88837C67CC}"/>
+              </a:ext>
+            </a:extLst>
+          </p:cNvPr>
+          <p:cNvPicPr>
+            <a:picLocks noChangeAspect="1"/>
+          </p:cNvPicPr>
+          <p:nvPr/>
+        </p:nvPicPr>
+        <p:blipFill rotWithShape="1">
+          <a:blip r:embed="rId4"/>
+          <a:srcRect l="3083"/>
+          <a:stretch/>
+        </p:blipFill>
+        <p:spPr>
+          <a:xfrm>
+            <a:off x="2663125" y="1886296"/>
+            <a:ext cx="1657407" cy="488608"/>
+          </a:xfrm>
+          <a:prstGeom prst="rect">
+            <a:avLst/>
+          </a:prstGeom>
+        </p:spPr>
+      </p:pic>
+      <p:pic>
+        <p:nvPicPr>
+          <p:cNvPr id="26" name="Grafik 6">
+            <a:extLst>
+              <a:ext uri="{FF2B5EF4-FFF2-40B4-BE49-F238E27FC236}">
+                <a16:creationId xmlns:a16="http://schemas.microsoft.com/office/drawing/2014/main" id="{8273B41C-C302-930F-5E08-C7205A5E41AA}"/>
+              </a:ext>
+            </a:extLst>
+          </p:cNvPr>
+          <p:cNvPicPr>
+            <a:picLocks noChangeAspect="1"/>
+          </p:cNvPicPr>
+          <p:nvPr/>
+        </p:nvPicPr>
+        <p:blipFill rotWithShape="1">
+          <a:blip r:embed="rId5"/>
+          <a:srcRect l="12907" t="21114" r="14626" b="15767"/>
+          <a:stretch/>
+        </p:blipFill>
+        <p:spPr>
+          <a:xfrm>
+            <a:off x="5517441" y="1915121"/>
+            <a:ext cx="900159" cy="430959"/>
+          </a:xfrm>
+          <a:prstGeom prst="rect">
+            <a:avLst/>
+          </a:prstGeom>
+        </p:spPr>
+      </p:pic>
+      <p:pic>
+        <p:nvPicPr>
+          <p:cNvPr id="27" name="Grafik 5">
+            <a:extLst>
+              <a:ext uri="{FF2B5EF4-FFF2-40B4-BE49-F238E27FC236}">
+                <a16:creationId xmlns:a16="http://schemas.microsoft.com/office/drawing/2014/main" id="{F87AA52B-4F54-D479-31E6-3CDBA58BFF37}"/>
+              </a:ext>
+            </a:extLst>
+          </p:cNvPr>
+          <p:cNvPicPr>
+            <a:picLocks noChangeAspect="1"/>
+          </p:cNvPicPr>
+          <p:nvPr/>
+        </p:nvPicPr>
+        <p:blipFill rotWithShape="1">
+          <a:blip r:embed="rId6"/>
+          <a:srcRect t="6641" b="6710"/>
+          <a:stretch/>
+        </p:blipFill>
+        <p:spPr>
+          <a:xfrm>
+            <a:off x="7614416" y="1859851"/>
+            <a:ext cx="3293204" cy="541498"/>
+          </a:xfrm>
+          <a:prstGeom prst="rect">
+            <a:avLst/>
+          </a:prstGeom>
+        </p:spPr>
+      </p:pic>
+      <p:pic>
+        <p:nvPicPr>
+          <p:cNvPr id="6" name="Picture 5">
+            <a:extLst>
+              <a:ext uri="{FF2B5EF4-FFF2-40B4-BE49-F238E27FC236}">
+                <a16:creationId xmlns:a16="http://schemas.microsoft.com/office/drawing/2014/main" id="{919C3E7D-D379-E456-7F35-3C7B74F0CA4D}"/>
+              </a:ext>
+            </a:extLst>
+          </p:cNvPr>
+          <p:cNvPicPr>
+            <a:picLocks noChangeAspect="1"/>
+          </p:cNvPicPr>
+          <p:nvPr/>
+        </p:nvPicPr>
+        <p:blipFill rotWithShape="1">
+          <a:blip r:embed="rId7"/>
+          <a:srcRect l="2817" t="6753" r="3056" b="11784"/>
+          <a:stretch/>
+        </p:blipFill>
+        <p:spPr>
+          <a:xfrm>
+            <a:off x="3589699" y="2575263"/>
+            <a:ext cx="3709483" cy="603705"/>
+          </a:xfrm>
+          <a:prstGeom prst="rect">
+            <a:avLst/>
+          </a:prstGeom>
+        </p:spPr>
+      </p:pic>
       <p:sp>
         <p:nvSpPr>
-          <p:cNvPr id="23" name="TextBox 22">
+          <p:cNvPr id="38" name="TextBox 37">
             <a:extLst>
               <a:ext uri="{FF2B5EF4-FFF2-40B4-BE49-F238E27FC236}">
-                <a16:creationId xmlns:a16="http://schemas.microsoft.com/office/drawing/2014/main" id="{36FF1B49-A230-4FEA-27B9-0B64D2AAAA56}"/>
+                <a16:creationId xmlns:a16="http://schemas.microsoft.com/office/drawing/2014/main" id="{A2D6A0BA-209C-2C23-5D6F-71BDE13A079F}"/>
               </a:ext>
             </a:extLst>
           </p:cNvPr>
@@ -11391,8 +11237,8 @@
         </p:nvSpPr>
         <p:spPr>
           <a:xfrm>
-            <a:off x="736270" y="5423065"/>
-            <a:ext cx="3863439" cy="307777"/>
+            <a:off x="3522842" y="5592823"/>
+            <a:ext cx="345332" cy="307777"/>
           </a:xfrm>
           <a:prstGeom prst="rect">
             <a:avLst/>
@@ -11408,41 +11254,1408 @@
             <a:pPr algn="l"/>
             <a:r>
               <a:rPr lang="de-DE" sz="1400" dirty="0"/>
-              <a:t>5. Parameter Updates</a:t>
+              <a:t>…</a:t>
             </a:r>
           </a:p>
         </p:txBody>
       </p:sp>
-      <p:pic>
-        <p:nvPicPr>
-          <p:cNvPr id="24" name="Picture 23">
+      <p:grpSp>
+        <p:nvGrpSpPr>
+          <p:cNvPr id="56" name="Group 55">
             <a:extLst>
               <a:ext uri="{FF2B5EF4-FFF2-40B4-BE49-F238E27FC236}">
-                <a16:creationId xmlns:a16="http://schemas.microsoft.com/office/drawing/2014/main" id="{F0C95B2F-8929-E42F-964E-6391E22D4817}"/>
+                <a16:creationId xmlns:a16="http://schemas.microsoft.com/office/drawing/2014/main" id="{A6EAD32F-7BC3-FA85-84E6-DF5712E9ADA6}"/>
               </a:ext>
             </a:extLst>
           </p:cNvPr>
-          <p:cNvPicPr>
-            <a:picLocks noChangeAspect="1"/>
-          </p:cNvPicPr>
+          <p:cNvGrpSpPr/>
           <p:nvPr/>
-        </p:nvPicPr>
-        <p:blipFill>
-          <a:blip r:embed="rId10"/>
-          <a:stretch>
-            <a:fillRect/>
-          </a:stretch>
-        </p:blipFill>
+        </p:nvGrpSpPr>
+        <p:grpSpPr>
+          <a:xfrm>
+            <a:off x="3522842" y="4323459"/>
+            <a:ext cx="4934986" cy="321435"/>
+            <a:chOff x="3522842" y="4360252"/>
+            <a:chExt cx="4934986" cy="321435"/>
+          </a:xfrm>
+        </p:grpSpPr>
+        <mc:AlternateContent xmlns:mc="http://schemas.openxmlformats.org/markup-compatibility/2006">
+          <mc:Choice xmlns:a14="http://schemas.microsoft.com/office/drawing/2010/main" Requires="a14">
+            <p:sp>
+              <p:nvSpPr>
+                <p:cNvPr id="32" name="TextBox 31">
+                  <a:extLst>
+                    <a:ext uri="{FF2B5EF4-FFF2-40B4-BE49-F238E27FC236}">
+                      <a16:creationId xmlns:a16="http://schemas.microsoft.com/office/drawing/2014/main" id="{D25F96BA-7FC0-DBA3-4252-186B11913F6C}"/>
+                    </a:ext>
+                  </a:extLst>
+                </p:cNvPr>
+                <p:cNvSpPr txBox="1"/>
+                <p:nvPr/>
+              </p:nvSpPr>
+              <p:spPr>
+                <a:xfrm>
+                  <a:off x="3522842" y="4360252"/>
+                  <a:ext cx="2573158" cy="321435"/>
+                </a:xfrm>
+                <a:prstGeom prst="rect">
+                  <a:avLst/>
+                </a:prstGeom>
+                <a:noFill/>
+              </p:spPr>
+              <p:txBody>
+                <a:bodyPr wrap="square" rtlCol="0">
+                  <a:spAutoFit/>
+                </a:bodyPr>
+                <a:lstStyle/>
+                <a:p>
+                  <a14:m>
+                    <m:oMathPara xmlns:m="http://schemas.openxmlformats.org/officeDocument/2006/math">
+                      <m:oMathParaPr>
+                        <m:jc m:val="centerGroup"/>
+                      </m:oMathParaPr>
+                      <m:oMath xmlns:m="http://schemas.openxmlformats.org/officeDocument/2006/math">
+                        <m:sSup>
+                          <m:sSupPr>
+                            <m:ctrlPr>
+                              <a:rPr lang="de-DE" sz="1400" b="0" i="1" smtClean="0">
+                                <a:latin typeface="Cambria Math" panose="02040503050406030204" pitchFamily="18" charset="0"/>
+                              </a:rPr>
+                            </m:ctrlPr>
+                          </m:sSupPr>
+                          <m:e>
+                            <m:d>
+                              <m:dPr>
+                                <m:ctrlPr>
+                                  <a:rPr lang="de-DE" sz="1400" b="0" i="1" smtClean="0">
+                                    <a:latin typeface="Cambria Math" panose="02040503050406030204" pitchFamily="18" charset="0"/>
+                                  </a:rPr>
+                                </m:ctrlPr>
+                              </m:dPr>
+                              <m:e>
+                                <m:sSup>
+                                  <m:sSupPr>
+                                    <m:ctrlPr>
+                                      <a:rPr lang="de-DE" sz="1400" b="0" i="1" smtClean="0">
+                                        <a:latin typeface="Cambria Math" panose="02040503050406030204" pitchFamily="18" charset="0"/>
+                                      </a:rPr>
+                                    </m:ctrlPr>
+                                  </m:sSupPr>
+                                  <m:e>
+                                    <m:r>
+                                      <a:rPr lang="de-DE" sz="1400" b="1" i="1" smtClean="0">
+                                        <a:latin typeface="Cambria Math" panose="02040503050406030204" pitchFamily="18" charset="0"/>
+                                      </a:rPr>
+                                      <m:t>𝜹</m:t>
+                                    </m:r>
+                                  </m:e>
+                                  <m:sup>
+                                    <m:r>
+                                      <a:rPr lang="de-DE" sz="1400" b="0" i="1" smtClean="0">
+                                        <a:latin typeface="Cambria Math" panose="02040503050406030204" pitchFamily="18" charset="0"/>
+                                      </a:rPr>
+                                      <m:t>𝐿</m:t>
+                                    </m:r>
+                                    <m:r>
+                                      <a:rPr lang="de-DE" sz="1400" b="0" i="1" smtClean="0">
+                                        <a:latin typeface="Cambria Math" panose="02040503050406030204" pitchFamily="18" charset="0"/>
+                                      </a:rPr>
+                                      <m:t>−1</m:t>
+                                    </m:r>
+                                  </m:sup>
+                                </m:sSup>
+                              </m:e>
+                            </m:d>
+                          </m:e>
+                          <m:sup>
+                            <m:r>
+                              <a:rPr lang="de-DE" sz="1400" b="0" i="1" smtClean="0">
+                                <a:latin typeface="Cambria Math" panose="02040503050406030204" pitchFamily="18" charset="0"/>
+                              </a:rPr>
+                              <m:t>𝑇</m:t>
+                            </m:r>
+                          </m:sup>
+                        </m:sSup>
+                        <m:r>
+                          <a:rPr lang="de-DE" sz="1400" b="1" i="1" smtClean="0">
+                            <a:latin typeface="Cambria Math" panose="02040503050406030204" pitchFamily="18" charset="0"/>
+                          </a:rPr>
+                          <m:t>=</m:t>
+                        </m:r>
+                        <m:sSup>
+                          <m:sSupPr>
+                            <m:ctrlPr>
+                              <a:rPr lang="de-DE" sz="1400" b="0" i="1" smtClean="0">
+                                <a:latin typeface="Cambria Math" panose="02040503050406030204" pitchFamily="18" charset="0"/>
+                              </a:rPr>
+                            </m:ctrlPr>
+                          </m:sSupPr>
+                          <m:e>
+                            <m:d>
+                              <m:dPr>
+                                <m:ctrlPr>
+                                  <a:rPr lang="de-DE" sz="1400" b="1" i="1" smtClean="0">
+                                    <a:latin typeface="Cambria Math" panose="02040503050406030204" pitchFamily="18" charset="0"/>
+                                  </a:rPr>
+                                </m:ctrlPr>
+                              </m:dPr>
+                              <m:e>
+                                <m:sSup>
+                                  <m:sSupPr>
+                                    <m:ctrlPr>
+                                      <a:rPr lang="de-DE" sz="1400" b="0" i="1" smtClean="0">
+                                        <a:latin typeface="Cambria Math" panose="02040503050406030204" pitchFamily="18" charset="0"/>
+                                      </a:rPr>
+                                    </m:ctrlPr>
+                                  </m:sSupPr>
+                                  <m:e>
+                                    <m:r>
+                                      <a:rPr lang="de-DE" sz="1400" b="1" i="1" smtClean="0">
+                                        <a:latin typeface="Cambria Math" panose="02040503050406030204" pitchFamily="18" charset="0"/>
+                                      </a:rPr>
+                                      <m:t>𝜹</m:t>
+                                    </m:r>
+                                  </m:e>
+                                  <m:sup>
+                                    <m:r>
+                                      <a:rPr lang="de-DE" sz="1400" b="0" i="1" smtClean="0">
+                                        <a:latin typeface="Cambria Math" panose="02040503050406030204" pitchFamily="18" charset="0"/>
+                                      </a:rPr>
+                                      <m:t>𝐿</m:t>
+                                    </m:r>
+                                  </m:sup>
+                                </m:sSup>
+                              </m:e>
+                            </m:d>
+                          </m:e>
+                          <m:sup>
+                            <m:r>
+                              <a:rPr lang="de-DE" sz="1400" b="0" i="1" smtClean="0">
+                                <a:latin typeface="Cambria Math" panose="02040503050406030204" pitchFamily="18" charset="0"/>
+                              </a:rPr>
+                              <m:t>𝑇</m:t>
+                            </m:r>
+                          </m:sup>
+                        </m:sSup>
+                        <m:sSup>
+                          <m:sSupPr>
+                            <m:ctrlPr>
+                              <a:rPr lang="de-DE" sz="1400" b="0" i="1" smtClean="0">
+                                <a:latin typeface="Cambria Math" panose="02040503050406030204" pitchFamily="18" charset="0"/>
+                              </a:rPr>
+                            </m:ctrlPr>
+                          </m:sSupPr>
+                          <m:e>
+                            <m:r>
+                              <a:rPr lang="de-DE" sz="1400" b="1" i="1" smtClean="0">
+                                <a:latin typeface="Cambria Math" panose="02040503050406030204" pitchFamily="18" charset="0"/>
+                              </a:rPr>
+                              <m:t>𝑾</m:t>
+                            </m:r>
+                          </m:e>
+                          <m:sup>
+                            <m:r>
+                              <a:rPr lang="de-DE" sz="1400" b="0" i="1" smtClean="0">
+                                <a:latin typeface="Cambria Math" panose="02040503050406030204" pitchFamily="18" charset="0"/>
+                              </a:rPr>
+                              <m:t>𝐿</m:t>
+                            </m:r>
+                          </m:sup>
+                        </m:sSup>
+                        <m:sSub>
+                          <m:sSubPr>
+                            <m:ctrlPr>
+                              <a:rPr lang="de-DE" sz="1400" b="1" i="1" smtClean="0">
+                                <a:latin typeface="Cambria Math" panose="02040503050406030204" pitchFamily="18" charset="0"/>
+                              </a:rPr>
+                            </m:ctrlPr>
+                          </m:sSubPr>
+                          <m:e>
+                            <m:r>
+                              <a:rPr lang="de-DE" sz="1400" b="1" i="1" smtClean="0">
+                                <a:latin typeface="Cambria Math" panose="02040503050406030204" pitchFamily="18" charset="0"/>
+                              </a:rPr>
+                              <m:t>𝑱</m:t>
+                            </m:r>
+                          </m:e>
+                          <m:sub>
+                            <m:sSup>
+                              <m:sSupPr>
+                                <m:ctrlPr>
+                                  <a:rPr lang="de-DE" sz="1400" b="0" i="1" smtClean="0">
+                                    <a:latin typeface="Cambria Math" panose="02040503050406030204" pitchFamily="18" charset="0"/>
+                                  </a:rPr>
+                                </m:ctrlPr>
+                              </m:sSupPr>
+                              <m:e>
+                                <m:r>
+                                  <a:rPr lang="de-DE" sz="1400" b="1" i="1" smtClean="0">
+                                    <a:latin typeface="Cambria Math" panose="02040503050406030204" pitchFamily="18" charset="0"/>
+                                  </a:rPr>
+                                  <m:t>𝒂</m:t>
+                                </m:r>
+                              </m:e>
+                              <m:sup>
+                                <m:r>
+                                  <a:rPr lang="de-DE" sz="1400" b="0" i="1" smtClean="0">
+                                    <a:latin typeface="Cambria Math" panose="02040503050406030204" pitchFamily="18" charset="0"/>
+                                  </a:rPr>
+                                  <m:t>𝐿</m:t>
+                                </m:r>
+                                <m:r>
+                                  <a:rPr lang="de-DE" sz="1400" b="0" i="1" smtClean="0">
+                                    <a:latin typeface="Cambria Math" panose="02040503050406030204" pitchFamily="18" charset="0"/>
+                                  </a:rPr>
+                                  <m:t>−1</m:t>
+                                </m:r>
+                              </m:sup>
+                            </m:sSup>
+                          </m:sub>
+                        </m:sSub>
+                        <m:d>
+                          <m:dPr>
+                            <m:ctrlPr>
+                              <a:rPr lang="de-DE" sz="1400" b="1" i="1" smtClean="0">
+                                <a:latin typeface="Cambria Math" panose="02040503050406030204" pitchFamily="18" charset="0"/>
+                              </a:rPr>
+                            </m:ctrlPr>
+                          </m:dPr>
+                          <m:e>
+                            <m:sSup>
+                              <m:sSupPr>
+                                <m:ctrlPr>
+                                  <a:rPr lang="de-DE" sz="1400" b="0" i="1" smtClean="0">
+                                    <a:latin typeface="Cambria Math" panose="02040503050406030204" pitchFamily="18" charset="0"/>
+                                  </a:rPr>
+                                </m:ctrlPr>
+                              </m:sSupPr>
+                              <m:e>
+                                <m:r>
+                                  <a:rPr lang="de-DE" sz="1400" b="1" i="1" smtClean="0">
+                                    <a:latin typeface="Cambria Math" panose="02040503050406030204" pitchFamily="18" charset="0"/>
+                                  </a:rPr>
+                                  <m:t>𝒛</m:t>
+                                </m:r>
+                              </m:e>
+                              <m:sup>
+                                <m:r>
+                                  <a:rPr lang="de-DE" sz="1400" b="0" i="1" smtClean="0">
+                                    <a:latin typeface="Cambria Math" panose="02040503050406030204" pitchFamily="18" charset="0"/>
+                                  </a:rPr>
+                                  <m:t>𝐿</m:t>
+                                </m:r>
+                                <m:r>
+                                  <a:rPr lang="de-DE" sz="1400" b="0" i="1" smtClean="0">
+                                    <a:latin typeface="Cambria Math" panose="02040503050406030204" pitchFamily="18" charset="0"/>
+                                  </a:rPr>
+                                  <m:t>−1</m:t>
+                                </m:r>
+                              </m:sup>
+                            </m:sSup>
+                          </m:e>
+                        </m:d>
+                      </m:oMath>
+                    </m:oMathPara>
+                  </a14:m>
+                  <a:endParaRPr lang="de-DE" sz="1400" dirty="0"/>
+                </a:p>
+              </p:txBody>
+            </p:sp>
+          </mc:Choice>
+          <mc:Fallback>
+            <p:sp>
+              <p:nvSpPr>
+                <p:cNvPr id="32" name="TextBox 31">
+                  <a:extLst>
+                    <a:ext uri="{FF2B5EF4-FFF2-40B4-BE49-F238E27FC236}">
+                      <a16:creationId xmlns:a16="http://schemas.microsoft.com/office/drawing/2014/main" id="{D25F96BA-7FC0-DBA3-4252-186B11913F6C}"/>
+                    </a:ext>
+                  </a:extLst>
+                </p:cNvPr>
+                <p:cNvSpPr txBox="1">
+                  <a:spLocks noRot="1" noChangeAspect="1" noMove="1" noResize="1" noEditPoints="1" noAdjustHandles="1" noChangeArrowheads="1" noChangeShapeType="1" noTextEdit="1"/>
+                </p:cNvSpPr>
+                <p:nvPr/>
+              </p:nvSpPr>
+              <p:spPr>
+                <a:xfrm>
+                  <a:off x="3522842" y="4360252"/>
+                  <a:ext cx="2573158" cy="321435"/>
+                </a:xfrm>
+                <a:prstGeom prst="rect">
+                  <a:avLst/>
+                </a:prstGeom>
+                <a:blipFill>
+                  <a:blip r:embed="rId8"/>
+                  <a:stretch>
+                    <a:fillRect b="-3774"/>
+                  </a:stretch>
+                </a:blipFill>
+              </p:spPr>
+              <p:txBody>
+                <a:bodyPr/>
+                <a:lstStyle/>
+                <a:p>
+                  <a:r>
+                    <a:rPr lang="de-DE">
+                      <a:noFill/>
+                    </a:rPr>
+                    <a:t> </a:t>
+                  </a:r>
+                </a:p>
+              </p:txBody>
+            </p:sp>
+          </mc:Fallback>
+        </mc:AlternateContent>
+        <p:sp>
+          <p:nvSpPr>
+            <p:cNvPr id="51" name="TextBox 50">
+              <a:extLst>
+                <a:ext uri="{FF2B5EF4-FFF2-40B4-BE49-F238E27FC236}">
+                  <a16:creationId xmlns:a16="http://schemas.microsoft.com/office/drawing/2014/main" id="{509EB431-21BC-ECBC-0AF4-966860A10B84}"/>
+                </a:ext>
+              </a:extLst>
+            </p:cNvPr>
+            <p:cNvSpPr txBox="1"/>
+            <p:nvPr/>
+          </p:nvSpPr>
+          <p:spPr>
+            <a:xfrm>
+              <a:off x="6361517" y="4371945"/>
+              <a:ext cx="2096311" cy="307777"/>
+            </a:xfrm>
+            <a:prstGeom prst="rect">
+              <a:avLst/>
+            </a:prstGeom>
+            <a:noFill/>
+          </p:spPr>
+          <p:txBody>
+            <a:bodyPr wrap="square" rtlCol="0">
+              <a:spAutoFit/>
+            </a:bodyPr>
+            <a:lstStyle/>
+            <a:p>
+              <a:pPr algn="l"/>
+              <a:r>
+                <a:rPr lang="de-DE" sz="1400" dirty="0"/>
+                <a:t>Fehler am Layer L-1</a:t>
+              </a:r>
+            </a:p>
+          </p:txBody>
+        </p:sp>
+      </p:grpSp>
+      <p:grpSp>
+        <p:nvGrpSpPr>
+          <p:cNvPr id="57" name="Group 56">
+            <a:extLst>
+              <a:ext uri="{FF2B5EF4-FFF2-40B4-BE49-F238E27FC236}">
+                <a16:creationId xmlns:a16="http://schemas.microsoft.com/office/drawing/2014/main" id="{E37835EB-4BBC-265C-23D8-598564954538}"/>
+              </a:ext>
+            </a:extLst>
+          </p:cNvPr>
+          <p:cNvGrpSpPr/>
+          <p:nvPr/>
+        </p:nvGrpSpPr>
+        <p:grpSpPr>
+          <a:xfrm>
+            <a:off x="3522842" y="4958141"/>
+            <a:ext cx="4553723" cy="321435"/>
+            <a:chOff x="3583095" y="5192996"/>
+            <a:chExt cx="4553723" cy="321435"/>
+          </a:xfrm>
+        </p:grpSpPr>
+        <mc:AlternateContent xmlns:mc="http://schemas.openxmlformats.org/markup-compatibility/2006">
+          <mc:Choice xmlns:a14="http://schemas.microsoft.com/office/drawing/2010/main" Requires="a14">
+            <p:sp>
+              <p:nvSpPr>
+                <p:cNvPr id="35" name="TextBox 34">
+                  <a:extLst>
+                    <a:ext uri="{FF2B5EF4-FFF2-40B4-BE49-F238E27FC236}">
+                      <a16:creationId xmlns:a16="http://schemas.microsoft.com/office/drawing/2014/main" id="{FE95529D-7B56-E5D3-3B5F-FBD835DE3604}"/>
+                    </a:ext>
+                  </a:extLst>
+                </p:cNvPr>
+                <p:cNvSpPr txBox="1"/>
+                <p:nvPr/>
+              </p:nvSpPr>
+              <p:spPr>
+                <a:xfrm>
+                  <a:off x="3583095" y="5192996"/>
+                  <a:ext cx="2910754" cy="321435"/>
+                </a:xfrm>
+                <a:prstGeom prst="rect">
+                  <a:avLst/>
+                </a:prstGeom>
+                <a:noFill/>
+              </p:spPr>
+              <p:txBody>
+                <a:bodyPr wrap="square" rtlCol="0">
+                  <a:spAutoFit/>
+                </a:bodyPr>
+                <a:lstStyle/>
+                <a:p>
+                  <a14:m>
+                    <m:oMathPara xmlns:m="http://schemas.openxmlformats.org/officeDocument/2006/math">
+                      <m:oMathParaPr>
+                        <m:jc m:val="centerGroup"/>
+                      </m:oMathParaPr>
+                      <m:oMath xmlns:m="http://schemas.openxmlformats.org/officeDocument/2006/math">
+                        <m:sSup>
+                          <m:sSupPr>
+                            <m:ctrlPr>
+                              <a:rPr lang="de-DE" sz="1400" b="0" i="1" smtClean="0">
+                                <a:latin typeface="Cambria Math" panose="02040503050406030204" pitchFamily="18" charset="0"/>
+                              </a:rPr>
+                            </m:ctrlPr>
+                          </m:sSupPr>
+                          <m:e>
+                            <m:d>
+                              <m:dPr>
+                                <m:ctrlPr>
+                                  <a:rPr lang="de-DE" sz="1400" b="0" i="1" smtClean="0">
+                                    <a:latin typeface="Cambria Math" panose="02040503050406030204" pitchFamily="18" charset="0"/>
+                                  </a:rPr>
+                                </m:ctrlPr>
+                              </m:dPr>
+                              <m:e>
+                                <m:sSup>
+                                  <m:sSupPr>
+                                    <m:ctrlPr>
+                                      <a:rPr lang="de-DE" sz="1400" b="0" i="1" smtClean="0">
+                                        <a:latin typeface="Cambria Math" panose="02040503050406030204" pitchFamily="18" charset="0"/>
+                                      </a:rPr>
+                                    </m:ctrlPr>
+                                  </m:sSupPr>
+                                  <m:e>
+                                    <m:r>
+                                      <a:rPr lang="de-DE" sz="1400" b="1" i="1" smtClean="0">
+                                        <a:latin typeface="Cambria Math" panose="02040503050406030204" pitchFamily="18" charset="0"/>
+                                      </a:rPr>
+                                      <m:t>𝜹</m:t>
+                                    </m:r>
+                                  </m:e>
+                                  <m:sup>
+                                    <m:r>
+                                      <a:rPr lang="de-DE" sz="1400" b="0" i="1" smtClean="0">
+                                        <a:latin typeface="Cambria Math" panose="02040503050406030204" pitchFamily="18" charset="0"/>
+                                      </a:rPr>
+                                      <m:t>𝐿</m:t>
+                                    </m:r>
+                                    <m:r>
+                                      <a:rPr lang="de-DE" sz="1400" b="0" i="1" smtClean="0">
+                                        <a:latin typeface="Cambria Math" panose="02040503050406030204" pitchFamily="18" charset="0"/>
+                                      </a:rPr>
+                                      <m:t>−2</m:t>
+                                    </m:r>
+                                  </m:sup>
+                                </m:sSup>
+                              </m:e>
+                            </m:d>
+                          </m:e>
+                          <m:sup>
+                            <m:r>
+                              <a:rPr lang="de-DE" sz="1400" b="0" i="1" smtClean="0">
+                                <a:latin typeface="Cambria Math" panose="02040503050406030204" pitchFamily="18" charset="0"/>
+                              </a:rPr>
+                              <m:t>𝑇</m:t>
+                            </m:r>
+                          </m:sup>
+                        </m:sSup>
+                        <m:r>
+                          <a:rPr lang="de-DE" sz="1400" b="1" i="1" smtClean="0">
+                            <a:latin typeface="Cambria Math" panose="02040503050406030204" pitchFamily="18" charset="0"/>
+                          </a:rPr>
+                          <m:t>=</m:t>
+                        </m:r>
+                        <m:sSup>
+                          <m:sSupPr>
+                            <m:ctrlPr>
+                              <a:rPr lang="de-DE" sz="1400" b="0" i="1" smtClean="0">
+                                <a:latin typeface="Cambria Math" panose="02040503050406030204" pitchFamily="18" charset="0"/>
+                              </a:rPr>
+                            </m:ctrlPr>
+                          </m:sSupPr>
+                          <m:e>
+                            <m:d>
+                              <m:dPr>
+                                <m:ctrlPr>
+                                  <a:rPr lang="de-DE" sz="1400" b="1" i="1" smtClean="0">
+                                    <a:latin typeface="Cambria Math" panose="02040503050406030204" pitchFamily="18" charset="0"/>
+                                  </a:rPr>
+                                </m:ctrlPr>
+                              </m:dPr>
+                              <m:e>
+                                <m:sSup>
+                                  <m:sSupPr>
+                                    <m:ctrlPr>
+                                      <a:rPr lang="de-DE" sz="1400" b="0" i="1" smtClean="0">
+                                        <a:latin typeface="Cambria Math" panose="02040503050406030204" pitchFamily="18" charset="0"/>
+                                      </a:rPr>
+                                    </m:ctrlPr>
+                                  </m:sSupPr>
+                                  <m:e>
+                                    <m:r>
+                                      <a:rPr lang="de-DE" sz="1400" b="1" i="1" smtClean="0">
+                                        <a:latin typeface="Cambria Math" panose="02040503050406030204" pitchFamily="18" charset="0"/>
+                                      </a:rPr>
+                                      <m:t>𝜹</m:t>
+                                    </m:r>
+                                  </m:e>
+                                  <m:sup>
+                                    <m:r>
+                                      <a:rPr lang="de-DE" sz="1400" b="0" i="1" smtClean="0">
+                                        <a:latin typeface="Cambria Math" panose="02040503050406030204" pitchFamily="18" charset="0"/>
+                                      </a:rPr>
+                                      <m:t>𝐿</m:t>
+                                    </m:r>
+                                    <m:r>
+                                      <a:rPr lang="de-DE" sz="1400" b="0" i="1" smtClean="0">
+                                        <a:latin typeface="Cambria Math" panose="02040503050406030204" pitchFamily="18" charset="0"/>
+                                      </a:rPr>
+                                      <m:t>−1</m:t>
+                                    </m:r>
+                                  </m:sup>
+                                </m:sSup>
+                              </m:e>
+                            </m:d>
+                          </m:e>
+                          <m:sup>
+                            <m:r>
+                              <a:rPr lang="de-DE" sz="1400" b="0" i="1" smtClean="0">
+                                <a:latin typeface="Cambria Math" panose="02040503050406030204" pitchFamily="18" charset="0"/>
+                              </a:rPr>
+                              <m:t>𝑇</m:t>
+                            </m:r>
+                          </m:sup>
+                        </m:sSup>
+                        <m:sSup>
+                          <m:sSupPr>
+                            <m:ctrlPr>
+                              <a:rPr lang="de-DE" sz="1400" b="0" i="1" smtClean="0">
+                                <a:latin typeface="Cambria Math" panose="02040503050406030204" pitchFamily="18" charset="0"/>
+                              </a:rPr>
+                            </m:ctrlPr>
+                          </m:sSupPr>
+                          <m:e>
+                            <m:r>
+                              <a:rPr lang="de-DE" sz="1400" b="1" i="1" smtClean="0">
+                                <a:latin typeface="Cambria Math" panose="02040503050406030204" pitchFamily="18" charset="0"/>
+                              </a:rPr>
+                              <m:t>𝑾</m:t>
+                            </m:r>
+                          </m:e>
+                          <m:sup>
+                            <m:r>
+                              <a:rPr lang="de-DE" sz="1400" b="0" i="1" smtClean="0">
+                                <a:latin typeface="Cambria Math" panose="02040503050406030204" pitchFamily="18" charset="0"/>
+                              </a:rPr>
+                              <m:t>𝐿</m:t>
+                            </m:r>
+                            <m:r>
+                              <a:rPr lang="de-DE" sz="1400" b="0" i="1" smtClean="0">
+                                <a:latin typeface="Cambria Math" panose="02040503050406030204" pitchFamily="18" charset="0"/>
+                              </a:rPr>
+                              <m:t>−1</m:t>
+                            </m:r>
+                          </m:sup>
+                        </m:sSup>
+                        <m:sSub>
+                          <m:sSubPr>
+                            <m:ctrlPr>
+                              <a:rPr lang="de-DE" sz="1400" b="1" i="1" smtClean="0">
+                                <a:latin typeface="Cambria Math" panose="02040503050406030204" pitchFamily="18" charset="0"/>
+                              </a:rPr>
+                            </m:ctrlPr>
+                          </m:sSubPr>
+                          <m:e>
+                            <m:r>
+                              <a:rPr lang="de-DE" sz="1400" b="1" i="1" smtClean="0">
+                                <a:latin typeface="Cambria Math" panose="02040503050406030204" pitchFamily="18" charset="0"/>
+                              </a:rPr>
+                              <m:t>𝑱</m:t>
+                            </m:r>
+                          </m:e>
+                          <m:sub>
+                            <m:sSup>
+                              <m:sSupPr>
+                                <m:ctrlPr>
+                                  <a:rPr lang="de-DE" sz="1400" b="0" i="1" smtClean="0">
+                                    <a:latin typeface="Cambria Math" panose="02040503050406030204" pitchFamily="18" charset="0"/>
+                                  </a:rPr>
+                                </m:ctrlPr>
+                              </m:sSupPr>
+                              <m:e>
+                                <m:r>
+                                  <a:rPr lang="de-DE" sz="1400" b="1" i="1" smtClean="0">
+                                    <a:latin typeface="Cambria Math" panose="02040503050406030204" pitchFamily="18" charset="0"/>
+                                  </a:rPr>
+                                  <m:t>𝒂</m:t>
+                                </m:r>
+                              </m:e>
+                              <m:sup>
+                                <m:r>
+                                  <a:rPr lang="de-DE" sz="1400" b="0" i="1" smtClean="0">
+                                    <a:latin typeface="Cambria Math" panose="02040503050406030204" pitchFamily="18" charset="0"/>
+                                  </a:rPr>
+                                  <m:t>𝐿</m:t>
+                                </m:r>
+                                <m:r>
+                                  <a:rPr lang="de-DE" sz="1400" b="0" i="1" smtClean="0">
+                                    <a:latin typeface="Cambria Math" panose="02040503050406030204" pitchFamily="18" charset="0"/>
+                                  </a:rPr>
+                                  <m:t>−2</m:t>
+                                </m:r>
+                              </m:sup>
+                            </m:sSup>
+                          </m:sub>
+                        </m:sSub>
+                        <m:d>
+                          <m:dPr>
+                            <m:ctrlPr>
+                              <a:rPr lang="de-DE" sz="1400" b="1" i="1" smtClean="0">
+                                <a:latin typeface="Cambria Math" panose="02040503050406030204" pitchFamily="18" charset="0"/>
+                              </a:rPr>
+                            </m:ctrlPr>
+                          </m:dPr>
+                          <m:e>
+                            <m:sSup>
+                              <m:sSupPr>
+                                <m:ctrlPr>
+                                  <a:rPr lang="de-DE" sz="1400" b="0" i="1" smtClean="0">
+                                    <a:latin typeface="Cambria Math" panose="02040503050406030204" pitchFamily="18" charset="0"/>
+                                  </a:rPr>
+                                </m:ctrlPr>
+                              </m:sSupPr>
+                              <m:e>
+                                <m:r>
+                                  <a:rPr lang="de-DE" sz="1400" b="1" i="1" smtClean="0">
+                                    <a:latin typeface="Cambria Math" panose="02040503050406030204" pitchFamily="18" charset="0"/>
+                                  </a:rPr>
+                                  <m:t>𝒛</m:t>
+                                </m:r>
+                              </m:e>
+                              <m:sup>
+                                <m:r>
+                                  <a:rPr lang="de-DE" sz="1400" b="0" i="1" smtClean="0">
+                                    <a:latin typeface="Cambria Math" panose="02040503050406030204" pitchFamily="18" charset="0"/>
+                                  </a:rPr>
+                                  <m:t>𝐿</m:t>
+                                </m:r>
+                                <m:r>
+                                  <a:rPr lang="de-DE" sz="1400" b="0" i="1" smtClean="0">
+                                    <a:latin typeface="Cambria Math" panose="02040503050406030204" pitchFamily="18" charset="0"/>
+                                  </a:rPr>
+                                  <m:t>−2</m:t>
+                                </m:r>
+                              </m:sup>
+                            </m:sSup>
+                          </m:e>
+                        </m:d>
+                      </m:oMath>
+                    </m:oMathPara>
+                  </a14:m>
+                  <a:endParaRPr lang="de-DE" sz="1400" dirty="0"/>
+                </a:p>
+              </p:txBody>
+            </p:sp>
+          </mc:Choice>
+          <mc:Fallback>
+            <p:sp>
+              <p:nvSpPr>
+                <p:cNvPr id="35" name="TextBox 34">
+                  <a:extLst>
+                    <a:ext uri="{FF2B5EF4-FFF2-40B4-BE49-F238E27FC236}">
+                      <a16:creationId xmlns:a16="http://schemas.microsoft.com/office/drawing/2014/main" id="{FE95529D-7B56-E5D3-3B5F-FBD835DE3604}"/>
+                    </a:ext>
+                  </a:extLst>
+                </p:cNvPr>
+                <p:cNvSpPr txBox="1">
+                  <a:spLocks noRot="1" noChangeAspect="1" noMove="1" noResize="1" noEditPoints="1" noAdjustHandles="1" noChangeArrowheads="1" noChangeShapeType="1" noTextEdit="1"/>
+                </p:cNvSpPr>
+                <p:nvPr/>
+              </p:nvSpPr>
+              <p:spPr>
+                <a:xfrm>
+                  <a:off x="3583095" y="5192996"/>
+                  <a:ext cx="2910754" cy="321435"/>
+                </a:xfrm>
+                <a:prstGeom prst="rect">
+                  <a:avLst/>
+                </a:prstGeom>
+                <a:blipFill>
+                  <a:blip r:embed="rId9"/>
+                  <a:stretch>
+                    <a:fillRect b="-3774"/>
+                  </a:stretch>
+                </a:blipFill>
+              </p:spPr>
+              <p:txBody>
+                <a:bodyPr/>
+                <a:lstStyle/>
+                <a:p>
+                  <a:r>
+                    <a:rPr lang="de-DE">
+                      <a:noFill/>
+                    </a:rPr>
+                    <a:t> </a:t>
+                  </a:r>
+                </a:p>
+              </p:txBody>
+            </p:sp>
+          </mc:Fallback>
+        </mc:AlternateContent>
+        <p:sp>
+          <p:nvSpPr>
+            <p:cNvPr id="52" name="TextBox 51">
+              <a:extLst>
+                <a:ext uri="{FF2B5EF4-FFF2-40B4-BE49-F238E27FC236}">
+                  <a16:creationId xmlns:a16="http://schemas.microsoft.com/office/drawing/2014/main" id="{B5BBD252-14EE-295C-0CA3-BF7D27E44F3B}"/>
+                </a:ext>
+              </a:extLst>
+            </p:cNvPr>
+            <p:cNvSpPr txBox="1"/>
+            <p:nvPr/>
+          </p:nvSpPr>
+          <p:spPr>
+            <a:xfrm>
+              <a:off x="6444205" y="5199825"/>
+              <a:ext cx="1692613" cy="307777"/>
+            </a:xfrm>
+            <a:prstGeom prst="rect">
+              <a:avLst/>
+            </a:prstGeom>
+            <a:noFill/>
+          </p:spPr>
+          <p:txBody>
+            <a:bodyPr wrap="square" rtlCol="0">
+              <a:spAutoFit/>
+            </a:bodyPr>
+            <a:lstStyle/>
+            <a:p>
+              <a:pPr algn="l"/>
+              <a:r>
+                <a:rPr lang="de-DE" sz="1400" dirty="0"/>
+                <a:t>Fehler am Layer L-2</a:t>
+              </a:r>
+            </a:p>
+          </p:txBody>
+        </p:sp>
+      </p:grpSp>
+      <p:grpSp>
+        <p:nvGrpSpPr>
+          <p:cNvPr id="58" name="Group 57">
+            <a:extLst>
+              <a:ext uri="{FF2B5EF4-FFF2-40B4-BE49-F238E27FC236}">
+                <a16:creationId xmlns:a16="http://schemas.microsoft.com/office/drawing/2014/main" id="{5A67A754-7512-7241-A3C4-EF916CB6524E}"/>
+              </a:ext>
+            </a:extLst>
+          </p:cNvPr>
+          <p:cNvGrpSpPr/>
+          <p:nvPr/>
+        </p:nvGrpSpPr>
+        <p:grpSpPr>
+          <a:xfrm>
+            <a:off x="3522842" y="6213849"/>
+            <a:ext cx="4456446" cy="314253"/>
+            <a:chOff x="3583095" y="6029021"/>
+            <a:chExt cx="4456446" cy="314253"/>
+          </a:xfrm>
+        </p:grpSpPr>
+        <mc:AlternateContent xmlns:mc="http://schemas.openxmlformats.org/markup-compatibility/2006">
+          <mc:Choice xmlns:a14="http://schemas.microsoft.com/office/drawing/2010/main" Requires="a14">
+            <p:sp>
+              <p:nvSpPr>
+                <p:cNvPr id="37" name="TextBox 36">
+                  <a:extLst>
+                    <a:ext uri="{FF2B5EF4-FFF2-40B4-BE49-F238E27FC236}">
+                      <a16:creationId xmlns:a16="http://schemas.microsoft.com/office/drawing/2014/main" id="{0F39B06B-485D-733B-905A-1A76E96F72D8}"/>
+                    </a:ext>
+                  </a:extLst>
+                </p:cNvPr>
+                <p:cNvSpPr txBox="1"/>
+                <p:nvPr/>
+              </p:nvSpPr>
+              <p:spPr>
+                <a:xfrm>
+                  <a:off x="3583095" y="6029021"/>
+                  <a:ext cx="2108506" cy="314253"/>
+                </a:xfrm>
+                <a:prstGeom prst="rect">
+                  <a:avLst/>
+                </a:prstGeom>
+                <a:noFill/>
+              </p:spPr>
+              <p:txBody>
+                <a:bodyPr wrap="square" rtlCol="0">
+                  <a:spAutoFit/>
+                </a:bodyPr>
+                <a:lstStyle/>
+                <a:p>
+                  <a14:m>
+                    <m:oMathPara xmlns:m="http://schemas.openxmlformats.org/officeDocument/2006/math">
+                      <m:oMathParaPr>
+                        <m:jc m:val="centerGroup"/>
+                      </m:oMathParaPr>
+                      <m:oMath xmlns:m="http://schemas.openxmlformats.org/officeDocument/2006/math">
+                        <m:sSup>
+                          <m:sSupPr>
+                            <m:ctrlPr>
+                              <a:rPr lang="de-DE" sz="1400" b="0" i="1" smtClean="0">
+                                <a:latin typeface="Cambria Math" panose="02040503050406030204" pitchFamily="18" charset="0"/>
+                              </a:rPr>
+                            </m:ctrlPr>
+                          </m:sSupPr>
+                          <m:e>
+                            <m:d>
+                              <m:dPr>
+                                <m:ctrlPr>
+                                  <a:rPr lang="de-DE" sz="1400" b="0" i="1" smtClean="0">
+                                    <a:latin typeface="Cambria Math" panose="02040503050406030204" pitchFamily="18" charset="0"/>
+                                  </a:rPr>
+                                </m:ctrlPr>
+                              </m:dPr>
+                              <m:e>
+                                <m:sSup>
+                                  <m:sSupPr>
+                                    <m:ctrlPr>
+                                      <a:rPr lang="de-DE" sz="1400" b="0" i="1" smtClean="0">
+                                        <a:latin typeface="Cambria Math" panose="02040503050406030204" pitchFamily="18" charset="0"/>
+                                      </a:rPr>
+                                    </m:ctrlPr>
+                                  </m:sSupPr>
+                                  <m:e>
+                                    <m:r>
+                                      <a:rPr lang="de-DE" sz="1400" b="1" i="1" smtClean="0">
+                                        <a:latin typeface="Cambria Math" panose="02040503050406030204" pitchFamily="18" charset="0"/>
+                                      </a:rPr>
+                                      <m:t>𝜹</m:t>
+                                    </m:r>
+                                  </m:e>
+                                  <m:sup>
+                                    <m:r>
+                                      <a:rPr lang="de-DE" sz="1400" b="0" i="1" smtClean="0">
+                                        <a:latin typeface="Cambria Math" panose="02040503050406030204" pitchFamily="18" charset="0"/>
+                                      </a:rPr>
+                                      <m:t>1</m:t>
+                                    </m:r>
+                                  </m:sup>
+                                </m:sSup>
+                              </m:e>
+                            </m:d>
+                          </m:e>
+                          <m:sup>
+                            <m:r>
+                              <a:rPr lang="de-DE" sz="1400" b="0" i="1" smtClean="0">
+                                <a:latin typeface="Cambria Math" panose="02040503050406030204" pitchFamily="18" charset="0"/>
+                              </a:rPr>
+                              <m:t>𝑇</m:t>
+                            </m:r>
+                          </m:sup>
+                        </m:sSup>
+                        <m:r>
+                          <a:rPr lang="de-DE" sz="1400" b="1" i="1" smtClean="0">
+                            <a:latin typeface="Cambria Math" panose="02040503050406030204" pitchFamily="18" charset="0"/>
+                          </a:rPr>
+                          <m:t>=</m:t>
+                        </m:r>
+                        <m:sSup>
+                          <m:sSupPr>
+                            <m:ctrlPr>
+                              <a:rPr lang="de-DE" sz="1400" b="0" i="1" smtClean="0">
+                                <a:latin typeface="Cambria Math" panose="02040503050406030204" pitchFamily="18" charset="0"/>
+                              </a:rPr>
+                            </m:ctrlPr>
+                          </m:sSupPr>
+                          <m:e>
+                            <m:d>
+                              <m:dPr>
+                                <m:ctrlPr>
+                                  <a:rPr lang="de-DE" sz="1400" b="1" i="1" smtClean="0">
+                                    <a:latin typeface="Cambria Math" panose="02040503050406030204" pitchFamily="18" charset="0"/>
+                                  </a:rPr>
+                                </m:ctrlPr>
+                              </m:dPr>
+                              <m:e>
+                                <m:sSup>
+                                  <m:sSupPr>
+                                    <m:ctrlPr>
+                                      <a:rPr lang="de-DE" sz="1400" b="0" i="1" smtClean="0">
+                                        <a:latin typeface="Cambria Math" panose="02040503050406030204" pitchFamily="18" charset="0"/>
+                                      </a:rPr>
+                                    </m:ctrlPr>
+                                  </m:sSupPr>
+                                  <m:e>
+                                    <m:r>
+                                      <a:rPr lang="de-DE" sz="1400" b="1" i="1" smtClean="0">
+                                        <a:latin typeface="Cambria Math" panose="02040503050406030204" pitchFamily="18" charset="0"/>
+                                      </a:rPr>
+                                      <m:t>𝜹</m:t>
+                                    </m:r>
+                                  </m:e>
+                                  <m:sup>
+                                    <m:r>
+                                      <a:rPr lang="de-DE" sz="1400" b="0" i="1" smtClean="0">
+                                        <a:latin typeface="Cambria Math" panose="02040503050406030204" pitchFamily="18" charset="0"/>
+                                      </a:rPr>
+                                      <m:t>2</m:t>
+                                    </m:r>
+                                  </m:sup>
+                                </m:sSup>
+                              </m:e>
+                            </m:d>
+                          </m:e>
+                          <m:sup>
+                            <m:r>
+                              <a:rPr lang="de-DE" sz="1400" b="0" i="1" smtClean="0">
+                                <a:latin typeface="Cambria Math" panose="02040503050406030204" pitchFamily="18" charset="0"/>
+                              </a:rPr>
+                              <m:t>𝑇</m:t>
+                            </m:r>
+                          </m:sup>
+                        </m:sSup>
+                        <m:sSup>
+                          <m:sSupPr>
+                            <m:ctrlPr>
+                              <a:rPr lang="de-DE" sz="1400" b="0" i="1" smtClean="0">
+                                <a:latin typeface="Cambria Math" panose="02040503050406030204" pitchFamily="18" charset="0"/>
+                              </a:rPr>
+                            </m:ctrlPr>
+                          </m:sSupPr>
+                          <m:e>
+                            <m:r>
+                              <a:rPr lang="de-DE" sz="1400" b="1" i="1" smtClean="0">
+                                <a:latin typeface="Cambria Math" panose="02040503050406030204" pitchFamily="18" charset="0"/>
+                              </a:rPr>
+                              <m:t>𝑾</m:t>
+                            </m:r>
+                          </m:e>
+                          <m:sup>
+                            <m:r>
+                              <a:rPr lang="de-DE" sz="1400" b="0" i="1" smtClean="0">
+                                <a:latin typeface="Cambria Math" panose="02040503050406030204" pitchFamily="18" charset="0"/>
+                              </a:rPr>
+                              <m:t>2</m:t>
+                            </m:r>
+                          </m:sup>
+                        </m:sSup>
+                        <m:sSub>
+                          <m:sSubPr>
+                            <m:ctrlPr>
+                              <a:rPr lang="de-DE" sz="1400" b="1" i="1" smtClean="0">
+                                <a:latin typeface="Cambria Math" panose="02040503050406030204" pitchFamily="18" charset="0"/>
+                              </a:rPr>
+                            </m:ctrlPr>
+                          </m:sSubPr>
+                          <m:e>
+                            <m:r>
+                              <a:rPr lang="de-DE" sz="1400" b="1" i="1" smtClean="0">
+                                <a:latin typeface="Cambria Math" panose="02040503050406030204" pitchFamily="18" charset="0"/>
+                              </a:rPr>
+                              <m:t>𝑱</m:t>
+                            </m:r>
+                          </m:e>
+                          <m:sub>
+                            <m:sSup>
+                              <m:sSupPr>
+                                <m:ctrlPr>
+                                  <a:rPr lang="de-DE" sz="1400" b="0" i="1" smtClean="0">
+                                    <a:latin typeface="Cambria Math" panose="02040503050406030204" pitchFamily="18" charset="0"/>
+                                  </a:rPr>
+                                </m:ctrlPr>
+                              </m:sSupPr>
+                              <m:e>
+                                <m:r>
+                                  <a:rPr lang="de-DE" sz="1400" b="1" i="1" smtClean="0">
+                                    <a:latin typeface="Cambria Math" panose="02040503050406030204" pitchFamily="18" charset="0"/>
+                                  </a:rPr>
+                                  <m:t>𝒂</m:t>
+                                </m:r>
+                              </m:e>
+                              <m:sup>
+                                <m:r>
+                                  <a:rPr lang="de-DE" sz="1400" b="0" i="1" smtClean="0">
+                                    <a:latin typeface="Cambria Math" panose="02040503050406030204" pitchFamily="18" charset="0"/>
+                                  </a:rPr>
+                                  <m:t>1</m:t>
+                                </m:r>
+                              </m:sup>
+                            </m:sSup>
+                          </m:sub>
+                        </m:sSub>
+                        <m:d>
+                          <m:dPr>
+                            <m:ctrlPr>
+                              <a:rPr lang="de-DE" sz="1400" b="1" i="1" smtClean="0">
+                                <a:latin typeface="Cambria Math" panose="02040503050406030204" pitchFamily="18" charset="0"/>
+                              </a:rPr>
+                            </m:ctrlPr>
+                          </m:dPr>
+                          <m:e>
+                            <m:sSup>
+                              <m:sSupPr>
+                                <m:ctrlPr>
+                                  <a:rPr lang="de-DE" sz="1400" b="0" i="1" smtClean="0">
+                                    <a:latin typeface="Cambria Math" panose="02040503050406030204" pitchFamily="18" charset="0"/>
+                                  </a:rPr>
+                                </m:ctrlPr>
+                              </m:sSupPr>
+                              <m:e>
+                                <m:r>
+                                  <a:rPr lang="de-DE" sz="1400" b="1" i="1" smtClean="0">
+                                    <a:latin typeface="Cambria Math" panose="02040503050406030204" pitchFamily="18" charset="0"/>
+                                  </a:rPr>
+                                  <m:t>𝒛</m:t>
+                                </m:r>
+                              </m:e>
+                              <m:sup>
+                                <m:r>
+                                  <a:rPr lang="de-DE" sz="1400" b="0" i="1" smtClean="0">
+                                    <a:latin typeface="Cambria Math" panose="02040503050406030204" pitchFamily="18" charset="0"/>
+                                  </a:rPr>
+                                  <m:t>1</m:t>
+                                </m:r>
+                              </m:sup>
+                            </m:sSup>
+                          </m:e>
+                        </m:d>
+                      </m:oMath>
+                    </m:oMathPara>
+                  </a14:m>
+                  <a:endParaRPr lang="de-DE" sz="1400" dirty="0"/>
+                </a:p>
+              </p:txBody>
+            </p:sp>
+          </mc:Choice>
+          <mc:Fallback>
+            <p:sp>
+              <p:nvSpPr>
+                <p:cNvPr id="37" name="TextBox 36">
+                  <a:extLst>
+                    <a:ext uri="{FF2B5EF4-FFF2-40B4-BE49-F238E27FC236}">
+                      <a16:creationId xmlns:a16="http://schemas.microsoft.com/office/drawing/2014/main" id="{0F39B06B-485D-733B-905A-1A76E96F72D8}"/>
+                    </a:ext>
+                  </a:extLst>
+                </p:cNvPr>
+                <p:cNvSpPr txBox="1">
+                  <a:spLocks noRot="1" noChangeAspect="1" noMove="1" noResize="1" noEditPoints="1" noAdjustHandles="1" noChangeArrowheads="1" noChangeShapeType="1" noTextEdit="1"/>
+                </p:cNvSpPr>
+                <p:nvPr/>
+              </p:nvSpPr>
+              <p:spPr>
+                <a:xfrm>
+                  <a:off x="3583095" y="6029021"/>
+                  <a:ext cx="2108506" cy="314253"/>
+                </a:xfrm>
+                <a:prstGeom prst="rect">
+                  <a:avLst/>
+                </a:prstGeom>
+                <a:blipFill>
+                  <a:blip r:embed="rId10"/>
+                  <a:stretch>
+                    <a:fillRect b="-5769"/>
+                  </a:stretch>
+                </a:blipFill>
+              </p:spPr>
+              <p:txBody>
+                <a:bodyPr/>
+                <a:lstStyle/>
+                <a:p>
+                  <a:r>
+                    <a:rPr lang="de-DE">
+                      <a:noFill/>
+                    </a:rPr>
+                    <a:t> </a:t>
+                  </a:r>
+                </a:p>
+              </p:txBody>
+            </p:sp>
+          </mc:Fallback>
+        </mc:AlternateContent>
+        <p:sp>
+          <p:nvSpPr>
+            <p:cNvPr id="53" name="TextBox 52">
+              <a:extLst>
+                <a:ext uri="{FF2B5EF4-FFF2-40B4-BE49-F238E27FC236}">
+                  <a16:creationId xmlns:a16="http://schemas.microsoft.com/office/drawing/2014/main" id="{6E61D890-8D17-766A-8A4A-2E61B03CA79A}"/>
+                </a:ext>
+              </a:extLst>
+            </p:cNvPr>
+            <p:cNvSpPr txBox="1"/>
+            <p:nvPr/>
+          </p:nvSpPr>
+          <p:spPr>
+            <a:xfrm>
+              <a:off x="6483116" y="6032259"/>
+              <a:ext cx="1556425" cy="307777"/>
+            </a:xfrm>
+            <a:prstGeom prst="rect">
+              <a:avLst/>
+            </a:prstGeom>
+            <a:noFill/>
+          </p:spPr>
+          <p:txBody>
+            <a:bodyPr wrap="square" rtlCol="0">
+              <a:spAutoFit/>
+            </a:bodyPr>
+            <a:lstStyle/>
+            <a:p>
+              <a:pPr algn="l"/>
+              <a:r>
+                <a:rPr lang="de-DE" sz="1400" dirty="0"/>
+                <a:t>Fehler am Layer 1</a:t>
+              </a:r>
+            </a:p>
+          </p:txBody>
+        </p:sp>
+      </p:grpSp>
+      <p:grpSp>
+        <p:nvGrpSpPr>
+          <p:cNvPr id="55" name="Group 54">
+            <a:extLst>
+              <a:ext uri="{FF2B5EF4-FFF2-40B4-BE49-F238E27FC236}">
+                <a16:creationId xmlns:a16="http://schemas.microsoft.com/office/drawing/2014/main" id="{DC05E74F-8923-3D9A-3072-581A29D99477}"/>
+              </a:ext>
+            </a:extLst>
+          </p:cNvPr>
+          <p:cNvGrpSpPr/>
+          <p:nvPr/>
+        </p:nvGrpSpPr>
+        <p:grpSpPr>
+          <a:xfrm>
+            <a:off x="3522842" y="3572791"/>
+            <a:ext cx="6006637" cy="437421"/>
+            <a:chOff x="3589699" y="3572791"/>
+            <a:chExt cx="6006637" cy="437421"/>
+          </a:xfrm>
+        </p:grpSpPr>
+        <p:pic>
+          <p:nvPicPr>
+            <p:cNvPr id="18" name="Picture 17">
+              <a:extLst>
+                <a:ext uri="{FF2B5EF4-FFF2-40B4-BE49-F238E27FC236}">
+                  <a16:creationId xmlns:a16="http://schemas.microsoft.com/office/drawing/2014/main" id="{A63BCACA-AF3D-DA99-CA9B-D5ABC93F8458}"/>
+                </a:ext>
+              </a:extLst>
+            </p:cNvPr>
+            <p:cNvPicPr>
+              <a:picLocks noChangeAspect="1"/>
+            </p:cNvPicPr>
+            <p:nvPr/>
+          </p:nvPicPr>
+          <p:blipFill rotWithShape="1">
+            <a:blip r:embed="rId11"/>
+            <a:srcRect l="5044" t="18777" r="6990" b="15877"/>
+            <a:stretch/>
+          </p:blipFill>
+          <p:spPr>
+            <a:xfrm>
+              <a:off x="3589699" y="3572791"/>
+              <a:ext cx="2720896" cy="437421"/>
+            </a:xfrm>
+            <a:prstGeom prst="rect">
+              <a:avLst/>
+            </a:prstGeom>
+          </p:spPr>
+        </p:pic>
+        <p:sp>
+          <p:nvSpPr>
+            <p:cNvPr id="54" name="TextBox 53">
+              <a:extLst>
+                <a:ext uri="{FF2B5EF4-FFF2-40B4-BE49-F238E27FC236}">
+                  <a16:creationId xmlns:a16="http://schemas.microsoft.com/office/drawing/2014/main" id="{3979B7B7-115D-58E2-7121-E5A9A7025B49}"/>
+                </a:ext>
+              </a:extLst>
+            </p:cNvPr>
+            <p:cNvSpPr txBox="1"/>
+            <p:nvPr/>
+          </p:nvSpPr>
+          <p:spPr>
+            <a:xfrm>
+              <a:off x="6417600" y="3637613"/>
+              <a:ext cx="3178736" cy="307777"/>
+            </a:xfrm>
+            <a:prstGeom prst="rect">
+              <a:avLst/>
+            </a:prstGeom>
+            <a:noFill/>
+          </p:spPr>
+          <p:txBody>
+            <a:bodyPr wrap="square" rtlCol="0">
+              <a:spAutoFit/>
+            </a:bodyPr>
+            <a:lstStyle/>
+            <a:p>
+              <a:pPr algn="l"/>
+              <a:r>
+                <a:rPr lang="de-DE" sz="1400" dirty="0"/>
+                <a:t>Fehler an beliebigem Layer</a:t>
+              </a:r>
+            </a:p>
+          </p:txBody>
+        </p:sp>
+      </p:grpSp>
+      <p:sp>
+        <p:nvSpPr>
+          <p:cNvPr id="59" name="Right Brace 58">
+            <a:extLst>
+              <a:ext uri="{FF2B5EF4-FFF2-40B4-BE49-F238E27FC236}">
+                <a16:creationId xmlns:a16="http://schemas.microsoft.com/office/drawing/2014/main" id="{EBE94231-BF14-113C-AF32-00B6D6D0E68C}"/>
+              </a:ext>
+            </a:extLst>
+          </p:cNvPr>
+          <p:cNvSpPr/>
+          <p:nvPr/>
+        </p:nvSpPr>
         <p:spPr>
           <a:xfrm>
-            <a:off x="3807023" y="3630876"/>
-            <a:ext cx="470095" cy="270305"/>
+            <a:off x="8020454" y="4275306"/>
+            <a:ext cx="360000" cy="2304000"/>
+          </a:xfrm>
+          <a:prstGeom prst="rightBrace">
+            <a:avLst/>
+          </a:prstGeom>
+          <a:ln>
+            <a:solidFill>
+              <a:schemeClr val="tx1"/>
+            </a:solidFill>
+          </a:ln>
+        </p:spPr>
+        <p:style>
+          <a:lnRef idx="1">
+            <a:schemeClr val="accent1"/>
+          </a:lnRef>
+          <a:fillRef idx="0">
+            <a:schemeClr val="accent1"/>
+          </a:fillRef>
+          <a:effectRef idx="0">
+            <a:schemeClr val="accent1"/>
+          </a:effectRef>
+          <a:fontRef idx="minor">
+            <a:schemeClr val="tx1"/>
+          </a:fontRef>
+        </p:style>
+        <p:txBody>
+          <a:bodyPr rtlCol="0" anchor="ctr"/>
+          <a:lstStyle/>
+          <a:p>
+            <a:pPr algn="ctr"/>
+            <a:endParaRPr lang="de-DE"/>
+          </a:p>
+        </p:txBody>
+      </p:sp>
+      <p:sp>
+        <p:nvSpPr>
+          <p:cNvPr id="60" name="TextBox 59">
+            <a:extLst>
+              <a:ext uri="{FF2B5EF4-FFF2-40B4-BE49-F238E27FC236}">
+                <a16:creationId xmlns:a16="http://schemas.microsoft.com/office/drawing/2014/main" id="{FC56BFFA-C9EA-610A-BC23-E552ECC556C5}"/>
+              </a:ext>
+            </a:extLst>
+          </p:cNvPr>
+          <p:cNvSpPr txBox="1"/>
+          <p:nvPr/>
+        </p:nvSpPr>
+        <p:spPr>
+          <a:xfrm>
+            <a:off x="8530708" y="4649237"/>
+            <a:ext cx="2659197" cy="1600438"/>
           </a:xfrm>
           <a:prstGeom prst="rect">
             <a:avLst/>
           </a:prstGeom>
+          <a:noFill/>
         </p:spPr>
-      </p:pic>
+        <p:txBody>
+          <a:bodyPr wrap="square" rtlCol="0">
+            <a:spAutoFit/>
+          </a:bodyPr>
+          <a:lstStyle/>
+          <a:p>
+            <a:pPr marL="342900" indent="-342900" algn="l">
+              <a:buAutoNum type="arabicPeriod"/>
+            </a:pPr>
+            <a:r>
+              <a:rPr lang="de-DE" sz="1400" dirty="0"/>
+              <a:t>Fehler von Layer l+1 einsetzten</a:t>
+            </a:r>
+          </a:p>
+          <a:p>
+            <a:pPr marL="342900" indent="-342900" algn="l">
+              <a:buAutoNum type="arabicPeriod"/>
+            </a:pPr>
+            <a:r>
+              <a:rPr lang="de-DE" sz="1400" dirty="0"/>
+              <a:t>Fehler am Layer l ausrechen</a:t>
+            </a:r>
+          </a:p>
+          <a:p>
+            <a:pPr marL="342900" indent="-342900" algn="l">
+              <a:buAutoNum type="arabicPeriod"/>
+            </a:pPr>
+            <a:r>
+              <a:rPr lang="de-DE" sz="1400" dirty="0"/>
+              <a:t>Ein Layer zurückiterieren</a:t>
+            </a:r>
+          </a:p>
+          <a:p>
+            <a:pPr marL="342900" indent="-342900" algn="l">
+              <a:buAutoNum type="arabicPeriod"/>
+            </a:pPr>
+            <a:r>
+              <a:rPr lang="de-DE" sz="1400" dirty="0"/>
+              <a:t>Obige 3 Schritte bis zum Layer 1 wiederholden</a:t>
+            </a:r>
+          </a:p>
+          <a:p>
+            <a:pPr marL="342900" indent="-342900" algn="l">
+              <a:buAutoNum type="arabicPeriod"/>
+            </a:pPr>
+            <a:endParaRPr lang="de-DE" sz="1400" dirty="0"/>
+          </a:p>
+        </p:txBody>
+      </p:sp>
+      <p:cxnSp>
+        <p:nvCxnSpPr>
+          <p:cNvPr id="65" name="Straight Arrow Connector 64">
+            <a:extLst>
+              <a:ext uri="{FF2B5EF4-FFF2-40B4-BE49-F238E27FC236}">
+                <a16:creationId xmlns:a16="http://schemas.microsoft.com/office/drawing/2014/main" id="{076BE73C-B85E-F27D-5319-1258D8CDA9BA}"/>
+              </a:ext>
+            </a:extLst>
+          </p:cNvPr>
+          <p:cNvCxnSpPr/>
+          <p:nvPr/>
+        </p:nvCxnSpPr>
+        <p:spPr>
+          <a:xfrm>
+            <a:off x="3929974" y="4642929"/>
+            <a:ext cx="647121" cy="322041"/>
+          </a:xfrm>
+          <a:prstGeom prst="straightConnector1">
+            <a:avLst/>
+          </a:prstGeom>
+          <a:ln>
+            <a:solidFill>
+              <a:schemeClr val="tx1"/>
+            </a:solidFill>
+            <a:tailEnd type="triangle"/>
+          </a:ln>
+        </p:spPr>
+        <p:style>
+          <a:lnRef idx="1">
+            <a:schemeClr val="accent1"/>
+          </a:lnRef>
+          <a:fillRef idx="0">
+            <a:schemeClr val="accent1"/>
+          </a:fillRef>
+          <a:effectRef idx="0">
+            <a:schemeClr val="accent1"/>
+          </a:effectRef>
+          <a:fontRef idx="minor">
+            <a:schemeClr val="tx1"/>
+          </a:fontRef>
+        </p:style>
+      </p:cxnSp>
     </p:spTree>
     <p:extLst>
       <p:ext uri="{BB962C8B-B14F-4D97-AF65-F5344CB8AC3E}">
@@ -11465,9 +12678,6 @@
                     <p:cTn id="3" fill="hold">
                       <p:stCondLst>
                         <p:cond delay="indefinite"/>
-                        <p:cond evt="onBegin" delay="0">
-                          <p:tn val="2"/>
-                        </p:cond>
                       </p:stCondLst>
                       <p:childTnLst>
                         <p:par>
@@ -11477,7 +12687,7 @@
                             </p:stCondLst>
                             <p:childTnLst>
                               <p:par>
-                                <p:cTn id="5" presetID="1" presetClass="entr" presetSubtype="0" fill="hold" nodeType="withEffect">
+                                <p:cTn id="5" presetID="1" presetClass="entr" presetSubtype="0" fill="hold" nodeType="clickEffect">
                                   <p:stCondLst>
                                     <p:cond delay="0"/>
                                   </p:stCondLst>
@@ -11490,7 +12700,547 @@
                                           </p:stCondLst>
                                         </p:cTn>
                                         <p:tgtEl>
-                                          <p:spTgt spid="24"/>
+                                          <p:spTgt spid="25"/>
+                                        </p:tgtEl>
+                                        <p:attrNameLst>
+                                          <p:attrName>style.visibility</p:attrName>
+                                        </p:attrNameLst>
+                                      </p:cBhvr>
+                                      <p:to>
+                                        <p:strVal val="visible"/>
+                                      </p:to>
+                                    </p:set>
+                                  </p:childTnLst>
+                                </p:cTn>
+                              </p:par>
+                              <p:par>
+                                <p:cTn id="7" presetID="1" presetClass="entr" presetSubtype="0" fill="hold" nodeType="withEffect">
+                                  <p:stCondLst>
+                                    <p:cond delay="0"/>
+                                  </p:stCondLst>
+                                  <p:childTnLst>
+                                    <p:set>
+                                      <p:cBhvr>
+                                        <p:cTn id="8" dur="1" fill="hold">
+                                          <p:stCondLst>
+                                            <p:cond delay="0"/>
+                                          </p:stCondLst>
+                                        </p:cTn>
+                                        <p:tgtEl>
+                                          <p:spTgt spid="26"/>
+                                        </p:tgtEl>
+                                        <p:attrNameLst>
+                                          <p:attrName>style.visibility</p:attrName>
+                                        </p:attrNameLst>
+                                      </p:cBhvr>
+                                      <p:to>
+                                        <p:strVal val="visible"/>
+                                      </p:to>
+                                    </p:set>
+                                  </p:childTnLst>
+                                </p:cTn>
+                              </p:par>
+                              <p:par>
+                                <p:cTn id="9" presetID="1" presetClass="entr" presetSubtype="0" fill="hold" nodeType="withEffect">
+                                  <p:stCondLst>
+                                    <p:cond delay="0"/>
+                                  </p:stCondLst>
+                                  <p:childTnLst>
+                                    <p:set>
+                                      <p:cBhvr>
+                                        <p:cTn id="10" dur="1" fill="hold">
+                                          <p:stCondLst>
+                                            <p:cond delay="0"/>
+                                          </p:stCondLst>
+                                        </p:cTn>
+                                        <p:tgtEl>
+                                          <p:spTgt spid="27"/>
+                                        </p:tgtEl>
+                                        <p:attrNameLst>
+                                          <p:attrName>style.visibility</p:attrName>
+                                        </p:attrNameLst>
+                                      </p:cBhvr>
+                                      <p:to>
+                                        <p:strVal val="visible"/>
+                                      </p:to>
+                                    </p:set>
+                                  </p:childTnLst>
+                                </p:cTn>
+                              </p:par>
+                              <p:par>
+                                <p:cTn id="11" presetID="1" presetClass="entr" presetSubtype="0" fill="hold" grpId="0" nodeType="withEffect">
+                                  <p:stCondLst>
+                                    <p:cond delay="0"/>
+                                  </p:stCondLst>
+                                  <p:childTnLst>
+                                    <p:set>
+                                      <p:cBhvr>
+                                        <p:cTn id="12" dur="1" fill="hold">
+                                          <p:stCondLst>
+                                            <p:cond delay="0"/>
+                                          </p:stCondLst>
+                                        </p:cTn>
+                                        <p:tgtEl>
+                                          <p:spTgt spid="12"/>
+                                        </p:tgtEl>
+                                        <p:attrNameLst>
+                                          <p:attrName>style.visibility</p:attrName>
+                                        </p:attrNameLst>
+                                      </p:cBhvr>
+                                      <p:to>
+                                        <p:strVal val="visible"/>
+                                      </p:to>
+                                    </p:set>
+                                  </p:childTnLst>
+                                </p:cTn>
+                              </p:par>
+                              <p:par>
+                                <p:cTn id="13" presetID="1" presetClass="entr" presetSubtype="0" fill="hold" grpId="0" nodeType="withEffect">
+                                  <p:stCondLst>
+                                    <p:cond delay="0"/>
+                                  </p:stCondLst>
+                                  <p:childTnLst>
+                                    <p:set>
+                                      <p:cBhvr>
+                                        <p:cTn id="14" dur="1" fill="hold">
+                                          <p:stCondLst>
+                                            <p:cond delay="0"/>
+                                          </p:stCondLst>
+                                        </p:cTn>
+                                        <p:tgtEl>
+                                          <p:spTgt spid="15"/>
+                                        </p:tgtEl>
+                                        <p:attrNameLst>
+                                          <p:attrName>style.visibility</p:attrName>
+                                        </p:attrNameLst>
+                                      </p:cBhvr>
+                                      <p:to>
+                                        <p:strVal val="visible"/>
+                                      </p:to>
+                                    </p:set>
+                                  </p:childTnLst>
+                                </p:cTn>
+                              </p:par>
+                              <p:par>
+                                <p:cTn id="15" presetID="1" presetClass="entr" presetSubtype="0" fill="hold" grpId="0" nodeType="withEffect">
+                                  <p:stCondLst>
+                                    <p:cond delay="0"/>
+                                  </p:stCondLst>
+                                  <p:childTnLst>
+                                    <p:set>
+                                      <p:cBhvr>
+                                        <p:cTn id="16" dur="1" fill="hold">
+                                          <p:stCondLst>
+                                            <p:cond delay="0"/>
+                                          </p:stCondLst>
+                                        </p:cTn>
+                                        <p:tgtEl>
+                                          <p:spTgt spid="16"/>
+                                        </p:tgtEl>
+                                        <p:attrNameLst>
+                                          <p:attrName>style.visibility</p:attrName>
+                                        </p:attrNameLst>
+                                      </p:cBhvr>
+                                      <p:to>
+                                        <p:strVal val="visible"/>
+                                      </p:to>
+                                    </p:set>
+                                  </p:childTnLst>
+                                </p:cTn>
+                              </p:par>
+                            </p:childTnLst>
+                          </p:cTn>
+                        </p:par>
+                      </p:childTnLst>
+                    </p:cTn>
+                  </p:par>
+                  <p:par>
+                    <p:cTn id="17" fill="hold">
+                      <p:stCondLst>
+                        <p:cond delay="indefinite"/>
+                      </p:stCondLst>
+                      <p:childTnLst>
+                        <p:par>
+                          <p:cTn id="18" fill="hold">
+                            <p:stCondLst>
+                              <p:cond delay="0"/>
+                            </p:stCondLst>
+                            <p:childTnLst>
+                              <p:par>
+                                <p:cTn id="19" presetID="1" presetClass="entr" presetSubtype="0" fill="hold" grpId="0" nodeType="clickEffect">
+                                  <p:stCondLst>
+                                    <p:cond delay="0"/>
+                                  </p:stCondLst>
+                                  <p:childTnLst>
+                                    <p:set>
+                                      <p:cBhvr>
+                                        <p:cTn id="20" dur="1" fill="hold">
+                                          <p:stCondLst>
+                                            <p:cond delay="0"/>
+                                          </p:stCondLst>
+                                        </p:cTn>
+                                        <p:tgtEl>
+                                          <p:spTgt spid="20"/>
+                                        </p:tgtEl>
+                                        <p:attrNameLst>
+                                          <p:attrName>style.visibility</p:attrName>
+                                        </p:attrNameLst>
+                                      </p:cBhvr>
+                                      <p:to>
+                                        <p:strVal val="visible"/>
+                                      </p:to>
+                                    </p:set>
+                                  </p:childTnLst>
+                                </p:cTn>
+                              </p:par>
+                              <p:par>
+                                <p:cTn id="21" presetID="1" presetClass="entr" presetSubtype="0" fill="hold" nodeType="withEffect">
+                                  <p:stCondLst>
+                                    <p:cond delay="0"/>
+                                  </p:stCondLst>
+                                  <p:childTnLst>
+                                    <p:set>
+                                      <p:cBhvr>
+                                        <p:cTn id="22" dur="1" fill="hold">
+                                          <p:stCondLst>
+                                            <p:cond delay="0"/>
+                                          </p:stCondLst>
+                                        </p:cTn>
+                                        <p:tgtEl>
+                                          <p:spTgt spid="6"/>
+                                        </p:tgtEl>
+                                        <p:attrNameLst>
+                                          <p:attrName>style.visibility</p:attrName>
+                                        </p:attrNameLst>
+                                      </p:cBhvr>
+                                      <p:to>
+                                        <p:strVal val="visible"/>
+                                      </p:to>
+                                    </p:set>
+                                  </p:childTnLst>
+                                </p:cTn>
+                              </p:par>
+                            </p:childTnLst>
+                          </p:cTn>
+                        </p:par>
+                      </p:childTnLst>
+                    </p:cTn>
+                  </p:par>
+                  <p:par>
+                    <p:cTn id="23" fill="hold">
+                      <p:stCondLst>
+                        <p:cond delay="indefinite"/>
+                      </p:stCondLst>
+                      <p:childTnLst>
+                        <p:par>
+                          <p:cTn id="24" fill="hold">
+                            <p:stCondLst>
+                              <p:cond delay="0"/>
+                            </p:stCondLst>
+                            <p:childTnLst>
+                              <p:par>
+                                <p:cTn id="25" presetID="1" presetClass="entr" presetSubtype="0" fill="hold" grpId="0" nodeType="clickEffect">
+                                  <p:stCondLst>
+                                    <p:cond delay="0"/>
+                                  </p:stCondLst>
+                                  <p:childTnLst>
+                                    <p:set>
+                                      <p:cBhvr>
+                                        <p:cTn id="26" dur="1" fill="hold">
+                                          <p:stCondLst>
+                                            <p:cond delay="0"/>
+                                          </p:stCondLst>
+                                        </p:cTn>
+                                        <p:tgtEl>
+                                          <p:spTgt spid="21"/>
+                                        </p:tgtEl>
+                                        <p:attrNameLst>
+                                          <p:attrName>style.visibility</p:attrName>
+                                        </p:attrNameLst>
+                                      </p:cBhvr>
+                                      <p:to>
+                                        <p:strVal val="visible"/>
+                                      </p:to>
+                                    </p:set>
+                                  </p:childTnLst>
+                                </p:cTn>
+                              </p:par>
+                              <p:par>
+                                <p:cTn id="27" presetID="1" presetClass="entr" presetSubtype="0" fill="hold" nodeType="withEffect">
+                                  <p:stCondLst>
+                                    <p:cond delay="0"/>
+                                  </p:stCondLst>
+                                  <p:childTnLst>
+                                    <p:set>
+                                      <p:cBhvr>
+                                        <p:cTn id="28" dur="1" fill="hold">
+                                          <p:stCondLst>
+                                            <p:cond delay="0"/>
+                                          </p:stCondLst>
+                                        </p:cTn>
+                                        <p:tgtEl>
+                                          <p:spTgt spid="55"/>
+                                        </p:tgtEl>
+                                        <p:attrNameLst>
+                                          <p:attrName>style.visibility</p:attrName>
+                                        </p:attrNameLst>
+                                      </p:cBhvr>
+                                      <p:to>
+                                        <p:strVal val="visible"/>
+                                      </p:to>
+                                    </p:set>
+                                  </p:childTnLst>
+                                </p:cTn>
+                              </p:par>
+                            </p:childTnLst>
+                          </p:cTn>
+                        </p:par>
+                      </p:childTnLst>
+                    </p:cTn>
+                  </p:par>
+                  <p:par>
+                    <p:cTn id="29" fill="hold">
+                      <p:stCondLst>
+                        <p:cond delay="indefinite"/>
+                      </p:stCondLst>
+                      <p:childTnLst>
+                        <p:par>
+                          <p:cTn id="30" fill="hold">
+                            <p:stCondLst>
+                              <p:cond delay="0"/>
+                            </p:stCondLst>
+                            <p:childTnLst>
+                              <p:par>
+                                <p:cTn id="31" presetID="1" presetClass="entr" presetSubtype="0" fill="hold" nodeType="clickEffect">
+                                  <p:stCondLst>
+                                    <p:cond delay="0"/>
+                                  </p:stCondLst>
+                                  <p:childTnLst>
+                                    <p:set>
+                                      <p:cBhvr>
+                                        <p:cTn id="32" dur="1" fill="hold">
+                                          <p:stCondLst>
+                                            <p:cond delay="0"/>
+                                          </p:stCondLst>
+                                        </p:cTn>
+                                        <p:tgtEl>
+                                          <p:spTgt spid="56"/>
+                                        </p:tgtEl>
+                                        <p:attrNameLst>
+                                          <p:attrName>style.visibility</p:attrName>
+                                        </p:attrNameLst>
+                                      </p:cBhvr>
+                                      <p:to>
+                                        <p:strVal val="visible"/>
+                                      </p:to>
+                                    </p:set>
+                                  </p:childTnLst>
+                                </p:cTn>
+                              </p:par>
+                            </p:childTnLst>
+                          </p:cTn>
+                        </p:par>
+                      </p:childTnLst>
+                    </p:cTn>
+                  </p:par>
+                  <p:par>
+                    <p:cTn id="33" fill="hold">
+                      <p:stCondLst>
+                        <p:cond delay="indefinite"/>
+                      </p:stCondLst>
+                      <p:childTnLst>
+                        <p:par>
+                          <p:cTn id="34" fill="hold">
+                            <p:stCondLst>
+                              <p:cond delay="0"/>
+                            </p:stCondLst>
+                            <p:childTnLst>
+                              <p:par>
+                                <p:cTn id="35" presetID="1" presetClass="entr" presetSubtype="0" fill="hold" nodeType="clickEffect">
+                                  <p:stCondLst>
+                                    <p:cond delay="0"/>
+                                  </p:stCondLst>
+                                  <p:childTnLst>
+                                    <p:set>
+                                      <p:cBhvr>
+                                        <p:cTn id="36" dur="1" fill="hold">
+                                          <p:stCondLst>
+                                            <p:cond delay="0"/>
+                                          </p:stCondLst>
+                                        </p:cTn>
+                                        <p:tgtEl>
+                                          <p:spTgt spid="57"/>
+                                        </p:tgtEl>
+                                        <p:attrNameLst>
+                                          <p:attrName>style.visibility</p:attrName>
+                                        </p:attrNameLst>
+                                      </p:cBhvr>
+                                      <p:to>
+                                        <p:strVal val="visible"/>
+                                      </p:to>
+                                    </p:set>
+                                  </p:childTnLst>
+                                </p:cTn>
+                              </p:par>
+                              <p:par>
+                                <p:cTn id="37" presetID="1" presetClass="entr" presetSubtype="0" fill="hold" nodeType="withEffect">
+                                  <p:stCondLst>
+                                    <p:cond delay="0"/>
+                                  </p:stCondLst>
+                                  <p:childTnLst>
+                                    <p:set>
+                                      <p:cBhvr>
+                                        <p:cTn id="38" dur="1" fill="hold">
+                                          <p:stCondLst>
+                                            <p:cond delay="0"/>
+                                          </p:stCondLst>
+                                        </p:cTn>
+                                        <p:tgtEl>
+                                          <p:spTgt spid="65"/>
+                                        </p:tgtEl>
+                                        <p:attrNameLst>
+                                          <p:attrName>style.visibility</p:attrName>
+                                        </p:attrNameLst>
+                                      </p:cBhvr>
+                                      <p:to>
+                                        <p:strVal val="visible"/>
+                                      </p:to>
+                                    </p:set>
+                                  </p:childTnLst>
+                                </p:cTn>
+                              </p:par>
+                            </p:childTnLst>
+                          </p:cTn>
+                        </p:par>
+                      </p:childTnLst>
+                    </p:cTn>
+                  </p:par>
+                  <p:par>
+                    <p:cTn id="39" fill="hold">
+                      <p:stCondLst>
+                        <p:cond delay="indefinite"/>
+                      </p:stCondLst>
+                      <p:childTnLst>
+                        <p:par>
+                          <p:cTn id="40" fill="hold">
+                            <p:stCondLst>
+                              <p:cond delay="0"/>
+                            </p:stCondLst>
+                            <p:childTnLst>
+                              <p:par>
+                                <p:cTn id="41" presetID="1" presetClass="entr" presetSubtype="0" fill="hold" grpId="0" nodeType="clickEffect">
+                                  <p:stCondLst>
+                                    <p:cond delay="0"/>
+                                  </p:stCondLst>
+                                  <p:childTnLst>
+                                    <p:set>
+                                      <p:cBhvr>
+                                        <p:cTn id="42" dur="1" fill="hold">
+                                          <p:stCondLst>
+                                            <p:cond delay="0"/>
+                                          </p:stCondLst>
+                                        </p:cTn>
+                                        <p:tgtEl>
+                                          <p:spTgt spid="38"/>
+                                        </p:tgtEl>
+                                        <p:attrNameLst>
+                                          <p:attrName>style.visibility</p:attrName>
+                                        </p:attrNameLst>
+                                      </p:cBhvr>
+                                      <p:to>
+                                        <p:strVal val="visible"/>
+                                      </p:to>
+                                    </p:set>
+                                  </p:childTnLst>
+                                </p:cTn>
+                              </p:par>
+                              <p:par>
+                                <p:cTn id="43" presetID="1" presetClass="entr" presetSubtype="0" fill="hold" nodeType="withEffect">
+                                  <p:stCondLst>
+                                    <p:cond delay="0"/>
+                                  </p:stCondLst>
+                                  <p:childTnLst>
+                                    <p:set>
+                                      <p:cBhvr>
+                                        <p:cTn id="44" dur="1" fill="hold">
+                                          <p:stCondLst>
+                                            <p:cond delay="0"/>
+                                          </p:stCondLst>
+                                        </p:cTn>
+                                        <p:tgtEl>
+                                          <p:spTgt spid="58"/>
+                                        </p:tgtEl>
+                                        <p:attrNameLst>
+                                          <p:attrName>style.visibility</p:attrName>
+                                        </p:attrNameLst>
+                                      </p:cBhvr>
+                                      <p:to>
+                                        <p:strVal val="visible"/>
+                                      </p:to>
+                                    </p:set>
+                                  </p:childTnLst>
+                                </p:cTn>
+                              </p:par>
+                            </p:childTnLst>
+                          </p:cTn>
+                        </p:par>
+                      </p:childTnLst>
+                    </p:cTn>
+                  </p:par>
+                  <p:par>
+                    <p:cTn id="45" fill="hold">
+                      <p:stCondLst>
+                        <p:cond delay="indefinite"/>
+                      </p:stCondLst>
+                      <p:childTnLst>
+                        <p:par>
+                          <p:cTn id="46" fill="hold">
+                            <p:stCondLst>
+                              <p:cond delay="0"/>
+                            </p:stCondLst>
+                            <p:childTnLst>
+                              <p:par>
+                                <p:cTn id="47" presetID="1" presetClass="entr" presetSubtype="0" fill="hold" grpId="0" nodeType="clickEffect">
+                                  <p:stCondLst>
+                                    <p:cond delay="0"/>
+                                  </p:stCondLst>
+                                  <p:childTnLst>
+                                    <p:set>
+                                      <p:cBhvr>
+                                        <p:cTn id="48" dur="1" fill="hold">
+                                          <p:stCondLst>
+                                            <p:cond delay="0"/>
+                                          </p:stCondLst>
+                                        </p:cTn>
+                                        <p:tgtEl>
+                                          <p:spTgt spid="59"/>
+                                        </p:tgtEl>
+                                        <p:attrNameLst>
+                                          <p:attrName>style.visibility</p:attrName>
+                                        </p:attrNameLst>
+                                      </p:cBhvr>
+                                      <p:to>
+                                        <p:strVal val="visible"/>
+                                      </p:to>
+                                    </p:set>
+                                  </p:childTnLst>
+                                </p:cTn>
+                              </p:par>
+                              <p:par>
+                                <p:cTn id="49" presetID="1" presetClass="entr" presetSubtype="0" fill="hold" grpId="0" nodeType="withEffect">
+                                  <p:stCondLst>
+                                    <p:cond delay="0"/>
+                                  </p:stCondLst>
+                                  <p:childTnLst>
+                                    <p:set>
+                                      <p:cBhvr>
+                                        <p:cTn id="50" dur="1" fill="hold">
+                                          <p:stCondLst>
+                                            <p:cond delay="0"/>
+                                          </p:stCondLst>
+                                        </p:cTn>
+                                        <p:tgtEl>
+                                          <p:spTgt spid="60"/>
                                         </p:tgtEl>
                                         <p:attrNameLst>
                                           <p:attrName>style.visibility</p:attrName>
@@ -11530,11 +13280,1045 @@
         </p:cTn>
       </p:par>
     </p:tnLst>
+    <p:bldLst>
+      <p:bldP spid="12" grpId="0"/>
+      <p:bldP spid="15" grpId="0" animBg="1"/>
+      <p:bldP spid="16" grpId="0" animBg="1"/>
+      <p:bldP spid="20" grpId="0"/>
+      <p:bldP spid="21" grpId="0"/>
+      <p:bldP spid="38" grpId="0"/>
+      <p:bldP spid="59" grpId="0" animBg="1"/>
+      <p:bldP spid="60" grpId="0"/>
+    </p:bldLst>
   </p:timing>
 </p:sld>
 </file>
 
 <file path=ppt/slides/slide18.xml><?xml version="1.0" encoding="utf-8"?>
+<p:sld xmlns:a="http://schemas.openxmlformats.org/drawingml/2006/main" xmlns:r="http://schemas.openxmlformats.org/officeDocument/2006/relationships" xmlns:p="http://schemas.openxmlformats.org/presentationml/2006/main">
+  <p:cSld>
+    <p:spTree>
+      <p:nvGrpSpPr>
+        <p:cNvPr id="1" name=""/>
+        <p:cNvGrpSpPr/>
+        <p:nvPr/>
+      </p:nvGrpSpPr>
+      <p:grpSpPr>
+        <a:xfrm>
+          <a:off x="0" y="0"/>
+          <a:ext cx="0" cy="0"/>
+          <a:chOff x="0" y="0"/>
+          <a:chExt cx="0" cy="0"/>
+        </a:xfrm>
+      </p:grpSpPr>
+      <p:sp>
+        <p:nvSpPr>
+          <p:cNvPr id="2" name="Titel 1">
+            <a:extLst>
+              <a:ext uri="{FF2B5EF4-FFF2-40B4-BE49-F238E27FC236}">
+                <a16:creationId xmlns:a16="http://schemas.microsoft.com/office/drawing/2014/main" id="{2911F67F-327B-4C51-B9E3-A1D3BCC720A5}"/>
+              </a:ext>
+            </a:extLst>
+          </p:cNvPr>
+          <p:cNvSpPr>
+            <a:spLocks noGrp="1"/>
+          </p:cNvSpPr>
+          <p:nvPr>
+            <p:ph type="title"/>
+          </p:nvPr>
+        </p:nvSpPr>
+        <p:spPr>
+          <a:xfrm>
+            <a:off x="838200" y="365125"/>
+            <a:ext cx="10515600" cy="1325563"/>
+          </a:xfrm>
+        </p:spPr>
+        <p:txBody>
+          <a:bodyPr/>
+          <a:lstStyle/>
+          <a:p>
+            <a:r>
+              <a:rPr lang="de-DE" dirty="0"/>
+              <a:t>Mathematische Herleitungen</a:t>
+            </a:r>
+            <a:br>
+              <a:rPr lang="de-DE" dirty="0"/>
+            </a:br>
+            <a:r>
+              <a:rPr lang="de-DE" sz="2400" dirty="0"/>
+              <a:t>Lern-Algorithmus für ein einzelnes Datum (2)</a:t>
+            </a:r>
+            <a:endParaRPr lang="de-DE" dirty="0"/>
+          </a:p>
+        </p:txBody>
+      </p:sp>
+      <mc:AlternateContent xmlns:mc="http://schemas.openxmlformats.org/markup-compatibility/2006">
+        <mc:Choice xmlns:a14="http://schemas.microsoft.com/office/drawing/2010/main" Requires="a14">
+          <p:sp>
+            <p:nvSpPr>
+              <p:cNvPr id="22" name="TextBox 21">
+                <a:extLst>
+                  <a:ext uri="{FF2B5EF4-FFF2-40B4-BE49-F238E27FC236}">
+                    <a16:creationId xmlns:a16="http://schemas.microsoft.com/office/drawing/2014/main" id="{EE1ACD2D-9CC3-D8DF-49EE-C773B3DB0CC3}"/>
+                  </a:ext>
+                </a:extLst>
+              </p:cNvPr>
+              <p:cNvSpPr txBox="1"/>
+              <p:nvPr/>
+            </p:nvSpPr>
+            <p:spPr>
+              <a:xfrm>
+                <a:off x="407951" y="2194042"/>
+                <a:ext cx="3205875" cy="523220"/>
+              </a:xfrm>
+              <a:prstGeom prst="rect">
+                <a:avLst/>
+              </a:prstGeom>
+              <a:noFill/>
+            </p:spPr>
+            <p:txBody>
+              <a:bodyPr wrap="square" rtlCol="0">
+                <a:spAutoFit/>
+              </a:bodyPr>
+              <a:lstStyle/>
+              <a:p>
+                <a:pPr algn="l"/>
+                <a:r>
+                  <a:rPr lang="de-DE" sz="1400" dirty="0"/>
+                  <a:t>4.1. Gewichtsgradienten bei jedem Layer</a:t>
+                </a:r>
+              </a:p>
+              <a:p>
+                <a:pPr algn="l"/>
+                <a:r>
+                  <a:rPr lang="de-DE" sz="1400" dirty="0"/>
+                  <a:t> </a:t>
+                </a:r>
+                <a14:m>
+                  <m:oMath xmlns:m="http://schemas.openxmlformats.org/officeDocument/2006/math">
+                    <m:r>
+                      <a:rPr lang="de-DE" sz="1400" b="0" i="1" smtClean="0">
+                        <a:latin typeface="Cambria Math" panose="02040503050406030204" pitchFamily="18" charset="0"/>
+                      </a:rPr>
+                      <m:t>𝑙</m:t>
+                    </m:r>
+                    <m:r>
+                      <a:rPr lang="de-DE" sz="1400" b="0" i="1" smtClean="0">
+                        <a:latin typeface="Cambria Math" panose="02040503050406030204" pitchFamily="18" charset="0"/>
+                      </a:rPr>
+                      <m:t>=</m:t>
+                    </m:r>
+                    <m:r>
+                      <a:rPr lang="de-DE" sz="1400" b="0" i="1" smtClean="0">
+                        <a:latin typeface="Cambria Math" panose="02040503050406030204" pitchFamily="18" charset="0"/>
+                      </a:rPr>
+                      <m:t>𝐿</m:t>
+                    </m:r>
+                    <m:r>
+                      <a:rPr lang="de-DE" sz="1400" b="0" i="1" smtClean="0">
+                        <a:latin typeface="Cambria Math" panose="02040503050406030204" pitchFamily="18" charset="0"/>
+                      </a:rPr>
+                      <m:t>, </m:t>
+                    </m:r>
+                    <m:d>
+                      <m:dPr>
+                        <m:ctrlPr>
+                          <a:rPr lang="de-DE" sz="1400" b="0" i="1" smtClean="0">
+                            <a:latin typeface="Cambria Math" panose="02040503050406030204" pitchFamily="18" charset="0"/>
+                          </a:rPr>
+                        </m:ctrlPr>
+                      </m:dPr>
+                      <m:e>
+                        <m:r>
+                          <a:rPr lang="de-DE" sz="1400" b="0" i="1" smtClean="0">
+                            <a:latin typeface="Cambria Math" panose="02040503050406030204" pitchFamily="18" charset="0"/>
+                          </a:rPr>
+                          <m:t>𝐿</m:t>
+                        </m:r>
+                        <m:r>
+                          <a:rPr lang="de-DE" sz="1400" b="0" i="1" smtClean="0">
+                            <a:latin typeface="Cambria Math" panose="02040503050406030204" pitchFamily="18" charset="0"/>
+                          </a:rPr>
+                          <m:t>−1</m:t>
+                        </m:r>
+                      </m:e>
+                    </m:d>
+                    <m:r>
+                      <a:rPr lang="de-DE" sz="1400" b="0" i="1" smtClean="0">
+                        <a:latin typeface="Cambria Math" panose="02040503050406030204" pitchFamily="18" charset="0"/>
+                      </a:rPr>
+                      <m:t>, …, 1</m:t>
+                    </m:r>
+                  </m:oMath>
+                </a14:m>
+                <a:endParaRPr lang="de-DE" sz="1400" dirty="0"/>
+              </a:p>
+            </p:txBody>
+          </p:sp>
+        </mc:Choice>
+        <mc:Fallback>
+          <p:sp>
+            <p:nvSpPr>
+              <p:cNvPr id="22" name="TextBox 21">
+                <a:extLst>
+                  <a:ext uri="{FF2B5EF4-FFF2-40B4-BE49-F238E27FC236}">
+                    <a16:creationId xmlns:a16="http://schemas.microsoft.com/office/drawing/2014/main" id="{EE1ACD2D-9CC3-D8DF-49EE-C773B3DB0CC3}"/>
+                  </a:ext>
+                </a:extLst>
+              </p:cNvPr>
+              <p:cNvSpPr txBox="1">
+                <a:spLocks noRot="1" noChangeAspect="1" noMove="1" noResize="1" noEditPoints="1" noAdjustHandles="1" noChangeArrowheads="1" noChangeShapeType="1" noTextEdit="1"/>
+              </p:cNvSpPr>
+              <p:nvPr/>
+            </p:nvSpPr>
+            <p:spPr>
+              <a:xfrm>
+                <a:off x="407951" y="2194042"/>
+                <a:ext cx="3205875" cy="523220"/>
+              </a:xfrm>
+              <a:prstGeom prst="rect">
+                <a:avLst/>
+              </a:prstGeom>
+              <a:blipFill>
+                <a:blip r:embed="rId3"/>
+                <a:stretch>
+                  <a:fillRect l="-570" t="-2326"/>
+                </a:stretch>
+              </a:blipFill>
+            </p:spPr>
+            <p:txBody>
+              <a:bodyPr/>
+              <a:lstStyle/>
+              <a:p>
+                <a:r>
+                  <a:rPr lang="de-DE">
+                    <a:noFill/>
+                  </a:rPr>
+                  <a:t> </a:t>
+                </a:r>
+              </a:p>
+            </p:txBody>
+          </p:sp>
+        </mc:Fallback>
+      </mc:AlternateContent>
+      <mc:AlternateContent xmlns:mc="http://schemas.openxmlformats.org/markup-compatibility/2006">
+        <mc:Choice xmlns:a14="http://schemas.microsoft.com/office/drawing/2010/main" Requires="a14">
+          <p:sp>
+            <p:nvSpPr>
+              <p:cNvPr id="23" name="TextBox 22">
+                <a:extLst>
+                  <a:ext uri="{FF2B5EF4-FFF2-40B4-BE49-F238E27FC236}">
+                    <a16:creationId xmlns:a16="http://schemas.microsoft.com/office/drawing/2014/main" id="{36FF1B49-A230-4FEA-27B9-0B64D2AAAA56}"/>
+                  </a:ext>
+                </a:extLst>
+              </p:cNvPr>
+              <p:cNvSpPr txBox="1"/>
+              <p:nvPr/>
+            </p:nvSpPr>
+            <p:spPr>
+              <a:xfrm>
+                <a:off x="407952" y="5197503"/>
+                <a:ext cx="3171827" cy="523220"/>
+              </a:xfrm>
+              <a:prstGeom prst="rect">
+                <a:avLst/>
+              </a:prstGeom>
+              <a:noFill/>
+            </p:spPr>
+            <p:txBody>
+              <a:bodyPr wrap="square" rtlCol="0">
+                <a:spAutoFit/>
+              </a:bodyPr>
+              <a:lstStyle/>
+              <a:p>
+                <a:pPr algn="l"/>
+                <a:r>
+                  <a:rPr lang="de-DE" sz="1400" dirty="0"/>
+                  <a:t>5. Parameter Updates bei jedem Layer</a:t>
+                </a:r>
+              </a:p>
+              <a:p>
+                <a:pPr algn="l"/>
+                <a:r>
+                  <a:rPr lang="de-DE" sz="1400" dirty="0"/>
+                  <a:t> </a:t>
+                </a:r>
+                <a14:m>
+                  <m:oMath xmlns:m="http://schemas.openxmlformats.org/officeDocument/2006/math">
+                    <m:r>
+                      <a:rPr lang="de-DE" sz="1400" b="0" i="1" smtClean="0">
+                        <a:latin typeface="Cambria Math" panose="02040503050406030204" pitchFamily="18" charset="0"/>
+                      </a:rPr>
+                      <m:t>𝑙</m:t>
+                    </m:r>
+                    <m:r>
+                      <a:rPr lang="de-DE" sz="1400" b="0" i="1" smtClean="0">
+                        <a:latin typeface="Cambria Math" panose="02040503050406030204" pitchFamily="18" charset="0"/>
+                      </a:rPr>
+                      <m:t>=</m:t>
+                    </m:r>
+                    <m:r>
+                      <a:rPr lang="de-DE" sz="1400" b="0" i="1" smtClean="0">
+                        <a:latin typeface="Cambria Math" panose="02040503050406030204" pitchFamily="18" charset="0"/>
+                      </a:rPr>
+                      <m:t>𝐿</m:t>
+                    </m:r>
+                    <m:r>
+                      <a:rPr lang="de-DE" sz="1400" b="0" i="1" smtClean="0">
+                        <a:latin typeface="Cambria Math" panose="02040503050406030204" pitchFamily="18" charset="0"/>
+                      </a:rPr>
+                      <m:t>, </m:t>
+                    </m:r>
+                    <m:d>
+                      <m:dPr>
+                        <m:ctrlPr>
+                          <a:rPr lang="de-DE" sz="1400" b="0" i="1" smtClean="0">
+                            <a:latin typeface="Cambria Math" panose="02040503050406030204" pitchFamily="18" charset="0"/>
+                          </a:rPr>
+                        </m:ctrlPr>
+                      </m:dPr>
+                      <m:e>
+                        <m:r>
+                          <a:rPr lang="de-DE" sz="1400" b="0" i="1" smtClean="0">
+                            <a:latin typeface="Cambria Math" panose="02040503050406030204" pitchFamily="18" charset="0"/>
+                          </a:rPr>
+                          <m:t>𝐿</m:t>
+                        </m:r>
+                        <m:r>
+                          <a:rPr lang="de-DE" sz="1400" b="0" i="1" smtClean="0">
+                            <a:latin typeface="Cambria Math" panose="02040503050406030204" pitchFamily="18" charset="0"/>
+                          </a:rPr>
+                          <m:t>−1</m:t>
+                        </m:r>
+                      </m:e>
+                    </m:d>
+                    <m:r>
+                      <a:rPr lang="de-DE" sz="1400" b="0" i="1" smtClean="0">
+                        <a:latin typeface="Cambria Math" panose="02040503050406030204" pitchFamily="18" charset="0"/>
+                      </a:rPr>
+                      <m:t>, …, 1</m:t>
+                    </m:r>
+                  </m:oMath>
+                </a14:m>
+                <a:endParaRPr lang="de-DE" sz="1400" dirty="0"/>
+              </a:p>
+            </p:txBody>
+          </p:sp>
+        </mc:Choice>
+        <mc:Fallback>
+          <p:sp>
+            <p:nvSpPr>
+              <p:cNvPr id="23" name="TextBox 22">
+                <a:extLst>
+                  <a:ext uri="{FF2B5EF4-FFF2-40B4-BE49-F238E27FC236}">
+                    <a16:creationId xmlns:a16="http://schemas.microsoft.com/office/drawing/2014/main" id="{36FF1B49-A230-4FEA-27B9-0B64D2AAAA56}"/>
+                  </a:ext>
+                </a:extLst>
+              </p:cNvPr>
+              <p:cNvSpPr txBox="1">
+                <a:spLocks noRot="1" noChangeAspect="1" noMove="1" noResize="1" noEditPoints="1" noAdjustHandles="1" noChangeArrowheads="1" noChangeShapeType="1" noTextEdit="1"/>
+              </p:cNvSpPr>
+              <p:nvPr/>
+            </p:nvSpPr>
+            <p:spPr>
+              <a:xfrm>
+                <a:off x="407952" y="5197503"/>
+                <a:ext cx="3171827" cy="523220"/>
+              </a:xfrm>
+              <a:prstGeom prst="rect">
+                <a:avLst/>
+              </a:prstGeom>
+              <a:blipFill>
+                <a:blip r:embed="rId4"/>
+                <a:stretch>
+                  <a:fillRect l="-577" t="-2353"/>
+                </a:stretch>
+              </a:blipFill>
+            </p:spPr>
+            <p:txBody>
+              <a:bodyPr/>
+              <a:lstStyle/>
+              <a:p>
+                <a:r>
+                  <a:rPr lang="de-DE">
+                    <a:noFill/>
+                  </a:rPr>
+                  <a:t> </a:t>
+                </a:r>
+              </a:p>
+            </p:txBody>
+          </p:sp>
+        </mc:Fallback>
+      </mc:AlternateContent>
+      <p:pic>
+        <p:nvPicPr>
+          <p:cNvPr id="4" name="Picture 3">
+            <a:extLst>
+              <a:ext uri="{FF2B5EF4-FFF2-40B4-BE49-F238E27FC236}">
+                <a16:creationId xmlns:a16="http://schemas.microsoft.com/office/drawing/2014/main" id="{B8065177-A066-652E-F804-66C57BD4730D}"/>
+              </a:ext>
+            </a:extLst>
+          </p:cNvPr>
+          <p:cNvPicPr>
+            <a:picLocks noChangeAspect="1"/>
+          </p:cNvPicPr>
+          <p:nvPr/>
+        </p:nvPicPr>
+        <p:blipFill rotWithShape="1">
+          <a:blip r:embed="rId5"/>
+          <a:srcRect l="2972" t="6363" r="43916" b="15577"/>
+          <a:stretch/>
+        </p:blipFill>
+        <p:spPr>
+          <a:xfrm>
+            <a:off x="4078758" y="2144063"/>
+            <a:ext cx="1940667" cy="623178"/>
+          </a:xfrm>
+          <a:prstGeom prst="rect">
+            <a:avLst/>
+          </a:prstGeom>
+        </p:spPr>
+      </p:pic>
+      <p:pic>
+        <p:nvPicPr>
+          <p:cNvPr id="7" name="Picture 6">
+            <a:extLst>
+              <a:ext uri="{FF2B5EF4-FFF2-40B4-BE49-F238E27FC236}">
+                <a16:creationId xmlns:a16="http://schemas.microsoft.com/office/drawing/2014/main" id="{04E73A13-408C-FDA8-E1F8-2CEE48E9DCF0}"/>
+              </a:ext>
+            </a:extLst>
+          </p:cNvPr>
+          <p:cNvPicPr>
+            <a:picLocks noChangeAspect="1"/>
+          </p:cNvPicPr>
+          <p:nvPr/>
+        </p:nvPicPr>
+        <p:blipFill rotWithShape="1">
+          <a:blip r:embed="rId6"/>
+          <a:srcRect l="6916" t="5868" r="4792" b="6792"/>
+          <a:stretch/>
+        </p:blipFill>
+        <p:spPr>
+          <a:xfrm>
+            <a:off x="6162471" y="1864291"/>
+            <a:ext cx="3035029" cy="1182722"/>
+          </a:xfrm>
+          <a:prstGeom prst="rect">
+            <a:avLst/>
+          </a:prstGeom>
+        </p:spPr>
+      </p:pic>
+      <mc:AlternateContent xmlns:mc="http://schemas.openxmlformats.org/markup-compatibility/2006">
+        <mc:Choice xmlns:a14="http://schemas.microsoft.com/office/drawing/2010/main" Requires="a14">
+          <p:sp>
+            <p:nvSpPr>
+              <p:cNvPr id="56" name="TextBox 55">
+                <a:extLst>
+                  <a:ext uri="{FF2B5EF4-FFF2-40B4-BE49-F238E27FC236}">
+                    <a16:creationId xmlns:a16="http://schemas.microsoft.com/office/drawing/2014/main" id="{A7E24FB6-E554-18F9-3005-44A4E28706A2}"/>
+                  </a:ext>
+                </a:extLst>
+              </p:cNvPr>
+              <p:cNvSpPr txBox="1"/>
+              <p:nvPr/>
+            </p:nvSpPr>
+            <p:spPr>
+              <a:xfrm>
+                <a:off x="407951" y="3674088"/>
+                <a:ext cx="2977275" cy="523220"/>
+              </a:xfrm>
+              <a:prstGeom prst="rect">
+                <a:avLst/>
+              </a:prstGeom>
+              <a:noFill/>
+            </p:spPr>
+            <p:txBody>
+              <a:bodyPr wrap="square" rtlCol="0">
+                <a:spAutoFit/>
+              </a:bodyPr>
+              <a:lstStyle/>
+              <a:p>
+                <a:pPr algn="l"/>
+                <a:r>
+                  <a:rPr lang="de-DE" sz="1400" dirty="0"/>
+                  <a:t>4.2. Biasgradienten bei jedem Layer</a:t>
+                </a:r>
+              </a:p>
+              <a:p>
+                <a:pPr algn="l"/>
+                <a:r>
+                  <a:rPr lang="de-DE" sz="1400" dirty="0"/>
+                  <a:t> </a:t>
+                </a:r>
+                <a14:m>
+                  <m:oMath xmlns:m="http://schemas.openxmlformats.org/officeDocument/2006/math">
+                    <m:r>
+                      <a:rPr lang="de-DE" sz="1400" b="0" i="1" smtClean="0">
+                        <a:latin typeface="Cambria Math" panose="02040503050406030204" pitchFamily="18" charset="0"/>
+                      </a:rPr>
+                      <m:t>𝑙</m:t>
+                    </m:r>
+                    <m:r>
+                      <a:rPr lang="de-DE" sz="1400" b="0" i="1" smtClean="0">
+                        <a:latin typeface="Cambria Math" panose="02040503050406030204" pitchFamily="18" charset="0"/>
+                      </a:rPr>
+                      <m:t>=</m:t>
+                    </m:r>
+                    <m:r>
+                      <a:rPr lang="de-DE" sz="1400" b="0" i="1" smtClean="0">
+                        <a:latin typeface="Cambria Math" panose="02040503050406030204" pitchFamily="18" charset="0"/>
+                      </a:rPr>
+                      <m:t>𝐿</m:t>
+                    </m:r>
+                    <m:r>
+                      <a:rPr lang="de-DE" sz="1400" b="0" i="1" smtClean="0">
+                        <a:latin typeface="Cambria Math" panose="02040503050406030204" pitchFamily="18" charset="0"/>
+                      </a:rPr>
+                      <m:t>, </m:t>
+                    </m:r>
+                    <m:d>
+                      <m:dPr>
+                        <m:ctrlPr>
+                          <a:rPr lang="de-DE" sz="1400" b="0" i="1" smtClean="0">
+                            <a:latin typeface="Cambria Math" panose="02040503050406030204" pitchFamily="18" charset="0"/>
+                          </a:rPr>
+                        </m:ctrlPr>
+                      </m:dPr>
+                      <m:e>
+                        <m:r>
+                          <a:rPr lang="de-DE" sz="1400" b="0" i="1" smtClean="0">
+                            <a:latin typeface="Cambria Math" panose="02040503050406030204" pitchFamily="18" charset="0"/>
+                          </a:rPr>
+                          <m:t>𝐿</m:t>
+                        </m:r>
+                        <m:r>
+                          <a:rPr lang="de-DE" sz="1400" b="0" i="1" smtClean="0">
+                            <a:latin typeface="Cambria Math" panose="02040503050406030204" pitchFamily="18" charset="0"/>
+                          </a:rPr>
+                          <m:t>−1</m:t>
+                        </m:r>
+                      </m:e>
+                    </m:d>
+                    <m:r>
+                      <a:rPr lang="de-DE" sz="1400" b="0" i="1" smtClean="0">
+                        <a:latin typeface="Cambria Math" panose="02040503050406030204" pitchFamily="18" charset="0"/>
+                      </a:rPr>
+                      <m:t>, …, 1</m:t>
+                    </m:r>
+                  </m:oMath>
+                </a14:m>
+                <a:endParaRPr lang="de-DE" sz="1400" dirty="0"/>
+              </a:p>
+            </p:txBody>
+          </p:sp>
+        </mc:Choice>
+        <mc:Fallback>
+          <p:sp>
+            <p:nvSpPr>
+              <p:cNvPr id="56" name="TextBox 55">
+                <a:extLst>
+                  <a:ext uri="{FF2B5EF4-FFF2-40B4-BE49-F238E27FC236}">
+                    <a16:creationId xmlns:a16="http://schemas.microsoft.com/office/drawing/2014/main" id="{A7E24FB6-E554-18F9-3005-44A4E28706A2}"/>
+                  </a:ext>
+                </a:extLst>
+              </p:cNvPr>
+              <p:cNvSpPr txBox="1">
+                <a:spLocks noRot="1" noChangeAspect="1" noMove="1" noResize="1" noEditPoints="1" noAdjustHandles="1" noChangeArrowheads="1" noChangeShapeType="1" noTextEdit="1"/>
+              </p:cNvSpPr>
+              <p:nvPr/>
+            </p:nvSpPr>
+            <p:spPr>
+              <a:xfrm>
+                <a:off x="407951" y="3674088"/>
+                <a:ext cx="2977275" cy="523220"/>
+              </a:xfrm>
+              <a:prstGeom prst="rect">
+                <a:avLst/>
+              </a:prstGeom>
+              <a:blipFill>
+                <a:blip r:embed="rId7"/>
+                <a:stretch>
+                  <a:fillRect l="-615" t="-2326"/>
+                </a:stretch>
+              </a:blipFill>
+            </p:spPr>
+            <p:txBody>
+              <a:bodyPr/>
+              <a:lstStyle/>
+              <a:p>
+                <a:r>
+                  <a:rPr lang="de-DE">
+                    <a:noFill/>
+                  </a:rPr>
+                  <a:t> </a:t>
+                </a:r>
+              </a:p>
+            </p:txBody>
+          </p:sp>
+        </mc:Fallback>
+      </mc:AlternateContent>
+      <p:pic>
+        <p:nvPicPr>
+          <p:cNvPr id="9" name="Picture 8">
+            <a:extLst>
+              <a:ext uri="{FF2B5EF4-FFF2-40B4-BE49-F238E27FC236}">
+                <a16:creationId xmlns:a16="http://schemas.microsoft.com/office/drawing/2014/main" id="{51148CC9-0554-55F7-DEF4-589C932B6EC2}"/>
+              </a:ext>
+            </a:extLst>
+          </p:cNvPr>
+          <p:cNvPicPr>
+            <a:picLocks noChangeAspect="1"/>
+          </p:cNvPicPr>
+          <p:nvPr/>
+        </p:nvPicPr>
+        <p:blipFill rotWithShape="1">
+          <a:blip r:embed="rId8"/>
+          <a:srcRect l="2372" t="6386" r="44615" b="14433"/>
+          <a:stretch/>
+        </p:blipFill>
+        <p:spPr>
+          <a:xfrm>
+            <a:off x="4078758" y="3638557"/>
+            <a:ext cx="1712070" cy="594283"/>
+          </a:xfrm>
+          <a:prstGeom prst="rect">
+            <a:avLst/>
+          </a:prstGeom>
+        </p:spPr>
+      </p:pic>
+      <p:pic>
+        <p:nvPicPr>
+          <p:cNvPr id="11" name="Picture 10">
+            <a:extLst>
+              <a:ext uri="{FF2B5EF4-FFF2-40B4-BE49-F238E27FC236}">
+                <a16:creationId xmlns:a16="http://schemas.microsoft.com/office/drawing/2014/main" id="{EBE4762C-AC83-3993-6EF0-EDAAAC319F0E}"/>
+              </a:ext>
+            </a:extLst>
+          </p:cNvPr>
+          <p:cNvPicPr>
+            <a:picLocks noChangeAspect="1"/>
+          </p:cNvPicPr>
+          <p:nvPr/>
+        </p:nvPicPr>
+        <p:blipFill rotWithShape="1">
+          <a:blip r:embed="rId9"/>
+          <a:srcRect l="30812" t="21693" r="15339" b="20028"/>
+          <a:stretch/>
+        </p:blipFill>
+        <p:spPr>
+          <a:xfrm>
+            <a:off x="5907119" y="3680347"/>
+            <a:ext cx="564202" cy="510702"/>
+          </a:xfrm>
+          <a:prstGeom prst="rect">
+            <a:avLst/>
+          </a:prstGeom>
+        </p:spPr>
+      </p:pic>
+      <p:pic>
+        <p:nvPicPr>
+          <p:cNvPr id="14" name="Picture 13">
+            <a:extLst>
+              <a:ext uri="{FF2B5EF4-FFF2-40B4-BE49-F238E27FC236}">
+                <a16:creationId xmlns:a16="http://schemas.microsoft.com/office/drawing/2014/main" id="{DC0A442E-D4B1-A564-2C6D-1B38D95EE365}"/>
+              </a:ext>
+            </a:extLst>
+          </p:cNvPr>
+          <p:cNvPicPr>
+            <a:picLocks noChangeAspect="1"/>
+          </p:cNvPicPr>
+          <p:nvPr/>
+        </p:nvPicPr>
+        <p:blipFill rotWithShape="1">
+          <a:blip r:embed="rId10"/>
+          <a:srcRect l="4174" t="17109" r="12487" b="13708"/>
+          <a:stretch/>
+        </p:blipFill>
+        <p:spPr>
+          <a:xfrm>
+            <a:off x="4078758" y="5088222"/>
+            <a:ext cx="2968931" cy="741782"/>
+          </a:xfrm>
+          <a:prstGeom prst="rect">
+            <a:avLst/>
+          </a:prstGeom>
+        </p:spPr>
+      </p:pic>
+      <p:pic>
+        <p:nvPicPr>
+          <p:cNvPr id="19" name="Picture 18">
+            <a:extLst>
+              <a:ext uri="{FF2B5EF4-FFF2-40B4-BE49-F238E27FC236}">
+                <a16:creationId xmlns:a16="http://schemas.microsoft.com/office/drawing/2014/main" id="{92D24650-0DF6-53EB-D2F9-D43A86B61101}"/>
+              </a:ext>
+            </a:extLst>
+          </p:cNvPr>
+          <p:cNvPicPr>
+            <a:picLocks noChangeAspect="1"/>
+          </p:cNvPicPr>
+          <p:nvPr/>
+        </p:nvPicPr>
+        <p:blipFill rotWithShape="1">
+          <a:blip r:embed="rId11"/>
+          <a:srcRect l="5944" t="13649" r="10094" b="12313"/>
+          <a:stretch/>
+        </p:blipFill>
+        <p:spPr>
+          <a:xfrm>
+            <a:off x="7631349" y="5079191"/>
+            <a:ext cx="2607012" cy="759844"/>
+          </a:xfrm>
+          <a:prstGeom prst="rect">
+            <a:avLst/>
+          </a:prstGeom>
+        </p:spPr>
+      </p:pic>
+    </p:spTree>
+    <p:extLst>
+      <p:ext uri="{BB962C8B-B14F-4D97-AF65-F5344CB8AC3E}">
+        <p14:creationId xmlns:p14="http://schemas.microsoft.com/office/powerpoint/2010/main" val="2527725553"/>
+      </p:ext>
+    </p:extLst>
+  </p:cSld>
+  <p:clrMapOvr>
+    <a:masterClrMapping/>
+  </p:clrMapOvr>
+  <p:timing>
+    <p:tnLst>
+      <p:par>
+        <p:cTn id="1" dur="indefinite" restart="never" nodeType="tmRoot">
+          <p:childTnLst>
+            <p:seq concurrent="1" nextAc="seek">
+              <p:cTn id="2" dur="indefinite" nodeType="mainSeq">
+                <p:childTnLst>
+                  <p:par>
+                    <p:cTn id="3" fill="hold">
+                      <p:stCondLst>
+                        <p:cond delay="indefinite"/>
+                      </p:stCondLst>
+                      <p:childTnLst>
+                        <p:par>
+                          <p:cTn id="4" fill="hold">
+                            <p:stCondLst>
+                              <p:cond delay="0"/>
+                            </p:stCondLst>
+                            <p:childTnLst>
+                              <p:par>
+                                <p:cTn id="5" presetID="1" presetClass="entr" presetSubtype="0" fill="hold" grpId="0" nodeType="clickEffect">
+                                  <p:stCondLst>
+                                    <p:cond delay="0"/>
+                                  </p:stCondLst>
+                                  <p:childTnLst>
+                                    <p:set>
+                                      <p:cBhvr>
+                                        <p:cTn id="6" dur="1" fill="hold">
+                                          <p:stCondLst>
+                                            <p:cond delay="0"/>
+                                          </p:stCondLst>
+                                        </p:cTn>
+                                        <p:tgtEl>
+                                          <p:spTgt spid="22"/>
+                                        </p:tgtEl>
+                                        <p:attrNameLst>
+                                          <p:attrName>style.visibility</p:attrName>
+                                        </p:attrNameLst>
+                                      </p:cBhvr>
+                                      <p:to>
+                                        <p:strVal val="visible"/>
+                                      </p:to>
+                                    </p:set>
+                                  </p:childTnLst>
+                                </p:cTn>
+                              </p:par>
+                              <p:par>
+                                <p:cTn id="7" presetID="1" presetClass="entr" presetSubtype="0" fill="hold" nodeType="withEffect">
+                                  <p:stCondLst>
+                                    <p:cond delay="0"/>
+                                  </p:stCondLst>
+                                  <p:childTnLst>
+                                    <p:set>
+                                      <p:cBhvr>
+                                        <p:cTn id="8" dur="1" fill="hold">
+                                          <p:stCondLst>
+                                            <p:cond delay="0"/>
+                                          </p:stCondLst>
+                                        </p:cTn>
+                                        <p:tgtEl>
+                                          <p:spTgt spid="4"/>
+                                        </p:tgtEl>
+                                        <p:attrNameLst>
+                                          <p:attrName>style.visibility</p:attrName>
+                                        </p:attrNameLst>
+                                      </p:cBhvr>
+                                      <p:to>
+                                        <p:strVal val="visible"/>
+                                      </p:to>
+                                    </p:set>
+                                  </p:childTnLst>
+                                </p:cTn>
+                              </p:par>
+                              <p:par>
+                                <p:cTn id="9" presetID="1" presetClass="entr" presetSubtype="0" fill="hold" nodeType="withEffect">
+                                  <p:stCondLst>
+                                    <p:cond delay="0"/>
+                                  </p:stCondLst>
+                                  <p:childTnLst>
+                                    <p:set>
+                                      <p:cBhvr>
+                                        <p:cTn id="10" dur="1" fill="hold">
+                                          <p:stCondLst>
+                                            <p:cond delay="0"/>
+                                          </p:stCondLst>
+                                        </p:cTn>
+                                        <p:tgtEl>
+                                          <p:spTgt spid="7"/>
+                                        </p:tgtEl>
+                                        <p:attrNameLst>
+                                          <p:attrName>style.visibility</p:attrName>
+                                        </p:attrNameLst>
+                                      </p:cBhvr>
+                                      <p:to>
+                                        <p:strVal val="visible"/>
+                                      </p:to>
+                                    </p:set>
+                                  </p:childTnLst>
+                                </p:cTn>
+                              </p:par>
+                            </p:childTnLst>
+                          </p:cTn>
+                        </p:par>
+                      </p:childTnLst>
+                    </p:cTn>
+                  </p:par>
+                  <p:par>
+                    <p:cTn id="11" fill="hold">
+                      <p:stCondLst>
+                        <p:cond delay="indefinite"/>
+                      </p:stCondLst>
+                      <p:childTnLst>
+                        <p:par>
+                          <p:cTn id="12" fill="hold">
+                            <p:stCondLst>
+                              <p:cond delay="0"/>
+                            </p:stCondLst>
+                            <p:childTnLst>
+                              <p:par>
+                                <p:cTn id="13" presetID="1" presetClass="entr" presetSubtype="0" fill="hold" grpId="0" nodeType="clickEffect">
+                                  <p:stCondLst>
+                                    <p:cond delay="0"/>
+                                  </p:stCondLst>
+                                  <p:childTnLst>
+                                    <p:set>
+                                      <p:cBhvr>
+                                        <p:cTn id="14" dur="1" fill="hold">
+                                          <p:stCondLst>
+                                            <p:cond delay="0"/>
+                                          </p:stCondLst>
+                                        </p:cTn>
+                                        <p:tgtEl>
+                                          <p:spTgt spid="56"/>
+                                        </p:tgtEl>
+                                        <p:attrNameLst>
+                                          <p:attrName>style.visibility</p:attrName>
+                                        </p:attrNameLst>
+                                      </p:cBhvr>
+                                      <p:to>
+                                        <p:strVal val="visible"/>
+                                      </p:to>
+                                    </p:set>
+                                  </p:childTnLst>
+                                </p:cTn>
+                              </p:par>
+                              <p:par>
+                                <p:cTn id="15" presetID="1" presetClass="entr" presetSubtype="0" fill="hold" nodeType="withEffect">
+                                  <p:stCondLst>
+                                    <p:cond delay="0"/>
+                                  </p:stCondLst>
+                                  <p:childTnLst>
+                                    <p:set>
+                                      <p:cBhvr>
+                                        <p:cTn id="16" dur="1" fill="hold">
+                                          <p:stCondLst>
+                                            <p:cond delay="0"/>
+                                          </p:stCondLst>
+                                        </p:cTn>
+                                        <p:tgtEl>
+                                          <p:spTgt spid="9"/>
+                                        </p:tgtEl>
+                                        <p:attrNameLst>
+                                          <p:attrName>style.visibility</p:attrName>
+                                        </p:attrNameLst>
+                                      </p:cBhvr>
+                                      <p:to>
+                                        <p:strVal val="visible"/>
+                                      </p:to>
+                                    </p:set>
+                                  </p:childTnLst>
+                                </p:cTn>
+                              </p:par>
+                              <p:par>
+                                <p:cTn id="17" presetID="1" presetClass="entr" presetSubtype="0" fill="hold" nodeType="withEffect">
+                                  <p:stCondLst>
+                                    <p:cond delay="0"/>
+                                  </p:stCondLst>
+                                  <p:childTnLst>
+                                    <p:set>
+                                      <p:cBhvr>
+                                        <p:cTn id="18" dur="1" fill="hold">
+                                          <p:stCondLst>
+                                            <p:cond delay="0"/>
+                                          </p:stCondLst>
+                                        </p:cTn>
+                                        <p:tgtEl>
+                                          <p:spTgt spid="11"/>
+                                        </p:tgtEl>
+                                        <p:attrNameLst>
+                                          <p:attrName>style.visibility</p:attrName>
+                                        </p:attrNameLst>
+                                      </p:cBhvr>
+                                      <p:to>
+                                        <p:strVal val="visible"/>
+                                      </p:to>
+                                    </p:set>
+                                  </p:childTnLst>
+                                </p:cTn>
+                              </p:par>
+                            </p:childTnLst>
+                          </p:cTn>
+                        </p:par>
+                      </p:childTnLst>
+                    </p:cTn>
+                  </p:par>
+                  <p:par>
+                    <p:cTn id="19" fill="hold">
+                      <p:stCondLst>
+                        <p:cond delay="indefinite"/>
+                      </p:stCondLst>
+                      <p:childTnLst>
+                        <p:par>
+                          <p:cTn id="20" fill="hold">
+                            <p:stCondLst>
+                              <p:cond delay="0"/>
+                            </p:stCondLst>
+                            <p:childTnLst>
+                              <p:par>
+                                <p:cTn id="21" presetID="1" presetClass="entr" presetSubtype="0" fill="hold" grpId="0" nodeType="clickEffect">
+                                  <p:stCondLst>
+                                    <p:cond delay="0"/>
+                                  </p:stCondLst>
+                                  <p:childTnLst>
+                                    <p:set>
+                                      <p:cBhvr>
+                                        <p:cTn id="22" dur="1" fill="hold">
+                                          <p:stCondLst>
+                                            <p:cond delay="0"/>
+                                          </p:stCondLst>
+                                        </p:cTn>
+                                        <p:tgtEl>
+                                          <p:spTgt spid="23"/>
+                                        </p:tgtEl>
+                                        <p:attrNameLst>
+                                          <p:attrName>style.visibility</p:attrName>
+                                        </p:attrNameLst>
+                                      </p:cBhvr>
+                                      <p:to>
+                                        <p:strVal val="visible"/>
+                                      </p:to>
+                                    </p:set>
+                                  </p:childTnLst>
+                                </p:cTn>
+                              </p:par>
+                              <p:par>
+                                <p:cTn id="23" presetID="1" presetClass="entr" presetSubtype="0" fill="hold" nodeType="withEffect">
+                                  <p:stCondLst>
+                                    <p:cond delay="0"/>
+                                  </p:stCondLst>
+                                  <p:childTnLst>
+                                    <p:set>
+                                      <p:cBhvr>
+                                        <p:cTn id="24" dur="1" fill="hold">
+                                          <p:stCondLst>
+                                            <p:cond delay="0"/>
+                                          </p:stCondLst>
+                                        </p:cTn>
+                                        <p:tgtEl>
+                                          <p:spTgt spid="14"/>
+                                        </p:tgtEl>
+                                        <p:attrNameLst>
+                                          <p:attrName>style.visibility</p:attrName>
+                                        </p:attrNameLst>
+                                      </p:cBhvr>
+                                      <p:to>
+                                        <p:strVal val="visible"/>
+                                      </p:to>
+                                    </p:set>
+                                  </p:childTnLst>
+                                </p:cTn>
+                              </p:par>
+                              <p:par>
+                                <p:cTn id="25" presetID="1" presetClass="entr" presetSubtype="0" fill="hold" nodeType="withEffect">
+                                  <p:stCondLst>
+                                    <p:cond delay="0"/>
+                                  </p:stCondLst>
+                                  <p:childTnLst>
+                                    <p:set>
+                                      <p:cBhvr>
+                                        <p:cTn id="26" dur="1" fill="hold">
+                                          <p:stCondLst>
+                                            <p:cond delay="0"/>
+                                          </p:stCondLst>
+                                        </p:cTn>
+                                        <p:tgtEl>
+                                          <p:spTgt spid="19"/>
+                                        </p:tgtEl>
+                                        <p:attrNameLst>
+                                          <p:attrName>style.visibility</p:attrName>
+                                        </p:attrNameLst>
+                                      </p:cBhvr>
+                                      <p:to>
+                                        <p:strVal val="visible"/>
+                                      </p:to>
+                                    </p:set>
+                                  </p:childTnLst>
+                                </p:cTn>
+                              </p:par>
+                            </p:childTnLst>
+                          </p:cTn>
+                        </p:par>
+                      </p:childTnLst>
+                    </p:cTn>
+                  </p:par>
+                </p:childTnLst>
+              </p:cTn>
+              <p:prevCondLst>
+                <p:cond evt="onPrev" delay="0">
+                  <p:tgtEl>
+                    <p:sldTgt/>
+                  </p:tgtEl>
+                </p:cond>
+              </p:prevCondLst>
+              <p:nextCondLst>
+                <p:cond evt="onNext" delay="0">
+                  <p:tgtEl>
+                    <p:sldTgt/>
+                  </p:tgtEl>
+                </p:cond>
+              </p:nextCondLst>
+            </p:seq>
+          </p:childTnLst>
+        </p:cTn>
+      </p:par>
+    </p:tnLst>
+    <p:bldLst>
+      <p:bldP spid="22" grpId="0"/>
+      <p:bldP spid="23" grpId="0"/>
+      <p:bldP spid="56" grpId="0"/>
+    </p:bldLst>
+  </p:timing>
+</p:sld>
+</file>
+
+<file path=ppt/slides/slide19.xml><?xml version="1.0" encoding="utf-8"?>
 <p:sld xmlns:a="http://schemas.openxmlformats.org/drawingml/2006/main" xmlns:r="http://schemas.openxmlformats.org/officeDocument/2006/relationships" xmlns:p="http://schemas.openxmlformats.org/presentationml/2006/main">
   <p:cSld>
     <p:spTree>

--- a/theory/submission/result_presentation.pptx
+++ b/theory/submission/result_presentation.pptx
@@ -5,7 +5,7 @@
     <p:sldMasterId id="2147483648" r:id="rId1"/>
   </p:sldMasterIdLst>
   <p:notesMasterIdLst>
-    <p:notesMasterId r:id="rId21"/>
+    <p:notesMasterId r:id="rId24"/>
   </p:notesMasterIdLst>
   <p:sldIdLst>
     <p:sldId id="256" r:id="rId2"/>
@@ -27,6 +27,9 @@
     <p:sldId id="276" r:id="rId18"/>
     <p:sldId id="282" r:id="rId19"/>
     <p:sldId id="274" r:id="rId20"/>
+    <p:sldId id="283" r:id="rId21"/>
+    <p:sldId id="284" r:id="rId22"/>
+    <p:sldId id="285" r:id="rId23"/>
   </p:sldIdLst>
   <p:sldSz cx="12192000" cy="6858000"/>
   <p:notesSz cx="6858000" cy="9144000"/>
@@ -825,7 +828,7 @@
               <a:t>S = Anzahl an Batches = Anzahl an Gradient Descent </a:t>
             </a:r>
             <a:r>
-              <a:rPr lang="de-DE"/>
+              <a:rPr lang="de-DE" dirty="0" err="1"/>
               <a:t>Stjeps</a:t>
             </a:r>
             <a:endParaRPr lang="de-DE" dirty="0"/>
@@ -859,6 +862,118 @@
     <p:extLst>
       <p:ext uri="{BB962C8B-B14F-4D97-AF65-F5344CB8AC3E}">
         <p14:creationId xmlns:p14="http://schemas.microsoft.com/office/powerpoint/2010/main" val="708119455"/>
+      </p:ext>
+    </p:extLst>
+  </p:cSld>
+  <p:clrMapOvr>
+    <a:masterClrMapping/>
+  </p:clrMapOvr>
+</p:notes>
+</file>
+
+<file path=ppt/notesSlides/notesSlide13.xml><?xml version="1.0" encoding="utf-8"?>
+<p:notes xmlns:a="http://schemas.openxmlformats.org/drawingml/2006/main" xmlns:r="http://schemas.openxmlformats.org/officeDocument/2006/relationships" xmlns:p="http://schemas.openxmlformats.org/presentationml/2006/main">
+  <p:cSld>
+    <p:spTree>
+      <p:nvGrpSpPr>
+        <p:cNvPr id="1" name=""/>
+        <p:cNvGrpSpPr/>
+        <p:nvPr/>
+      </p:nvGrpSpPr>
+      <p:grpSpPr>
+        <a:xfrm>
+          <a:off x="0" y="0"/>
+          <a:ext cx="0" cy="0"/>
+          <a:chOff x="0" y="0"/>
+          <a:chExt cx="0" cy="0"/>
+        </a:xfrm>
+      </p:grpSpPr>
+      <p:sp>
+        <p:nvSpPr>
+          <p:cNvPr id="2" name="Slide Image Placeholder 1"/>
+          <p:cNvSpPr>
+            <a:spLocks noGrp="1" noRot="1" noChangeAspect="1"/>
+          </p:cNvSpPr>
+          <p:nvPr>
+            <p:ph type="sldImg"/>
+          </p:nvPr>
+        </p:nvSpPr>
+        <p:spPr/>
+      </p:sp>
+      <p:sp>
+        <p:nvSpPr>
+          <p:cNvPr id="3" name="Notes Placeholder 2"/>
+          <p:cNvSpPr>
+            <a:spLocks noGrp="1"/>
+          </p:cNvSpPr>
+          <p:nvPr>
+            <p:ph type="body" idx="1"/>
+          </p:nvPr>
+        </p:nvSpPr>
+        <p:spPr/>
+        <p:txBody>
+          <a:bodyPr/>
+          <a:lstStyle/>
+          <a:p>
+            <a:pPr marL="171450" indent="-171450">
+              <a:buFont typeface="Arial" panose="020B0604020202020204" pitchFamily="34" charset="0"/>
+              <a:buChar char="•"/>
+            </a:pPr>
+            <a:r>
+              <a:rPr lang="de-DE" dirty="0"/>
+              <a:t>Stochastic Gradient Descent mit Momentum heißt, dass die aktuellen Gradienten ein </a:t>
+            </a:r>
+            <a:r>
+              <a:rPr lang="de-DE" dirty="0" err="1"/>
+              <a:t>Exponential</a:t>
+            </a:r>
+            <a:r>
+              <a:rPr lang="de-DE" dirty="0"/>
+              <a:t> Moving Average aller bisherigen Gradienten ist </a:t>
+            </a:r>
+            <a:r>
+              <a:rPr lang="de-DE" dirty="0">
+                <a:sym typeface="Wingdings" panose="05000000000000000000" pitchFamily="2" charset="2"/>
+              </a:rPr>
+              <a:t> Glätten der Gradienten um „direkter“ zum lokalen Minimum zu konvergieren</a:t>
+            </a:r>
+          </a:p>
+          <a:p>
+            <a:pPr marL="171450" indent="-171450">
+              <a:buFont typeface="Arial" panose="020B0604020202020204" pitchFamily="34" charset="0"/>
+              <a:buChar char="•"/>
+            </a:pPr>
+            <a:endParaRPr lang="de-DE" dirty="0"/>
+          </a:p>
+        </p:txBody>
+      </p:sp>
+      <p:sp>
+        <p:nvSpPr>
+          <p:cNvPr id="4" name="Slide Number Placeholder 3"/>
+          <p:cNvSpPr>
+            <a:spLocks noGrp="1"/>
+          </p:cNvSpPr>
+          <p:nvPr>
+            <p:ph type="sldNum" sz="quarter" idx="5"/>
+          </p:nvPr>
+        </p:nvSpPr>
+        <p:spPr/>
+        <p:txBody>
+          <a:bodyPr/>
+          <a:lstStyle/>
+          <a:p>
+            <a:fld id="{D4C12A24-BF94-4906-B274-F5BF4D611E23}" type="slidenum">
+              <a:rPr lang="de-DE" smtClean="0"/>
+              <a:t>22</a:t>
+            </a:fld>
+            <a:endParaRPr lang="de-DE"/>
+          </a:p>
+        </p:txBody>
+      </p:sp>
+    </p:spTree>
+    <p:extLst>
+      <p:ext uri="{BB962C8B-B14F-4D97-AF65-F5344CB8AC3E}">
+        <p14:creationId xmlns:p14="http://schemas.microsoft.com/office/powerpoint/2010/main" val="655830409"/>
       </p:ext>
     </p:extLst>
   </p:cSld>
@@ -13368,7 +13483,7 @@
             </p:nvSpPr>
             <p:spPr>
               <a:xfrm>
-                <a:off x="407951" y="2194042"/>
+                <a:off x="981885" y="2194042"/>
                 <a:ext cx="3205875" cy="523220"/>
               </a:xfrm>
               <a:prstGeom prst="rect">
@@ -13473,7 +13588,7 @@
             </p:nvSpPr>
             <p:spPr>
               <a:xfrm>
-                <a:off x="407951" y="2194042"/>
+                <a:off x="981885" y="2194042"/>
                 <a:ext cx="3205875" cy="523220"/>
               </a:xfrm>
               <a:prstGeom prst="rect">
@@ -13517,7 +13632,7 @@
             </p:nvSpPr>
             <p:spPr>
               <a:xfrm>
-                <a:off x="407952" y="5197503"/>
+                <a:off x="981886" y="5197503"/>
                 <a:ext cx="3171827" cy="523220"/>
               </a:xfrm>
               <a:prstGeom prst="rect">
@@ -13622,7 +13737,7 @@
             </p:nvSpPr>
             <p:spPr>
               <a:xfrm>
-                <a:off x="407952" y="5197503"/>
+                <a:off x="981886" y="5197503"/>
                 <a:ext cx="3171827" cy="523220"/>
               </a:xfrm>
               <a:prstGeom prst="rect">
@@ -13671,7 +13786,7 @@
         </p:blipFill>
         <p:spPr>
           <a:xfrm>
-            <a:off x="4078758" y="2144063"/>
+            <a:off x="4652692" y="2144063"/>
             <a:ext cx="1940667" cy="623178"/>
           </a:xfrm>
           <a:prstGeom prst="rect">
@@ -13700,7 +13815,7 @@
         </p:blipFill>
         <p:spPr>
           <a:xfrm>
-            <a:off x="6162471" y="1864291"/>
+            <a:off x="6736405" y="1864291"/>
             <a:ext cx="3035029" cy="1182722"/>
           </a:xfrm>
           <a:prstGeom prst="rect">
@@ -13724,7 +13839,7 @@
             </p:nvSpPr>
             <p:spPr>
               <a:xfrm>
-                <a:off x="407951" y="3674088"/>
+                <a:off x="981885" y="3674088"/>
                 <a:ext cx="2977275" cy="523220"/>
               </a:xfrm>
               <a:prstGeom prst="rect">
@@ -13829,7 +13944,7 @@
             </p:nvSpPr>
             <p:spPr>
               <a:xfrm>
-                <a:off x="407951" y="3674088"/>
+                <a:off x="981885" y="3674088"/>
                 <a:ext cx="2977275" cy="523220"/>
               </a:xfrm>
               <a:prstGeom prst="rect">
@@ -13878,7 +13993,7 @@
         </p:blipFill>
         <p:spPr>
           <a:xfrm>
-            <a:off x="4078758" y="3638557"/>
+            <a:off x="4652692" y="3638557"/>
             <a:ext cx="1712070" cy="594283"/>
           </a:xfrm>
           <a:prstGeom prst="rect">
@@ -13907,7 +14022,7 @@
         </p:blipFill>
         <p:spPr>
           <a:xfrm>
-            <a:off x="5907119" y="3680347"/>
+            <a:off x="6481053" y="3680347"/>
             <a:ext cx="564202" cy="510702"/>
           </a:xfrm>
           <a:prstGeom prst="rect">
@@ -13936,7 +14051,7 @@
         </p:blipFill>
         <p:spPr>
           <a:xfrm>
-            <a:off x="4078758" y="5088222"/>
+            <a:off x="4652692" y="5088222"/>
             <a:ext cx="2968931" cy="741782"/>
           </a:xfrm>
           <a:prstGeom prst="rect">
@@ -13965,7 +14080,7 @@
         </p:blipFill>
         <p:spPr>
           <a:xfrm>
-            <a:off x="7631349" y="5079191"/>
+            <a:off x="8205283" y="5079191"/>
             <a:ext cx="2607012" cy="759844"/>
           </a:xfrm>
           <a:prstGeom prst="rect">
@@ -14360,6 +14475,14 @@
               <a:rPr lang="de-DE" dirty="0"/>
               <a:t>Implementierung in Python</a:t>
             </a:r>
+            <a:br>
+              <a:rPr lang="de-DE" dirty="0"/>
+            </a:br>
+            <a:r>
+              <a:rPr lang="de-DE" sz="2400" dirty="0"/>
+              <a:t>Demoanwendung</a:t>
+            </a:r>
+            <a:endParaRPr lang="de-DE" dirty="0"/>
           </a:p>
         </p:txBody>
       </p:sp>
@@ -14389,98 +14512,6 @@
                 <a:hlinkClick r:id="rId2"/>
               </a:rPr>
               <a:t>Beispielanwendung MNIST Digit Classification</a:t>
-            </a:r>
-            <a:endParaRPr lang="de-DE" dirty="0"/>
-          </a:p>
-          <a:p>
-            <a:r>
-              <a:rPr lang="de-DE" dirty="0"/>
-              <a:t>Aufbau von </a:t>
-            </a:r>
-            <a:r>
-              <a:rPr lang="de-DE" dirty="0" err="1">
-                <a:hlinkClick r:id="rId3"/>
-              </a:rPr>
-              <a:t>src</a:t>
-            </a:r>
-            <a:r>
-              <a:rPr lang="de-DE" dirty="0">
-                <a:hlinkClick r:id="rId3"/>
-              </a:rPr>
-              <a:t>/</a:t>
-            </a:r>
-            <a:r>
-              <a:rPr lang="de-DE" dirty="0" err="1">
-                <a:hlinkClick r:id="rId3"/>
-              </a:rPr>
-              <a:t>lib</a:t>
-            </a:r>
-            <a:endParaRPr lang="de-DE" dirty="0"/>
-          </a:p>
-          <a:p>
-            <a:r>
-              <a:rPr lang="de-DE" dirty="0"/>
-              <a:t>Erklärung von </a:t>
-            </a:r>
-            <a:r>
-              <a:rPr lang="de-DE" dirty="0" err="1">
-                <a:hlinkClick r:id="rId2"/>
-              </a:rPr>
-              <a:t>SequentialModel</a:t>
-            </a:r>
-            <a:r>
-              <a:rPr lang="de-DE" dirty="0"/>
-              <a:t> Klasse</a:t>
-            </a:r>
-          </a:p>
-          <a:p>
-            <a:r>
-              <a:rPr lang="de-DE" dirty="0"/>
-              <a:t>Erklärung von </a:t>
-            </a:r>
-            <a:r>
-              <a:rPr lang="de-DE" dirty="0" err="1">
-                <a:hlinkClick r:id="rId4"/>
-              </a:rPr>
-              <a:t>Dense</a:t>
-            </a:r>
-            <a:r>
-              <a:rPr lang="de-DE" dirty="0">
-                <a:hlinkClick r:id="rId4"/>
-              </a:rPr>
-              <a:t> Layer</a:t>
-            </a:r>
-            <a:r>
-              <a:rPr lang="de-DE" dirty="0"/>
-              <a:t> Klasse</a:t>
-            </a:r>
-          </a:p>
-          <a:p>
-            <a:r>
-              <a:rPr lang="de-DE" dirty="0"/>
-              <a:t>Erklärung von </a:t>
-            </a:r>
-            <a:r>
-              <a:rPr lang="de-DE" dirty="0">
-                <a:hlinkClick r:id="rId5"/>
-              </a:rPr>
-              <a:t>Aktivierungsfunktionen</a:t>
-            </a:r>
-            <a:r>
-              <a:rPr lang="de-DE" dirty="0"/>
-              <a:t>, insbesondere die Anpassungen für numerische Stabilität </a:t>
-            </a:r>
-          </a:p>
-          <a:p>
-            <a:r>
-              <a:rPr lang="de-DE" dirty="0"/>
-              <a:t>Tests erklären, insbesondere </a:t>
-            </a:r>
-            <a:r>
-              <a:rPr lang="de-DE" dirty="0" err="1">
-                <a:hlinkClick r:id="rId6"/>
-              </a:rPr>
-              <a:t>test_model</a:t>
             </a:r>
             <a:endParaRPr lang="de-DE" dirty="0"/>
           </a:p>
@@ -14563,7 +14594,7 @@
         <p:spPr/>
         <p:txBody>
           <a:bodyPr>
-            <a:normAutofit lnSpcReduction="10000"/>
+            <a:normAutofit/>
           </a:bodyPr>
           <a:lstStyle/>
           <a:p>
@@ -14616,22 +14647,18 @@
             <a:pPr lvl="1"/>
             <a:r>
               <a:rPr lang="de-DE" dirty="0"/>
-              <a:t>Common </a:t>
-            </a:r>
-            <a:r>
-              <a:rPr lang="de-DE" dirty="0" err="1"/>
-              <a:t>Pitfalls</a:t>
-            </a:r>
-            <a:endParaRPr lang="de-DE" dirty="0"/>
+              <a:t>Backpropagation Tests</a:t>
+            </a:r>
           </a:p>
           <a:p>
             <a:pPr lvl="1"/>
             <a:r>
               <a:rPr lang="de-DE" dirty="0"/>
-              <a:t>Tipps &amp; Tricks</a:t>
-            </a:r>
-          </a:p>
-          <a:p>
+              <a:t>Numerische Stabilität in Aktivierungsfunktionen</a:t>
+            </a:r>
+          </a:p>
+          <a:p>
+            <a:pPr lvl="1"/>
             <a:r>
               <a:rPr lang="de-DE" dirty="0"/>
               <a:t>Verbesserungsmöglichkeiten</a:t>
@@ -14643,6 +14670,1496 @@
     <p:extLst>
       <p:ext uri="{BB962C8B-B14F-4D97-AF65-F5344CB8AC3E}">
         <p14:creationId xmlns:p14="http://schemas.microsoft.com/office/powerpoint/2010/main" val="2326574477"/>
+      </p:ext>
+    </p:extLst>
+  </p:cSld>
+  <p:clrMapOvr>
+    <a:masterClrMapping/>
+  </p:clrMapOvr>
+</p:sld>
+</file>
+
+<file path=ppt/slides/slide20.xml><?xml version="1.0" encoding="utf-8"?>
+<p:sld xmlns:a="http://schemas.openxmlformats.org/drawingml/2006/main" xmlns:r="http://schemas.openxmlformats.org/officeDocument/2006/relationships" xmlns:p="http://schemas.openxmlformats.org/presentationml/2006/main">
+  <p:cSld>
+    <p:spTree>
+      <p:nvGrpSpPr>
+        <p:cNvPr id="1" name=""/>
+        <p:cNvGrpSpPr/>
+        <p:nvPr/>
+      </p:nvGrpSpPr>
+      <p:grpSpPr>
+        <a:xfrm>
+          <a:off x="0" y="0"/>
+          <a:ext cx="0" cy="0"/>
+          <a:chOff x="0" y="0"/>
+          <a:chExt cx="0" cy="0"/>
+        </a:xfrm>
+      </p:grpSpPr>
+      <p:sp>
+        <p:nvSpPr>
+          <p:cNvPr id="2" name="Titel 1">
+            <a:extLst>
+              <a:ext uri="{FF2B5EF4-FFF2-40B4-BE49-F238E27FC236}">
+                <a16:creationId xmlns:a16="http://schemas.microsoft.com/office/drawing/2014/main" id="{29FA37A3-FF5A-44AB-8DF3-1148A58E43F7}"/>
+              </a:ext>
+            </a:extLst>
+          </p:cNvPr>
+          <p:cNvSpPr>
+            <a:spLocks noGrp="1"/>
+          </p:cNvSpPr>
+          <p:nvPr>
+            <p:ph type="title"/>
+          </p:nvPr>
+        </p:nvSpPr>
+        <p:spPr/>
+        <p:txBody>
+          <a:bodyPr/>
+          <a:lstStyle/>
+          <a:p>
+            <a:r>
+              <a:rPr lang="de-DE" dirty="0"/>
+              <a:t>Implementierung in Python</a:t>
+            </a:r>
+            <a:br>
+              <a:rPr lang="de-DE" dirty="0"/>
+            </a:br>
+            <a:r>
+              <a:rPr lang="de-DE" sz="2400" dirty="0"/>
+              <a:t>Backpropagation Test</a:t>
+            </a:r>
+            <a:endParaRPr lang="de-DE" dirty="0"/>
+          </a:p>
+        </p:txBody>
+      </p:sp>
+      <p:sp>
+        <p:nvSpPr>
+          <p:cNvPr id="3" name="Inhaltsplatzhalter 2">
+            <a:extLst>
+              <a:ext uri="{FF2B5EF4-FFF2-40B4-BE49-F238E27FC236}">
+                <a16:creationId xmlns:a16="http://schemas.microsoft.com/office/drawing/2014/main" id="{D2D4F1E2-9CD7-4555-B49C-3581844978A5}"/>
+              </a:ext>
+            </a:extLst>
+          </p:cNvPr>
+          <p:cNvSpPr>
+            <a:spLocks noGrp="1"/>
+          </p:cNvSpPr>
+          <p:nvPr>
+            <p:ph idx="1"/>
+          </p:nvPr>
+        </p:nvSpPr>
+        <p:spPr>
+          <a:xfrm>
+            <a:off x="838200" y="1825625"/>
+            <a:ext cx="3814823" cy="4351338"/>
+          </a:xfrm>
+        </p:spPr>
+        <p:txBody>
+          <a:bodyPr>
+            <a:normAutofit/>
+          </a:bodyPr>
+          <a:lstStyle/>
+          <a:p>
+            <a:r>
+              <a:rPr lang="de-DE" sz="1800" dirty="0"/>
+              <a:t>Tests, dass der Backpropagation Algorithmus die partiellen Ableitungen richtig berechnet (</a:t>
+            </a:r>
+            <a:r>
+              <a:rPr lang="de-DE" sz="1800" dirty="0" err="1">
+                <a:hlinkClick r:id="rId2"/>
+              </a:rPr>
+              <a:t>test_model</a:t>
+            </a:r>
+            <a:r>
+              <a:rPr lang="de-DE" sz="1800" dirty="0"/>
+              <a:t>)</a:t>
+            </a:r>
+          </a:p>
+          <a:p>
+            <a:r>
+              <a:rPr lang="de-DE" sz="1800" dirty="0"/>
+              <a:t>Beispielnetzwerk mit folgender Architektur:</a:t>
+            </a:r>
+          </a:p>
+          <a:p>
+            <a:pPr lvl="1"/>
+            <a:r>
+              <a:rPr lang="de-DE" sz="1100" dirty="0"/>
+              <a:t>3 Input Neuronen</a:t>
+            </a:r>
+          </a:p>
+          <a:p>
+            <a:pPr lvl="1"/>
+            <a:r>
+              <a:rPr lang="de-DE" sz="1100" dirty="0"/>
+              <a:t>2 Neuronen im Hidden Layer</a:t>
+            </a:r>
+          </a:p>
+          <a:p>
+            <a:pPr lvl="1"/>
+            <a:r>
+              <a:rPr lang="de-DE" sz="1100" dirty="0"/>
+              <a:t>2 Neuronen im Output Layer</a:t>
+            </a:r>
+            <a:endParaRPr lang="de-DE" sz="1800" dirty="0"/>
+          </a:p>
+          <a:p>
+            <a:r>
+              <a:rPr lang="de-DE" sz="1800" dirty="0"/>
+              <a:t>Zufällig initialisierte Eingangsneuronen</a:t>
+            </a:r>
+          </a:p>
+          <a:p>
+            <a:r>
+              <a:rPr lang="de-DE" sz="1800" dirty="0"/>
+              <a:t>Gradienten manuell ausgerechnet und mit Backpropagation Ergebnissen verglichen</a:t>
+            </a:r>
+          </a:p>
+        </p:txBody>
+      </p:sp>
+      <p:pic>
+        <p:nvPicPr>
+          <p:cNvPr id="5" name="Picture 4">
+            <a:extLst>
+              <a:ext uri="{FF2B5EF4-FFF2-40B4-BE49-F238E27FC236}">
+                <a16:creationId xmlns:a16="http://schemas.microsoft.com/office/drawing/2014/main" id="{87FC3623-B834-C5F1-36F4-29CBA7552723}"/>
+              </a:ext>
+            </a:extLst>
+          </p:cNvPr>
+          <p:cNvPicPr>
+            <a:picLocks noChangeAspect="1"/>
+          </p:cNvPicPr>
+          <p:nvPr/>
+        </p:nvPicPr>
+        <p:blipFill rotWithShape="1">
+          <a:blip r:embed="rId3"/>
+          <a:srcRect l="5051" b="10062"/>
+          <a:stretch/>
+        </p:blipFill>
+        <p:spPr>
+          <a:xfrm>
+            <a:off x="5399523" y="1760138"/>
+            <a:ext cx="2803606" cy="925190"/>
+          </a:xfrm>
+          <a:prstGeom prst="rect">
+            <a:avLst/>
+          </a:prstGeom>
+        </p:spPr>
+      </p:pic>
+      <p:pic>
+        <p:nvPicPr>
+          <p:cNvPr id="7" name="Picture 6">
+            <a:extLst>
+              <a:ext uri="{FF2B5EF4-FFF2-40B4-BE49-F238E27FC236}">
+                <a16:creationId xmlns:a16="http://schemas.microsoft.com/office/drawing/2014/main" id="{6C1EB7EF-9136-E309-4111-B3055C33068D}"/>
+              </a:ext>
+            </a:extLst>
+          </p:cNvPr>
+          <p:cNvPicPr>
+            <a:picLocks noChangeAspect="1"/>
+          </p:cNvPicPr>
+          <p:nvPr/>
+        </p:nvPicPr>
+        <p:blipFill>
+          <a:blip r:embed="rId4"/>
+          <a:stretch>
+            <a:fillRect/>
+          </a:stretch>
+        </p:blipFill>
+        <p:spPr>
+          <a:xfrm>
+            <a:off x="5399523" y="3039581"/>
+            <a:ext cx="2495550" cy="809625"/>
+          </a:xfrm>
+          <a:prstGeom prst="rect">
+            <a:avLst/>
+          </a:prstGeom>
+        </p:spPr>
+      </p:pic>
+      <p:pic>
+        <p:nvPicPr>
+          <p:cNvPr id="9" name="Picture 8">
+            <a:extLst>
+              <a:ext uri="{FF2B5EF4-FFF2-40B4-BE49-F238E27FC236}">
+                <a16:creationId xmlns:a16="http://schemas.microsoft.com/office/drawing/2014/main" id="{EFC87DA0-6A97-77D0-B849-3989B4EE4FB5}"/>
+              </a:ext>
+            </a:extLst>
+          </p:cNvPr>
+          <p:cNvPicPr>
+            <a:picLocks noChangeAspect="1"/>
+          </p:cNvPicPr>
+          <p:nvPr/>
+        </p:nvPicPr>
+        <p:blipFill>
+          <a:blip r:embed="rId5"/>
+          <a:stretch>
+            <a:fillRect/>
+          </a:stretch>
+        </p:blipFill>
+        <p:spPr>
+          <a:xfrm>
+            <a:off x="5399523" y="4203459"/>
+            <a:ext cx="3800475" cy="828675"/>
+          </a:xfrm>
+          <a:prstGeom prst="rect">
+            <a:avLst/>
+          </a:prstGeom>
+        </p:spPr>
+      </p:pic>
+      <p:pic>
+        <p:nvPicPr>
+          <p:cNvPr id="11" name="Picture 10">
+            <a:extLst>
+              <a:ext uri="{FF2B5EF4-FFF2-40B4-BE49-F238E27FC236}">
+                <a16:creationId xmlns:a16="http://schemas.microsoft.com/office/drawing/2014/main" id="{061D3227-6B57-78E9-2D41-CF42C8D613FF}"/>
+              </a:ext>
+            </a:extLst>
+          </p:cNvPr>
+          <p:cNvPicPr>
+            <a:picLocks noChangeAspect="1"/>
+          </p:cNvPicPr>
+          <p:nvPr/>
+        </p:nvPicPr>
+        <p:blipFill>
+          <a:blip r:embed="rId6"/>
+          <a:stretch>
+            <a:fillRect/>
+          </a:stretch>
+        </p:blipFill>
+        <p:spPr>
+          <a:xfrm>
+            <a:off x="5399523" y="5386388"/>
+            <a:ext cx="3505200" cy="790575"/>
+          </a:xfrm>
+          <a:prstGeom prst="rect">
+            <a:avLst/>
+          </a:prstGeom>
+        </p:spPr>
+      </p:pic>
+      <p:sp>
+        <p:nvSpPr>
+          <p:cNvPr id="12" name="TextBox 11">
+            <a:extLst>
+              <a:ext uri="{FF2B5EF4-FFF2-40B4-BE49-F238E27FC236}">
+                <a16:creationId xmlns:a16="http://schemas.microsoft.com/office/drawing/2014/main" id="{623CF95F-1E58-0710-F896-5A422904230D}"/>
+              </a:ext>
+            </a:extLst>
+          </p:cNvPr>
+          <p:cNvSpPr txBox="1"/>
+          <p:nvPr/>
+        </p:nvSpPr>
+        <p:spPr>
+          <a:xfrm>
+            <a:off x="9514393" y="1961123"/>
+            <a:ext cx="2257063" cy="523220"/>
+          </a:xfrm>
+          <a:prstGeom prst="rect">
+            <a:avLst/>
+          </a:prstGeom>
+          <a:noFill/>
+        </p:spPr>
+        <p:txBody>
+          <a:bodyPr wrap="square" rtlCol="0">
+            <a:spAutoFit/>
+          </a:bodyPr>
+          <a:lstStyle/>
+          <a:p>
+            <a:pPr algn="l"/>
+            <a:r>
+              <a:rPr lang="de-DE" sz="1400" dirty="0"/>
+              <a:t>Gewichtsgradienten am Output Layer</a:t>
+            </a:r>
+          </a:p>
+        </p:txBody>
+      </p:sp>
+      <p:sp>
+        <p:nvSpPr>
+          <p:cNvPr id="13" name="TextBox 12">
+            <a:extLst>
+              <a:ext uri="{FF2B5EF4-FFF2-40B4-BE49-F238E27FC236}">
+                <a16:creationId xmlns:a16="http://schemas.microsoft.com/office/drawing/2014/main" id="{32515B93-7F0A-2FF8-89BD-41C718BBECA7}"/>
+              </a:ext>
+            </a:extLst>
+          </p:cNvPr>
+          <p:cNvSpPr txBox="1"/>
+          <p:nvPr/>
+        </p:nvSpPr>
+        <p:spPr>
+          <a:xfrm>
+            <a:off x="9514393" y="3182783"/>
+            <a:ext cx="2071868" cy="523220"/>
+          </a:xfrm>
+          <a:prstGeom prst="rect">
+            <a:avLst/>
+          </a:prstGeom>
+          <a:noFill/>
+        </p:spPr>
+        <p:txBody>
+          <a:bodyPr wrap="square" rtlCol="0">
+            <a:spAutoFit/>
+          </a:bodyPr>
+          <a:lstStyle/>
+          <a:p>
+            <a:pPr algn="l"/>
+            <a:r>
+              <a:rPr lang="de-DE" sz="1400" dirty="0"/>
+              <a:t>Biasgradienten am Output Layer</a:t>
+            </a:r>
+          </a:p>
+        </p:txBody>
+      </p:sp>
+      <p:sp>
+        <p:nvSpPr>
+          <p:cNvPr id="14" name="TextBox 13">
+            <a:extLst>
+              <a:ext uri="{FF2B5EF4-FFF2-40B4-BE49-F238E27FC236}">
+                <a16:creationId xmlns:a16="http://schemas.microsoft.com/office/drawing/2014/main" id="{3149D791-1838-5468-72DB-ED775F0C3215}"/>
+              </a:ext>
+            </a:extLst>
+          </p:cNvPr>
+          <p:cNvSpPr txBox="1"/>
+          <p:nvPr/>
+        </p:nvSpPr>
+        <p:spPr>
+          <a:xfrm>
+            <a:off x="9514393" y="4356186"/>
+            <a:ext cx="1701478" cy="523220"/>
+          </a:xfrm>
+          <a:prstGeom prst="rect">
+            <a:avLst/>
+          </a:prstGeom>
+          <a:noFill/>
+        </p:spPr>
+        <p:txBody>
+          <a:bodyPr wrap="square" rtlCol="0">
+            <a:spAutoFit/>
+          </a:bodyPr>
+          <a:lstStyle/>
+          <a:p>
+            <a:pPr algn="l"/>
+            <a:r>
+              <a:rPr lang="de-DE" sz="1400" dirty="0"/>
+              <a:t>Gewichtsgradienten am Hidden Layer</a:t>
+            </a:r>
+          </a:p>
+        </p:txBody>
+      </p:sp>
+      <p:sp>
+        <p:nvSpPr>
+          <p:cNvPr id="15" name="TextBox 14">
+            <a:extLst>
+              <a:ext uri="{FF2B5EF4-FFF2-40B4-BE49-F238E27FC236}">
+                <a16:creationId xmlns:a16="http://schemas.microsoft.com/office/drawing/2014/main" id="{CFD22221-7723-5609-4D7F-D3BB381585D4}"/>
+              </a:ext>
+            </a:extLst>
+          </p:cNvPr>
+          <p:cNvSpPr txBox="1"/>
+          <p:nvPr/>
+        </p:nvSpPr>
+        <p:spPr>
+          <a:xfrm>
+            <a:off x="9514393" y="5520065"/>
+            <a:ext cx="2048719" cy="523220"/>
+          </a:xfrm>
+          <a:prstGeom prst="rect">
+            <a:avLst/>
+          </a:prstGeom>
+          <a:noFill/>
+        </p:spPr>
+        <p:txBody>
+          <a:bodyPr wrap="square" rtlCol="0">
+            <a:spAutoFit/>
+          </a:bodyPr>
+          <a:lstStyle/>
+          <a:p>
+            <a:pPr algn="l"/>
+            <a:r>
+              <a:rPr lang="de-DE" sz="1400" dirty="0"/>
+              <a:t>Biasgradienten am Hidden Layer</a:t>
+            </a:r>
+          </a:p>
+        </p:txBody>
+      </p:sp>
+    </p:spTree>
+    <p:extLst>
+      <p:ext uri="{BB962C8B-B14F-4D97-AF65-F5344CB8AC3E}">
+        <p14:creationId xmlns:p14="http://schemas.microsoft.com/office/powerpoint/2010/main" val="3357872495"/>
+      </p:ext>
+    </p:extLst>
+  </p:cSld>
+  <p:clrMapOvr>
+    <a:masterClrMapping/>
+  </p:clrMapOvr>
+</p:sld>
+</file>
+
+<file path=ppt/slides/slide21.xml><?xml version="1.0" encoding="utf-8"?>
+<p:sld xmlns:a="http://schemas.openxmlformats.org/drawingml/2006/main" xmlns:r="http://schemas.openxmlformats.org/officeDocument/2006/relationships" xmlns:p="http://schemas.openxmlformats.org/presentationml/2006/main">
+  <p:cSld>
+    <p:spTree>
+      <p:nvGrpSpPr>
+        <p:cNvPr id="1" name=""/>
+        <p:cNvGrpSpPr/>
+        <p:nvPr/>
+      </p:nvGrpSpPr>
+      <p:grpSpPr>
+        <a:xfrm>
+          <a:off x="0" y="0"/>
+          <a:ext cx="0" cy="0"/>
+          <a:chOff x="0" y="0"/>
+          <a:chExt cx="0" cy="0"/>
+        </a:xfrm>
+      </p:grpSpPr>
+      <p:sp>
+        <p:nvSpPr>
+          <p:cNvPr id="2" name="Title 1">
+            <a:extLst>
+              <a:ext uri="{FF2B5EF4-FFF2-40B4-BE49-F238E27FC236}">
+                <a16:creationId xmlns:a16="http://schemas.microsoft.com/office/drawing/2014/main" id="{4FDDF432-0398-2860-1958-836C75D07FFA}"/>
+              </a:ext>
+            </a:extLst>
+          </p:cNvPr>
+          <p:cNvSpPr>
+            <a:spLocks noGrp="1"/>
+          </p:cNvSpPr>
+          <p:nvPr>
+            <p:ph type="title"/>
+          </p:nvPr>
+        </p:nvSpPr>
+        <p:spPr/>
+        <p:txBody>
+          <a:bodyPr/>
+          <a:lstStyle/>
+          <a:p>
+            <a:r>
+              <a:rPr lang="de-DE" dirty="0"/>
+              <a:t>Implementierung in Python</a:t>
+            </a:r>
+            <a:br>
+              <a:rPr lang="de-DE" dirty="0"/>
+            </a:br>
+            <a:r>
+              <a:rPr lang="de-DE" sz="2400" dirty="0"/>
+              <a:t>Numerische Stabilität in Aktivierungsfunktionen</a:t>
+            </a:r>
+            <a:endParaRPr lang="de-DE" dirty="0"/>
+          </a:p>
+        </p:txBody>
+      </p:sp>
+      <p:sp>
+        <p:nvSpPr>
+          <p:cNvPr id="3" name="Content Placeholder 2">
+            <a:extLst>
+              <a:ext uri="{FF2B5EF4-FFF2-40B4-BE49-F238E27FC236}">
+                <a16:creationId xmlns:a16="http://schemas.microsoft.com/office/drawing/2014/main" id="{833A09AB-4A21-E646-1F7B-0294BB95F879}"/>
+              </a:ext>
+            </a:extLst>
+          </p:cNvPr>
+          <p:cNvSpPr>
+            <a:spLocks noGrp="1"/>
+          </p:cNvSpPr>
+          <p:nvPr>
+            <p:ph idx="1"/>
+          </p:nvPr>
+        </p:nvSpPr>
+        <p:spPr>
+          <a:xfrm>
+            <a:off x="838200" y="1825625"/>
+            <a:ext cx="10366094" cy="1970871"/>
+          </a:xfrm>
+        </p:spPr>
+        <p:txBody>
+          <a:bodyPr>
+            <a:normAutofit/>
+          </a:bodyPr>
+          <a:lstStyle/>
+          <a:p>
+            <a:r>
+              <a:rPr lang="de-DE" sz="2000" dirty="0"/>
+              <a:t>Manche Aktivierungsfunktionen konvergieren schnell gegen plus/minus unendlich</a:t>
+            </a:r>
+          </a:p>
+          <a:p>
+            <a:pPr lvl="1"/>
+            <a:r>
+              <a:rPr lang="de-DE" sz="1600" dirty="0">
+                <a:sym typeface="Wingdings" panose="05000000000000000000" pitchFamily="2" charset="2"/>
+              </a:rPr>
+              <a:t> </a:t>
+            </a:r>
+            <a:r>
+              <a:rPr lang="de-DE" sz="1600" dirty="0" err="1">
+                <a:sym typeface="Wingdings" panose="05000000000000000000" pitchFamily="2" charset="2"/>
+              </a:rPr>
+              <a:t>np.Inf</a:t>
+            </a:r>
+            <a:r>
+              <a:rPr lang="de-DE" sz="1600" dirty="0">
+                <a:sym typeface="Wingdings" panose="05000000000000000000" pitchFamily="2" charset="2"/>
+              </a:rPr>
+              <a:t> oder </a:t>
+            </a:r>
+            <a:r>
+              <a:rPr lang="de-DE" sz="1600" dirty="0" err="1">
+                <a:sym typeface="Wingdings" panose="05000000000000000000" pitchFamily="2" charset="2"/>
+              </a:rPr>
+              <a:t>np.nan</a:t>
+            </a:r>
+            <a:r>
+              <a:rPr lang="de-DE" sz="1600" dirty="0">
+                <a:sym typeface="Wingdings" panose="05000000000000000000" pitchFamily="2" charset="2"/>
+              </a:rPr>
+              <a:t> als </a:t>
+            </a:r>
+            <a:r>
+              <a:rPr lang="de-DE" sz="1600" dirty="0" err="1">
+                <a:sym typeface="Wingdings" panose="05000000000000000000" pitchFamily="2" charset="2"/>
+              </a:rPr>
+              <a:t>Returnwert</a:t>
+            </a:r>
+            <a:endParaRPr lang="de-DE" sz="1600" dirty="0">
+              <a:sym typeface="Wingdings" panose="05000000000000000000" pitchFamily="2" charset="2"/>
+            </a:endParaRPr>
+          </a:p>
+          <a:p>
+            <a:pPr lvl="1"/>
+            <a:r>
+              <a:rPr lang="de-DE" sz="1600" dirty="0">
+                <a:sym typeface="Wingdings" panose="05000000000000000000" pitchFamily="2" charset="2"/>
+              </a:rPr>
+              <a:t> Fehler wird geworfen, Programm beendet</a:t>
+            </a:r>
+          </a:p>
+          <a:p>
+            <a:r>
+              <a:rPr lang="de-DE" sz="2000" dirty="0"/>
+              <a:t>Umformen der Aktivierungsfunktionen für positive/negative Inputs nötig</a:t>
+            </a:r>
+          </a:p>
+          <a:p>
+            <a:r>
+              <a:rPr lang="de-DE" sz="2000" dirty="0"/>
+              <a:t>Beispiel </a:t>
+            </a:r>
+            <a:r>
+              <a:rPr lang="de-DE" sz="2000" dirty="0" err="1"/>
+              <a:t>tanh</a:t>
+            </a:r>
+            <a:r>
+              <a:rPr lang="de-DE" sz="2000" dirty="0"/>
+              <a:t> Aktivierungsfunktion</a:t>
+            </a:r>
+          </a:p>
+        </p:txBody>
+      </p:sp>
+      <p:pic>
+        <p:nvPicPr>
+          <p:cNvPr id="5" name="Picture 4">
+            <a:extLst>
+              <a:ext uri="{FF2B5EF4-FFF2-40B4-BE49-F238E27FC236}">
+                <a16:creationId xmlns:a16="http://schemas.microsoft.com/office/drawing/2014/main" id="{500AC097-B3F5-5536-CBDE-33076C374A36}"/>
+              </a:ext>
+            </a:extLst>
+          </p:cNvPr>
+          <p:cNvPicPr>
+            <a:picLocks noChangeAspect="1"/>
+          </p:cNvPicPr>
+          <p:nvPr/>
+        </p:nvPicPr>
+        <p:blipFill rotWithShape="1">
+          <a:blip r:embed="rId2"/>
+          <a:srcRect l="4743" t="14518" r="4493" b="7561"/>
+          <a:stretch/>
+        </p:blipFill>
+        <p:spPr>
+          <a:xfrm>
+            <a:off x="4589363" y="5011840"/>
+            <a:ext cx="2801073" cy="972274"/>
+          </a:xfrm>
+          <a:prstGeom prst="rect">
+            <a:avLst/>
+          </a:prstGeom>
+        </p:spPr>
+      </p:pic>
+      <p:sp>
+        <p:nvSpPr>
+          <p:cNvPr id="6" name="TextBox 5">
+            <a:extLst>
+              <a:ext uri="{FF2B5EF4-FFF2-40B4-BE49-F238E27FC236}">
+                <a16:creationId xmlns:a16="http://schemas.microsoft.com/office/drawing/2014/main" id="{5EB3AEEC-AAEB-AA12-AAFA-F99AFBECB2A0}"/>
+              </a:ext>
+            </a:extLst>
+          </p:cNvPr>
+          <p:cNvSpPr txBox="1"/>
+          <p:nvPr/>
+        </p:nvSpPr>
+        <p:spPr>
+          <a:xfrm>
+            <a:off x="4479403" y="4177305"/>
+            <a:ext cx="3020992" cy="954107"/>
+          </a:xfrm>
+          <a:prstGeom prst="rect">
+            <a:avLst/>
+          </a:prstGeom>
+          <a:noFill/>
+        </p:spPr>
+        <p:txBody>
+          <a:bodyPr wrap="square" rtlCol="0">
+            <a:spAutoFit/>
+          </a:bodyPr>
+          <a:lstStyle/>
+          <a:p>
+            <a:pPr algn="l"/>
+            <a:r>
+              <a:rPr lang="de-DE" sz="1400" dirty="0"/>
+              <a:t>Gewöhnliche Form: Wenn z &lt; 0 und |z| hoch, dann </a:t>
+            </a:r>
+            <a:r>
+              <a:rPr lang="de-DE" sz="1400" dirty="0" err="1"/>
+              <a:t>exp</a:t>
+            </a:r>
+            <a:r>
+              <a:rPr lang="de-DE" sz="1400" dirty="0"/>
+              <a:t>(-z) </a:t>
+            </a:r>
+            <a:r>
+              <a:rPr lang="de-DE" sz="1400" dirty="0">
+                <a:sym typeface="Wingdings" panose="05000000000000000000" pitchFamily="2" charset="2"/>
+              </a:rPr>
+              <a:t> </a:t>
+            </a:r>
+            <a:r>
+              <a:rPr lang="de-DE" sz="1400" dirty="0"/>
+              <a:t>unendlich. Wenn z &gt; 0 und |z| hoch, dann </a:t>
+            </a:r>
+            <a:r>
+              <a:rPr lang="de-DE" sz="1400" dirty="0" err="1"/>
+              <a:t>exp</a:t>
+            </a:r>
+            <a:r>
+              <a:rPr lang="de-DE" sz="1400" dirty="0"/>
+              <a:t>(z) </a:t>
+            </a:r>
+            <a:r>
+              <a:rPr lang="de-DE" sz="1400" dirty="0">
+                <a:sym typeface="Wingdings" panose="05000000000000000000" pitchFamily="2" charset="2"/>
+              </a:rPr>
+              <a:t> unendlich</a:t>
+            </a:r>
+            <a:endParaRPr lang="de-DE" sz="1400" dirty="0"/>
+          </a:p>
+        </p:txBody>
+      </p:sp>
+      <p:pic>
+        <p:nvPicPr>
+          <p:cNvPr id="8" name="Picture 7">
+            <a:extLst>
+              <a:ext uri="{FF2B5EF4-FFF2-40B4-BE49-F238E27FC236}">
+                <a16:creationId xmlns:a16="http://schemas.microsoft.com/office/drawing/2014/main" id="{26C1852D-CE09-38CB-DD17-DFA9F6164A0F}"/>
+              </a:ext>
+            </a:extLst>
+          </p:cNvPr>
+          <p:cNvPicPr>
+            <a:picLocks noChangeAspect="1"/>
+          </p:cNvPicPr>
+          <p:nvPr/>
+        </p:nvPicPr>
+        <p:blipFill rotWithShape="1">
+          <a:blip r:embed="rId3"/>
+          <a:srcRect l="4987" t="13494" b="8552"/>
+          <a:stretch/>
+        </p:blipFill>
+        <p:spPr>
+          <a:xfrm>
+            <a:off x="8420581" y="5107960"/>
+            <a:ext cx="2696902" cy="876154"/>
+          </a:xfrm>
+          <a:prstGeom prst="rect">
+            <a:avLst/>
+          </a:prstGeom>
+        </p:spPr>
+      </p:pic>
+      <p:sp>
+        <p:nvSpPr>
+          <p:cNvPr id="9" name="TextBox 8">
+            <a:extLst>
+              <a:ext uri="{FF2B5EF4-FFF2-40B4-BE49-F238E27FC236}">
+                <a16:creationId xmlns:a16="http://schemas.microsoft.com/office/drawing/2014/main" id="{76F87FFF-E813-78C2-4603-836321471E94}"/>
+              </a:ext>
+            </a:extLst>
+          </p:cNvPr>
+          <p:cNvSpPr txBox="1"/>
+          <p:nvPr/>
+        </p:nvSpPr>
+        <p:spPr>
+          <a:xfrm>
+            <a:off x="8507392" y="4177305"/>
+            <a:ext cx="2523281" cy="738664"/>
+          </a:xfrm>
+          <a:prstGeom prst="rect">
+            <a:avLst/>
+          </a:prstGeom>
+          <a:noFill/>
+        </p:spPr>
+        <p:txBody>
+          <a:bodyPr wrap="square" rtlCol="0">
+            <a:spAutoFit/>
+          </a:bodyPr>
+          <a:lstStyle/>
+          <a:p>
+            <a:pPr algn="l"/>
+            <a:r>
+              <a:rPr lang="de-DE" sz="1400" dirty="0"/>
+              <a:t>Neue Version für </a:t>
+            </a:r>
+            <a:r>
+              <a:rPr lang="de-DE" sz="1400" b="1" dirty="0"/>
+              <a:t>positive</a:t>
+            </a:r>
+            <a:r>
+              <a:rPr lang="de-DE" sz="1400" dirty="0"/>
+              <a:t> z: Nun, wenn z &gt; 0 und |z| hoch, dann </a:t>
+            </a:r>
+            <a:r>
+              <a:rPr lang="de-DE" sz="1400" dirty="0" err="1"/>
+              <a:t>exp</a:t>
+            </a:r>
+            <a:r>
+              <a:rPr lang="de-DE" sz="1400" dirty="0"/>
+              <a:t>(-z) </a:t>
+            </a:r>
+            <a:r>
+              <a:rPr lang="de-DE" sz="1400" dirty="0">
+                <a:sym typeface="Wingdings" panose="05000000000000000000" pitchFamily="2" charset="2"/>
+              </a:rPr>
+              <a:t> 0</a:t>
+            </a:r>
+            <a:endParaRPr lang="de-DE" sz="1400" dirty="0"/>
+          </a:p>
+        </p:txBody>
+      </p:sp>
+      <p:pic>
+        <p:nvPicPr>
+          <p:cNvPr id="11" name="Picture 10">
+            <a:extLst>
+              <a:ext uri="{FF2B5EF4-FFF2-40B4-BE49-F238E27FC236}">
+                <a16:creationId xmlns:a16="http://schemas.microsoft.com/office/drawing/2014/main" id="{81B5D5C5-E232-F24B-B011-E324CBFAA2F6}"/>
+              </a:ext>
+            </a:extLst>
+          </p:cNvPr>
+          <p:cNvPicPr>
+            <a:picLocks noChangeAspect="1"/>
+          </p:cNvPicPr>
+          <p:nvPr/>
+        </p:nvPicPr>
+        <p:blipFill rotWithShape="1">
+          <a:blip r:embed="rId4"/>
+          <a:srcRect l="5278" t="9664" r="5665" b="14939"/>
+          <a:stretch/>
+        </p:blipFill>
+        <p:spPr>
+          <a:xfrm>
+            <a:off x="1120815" y="5107960"/>
+            <a:ext cx="2392102" cy="876154"/>
+          </a:xfrm>
+          <a:prstGeom prst="rect">
+            <a:avLst/>
+          </a:prstGeom>
+        </p:spPr>
+      </p:pic>
+      <p:sp>
+        <p:nvSpPr>
+          <p:cNvPr id="12" name="TextBox 11">
+            <a:extLst>
+              <a:ext uri="{FF2B5EF4-FFF2-40B4-BE49-F238E27FC236}">
+                <a16:creationId xmlns:a16="http://schemas.microsoft.com/office/drawing/2014/main" id="{12FB9700-5DF7-DCC5-1FA6-48137B098037}"/>
+              </a:ext>
+            </a:extLst>
+          </p:cNvPr>
+          <p:cNvSpPr txBox="1"/>
+          <p:nvPr/>
+        </p:nvSpPr>
+        <p:spPr>
+          <a:xfrm>
+            <a:off x="987706" y="4177305"/>
+            <a:ext cx="2658321" cy="738664"/>
+          </a:xfrm>
+          <a:prstGeom prst="rect">
+            <a:avLst/>
+          </a:prstGeom>
+          <a:noFill/>
+        </p:spPr>
+        <p:txBody>
+          <a:bodyPr wrap="square" rtlCol="0">
+            <a:spAutoFit/>
+          </a:bodyPr>
+          <a:lstStyle/>
+          <a:p>
+            <a:pPr algn="l"/>
+            <a:r>
+              <a:rPr lang="de-DE" sz="1400" dirty="0"/>
+              <a:t>Neue Version für </a:t>
+            </a:r>
+            <a:r>
+              <a:rPr lang="de-DE" sz="1400" b="1" dirty="0"/>
+              <a:t>negative</a:t>
+            </a:r>
+            <a:r>
+              <a:rPr lang="de-DE" sz="1400" dirty="0"/>
+              <a:t> z: Nun, wenn z &lt; 0 und |z| hoch, dann </a:t>
+            </a:r>
+            <a:r>
+              <a:rPr lang="de-DE" sz="1400" dirty="0" err="1"/>
+              <a:t>exp</a:t>
+            </a:r>
+            <a:r>
+              <a:rPr lang="de-DE" sz="1400" dirty="0"/>
+              <a:t>(-z) </a:t>
+            </a:r>
+            <a:r>
+              <a:rPr lang="de-DE" sz="1400" dirty="0">
+                <a:sym typeface="Wingdings" panose="05000000000000000000" pitchFamily="2" charset="2"/>
+              </a:rPr>
+              <a:t> 0</a:t>
+            </a:r>
+            <a:endParaRPr lang="de-DE" sz="1400" dirty="0"/>
+          </a:p>
+        </p:txBody>
+      </p:sp>
+      <p:sp>
+        <p:nvSpPr>
+          <p:cNvPr id="13" name="Multiplication Sign 12">
+            <a:extLst>
+              <a:ext uri="{FF2B5EF4-FFF2-40B4-BE49-F238E27FC236}">
+                <a16:creationId xmlns:a16="http://schemas.microsoft.com/office/drawing/2014/main" id="{5647AAB3-CB26-5216-DDA7-B594D2ACC08B}"/>
+              </a:ext>
+            </a:extLst>
+          </p:cNvPr>
+          <p:cNvSpPr/>
+          <p:nvPr/>
+        </p:nvSpPr>
+        <p:spPr>
+          <a:xfrm>
+            <a:off x="4479403" y="3651814"/>
+            <a:ext cx="2801073" cy="2720051"/>
+          </a:xfrm>
+          <a:prstGeom prst="mathMultiply">
+            <a:avLst/>
+          </a:prstGeom>
+          <a:solidFill>
+            <a:schemeClr val="tx1"/>
+          </a:solidFill>
+          <a:ln>
+            <a:noFill/>
+          </a:ln>
+        </p:spPr>
+        <p:style>
+          <a:lnRef idx="2">
+            <a:schemeClr val="accent1">
+              <a:shade val="50000"/>
+            </a:schemeClr>
+          </a:lnRef>
+          <a:fillRef idx="1">
+            <a:schemeClr val="accent1"/>
+          </a:fillRef>
+          <a:effectRef idx="0">
+            <a:schemeClr val="accent1"/>
+          </a:effectRef>
+          <a:fontRef idx="minor">
+            <a:schemeClr val="lt1"/>
+          </a:fontRef>
+        </p:style>
+        <p:txBody>
+          <a:bodyPr rtlCol="0" anchor="ctr"/>
+          <a:lstStyle/>
+          <a:p>
+            <a:pPr algn="ctr"/>
+            <a:endParaRPr lang="de-DE"/>
+          </a:p>
+        </p:txBody>
+      </p:sp>
+    </p:spTree>
+    <p:extLst>
+      <p:ext uri="{BB962C8B-B14F-4D97-AF65-F5344CB8AC3E}">
+        <p14:creationId xmlns:p14="http://schemas.microsoft.com/office/powerpoint/2010/main" val="748521114"/>
+      </p:ext>
+    </p:extLst>
+  </p:cSld>
+  <p:clrMapOvr>
+    <a:masterClrMapping/>
+  </p:clrMapOvr>
+  <p:timing>
+    <p:tnLst>
+      <p:par>
+        <p:cTn id="1" dur="indefinite" restart="never" nodeType="tmRoot">
+          <p:childTnLst>
+            <p:seq concurrent="1" nextAc="seek">
+              <p:cTn id="2" dur="indefinite" nodeType="mainSeq">
+                <p:childTnLst>
+                  <p:par>
+                    <p:cTn id="3" fill="hold">
+                      <p:stCondLst>
+                        <p:cond delay="indefinite"/>
+                      </p:stCondLst>
+                      <p:childTnLst>
+                        <p:par>
+                          <p:cTn id="4" fill="hold">
+                            <p:stCondLst>
+                              <p:cond delay="0"/>
+                            </p:stCondLst>
+                            <p:childTnLst>
+                              <p:par>
+                                <p:cTn id="5" presetID="1" presetClass="entr" presetSubtype="0" fill="hold" nodeType="clickEffect">
+                                  <p:stCondLst>
+                                    <p:cond delay="0"/>
+                                  </p:stCondLst>
+                                  <p:childTnLst>
+                                    <p:set>
+                                      <p:cBhvr>
+                                        <p:cTn id="6" dur="1" fill="hold">
+                                          <p:stCondLst>
+                                            <p:cond delay="0"/>
+                                          </p:stCondLst>
+                                        </p:cTn>
+                                        <p:tgtEl>
+                                          <p:spTgt spid="3">
+                                            <p:txEl>
+                                              <p:pRg st="0" end="0"/>
+                                            </p:txEl>
+                                          </p:spTgt>
+                                        </p:tgtEl>
+                                        <p:attrNameLst>
+                                          <p:attrName>style.visibility</p:attrName>
+                                        </p:attrNameLst>
+                                      </p:cBhvr>
+                                      <p:to>
+                                        <p:strVal val="visible"/>
+                                      </p:to>
+                                    </p:set>
+                                  </p:childTnLst>
+                                </p:cTn>
+                              </p:par>
+                              <p:par>
+                                <p:cTn id="7" presetID="1" presetClass="entr" presetSubtype="0" fill="hold" nodeType="withEffect">
+                                  <p:stCondLst>
+                                    <p:cond delay="0"/>
+                                  </p:stCondLst>
+                                  <p:childTnLst>
+                                    <p:set>
+                                      <p:cBhvr>
+                                        <p:cTn id="8" dur="1" fill="hold">
+                                          <p:stCondLst>
+                                            <p:cond delay="0"/>
+                                          </p:stCondLst>
+                                        </p:cTn>
+                                        <p:tgtEl>
+                                          <p:spTgt spid="3">
+                                            <p:txEl>
+                                              <p:pRg st="1" end="1"/>
+                                            </p:txEl>
+                                          </p:spTgt>
+                                        </p:tgtEl>
+                                        <p:attrNameLst>
+                                          <p:attrName>style.visibility</p:attrName>
+                                        </p:attrNameLst>
+                                      </p:cBhvr>
+                                      <p:to>
+                                        <p:strVal val="visible"/>
+                                      </p:to>
+                                    </p:set>
+                                  </p:childTnLst>
+                                </p:cTn>
+                              </p:par>
+                              <p:par>
+                                <p:cTn id="9" presetID="1" presetClass="entr" presetSubtype="0" fill="hold" nodeType="withEffect">
+                                  <p:stCondLst>
+                                    <p:cond delay="0"/>
+                                  </p:stCondLst>
+                                  <p:childTnLst>
+                                    <p:set>
+                                      <p:cBhvr>
+                                        <p:cTn id="10" dur="1" fill="hold">
+                                          <p:stCondLst>
+                                            <p:cond delay="0"/>
+                                          </p:stCondLst>
+                                        </p:cTn>
+                                        <p:tgtEl>
+                                          <p:spTgt spid="3">
+                                            <p:txEl>
+                                              <p:pRg st="2" end="2"/>
+                                            </p:txEl>
+                                          </p:spTgt>
+                                        </p:tgtEl>
+                                        <p:attrNameLst>
+                                          <p:attrName>style.visibility</p:attrName>
+                                        </p:attrNameLst>
+                                      </p:cBhvr>
+                                      <p:to>
+                                        <p:strVal val="visible"/>
+                                      </p:to>
+                                    </p:set>
+                                  </p:childTnLst>
+                                </p:cTn>
+                              </p:par>
+                              <p:par>
+                                <p:cTn id="11" presetID="1" presetClass="entr" presetSubtype="0" fill="hold" nodeType="withEffect">
+                                  <p:stCondLst>
+                                    <p:cond delay="0"/>
+                                  </p:stCondLst>
+                                  <p:childTnLst>
+                                    <p:set>
+                                      <p:cBhvr>
+                                        <p:cTn id="12" dur="1" fill="hold">
+                                          <p:stCondLst>
+                                            <p:cond delay="0"/>
+                                          </p:stCondLst>
+                                        </p:cTn>
+                                        <p:tgtEl>
+                                          <p:spTgt spid="3">
+                                            <p:txEl>
+                                              <p:pRg st="3" end="3"/>
+                                            </p:txEl>
+                                          </p:spTgt>
+                                        </p:tgtEl>
+                                        <p:attrNameLst>
+                                          <p:attrName>style.visibility</p:attrName>
+                                        </p:attrNameLst>
+                                      </p:cBhvr>
+                                      <p:to>
+                                        <p:strVal val="visible"/>
+                                      </p:to>
+                                    </p:set>
+                                  </p:childTnLst>
+                                </p:cTn>
+                              </p:par>
+                              <p:par>
+                                <p:cTn id="13" presetID="1" presetClass="entr" presetSubtype="0" fill="hold" nodeType="withEffect">
+                                  <p:stCondLst>
+                                    <p:cond delay="0"/>
+                                  </p:stCondLst>
+                                  <p:childTnLst>
+                                    <p:set>
+                                      <p:cBhvr>
+                                        <p:cTn id="14" dur="1" fill="hold">
+                                          <p:stCondLst>
+                                            <p:cond delay="0"/>
+                                          </p:stCondLst>
+                                        </p:cTn>
+                                        <p:tgtEl>
+                                          <p:spTgt spid="3">
+                                            <p:txEl>
+                                              <p:pRg st="4" end="4"/>
+                                            </p:txEl>
+                                          </p:spTgt>
+                                        </p:tgtEl>
+                                        <p:attrNameLst>
+                                          <p:attrName>style.visibility</p:attrName>
+                                        </p:attrNameLst>
+                                      </p:cBhvr>
+                                      <p:to>
+                                        <p:strVal val="visible"/>
+                                      </p:to>
+                                    </p:set>
+                                  </p:childTnLst>
+                                </p:cTn>
+                              </p:par>
+                            </p:childTnLst>
+                          </p:cTn>
+                        </p:par>
+                      </p:childTnLst>
+                    </p:cTn>
+                  </p:par>
+                  <p:par>
+                    <p:cTn id="15" fill="hold">
+                      <p:stCondLst>
+                        <p:cond delay="indefinite"/>
+                      </p:stCondLst>
+                      <p:childTnLst>
+                        <p:par>
+                          <p:cTn id="16" fill="hold">
+                            <p:stCondLst>
+                              <p:cond delay="0"/>
+                            </p:stCondLst>
+                            <p:childTnLst>
+                              <p:par>
+                                <p:cTn id="17" presetID="1" presetClass="entr" presetSubtype="0" fill="hold" grpId="0" nodeType="clickEffect">
+                                  <p:stCondLst>
+                                    <p:cond delay="0"/>
+                                  </p:stCondLst>
+                                  <p:childTnLst>
+                                    <p:set>
+                                      <p:cBhvr>
+                                        <p:cTn id="18" dur="1" fill="hold">
+                                          <p:stCondLst>
+                                            <p:cond delay="0"/>
+                                          </p:stCondLst>
+                                        </p:cTn>
+                                        <p:tgtEl>
+                                          <p:spTgt spid="6"/>
+                                        </p:tgtEl>
+                                        <p:attrNameLst>
+                                          <p:attrName>style.visibility</p:attrName>
+                                        </p:attrNameLst>
+                                      </p:cBhvr>
+                                      <p:to>
+                                        <p:strVal val="visible"/>
+                                      </p:to>
+                                    </p:set>
+                                  </p:childTnLst>
+                                </p:cTn>
+                              </p:par>
+                              <p:par>
+                                <p:cTn id="19" presetID="1" presetClass="entr" presetSubtype="0" fill="hold" nodeType="withEffect">
+                                  <p:stCondLst>
+                                    <p:cond delay="0"/>
+                                  </p:stCondLst>
+                                  <p:childTnLst>
+                                    <p:set>
+                                      <p:cBhvr>
+                                        <p:cTn id="20" dur="1" fill="hold">
+                                          <p:stCondLst>
+                                            <p:cond delay="0"/>
+                                          </p:stCondLst>
+                                        </p:cTn>
+                                        <p:tgtEl>
+                                          <p:spTgt spid="5"/>
+                                        </p:tgtEl>
+                                        <p:attrNameLst>
+                                          <p:attrName>style.visibility</p:attrName>
+                                        </p:attrNameLst>
+                                      </p:cBhvr>
+                                      <p:to>
+                                        <p:strVal val="visible"/>
+                                      </p:to>
+                                    </p:set>
+                                  </p:childTnLst>
+                                </p:cTn>
+                              </p:par>
+                            </p:childTnLst>
+                          </p:cTn>
+                        </p:par>
+                      </p:childTnLst>
+                    </p:cTn>
+                  </p:par>
+                  <p:par>
+                    <p:cTn id="21" fill="hold">
+                      <p:stCondLst>
+                        <p:cond delay="indefinite"/>
+                      </p:stCondLst>
+                      <p:childTnLst>
+                        <p:par>
+                          <p:cTn id="22" fill="hold">
+                            <p:stCondLst>
+                              <p:cond delay="0"/>
+                            </p:stCondLst>
+                            <p:childTnLst>
+                              <p:par>
+                                <p:cTn id="23" presetID="1" presetClass="entr" presetSubtype="0" fill="hold" grpId="0" nodeType="clickEffect">
+                                  <p:stCondLst>
+                                    <p:cond delay="0"/>
+                                  </p:stCondLst>
+                                  <p:childTnLst>
+                                    <p:set>
+                                      <p:cBhvr>
+                                        <p:cTn id="24" dur="1" fill="hold">
+                                          <p:stCondLst>
+                                            <p:cond delay="0"/>
+                                          </p:stCondLst>
+                                        </p:cTn>
+                                        <p:tgtEl>
+                                          <p:spTgt spid="12"/>
+                                        </p:tgtEl>
+                                        <p:attrNameLst>
+                                          <p:attrName>style.visibility</p:attrName>
+                                        </p:attrNameLst>
+                                      </p:cBhvr>
+                                      <p:to>
+                                        <p:strVal val="visible"/>
+                                      </p:to>
+                                    </p:set>
+                                  </p:childTnLst>
+                                </p:cTn>
+                              </p:par>
+                              <p:par>
+                                <p:cTn id="25" presetID="1" presetClass="entr" presetSubtype="0" fill="hold" nodeType="withEffect">
+                                  <p:stCondLst>
+                                    <p:cond delay="0"/>
+                                  </p:stCondLst>
+                                  <p:childTnLst>
+                                    <p:set>
+                                      <p:cBhvr>
+                                        <p:cTn id="26" dur="1" fill="hold">
+                                          <p:stCondLst>
+                                            <p:cond delay="0"/>
+                                          </p:stCondLst>
+                                        </p:cTn>
+                                        <p:tgtEl>
+                                          <p:spTgt spid="11"/>
+                                        </p:tgtEl>
+                                        <p:attrNameLst>
+                                          <p:attrName>style.visibility</p:attrName>
+                                        </p:attrNameLst>
+                                      </p:cBhvr>
+                                      <p:to>
+                                        <p:strVal val="visible"/>
+                                      </p:to>
+                                    </p:set>
+                                  </p:childTnLst>
+                                </p:cTn>
+                              </p:par>
+                              <p:par>
+                                <p:cTn id="27" presetID="1" presetClass="entr" presetSubtype="0" fill="hold" grpId="0" nodeType="withEffect">
+                                  <p:stCondLst>
+                                    <p:cond delay="0"/>
+                                  </p:stCondLst>
+                                  <p:childTnLst>
+                                    <p:set>
+                                      <p:cBhvr>
+                                        <p:cTn id="28" dur="1" fill="hold">
+                                          <p:stCondLst>
+                                            <p:cond delay="0"/>
+                                          </p:stCondLst>
+                                        </p:cTn>
+                                        <p:tgtEl>
+                                          <p:spTgt spid="9"/>
+                                        </p:tgtEl>
+                                        <p:attrNameLst>
+                                          <p:attrName>style.visibility</p:attrName>
+                                        </p:attrNameLst>
+                                      </p:cBhvr>
+                                      <p:to>
+                                        <p:strVal val="visible"/>
+                                      </p:to>
+                                    </p:set>
+                                  </p:childTnLst>
+                                </p:cTn>
+                              </p:par>
+                              <p:par>
+                                <p:cTn id="29" presetID="1" presetClass="entr" presetSubtype="0" fill="hold" nodeType="withEffect">
+                                  <p:stCondLst>
+                                    <p:cond delay="0"/>
+                                  </p:stCondLst>
+                                  <p:childTnLst>
+                                    <p:set>
+                                      <p:cBhvr>
+                                        <p:cTn id="30" dur="1" fill="hold">
+                                          <p:stCondLst>
+                                            <p:cond delay="0"/>
+                                          </p:stCondLst>
+                                        </p:cTn>
+                                        <p:tgtEl>
+                                          <p:spTgt spid="8"/>
+                                        </p:tgtEl>
+                                        <p:attrNameLst>
+                                          <p:attrName>style.visibility</p:attrName>
+                                        </p:attrNameLst>
+                                      </p:cBhvr>
+                                      <p:to>
+                                        <p:strVal val="visible"/>
+                                      </p:to>
+                                    </p:set>
+                                  </p:childTnLst>
+                                </p:cTn>
+                              </p:par>
+                              <p:par>
+                                <p:cTn id="31" presetID="1" presetClass="entr" presetSubtype="0" fill="hold" grpId="0" nodeType="withEffect">
+                                  <p:stCondLst>
+                                    <p:cond delay="0"/>
+                                  </p:stCondLst>
+                                  <p:childTnLst>
+                                    <p:set>
+                                      <p:cBhvr>
+                                        <p:cTn id="32" dur="1" fill="hold">
+                                          <p:stCondLst>
+                                            <p:cond delay="0"/>
+                                          </p:stCondLst>
+                                        </p:cTn>
+                                        <p:tgtEl>
+                                          <p:spTgt spid="13"/>
+                                        </p:tgtEl>
+                                        <p:attrNameLst>
+                                          <p:attrName>style.visibility</p:attrName>
+                                        </p:attrNameLst>
+                                      </p:cBhvr>
+                                      <p:to>
+                                        <p:strVal val="visible"/>
+                                      </p:to>
+                                    </p:set>
+                                  </p:childTnLst>
+                                </p:cTn>
+                              </p:par>
+                            </p:childTnLst>
+                          </p:cTn>
+                        </p:par>
+                      </p:childTnLst>
+                    </p:cTn>
+                  </p:par>
+                </p:childTnLst>
+              </p:cTn>
+              <p:prevCondLst>
+                <p:cond evt="onPrev" delay="0">
+                  <p:tgtEl>
+                    <p:sldTgt/>
+                  </p:tgtEl>
+                </p:cond>
+              </p:prevCondLst>
+              <p:nextCondLst>
+                <p:cond evt="onNext" delay="0">
+                  <p:tgtEl>
+                    <p:sldTgt/>
+                  </p:tgtEl>
+                </p:cond>
+              </p:nextCondLst>
+            </p:seq>
+          </p:childTnLst>
+        </p:cTn>
+      </p:par>
+    </p:tnLst>
+    <p:bldLst>
+      <p:bldP spid="6" grpId="0"/>
+      <p:bldP spid="9" grpId="0"/>
+      <p:bldP spid="12" grpId="0"/>
+      <p:bldP spid="13" grpId="0" animBg="1"/>
+    </p:bldLst>
+  </p:timing>
+</p:sld>
+</file>
+
+<file path=ppt/slides/slide22.xml><?xml version="1.0" encoding="utf-8"?>
+<p:sld xmlns:a="http://schemas.openxmlformats.org/drawingml/2006/main" xmlns:r="http://schemas.openxmlformats.org/officeDocument/2006/relationships" xmlns:p="http://schemas.openxmlformats.org/presentationml/2006/main">
+  <p:cSld>
+    <p:spTree>
+      <p:nvGrpSpPr>
+        <p:cNvPr id="1" name=""/>
+        <p:cNvGrpSpPr/>
+        <p:nvPr/>
+      </p:nvGrpSpPr>
+      <p:grpSpPr>
+        <a:xfrm>
+          <a:off x="0" y="0"/>
+          <a:ext cx="0" cy="0"/>
+          <a:chOff x="0" y="0"/>
+          <a:chExt cx="0" cy="0"/>
+        </a:xfrm>
+      </p:grpSpPr>
+      <p:sp>
+        <p:nvSpPr>
+          <p:cNvPr id="2" name="Title 1">
+            <a:extLst>
+              <a:ext uri="{FF2B5EF4-FFF2-40B4-BE49-F238E27FC236}">
+                <a16:creationId xmlns:a16="http://schemas.microsoft.com/office/drawing/2014/main" id="{4FDDF432-0398-2860-1958-836C75D07FFA}"/>
+              </a:ext>
+            </a:extLst>
+          </p:cNvPr>
+          <p:cNvSpPr>
+            <a:spLocks noGrp="1"/>
+          </p:cNvSpPr>
+          <p:nvPr>
+            <p:ph type="title"/>
+          </p:nvPr>
+        </p:nvSpPr>
+        <p:spPr/>
+        <p:txBody>
+          <a:bodyPr/>
+          <a:lstStyle/>
+          <a:p>
+            <a:r>
+              <a:rPr lang="de-DE" dirty="0"/>
+              <a:t>Implementierung in Python</a:t>
+            </a:r>
+            <a:br>
+              <a:rPr lang="de-DE" dirty="0"/>
+            </a:br>
+            <a:r>
+              <a:rPr lang="de-DE" sz="2400" dirty="0"/>
+              <a:t>Verbesserungsmöglichkeiten</a:t>
+            </a:r>
+            <a:endParaRPr lang="de-DE" dirty="0"/>
+          </a:p>
+        </p:txBody>
+      </p:sp>
+      <p:sp>
+        <p:nvSpPr>
+          <p:cNvPr id="3" name="Content Placeholder 2">
+            <a:extLst>
+              <a:ext uri="{FF2B5EF4-FFF2-40B4-BE49-F238E27FC236}">
+                <a16:creationId xmlns:a16="http://schemas.microsoft.com/office/drawing/2014/main" id="{833A09AB-4A21-E646-1F7B-0294BB95F879}"/>
+              </a:ext>
+            </a:extLst>
+          </p:cNvPr>
+          <p:cNvSpPr>
+            <a:spLocks noGrp="1"/>
+          </p:cNvSpPr>
+          <p:nvPr>
+            <p:ph idx="1"/>
+          </p:nvPr>
+        </p:nvSpPr>
+        <p:spPr/>
+        <p:txBody>
+          <a:bodyPr/>
+          <a:lstStyle/>
+          <a:p>
+            <a:r>
+              <a:rPr lang="de-DE" dirty="0"/>
+              <a:t>Schlauere Initialisierung der Gewichte um Training zu beschleunigen</a:t>
+            </a:r>
+          </a:p>
+          <a:p>
+            <a:r>
+              <a:rPr lang="de-DE" dirty="0"/>
+              <a:t>Schlauere Anpassung der Gewichte und Biases um Training zu beschleunigen</a:t>
+            </a:r>
+          </a:p>
+          <a:p>
+            <a:pPr lvl="1"/>
+            <a:r>
+              <a:rPr lang="de-DE" dirty="0"/>
+              <a:t>Stochastic Gradient Descent mit Momentum</a:t>
+            </a:r>
+          </a:p>
+          <a:p>
+            <a:pPr lvl="1"/>
+            <a:r>
+              <a:rPr lang="de-DE" dirty="0"/>
+              <a:t>Learning Rate Decay</a:t>
+            </a:r>
+          </a:p>
+          <a:p>
+            <a:pPr lvl="1"/>
+            <a:r>
+              <a:rPr lang="de-DE" dirty="0" err="1"/>
+              <a:t>RMSProp</a:t>
+            </a:r>
+            <a:r>
+              <a:rPr lang="de-DE" dirty="0"/>
+              <a:t> Optimierer</a:t>
+            </a:r>
+          </a:p>
+          <a:p>
+            <a:pPr lvl="1"/>
+            <a:r>
+              <a:rPr lang="de-DE" dirty="0"/>
+              <a:t>Adam Optimierer</a:t>
+            </a:r>
+          </a:p>
+          <a:p>
+            <a:r>
+              <a:rPr lang="de-DE" dirty="0"/>
+              <a:t>CNN und RNN Layer</a:t>
+            </a:r>
+          </a:p>
+          <a:p>
+            <a:r>
+              <a:rPr lang="de-DE" dirty="0"/>
+              <a:t>Loggen / Darstellen der Gradienten während des Trainings</a:t>
+            </a:r>
+          </a:p>
+        </p:txBody>
+      </p:sp>
+    </p:spTree>
+    <p:extLst>
+      <p:ext uri="{BB962C8B-B14F-4D97-AF65-F5344CB8AC3E}">
+        <p14:creationId xmlns:p14="http://schemas.microsoft.com/office/powerpoint/2010/main" val="1567722183"/>
       </p:ext>
     </p:extLst>
   </p:cSld>

--- a/theory/submission/result_presentation.pptx
+++ b/theory/submission/result_presentation.pptx
@@ -26,10 +26,10 @@
     <p:sldId id="280" r:id="rId17"/>
     <p:sldId id="276" r:id="rId18"/>
     <p:sldId id="282" r:id="rId19"/>
-    <p:sldId id="274" r:id="rId20"/>
-    <p:sldId id="283" r:id="rId21"/>
-    <p:sldId id="284" r:id="rId22"/>
-    <p:sldId id="285" r:id="rId23"/>
+    <p:sldId id="283" r:id="rId20"/>
+    <p:sldId id="284" r:id="rId21"/>
+    <p:sldId id="285" r:id="rId22"/>
+    <p:sldId id="274" r:id="rId23"/>
   </p:sldIdLst>
   <p:sldSz cx="12192000" cy="6858000"/>
   <p:notesSz cx="6858000" cy="9144000"/>
@@ -964,7 +964,7 @@
           <a:p>
             <a:fld id="{D4C12A24-BF94-4906-B274-F5BF4D611E23}" type="slidenum">
               <a:rPr lang="de-DE" smtClean="0"/>
-              <a:t>22</a:t>
+              <a:t>21</a:t>
             </a:fld>
             <a:endParaRPr lang="de-DE"/>
           </a:p>
@@ -14480,7 +14480,7 @@
             </a:br>
             <a:r>
               <a:rPr lang="de-DE" sz="2400" dirty="0"/>
-              <a:t>Demoanwendung</a:t>
+              <a:t>Backpropagation Test</a:t>
             </a:r>
             <a:endParaRPr lang="de-DE" dirty="0"/>
           </a:p>
@@ -14502,25 +14502,342 @@
             <p:ph idx="1"/>
           </p:nvPr>
         </p:nvSpPr>
-        <p:spPr/>
+        <p:spPr>
+          <a:xfrm>
+            <a:off x="838200" y="1825625"/>
+            <a:ext cx="3814823" cy="4351338"/>
+          </a:xfrm>
+        </p:spPr>
         <p:txBody>
-          <a:bodyPr/>
+          <a:bodyPr>
+            <a:normAutofit/>
+          </a:bodyPr>
           <a:lstStyle/>
           <a:p>
             <a:r>
-              <a:rPr lang="de-DE" dirty="0">
+              <a:rPr lang="de-DE" sz="1800" dirty="0"/>
+              <a:t>Tests, dass der Backpropagation Algorithmus die partiellen Ableitungen richtig berechnet (</a:t>
+            </a:r>
+            <a:r>
+              <a:rPr lang="de-DE" sz="1800" dirty="0" err="1">
                 <a:hlinkClick r:id="rId2"/>
               </a:rPr>
-              <a:t>Beispielanwendung MNIST Digit Classification</a:t>
-            </a:r>
-            <a:endParaRPr lang="de-DE" dirty="0"/>
+              <a:t>test_model</a:t>
+            </a:r>
+            <a:r>
+              <a:rPr lang="de-DE" sz="1800" dirty="0"/>
+              <a:t>)</a:t>
+            </a:r>
+          </a:p>
+          <a:p>
+            <a:r>
+              <a:rPr lang="de-DE" sz="1800" dirty="0"/>
+              <a:t>Beispielnetzwerk mit folgender Architektur:</a:t>
+            </a:r>
+          </a:p>
+          <a:p>
+            <a:pPr lvl="1"/>
+            <a:r>
+              <a:rPr lang="de-DE" sz="1100" dirty="0"/>
+              <a:t>3 Input Neuronen</a:t>
+            </a:r>
+          </a:p>
+          <a:p>
+            <a:pPr lvl="1"/>
+            <a:r>
+              <a:rPr lang="de-DE" sz="1100" dirty="0"/>
+              <a:t>2 Neuronen im Hidden Layer</a:t>
+            </a:r>
+          </a:p>
+          <a:p>
+            <a:pPr lvl="1"/>
+            <a:r>
+              <a:rPr lang="de-DE" sz="1100" dirty="0"/>
+              <a:t>2 Neuronen im Output Layer</a:t>
+            </a:r>
+            <a:endParaRPr lang="de-DE" sz="1800" dirty="0"/>
+          </a:p>
+          <a:p>
+            <a:r>
+              <a:rPr lang="de-DE" sz="1800" dirty="0"/>
+              <a:t>Zufällig initialisierte Eingangsneuronen</a:t>
+            </a:r>
+          </a:p>
+          <a:p>
+            <a:r>
+              <a:rPr lang="de-DE" sz="1800" dirty="0"/>
+              <a:t>Gradienten manuell ausgerechnet und mit Backpropagation Ergebnissen verglichen</a:t>
+            </a:r>
+          </a:p>
+        </p:txBody>
+      </p:sp>
+      <p:pic>
+        <p:nvPicPr>
+          <p:cNvPr id="5" name="Picture 4">
+            <a:extLst>
+              <a:ext uri="{FF2B5EF4-FFF2-40B4-BE49-F238E27FC236}">
+                <a16:creationId xmlns:a16="http://schemas.microsoft.com/office/drawing/2014/main" id="{87FC3623-B834-C5F1-36F4-29CBA7552723}"/>
+              </a:ext>
+            </a:extLst>
+          </p:cNvPr>
+          <p:cNvPicPr>
+            <a:picLocks noChangeAspect="1"/>
+          </p:cNvPicPr>
+          <p:nvPr/>
+        </p:nvPicPr>
+        <p:blipFill rotWithShape="1">
+          <a:blip r:embed="rId3"/>
+          <a:srcRect l="5051" b="10062"/>
+          <a:stretch/>
+        </p:blipFill>
+        <p:spPr>
+          <a:xfrm>
+            <a:off x="5399523" y="1760138"/>
+            <a:ext cx="2803606" cy="925190"/>
+          </a:xfrm>
+          <a:prstGeom prst="rect">
+            <a:avLst/>
+          </a:prstGeom>
+        </p:spPr>
+      </p:pic>
+      <p:pic>
+        <p:nvPicPr>
+          <p:cNvPr id="7" name="Picture 6">
+            <a:extLst>
+              <a:ext uri="{FF2B5EF4-FFF2-40B4-BE49-F238E27FC236}">
+                <a16:creationId xmlns:a16="http://schemas.microsoft.com/office/drawing/2014/main" id="{6C1EB7EF-9136-E309-4111-B3055C33068D}"/>
+              </a:ext>
+            </a:extLst>
+          </p:cNvPr>
+          <p:cNvPicPr>
+            <a:picLocks noChangeAspect="1"/>
+          </p:cNvPicPr>
+          <p:nvPr/>
+        </p:nvPicPr>
+        <p:blipFill>
+          <a:blip r:embed="rId4"/>
+          <a:stretch>
+            <a:fillRect/>
+          </a:stretch>
+        </p:blipFill>
+        <p:spPr>
+          <a:xfrm>
+            <a:off x="5399523" y="3039581"/>
+            <a:ext cx="2495550" cy="809625"/>
+          </a:xfrm>
+          <a:prstGeom prst="rect">
+            <a:avLst/>
+          </a:prstGeom>
+        </p:spPr>
+      </p:pic>
+      <p:pic>
+        <p:nvPicPr>
+          <p:cNvPr id="9" name="Picture 8">
+            <a:extLst>
+              <a:ext uri="{FF2B5EF4-FFF2-40B4-BE49-F238E27FC236}">
+                <a16:creationId xmlns:a16="http://schemas.microsoft.com/office/drawing/2014/main" id="{EFC87DA0-6A97-77D0-B849-3989B4EE4FB5}"/>
+              </a:ext>
+            </a:extLst>
+          </p:cNvPr>
+          <p:cNvPicPr>
+            <a:picLocks noChangeAspect="1"/>
+          </p:cNvPicPr>
+          <p:nvPr/>
+        </p:nvPicPr>
+        <p:blipFill>
+          <a:blip r:embed="rId5"/>
+          <a:stretch>
+            <a:fillRect/>
+          </a:stretch>
+        </p:blipFill>
+        <p:spPr>
+          <a:xfrm>
+            <a:off x="5399523" y="4203459"/>
+            <a:ext cx="3800475" cy="828675"/>
+          </a:xfrm>
+          <a:prstGeom prst="rect">
+            <a:avLst/>
+          </a:prstGeom>
+        </p:spPr>
+      </p:pic>
+      <p:pic>
+        <p:nvPicPr>
+          <p:cNvPr id="11" name="Picture 10">
+            <a:extLst>
+              <a:ext uri="{FF2B5EF4-FFF2-40B4-BE49-F238E27FC236}">
+                <a16:creationId xmlns:a16="http://schemas.microsoft.com/office/drawing/2014/main" id="{061D3227-6B57-78E9-2D41-CF42C8D613FF}"/>
+              </a:ext>
+            </a:extLst>
+          </p:cNvPr>
+          <p:cNvPicPr>
+            <a:picLocks noChangeAspect="1"/>
+          </p:cNvPicPr>
+          <p:nvPr/>
+        </p:nvPicPr>
+        <p:blipFill>
+          <a:blip r:embed="rId6"/>
+          <a:stretch>
+            <a:fillRect/>
+          </a:stretch>
+        </p:blipFill>
+        <p:spPr>
+          <a:xfrm>
+            <a:off x="5399523" y="5386388"/>
+            <a:ext cx="3505200" cy="790575"/>
+          </a:xfrm>
+          <a:prstGeom prst="rect">
+            <a:avLst/>
+          </a:prstGeom>
+        </p:spPr>
+      </p:pic>
+      <p:sp>
+        <p:nvSpPr>
+          <p:cNvPr id="12" name="TextBox 11">
+            <a:extLst>
+              <a:ext uri="{FF2B5EF4-FFF2-40B4-BE49-F238E27FC236}">
+                <a16:creationId xmlns:a16="http://schemas.microsoft.com/office/drawing/2014/main" id="{623CF95F-1E58-0710-F896-5A422904230D}"/>
+              </a:ext>
+            </a:extLst>
+          </p:cNvPr>
+          <p:cNvSpPr txBox="1"/>
+          <p:nvPr/>
+        </p:nvSpPr>
+        <p:spPr>
+          <a:xfrm>
+            <a:off x="9514393" y="1961123"/>
+            <a:ext cx="2257063" cy="523220"/>
+          </a:xfrm>
+          <a:prstGeom prst="rect">
+            <a:avLst/>
+          </a:prstGeom>
+          <a:noFill/>
+        </p:spPr>
+        <p:txBody>
+          <a:bodyPr wrap="square" rtlCol="0">
+            <a:spAutoFit/>
+          </a:bodyPr>
+          <a:lstStyle/>
+          <a:p>
+            <a:pPr algn="l"/>
+            <a:r>
+              <a:rPr lang="de-DE" sz="1400" dirty="0"/>
+              <a:t>Gewichtsgradienten am Output Layer</a:t>
+            </a:r>
+          </a:p>
+        </p:txBody>
+      </p:sp>
+      <p:sp>
+        <p:nvSpPr>
+          <p:cNvPr id="13" name="TextBox 12">
+            <a:extLst>
+              <a:ext uri="{FF2B5EF4-FFF2-40B4-BE49-F238E27FC236}">
+                <a16:creationId xmlns:a16="http://schemas.microsoft.com/office/drawing/2014/main" id="{32515B93-7F0A-2FF8-89BD-41C718BBECA7}"/>
+              </a:ext>
+            </a:extLst>
+          </p:cNvPr>
+          <p:cNvSpPr txBox="1"/>
+          <p:nvPr/>
+        </p:nvSpPr>
+        <p:spPr>
+          <a:xfrm>
+            <a:off x="9514393" y="3182783"/>
+            <a:ext cx="2071868" cy="523220"/>
+          </a:xfrm>
+          <a:prstGeom prst="rect">
+            <a:avLst/>
+          </a:prstGeom>
+          <a:noFill/>
+        </p:spPr>
+        <p:txBody>
+          <a:bodyPr wrap="square" rtlCol="0">
+            <a:spAutoFit/>
+          </a:bodyPr>
+          <a:lstStyle/>
+          <a:p>
+            <a:pPr algn="l"/>
+            <a:r>
+              <a:rPr lang="de-DE" sz="1400" dirty="0"/>
+              <a:t>Biasgradienten am Output Layer</a:t>
+            </a:r>
+          </a:p>
+        </p:txBody>
+      </p:sp>
+      <p:sp>
+        <p:nvSpPr>
+          <p:cNvPr id="14" name="TextBox 13">
+            <a:extLst>
+              <a:ext uri="{FF2B5EF4-FFF2-40B4-BE49-F238E27FC236}">
+                <a16:creationId xmlns:a16="http://schemas.microsoft.com/office/drawing/2014/main" id="{3149D791-1838-5468-72DB-ED775F0C3215}"/>
+              </a:ext>
+            </a:extLst>
+          </p:cNvPr>
+          <p:cNvSpPr txBox="1"/>
+          <p:nvPr/>
+        </p:nvSpPr>
+        <p:spPr>
+          <a:xfrm>
+            <a:off x="9514393" y="4356186"/>
+            <a:ext cx="1701478" cy="523220"/>
+          </a:xfrm>
+          <a:prstGeom prst="rect">
+            <a:avLst/>
+          </a:prstGeom>
+          <a:noFill/>
+        </p:spPr>
+        <p:txBody>
+          <a:bodyPr wrap="square" rtlCol="0">
+            <a:spAutoFit/>
+          </a:bodyPr>
+          <a:lstStyle/>
+          <a:p>
+            <a:pPr algn="l"/>
+            <a:r>
+              <a:rPr lang="de-DE" sz="1400" dirty="0"/>
+              <a:t>Gewichtsgradienten am Hidden Layer</a:t>
+            </a:r>
+          </a:p>
+        </p:txBody>
+      </p:sp>
+      <p:sp>
+        <p:nvSpPr>
+          <p:cNvPr id="15" name="TextBox 14">
+            <a:extLst>
+              <a:ext uri="{FF2B5EF4-FFF2-40B4-BE49-F238E27FC236}">
+                <a16:creationId xmlns:a16="http://schemas.microsoft.com/office/drawing/2014/main" id="{CFD22221-7723-5609-4D7F-D3BB381585D4}"/>
+              </a:ext>
+            </a:extLst>
+          </p:cNvPr>
+          <p:cNvSpPr txBox="1"/>
+          <p:nvPr/>
+        </p:nvSpPr>
+        <p:spPr>
+          <a:xfrm>
+            <a:off x="9514393" y="5520065"/>
+            <a:ext cx="2048719" cy="523220"/>
+          </a:xfrm>
+          <a:prstGeom prst="rect">
+            <a:avLst/>
+          </a:prstGeom>
+          <a:noFill/>
+        </p:spPr>
+        <p:txBody>
+          <a:bodyPr wrap="square" rtlCol="0">
+            <a:spAutoFit/>
+          </a:bodyPr>
+          <a:lstStyle/>
+          <a:p>
+            <a:pPr algn="l"/>
+            <a:r>
+              <a:rPr lang="de-DE" sz="1400" dirty="0"/>
+              <a:t>Biasgradienten am Hidden Layer</a:t>
+            </a:r>
           </a:p>
         </p:txBody>
       </p:sp>
     </p:spTree>
     <p:extLst>
       <p:ext uri="{BB962C8B-B14F-4D97-AF65-F5344CB8AC3E}">
-        <p14:creationId xmlns:p14="http://schemas.microsoft.com/office/powerpoint/2010/main" val="2176953187"/>
+        <p14:creationId xmlns:p14="http://schemas.microsoft.com/office/powerpoint/2010/main" val="3357872495"/>
       </p:ext>
     </p:extLst>
   </p:cSld>
@@ -14640,13 +14957,6 @@
             <a:pPr lvl="1"/>
             <a:r>
               <a:rPr lang="de-DE" dirty="0"/>
-              <a:t>Demo Anwendung</a:t>
-            </a:r>
-          </a:p>
-          <a:p>
-            <a:pPr lvl="1"/>
-            <a:r>
-              <a:rPr lang="de-DE" dirty="0"/>
               <a:t>Backpropagation Tests</a:t>
             </a:r>
           </a:p>
@@ -14663,6 +14973,14 @@
               <a:rPr lang="de-DE" dirty="0"/>
               <a:t>Verbesserungsmöglichkeiten</a:t>
             </a:r>
+          </a:p>
+          <a:p>
+            <a:pPr lvl="1"/>
+            <a:r>
+              <a:rPr lang="de-DE"/>
+              <a:t>Demo Anwendung</a:t>
+            </a:r>
+            <a:endParaRPr lang="de-DE" dirty="0"/>
           </a:p>
         </p:txBody>
       </p:sp>
@@ -14680,420 +14998,6 @@
 </file>
 
 <file path=ppt/slides/slide20.xml><?xml version="1.0" encoding="utf-8"?>
-<p:sld xmlns:a="http://schemas.openxmlformats.org/drawingml/2006/main" xmlns:r="http://schemas.openxmlformats.org/officeDocument/2006/relationships" xmlns:p="http://schemas.openxmlformats.org/presentationml/2006/main">
-  <p:cSld>
-    <p:spTree>
-      <p:nvGrpSpPr>
-        <p:cNvPr id="1" name=""/>
-        <p:cNvGrpSpPr/>
-        <p:nvPr/>
-      </p:nvGrpSpPr>
-      <p:grpSpPr>
-        <a:xfrm>
-          <a:off x="0" y="0"/>
-          <a:ext cx="0" cy="0"/>
-          <a:chOff x="0" y="0"/>
-          <a:chExt cx="0" cy="0"/>
-        </a:xfrm>
-      </p:grpSpPr>
-      <p:sp>
-        <p:nvSpPr>
-          <p:cNvPr id="2" name="Titel 1">
-            <a:extLst>
-              <a:ext uri="{FF2B5EF4-FFF2-40B4-BE49-F238E27FC236}">
-                <a16:creationId xmlns:a16="http://schemas.microsoft.com/office/drawing/2014/main" id="{29FA37A3-FF5A-44AB-8DF3-1148A58E43F7}"/>
-              </a:ext>
-            </a:extLst>
-          </p:cNvPr>
-          <p:cNvSpPr>
-            <a:spLocks noGrp="1"/>
-          </p:cNvSpPr>
-          <p:nvPr>
-            <p:ph type="title"/>
-          </p:nvPr>
-        </p:nvSpPr>
-        <p:spPr/>
-        <p:txBody>
-          <a:bodyPr/>
-          <a:lstStyle/>
-          <a:p>
-            <a:r>
-              <a:rPr lang="de-DE" dirty="0"/>
-              <a:t>Implementierung in Python</a:t>
-            </a:r>
-            <a:br>
-              <a:rPr lang="de-DE" dirty="0"/>
-            </a:br>
-            <a:r>
-              <a:rPr lang="de-DE" sz="2400" dirty="0"/>
-              <a:t>Backpropagation Test</a:t>
-            </a:r>
-            <a:endParaRPr lang="de-DE" dirty="0"/>
-          </a:p>
-        </p:txBody>
-      </p:sp>
-      <p:sp>
-        <p:nvSpPr>
-          <p:cNvPr id="3" name="Inhaltsplatzhalter 2">
-            <a:extLst>
-              <a:ext uri="{FF2B5EF4-FFF2-40B4-BE49-F238E27FC236}">
-                <a16:creationId xmlns:a16="http://schemas.microsoft.com/office/drawing/2014/main" id="{D2D4F1E2-9CD7-4555-B49C-3581844978A5}"/>
-              </a:ext>
-            </a:extLst>
-          </p:cNvPr>
-          <p:cNvSpPr>
-            <a:spLocks noGrp="1"/>
-          </p:cNvSpPr>
-          <p:nvPr>
-            <p:ph idx="1"/>
-          </p:nvPr>
-        </p:nvSpPr>
-        <p:spPr>
-          <a:xfrm>
-            <a:off x="838200" y="1825625"/>
-            <a:ext cx="3814823" cy="4351338"/>
-          </a:xfrm>
-        </p:spPr>
-        <p:txBody>
-          <a:bodyPr>
-            <a:normAutofit/>
-          </a:bodyPr>
-          <a:lstStyle/>
-          <a:p>
-            <a:r>
-              <a:rPr lang="de-DE" sz="1800" dirty="0"/>
-              <a:t>Tests, dass der Backpropagation Algorithmus die partiellen Ableitungen richtig berechnet (</a:t>
-            </a:r>
-            <a:r>
-              <a:rPr lang="de-DE" sz="1800" dirty="0" err="1">
-                <a:hlinkClick r:id="rId2"/>
-              </a:rPr>
-              <a:t>test_model</a:t>
-            </a:r>
-            <a:r>
-              <a:rPr lang="de-DE" sz="1800" dirty="0"/>
-              <a:t>)</a:t>
-            </a:r>
-          </a:p>
-          <a:p>
-            <a:r>
-              <a:rPr lang="de-DE" sz="1800" dirty="0"/>
-              <a:t>Beispielnetzwerk mit folgender Architektur:</a:t>
-            </a:r>
-          </a:p>
-          <a:p>
-            <a:pPr lvl="1"/>
-            <a:r>
-              <a:rPr lang="de-DE" sz="1100" dirty="0"/>
-              <a:t>3 Input Neuronen</a:t>
-            </a:r>
-          </a:p>
-          <a:p>
-            <a:pPr lvl="1"/>
-            <a:r>
-              <a:rPr lang="de-DE" sz="1100" dirty="0"/>
-              <a:t>2 Neuronen im Hidden Layer</a:t>
-            </a:r>
-          </a:p>
-          <a:p>
-            <a:pPr lvl="1"/>
-            <a:r>
-              <a:rPr lang="de-DE" sz="1100" dirty="0"/>
-              <a:t>2 Neuronen im Output Layer</a:t>
-            </a:r>
-            <a:endParaRPr lang="de-DE" sz="1800" dirty="0"/>
-          </a:p>
-          <a:p>
-            <a:r>
-              <a:rPr lang="de-DE" sz="1800" dirty="0"/>
-              <a:t>Zufällig initialisierte Eingangsneuronen</a:t>
-            </a:r>
-          </a:p>
-          <a:p>
-            <a:r>
-              <a:rPr lang="de-DE" sz="1800" dirty="0"/>
-              <a:t>Gradienten manuell ausgerechnet und mit Backpropagation Ergebnissen verglichen</a:t>
-            </a:r>
-          </a:p>
-        </p:txBody>
-      </p:sp>
-      <p:pic>
-        <p:nvPicPr>
-          <p:cNvPr id="5" name="Picture 4">
-            <a:extLst>
-              <a:ext uri="{FF2B5EF4-FFF2-40B4-BE49-F238E27FC236}">
-                <a16:creationId xmlns:a16="http://schemas.microsoft.com/office/drawing/2014/main" id="{87FC3623-B834-C5F1-36F4-29CBA7552723}"/>
-              </a:ext>
-            </a:extLst>
-          </p:cNvPr>
-          <p:cNvPicPr>
-            <a:picLocks noChangeAspect="1"/>
-          </p:cNvPicPr>
-          <p:nvPr/>
-        </p:nvPicPr>
-        <p:blipFill rotWithShape="1">
-          <a:blip r:embed="rId3"/>
-          <a:srcRect l="5051" b="10062"/>
-          <a:stretch/>
-        </p:blipFill>
-        <p:spPr>
-          <a:xfrm>
-            <a:off x="5399523" y="1760138"/>
-            <a:ext cx="2803606" cy="925190"/>
-          </a:xfrm>
-          <a:prstGeom prst="rect">
-            <a:avLst/>
-          </a:prstGeom>
-        </p:spPr>
-      </p:pic>
-      <p:pic>
-        <p:nvPicPr>
-          <p:cNvPr id="7" name="Picture 6">
-            <a:extLst>
-              <a:ext uri="{FF2B5EF4-FFF2-40B4-BE49-F238E27FC236}">
-                <a16:creationId xmlns:a16="http://schemas.microsoft.com/office/drawing/2014/main" id="{6C1EB7EF-9136-E309-4111-B3055C33068D}"/>
-              </a:ext>
-            </a:extLst>
-          </p:cNvPr>
-          <p:cNvPicPr>
-            <a:picLocks noChangeAspect="1"/>
-          </p:cNvPicPr>
-          <p:nvPr/>
-        </p:nvPicPr>
-        <p:blipFill>
-          <a:blip r:embed="rId4"/>
-          <a:stretch>
-            <a:fillRect/>
-          </a:stretch>
-        </p:blipFill>
-        <p:spPr>
-          <a:xfrm>
-            <a:off x="5399523" y="3039581"/>
-            <a:ext cx="2495550" cy="809625"/>
-          </a:xfrm>
-          <a:prstGeom prst="rect">
-            <a:avLst/>
-          </a:prstGeom>
-        </p:spPr>
-      </p:pic>
-      <p:pic>
-        <p:nvPicPr>
-          <p:cNvPr id="9" name="Picture 8">
-            <a:extLst>
-              <a:ext uri="{FF2B5EF4-FFF2-40B4-BE49-F238E27FC236}">
-                <a16:creationId xmlns:a16="http://schemas.microsoft.com/office/drawing/2014/main" id="{EFC87DA0-6A97-77D0-B849-3989B4EE4FB5}"/>
-              </a:ext>
-            </a:extLst>
-          </p:cNvPr>
-          <p:cNvPicPr>
-            <a:picLocks noChangeAspect="1"/>
-          </p:cNvPicPr>
-          <p:nvPr/>
-        </p:nvPicPr>
-        <p:blipFill>
-          <a:blip r:embed="rId5"/>
-          <a:stretch>
-            <a:fillRect/>
-          </a:stretch>
-        </p:blipFill>
-        <p:spPr>
-          <a:xfrm>
-            <a:off x="5399523" y="4203459"/>
-            <a:ext cx="3800475" cy="828675"/>
-          </a:xfrm>
-          <a:prstGeom prst="rect">
-            <a:avLst/>
-          </a:prstGeom>
-        </p:spPr>
-      </p:pic>
-      <p:pic>
-        <p:nvPicPr>
-          <p:cNvPr id="11" name="Picture 10">
-            <a:extLst>
-              <a:ext uri="{FF2B5EF4-FFF2-40B4-BE49-F238E27FC236}">
-                <a16:creationId xmlns:a16="http://schemas.microsoft.com/office/drawing/2014/main" id="{061D3227-6B57-78E9-2D41-CF42C8D613FF}"/>
-              </a:ext>
-            </a:extLst>
-          </p:cNvPr>
-          <p:cNvPicPr>
-            <a:picLocks noChangeAspect="1"/>
-          </p:cNvPicPr>
-          <p:nvPr/>
-        </p:nvPicPr>
-        <p:blipFill>
-          <a:blip r:embed="rId6"/>
-          <a:stretch>
-            <a:fillRect/>
-          </a:stretch>
-        </p:blipFill>
-        <p:spPr>
-          <a:xfrm>
-            <a:off x="5399523" y="5386388"/>
-            <a:ext cx="3505200" cy="790575"/>
-          </a:xfrm>
-          <a:prstGeom prst="rect">
-            <a:avLst/>
-          </a:prstGeom>
-        </p:spPr>
-      </p:pic>
-      <p:sp>
-        <p:nvSpPr>
-          <p:cNvPr id="12" name="TextBox 11">
-            <a:extLst>
-              <a:ext uri="{FF2B5EF4-FFF2-40B4-BE49-F238E27FC236}">
-                <a16:creationId xmlns:a16="http://schemas.microsoft.com/office/drawing/2014/main" id="{623CF95F-1E58-0710-F896-5A422904230D}"/>
-              </a:ext>
-            </a:extLst>
-          </p:cNvPr>
-          <p:cNvSpPr txBox="1"/>
-          <p:nvPr/>
-        </p:nvSpPr>
-        <p:spPr>
-          <a:xfrm>
-            <a:off x="9514393" y="1961123"/>
-            <a:ext cx="2257063" cy="523220"/>
-          </a:xfrm>
-          <a:prstGeom prst="rect">
-            <a:avLst/>
-          </a:prstGeom>
-          <a:noFill/>
-        </p:spPr>
-        <p:txBody>
-          <a:bodyPr wrap="square" rtlCol="0">
-            <a:spAutoFit/>
-          </a:bodyPr>
-          <a:lstStyle/>
-          <a:p>
-            <a:pPr algn="l"/>
-            <a:r>
-              <a:rPr lang="de-DE" sz="1400" dirty="0"/>
-              <a:t>Gewichtsgradienten am Output Layer</a:t>
-            </a:r>
-          </a:p>
-        </p:txBody>
-      </p:sp>
-      <p:sp>
-        <p:nvSpPr>
-          <p:cNvPr id="13" name="TextBox 12">
-            <a:extLst>
-              <a:ext uri="{FF2B5EF4-FFF2-40B4-BE49-F238E27FC236}">
-                <a16:creationId xmlns:a16="http://schemas.microsoft.com/office/drawing/2014/main" id="{32515B93-7F0A-2FF8-89BD-41C718BBECA7}"/>
-              </a:ext>
-            </a:extLst>
-          </p:cNvPr>
-          <p:cNvSpPr txBox="1"/>
-          <p:nvPr/>
-        </p:nvSpPr>
-        <p:spPr>
-          <a:xfrm>
-            <a:off x="9514393" y="3182783"/>
-            <a:ext cx="2071868" cy="523220"/>
-          </a:xfrm>
-          <a:prstGeom prst="rect">
-            <a:avLst/>
-          </a:prstGeom>
-          <a:noFill/>
-        </p:spPr>
-        <p:txBody>
-          <a:bodyPr wrap="square" rtlCol="0">
-            <a:spAutoFit/>
-          </a:bodyPr>
-          <a:lstStyle/>
-          <a:p>
-            <a:pPr algn="l"/>
-            <a:r>
-              <a:rPr lang="de-DE" sz="1400" dirty="0"/>
-              <a:t>Biasgradienten am Output Layer</a:t>
-            </a:r>
-          </a:p>
-        </p:txBody>
-      </p:sp>
-      <p:sp>
-        <p:nvSpPr>
-          <p:cNvPr id="14" name="TextBox 13">
-            <a:extLst>
-              <a:ext uri="{FF2B5EF4-FFF2-40B4-BE49-F238E27FC236}">
-                <a16:creationId xmlns:a16="http://schemas.microsoft.com/office/drawing/2014/main" id="{3149D791-1838-5468-72DB-ED775F0C3215}"/>
-              </a:ext>
-            </a:extLst>
-          </p:cNvPr>
-          <p:cNvSpPr txBox="1"/>
-          <p:nvPr/>
-        </p:nvSpPr>
-        <p:spPr>
-          <a:xfrm>
-            <a:off x="9514393" y="4356186"/>
-            <a:ext cx="1701478" cy="523220"/>
-          </a:xfrm>
-          <a:prstGeom prst="rect">
-            <a:avLst/>
-          </a:prstGeom>
-          <a:noFill/>
-        </p:spPr>
-        <p:txBody>
-          <a:bodyPr wrap="square" rtlCol="0">
-            <a:spAutoFit/>
-          </a:bodyPr>
-          <a:lstStyle/>
-          <a:p>
-            <a:pPr algn="l"/>
-            <a:r>
-              <a:rPr lang="de-DE" sz="1400" dirty="0"/>
-              <a:t>Gewichtsgradienten am Hidden Layer</a:t>
-            </a:r>
-          </a:p>
-        </p:txBody>
-      </p:sp>
-      <p:sp>
-        <p:nvSpPr>
-          <p:cNvPr id="15" name="TextBox 14">
-            <a:extLst>
-              <a:ext uri="{FF2B5EF4-FFF2-40B4-BE49-F238E27FC236}">
-                <a16:creationId xmlns:a16="http://schemas.microsoft.com/office/drawing/2014/main" id="{CFD22221-7723-5609-4D7F-D3BB381585D4}"/>
-              </a:ext>
-            </a:extLst>
-          </p:cNvPr>
-          <p:cNvSpPr txBox="1"/>
-          <p:nvPr/>
-        </p:nvSpPr>
-        <p:spPr>
-          <a:xfrm>
-            <a:off x="9514393" y="5520065"/>
-            <a:ext cx="2048719" cy="523220"/>
-          </a:xfrm>
-          <a:prstGeom prst="rect">
-            <a:avLst/>
-          </a:prstGeom>
-          <a:noFill/>
-        </p:spPr>
-        <p:txBody>
-          <a:bodyPr wrap="square" rtlCol="0">
-            <a:spAutoFit/>
-          </a:bodyPr>
-          <a:lstStyle/>
-          <a:p>
-            <a:pPr algn="l"/>
-            <a:r>
-              <a:rPr lang="de-DE" sz="1400" dirty="0"/>
-              <a:t>Biasgradienten am Hidden Layer</a:t>
-            </a:r>
-          </a:p>
-        </p:txBody>
-      </p:sp>
-    </p:spTree>
-    <p:extLst>
-      <p:ext uri="{BB962C8B-B14F-4D97-AF65-F5344CB8AC3E}">
-        <p14:creationId xmlns:p14="http://schemas.microsoft.com/office/powerpoint/2010/main" val="3357872495"/>
-      </p:ext>
-    </p:extLst>
-  </p:cSld>
-  <p:clrMapOvr>
-    <a:masterClrMapping/>
-  </p:clrMapOvr>
-</p:sld>
-</file>
-
-<file path=ppt/slides/slide21.xml><?xml version="1.0" encoding="utf-8"?>
 <p:sld xmlns:a="http://schemas.openxmlformats.org/drawingml/2006/main" xmlns:r="http://schemas.openxmlformats.org/officeDocument/2006/relationships" xmlns:p="http://schemas.openxmlformats.org/presentationml/2006/main">
   <p:cSld>
     <p:spTree>
@@ -16025,6 +15929,150 @@
 </p:sld>
 </file>
 
+<file path=ppt/slides/slide21.xml><?xml version="1.0" encoding="utf-8"?>
+<p:sld xmlns:a="http://schemas.openxmlformats.org/drawingml/2006/main" xmlns:r="http://schemas.openxmlformats.org/officeDocument/2006/relationships" xmlns:p="http://schemas.openxmlformats.org/presentationml/2006/main">
+  <p:cSld>
+    <p:spTree>
+      <p:nvGrpSpPr>
+        <p:cNvPr id="1" name=""/>
+        <p:cNvGrpSpPr/>
+        <p:nvPr/>
+      </p:nvGrpSpPr>
+      <p:grpSpPr>
+        <a:xfrm>
+          <a:off x="0" y="0"/>
+          <a:ext cx="0" cy="0"/>
+          <a:chOff x="0" y="0"/>
+          <a:chExt cx="0" cy="0"/>
+        </a:xfrm>
+      </p:grpSpPr>
+      <p:sp>
+        <p:nvSpPr>
+          <p:cNvPr id="2" name="Title 1">
+            <a:extLst>
+              <a:ext uri="{FF2B5EF4-FFF2-40B4-BE49-F238E27FC236}">
+                <a16:creationId xmlns:a16="http://schemas.microsoft.com/office/drawing/2014/main" id="{4FDDF432-0398-2860-1958-836C75D07FFA}"/>
+              </a:ext>
+            </a:extLst>
+          </p:cNvPr>
+          <p:cNvSpPr>
+            <a:spLocks noGrp="1"/>
+          </p:cNvSpPr>
+          <p:nvPr>
+            <p:ph type="title"/>
+          </p:nvPr>
+        </p:nvSpPr>
+        <p:spPr/>
+        <p:txBody>
+          <a:bodyPr/>
+          <a:lstStyle/>
+          <a:p>
+            <a:r>
+              <a:rPr lang="de-DE" dirty="0"/>
+              <a:t>Implementierung in Python</a:t>
+            </a:r>
+            <a:br>
+              <a:rPr lang="de-DE" dirty="0"/>
+            </a:br>
+            <a:r>
+              <a:rPr lang="de-DE" sz="2400" dirty="0"/>
+              <a:t>Verbesserungsmöglichkeiten</a:t>
+            </a:r>
+            <a:endParaRPr lang="de-DE" dirty="0"/>
+          </a:p>
+        </p:txBody>
+      </p:sp>
+      <p:sp>
+        <p:nvSpPr>
+          <p:cNvPr id="3" name="Content Placeholder 2">
+            <a:extLst>
+              <a:ext uri="{FF2B5EF4-FFF2-40B4-BE49-F238E27FC236}">
+                <a16:creationId xmlns:a16="http://schemas.microsoft.com/office/drawing/2014/main" id="{833A09AB-4A21-E646-1F7B-0294BB95F879}"/>
+              </a:ext>
+            </a:extLst>
+          </p:cNvPr>
+          <p:cNvSpPr>
+            <a:spLocks noGrp="1"/>
+          </p:cNvSpPr>
+          <p:nvPr>
+            <p:ph idx="1"/>
+          </p:nvPr>
+        </p:nvSpPr>
+        <p:spPr/>
+        <p:txBody>
+          <a:bodyPr/>
+          <a:lstStyle/>
+          <a:p>
+            <a:r>
+              <a:rPr lang="de-DE" dirty="0"/>
+              <a:t>Schlauere Initialisierung der Gewichte um Training zu beschleunigen</a:t>
+            </a:r>
+          </a:p>
+          <a:p>
+            <a:r>
+              <a:rPr lang="de-DE" dirty="0"/>
+              <a:t>Schlauere Anpassung der Gewichte und Biases um Training zu beschleunigen</a:t>
+            </a:r>
+          </a:p>
+          <a:p>
+            <a:pPr lvl="1"/>
+            <a:r>
+              <a:rPr lang="de-DE" dirty="0"/>
+              <a:t>Stochastic Gradient Descent mit Momentum</a:t>
+            </a:r>
+          </a:p>
+          <a:p>
+            <a:pPr lvl="1"/>
+            <a:r>
+              <a:rPr lang="de-DE" dirty="0"/>
+              <a:t>Learning Rate Decay</a:t>
+            </a:r>
+          </a:p>
+          <a:p>
+            <a:pPr lvl="1"/>
+            <a:r>
+              <a:rPr lang="de-DE" dirty="0" err="1"/>
+              <a:t>RMSProp</a:t>
+            </a:r>
+            <a:r>
+              <a:rPr lang="de-DE" dirty="0"/>
+              <a:t> Optimierer</a:t>
+            </a:r>
+          </a:p>
+          <a:p>
+            <a:pPr lvl="1"/>
+            <a:r>
+              <a:rPr lang="de-DE" dirty="0"/>
+              <a:t>Adam Optimierer</a:t>
+            </a:r>
+          </a:p>
+          <a:p>
+            <a:r>
+              <a:rPr lang="de-DE" dirty="0"/>
+              <a:t>CNN und RNN Layer</a:t>
+            </a:r>
+          </a:p>
+          <a:p>
+            <a:r>
+              <a:rPr lang="de-DE" dirty="0"/>
+              <a:t>Loggen / Darstellen der Gradienten während des Trainings</a:t>
+            </a:r>
+          </a:p>
+        </p:txBody>
+      </p:sp>
+    </p:spTree>
+    <p:extLst>
+      <p:ext uri="{BB962C8B-B14F-4D97-AF65-F5344CB8AC3E}">
+        <p14:creationId xmlns:p14="http://schemas.microsoft.com/office/powerpoint/2010/main" val="1567722183"/>
+      </p:ext>
+    </p:extLst>
+  </p:cSld>
+  <p:clrMapOvr>
+    <a:masterClrMapping/>
+  </p:clrMapOvr>
+</p:sld>
+</file>
+
 <file path=ppt/slides/slide22.xml><?xml version="1.0" encoding="utf-8"?>
 <p:sld xmlns:a="http://schemas.openxmlformats.org/drawingml/2006/main" xmlns:r="http://schemas.openxmlformats.org/officeDocument/2006/relationships" xmlns:p="http://schemas.openxmlformats.org/presentationml/2006/main">
   <p:cSld>
@@ -16044,10 +16092,10 @@
       </p:grpSpPr>
       <p:sp>
         <p:nvSpPr>
-          <p:cNvPr id="2" name="Title 1">
-            <a:extLst>
-              <a:ext uri="{FF2B5EF4-FFF2-40B4-BE49-F238E27FC236}">
-                <a16:creationId xmlns:a16="http://schemas.microsoft.com/office/drawing/2014/main" id="{4FDDF432-0398-2860-1958-836C75D07FFA}"/>
+          <p:cNvPr id="2" name="Titel 1">
+            <a:extLst>
+              <a:ext uri="{FF2B5EF4-FFF2-40B4-BE49-F238E27FC236}">
+                <a16:creationId xmlns:a16="http://schemas.microsoft.com/office/drawing/2014/main" id="{29FA37A3-FF5A-44AB-8DF3-1148A58E43F7}"/>
               </a:ext>
             </a:extLst>
           </p:cNvPr>
@@ -16072,7 +16120,7 @@
             </a:br>
             <a:r>
               <a:rPr lang="de-DE" sz="2400" dirty="0"/>
-              <a:t>Verbesserungsmöglichkeiten</a:t>
+              <a:t>Demoanwendung</a:t>
             </a:r>
             <a:endParaRPr lang="de-DE" dirty="0"/>
           </a:p>
@@ -16080,10 +16128,10 @@
       </p:sp>
       <p:sp>
         <p:nvSpPr>
-          <p:cNvPr id="3" name="Content Placeholder 2">
-            <a:extLst>
-              <a:ext uri="{FF2B5EF4-FFF2-40B4-BE49-F238E27FC236}">
-                <a16:creationId xmlns:a16="http://schemas.microsoft.com/office/drawing/2014/main" id="{833A09AB-4A21-E646-1F7B-0294BB95F879}"/>
+          <p:cNvPr id="3" name="Inhaltsplatzhalter 2">
+            <a:extLst>
+              <a:ext uri="{FF2B5EF4-FFF2-40B4-BE49-F238E27FC236}">
+                <a16:creationId xmlns:a16="http://schemas.microsoft.com/office/drawing/2014/main" id="{D2D4F1E2-9CD7-4555-B49C-3581844978A5}"/>
               </a:ext>
             </a:extLst>
           </p:cNvPr>
@@ -16100,66 +16148,19 @@
           <a:lstStyle/>
           <a:p>
             <a:r>
-              <a:rPr lang="de-DE" dirty="0"/>
-              <a:t>Schlauere Initialisierung der Gewichte um Training zu beschleunigen</a:t>
-            </a:r>
-          </a:p>
-          <a:p>
-            <a:r>
-              <a:rPr lang="de-DE" dirty="0"/>
-              <a:t>Schlauere Anpassung der Gewichte und Biases um Training zu beschleunigen</a:t>
-            </a:r>
-          </a:p>
-          <a:p>
-            <a:pPr lvl="1"/>
-            <a:r>
-              <a:rPr lang="de-DE" dirty="0"/>
-              <a:t>Stochastic Gradient Descent mit Momentum</a:t>
-            </a:r>
-          </a:p>
-          <a:p>
-            <a:pPr lvl="1"/>
-            <a:r>
-              <a:rPr lang="de-DE" dirty="0"/>
-              <a:t>Learning Rate Decay</a:t>
-            </a:r>
-          </a:p>
-          <a:p>
-            <a:pPr lvl="1"/>
-            <a:r>
-              <a:rPr lang="de-DE" dirty="0" err="1"/>
-              <a:t>RMSProp</a:t>
-            </a:r>
-            <a:r>
-              <a:rPr lang="de-DE" dirty="0"/>
-              <a:t> Optimierer</a:t>
-            </a:r>
-          </a:p>
-          <a:p>
-            <a:pPr lvl="1"/>
-            <a:r>
-              <a:rPr lang="de-DE" dirty="0"/>
-              <a:t>Adam Optimierer</a:t>
-            </a:r>
-          </a:p>
-          <a:p>
-            <a:r>
-              <a:rPr lang="de-DE" dirty="0"/>
-              <a:t>CNN und RNN Layer</a:t>
-            </a:r>
-          </a:p>
-          <a:p>
-            <a:r>
-              <a:rPr lang="de-DE" dirty="0"/>
-              <a:t>Loggen / Darstellen der Gradienten während des Trainings</a:t>
-            </a:r>
+              <a:rPr lang="de-DE" dirty="0">
+                <a:hlinkClick r:id="rId2"/>
+              </a:rPr>
+              <a:t>Beispielanwendung MNIST Digit Classification</a:t>
+            </a:r>
+            <a:endParaRPr lang="de-DE" dirty="0"/>
           </a:p>
         </p:txBody>
       </p:sp>
     </p:spTree>
     <p:extLst>
       <p:ext uri="{BB962C8B-B14F-4D97-AF65-F5344CB8AC3E}">
-        <p14:creationId xmlns:p14="http://schemas.microsoft.com/office/powerpoint/2010/main" val="1567722183"/>
+        <p14:creationId xmlns:p14="http://schemas.microsoft.com/office/powerpoint/2010/main" val="2176953187"/>
       </p:ext>
     </p:extLst>
   </p:cSld>

--- a/theory/submission/result_presentation.pptx
+++ b/theory/submission/result_presentation.pptx
@@ -218,7 +218,7 @@
           <a:p>
             <a:fld id="{8EB49EC5-088D-473F-9BFC-E2740B5DA688}" type="datetimeFigureOut">
               <a:rPr lang="de-DE" smtClean="0"/>
-              <a:t>08.05.2022</a:t>
+              <a:t>09.05.2022</a:t>
             </a:fld>
             <a:endParaRPr lang="de-DE"/>
           </a:p>
@@ -1208,9 +1208,9 @@
           <a:bodyPr/>
           <a:lstStyle/>
           <a:p>
-            <a:pPr marL="171450" indent="-171450">
+            <a:pPr marL="0" indent="0">
               <a:buFont typeface="Arial" panose="020B0604020202020204" pitchFamily="34" charset="0"/>
-              <a:buChar char="•"/>
+              <a:buNone/>
             </a:pPr>
             <a:endParaRPr lang="de-DE" dirty="0"/>
           </a:p>
@@ -2067,7 +2067,7 @@
           <a:p>
             <a:fld id="{E47F9164-12F9-48A6-9622-CDF71CB57A75}" type="datetimeFigureOut">
               <a:rPr lang="de-DE" smtClean="0"/>
-              <a:t>08.05.2022</a:t>
+              <a:t>09.05.2022</a:t>
             </a:fld>
             <a:endParaRPr lang="de-DE"/>
           </a:p>
@@ -2265,7 +2265,7 @@
           <a:p>
             <a:fld id="{E47F9164-12F9-48A6-9622-CDF71CB57A75}" type="datetimeFigureOut">
               <a:rPr lang="de-DE" smtClean="0"/>
-              <a:t>08.05.2022</a:t>
+              <a:t>09.05.2022</a:t>
             </a:fld>
             <a:endParaRPr lang="de-DE"/>
           </a:p>
@@ -2473,7 +2473,7 @@
           <a:p>
             <a:fld id="{E47F9164-12F9-48A6-9622-CDF71CB57A75}" type="datetimeFigureOut">
               <a:rPr lang="de-DE" smtClean="0"/>
-              <a:t>08.05.2022</a:t>
+              <a:t>09.05.2022</a:t>
             </a:fld>
             <a:endParaRPr lang="de-DE"/>
           </a:p>
@@ -2671,7 +2671,7 @@
           <a:p>
             <a:fld id="{E47F9164-12F9-48A6-9622-CDF71CB57A75}" type="datetimeFigureOut">
               <a:rPr lang="de-DE" smtClean="0"/>
-              <a:t>08.05.2022</a:t>
+              <a:t>09.05.2022</a:t>
             </a:fld>
             <a:endParaRPr lang="de-DE"/>
           </a:p>
@@ -2946,7 +2946,7 @@
           <a:p>
             <a:fld id="{E47F9164-12F9-48A6-9622-CDF71CB57A75}" type="datetimeFigureOut">
               <a:rPr lang="de-DE" smtClean="0"/>
-              <a:t>08.05.2022</a:t>
+              <a:t>09.05.2022</a:t>
             </a:fld>
             <a:endParaRPr lang="de-DE"/>
           </a:p>
@@ -3211,7 +3211,7 @@
           <a:p>
             <a:fld id="{E47F9164-12F9-48A6-9622-CDF71CB57A75}" type="datetimeFigureOut">
               <a:rPr lang="de-DE" smtClean="0"/>
-              <a:t>08.05.2022</a:t>
+              <a:t>09.05.2022</a:t>
             </a:fld>
             <a:endParaRPr lang="de-DE"/>
           </a:p>
@@ -3623,7 +3623,7 @@
           <a:p>
             <a:fld id="{E47F9164-12F9-48A6-9622-CDF71CB57A75}" type="datetimeFigureOut">
               <a:rPr lang="de-DE" smtClean="0"/>
-              <a:t>08.05.2022</a:t>
+              <a:t>09.05.2022</a:t>
             </a:fld>
             <a:endParaRPr lang="de-DE"/>
           </a:p>
@@ -3764,7 +3764,7 @@
           <a:p>
             <a:fld id="{E47F9164-12F9-48A6-9622-CDF71CB57A75}" type="datetimeFigureOut">
               <a:rPr lang="de-DE" smtClean="0"/>
-              <a:t>08.05.2022</a:t>
+              <a:t>09.05.2022</a:t>
             </a:fld>
             <a:endParaRPr lang="de-DE"/>
           </a:p>
@@ -3877,7 +3877,7 @@
           <a:p>
             <a:fld id="{E47F9164-12F9-48A6-9622-CDF71CB57A75}" type="datetimeFigureOut">
               <a:rPr lang="de-DE" smtClean="0"/>
-              <a:t>08.05.2022</a:t>
+              <a:t>09.05.2022</a:t>
             </a:fld>
             <a:endParaRPr lang="de-DE"/>
           </a:p>
@@ -4188,7 +4188,7 @@
           <a:p>
             <a:fld id="{E47F9164-12F9-48A6-9622-CDF71CB57A75}" type="datetimeFigureOut">
               <a:rPr lang="de-DE" smtClean="0"/>
-              <a:t>08.05.2022</a:t>
+              <a:t>09.05.2022</a:t>
             </a:fld>
             <a:endParaRPr lang="de-DE"/>
           </a:p>
@@ -4476,7 +4476,7 @@
           <a:p>
             <a:fld id="{E47F9164-12F9-48A6-9622-CDF71CB57A75}" type="datetimeFigureOut">
               <a:rPr lang="de-DE" smtClean="0"/>
-              <a:t>08.05.2022</a:t>
+              <a:t>09.05.2022</a:t>
             </a:fld>
             <a:endParaRPr lang="de-DE"/>
           </a:p>
@@ -4717,7 +4717,7 @@
           <a:p>
             <a:fld id="{E47F9164-12F9-48A6-9622-CDF71CB57A75}" type="datetimeFigureOut">
               <a:rPr lang="de-DE" smtClean="0"/>
-              <a:t>08.05.2022</a:t>
+              <a:t>09.05.2022</a:t>
             </a:fld>
             <a:endParaRPr lang="de-DE"/>
           </a:p>
@@ -5153,16 +5153,47 @@
         <p:spPr>
           <a:xfrm>
             <a:off x="1524000" y="4990451"/>
-            <a:ext cx="9144000" cy="642791"/>
+            <a:ext cx="10066506" cy="1023489"/>
           </a:xfrm>
         </p:spPr>
         <p:txBody>
-          <a:bodyPr/>
+          <a:bodyPr>
+            <a:normAutofit fontScale="85000" lnSpcReduction="20000"/>
+          </a:bodyPr>
           <a:lstStyle/>
           <a:p>
             <a:r>
               <a:rPr lang="de-DE" dirty="0"/>
               <a:t>40200 Seminararbeit Abschlusspräsentation</a:t>
+            </a:r>
+          </a:p>
+          <a:p>
+            <a:r>
+              <a:rPr lang="de-DE" dirty="0" err="1"/>
+              <a:t>Neural</a:t>
+            </a:r>
+            <a:r>
+              <a:rPr lang="de-DE" dirty="0"/>
+              <a:t> Networks </a:t>
+            </a:r>
+            <a:r>
+              <a:rPr lang="de-DE" dirty="0" err="1"/>
+              <a:t>from</a:t>
+            </a:r>
+            <a:r>
+              <a:rPr lang="de-DE" dirty="0"/>
+              <a:t> Scratch – Eine selbst geschriebene Deep Learning </a:t>
+            </a:r>
+            <a:r>
+              <a:rPr lang="de-DE" dirty="0" err="1"/>
+              <a:t>Bibliotheek</a:t>
+            </a:r>
+            <a:endParaRPr lang="de-DE" dirty="0"/>
+          </a:p>
+          <a:p>
+            <a:r>
+              <a:rPr lang="de-DE" dirty="0"/>
+              <a:t>Kevin Südmersen</a:t>
             </a:r>
           </a:p>
         </p:txBody>
@@ -6226,35 +6257,6 @@
           </a:prstGeom>
         </p:spPr>
       </p:pic>
-      <p:pic>
-        <p:nvPicPr>
-          <p:cNvPr id="7" name="Picture 6">
-            <a:extLst>
-              <a:ext uri="{FF2B5EF4-FFF2-40B4-BE49-F238E27FC236}">
-                <a16:creationId xmlns:a16="http://schemas.microsoft.com/office/drawing/2014/main" id="{E4B3F011-AEA6-6515-75F8-6165E6EA2C20}"/>
-              </a:ext>
-            </a:extLst>
-          </p:cNvPr>
-          <p:cNvPicPr>
-            <a:picLocks noChangeAspect="1"/>
-          </p:cNvPicPr>
-          <p:nvPr/>
-        </p:nvPicPr>
-        <p:blipFill rotWithShape="1">
-          <a:blip r:embed="rId4"/>
-          <a:srcRect t="2944" r="1115" b="13573"/>
-          <a:stretch/>
-        </p:blipFill>
-        <p:spPr>
-          <a:xfrm>
-            <a:off x="168815" y="4377692"/>
-            <a:ext cx="10728959" cy="2249315"/>
-          </a:xfrm>
-          <a:prstGeom prst="rect">
-            <a:avLst/>
-          </a:prstGeom>
-        </p:spPr>
-      </p:pic>
       <p:sp>
         <p:nvSpPr>
           <p:cNvPr id="8" name="TextBox 7">
@@ -6292,51 +6294,6 @@
             <a:r>
               <a:rPr lang="de-DE" sz="1400" dirty="0"/>
               <a:t>gültige Lösung</a:t>
-            </a:r>
-          </a:p>
-        </p:txBody>
-      </p:sp>
-      <p:sp>
-        <p:nvSpPr>
-          <p:cNvPr id="9" name="TextBox 8">
-            <a:extLst>
-              <a:ext uri="{FF2B5EF4-FFF2-40B4-BE49-F238E27FC236}">
-                <a16:creationId xmlns:a16="http://schemas.microsoft.com/office/drawing/2014/main" id="{95D52D75-3BC5-83FB-D4B7-3D31BE9C66C8}"/>
-              </a:ext>
-            </a:extLst>
-          </p:cNvPr>
-          <p:cNvSpPr txBox="1"/>
-          <p:nvPr/>
-        </p:nvSpPr>
-        <p:spPr>
-          <a:xfrm>
-            <a:off x="11029072" y="4897902"/>
-            <a:ext cx="1162928" cy="1169551"/>
-          </a:xfrm>
-          <a:prstGeom prst="rect">
-            <a:avLst/>
-          </a:prstGeom>
-          <a:noFill/>
-        </p:spPr>
-        <p:txBody>
-          <a:bodyPr wrap="square" rtlCol="0">
-            <a:spAutoFit/>
-          </a:bodyPr>
-          <a:lstStyle/>
-          <a:p>
-            <a:r>
-              <a:rPr lang="de-DE" sz="1400" dirty="0"/>
-              <a:t>Lösung bei Sigmoid Aktivierungs-</a:t>
-            </a:r>
-          </a:p>
-          <a:p>
-            <a:r>
-              <a:rPr lang="de-DE" sz="1400" dirty="0" err="1"/>
-              <a:t>funktion</a:t>
-            </a:r>
-            <a:r>
-              <a:rPr lang="de-DE" sz="1400" dirty="0"/>
-              <a:t> im Hidden Layer</a:t>
             </a:r>
           </a:p>
         </p:txBody>
@@ -6431,78 +6388,6 @@
                       </p:childTnLst>
                     </p:cTn>
                   </p:par>
-                  <p:par>
-                    <p:cTn id="9" fill="hold">
-                      <p:stCondLst>
-                        <p:cond delay="indefinite"/>
-                      </p:stCondLst>
-                      <p:childTnLst>
-                        <p:par>
-                          <p:cTn id="10" fill="hold">
-                            <p:stCondLst>
-                              <p:cond delay="0"/>
-                            </p:stCondLst>
-                            <p:childTnLst>
-                              <p:par>
-                                <p:cTn id="11" presetID="1" presetClass="entr" presetSubtype="0" fill="hold" nodeType="clickEffect">
-                                  <p:stCondLst>
-                                    <p:cond delay="0"/>
-                                  </p:stCondLst>
-                                  <p:childTnLst>
-                                    <p:set>
-                                      <p:cBhvr>
-                                        <p:cTn id="12" dur="1" fill="hold">
-                                          <p:stCondLst>
-                                            <p:cond delay="0"/>
-                                          </p:stCondLst>
-                                        </p:cTn>
-                                        <p:tgtEl>
-                                          <p:spTgt spid="7"/>
-                                        </p:tgtEl>
-                                        <p:attrNameLst>
-                                          <p:attrName>style.visibility</p:attrName>
-                                        </p:attrNameLst>
-                                      </p:cBhvr>
-                                      <p:to>
-                                        <p:strVal val="visible"/>
-                                      </p:to>
-                                    </p:set>
-                                  </p:childTnLst>
-                                </p:cTn>
-                              </p:par>
-                              <p:par>
-                                <p:cTn id="13" presetID="1" presetClass="entr" presetSubtype="0" fill="hold" grpId="0" nodeType="withEffect">
-                                  <p:stCondLst>
-                                    <p:cond delay="0"/>
-                                  </p:stCondLst>
-                                  <p:childTnLst>
-                                    <p:set>
-                                      <p:cBhvr>
-                                        <p:cTn id="14" dur="1" fill="hold">
-                                          <p:stCondLst>
-                                            <p:cond delay="0"/>
-                                          </p:stCondLst>
-                                        </p:cTn>
-                                        <p:tgtEl>
-                                          <p:spTgt spid="9"/>
-                                        </p:tgtEl>
-                                        <p:attrNameLst>
-                                          <p:attrName>style.visibility</p:attrName>
-                                        </p:attrNameLst>
-                                      </p:cBhvr>
-                                      <p:to>
-                                        <p:strVal val="visible"/>
-                                      </p:to>
-                                    </p:set>
-                                  </p:childTnLst>
-                                </p:cTn>
-                              </p:par>
-                            </p:childTnLst>
-                          </p:cTn>
-                        </p:par>
-                      </p:childTnLst>
-                    </p:cTn>
-                  </p:par>
                 </p:childTnLst>
               </p:cTn>
               <p:prevCondLst>
@@ -6526,7 +6411,6 @@
     </p:tnLst>
     <p:bldLst>
       <p:bldP spid="8" grpId="0"/>
-      <p:bldP spid="9" grpId="0"/>
     </p:bldLst>
   </p:timing>
 </p:sld>
@@ -11056,8 +10940,8 @@
           </a:p>
         </p:txBody>
       </p:sp>
-      <mc:AlternateContent xmlns:mc="http://schemas.openxmlformats.org/markup-compatibility/2006">
-        <mc:Choice xmlns:a14="http://schemas.microsoft.com/office/drawing/2010/main" Requires="a14">
+      <mc:AlternateContent xmlns:mc="http://schemas.openxmlformats.org/markup-compatibility/2006" xmlns:a14="http://schemas.microsoft.com/office/drawing/2010/main">
+        <mc:Choice Requires="a14">
           <p:sp>
             <p:nvSpPr>
               <p:cNvPr id="21" name="TextBox 20">
@@ -11177,7 +11061,7 @@
             </p:txBody>
           </p:sp>
         </mc:Choice>
-        <mc:Fallback>
+        <mc:Fallback xmlns="">
           <p:sp>
             <p:nvSpPr>
               <p:cNvPr id="21" name="TextBox 20">
@@ -11394,8 +11278,8 @@
             <a:chExt cx="4934986" cy="321435"/>
           </a:xfrm>
         </p:grpSpPr>
-        <mc:AlternateContent xmlns:mc="http://schemas.openxmlformats.org/markup-compatibility/2006">
-          <mc:Choice xmlns:a14="http://schemas.microsoft.com/office/drawing/2010/main" Requires="a14">
+        <mc:AlternateContent xmlns:mc="http://schemas.openxmlformats.org/markup-compatibility/2006" xmlns:a14="http://schemas.microsoft.com/office/drawing/2010/main">
+          <mc:Choice Requires="a14">
             <p:sp>
               <p:nvSpPr>
                 <p:cNvPr id="32" name="TextBox 31">
@@ -11424,6 +11308,7 @@
                 </a:bodyPr>
                 <a:lstStyle/>
                 <a:p>
+                  <a:pPr/>
                   <a14:m>
                     <m:oMathPara xmlns:m="http://schemas.openxmlformats.org/officeDocument/2006/math">
                       <m:oMathParaPr>
@@ -11677,7 +11562,7 @@
               </p:txBody>
             </p:sp>
           </mc:Choice>
-          <mc:Fallback>
+          <mc:Fallback xmlns="">
             <p:sp>
               <p:nvSpPr>
                 <p:cNvPr id="32" name="TextBox 31">
@@ -11779,8 +11664,8 @@
             <a:chExt cx="4553723" cy="321435"/>
           </a:xfrm>
         </p:grpSpPr>
-        <mc:AlternateContent xmlns:mc="http://schemas.openxmlformats.org/markup-compatibility/2006">
-          <mc:Choice xmlns:a14="http://schemas.microsoft.com/office/drawing/2010/main" Requires="a14">
+        <mc:AlternateContent xmlns:mc="http://schemas.openxmlformats.org/markup-compatibility/2006" xmlns:a14="http://schemas.microsoft.com/office/drawing/2010/main">
+          <mc:Choice Requires="a14">
             <p:sp>
               <p:nvSpPr>
                 <p:cNvPr id="35" name="TextBox 34">
@@ -11809,6 +11694,7 @@
                 </a:bodyPr>
                 <a:lstStyle/>
                 <a:p>
+                  <a:pPr/>
                   <a14:m>
                     <m:oMathPara xmlns:m="http://schemas.openxmlformats.org/officeDocument/2006/math">
                       <m:oMathParaPr>
@@ -12074,7 +11960,7 @@
               </p:txBody>
             </p:sp>
           </mc:Choice>
-          <mc:Fallback>
+          <mc:Fallback xmlns="">
             <p:sp>
               <p:nvSpPr>
                 <p:cNvPr id="35" name="TextBox 34">
@@ -12176,8 +12062,8 @@
             <a:chExt cx="4456446" cy="314253"/>
           </a:xfrm>
         </p:grpSpPr>
-        <mc:AlternateContent xmlns:mc="http://schemas.openxmlformats.org/markup-compatibility/2006">
-          <mc:Choice xmlns:a14="http://schemas.microsoft.com/office/drawing/2010/main" Requires="a14">
+        <mc:AlternateContent xmlns:mc="http://schemas.openxmlformats.org/markup-compatibility/2006" xmlns:a14="http://schemas.microsoft.com/office/drawing/2010/main">
+          <mc:Choice Requires="a14">
             <p:sp>
               <p:nvSpPr>
                 <p:cNvPr id="37" name="TextBox 36">
@@ -12206,6 +12092,7 @@
                 </a:bodyPr>
                 <a:lstStyle/>
                 <a:p>
+                  <a:pPr/>
                   <a14:m>
                     <m:oMathPara xmlns:m="http://schemas.openxmlformats.org/officeDocument/2006/math">
                       <m:oMathParaPr>
@@ -12441,7 +12328,7 @@
               </p:txBody>
             </p:sp>
           </mc:Choice>
-          <mc:Fallback>
+          <mc:Fallback xmlns="">
             <p:sp>
               <p:nvSpPr>
                 <p:cNvPr id="37" name="TextBox 36">
@@ -13467,8 +13354,8 @@
           </a:p>
         </p:txBody>
       </p:sp>
-      <mc:AlternateContent xmlns:mc="http://schemas.openxmlformats.org/markup-compatibility/2006">
-        <mc:Choice xmlns:a14="http://schemas.microsoft.com/office/drawing/2010/main" Requires="a14">
+      <mc:AlternateContent xmlns:mc="http://schemas.openxmlformats.org/markup-compatibility/2006" xmlns:a14="http://schemas.microsoft.com/office/drawing/2010/main">
+        <mc:Choice Requires="a14">
           <p:sp>
             <p:nvSpPr>
               <p:cNvPr id="22" name="TextBox 21">
@@ -13571,7 +13458,7 @@
             </p:txBody>
           </p:sp>
         </mc:Choice>
-        <mc:Fallback>
+        <mc:Fallback xmlns="">
           <p:sp>
             <p:nvSpPr>
               <p:cNvPr id="22" name="TextBox 21">
@@ -13616,8 +13503,8 @@
           </p:sp>
         </mc:Fallback>
       </mc:AlternateContent>
-      <mc:AlternateContent xmlns:mc="http://schemas.openxmlformats.org/markup-compatibility/2006">
-        <mc:Choice xmlns:a14="http://schemas.microsoft.com/office/drawing/2010/main" Requires="a14">
+      <mc:AlternateContent xmlns:mc="http://schemas.openxmlformats.org/markup-compatibility/2006" xmlns:a14="http://schemas.microsoft.com/office/drawing/2010/main">
+        <mc:Choice Requires="a14">
           <p:sp>
             <p:nvSpPr>
               <p:cNvPr id="23" name="TextBox 22">
@@ -13720,7 +13607,7 @@
             </p:txBody>
           </p:sp>
         </mc:Choice>
-        <mc:Fallback>
+        <mc:Fallback xmlns="">
           <p:sp>
             <p:nvSpPr>
               <p:cNvPr id="23" name="TextBox 22">
@@ -13823,8 +13710,8 @@
           </a:prstGeom>
         </p:spPr>
       </p:pic>
-      <mc:AlternateContent xmlns:mc="http://schemas.openxmlformats.org/markup-compatibility/2006">
-        <mc:Choice xmlns:a14="http://schemas.microsoft.com/office/drawing/2010/main" Requires="a14">
+      <mc:AlternateContent xmlns:mc="http://schemas.openxmlformats.org/markup-compatibility/2006" xmlns:a14="http://schemas.microsoft.com/office/drawing/2010/main">
+        <mc:Choice Requires="a14">
           <p:sp>
             <p:nvSpPr>
               <p:cNvPr id="56" name="TextBox 55">
@@ -13927,7 +13814,7 @@
             </p:txBody>
           </p:sp>
         </mc:Choice>
-        <mc:Fallback>
+        <mc:Fallback xmlns="">
           <p:sp>
             <p:nvSpPr>
               <p:cNvPr id="56" name="TextBox 55">
@@ -14977,10 +14864,9 @@
           <a:p>
             <a:pPr lvl="1"/>
             <a:r>
-              <a:rPr lang="de-DE"/>
+              <a:rPr lang="de-DE" dirty="0"/>
               <a:t>Demo Anwendung</a:t>
             </a:r>
-            <a:endParaRPr lang="de-DE" dirty="0"/>
           </a:p>
         </p:txBody>
       </p:sp>
@@ -16810,8 +16696,8 @@
           </a:prstGeom>
         </p:spPr>
       </p:pic>
-      <mc:AlternateContent xmlns:mc="http://schemas.openxmlformats.org/markup-compatibility/2006" xmlns:a14="http://schemas.microsoft.com/office/drawing/2010/main">
-        <mc:Choice Requires="a14">
+      <mc:AlternateContent xmlns:mc="http://schemas.openxmlformats.org/markup-compatibility/2006">
+        <mc:Choice xmlns:a14="http://schemas.microsoft.com/office/drawing/2010/main" Requires="a14">
           <p:sp>
             <p:nvSpPr>
               <p:cNvPr id="14" name="Textfeld 13">
@@ -17097,7 +16983,7 @@
             </p:txBody>
           </p:sp>
         </mc:Choice>
-        <mc:Fallback xmlns="">
+        <mc:Fallback>
           <p:sp>
             <p:nvSpPr>
               <p:cNvPr id="14" name="Textfeld 13">
@@ -17142,6 +17028,96 @@
           </p:sp>
         </mc:Fallback>
       </mc:AlternateContent>
+      <p:pic>
+        <p:nvPicPr>
+          <p:cNvPr id="4" name="Picture 3">
+            <a:extLst>
+              <a:ext uri="{FF2B5EF4-FFF2-40B4-BE49-F238E27FC236}">
+                <a16:creationId xmlns:a16="http://schemas.microsoft.com/office/drawing/2014/main" id="{24319CC5-749D-DEC7-5F11-E908A0037C21}"/>
+              </a:ext>
+            </a:extLst>
+          </p:cNvPr>
+          <p:cNvPicPr>
+            <a:picLocks noChangeAspect="1"/>
+          </p:cNvPicPr>
+          <p:nvPr/>
+        </p:nvPicPr>
+        <p:blipFill>
+          <a:blip r:embed="rId5"/>
+          <a:stretch>
+            <a:fillRect/>
+          </a:stretch>
+        </p:blipFill>
+        <p:spPr>
+          <a:xfrm>
+            <a:off x="7742811" y="4091799"/>
+            <a:ext cx="2026675" cy="699074"/>
+          </a:xfrm>
+          <a:prstGeom prst="rect">
+            <a:avLst/>
+          </a:prstGeom>
+        </p:spPr>
+      </p:pic>
+      <p:pic>
+        <p:nvPicPr>
+          <p:cNvPr id="8" name="Picture 7">
+            <a:extLst>
+              <a:ext uri="{FF2B5EF4-FFF2-40B4-BE49-F238E27FC236}">
+                <a16:creationId xmlns:a16="http://schemas.microsoft.com/office/drawing/2014/main" id="{A4C60FA6-A6A3-8491-4ED4-E0392FB187FE}"/>
+              </a:ext>
+            </a:extLst>
+          </p:cNvPr>
+          <p:cNvPicPr>
+            <a:picLocks noChangeAspect="1"/>
+          </p:cNvPicPr>
+          <p:nvPr/>
+        </p:nvPicPr>
+        <p:blipFill>
+          <a:blip r:embed="rId6"/>
+          <a:stretch>
+            <a:fillRect/>
+          </a:stretch>
+        </p:blipFill>
+        <p:spPr>
+          <a:xfrm>
+            <a:off x="8341054" y="5169582"/>
+            <a:ext cx="1651345" cy="618376"/>
+          </a:xfrm>
+          <a:prstGeom prst="rect">
+            <a:avLst/>
+          </a:prstGeom>
+        </p:spPr>
+      </p:pic>
+      <p:pic>
+        <p:nvPicPr>
+          <p:cNvPr id="10" name="Picture 9">
+            <a:extLst>
+              <a:ext uri="{FF2B5EF4-FFF2-40B4-BE49-F238E27FC236}">
+                <a16:creationId xmlns:a16="http://schemas.microsoft.com/office/drawing/2014/main" id="{3BF7CFE3-0489-F704-318E-6DF1F0B7AD4A}"/>
+              </a:ext>
+            </a:extLst>
+          </p:cNvPr>
+          <p:cNvPicPr>
+            <a:picLocks noChangeAspect="1"/>
+          </p:cNvPicPr>
+          <p:nvPr/>
+        </p:nvPicPr>
+        <p:blipFill>
+          <a:blip r:embed="rId7"/>
+          <a:stretch>
+            <a:fillRect/>
+          </a:stretch>
+        </p:blipFill>
+        <p:spPr>
+          <a:xfrm>
+            <a:off x="7742812" y="5304701"/>
+            <a:ext cx="561284" cy="348138"/>
+          </a:xfrm>
+          <a:prstGeom prst="rect">
+            <a:avLst/>
+          </a:prstGeom>
+        </p:spPr>
+      </p:pic>
     </p:spTree>
     <p:extLst>
       <p:ext uri="{BB962C8B-B14F-4D97-AF65-F5344CB8AC3E}">
@@ -20965,7 +20941,7 @@
             </a:br>
             <a:r>
               <a:rPr lang="de-DE" sz="2400" dirty="0"/>
-              <a:t>Zielgleichungen</a:t>
+              <a:t>Backpropagation Zielgleichungen</a:t>
             </a:r>
             <a:endParaRPr lang="de-DE" dirty="0"/>
           </a:p>
